--- a/neural_network.pptx
+++ b/neural_network.pptx
@@ -288,7 +288,7 @@
           <a:p>
             <a:fld id="{FB30EDBD-1C2D-4C1E-B459-B60219FAB484}" type="datetimeFigureOut">
               <a:rPr lang="ko-KR" altLang="en-US" smtClean="0"/>
-              <a:t>2018-09-06</a:t>
+              <a:t>2018-09-15</a:t>
             </a:fld>
             <a:endParaRPr lang="ko-KR" altLang="en-US"/>
           </a:p>
@@ -453,7 +453,7 @@
           <a:p>
             <a:fld id="{FB30EDBD-1C2D-4C1E-B459-B60219FAB484}" type="datetimeFigureOut">
               <a:rPr lang="ko-KR" altLang="en-US" smtClean="0"/>
-              <a:t>2018-09-06</a:t>
+              <a:t>2018-09-15</a:t>
             </a:fld>
             <a:endParaRPr lang="ko-KR" altLang="en-US"/>
           </a:p>
@@ -628,7 +628,7 @@
           <a:p>
             <a:fld id="{FB30EDBD-1C2D-4C1E-B459-B60219FAB484}" type="datetimeFigureOut">
               <a:rPr lang="ko-KR" altLang="en-US" smtClean="0"/>
-              <a:t>2018-09-06</a:t>
+              <a:t>2018-09-15</a:t>
             </a:fld>
             <a:endParaRPr lang="ko-KR" altLang="en-US"/>
           </a:p>
@@ -793,7 +793,7 @@
           <a:p>
             <a:fld id="{FB30EDBD-1C2D-4C1E-B459-B60219FAB484}" type="datetimeFigureOut">
               <a:rPr lang="ko-KR" altLang="en-US" smtClean="0"/>
-              <a:t>2018-09-06</a:t>
+              <a:t>2018-09-15</a:t>
             </a:fld>
             <a:endParaRPr lang="ko-KR" altLang="en-US"/>
           </a:p>
@@ -1034,7 +1034,7 @@
           <a:p>
             <a:fld id="{FB30EDBD-1C2D-4C1E-B459-B60219FAB484}" type="datetimeFigureOut">
               <a:rPr lang="ko-KR" altLang="en-US" smtClean="0"/>
-              <a:t>2018-09-06</a:t>
+              <a:t>2018-09-15</a:t>
             </a:fld>
             <a:endParaRPr lang="ko-KR" altLang="en-US"/>
           </a:p>
@@ -1317,7 +1317,7 @@
           <a:p>
             <a:fld id="{FB30EDBD-1C2D-4C1E-B459-B60219FAB484}" type="datetimeFigureOut">
               <a:rPr lang="ko-KR" altLang="en-US" smtClean="0"/>
-              <a:t>2018-09-06</a:t>
+              <a:t>2018-09-15</a:t>
             </a:fld>
             <a:endParaRPr lang="ko-KR" altLang="en-US"/>
           </a:p>
@@ -1734,7 +1734,7 @@
           <a:p>
             <a:fld id="{FB30EDBD-1C2D-4C1E-B459-B60219FAB484}" type="datetimeFigureOut">
               <a:rPr lang="ko-KR" altLang="en-US" smtClean="0"/>
-              <a:t>2018-09-06</a:t>
+              <a:t>2018-09-15</a:t>
             </a:fld>
             <a:endParaRPr lang="ko-KR" altLang="en-US"/>
           </a:p>
@@ -1847,7 +1847,7 @@
           <a:p>
             <a:fld id="{FB30EDBD-1C2D-4C1E-B459-B60219FAB484}" type="datetimeFigureOut">
               <a:rPr lang="ko-KR" altLang="en-US" smtClean="0"/>
-              <a:t>2018-09-06</a:t>
+              <a:t>2018-09-15</a:t>
             </a:fld>
             <a:endParaRPr lang="ko-KR" altLang="en-US"/>
           </a:p>
@@ -1937,7 +1937,7 @@
           <a:p>
             <a:fld id="{FB30EDBD-1C2D-4C1E-B459-B60219FAB484}" type="datetimeFigureOut">
               <a:rPr lang="ko-KR" altLang="en-US" smtClean="0"/>
-              <a:t>2018-09-06</a:t>
+              <a:t>2018-09-15</a:t>
             </a:fld>
             <a:endParaRPr lang="ko-KR" altLang="en-US"/>
           </a:p>
@@ -2209,7 +2209,7 @@
           <a:p>
             <a:fld id="{FB30EDBD-1C2D-4C1E-B459-B60219FAB484}" type="datetimeFigureOut">
               <a:rPr lang="ko-KR" altLang="en-US" smtClean="0"/>
-              <a:t>2018-09-06</a:t>
+              <a:t>2018-09-15</a:t>
             </a:fld>
             <a:endParaRPr lang="ko-KR" altLang="en-US"/>
           </a:p>
@@ -2457,7 +2457,7 @@
           <a:p>
             <a:fld id="{FB30EDBD-1C2D-4C1E-B459-B60219FAB484}" type="datetimeFigureOut">
               <a:rPr lang="ko-KR" altLang="en-US" smtClean="0"/>
-              <a:t>2018-09-06</a:t>
+              <a:t>2018-09-15</a:t>
             </a:fld>
             <a:endParaRPr lang="ko-KR" altLang="en-US"/>
           </a:p>
@@ -2665,7 +2665,7 @@
           <a:p>
             <a:fld id="{FB30EDBD-1C2D-4C1E-B459-B60219FAB484}" type="datetimeFigureOut">
               <a:rPr lang="ko-KR" altLang="en-US" smtClean="0"/>
-              <a:t>2018-09-06</a:t>
+              <a:t>2018-09-15</a:t>
             </a:fld>
             <a:endParaRPr lang="ko-KR" altLang="en-US"/>
           </a:p>
@@ -3083,52 +3083,6 @@
       </p:sp>
       <p:sp>
         <p:nvSpPr>
-          <p:cNvPr id="5" name="타원 4"/>
-          <p:cNvSpPr/>
-          <p:nvPr/>
-        </p:nvSpPr>
-        <p:spPr>
-          <a:xfrm>
-            <a:off x="755576" y="1772816"/>
-            <a:ext cx="216024" cy="216024"/>
-          </a:xfrm>
-          <a:prstGeom prst="ellipse">
-            <a:avLst/>
-          </a:prstGeom>
-          <a:noFill/>
-          <a:ln>
-            <a:solidFill>
-              <a:schemeClr val="tx1"/>
-            </a:solidFill>
-          </a:ln>
-        </p:spPr>
-        <p:style>
-          <a:lnRef idx="2">
-            <a:schemeClr val="accent1">
-              <a:shade val="50000"/>
-            </a:schemeClr>
-          </a:lnRef>
-          <a:fillRef idx="1">
-            <a:schemeClr val="accent1"/>
-          </a:fillRef>
-          <a:effectRef idx="0">
-            <a:schemeClr val="accent1"/>
-          </a:effectRef>
-          <a:fontRef idx="minor">
-            <a:schemeClr val="lt1"/>
-          </a:fontRef>
-        </p:style>
-        <p:txBody>
-          <a:bodyPr rtlCol="0" anchor="ctr"/>
-          <a:lstStyle/>
-          <a:p>
-            <a:pPr algn="ctr"/>
-            <a:endParaRPr lang="ko-KR" altLang="en-US"/>
-          </a:p>
-        </p:txBody>
-      </p:sp>
-      <p:sp>
-        <p:nvSpPr>
           <p:cNvPr id="6" name="타원 5"/>
           <p:cNvSpPr/>
           <p:nvPr/>
@@ -3181,7 +3135,7 @@
         </p:nvSpPr>
         <p:spPr>
           <a:xfrm>
-            <a:off x="755576" y="2492896"/>
+            <a:off x="755576" y="2876890"/>
             <a:ext cx="216024" cy="216024"/>
           </a:xfrm>
           <a:prstGeom prst="ellipse">
@@ -3221,13 +3175,13 @@
       </p:sp>
       <p:sp>
         <p:nvSpPr>
-          <p:cNvPr id="8" name="타원 7"/>
+          <p:cNvPr id="9" name="타원 8"/>
           <p:cNvSpPr/>
           <p:nvPr/>
         </p:nvSpPr>
         <p:spPr>
           <a:xfrm>
-            <a:off x="755576" y="4365104"/>
+            <a:off x="755576" y="5147900"/>
             <a:ext cx="216024" cy="216024"/>
           </a:xfrm>
           <a:prstGeom prst="ellipse">
@@ -3267,13 +3221,13 @@
       </p:sp>
       <p:sp>
         <p:nvSpPr>
-          <p:cNvPr id="9" name="타원 8"/>
+          <p:cNvPr id="10" name="타원 9"/>
           <p:cNvSpPr/>
           <p:nvPr/>
         </p:nvSpPr>
         <p:spPr>
           <a:xfrm>
-            <a:off x="755576" y="4725144"/>
+            <a:off x="2429193" y="1412776"/>
             <a:ext cx="216024" cy="216024"/>
           </a:xfrm>
           <a:prstGeom prst="ellipse">
@@ -3313,13 +3267,13 @@
       </p:sp>
       <p:sp>
         <p:nvSpPr>
-          <p:cNvPr id="10" name="타원 9"/>
+          <p:cNvPr id="12" name="타원 11"/>
           <p:cNvSpPr/>
           <p:nvPr/>
         </p:nvSpPr>
         <p:spPr>
           <a:xfrm>
-            <a:off x="2699792" y="1412776"/>
+            <a:off x="2429193" y="2132856"/>
             <a:ext cx="216024" cy="216024"/>
           </a:xfrm>
           <a:prstGeom prst="ellipse">
@@ -3359,13 +3313,13 @@
       </p:sp>
       <p:sp>
         <p:nvSpPr>
-          <p:cNvPr id="11" name="타원 10"/>
+          <p:cNvPr id="14" name="타원 13"/>
           <p:cNvSpPr/>
           <p:nvPr/>
         </p:nvSpPr>
         <p:spPr>
           <a:xfrm>
-            <a:off x="2699792" y="1772816"/>
+            <a:off x="2426943" y="4170093"/>
             <a:ext cx="216024" cy="216024"/>
           </a:xfrm>
           <a:prstGeom prst="ellipse">
@@ -3405,13 +3359,359 @@
       </p:sp>
       <p:sp>
         <p:nvSpPr>
-          <p:cNvPr id="12" name="타원 11"/>
+          <p:cNvPr id="54" name="TextBox 53"/>
+          <p:cNvSpPr txBox="1"/>
+          <p:nvPr/>
+        </p:nvSpPr>
+        <p:spPr>
+          <a:xfrm>
+            <a:off x="6054938" y="753880"/>
+            <a:ext cx="401072" cy="369332"/>
+          </a:xfrm>
+          <a:prstGeom prst="rect">
+            <a:avLst/>
+          </a:prstGeom>
+          <a:noFill/>
+        </p:spPr>
+        <p:txBody>
+          <a:bodyPr wrap="none" rtlCol="0">
+            <a:spAutoFit/>
+          </a:bodyPr>
+          <a:lstStyle/>
+          <a:p>
+            <a:r>
+              <a:rPr lang="en-US" altLang="ko-KR" dirty="0" err="1" smtClean="0"/>
+              <a:t>p</a:t>
+            </a:r>
+            <a:r>
+              <a:rPr lang="en-US" altLang="ko-KR" baseline="-25000" dirty="0" err="1" smtClean="0"/>
+              <a:t>k</a:t>
+            </a:r>
+            <a:endParaRPr lang="ko-KR" altLang="en-US" baseline="-25000" dirty="0"/>
+          </a:p>
+        </p:txBody>
+      </p:sp>
+      <p:sp>
+        <p:nvSpPr>
+          <p:cNvPr id="55" name="TextBox 54"/>
+          <p:cNvSpPr txBox="1"/>
+          <p:nvPr/>
+        </p:nvSpPr>
+        <p:spPr>
+          <a:xfrm>
+            <a:off x="6788385" y="753880"/>
+            <a:ext cx="377026" cy="369332"/>
+          </a:xfrm>
+          <a:prstGeom prst="rect">
+            <a:avLst/>
+          </a:prstGeom>
+          <a:noFill/>
+        </p:spPr>
+        <p:txBody>
+          <a:bodyPr wrap="none" rtlCol="0">
+            <a:spAutoFit/>
+          </a:bodyPr>
+          <a:lstStyle/>
+          <a:p>
+            <a:r>
+              <a:rPr lang="en-US" altLang="ko-KR" dirty="0" err="1" smtClean="0"/>
+              <a:t>y</a:t>
+            </a:r>
+            <a:r>
+              <a:rPr lang="en-US" altLang="ko-KR" baseline="-25000" dirty="0" err="1" smtClean="0"/>
+              <a:t>k</a:t>
+            </a:r>
+            <a:endParaRPr lang="ko-KR" altLang="en-US" baseline="-25000" dirty="0"/>
+          </a:p>
+        </p:txBody>
+      </p:sp>
+      <p:sp>
+        <p:nvSpPr>
+          <p:cNvPr id="56" name="TextBox 55"/>
+          <p:cNvSpPr txBox="1"/>
+          <p:nvPr/>
+        </p:nvSpPr>
+        <p:spPr>
+          <a:xfrm>
+            <a:off x="720686" y="749550"/>
+            <a:ext cx="330540" cy="369332"/>
+          </a:xfrm>
+          <a:prstGeom prst="rect">
+            <a:avLst/>
+          </a:prstGeom>
+          <a:noFill/>
+        </p:spPr>
+        <p:txBody>
+          <a:bodyPr wrap="none" rtlCol="0">
+            <a:spAutoFit/>
+          </a:bodyPr>
+          <a:lstStyle/>
+          <a:p>
+            <a:r>
+              <a:rPr lang="en-US" altLang="ko-KR" dirty="0" smtClean="0"/>
+              <a:t>x</a:t>
+            </a:r>
+            <a:r>
+              <a:rPr lang="en-US" altLang="ko-KR" baseline="-25000" dirty="0" smtClean="0"/>
+              <a:t>i</a:t>
+            </a:r>
+            <a:endParaRPr lang="ko-KR" altLang="en-US" baseline="-25000" dirty="0"/>
+          </a:p>
+        </p:txBody>
+      </p:sp>
+      <p:sp>
+        <p:nvSpPr>
+          <p:cNvPr id="58" name="TextBox 57"/>
+          <p:cNvSpPr txBox="1"/>
+          <p:nvPr/>
+        </p:nvSpPr>
+        <p:spPr>
+          <a:xfrm>
+            <a:off x="251520" y="1292407"/>
+            <a:ext cx="377026" cy="369332"/>
+          </a:xfrm>
+          <a:prstGeom prst="rect">
+            <a:avLst/>
+          </a:prstGeom>
+          <a:noFill/>
+        </p:spPr>
+        <p:txBody>
+          <a:bodyPr wrap="none" rtlCol="0">
+            <a:spAutoFit/>
+          </a:bodyPr>
+          <a:lstStyle/>
+          <a:p>
+            <a:r>
+              <a:rPr lang="en-US" altLang="ko-KR" dirty="0" err="1" smtClean="0"/>
+              <a:t>x</a:t>
+            </a:r>
+            <a:r>
+              <a:rPr lang="en-US" altLang="ko-KR" baseline="-25000" dirty="0" err="1" smtClean="0"/>
+              <a:t>0</a:t>
+            </a:r>
+            <a:endParaRPr lang="ko-KR" altLang="en-US" baseline="-25000" dirty="0"/>
+          </a:p>
+        </p:txBody>
+      </p:sp>
+      <p:sp>
+        <p:nvSpPr>
+          <p:cNvPr id="59" name="TextBox 58"/>
+          <p:cNvSpPr txBox="1"/>
+          <p:nvPr/>
+        </p:nvSpPr>
+        <p:spPr>
+          <a:xfrm>
+            <a:off x="229479" y="1988840"/>
+            <a:ext cx="377026" cy="369332"/>
+          </a:xfrm>
+          <a:prstGeom prst="rect">
+            <a:avLst/>
+          </a:prstGeom>
+          <a:noFill/>
+        </p:spPr>
+        <p:txBody>
+          <a:bodyPr wrap="none" rtlCol="0">
+            <a:spAutoFit/>
+          </a:bodyPr>
+          <a:lstStyle/>
+          <a:p>
+            <a:r>
+              <a:rPr lang="en-US" altLang="ko-KR" dirty="0" err="1" smtClean="0"/>
+              <a:t>x</a:t>
+            </a:r>
+            <a:r>
+              <a:rPr lang="en-US" altLang="ko-KR" baseline="-25000" dirty="0" err="1" smtClean="0"/>
+              <a:t>1</a:t>
+            </a:r>
+            <a:endParaRPr lang="ko-KR" altLang="en-US" baseline="-25000" dirty="0"/>
+          </a:p>
+        </p:txBody>
+      </p:sp>
+      <p:sp>
+        <p:nvSpPr>
+          <p:cNvPr id="60" name="TextBox 59"/>
+          <p:cNvSpPr txBox="1"/>
+          <p:nvPr/>
+        </p:nvSpPr>
+        <p:spPr>
+          <a:xfrm>
+            <a:off x="215407" y="2756521"/>
+            <a:ext cx="377026" cy="369332"/>
+          </a:xfrm>
+          <a:prstGeom prst="rect">
+            <a:avLst/>
+          </a:prstGeom>
+          <a:noFill/>
+        </p:spPr>
+        <p:txBody>
+          <a:bodyPr wrap="none" rtlCol="0">
+            <a:spAutoFit/>
+          </a:bodyPr>
+          <a:lstStyle/>
+          <a:p>
+            <a:r>
+              <a:rPr lang="en-US" altLang="ko-KR" dirty="0" err="1" smtClean="0"/>
+              <a:t>x</a:t>
+            </a:r>
+            <a:r>
+              <a:rPr lang="en-US" altLang="ko-KR" baseline="-25000" dirty="0" err="1" smtClean="0"/>
+              <a:t>2</a:t>
+            </a:r>
+            <a:endParaRPr lang="ko-KR" altLang="en-US" baseline="-25000" dirty="0"/>
+          </a:p>
+        </p:txBody>
+      </p:sp>
+      <p:sp>
+        <p:nvSpPr>
+          <p:cNvPr id="61" name="TextBox 60"/>
+          <p:cNvSpPr txBox="1"/>
+          <p:nvPr/>
+        </p:nvSpPr>
+        <p:spPr>
+          <a:xfrm>
+            <a:off x="229479" y="5003884"/>
+            <a:ext cx="546945" cy="369332"/>
+          </a:xfrm>
+          <a:prstGeom prst="rect">
+            <a:avLst/>
+          </a:prstGeom>
+          <a:noFill/>
+        </p:spPr>
+        <p:txBody>
+          <a:bodyPr wrap="none" rtlCol="0">
+            <a:spAutoFit/>
+          </a:bodyPr>
+          <a:lstStyle/>
+          <a:p>
+            <a:r>
+              <a:rPr lang="en-US" altLang="ko-KR" dirty="0" err="1" smtClean="0"/>
+              <a:t>x</a:t>
+            </a:r>
+            <a:r>
+              <a:rPr lang="en-US" altLang="ko-KR" baseline="-25000" dirty="0" err="1" smtClean="0"/>
+              <a:t>783</a:t>
+            </a:r>
+            <a:endParaRPr lang="ko-KR" altLang="en-US" baseline="-25000" dirty="0"/>
+          </a:p>
+        </p:txBody>
+      </p:sp>
+      <p:cxnSp>
+        <p:nvCxnSpPr>
+          <p:cNvPr id="16" name="직선 화살표 연결선 15"/>
+          <p:cNvCxnSpPr>
+            <a:stCxn id="4" idx="6"/>
+            <a:endCxn id="10" idx="2"/>
+          </p:cNvCxnSpPr>
+          <p:nvPr/>
+        </p:nvCxnSpPr>
+        <p:spPr>
+          <a:xfrm>
+            <a:off x="971600" y="1520788"/>
+            <a:ext cx="1457593" cy="0"/>
+          </a:xfrm>
+          <a:prstGeom prst="straightConnector1">
+            <a:avLst/>
+          </a:prstGeom>
+          <a:ln w="15875">
+            <a:tailEnd type="arrow"/>
+          </a:ln>
+        </p:spPr>
+        <p:style>
+          <a:lnRef idx="1">
+            <a:schemeClr val="accent1"/>
+          </a:lnRef>
+          <a:fillRef idx="0">
+            <a:schemeClr val="accent1"/>
+          </a:fillRef>
+          <a:effectRef idx="0">
+            <a:schemeClr val="accent1"/>
+          </a:effectRef>
+          <a:fontRef idx="minor">
+            <a:schemeClr val="tx1"/>
+          </a:fontRef>
+        </p:style>
+      </p:cxnSp>
+      <p:cxnSp>
+        <p:nvCxnSpPr>
+          <p:cNvPr id="65" name="직선 화살표 연결선 64"/>
+          <p:cNvCxnSpPr>
+            <a:stCxn id="6" idx="6"/>
+            <a:endCxn id="10" idx="2"/>
+          </p:cNvCxnSpPr>
+          <p:nvPr/>
+        </p:nvCxnSpPr>
+        <p:spPr>
+          <a:xfrm flipV="1">
+            <a:off x="971600" y="1520788"/>
+            <a:ext cx="1457593" cy="720080"/>
+          </a:xfrm>
+          <a:prstGeom prst="straightConnector1">
+            <a:avLst/>
+          </a:prstGeom>
+          <a:ln w="15875">
+            <a:tailEnd type="arrow"/>
+          </a:ln>
+        </p:spPr>
+        <p:style>
+          <a:lnRef idx="1">
+            <a:schemeClr val="accent1"/>
+          </a:lnRef>
+          <a:fillRef idx="0">
+            <a:schemeClr val="accent1"/>
+          </a:fillRef>
+          <a:effectRef idx="0">
+            <a:schemeClr val="accent1"/>
+          </a:effectRef>
+          <a:fontRef idx="minor">
+            <a:schemeClr val="tx1"/>
+          </a:fontRef>
+        </p:style>
+      </p:cxnSp>
+      <p:cxnSp>
+        <p:nvCxnSpPr>
+          <p:cNvPr id="68" name="직선 화살표 연결선 67"/>
+          <p:cNvCxnSpPr>
+            <a:stCxn id="7" idx="7"/>
+            <a:endCxn id="10" idx="2"/>
+          </p:cNvCxnSpPr>
+          <p:nvPr/>
+        </p:nvCxnSpPr>
+        <p:spPr>
+          <a:xfrm flipV="1">
+            <a:off x="939964" y="1520788"/>
+            <a:ext cx="1489229" cy="1387738"/>
+          </a:xfrm>
+          <a:prstGeom prst="straightConnector1">
+            <a:avLst/>
+          </a:prstGeom>
+          <a:ln w="15875">
+            <a:tailEnd type="arrow"/>
+          </a:ln>
+        </p:spPr>
+        <p:style>
+          <a:lnRef idx="1">
+            <a:schemeClr val="accent1"/>
+          </a:lnRef>
+          <a:fillRef idx="0">
+            <a:schemeClr val="accent1"/>
+          </a:fillRef>
+          <a:effectRef idx="0">
+            <a:schemeClr val="accent1"/>
+          </a:effectRef>
+          <a:fontRef idx="minor">
+            <a:schemeClr val="tx1"/>
+          </a:fontRef>
+        </p:style>
+      </p:cxnSp>
+      <p:sp>
+        <p:nvSpPr>
+          <p:cNvPr id="72" name="타원 71"/>
           <p:cNvSpPr/>
           <p:nvPr/>
         </p:nvSpPr>
         <p:spPr>
           <a:xfrm>
-            <a:off x="2699792" y="2132856"/>
+            <a:off x="755576" y="3773136"/>
             <a:ext cx="216024" cy="216024"/>
           </a:xfrm>
           <a:prstGeom prst="ellipse">
@@ -3451,13 +3751,416 @@
       </p:sp>
       <p:sp>
         <p:nvSpPr>
-          <p:cNvPr id="13" name="타원 12"/>
+          <p:cNvPr id="74" name="TextBox 73"/>
+          <p:cNvSpPr txBox="1"/>
+          <p:nvPr/>
+        </p:nvSpPr>
+        <p:spPr>
+          <a:xfrm>
+            <a:off x="242205" y="3618018"/>
+            <a:ext cx="330540" cy="369332"/>
+          </a:xfrm>
+          <a:prstGeom prst="rect">
+            <a:avLst/>
+          </a:prstGeom>
+          <a:noFill/>
+        </p:spPr>
+        <p:txBody>
+          <a:bodyPr wrap="none" rtlCol="0">
+            <a:spAutoFit/>
+          </a:bodyPr>
+          <a:lstStyle/>
+          <a:p>
+            <a:r>
+              <a:rPr lang="en-US" altLang="ko-KR" dirty="0" smtClean="0"/>
+              <a:t>x</a:t>
+            </a:r>
+            <a:r>
+              <a:rPr lang="en-US" altLang="ko-KR" baseline="-25000" dirty="0" smtClean="0"/>
+              <a:t>i</a:t>
+            </a:r>
+            <a:endParaRPr lang="ko-KR" altLang="en-US" baseline="-25000" dirty="0"/>
+          </a:p>
+        </p:txBody>
+      </p:sp>
+      <mc:AlternateContent xmlns:mc="http://schemas.openxmlformats.org/markup-compatibility/2006">
+        <mc:Choice xmlns:a14="http://schemas.microsoft.com/office/drawing/2010/main" Requires="a14">
+          <p:sp>
+            <p:nvSpPr>
+              <p:cNvPr id="67" name="TextBox 66"/>
+              <p:cNvSpPr txBox="1"/>
+              <p:nvPr/>
+            </p:nvSpPr>
+            <p:spPr>
+              <a:xfrm>
+                <a:off x="2332816" y="2416242"/>
+                <a:ext cx="464999" cy="385362"/>
+              </a:xfrm>
+              <a:prstGeom prst="rect">
+                <a:avLst/>
+              </a:prstGeom>
+              <a:noFill/>
+            </p:spPr>
+            <p:txBody>
+              <a:bodyPr wrap="none" rtlCol="0">
+                <a:spAutoFit/>
+              </a:bodyPr>
+              <a:lstStyle/>
+              <a:p>
+                <a14:m>
+                  <m:oMathPara xmlns:m="http://schemas.openxmlformats.org/officeDocument/2006/math">
+                    <m:oMathParaPr>
+                      <m:jc m:val="centerGroup"/>
+                    </m:oMathParaPr>
+                    <m:oMath xmlns:m="http://schemas.openxmlformats.org/officeDocument/2006/math">
+                      <m:sSubSup>
+                        <m:sSubSupPr>
+                          <m:ctrlPr>
+                            <a:rPr lang="ko-KR" altLang="ko-KR" i="1" smtClean="0"/>
+                          </m:ctrlPr>
+                        </m:sSubSupPr>
+                        <m:e>
+                          <m:r>
+                            <m:rPr>
+                              <m:sty m:val="p"/>
+                            </m:rPr>
+                            <a:rPr lang="en-US" altLang="ko-KR"/>
+                            <m:t>Z</m:t>
+                          </m:r>
+                        </m:e>
+                        <m:sub>
+                          <m:r>
+                            <a:rPr lang="en-US" altLang="ko-KR" b="0" i="1" smtClean="0">
+                              <a:latin typeface="Cambria Math"/>
+                            </a:rPr>
+                            <m:t>1</m:t>
+                          </m:r>
+                        </m:sub>
+                        <m:sup>
+                          <m:r>
+                            <a:rPr lang="en-US" altLang="ko-KR" b="0" i="1" smtClean="0">
+                              <a:latin typeface="Cambria Math"/>
+                            </a:rPr>
+                            <m:t>1</m:t>
+                          </m:r>
+                        </m:sup>
+                      </m:sSubSup>
+                    </m:oMath>
+                  </m:oMathPara>
+                </a14:m>
+                <a:endParaRPr lang="ko-KR" altLang="en-US" baseline="-25000" dirty="0"/>
+              </a:p>
+            </p:txBody>
+          </p:sp>
+        </mc:Choice>
+        <mc:Fallback>
+          <p:sp>
+            <p:nvSpPr>
+              <p:cNvPr id="67" name="TextBox 66"/>
+              <p:cNvSpPr txBox="1">
+                <a:spLocks noRot="1" noChangeAspect="1" noMove="1" noResize="1" noEditPoints="1" noAdjustHandles="1" noChangeArrowheads="1" noChangeShapeType="1" noTextEdit="1"/>
+              </p:cNvSpPr>
+              <p:nvPr/>
+            </p:nvSpPr>
+            <p:spPr>
+              <a:xfrm>
+                <a:off x="2332816" y="2416242"/>
+                <a:ext cx="464999" cy="385362"/>
+              </a:xfrm>
+              <a:prstGeom prst="rect">
+                <a:avLst/>
+              </a:prstGeom>
+              <a:blipFill rotWithShape="1">
+                <a:blip r:embed="rId2"/>
+                <a:stretch>
+                  <a:fillRect/>
+                </a:stretch>
+              </a:blipFill>
+            </p:spPr>
+            <p:txBody>
+              <a:bodyPr/>
+              <a:lstStyle/>
+              <a:p>
+                <a:r>
+                  <a:rPr lang="ko-KR" altLang="en-US">
+                    <a:noFill/>
+                  </a:rPr>
+                  <a:t> </a:t>
+                </a:r>
+              </a:p>
+            </p:txBody>
+          </p:sp>
+        </mc:Fallback>
+      </mc:AlternateContent>
+      <p:cxnSp>
+        <p:nvCxnSpPr>
+          <p:cNvPr id="70" name="직선 화살표 연결선 69"/>
+          <p:cNvCxnSpPr>
+            <a:stCxn id="72" idx="7"/>
+            <a:endCxn id="10" idx="2"/>
+          </p:cNvCxnSpPr>
+          <p:nvPr/>
+        </p:nvCxnSpPr>
+        <p:spPr>
+          <a:xfrm flipV="1">
+            <a:off x="939964" y="1520788"/>
+            <a:ext cx="1489229" cy="2283984"/>
+          </a:xfrm>
+          <a:prstGeom prst="straightConnector1">
+            <a:avLst/>
+          </a:prstGeom>
+          <a:ln w="15875">
+            <a:tailEnd type="arrow"/>
+          </a:ln>
+        </p:spPr>
+        <p:style>
+          <a:lnRef idx="1">
+            <a:schemeClr val="accent1"/>
+          </a:lnRef>
+          <a:fillRef idx="0">
+            <a:schemeClr val="accent1"/>
+          </a:fillRef>
+          <a:effectRef idx="0">
+            <a:schemeClr val="accent1"/>
+          </a:effectRef>
+          <a:fontRef idx="minor">
+            <a:schemeClr val="tx1"/>
+          </a:fontRef>
+        </p:style>
+      </p:cxnSp>
+      <p:cxnSp>
+        <p:nvCxnSpPr>
+          <p:cNvPr id="71" name="직선 화살표 연결선 70"/>
+          <p:cNvCxnSpPr>
+            <a:stCxn id="9" idx="7"/>
+            <a:endCxn id="10" idx="2"/>
+          </p:cNvCxnSpPr>
+          <p:nvPr/>
+        </p:nvCxnSpPr>
+        <p:spPr>
+          <a:xfrm flipV="1">
+            <a:off x="939964" y="1520788"/>
+            <a:ext cx="1489229" cy="3658748"/>
+          </a:xfrm>
+          <a:prstGeom prst="straightConnector1">
+            <a:avLst/>
+          </a:prstGeom>
+          <a:ln w="15875">
+            <a:tailEnd type="arrow"/>
+          </a:ln>
+        </p:spPr>
+        <p:style>
+          <a:lnRef idx="1">
+            <a:schemeClr val="accent1"/>
+          </a:lnRef>
+          <a:fillRef idx="0">
+            <a:schemeClr val="accent1"/>
+          </a:fillRef>
+          <a:effectRef idx="0">
+            <a:schemeClr val="accent1"/>
+          </a:effectRef>
+          <a:fontRef idx="minor">
+            <a:schemeClr val="tx1"/>
+          </a:fontRef>
+        </p:style>
+      </p:cxnSp>
+      <p:sp>
+        <p:nvSpPr>
+          <p:cNvPr id="77" name="TextBox 76"/>
+          <p:cNvSpPr txBox="1"/>
+          <p:nvPr/>
+        </p:nvSpPr>
+        <p:spPr>
+          <a:xfrm>
+            <a:off x="730820" y="4018721"/>
+            <a:ext cx="256802" cy="1107996"/>
+          </a:xfrm>
+          <a:prstGeom prst="rect">
+            <a:avLst/>
+          </a:prstGeom>
+          <a:noFill/>
+        </p:spPr>
+        <p:txBody>
+          <a:bodyPr wrap="none" rtlCol="0">
+            <a:spAutoFit/>
+          </a:bodyPr>
+          <a:lstStyle/>
+          <a:p>
+            <a:r>
+              <a:rPr lang="en-US" altLang="ko-KR" b="1" dirty="0" smtClean="0"/>
+              <a:t>∙</a:t>
+            </a:r>
+          </a:p>
+          <a:p>
+            <a:r>
+              <a:rPr lang="en-US" altLang="ko-KR" b="1" dirty="0"/>
+              <a:t>∙</a:t>
+            </a:r>
+          </a:p>
+          <a:p>
+            <a:r>
+              <a:rPr lang="en-US" altLang="ko-KR" b="1" dirty="0"/>
+              <a:t>∙</a:t>
+            </a:r>
+          </a:p>
+          <a:p>
+            <a:endParaRPr lang="ko-KR" altLang="en-US" b="1" baseline="-25000" dirty="0"/>
+          </a:p>
+        </p:txBody>
+      </p:sp>
+      <p:sp>
+        <p:nvSpPr>
+          <p:cNvPr id="78" name="TextBox 77"/>
+          <p:cNvSpPr txBox="1"/>
+          <p:nvPr/>
+        </p:nvSpPr>
+        <p:spPr>
+          <a:xfrm>
+            <a:off x="2397183" y="3497796"/>
+            <a:ext cx="256802" cy="830997"/>
+          </a:xfrm>
+          <a:prstGeom prst="rect">
+            <a:avLst/>
+          </a:prstGeom>
+          <a:noFill/>
+        </p:spPr>
+        <p:txBody>
+          <a:bodyPr wrap="none" rtlCol="0">
+            <a:spAutoFit/>
+          </a:bodyPr>
+          <a:lstStyle/>
+          <a:p>
+            <a:r>
+              <a:rPr lang="en-US" altLang="ko-KR" b="1" dirty="0" smtClean="0"/>
+              <a:t>∙</a:t>
+            </a:r>
+          </a:p>
+          <a:p>
+            <a:r>
+              <a:rPr lang="en-US" altLang="ko-KR" b="1" dirty="0" smtClean="0"/>
+              <a:t>∙</a:t>
+            </a:r>
+            <a:endParaRPr lang="en-US" altLang="ko-KR" b="1" dirty="0"/>
+          </a:p>
+          <a:p>
+            <a:endParaRPr lang="ko-KR" altLang="en-US" b="1" baseline="-25000" dirty="0"/>
+          </a:p>
+        </p:txBody>
+      </p:sp>
+      <p:cxnSp>
+        <p:nvCxnSpPr>
+          <p:cNvPr id="83" name="직선 화살표 연결선 82"/>
+          <p:cNvCxnSpPr>
+            <a:stCxn id="10" idx="6"/>
+          </p:cNvCxnSpPr>
+          <p:nvPr/>
+        </p:nvCxnSpPr>
+        <p:spPr>
+          <a:xfrm>
+            <a:off x="2645217" y="1520788"/>
+            <a:ext cx="1082847" cy="0"/>
+          </a:xfrm>
+          <a:prstGeom prst="straightConnector1">
+            <a:avLst/>
+          </a:prstGeom>
+          <a:ln w="15875">
+            <a:tailEnd type="arrow"/>
+          </a:ln>
+        </p:spPr>
+        <p:style>
+          <a:lnRef idx="1">
+            <a:schemeClr val="accent1"/>
+          </a:lnRef>
+          <a:fillRef idx="0">
+            <a:schemeClr val="accent1"/>
+          </a:fillRef>
+          <a:effectRef idx="0">
+            <a:schemeClr val="accent1"/>
+          </a:effectRef>
+          <a:fontRef idx="minor">
+            <a:schemeClr val="tx1"/>
+          </a:fontRef>
+        </p:style>
+      </p:cxnSp>
+      <p:cxnSp>
+        <p:nvCxnSpPr>
+          <p:cNvPr id="86" name="직선 화살표 연결선 85"/>
+          <p:cNvCxnSpPr>
+            <a:stCxn id="12" idx="6"/>
+          </p:cNvCxnSpPr>
+          <p:nvPr/>
+        </p:nvCxnSpPr>
+        <p:spPr>
+          <a:xfrm flipV="1">
+            <a:off x="2645217" y="2231858"/>
+            <a:ext cx="1082847" cy="9010"/>
+          </a:xfrm>
+          <a:prstGeom prst="straightConnector1">
+            <a:avLst/>
+          </a:prstGeom>
+          <a:ln w="15875">
+            <a:tailEnd type="arrow"/>
+          </a:ln>
+        </p:spPr>
+        <p:style>
+          <a:lnRef idx="1">
+            <a:schemeClr val="accent1"/>
+          </a:lnRef>
+          <a:fillRef idx="0">
+            <a:schemeClr val="accent1"/>
+          </a:fillRef>
+          <a:effectRef idx="0">
+            <a:schemeClr val="accent1"/>
+          </a:effectRef>
+          <a:fontRef idx="minor">
+            <a:schemeClr val="tx1"/>
+          </a:fontRef>
+        </p:style>
+      </p:cxnSp>
+      <p:cxnSp>
+        <p:nvCxnSpPr>
+          <p:cNvPr id="89" name="직선 화살표 연결선 88"/>
+          <p:cNvCxnSpPr>
+            <a:stCxn id="14" idx="6"/>
+          </p:cNvCxnSpPr>
+          <p:nvPr/>
+        </p:nvCxnSpPr>
+        <p:spPr>
+          <a:xfrm flipV="1">
+            <a:off x="2642967" y="4269488"/>
+            <a:ext cx="1035771" cy="8617"/>
+          </a:xfrm>
+          <a:prstGeom prst="straightConnector1">
+            <a:avLst/>
+          </a:prstGeom>
+          <a:ln w="15875">
+            <a:tailEnd type="arrow"/>
+          </a:ln>
+        </p:spPr>
+        <p:style>
+          <a:lnRef idx="1">
+            <a:schemeClr val="accent1"/>
+          </a:lnRef>
+          <a:fillRef idx="0">
+            <a:schemeClr val="accent1"/>
+          </a:fillRef>
+          <a:effectRef idx="0">
+            <a:schemeClr val="accent1"/>
+          </a:effectRef>
+          <a:fontRef idx="minor">
+            <a:schemeClr val="tx1"/>
+          </a:fontRef>
+        </p:style>
+      </p:cxnSp>
+      <p:sp>
+        <p:nvSpPr>
+          <p:cNvPr id="92" name="타원 91"/>
           <p:cNvSpPr/>
           <p:nvPr/>
         </p:nvSpPr>
         <p:spPr>
           <a:xfrm>
-            <a:off x="2699792" y="2492896"/>
+            <a:off x="5021481" y="1397622"/>
             <a:ext cx="216024" cy="216024"/>
           </a:xfrm>
           <a:prstGeom prst="ellipse">
@@ -3497,13 +4200,13 @@
       </p:sp>
       <p:sp>
         <p:nvSpPr>
-          <p:cNvPr id="14" name="타원 13"/>
+          <p:cNvPr id="93" name="타원 92"/>
           <p:cNvSpPr/>
           <p:nvPr/>
         </p:nvSpPr>
         <p:spPr>
           <a:xfrm>
-            <a:off x="2699792" y="4365104"/>
+            <a:off x="5021481" y="2117702"/>
             <a:ext cx="216024" cy="216024"/>
           </a:xfrm>
           <a:prstGeom prst="ellipse">
@@ -3543,13 +4246,13 @@
       </p:sp>
       <p:sp>
         <p:nvSpPr>
-          <p:cNvPr id="15" name="타원 14"/>
+          <p:cNvPr id="94" name="타원 93"/>
           <p:cNvSpPr/>
           <p:nvPr/>
         </p:nvSpPr>
         <p:spPr>
           <a:xfrm>
-            <a:off x="2699792" y="4725144"/>
+            <a:off x="5019231" y="3907684"/>
             <a:ext cx="216024" cy="216024"/>
           </a:xfrm>
           <a:prstGeom prst="ellipse">
@@ -3589,13 +4292,152 @@
       </p:sp>
       <p:sp>
         <p:nvSpPr>
-          <p:cNvPr id="17" name="타원 16"/>
+          <p:cNvPr id="99" name="TextBox 98"/>
+          <p:cNvSpPr txBox="1"/>
+          <p:nvPr/>
+        </p:nvSpPr>
+        <p:spPr>
+          <a:xfrm>
+            <a:off x="4989471" y="3351417"/>
+            <a:ext cx="256802" cy="646331"/>
+          </a:xfrm>
+          <a:prstGeom prst="rect">
+            <a:avLst/>
+          </a:prstGeom>
+          <a:noFill/>
+        </p:spPr>
+        <p:txBody>
+          <a:bodyPr wrap="none" rtlCol="0">
+            <a:spAutoFit/>
+          </a:bodyPr>
+          <a:lstStyle/>
+          <a:p>
+            <a:r>
+              <a:rPr lang="en-US" altLang="ko-KR" b="1" dirty="0" smtClean="0"/>
+              <a:t>∙</a:t>
+            </a:r>
+          </a:p>
+          <a:p>
+            <a:r>
+              <a:rPr lang="en-US" altLang="ko-KR" b="1" dirty="0" smtClean="0"/>
+              <a:t>∙</a:t>
+            </a:r>
+            <a:endParaRPr lang="en-US" altLang="ko-KR" b="1" dirty="0"/>
+          </a:p>
+        </p:txBody>
+      </p:sp>
+      <p:cxnSp>
+        <p:nvCxnSpPr>
+          <p:cNvPr id="100" name="직선 화살표 연결선 99"/>
+          <p:cNvCxnSpPr/>
+          <p:nvPr/>
+        </p:nvCxnSpPr>
+        <p:spPr>
+          <a:xfrm>
+            <a:off x="3944088" y="1520788"/>
+            <a:ext cx="1119371" cy="890"/>
+          </a:xfrm>
+          <a:prstGeom prst="straightConnector1">
+            <a:avLst/>
+          </a:prstGeom>
+          <a:ln w="15875">
+            <a:tailEnd type="arrow"/>
+          </a:ln>
+        </p:spPr>
+        <p:style>
+          <a:lnRef idx="1">
+            <a:schemeClr val="accent1"/>
+          </a:lnRef>
+          <a:fillRef idx="0">
+            <a:schemeClr val="accent1"/>
+          </a:fillRef>
+          <a:effectRef idx="0">
+            <a:schemeClr val="accent1"/>
+          </a:effectRef>
+          <a:fontRef idx="minor">
+            <a:schemeClr val="tx1"/>
+          </a:fontRef>
+        </p:style>
+      </p:cxnSp>
+      <p:cxnSp>
+        <p:nvCxnSpPr>
+          <p:cNvPr id="101" name="직선 화살표 연결선 100"/>
+          <p:cNvCxnSpPr>
+            <a:endCxn id="92" idx="2"/>
+          </p:cNvCxnSpPr>
+          <p:nvPr/>
+        </p:nvCxnSpPr>
+        <p:spPr>
+          <a:xfrm flipV="1">
+            <a:off x="3944088" y="1505634"/>
+            <a:ext cx="1077393" cy="726224"/>
+          </a:xfrm>
+          <a:prstGeom prst="straightConnector1">
+            <a:avLst/>
+          </a:prstGeom>
+          <a:ln w="15875">
+            <a:tailEnd type="arrow"/>
+          </a:ln>
+        </p:spPr>
+        <p:style>
+          <a:lnRef idx="1">
+            <a:schemeClr val="accent1"/>
+          </a:lnRef>
+          <a:fillRef idx="0">
+            <a:schemeClr val="accent1"/>
+          </a:fillRef>
+          <a:effectRef idx="0">
+            <a:schemeClr val="accent1"/>
+          </a:effectRef>
+          <a:fontRef idx="minor">
+            <a:schemeClr val="tx1"/>
+          </a:fontRef>
+        </p:style>
+      </p:cxnSp>
+      <p:cxnSp>
+        <p:nvCxnSpPr>
+          <p:cNvPr id="106" name="직선 화살표 연결선 105"/>
+          <p:cNvCxnSpPr>
+            <a:endCxn id="92" idx="2"/>
+          </p:cNvCxnSpPr>
+          <p:nvPr/>
+        </p:nvCxnSpPr>
+        <p:spPr>
+          <a:xfrm flipV="1">
+            <a:off x="3954947" y="1505634"/>
+            <a:ext cx="1066534" cy="2687478"/>
+          </a:xfrm>
+          <a:prstGeom prst="straightConnector1">
+            <a:avLst/>
+          </a:prstGeom>
+          <a:ln w="15875">
+            <a:tailEnd type="arrow"/>
+          </a:ln>
+        </p:spPr>
+        <p:style>
+          <a:lnRef idx="1">
+            <a:schemeClr val="accent1"/>
+          </a:lnRef>
+          <a:fillRef idx="0">
+            <a:schemeClr val="accent1"/>
+          </a:fillRef>
+          <a:effectRef idx="0">
+            <a:schemeClr val="accent1"/>
+          </a:effectRef>
+          <a:fontRef idx="minor">
+            <a:schemeClr val="tx1"/>
+          </a:fontRef>
+        </p:style>
+      </p:cxnSp>
+      <p:sp>
+        <p:nvSpPr>
+          <p:cNvPr id="112" name="타원 111"/>
           <p:cNvSpPr/>
           <p:nvPr/>
         </p:nvSpPr>
         <p:spPr>
           <a:xfrm>
-            <a:off x="3779912" y="1412776"/>
+            <a:off x="2425884" y="2921344"/>
             <a:ext cx="216024" cy="216024"/>
           </a:xfrm>
           <a:prstGeom prst="ellipse">
@@ -3633,15 +4475,85 @@
           </a:p>
         </p:txBody>
       </p:sp>
-      <p:sp>
-        <p:nvSpPr>
-          <p:cNvPr id="18" name="타원 17"/>
+      <p:cxnSp>
+        <p:nvCxnSpPr>
+          <p:cNvPr id="114" name="직선 화살표 연결선 113"/>
+          <p:cNvCxnSpPr>
+            <a:stCxn id="112" idx="6"/>
+          </p:cNvCxnSpPr>
+          <p:nvPr/>
+        </p:nvCxnSpPr>
+        <p:spPr>
+          <a:xfrm flipV="1">
+            <a:off x="2641908" y="3017841"/>
+            <a:ext cx="1086156" cy="11515"/>
+          </a:xfrm>
+          <a:prstGeom prst="straightConnector1">
+            <a:avLst/>
+          </a:prstGeom>
+          <a:ln w="15875">
+            <a:tailEnd type="arrow"/>
+          </a:ln>
+        </p:spPr>
+        <p:style>
+          <a:lnRef idx="1">
+            <a:schemeClr val="accent1"/>
+          </a:lnRef>
+          <a:fillRef idx="0">
+            <a:schemeClr val="accent1"/>
+          </a:fillRef>
+          <a:effectRef idx="0">
+            <a:schemeClr val="accent1"/>
+          </a:effectRef>
+          <a:fontRef idx="minor">
+            <a:schemeClr val="tx1"/>
+          </a:fontRef>
+        </p:style>
+      </p:cxnSp>
+      <p:cxnSp>
+        <p:nvCxnSpPr>
+          <p:cNvPr id="117" name="직선 화살표 연결선 116"/>
+          <p:cNvCxnSpPr>
+            <a:endCxn id="92" idx="2"/>
+          </p:cNvCxnSpPr>
+          <p:nvPr/>
+        </p:nvCxnSpPr>
+        <p:spPr>
+          <a:xfrm flipV="1">
+            <a:off x="3944088" y="1505634"/>
+            <a:ext cx="1077393" cy="1512207"/>
+          </a:xfrm>
+          <a:prstGeom prst="straightConnector1">
+            <a:avLst/>
+          </a:prstGeom>
+          <a:ln w="15875">
+            <a:tailEnd type="arrow"/>
+          </a:ln>
+        </p:spPr>
+        <p:style>
+          <a:lnRef idx="1">
+            <a:schemeClr val="accent1"/>
+          </a:lnRef>
+          <a:fillRef idx="0">
+            <a:schemeClr val="accent1"/>
+          </a:fillRef>
+          <a:effectRef idx="0">
+            <a:schemeClr val="accent1"/>
+          </a:effectRef>
+          <a:fontRef idx="minor">
+            <a:schemeClr val="tx1"/>
+          </a:fontRef>
+        </p:style>
+      </p:cxnSp>
+      <p:sp>
+        <p:nvSpPr>
+          <p:cNvPr id="120" name="타원 119"/>
           <p:cNvSpPr/>
           <p:nvPr/>
         </p:nvSpPr>
         <p:spPr>
           <a:xfrm>
-            <a:off x="3779912" y="1772816"/>
+            <a:off x="6125970" y="1401285"/>
             <a:ext cx="216024" cy="216024"/>
           </a:xfrm>
           <a:prstGeom prst="ellipse">
@@ -3681,13 +4593,13 @@
       </p:sp>
       <p:sp>
         <p:nvSpPr>
-          <p:cNvPr id="19" name="타원 18"/>
+          <p:cNvPr id="121" name="타원 120"/>
           <p:cNvSpPr/>
           <p:nvPr/>
         </p:nvSpPr>
         <p:spPr>
           <a:xfrm>
-            <a:off x="3779912" y="2132856"/>
+            <a:off x="6125970" y="2121365"/>
             <a:ext cx="216024" cy="216024"/>
           </a:xfrm>
           <a:prstGeom prst="ellipse">
@@ -3727,13 +4639,13 @@
       </p:sp>
       <p:sp>
         <p:nvSpPr>
-          <p:cNvPr id="20" name="타원 19"/>
+          <p:cNvPr id="122" name="타원 121"/>
           <p:cNvSpPr/>
           <p:nvPr/>
         </p:nvSpPr>
         <p:spPr>
           <a:xfrm>
-            <a:off x="3779912" y="2492896"/>
+            <a:off x="6123720" y="3911347"/>
             <a:ext cx="216024" cy="216024"/>
           </a:xfrm>
           <a:prstGeom prst="ellipse">
@@ -3773,13 +4685,151 @@
       </p:sp>
       <p:sp>
         <p:nvSpPr>
-          <p:cNvPr id="21" name="타원 20"/>
+          <p:cNvPr id="123" name="TextBox 122"/>
+          <p:cNvSpPr txBox="1"/>
+          <p:nvPr/>
+        </p:nvSpPr>
+        <p:spPr>
+          <a:xfrm>
+            <a:off x="6052837" y="1658390"/>
+            <a:ext cx="407484" cy="369332"/>
+          </a:xfrm>
+          <a:prstGeom prst="rect">
+            <a:avLst/>
+          </a:prstGeom>
+          <a:noFill/>
+        </p:spPr>
+        <p:txBody>
+          <a:bodyPr wrap="none" rtlCol="0">
+            <a:spAutoFit/>
+          </a:bodyPr>
+          <a:lstStyle/>
+          <a:p>
+            <a:r>
+              <a:rPr lang="en-US" altLang="ko-KR" dirty="0" err="1" smtClean="0"/>
+              <a:t>p</a:t>
+            </a:r>
+            <a:r>
+              <a:rPr lang="en-US" altLang="ko-KR" baseline="-25000" dirty="0" err="1" smtClean="0"/>
+              <a:t>0</a:t>
+            </a:r>
+            <a:endParaRPr lang="ko-KR" altLang="en-US" baseline="-25000" dirty="0"/>
+          </a:p>
+        </p:txBody>
+      </p:sp>
+      <p:sp>
+        <p:nvSpPr>
+          <p:cNvPr id="124" name="TextBox 123"/>
+          <p:cNvSpPr txBox="1"/>
+          <p:nvPr/>
+        </p:nvSpPr>
+        <p:spPr>
+          <a:xfrm>
+            <a:off x="6029593" y="2404751"/>
+            <a:ext cx="407484" cy="369332"/>
+          </a:xfrm>
+          <a:prstGeom prst="rect">
+            <a:avLst/>
+          </a:prstGeom>
+          <a:noFill/>
+        </p:spPr>
+        <p:txBody>
+          <a:bodyPr wrap="none" rtlCol="0">
+            <a:spAutoFit/>
+          </a:bodyPr>
+          <a:lstStyle/>
+          <a:p>
+            <a:r>
+              <a:rPr lang="en-US" altLang="ko-KR" dirty="0" err="1" smtClean="0"/>
+              <a:t>p</a:t>
+            </a:r>
+            <a:r>
+              <a:rPr lang="en-US" altLang="ko-KR" baseline="-25000" dirty="0" err="1" smtClean="0"/>
+              <a:t>1</a:t>
+            </a:r>
+            <a:endParaRPr lang="ko-KR" altLang="en-US" baseline="-25000" dirty="0"/>
+          </a:p>
+        </p:txBody>
+      </p:sp>
+      <p:sp>
+        <p:nvSpPr>
+          <p:cNvPr id="125" name="TextBox 124"/>
+          <p:cNvSpPr txBox="1"/>
+          <p:nvPr/>
+        </p:nvSpPr>
+        <p:spPr>
+          <a:xfrm>
+            <a:off x="6029593" y="4208143"/>
+            <a:ext cx="407484" cy="369332"/>
+          </a:xfrm>
+          <a:prstGeom prst="rect">
+            <a:avLst/>
+          </a:prstGeom>
+          <a:noFill/>
+        </p:spPr>
+        <p:txBody>
+          <a:bodyPr wrap="none" rtlCol="0">
+            <a:spAutoFit/>
+          </a:bodyPr>
+          <a:lstStyle/>
+          <a:p>
+            <a:r>
+              <a:rPr lang="en-US" altLang="ko-KR" dirty="0" err="1" smtClean="0"/>
+              <a:t>p</a:t>
+            </a:r>
+            <a:r>
+              <a:rPr lang="en-US" altLang="ko-KR" baseline="-25000" dirty="0" err="1" smtClean="0"/>
+              <a:t>9</a:t>
+            </a:r>
+            <a:endParaRPr lang="ko-KR" altLang="en-US" baseline="-25000" dirty="0"/>
+          </a:p>
+        </p:txBody>
+      </p:sp>
+      <p:sp>
+        <p:nvSpPr>
+          <p:cNvPr id="126" name="TextBox 125"/>
+          <p:cNvSpPr txBox="1"/>
+          <p:nvPr/>
+        </p:nvSpPr>
+        <p:spPr>
+          <a:xfrm>
+            <a:off x="6093960" y="3355080"/>
+            <a:ext cx="256802" cy="646331"/>
+          </a:xfrm>
+          <a:prstGeom prst="rect">
+            <a:avLst/>
+          </a:prstGeom>
+          <a:noFill/>
+        </p:spPr>
+        <p:txBody>
+          <a:bodyPr wrap="none" rtlCol="0">
+            <a:spAutoFit/>
+          </a:bodyPr>
+          <a:lstStyle/>
+          <a:p>
+            <a:r>
+              <a:rPr lang="en-US" altLang="ko-KR" b="1" dirty="0" smtClean="0"/>
+              <a:t>∙</a:t>
+            </a:r>
+          </a:p>
+          <a:p>
+            <a:r>
+              <a:rPr lang="en-US" altLang="ko-KR" b="1" dirty="0" smtClean="0"/>
+              <a:t>∙</a:t>
+            </a:r>
+            <a:endParaRPr lang="en-US" altLang="ko-KR" b="1" dirty="0"/>
+          </a:p>
+        </p:txBody>
+      </p:sp>
+      <p:sp>
+        <p:nvSpPr>
+          <p:cNvPr id="127" name="타원 126"/>
           <p:cNvSpPr/>
           <p:nvPr/>
         </p:nvSpPr>
         <p:spPr>
           <a:xfrm>
-            <a:off x="5364088" y="1412776"/>
+            <a:off x="6846050" y="1394114"/>
             <a:ext cx="216024" cy="216024"/>
           </a:xfrm>
           <a:prstGeom prst="ellipse">
@@ -3819,13 +4869,13 @@
       </p:sp>
       <p:sp>
         <p:nvSpPr>
-          <p:cNvPr id="22" name="타원 21"/>
+          <p:cNvPr id="128" name="타원 127"/>
           <p:cNvSpPr/>
           <p:nvPr/>
         </p:nvSpPr>
         <p:spPr>
           <a:xfrm>
-            <a:off x="5364088" y="1772816"/>
+            <a:off x="6846050" y="2114194"/>
             <a:ext cx="216024" cy="216024"/>
           </a:xfrm>
           <a:prstGeom prst="ellipse">
@@ -3865,13 +4915,13 @@
       </p:sp>
       <p:sp>
         <p:nvSpPr>
-          <p:cNvPr id="23" name="타원 22"/>
+          <p:cNvPr id="129" name="타원 128"/>
           <p:cNvSpPr/>
           <p:nvPr/>
         </p:nvSpPr>
         <p:spPr>
           <a:xfrm>
-            <a:off x="5364088" y="2132856"/>
+            <a:off x="6843800" y="3904176"/>
             <a:ext cx="216024" cy="216024"/>
           </a:xfrm>
           <a:prstGeom prst="ellipse">
@@ -3911,13 +4961,293 @@
       </p:sp>
       <p:sp>
         <p:nvSpPr>
-          <p:cNvPr id="24" name="타원 23"/>
+          <p:cNvPr id="130" name="TextBox 129"/>
+          <p:cNvSpPr txBox="1"/>
+          <p:nvPr/>
+        </p:nvSpPr>
+        <p:spPr>
+          <a:xfrm>
+            <a:off x="6772917" y="1651219"/>
+            <a:ext cx="383438" cy="369332"/>
+          </a:xfrm>
+          <a:prstGeom prst="rect">
+            <a:avLst/>
+          </a:prstGeom>
+          <a:noFill/>
+        </p:spPr>
+        <p:txBody>
+          <a:bodyPr wrap="none" rtlCol="0">
+            <a:spAutoFit/>
+          </a:bodyPr>
+          <a:lstStyle/>
+          <a:p>
+            <a:r>
+              <a:rPr lang="en-US" altLang="ko-KR" dirty="0" err="1" smtClean="0"/>
+              <a:t>y</a:t>
+            </a:r>
+            <a:r>
+              <a:rPr lang="en-US" altLang="ko-KR" baseline="-25000" dirty="0" err="1" smtClean="0"/>
+              <a:t>0</a:t>
+            </a:r>
+            <a:endParaRPr lang="ko-KR" altLang="en-US" baseline="-25000" dirty="0"/>
+          </a:p>
+        </p:txBody>
+      </p:sp>
+      <p:sp>
+        <p:nvSpPr>
+          <p:cNvPr id="131" name="TextBox 130"/>
+          <p:cNvSpPr txBox="1"/>
+          <p:nvPr/>
+        </p:nvSpPr>
+        <p:spPr>
+          <a:xfrm>
+            <a:off x="6749673" y="2397580"/>
+            <a:ext cx="383438" cy="369332"/>
+          </a:xfrm>
+          <a:prstGeom prst="rect">
+            <a:avLst/>
+          </a:prstGeom>
+          <a:noFill/>
+        </p:spPr>
+        <p:txBody>
+          <a:bodyPr wrap="none" rtlCol="0">
+            <a:spAutoFit/>
+          </a:bodyPr>
+          <a:lstStyle/>
+          <a:p>
+            <a:r>
+              <a:rPr lang="en-US" altLang="ko-KR" dirty="0" err="1" smtClean="0"/>
+              <a:t>y</a:t>
+            </a:r>
+            <a:r>
+              <a:rPr lang="en-US" altLang="ko-KR" baseline="-25000" dirty="0" err="1" smtClean="0"/>
+              <a:t>1</a:t>
+            </a:r>
+            <a:endParaRPr lang="ko-KR" altLang="en-US" baseline="-25000" dirty="0"/>
+          </a:p>
+        </p:txBody>
+      </p:sp>
+      <p:sp>
+        <p:nvSpPr>
+          <p:cNvPr id="132" name="TextBox 131"/>
+          <p:cNvSpPr txBox="1"/>
+          <p:nvPr/>
+        </p:nvSpPr>
+        <p:spPr>
+          <a:xfrm>
+            <a:off x="6749673" y="4200972"/>
+            <a:ext cx="383438" cy="369332"/>
+          </a:xfrm>
+          <a:prstGeom prst="rect">
+            <a:avLst/>
+          </a:prstGeom>
+          <a:noFill/>
+        </p:spPr>
+        <p:txBody>
+          <a:bodyPr wrap="none" rtlCol="0">
+            <a:spAutoFit/>
+          </a:bodyPr>
+          <a:lstStyle/>
+          <a:p>
+            <a:r>
+              <a:rPr lang="en-US" altLang="ko-KR" dirty="0" err="1" smtClean="0"/>
+              <a:t>y</a:t>
+            </a:r>
+            <a:r>
+              <a:rPr lang="en-US" altLang="ko-KR" baseline="-25000" dirty="0" err="1" smtClean="0"/>
+              <a:t>9</a:t>
+            </a:r>
+            <a:endParaRPr lang="ko-KR" altLang="en-US" baseline="-25000" dirty="0"/>
+          </a:p>
+        </p:txBody>
+      </p:sp>
+      <p:sp>
+        <p:nvSpPr>
+          <p:cNvPr id="133" name="TextBox 132"/>
+          <p:cNvSpPr txBox="1"/>
+          <p:nvPr/>
+        </p:nvSpPr>
+        <p:spPr>
+          <a:xfrm>
+            <a:off x="6814040" y="3347909"/>
+            <a:ext cx="256802" cy="646331"/>
+          </a:xfrm>
+          <a:prstGeom prst="rect">
+            <a:avLst/>
+          </a:prstGeom>
+          <a:noFill/>
+        </p:spPr>
+        <p:txBody>
+          <a:bodyPr wrap="none" rtlCol="0">
+            <a:spAutoFit/>
+          </a:bodyPr>
+          <a:lstStyle/>
+          <a:p>
+            <a:r>
+              <a:rPr lang="en-US" altLang="ko-KR" b="1" dirty="0" smtClean="0"/>
+              <a:t>∙</a:t>
+            </a:r>
+          </a:p>
+          <a:p>
+            <a:r>
+              <a:rPr lang="en-US" altLang="ko-KR" b="1" dirty="0" smtClean="0"/>
+              <a:t>∙</a:t>
+            </a:r>
+            <a:endParaRPr lang="en-US" altLang="ko-KR" b="1" dirty="0"/>
+          </a:p>
+        </p:txBody>
+      </p:sp>
+      <p:cxnSp>
+        <p:nvCxnSpPr>
+          <p:cNvPr id="134" name="직선 화살표 연결선 133"/>
+          <p:cNvCxnSpPr>
+            <a:stCxn id="92" idx="6"/>
+            <a:endCxn id="120" idx="2"/>
+          </p:cNvCxnSpPr>
+          <p:nvPr/>
+        </p:nvCxnSpPr>
+        <p:spPr>
+          <a:xfrm>
+            <a:off x="5237505" y="1505634"/>
+            <a:ext cx="888465" cy="3663"/>
+          </a:xfrm>
+          <a:prstGeom prst="straightConnector1">
+            <a:avLst/>
+          </a:prstGeom>
+          <a:ln w="15875">
+            <a:tailEnd type="arrow"/>
+          </a:ln>
+        </p:spPr>
+        <p:style>
+          <a:lnRef idx="1">
+            <a:schemeClr val="accent1"/>
+          </a:lnRef>
+          <a:fillRef idx="0">
+            <a:schemeClr val="accent1"/>
+          </a:fillRef>
+          <a:effectRef idx="0">
+            <a:schemeClr val="accent1"/>
+          </a:effectRef>
+          <a:fontRef idx="minor">
+            <a:schemeClr val="tx1"/>
+          </a:fontRef>
+        </p:style>
+      </p:cxnSp>
+      <p:cxnSp>
+        <p:nvCxnSpPr>
+          <p:cNvPr id="135" name="직선 화살표 연결선 134"/>
+          <p:cNvCxnSpPr>
+            <a:stCxn id="93" idx="6"/>
+            <a:endCxn id="120" idx="2"/>
+          </p:cNvCxnSpPr>
+          <p:nvPr/>
+        </p:nvCxnSpPr>
+        <p:spPr>
+          <a:xfrm flipV="1">
+            <a:off x="5237505" y="1509297"/>
+            <a:ext cx="888465" cy="716417"/>
+          </a:xfrm>
+          <a:prstGeom prst="straightConnector1">
+            <a:avLst/>
+          </a:prstGeom>
+          <a:ln w="15875">
+            <a:tailEnd type="arrow"/>
+          </a:ln>
+        </p:spPr>
+        <p:style>
+          <a:lnRef idx="1">
+            <a:schemeClr val="accent1"/>
+          </a:lnRef>
+          <a:fillRef idx="0">
+            <a:schemeClr val="accent1"/>
+          </a:fillRef>
+          <a:effectRef idx="0">
+            <a:schemeClr val="accent1"/>
+          </a:effectRef>
+          <a:fontRef idx="minor">
+            <a:schemeClr val="tx1"/>
+          </a:fontRef>
+        </p:style>
+      </p:cxnSp>
+      <p:cxnSp>
+        <p:nvCxnSpPr>
+          <p:cNvPr id="136" name="직선 화살표 연결선 135"/>
+          <p:cNvCxnSpPr>
+            <a:stCxn id="94" idx="6"/>
+            <a:endCxn id="120" idx="2"/>
+          </p:cNvCxnSpPr>
+          <p:nvPr/>
+        </p:nvCxnSpPr>
+        <p:spPr>
+          <a:xfrm flipV="1">
+            <a:off x="5235255" y="1509297"/>
+            <a:ext cx="890715" cy="2506399"/>
+          </a:xfrm>
+          <a:prstGeom prst="straightConnector1">
+            <a:avLst/>
+          </a:prstGeom>
+          <a:ln w="15875">
+            <a:tailEnd type="arrow"/>
+          </a:ln>
+        </p:spPr>
+        <p:style>
+          <a:lnRef idx="1">
+            <a:schemeClr val="accent1"/>
+          </a:lnRef>
+          <a:fillRef idx="0">
+            <a:schemeClr val="accent1"/>
+          </a:fillRef>
+          <a:effectRef idx="0">
+            <a:schemeClr val="accent1"/>
+          </a:effectRef>
+          <a:fontRef idx="minor">
+            <a:schemeClr val="tx1"/>
+          </a:fontRef>
+        </p:style>
+      </p:cxnSp>
+      <p:sp>
+        <p:nvSpPr>
+          <p:cNvPr id="145" name="TextBox 144"/>
+          <p:cNvSpPr txBox="1"/>
+          <p:nvPr/>
+        </p:nvSpPr>
+        <p:spPr>
+          <a:xfrm>
+            <a:off x="7436457" y="764704"/>
+            <a:ext cx="689612" cy="369332"/>
+          </a:xfrm>
+          <a:prstGeom prst="rect">
+            <a:avLst/>
+          </a:prstGeom>
+          <a:noFill/>
+        </p:spPr>
+        <p:txBody>
+          <a:bodyPr wrap="none" rtlCol="0">
+            <a:spAutoFit/>
+          </a:bodyPr>
+          <a:lstStyle/>
+          <a:p>
+            <a:r>
+              <a:rPr lang="en-US" altLang="ko-KR" dirty="0" err="1" smtClean="0"/>
+              <a:t>cost</a:t>
+            </a:r>
+            <a:r>
+              <a:rPr lang="en-US" altLang="ko-KR" baseline="-25000" dirty="0" err="1" smtClean="0"/>
+              <a:t>k</a:t>
+            </a:r>
+            <a:endParaRPr lang="ko-KR" altLang="en-US" baseline="-25000" dirty="0"/>
+          </a:p>
+        </p:txBody>
+      </p:sp>
+      <p:sp>
+        <p:nvSpPr>
+          <p:cNvPr id="146" name="타원 145"/>
           <p:cNvSpPr/>
           <p:nvPr/>
         </p:nvSpPr>
         <p:spPr>
           <a:xfrm>
-            <a:off x="5364088" y="2492896"/>
+            <a:off x="7638138" y="1404938"/>
             <a:ext cx="216024" cy="216024"/>
           </a:xfrm>
           <a:prstGeom prst="ellipse">
@@ -3957,13 +5287,13 @@
       </p:sp>
       <p:sp>
         <p:nvSpPr>
-          <p:cNvPr id="25" name="타원 24"/>
+          <p:cNvPr id="147" name="타원 146"/>
           <p:cNvSpPr/>
           <p:nvPr/>
         </p:nvSpPr>
         <p:spPr>
           <a:xfrm>
-            <a:off x="5364088" y="2876890"/>
+            <a:off x="7638138" y="2125018"/>
             <a:ext cx="216024" cy="216024"/>
           </a:xfrm>
           <a:prstGeom prst="ellipse">
@@ -4003,13 +5333,13 @@
       </p:sp>
       <p:sp>
         <p:nvSpPr>
-          <p:cNvPr id="26" name="타원 25"/>
+          <p:cNvPr id="148" name="타원 147"/>
           <p:cNvSpPr/>
           <p:nvPr/>
         </p:nvSpPr>
         <p:spPr>
           <a:xfrm>
-            <a:off x="5364088" y="3236930"/>
+            <a:off x="7635888" y="3915000"/>
             <a:ext cx="216024" cy="216024"/>
           </a:xfrm>
           <a:prstGeom prst="ellipse">
@@ -4049,13 +5379,181 @@
       </p:sp>
       <p:sp>
         <p:nvSpPr>
-          <p:cNvPr id="27" name="타원 26"/>
+          <p:cNvPr id="149" name="TextBox 148"/>
+          <p:cNvSpPr txBox="1"/>
+          <p:nvPr/>
+        </p:nvSpPr>
+        <p:spPr>
+          <a:xfrm>
+            <a:off x="7420989" y="1662043"/>
+            <a:ext cx="696024" cy="369332"/>
+          </a:xfrm>
+          <a:prstGeom prst="rect">
+            <a:avLst/>
+          </a:prstGeom>
+          <a:noFill/>
+        </p:spPr>
+        <p:txBody>
+          <a:bodyPr wrap="none" rtlCol="0">
+            <a:spAutoFit/>
+          </a:bodyPr>
+          <a:lstStyle/>
+          <a:p>
+            <a:r>
+              <a:rPr lang="en-US" altLang="ko-KR" dirty="0" err="1" smtClean="0"/>
+              <a:t>cost</a:t>
+            </a:r>
+            <a:r>
+              <a:rPr lang="en-US" altLang="ko-KR" baseline="-25000" dirty="0" err="1" smtClean="0"/>
+              <a:t>0</a:t>
+            </a:r>
+            <a:endParaRPr lang="ko-KR" altLang="en-US" baseline="-25000" dirty="0"/>
+          </a:p>
+        </p:txBody>
+      </p:sp>
+      <p:sp>
+        <p:nvSpPr>
+          <p:cNvPr id="150" name="TextBox 149"/>
+          <p:cNvSpPr txBox="1"/>
+          <p:nvPr/>
+        </p:nvSpPr>
+        <p:spPr>
+          <a:xfrm>
+            <a:off x="7397745" y="2408404"/>
+            <a:ext cx="696024" cy="369332"/>
+          </a:xfrm>
+          <a:prstGeom prst="rect">
+            <a:avLst/>
+          </a:prstGeom>
+          <a:noFill/>
+        </p:spPr>
+        <p:txBody>
+          <a:bodyPr wrap="none" rtlCol="0">
+            <a:spAutoFit/>
+          </a:bodyPr>
+          <a:lstStyle/>
+          <a:p>
+            <a:r>
+              <a:rPr lang="en-US" altLang="ko-KR" dirty="0" err="1" smtClean="0"/>
+              <a:t>cost</a:t>
+            </a:r>
+            <a:r>
+              <a:rPr lang="en-US" altLang="ko-KR" baseline="-25000" dirty="0" err="1" smtClean="0"/>
+              <a:t>1</a:t>
+            </a:r>
+            <a:endParaRPr lang="ko-KR" altLang="en-US" baseline="-25000" dirty="0"/>
+          </a:p>
+        </p:txBody>
+      </p:sp>
+      <p:sp>
+        <p:nvSpPr>
+          <p:cNvPr id="151" name="TextBox 150"/>
+          <p:cNvSpPr txBox="1"/>
+          <p:nvPr/>
+        </p:nvSpPr>
+        <p:spPr>
+          <a:xfrm>
+            <a:off x="7397745" y="4211796"/>
+            <a:ext cx="696024" cy="369332"/>
+          </a:xfrm>
+          <a:prstGeom prst="rect">
+            <a:avLst/>
+          </a:prstGeom>
+          <a:noFill/>
+        </p:spPr>
+        <p:txBody>
+          <a:bodyPr wrap="none" rtlCol="0">
+            <a:spAutoFit/>
+          </a:bodyPr>
+          <a:lstStyle/>
+          <a:p>
+            <a:r>
+              <a:rPr lang="en-US" altLang="ko-KR" dirty="0" err="1" smtClean="0"/>
+              <a:t>cost</a:t>
+            </a:r>
+            <a:r>
+              <a:rPr lang="en-US" altLang="ko-KR" baseline="-25000" dirty="0" err="1" smtClean="0"/>
+              <a:t>9</a:t>
+            </a:r>
+            <a:endParaRPr lang="ko-KR" altLang="en-US" baseline="-25000" dirty="0"/>
+          </a:p>
+        </p:txBody>
+      </p:sp>
+      <p:sp>
+        <p:nvSpPr>
+          <p:cNvPr id="152" name="TextBox 151"/>
+          <p:cNvSpPr txBox="1"/>
+          <p:nvPr/>
+        </p:nvSpPr>
+        <p:spPr>
+          <a:xfrm>
+            <a:off x="7606128" y="3358733"/>
+            <a:ext cx="256802" cy="646331"/>
+          </a:xfrm>
+          <a:prstGeom prst="rect">
+            <a:avLst/>
+          </a:prstGeom>
+          <a:noFill/>
+        </p:spPr>
+        <p:txBody>
+          <a:bodyPr wrap="none" rtlCol="0">
+            <a:spAutoFit/>
+          </a:bodyPr>
+          <a:lstStyle/>
+          <a:p>
+            <a:r>
+              <a:rPr lang="en-US" altLang="ko-KR" b="1" dirty="0" smtClean="0"/>
+              <a:t>∙</a:t>
+            </a:r>
+          </a:p>
+          <a:p>
+            <a:r>
+              <a:rPr lang="en-US" altLang="ko-KR" b="1" dirty="0" smtClean="0"/>
+              <a:t>∙</a:t>
+            </a:r>
+            <a:endParaRPr lang="en-US" altLang="ko-KR" b="1" dirty="0"/>
+          </a:p>
+        </p:txBody>
+      </p:sp>
+      <p:sp>
+        <p:nvSpPr>
+          <p:cNvPr id="153" name="TextBox 152"/>
+          <p:cNvSpPr txBox="1"/>
+          <p:nvPr/>
+        </p:nvSpPr>
+        <p:spPr>
+          <a:xfrm>
+            <a:off x="8278469" y="770111"/>
+            <a:ext cx="611065" cy="369332"/>
+          </a:xfrm>
+          <a:prstGeom prst="rect">
+            <a:avLst/>
+          </a:prstGeom>
+          <a:noFill/>
+        </p:spPr>
+        <p:txBody>
+          <a:bodyPr wrap="none" rtlCol="0">
+            <a:spAutoFit/>
+          </a:bodyPr>
+          <a:lstStyle/>
+          <a:p>
+            <a:r>
+              <a:rPr lang="en-US" altLang="ko-KR" dirty="0" smtClean="0"/>
+              <a:t>cost</a:t>
+            </a:r>
+            <a:endParaRPr lang="ko-KR" altLang="en-US" baseline="-25000" dirty="0"/>
+          </a:p>
+        </p:txBody>
+      </p:sp>
+      <p:sp>
+        <p:nvSpPr>
+          <p:cNvPr id="154" name="타원 153"/>
           <p:cNvSpPr/>
           <p:nvPr/>
         </p:nvSpPr>
         <p:spPr>
           <a:xfrm>
-            <a:off x="5364088" y="3596970"/>
+            <a:off x="8480150" y="1410345"/>
             <a:ext cx="216024" cy="216024"/>
           </a:xfrm>
           <a:prstGeom prst="ellipse">
@@ -4093,15 +5591,228 @@
           </a:p>
         </p:txBody>
       </p:sp>
-      <p:sp>
-        <p:nvSpPr>
-          <p:cNvPr id="28" name="타원 27"/>
+      <p:cxnSp>
+        <p:nvCxnSpPr>
+          <p:cNvPr id="155" name="직선 화살표 연결선 154"/>
+          <p:cNvCxnSpPr>
+            <a:stCxn id="120" idx="6"/>
+            <a:endCxn id="146" idx="2"/>
+          </p:cNvCxnSpPr>
+          <p:nvPr/>
+        </p:nvCxnSpPr>
+        <p:spPr>
+          <a:xfrm>
+            <a:off x="6341994" y="1509297"/>
+            <a:ext cx="1296144" cy="3653"/>
+          </a:xfrm>
+          <a:prstGeom prst="straightConnector1">
+            <a:avLst/>
+          </a:prstGeom>
+          <a:ln w="15875">
+            <a:tailEnd type="arrow"/>
+          </a:ln>
+        </p:spPr>
+        <p:style>
+          <a:lnRef idx="1">
+            <a:schemeClr val="accent1"/>
+          </a:lnRef>
+          <a:fillRef idx="0">
+            <a:schemeClr val="accent1"/>
+          </a:fillRef>
+          <a:effectRef idx="0">
+            <a:schemeClr val="accent1"/>
+          </a:effectRef>
+          <a:fontRef idx="minor">
+            <a:schemeClr val="tx1"/>
+          </a:fontRef>
+        </p:style>
+      </p:cxnSp>
+      <p:cxnSp>
+        <p:nvCxnSpPr>
+          <p:cNvPr id="158" name="직선 화살표 연결선 157"/>
+          <p:cNvCxnSpPr>
+            <a:stCxn id="121" idx="6"/>
+            <a:endCxn id="147" idx="2"/>
+          </p:cNvCxnSpPr>
+          <p:nvPr/>
+        </p:nvCxnSpPr>
+        <p:spPr>
+          <a:xfrm>
+            <a:off x="6341994" y="2229377"/>
+            <a:ext cx="1296144" cy="3653"/>
+          </a:xfrm>
+          <a:prstGeom prst="straightConnector1">
+            <a:avLst/>
+          </a:prstGeom>
+          <a:ln w="15875">
+            <a:tailEnd type="arrow"/>
+          </a:ln>
+        </p:spPr>
+        <p:style>
+          <a:lnRef idx="1">
+            <a:schemeClr val="accent1"/>
+          </a:lnRef>
+          <a:fillRef idx="0">
+            <a:schemeClr val="accent1"/>
+          </a:fillRef>
+          <a:effectRef idx="0">
+            <a:schemeClr val="accent1"/>
+          </a:effectRef>
+          <a:fontRef idx="minor">
+            <a:schemeClr val="tx1"/>
+          </a:fontRef>
+        </p:style>
+      </p:cxnSp>
+      <p:cxnSp>
+        <p:nvCxnSpPr>
+          <p:cNvPr id="161" name="직선 화살표 연결선 160"/>
+          <p:cNvCxnSpPr>
+            <a:stCxn id="122" idx="6"/>
+            <a:endCxn id="148" idx="2"/>
+          </p:cNvCxnSpPr>
+          <p:nvPr/>
+        </p:nvCxnSpPr>
+        <p:spPr>
+          <a:xfrm>
+            <a:off x="6339744" y="4019359"/>
+            <a:ext cx="1296144" cy="3653"/>
+          </a:xfrm>
+          <a:prstGeom prst="straightConnector1">
+            <a:avLst/>
+          </a:prstGeom>
+          <a:ln w="15875">
+            <a:tailEnd type="arrow"/>
+          </a:ln>
+        </p:spPr>
+        <p:style>
+          <a:lnRef idx="1">
+            <a:schemeClr val="accent1"/>
+          </a:lnRef>
+          <a:fillRef idx="0">
+            <a:schemeClr val="accent1"/>
+          </a:fillRef>
+          <a:effectRef idx="0">
+            <a:schemeClr val="accent1"/>
+          </a:effectRef>
+          <a:fontRef idx="minor">
+            <a:schemeClr val="tx1"/>
+          </a:fontRef>
+        </p:style>
+      </p:cxnSp>
+      <p:cxnSp>
+        <p:nvCxnSpPr>
+          <p:cNvPr id="164" name="직선 화살표 연결선 163"/>
+          <p:cNvCxnSpPr>
+            <a:stCxn id="146" idx="6"/>
+          </p:cNvCxnSpPr>
+          <p:nvPr/>
+        </p:nvCxnSpPr>
+        <p:spPr>
+          <a:xfrm>
+            <a:off x="7854162" y="1512950"/>
+            <a:ext cx="662954" cy="10612"/>
+          </a:xfrm>
+          <a:prstGeom prst="straightConnector1">
+            <a:avLst/>
+          </a:prstGeom>
+          <a:ln w="15875">
+            <a:tailEnd type="arrow"/>
+          </a:ln>
+        </p:spPr>
+        <p:style>
+          <a:lnRef idx="1">
+            <a:schemeClr val="accent1"/>
+          </a:lnRef>
+          <a:fillRef idx="0">
+            <a:schemeClr val="accent1"/>
+          </a:fillRef>
+          <a:effectRef idx="0">
+            <a:schemeClr val="accent1"/>
+          </a:effectRef>
+          <a:fontRef idx="minor">
+            <a:schemeClr val="tx1"/>
+          </a:fontRef>
+        </p:style>
+      </p:cxnSp>
+      <p:cxnSp>
+        <p:nvCxnSpPr>
+          <p:cNvPr id="165" name="직선 화살표 연결선 164"/>
+          <p:cNvCxnSpPr>
+            <a:stCxn id="148" idx="7"/>
+          </p:cNvCxnSpPr>
+          <p:nvPr/>
+        </p:nvCxnSpPr>
+        <p:spPr>
+          <a:xfrm flipV="1">
+            <a:off x="7820276" y="1507518"/>
+            <a:ext cx="654862" cy="2439118"/>
+          </a:xfrm>
+          <a:prstGeom prst="straightConnector1">
+            <a:avLst/>
+          </a:prstGeom>
+          <a:ln w="15875">
+            <a:tailEnd type="arrow"/>
+          </a:ln>
+        </p:spPr>
+        <p:style>
+          <a:lnRef idx="1">
+            <a:schemeClr val="accent1"/>
+          </a:lnRef>
+          <a:fillRef idx="0">
+            <a:schemeClr val="accent1"/>
+          </a:fillRef>
+          <a:effectRef idx="0">
+            <a:schemeClr val="accent1"/>
+          </a:effectRef>
+          <a:fontRef idx="minor">
+            <a:schemeClr val="tx1"/>
+          </a:fontRef>
+        </p:style>
+      </p:cxnSp>
+      <p:cxnSp>
+        <p:nvCxnSpPr>
+          <p:cNvPr id="166" name="직선 화살표 연결선 165"/>
+          <p:cNvCxnSpPr>
+            <a:stCxn id="147" idx="7"/>
+          </p:cNvCxnSpPr>
+          <p:nvPr/>
+        </p:nvCxnSpPr>
+        <p:spPr>
+          <a:xfrm flipV="1">
+            <a:off x="7822526" y="1507520"/>
+            <a:ext cx="652612" cy="649134"/>
+          </a:xfrm>
+          <a:prstGeom prst="straightConnector1">
+            <a:avLst/>
+          </a:prstGeom>
+          <a:ln w="15875">
+            <a:tailEnd type="arrow"/>
+          </a:ln>
+        </p:spPr>
+        <p:style>
+          <a:lnRef idx="1">
+            <a:schemeClr val="accent1"/>
+          </a:lnRef>
+          <a:fillRef idx="0">
+            <a:schemeClr val="accent1"/>
+          </a:fillRef>
+          <a:effectRef idx="0">
+            <a:schemeClr val="accent1"/>
+          </a:effectRef>
+          <a:fontRef idx="minor">
+            <a:schemeClr val="tx1"/>
+          </a:fontRef>
+        </p:style>
+      </p:cxnSp>
+      <p:sp>
+        <p:nvSpPr>
+          <p:cNvPr id="179" name="타원 178"/>
           <p:cNvSpPr/>
           <p:nvPr/>
         </p:nvSpPr>
         <p:spPr>
           <a:xfrm>
-            <a:off x="5364088" y="3957010"/>
+            <a:off x="5028104" y="2840974"/>
             <a:ext cx="216024" cy="216024"/>
           </a:xfrm>
           <a:prstGeom prst="ellipse">
@@ -4141,13 +5852,13 @@
       </p:sp>
       <p:sp>
         <p:nvSpPr>
-          <p:cNvPr id="29" name="타원 28"/>
+          <p:cNvPr id="181" name="타원 180"/>
           <p:cNvSpPr/>
           <p:nvPr/>
         </p:nvSpPr>
         <p:spPr>
           <a:xfrm>
-            <a:off x="5372342" y="4326696"/>
+            <a:off x="6132593" y="2844637"/>
             <a:ext cx="216024" cy="216024"/>
           </a:xfrm>
           <a:prstGeom prst="ellipse">
@@ -4187,13 +5898,47 @@
       </p:sp>
       <p:sp>
         <p:nvSpPr>
-          <p:cNvPr id="30" name="타원 29"/>
+          <p:cNvPr id="182" name="TextBox 181"/>
+          <p:cNvSpPr txBox="1"/>
+          <p:nvPr/>
+        </p:nvSpPr>
+        <p:spPr>
+          <a:xfrm>
+            <a:off x="6036216" y="3128023"/>
+            <a:ext cx="401072" cy="369332"/>
+          </a:xfrm>
+          <a:prstGeom prst="rect">
+            <a:avLst/>
+          </a:prstGeom>
+          <a:noFill/>
+        </p:spPr>
+        <p:txBody>
+          <a:bodyPr wrap="none" rtlCol="0">
+            <a:spAutoFit/>
+          </a:bodyPr>
+          <a:lstStyle/>
+          <a:p>
+            <a:r>
+              <a:rPr lang="en-US" altLang="ko-KR" dirty="0" err="1" smtClean="0"/>
+              <a:t>p</a:t>
+            </a:r>
+            <a:r>
+              <a:rPr lang="en-US" altLang="ko-KR" baseline="-25000" dirty="0" err="1" smtClean="0"/>
+              <a:t>k</a:t>
+            </a:r>
+            <a:endParaRPr lang="ko-KR" altLang="en-US" baseline="-25000" dirty="0"/>
+          </a:p>
+        </p:txBody>
+      </p:sp>
+      <p:sp>
+        <p:nvSpPr>
+          <p:cNvPr id="183" name="타원 182"/>
           <p:cNvSpPr/>
           <p:nvPr/>
         </p:nvSpPr>
         <p:spPr>
           <a:xfrm>
-            <a:off x="5372342" y="4686736"/>
+            <a:off x="6852673" y="2837466"/>
             <a:ext cx="216024" cy="216024"/>
           </a:xfrm>
           <a:prstGeom prst="ellipse">
@@ -4233,13 +5978,83 @@
       </p:sp>
       <p:sp>
         <p:nvSpPr>
-          <p:cNvPr id="31" name="타원 30"/>
+          <p:cNvPr id="184" name="TextBox 183"/>
+          <p:cNvSpPr txBox="1"/>
+          <p:nvPr/>
+        </p:nvSpPr>
+        <p:spPr>
+          <a:xfrm>
+            <a:off x="6756296" y="3120852"/>
+            <a:ext cx="377026" cy="369332"/>
+          </a:xfrm>
+          <a:prstGeom prst="rect">
+            <a:avLst/>
+          </a:prstGeom>
+          <a:noFill/>
+        </p:spPr>
+        <p:txBody>
+          <a:bodyPr wrap="none" rtlCol="0">
+            <a:spAutoFit/>
+          </a:bodyPr>
+          <a:lstStyle/>
+          <a:p>
+            <a:r>
+              <a:rPr lang="en-US" altLang="ko-KR" dirty="0" err="1" smtClean="0"/>
+              <a:t>y</a:t>
+            </a:r>
+            <a:r>
+              <a:rPr lang="en-US" altLang="ko-KR" baseline="-25000" dirty="0" err="1" smtClean="0"/>
+              <a:t>k</a:t>
+            </a:r>
+            <a:endParaRPr lang="ko-KR" altLang="en-US" baseline="-25000" dirty="0"/>
+          </a:p>
+        </p:txBody>
+      </p:sp>
+      <p:cxnSp>
+        <p:nvCxnSpPr>
+          <p:cNvPr id="185" name="직선 화살표 연결선 184"/>
+          <p:cNvCxnSpPr>
+            <a:stCxn id="179" idx="6"/>
+            <a:endCxn id="120" idx="2"/>
+          </p:cNvCxnSpPr>
+          <p:nvPr/>
+        </p:nvCxnSpPr>
+        <p:spPr>
+          <a:xfrm flipV="1">
+            <a:off x="5244128" y="1509297"/>
+            <a:ext cx="881842" cy="1439689"/>
+          </a:xfrm>
+          <a:prstGeom prst="straightConnector1">
+            <a:avLst/>
+          </a:prstGeom>
+          <a:ln w="15875">
+            <a:tailEnd type="arrow"/>
+          </a:ln>
+        </p:spPr>
+        <p:style>
+          <a:lnRef idx="1">
+            <a:schemeClr val="accent1"/>
+          </a:lnRef>
+          <a:fillRef idx="0">
+            <a:schemeClr val="accent1"/>
+          </a:fillRef>
+          <a:effectRef idx="0">
+            <a:schemeClr val="accent1"/>
+          </a:effectRef>
+          <a:fontRef idx="minor">
+            <a:schemeClr val="tx1"/>
+          </a:fontRef>
+        </p:style>
+      </p:cxnSp>
+      <p:sp>
+        <p:nvSpPr>
+          <p:cNvPr id="186" name="타원 185"/>
           <p:cNvSpPr/>
           <p:nvPr/>
         </p:nvSpPr>
         <p:spPr>
           <a:xfrm>
-            <a:off x="6408204" y="1369061"/>
+            <a:off x="7644761" y="2848290"/>
             <a:ext cx="216024" cy="216024"/>
           </a:xfrm>
           <a:prstGeom prst="ellipse">
@@ -4279,13 +6094,519 @@
       </p:sp>
       <p:sp>
         <p:nvSpPr>
-          <p:cNvPr id="32" name="타원 31"/>
+          <p:cNvPr id="187" name="TextBox 186"/>
+          <p:cNvSpPr txBox="1"/>
+          <p:nvPr/>
+        </p:nvSpPr>
+        <p:spPr>
+          <a:xfrm>
+            <a:off x="7404368" y="3131676"/>
+            <a:ext cx="689612" cy="369332"/>
+          </a:xfrm>
+          <a:prstGeom prst="rect">
+            <a:avLst/>
+          </a:prstGeom>
+          <a:noFill/>
+        </p:spPr>
+        <p:txBody>
+          <a:bodyPr wrap="none" rtlCol="0">
+            <a:spAutoFit/>
+          </a:bodyPr>
+          <a:lstStyle/>
+          <a:p>
+            <a:r>
+              <a:rPr lang="en-US" altLang="ko-KR" dirty="0" err="1" smtClean="0"/>
+              <a:t>cost</a:t>
+            </a:r>
+            <a:r>
+              <a:rPr lang="en-US" altLang="ko-KR" baseline="-25000" dirty="0" err="1" smtClean="0"/>
+              <a:t>k</a:t>
+            </a:r>
+            <a:endParaRPr lang="ko-KR" altLang="en-US" baseline="-25000" dirty="0"/>
+          </a:p>
+        </p:txBody>
+      </p:sp>
+      <p:cxnSp>
+        <p:nvCxnSpPr>
+          <p:cNvPr id="188" name="직선 화살표 연결선 187"/>
+          <p:cNvCxnSpPr>
+            <a:stCxn id="181" idx="6"/>
+            <a:endCxn id="186" idx="2"/>
+          </p:cNvCxnSpPr>
+          <p:nvPr/>
+        </p:nvCxnSpPr>
+        <p:spPr>
+          <a:xfrm>
+            <a:off x="6348617" y="2952649"/>
+            <a:ext cx="1296144" cy="3653"/>
+          </a:xfrm>
+          <a:prstGeom prst="straightConnector1">
+            <a:avLst/>
+          </a:prstGeom>
+          <a:ln w="15875">
+            <a:tailEnd type="arrow"/>
+          </a:ln>
+        </p:spPr>
+        <p:style>
+          <a:lnRef idx="1">
+            <a:schemeClr val="accent1"/>
+          </a:lnRef>
+          <a:fillRef idx="0">
+            <a:schemeClr val="accent1"/>
+          </a:fillRef>
+          <a:effectRef idx="0">
+            <a:schemeClr val="accent1"/>
+          </a:effectRef>
+          <a:fontRef idx="minor">
+            <a:schemeClr val="tx1"/>
+          </a:fontRef>
+        </p:style>
+      </p:cxnSp>
+      <mc:AlternateContent xmlns:mc="http://schemas.openxmlformats.org/markup-compatibility/2006">
+        <mc:Choice xmlns:a14="http://schemas.microsoft.com/office/drawing/2010/main" Requires="a14">
+          <p:sp>
+            <p:nvSpPr>
+              <p:cNvPr id="189" name="TextBox 188"/>
+              <p:cNvSpPr txBox="1"/>
+              <p:nvPr/>
+            </p:nvSpPr>
+            <p:spPr>
+              <a:xfrm>
+                <a:off x="2301396" y="791496"/>
+                <a:ext cx="464999" cy="415050"/>
+              </a:xfrm>
+              <a:prstGeom prst="rect">
+                <a:avLst/>
+              </a:prstGeom>
+              <a:noFill/>
+            </p:spPr>
+            <p:txBody>
+              <a:bodyPr wrap="none" rtlCol="0">
+                <a:spAutoFit/>
+              </a:bodyPr>
+              <a:lstStyle/>
+              <a:p>
+                <a14:m>
+                  <m:oMathPara xmlns:m="http://schemas.openxmlformats.org/officeDocument/2006/math">
+                    <m:oMathParaPr>
+                      <m:jc m:val="centerGroup"/>
+                    </m:oMathParaPr>
+                    <m:oMath xmlns:m="http://schemas.openxmlformats.org/officeDocument/2006/math">
+                      <m:sSubSup>
+                        <m:sSubSupPr>
+                          <m:ctrlPr>
+                            <a:rPr lang="ko-KR" altLang="ko-KR" i="1" smtClean="0"/>
+                          </m:ctrlPr>
+                        </m:sSubSupPr>
+                        <m:e>
+                          <m:r>
+                            <m:rPr>
+                              <m:sty m:val="p"/>
+                            </m:rPr>
+                            <a:rPr lang="en-US" altLang="ko-KR"/>
+                            <m:t>Z</m:t>
+                          </m:r>
+                        </m:e>
+                        <m:sub>
+                          <m:r>
+                            <a:rPr lang="en-US" altLang="ko-KR" b="0" i="1" smtClean="0">
+                              <a:latin typeface="Cambria Math"/>
+                            </a:rPr>
+                            <m:t>𝑗</m:t>
+                          </m:r>
+                        </m:sub>
+                        <m:sup>
+                          <m:r>
+                            <a:rPr lang="en-US" altLang="ko-KR" b="0" i="1" smtClean="0">
+                              <a:latin typeface="Cambria Math"/>
+                            </a:rPr>
+                            <m:t>1</m:t>
+                          </m:r>
+                        </m:sup>
+                      </m:sSubSup>
+                    </m:oMath>
+                  </m:oMathPara>
+                </a14:m>
+                <a:endParaRPr lang="ko-KR" altLang="en-US" baseline="-25000" dirty="0"/>
+              </a:p>
+            </p:txBody>
+          </p:sp>
+        </mc:Choice>
+        <mc:Fallback>
+          <p:sp>
+            <p:nvSpPr>
+              <p:cNvPr id="189" name="TextBox 188"/>
+              <p:cNvSpPr txBox="1">
+                <a:spLocks noRot="1" noChangeAspect="1" noMove="1" noResize="1" noEditPoints="1" noAdjustHandles="1" noChangeArrowheads="1" noChangeShapeType="1" noTextEdit="1"/>
+              </p:cNvSpPr>
+              <p:nvPr/>
+            </p:nvSpPr>
+            <p:spPr>
+              <a:xfrm>
+                <a:off x="2301396" y="791496"/>
+                <a:ext cx="464999" cy="415050"/>
+              </a:xfrm>
+              <a:prstGeom prst="rect">
+                <a:avLst/>
+              </a:prstGeom>
+              <a:blipFill rotWithShape="1">
+                <a:blip r:embed="rId3"/>
+                <a:stretch>
+                  <a:fillRect b="-5882"/>
+                </a:stretch>
+              </a:blipFill>
+            </p:spPr>
+            <p:txBody>
+              <a:bodyPr/>
+              <a:lstStyle/>
+              <a:p>
+                <a:r>
+                  <a:rPr lang="ko-KR" altLang="en-US">
+                    <a:noFill/>
+                  </a:rPr>
+                  <a:t> </a:t>
+                </a:r>
+              </a:p>
+            </p:txBody>
+          </p:sp>
+        </mc:Fallback>
+      </mc:AlternateContent>
+      <mc:AlternateContent xmlns:mc="http://schemas.openxmlformats.org/markup-compatibility/2006">
+        <mc:Choice xmlns:a14="http://schemas.microsoft.com/office/drawing/2010/main" Requires="a14">
+          <p:sp>
+            <p:nvSpPr>
+              <p:cNvPr id="190" name="TextBox 189"/>
+              <p:cNvSpPr txBox="1"/>
+              <p:nvPr/>
+            </p:nvSpPr>
+            <p:spPr>
+              <a:xfrm>
+                <a:off x="2301395" y="1678375"/>
+                <a:ext cx="469936" cy="385362"/>
+              </a:xfrm>
+              <a:prstGeom prst="rect">
+                <a:avLst/>
+              </a:prstGeom>
+              <a:noFill/>
+            </p:spPr>
+            <p:txBody>
+              <a:bodyPr wrap="none" rtlCol="0">
+                <a:spAutoFit/>
+              </a:bodyPr>
+              <a:lstStyle/>
+              <a:p>
+                <a14:m>
+                  <m:oMathPara xmlns:m="http://schemas.openxmlformats.org/officeDocument/2006/math">
+                    <m:oMathParaPr>
+                      <m:jc m:val="centerGroup"/>
+                    </m:oMathParaPr>
+                    <m:oMath xmlns:m="http://schemas.openxmlformats.org/officeDocument/2006/math">
+                      <m:sSubSup>
+                        <m:sSubSupPr>
+                          <m:ctrlPr>
+                            <a:rPr lang="ko-KR" altLang="ko-KR" i="1" smtClean="0"/>
+                          </m:ctrlPr>
+                        </m:sSubSupPr>
+                        <m:e>
+                          <m:r>
+                            <m:rPr>
+                              <m:sty m:val="p"/>
+                            </m:rPr>
+                            <a:rPr lang="en-US" altLang="ko-KR"/>
+                            <m:t>Z</m:t>
+                          </m:r>
+                        </m:e>
+                        <m:sub>
+                          <m:r>
+                            <a:rPr lang="en-US" altLang="ko-KR" b="0" i="1" smtClean="0">
+                              <a:latin typeface="Cambria Math"/>
+                            </a:rPr>
+                            <m:t>0</m:t>
+                          </m:r>
+                        </m:sub>
+                        <m:sup>
+                          <m:r>
+                            <a:rPr lang="en-US" altLang="ko-KR" b="0" i="1" smtClean="0">
+                              <a:latin typeface="Cambria Math"/>
+                            </a:rPr>
+                            <m:t>1</m:t>
+                          </m:r>
+                        </m:sup>
+                      </m:sSubSup>
+                    </m:oMath>
+                  </m:oMathPara>
+                </a14:m>
+                <a:endParaRPr lang="ko-KR" altLang="en-US" baseline="-25000" dirty="0"/>
+              </a:p>
+            </p:txBody>
+          </p:sp>
+        </mc:Choice>
+        <mc:Fallback>
+          <p:sp>
+            <p:nvSpPr>
+              <p:cNvPr id="190" name="TextBox 189"/>
+              <p:cNvSpPr txBox="1">
+                <a:spLocks noRot="1" noChangeAspect="1" noMove="1" noResize="1" noEditPoints="1" noAdjustHandles="1" noChangeArrowheads="1" noChangeShapeType="1" noTextEdit="1"/>
+              </p:cNvSpPr>
+              <p:nvPr/>
+            </p:nvSpPr>
+            <p:spPr>
+              <a:xfrm>
+                <a:off x="2301395" y="1678375"/>
+                <a:ext cx="469936" cy="385362"/>
+              </a:xfrm>
+              <a:prstGeom prst="rect">
+                <a:avLst/>
+              </a:prstGeom>
+              <a:blipFill rotWithShape="1">
+                <a:blip r:embed="rId4"/>
+                <a:stretch>
+                  <a:fillRect/>
+                </a:stretch>
+              </a:blipFill>
+            </p:spPr>
+            <p:txBody>
+              <a:bodyPr/>
+              <a:lstStyle/>
+              <a:p>
+                <a:r>
+                  <a:rPr lang="ko-KR" altLang="en-US">
+                    <a:noFill/>
+                  </a:rPr>
+                  <a:t> </a:t>
+                </a:r>
+              </a:p>
+            </p:txBody>
+          </p:sp>
+        </mc:Fallback>
+      </mc:AlternateContent>
+      <mc:AlternateContent xmlns:mc="http://schemas.openxmlformats.org/markup-compatibility/2006">
+        <mc:Choice xmlns:a14="http://schemas.microsoft.com/office/drawing/2010/main" Requires="a14">
+          <p:sp>
+            <p:nvSpPr>
+              <p:cNvPr id="191" name="TextBox 190"/>
+              <p:cNvSpPr txBox="1"/>
+              <p:nvPr/>
+            </p:nvSpPr>
+            <p:spPr>
+              <a:xfrm>
+                <a:off x="2293084" y="3173694"/>
+                <a:ext cx="464999" cy="385362"/>
+              </a:xfrm>
+              <a:prstGeom prst="rect">
+                <a:avLst/>
+              </a:prstGeom>
+              <a:noFill/>
+            </p:spPr>
+            <p:txBody>
+              <a:bodyPr wrap="none" rtlCol="0">
+                <a:spAutoFit/>
+              </a:bodyPr>
+              <a:lstStyle/>
+              <a:p>
+                <a14:m>
+                  <m:oMathPara xmlns:m="http://schemas.openxmlformats.org/officeDocument/2006/math">
+                    <m:oMathParaPr>
+                      <m:jc m:val="centerGroup"/>
+                    </m:oMathParaPr>
+                    <m:oMath xmlns:m="http://schemas.openxmlformats.org/officeDocument/2006/math">
+                      <m:sSubSup>
+                        <m:sSubSupPr>
+                          <m:ctrlPr>
+                            <a:rPr lang="ko-KR" altLang="ko-KR" i="1" smtClean="0"/>
+                          </m:ctrlPr>
+                        </m:sSubSupPr>
+                        <m:e>
+                          <m:r>
+                            <m:rPr>
+                              <m:sty m:val="p"/>
+                            </m:rPr>
+                            <a:rPr lang="en-US" altLang="ko-KR"/>
+                            <m:t>Z</m:t>
+                          </m:r>
+                        </m:e>
+                        <m:sub>
+                          <m:r>
+                            <a:rPr lang="en-US" altLang="ko-KR" b="0" i="1" smtClean="0">
+                              <a:latin typeface="Cambria Math"/>
+                            </a:rPr>
+                            <m:t>1</m:t>
+                          </m:r>
+                        </m:sub>
+                        <m:sup>
+                          <m:r>
+                            <a:rPr lang="en-US" altLang="ko-KR" b="0" i="1" smtClean="0">
+                              <a:latin typeface="Cambria Math"/>
+                            </a:rPr>
+                            <m:t>1</m:t>
+                          </m:r>
+                        </m:sup>
+                      </m:sSubSup>
+                    </m:oMath>
+                  </m:oMathPara>
+                </a14:m>
+                <a:endParaRPr lang="ko-KR" altLang="en-US" baseline="-25000" dirty="0"/>
+              </a:p>
+            </p:txBody>
+          </p:sp>
+        </mc:Choice>
+        <mc:Fallback>
+          <p:sp>
+            <p:nvSpPr>
+              <p:cNvPr id="191" name="TextBox 190"/>
+              <p:cNvSpPr txBox="1">
+                <a:spLocks noRot="1" noChangeAspect="1" noMove="1" noResize="1" noEditPoints="1" noAdjustHandles="1" noChangeArrowheads="1" noChangeShapeType="1" noTextEdit="1"/>
+              </p:cNvSpPr>
+              <p:nvPr/>
+            </p:nvSpPr>
+            <p:spPr>
+              <a:xfrm>
+                <a:off x="2293084" y="3173694"/>
+                <a:ext cx="464999" cy="385362"/>
+              </a:xfrm>
+              <a:prstGeom prst="rect">
+                <a:avLst/>
+              </a:prstGeom>
+              <a:blipFill rotWithShape="1">
+                <a:blip r:embed="rId5"/>
+                <a:stretch>
+                  <a:fillRect b="-1587"/>
+                </a:stretch>
+              </a:blipFill>
+            </p:spPr>
+            <p:txBody>
+              <a:bodyPr/>
+              <a:lstStyle/>
+              <a:p>
+                <a:r>
+                  <a:rPr lang="ko-KR" altLang="en-US">
+                    <a:noFill/>
+                  </a:rPr>
+                  <a:t> </a:t>
+                </a:r>
+              </a:p>
+            </p:txBody>
+          </p:sp>
+        </mc:Fallback>
+      </mc:AlternateContent>
+      <mc:AlternateContent xmlns:mc="http://schemas.openxmlformats.org/markup-compatibility/2006">
+        <mc:Choice xmlns:a14="http://schemas.microsoft.com/office/drawing/2010/main" Requires="a14">
+          <p:sp>
+            <p:nvSpPr>
+              <p:cNvPr id="192" name="TextBox 191"/>
+              <p:cNvSpPr txBox="1"/>
+              <p:nvPr/>
+            </p:nvSpPr>
+            <p:spPr>
+              <a:xfrm>
+                <a:off x="2326628" y="4499828"/>
+                <a:ext cx="567720" cy="385362"/>
+              </a:xfrm>
+              <a:prstGeom prst="rect">
+                <a:avLst/>
+              </a:prstGeom>
+              <a:noFill/>
+            </p:spPr>
+            <p:txBody>
+              <a:bodyPr wrap="none" rtlCol="0">
+                <a:spAutoFit/>
+              </a:bodyPr>
+              <a:lstStyle/>
+              <a:p>
+                <a14:m>
+                  <m:oMathPara xmlns:m="http://schemas.openxmlformats.org/officeDocument/2006/math">
+                    <m:oMathParaPr>
+                      <m:jc m:val="centerGroup"/>
+                    </m:oMathParaPr>
+                    <m:oMath xmlns:m="http://schemas.openxmlformats.org/officeDocument/2006/math">
+                      <m:sSubSup>
+                        <m:sSubSupPr>
+                          <m:ctrlPr>
+                            <a:rPr lang="ko-KR" altLang="ko-KR" i="1" smtClean="0"/>
+                          </m:ctrlPr>
+                        </m:sSubSupPr>
+                        <m:e>
+                          <m:r>
+                            <m:rPr>
+                              <m:sty m:val="p"/>
+                            </m:rPr>
+                            <a:rPr lang="en-US" altLang="ko-KR"/>
+                            <m:t>Z</m:t>
+                          </m:r>
+                        </m:e>
+                        <m:sub>
+                          <m:r>
+                            <a:rPr lang="en-US" altLang="ko-KR" b="0" i="1" smtClean="0">
+                              <a:latin typeface="Cambria Math"/>
+                            </a:rPr>
+                            <m:t>63</m:t>
+                          </m:r>
+                        </m:sub>
+                        <m:sup>
+                          <m:r>
+                            <a:rPr lang="en-US" altLang="ko-KR" b="0" i="1" smtClean="0">
+                              <a:latin typeface="Cambria Math"/>
+                            </a:rPr>
+                            <m:t>1</m:t>
+                          </m:r>
+                        </m:sup>
+                      </m:sSubSup>
+                    </m:oMath>
+                  </m:oMathPara>
+                </a14:m>
+                <a:endParaRPr lang="ko-KR" altLang="en-US" baseline="-25000" dirty="0"/>
+              </a:p>
+            </p:txBody>
+          </p:sp>
+        </mc:Choice>
+        <mc:Fallback>
+          <p:sp>
+            <p:nvSpPr>
+              <p:cNvPr id="192" name="TextBox 191"/>
+              <p:cNvSpPr txBox="1">
+                <a:spLocks noRot="1" noChangeAspect="1" noMove="1" noResize="1" noEditPoints="1" noAdjustHandles="1" noChangeArrowheads="1" noChangeShapeType="1" noTextEdit="1"/>
+              </p:cNvSpPr>
+              <p:nvPr/>
+            </p:nvSpPr>
+            <p:spPr>
+              <a:xfrm>
+                <a:off x="2326628" y="4499828"/>
+                <a:ext cx="567720" cy="385362"/>
+              </a:xfrm>
+              <a:prstGeom prst="rect">
+                <a:avLst/>
+              </a:prstGeom>
+              <a:blipFill rotWithShape="1">
+                <a:blip r:embed="rId6"/>
+                <a:stretch>
+                  <a:fillRect b="-1587"/>
+                </a:stretch>
+              </a:blipFill>
+            </p:spPr>
+            <p:txBody>
+              <a:bodyPr/>
+              <a:lstStyle/>
+              <a:p>
+                <a:r>
+                  <a:rPr lang="ko-KR" altLang="en-US">
+                    <a:noFill/>
+                  </a:rPr>
+                  <a:t> </a:t>
+                </a:r>
+              </a:p>
+            </p:txBody>
+          </p:sp>
+        </mc:Fallback>
+      </mc:AlternateContent>
+      <p:sp>
+        <p:nvSpPr>
+          <p:cNvPr id="193" name="타원 192"/>
           <p:cNvSpPr/>
           <p:nvPr/>
         </p:nvSpPr>
         <p:spPr>
           <a:xfrm>
-            <a:off x="6408204" y="1729101"/>
+            <a:off x="3710748" y="1392546"/>
             <a:ext cx="216024" cy="216024"/>
           </a:xfrm>
           <a:prstGeom prst="ellipse">
@@ -4325,13 +6646,13 @@
       </p:sp>
       <p:sp>
         <p:nvSpPr>
-          <p:cNvPr id="33" name="타원 32"/>
+          <p:cNvPr id="194" name="타원 193"/>
           <p:cNvSpPr/>
           <p:nvPr/>
         </p:nvSpPr>
         <p:spPr>
           <a:xfrm>
-            <a:off x="6408204" y="2089141"/>
+            <a:off x="3710748" y="2112626"/>
             <a:ext cx="216024" cy="216024"/>
           </a:xfrm>
           <a:prstGeom prst="ellipse">
@@ -4371,13 +6692,13 @@
       </p:sp>
       <p:sp>
         <p:nvSpPr>
-          <p:cNvPr id="34" name="타원 33"/>
+          <p:cNvPr id="195" name="타원 194"/>
           <p:cNvSpPr/>
           <p:nvPr/>
         </p:nvSpPr>
         <p:spPr>
           <a:xfrm>
-            <a:off x="6408204" y="2449181"/>
+            <a:off x="3708498" y="4149863"/>
             <a:ext cx="216024" cy="216024"/>
           </a:xfrm>
           <a:prstGeom prst="ellipse">
@@ -4415,15 +6736,165 @@
           </a:p>
         </p:txBody>
       </p:sp>
-      <p:sp>
-        <p:nvSpPr>
-          <p:cNvPr id="35" name="타원 34"/>
+      <mc:AlternateContent xmlns:mc="http://schemas.openxmlformats.org/markup-compatibility/2006">
+        <mc:Choice xmlns:a14="http://schemas.microsoft.com/office/drawing/2010/main" Requires="a14">
+          <p:sp>
+            <p:nvSpPr>
+              <p:cNvPr id="196" name="TextBox 195"/>
+              <p:cNvSpPr txBox="1"/>
+              <p:nvPr/>
+            </p:nvSpPr>
+            <p:spPr>
+              <a:xfrm>
+                <a:off x="3614371" y="2396012"/>
+                <a:ext cx="468205" cy="371961"/>
+              </a:xfrm>
+              <a:prstGeom prst="rect">
+                <a:avLst/>
+              </a:prstGeom>
+              <a:noFill/>
+            </p:spPr>
+            <p:txBody>
+              <a:bodyPr wrap="none" rtlCol="0">
+                <a:spAutoFit/>
+              </a:bodyPr>
+              <a:lstStyle/>
+              <a:p>
+                <a14:m>
+                  <m:oMathPara xmlns:m="http://schemas.openxmlformats.org/officeDocument/2006/math">
+                    <m:oMathParaPr>
+                      <m:jc m:val="centerGroup"/>
+                    </m:oMathParaPr>
+                    <m:oMath xmlns:m="http://schemas.openxmlformats.org/officeDocument/2006/math">
+                      <m:sSubSup>
+                        <m:sSubSupPr>
+                          <m:ctrlPr>
+                            <a:rPr lang="ko-KR" altLang="ko-KR" i="1" smtClean="0"/>
+                          </m:ctrlPr>
+                        </m:sSubSupPr>
+                        <m:e>
+                          <m:r>
+                            <m:rPr>
+                              <m:sty m:val="p"/>
+                            </m:rPr>
+                            <a:rPr lang="en-US" altLang="ko-KR" b="0" i="0" smtClean="0">
+                              <a:latin typeface="Cambria Math"/>
+                            </a:rPr>
+                            <m:t>h</m:t>
+                          </m:r>
+                        </m:e>
+                        <m:sub>
+                          <m:r>
+                            <a:rPr lang="en-US" altLang="ko-KR" b="0" i="1" smtClean="0">
+                              <a:latin typeface="Cambria Math"/>
+                            </a:rPr>
+                            <m:t>1</m:t>
+                          </m:r>
+                        </m:sub>
+                        <m:sup>
+                          <m:r>
+                            <a:rPr lang="en-US" altLang="ko-KR" b="0" i="1" smtClean="0">
+                              <a:latin typeface="Cambria Math"/>
+                            </a:rPr>
+                            <m:t>1</m:t>
+                          </m:r>
+                        </m:sup>
+                      </m:sSubSup>
+                    </m:oMath>
+                  </m:oMathPara>
+                </a14:m>
+                <a:endParaRPr lang="ko-KR" altLang="en-US" baseline="-25000" dirty="0"/>
+              </a:p>
+            </p:txBody>
+          </p:sp>
+        </mc:Choice>
+        <mc:Fallback>
+          <p:sp>
+            <p:nvSpPr>
+              <p:cNvPr id="196" name="TextBox 195"/>
+              <p:cNvSpPr txBox="1">
+                <a:spLocks noRot="1" noChangeAspect="1" noMove="1" noResize="1" noEditPoints="1" noAdjustHandles="1" noChangeArrowheads="1" noChangeShapeType="1" noTextEdit="1"/>
+              </p:cNvSpPr>
+              <p:nvPr/>
+            </p:nvSpPr>
+            <p:spPr>
+              <a:xfrm>
+                <a:off x="3614371" y="2396012"/>
+                <a:ext cx="468205" cy="371961"/>
+              </a:xfrm>
+              <a:prstGeom prst="rect">
+                <a:avLst/>
+              </a:prstGeom>
+              <a:blipFill rotWithShape="1">
+                <a:blip r:embed="rId7"/>
+                <a:stretch>
+                  <a:fillRect b="-3279"/>
+                </a:stretch>
+              </a:blipFill>
+            </p:spPr>
+            <p:txBody>
+              <a:bodyPr/>
+              <a:lstStyle/>
+              <a:p>
+                <a:r>
+                  <a:rPr lang="ko-KR" altLang="en-US">
+                    <a:noFill/>
+                  </a:rPr>
+                  <a:t> </a:t>
+                </a:r>
+              </a:p>
+            </p:txBody>
+          </p:sp>
+        </mc:Fallback>
+      </mc:AlternateContent>
+      <p:sp>
+        <p:nvSpPr>
+          <p:cNvPr id="197" name="TextBox 196"/>
+          <p:cNvSpPr txBox="1"/>
+          <p:nvPr/>
+        </p:nvSpPr>
+        <p:spPr>
+          <a:xfrm>
+            <a:off x="3678738" y="3477566"/>
+            <a:ext cx="256802" cy="830997"/>
+          </a:xfrm>
+          <a:prstGeom prst="rect">
+            <a:avLst/>
+          </a:prstGeom>
+          <a:noFill/>
+        </p:spPr>
+        <p:txBody>
+          <a:bodyPr wrap="none" rtlCol="0">
+            <a:spAutoFit/>
+          </a:bodyPr>
+          <a:lstStyle/>
+          <a:p>
+            <a:r>
+              <a:rPr lang="en-US" altLang="ko-KR" b="1" dirty="0" smtClean="0"/>
+              <a:t>∙</a:t>
+            </a:r>
+          </a:p>
+          <a:p>
+            <a:r>
+              <a:rPr lang="en-US" altLang="ko-KR" b="1" dirty="0" smtClean="0"/>
+              <a:t>∙</a:t>
+            </a:r>
+            <a:endParaRPr lang="en-US" altLang="ko-KR" b="1" dirty="0"/>
+          </a:p>
+          <a:p>
+            <a:endParaRPr lang="ko-KR" altLang="en-US" b="1" baseline="-25000" dirty="0"/>
+          </a:p>
+        </p:txBody>
+      </p:sp>
+      <p:sp>
+        <p:nvSpPr>
+          <p:cNvPr id="198" name="타원 197"/>
           <p:cNvSpPr/>
           <p:nvPr/>
         </p:nvSpPr>
         <p:spPr>
           <a:xfrm>
-            <a:off x="6408204" y="2833175"/>
+            <a:off x="3707439" y="2901114"/>
             <a:ext cx="216024" cy="216024"/>
           </a:xfrm>
           <a:prstGeom prst="ellipse">
@@ -4461,693 +6932,3916 @@
           </a:p>
         </p:txBody>
       </p:sp>
-      <p:sp>
-        <p:nvSpPr>
-          <p:cNvPr id="36" name="타원 35"/>
-          <p:cNvSpPr/>
+      <mc:AlternateContent xmlns:mc="http://schemas.openxmlformats.org/markup-compatibility/2006">
+        <mc:Choice xmlns:a14="http://schemas.microsoft.com/office/drawing/2010/main" Requires="a14">
+          <p:sp>
+            <p:nvSpPr>
+              <p:cNvPr id="199" name="TextBox 198"/>
+              <p:cNvSpPr txBox="1"/>
+              <p:nvPr/>
+            </p:nvSpPr>
+            <p:spPr>
+              <a:xfrm>
+                <a:off x="3582951" y="771266"/>
+                <a:ext cx="468205" cy="415050"/>
+              </a:xfrm>
+              <a:prstGeom prst="rect">
+                <a:avLst/>
+              </a:prstGeom>
+              <a:noFill/>
+            </p:spPr>
+            <p:txBody>
+              <a:bodyPr wrap="none" rtlCol="0">
+                <a:spAutoFit/>
+              </a:bodyPr>
+              <a:lstStyle/>
+              <a:p>
+                <a14:m>
+                  <m:oMathPara xmlns:m="http://schemas.openxmlformats.org/officeDocument/2006/math">
+                    <m:oMathParaPr>
+                      <m:jc m:val="centerGroup"/>
+                    </m:oMathParaPr>
+                    <m:oMath xmlns:m="http://schemas.openxmlformats.org/officeDocument/2006/math">
+                      <m:sSubSup>
+                        <m:sSubSupPr>
+                          <m:ctrlPr>
+                            <a:rPr lang="ko-KR" altLang="ko-KR" i="1" smtClean="0"/>
+                          </m:ctrlPr>
+                        </m:sSubSupPr>
+                        <m:e>
+                          <m:r>
+                            <m:rPr>
+                              <m:sty m:val="p"/>
+                            </m:rPr>
+                            <a:rPr lang="en-US" altLang="ko-KR" b="0" i="0" smtClean="0">
+                              <a:latin typeface="Cambria Math"/>
+                            </a:rPr>
+                            <m:t>h</m:t>
+                          </m:r>
+                        </m:e>
+                        <m:sub>
+                          <m:r>
+                            <a:rPr lang="en-US" altLang="ko-KR" b="0" i="1" smtClean="0">
+                              <a:latin typeface="Cambria Math"/>
+                            </a:rPr>
+                            <m:t>𝑗</m:t>
+                          </m:r>
+                        </m:sub>
+                        <m:sup>
+                          <m:r>
+                            <a:rPr lang="en-US" altLang="ko-KR" b="0" i="1" smtClean="0">
+                              <a:latin typeface="Cambria Math"/>
+                            </a:rPr>
+                            <m:t>1</m:t>
+                          </m:r>
+                        </m:sup>
+                      </m:sSubSup>
+                    </m:oMath>
+                  </m:oMathPara>
+                </a14:m>
+                <a:endParaRPr lang="ko-KR" altLang="en-US" baseline="-25000" dirty="0"/>
+              </a:p>
+            </p:txBody>
+          </p:sp>
+        </mc:Choice>
+        <mc:Fallback>
+          <p:sp>
+            <p:nvSpPr>
+              <p:cNvPr id="199" name="TextBox 198"/>
+              <p:cNvSpPr txBox="1">
+                <a:spLocks noRot="1" noChangeAspect="1" noMove="1" noResize="1" noEditPoints="1" noAdjustHandles="1" noChangeArrowheads="1" noChangeShapeType="1" noTextEdit="1"/>
+              </p:cNvSpPr>
+              <p:nvPr/>
+            </p:nvSpPr>
+            <p:spPr>
+              <a:xfrm>
+                <a:off x="3582951" y="771266"/>
+                <a:ext cx="468205" cy="415050"/>
+              </a:xfrm>
+              <a:prstGeom prst="rect">
+                <a:avLst/>
+              </a:prstGeom>
+              <a:blipFill rotWithShape="1">
+                <a:blip r:embed="rId8"/>
+                <a:stretch>
+                  <a:fillRect b="-7353"/>
+                </a:stretch>
+              </a:blipFill>
+            </p:spPr>
+            <p:txBody>
+              <a:bodyPr/>
+              <a:lstStyle/>
+              <a:p>
+                <a:r>
+                  <a:rPr lang="ko-KR" altLang="en-US">
+                    <a:noFill/>
+                  </a:rPr>
+                  <a:t> </a:t>
+                </a:r>
+              </a:p>
+            </p:txBody>
+          </p:sp>
+        </mc:Fallback>
+      </mc:AlternateContent>
+      <mc:AlternateContent xmlns:mc="http://schemas.openxmlformats.org/markup-compatibility/2006">
+        <mc:Choice xmlns:a14="http://schemas.microsoft.com/office/drawing/2010/main" Requires="a14">
+          <p:sp>
+            <p:nvSpPr>
+              <p:cNvPr id="200" name="TextBox 199"/>
+              <p:cNvSpPr txBox="1"/>
+              <p:nvPr/>
+            </p:nvSpPr>
+            <p:spPr>
+              <a:xfrm>
+                <a:off x="3582950" y="1658145"/>
+                <a:ext cx="473142" cy="374205"/>
+              </a:xfrm>
+              <a:prstGeom prst="rect">
+                <a:avLst/>
+              </a:prstGeom>
+              <a:noFill/>
+            </p:spPr>
+            <p:txBody>
+              <a:bodyPr wrap="none" rtlCol="0">
+                <a:spAutoFit/>
+              </a:bodyPr>
+              <a:lstStyle/>
+              <a:p>
+                <a14:m>
+                  <m:oMathPara xmlns:m="http://schemas.openxmlformats.org/officeDocument/2006/math">
+                    <m:oMathParaPr>
+                      <m:jc m:val="centerGroup"/>
+                    </m:oMathParaPr>
+                    <m:oMath xmlns:m="http://schemas.openxmlformats.org/officeDocument/2006/math">
+                      <m:sSubSup>
+                        <m:sSubSupPr>
+                          <m:ctrlPr>
+                            <a:rPr lang="ko-KR" altLang="ko-KR" i="1" smtClean="0"/>
+                          </m:ctrlPr>
+                        </m:sSubSupPr>
+                        <m:e>
+                          <m:r>
+                            <m:rPr>
+                              <m:sty m:val="p"/>
+                            </m:rPr>
+                            <a:rPr lang="en-US" altLang="ko-KR" b="0" i="0" smtClean="0">
+                              <a:latin typeface="Cambria Math"/>
+                            </a:rPr>
+                            <m:t>h</m:t>
+                          </m:r>
+                        </m:e>
+                        <m:sub>
+                          <m:r>
+                            <a:rPr lang="en-US" altLang="ko-KR" b="0" i="1" smtClean="0">
+                              <a:latin typeface="Cambria Math"/>
+                            </a:rPr>
+                            <m:t>0</m:t>
+                          </m:r>
+                        </m:sub>
+                        <m:sup>
+                          <m:r>
+                            <a:rPr lang="en-US" altLang="ko-KR" b="0" i="1" smtClean="0">
+                              <a:latin typeface="Cambria Math"/>
+                            </a:rPr>
+                            <m:t>1</m:t>
+                          </m:r>
+                        </m:sup>
+                      </m:sSubSup>
+                    </m:oMath>
+                  </m:oMathPara>
+                </a14:m>
+                <a:endParaRPr lang="ko-KR" altLang="en-US" baseline="-25000" dirty="0"/>
+              </a:p>
+            </p:txBody>
+          </p:sp>
+        </mc:Choice>
+        <mc:Fallback>
+          <p:sp>
+            <p:nvSpPr>
+              <p:cNvPr id="200" name="TextBox 199"/>
+              <p:cNvSpPr txBox="1">
+                <a:spLocks noRot="1" noChangeAspect="1" noMove="1" noResize="1" noEditPoints="1" noAdjustHandles="1" noChangeArrowheads="1" noChangeShapeType="1" noTextEdit="1"/>
+              </p:cNvSpPr>
+              <p:nvPr/>
+            </p:nvSpPr>
+            <p:spPr>
+              <a:xfrm>
+                <a:off x="3582950" y="1658145"/>
+                <a:ext cx="473142" cy="374205"/>
+              </a:xfrm>
+              <a:prstGeom prst="rect">
+                <a:avLst/>
+              </a:prstGeom>
+              <a:blipFill rotWithShape="1">
+                <a:blip r:embed="rId9"/>
+                <a:stretch>
+                  <a:fillRect b="-3279"/>
+                </a:stretch>
+              </a:blipFill>
+            </p:spPr>
+            <p:txBody>
+              <a:bodyPr/>
+              <a:lstStyle/>
+              <a:p>
+                <a:r>
+                  <a:rPr lang="ko-KR" altLang="en-US">
+                    <a:noFill/>
+                  </a:rPr>
+                  <a:t> </a:t>
+                </a:r>
+              </a:p>
+            </p:txBody>
+          </p:sp>
+        </mc:Fallback>
+      </mc:AlternateContent>
+      <mc:AlternateContent xmlns:mc="http://schemas.openxmlformats.org/markup-compatibility/2006">
+        <mc:Choice xmlns:a14="http://schemas.microsoft.com/office/drawing/2010/main" Requires="a14">
+          <p:sp>
+            <p:nvSpPr>
+              <p:cNvPr id="201" name="TextBox 200"/>
+              <p:cNvSpPr txBox="1"/>
+              <p:nvPr/>
+            </p:nvSpPr>
+            <p:spPr>
+              <a:xfrm>
+                <a:off x="3574639" y="3153464"/>
+                <a:ext cx="468205" cy="415050"/>
+              </a:xfrm>
+              <a:prstGeom prst="rect">
+                <a:avLst/>
+              </a:prstGeom>
+              <a:noFill/>
+            </p:spPr>
+            <p:txBody>
+              <a:bodyPr wrap="none" rtlCol="0">
+                <a:spAutoFit/>
+              </a:bodyPr>
+              <a:lstStyle/>
+              <a:p>
+                <a14:m>
+                  <m:oMathPara xmlns:m="http://schemas.openxmlformats.org/officeDocument/2006/math">
+                    <m:oMathParaPr>
+                      <m:jc m:val="centerGroup"/>
+                    </m:oMathParaPr>
+                    <m:oMath xmlns:m="http://schemas.openxmlformats.org/officeDocument/2006/math">
+                      <m:sSubSup>
+                        <m:sSubSupPr>
+                          <m:ctrlPr>
+                            <a:rPr lang="ko-KR" altLang="ko-KR" i="1" smtClean="0"/>
+                          </m:ctrlPr>
+                        </m:sSubSupPr>
+                        <m:e>
+                          <m:r>
+                            <m:rPr>
+                              <m:sty m:val="p"/>
+                            </m:rPr>
+                            <a:rPr lang="en-US" altLang="ko-KR" b="0" i="0" smtClean="0">
+                              <a:latin typeface="Cambria Math"/>
+                            </a:rPr>
+                            <m:t>h</m:t>
+                          </m:r>
+                        </m:e>
+                        <m:sub>
+                          <m:r>
+                            <a:rPr lang="en-US" altLang="ko-KR" b="0" i="1" smtClean="0">
+                              <a:latin typeface="Cambria Math"/>
+                            </a:rPr>
+                            <m:t>𝑗</m:t>
+                          </m:r>
+                        </m:sub>
+                        <m:sup>
+                          <m:r>
+                            <a:rPr lang="en-US" altLang="ko-KR" b="0" i="1" smtClean="0">
+                              <a:latin typeface="Cambria Math"/>
+                            </a:rPr>
+                            <m:t>1</m:t>
+                          </m:r>
+                        </m:sup>
+                      </m:sSubSup>
+                    </m:oMath>
+                  </m:oMathPara>
+                </a14:m>
+                <a:endParaRPr lang="ko-KR" altLang="en-US" baseline="-25000" dirty="0"/>
+              </a:p>
+            </p:txBody>
+          </p:sp>
+        </mc:Choice>
+        <mc:Fallback>
+          <p:sp>
+            <p:nvSpPr>
+              <p:cNvPr id="201" name="TextBox 200"/>
+              <p:cNvSpPr txBox="1">
+                <a:spLocks noRot="1" noChangeAspect="1" noMove="1" noResize="1" noEditPoints="1" noAdjustHandles="1" noChangeArrowheads="1" noChangeShapeType="1" noTextEdit="1"/>
+              </p:cNvSpPr>
+              <p:nvPr/>
+            </p:nvSpPr>
+            <p:spPr>
+              <a:xfrm>
+                <a:off x="3574639" y="3153464"/>
+                <a:ext cx="468205" cy="415050"/>
+              </a:xfrm>
+              <a:prstGeom prst="rect">
+                <a:avLst/>
+              </a:prstGeom>
+              <a:blipFill rotWithShape="1">
+                <a:blip r:embed="rId10"/>
+                <a:stretch>
+                  <a:fillRect b="-7353"/>
+                </a:stretch>
+              </a:blipFill>
+            </p:spPr>
+            <p:txBody>
+              <a:bodyPr/>
+              <a:lstStyle/>
+              <a:p>
+                <a:r>
+                  <a:rPr lang="ko-KR" altLang="en-US">
+                    <a:noFill/>
+                  </a:rPr>
+                  <a:t> </a:t>
+                </a:r>
+              </a:p>
+            </p:txBody>
+          </p:sp>
+        </mc:Fallback>
+      </mc:AlternateContent>
+      <mc:AlternateContent xmlns:mc="http://schemas.openxmlformats.org/markup-compatibility/2006">
+        <mc:Choice xmlns:a14="http://schemas.microsoft.com/office/drawing/2010/main" Requires="a14">
+          <p:sp>
+            <p:nvSpPr>
+              <p:cNvPr id="202" name="TextBox 201"/>
+              <p:cNvSpPr txBox="1"/>
+              <p:nvPr/>
+            </p:nvSpPr>
+            <p:spPr>
+              <a:xfrm>
+                <a:off x="3608183" y="4479598"/>
+                <a:ext cx="570926" cy="374205"/>
+              </a:xfrm>
+              <a:prstGeom prst="rect">
+                <a:avLst/>
+              </a:prstGeom>
+              <a:noFill/>
+            </p:spPr>
+            <p:txBody>
+              <a:bodyPr wrap="none" rtlCol="0">
+                <a:spAutoFit/>
+              </a:bodyPr>
+              <a:lstStyle/>
+              <a:p>
+                <a14:m>
+                  <m:oMathPara xmlns:m="http://schemas.openxmlformats.org/officeDocument/2006/math">
+                    <m:oMathParaPr>
+                      <m:jc m:val="centerGroup"/>
+                    </m:oMathParaPr>
+                    <m:oMath xmlns:m="http://schemas.openxmlformats.org/officeDocument/2006/math">
+                      <m:sSubSup>
+                        <m:sSubSupPr>
+                          <m:ctrlPr>
+                            <a:rPr lang="ko-KR" altLang="ko-KR" i="1" smtClean="0"/>
+                          </m:ctrlPr>
+                        </m:sSubSupPr>
+                        <m:e>
+                          <m:r>
+                            <m:rPr>
+                              <m:sty m:val="p"/>
+                            </m:rPr>
+                            <a:rPr lang="en-US" altLang="ko-KR" b="0" i="0" smtClean="0">
+                              <a:latin typeface="Cambria Math"/>
+                            </a:rPr>
+                            <m:t>h</m:t>
+                          </m:r>
+                        </m:e>
+                        <m:sub>
+                          <m:r>
+                            <a:rPr lang="en-US" altLang="ko-KR" b="0" i="1" smtClean="0">
+                              <a:latin typeface="Cambria Math"/>
+                            </a:rPr>
+                            <m:t>63</m:t>
+                          </m:r>
+                        </m:sub>
+                        <m:sup>
+                          <m:r>
+                            <a:rPr lang="en-US" altLang="ko-KR" b="0" i="1" smtClean="0">
+                              <a:latin typeface="Cambria Math"/>
+                            </a:rPr>
+                            <m:t>1</m:t>
+                          </m:r>
+                        </m:sup>
+                      </m:sSubSup>
+                    </m:oMath>
+                  </m:oMathPara>
+                </a14:m>
+                <a:endParaRPr lang="ko-KR" altLang="en-US" baseline="-25000" dirty="0"/>
+              </a:p>
+            </p:txBody>
+          </p:sp>
+        </mc:Choice>
+        <mc:Fallback>
+          <p:sp>
+            <p:nvSpPr>
+              <p:cNvPr id="202" name="TextBox 201"/>
+              <p:cNvSpPr txBox="1">
+                <a:spLocks noRot="1" noChangeAspect="1" noMove="1" noResize="1" noEditPoints="1" noAdjustHandles="1" noChangeArrowheads="1" noChangeShapeType="1" noTextEdit="1"/>
+              </p:cNvSpPr>
+              <p:nvPr/>
+            </p:nvSpPr>
+            <p:spPr>
+              <a:xfrm>
+                <a:off x="3608183" y="4479598"/>
+                <a:ext cx="570926" cy="374205"/>
+              </a:xfrm>
+              <a:prstGeom prst="rect">
+                <a:avLst/>
+              </a:prstGeom>
+              <a:blipFill rotWithShape="1">
+                <a:blip r:embed="rId11"/>
+                <a:stretch>
+                  <a:fillRect b="-3279"/>
+                </a:stretch>
+              </a:blipFill>
+            </p:spPr>
+            <p:txBody>
+              <a:bodyPr/>
+              <a:lstStyle/>
+              <a:p>
+                <a:r>
+                  <a:rPr lang="ko-KR" altLang="en-US">
+                    <a:noFill/>
+                  </a:rPr>
+                  <a:t> </a:t>
+                </a:r>
+              </a:p>
+            </p:txBody>
+          </p:sp>
+        </mc:Fallback>
+      </mc:AlternateContent>
+      <mc:AlternateContent xmlns:mc="http://schemas.openxmlformats.org/markup-compatibility/2006">
+        <mc:Choice xmlns:a14="http://schemas.microsoft.com/office/drawing/2010/main" Requires="a14">
+          <p:sp>
+            <p:nvSpPr>
+              <p:cNvPr id="204" name="TextBox 203"/>
+              <p:cNvSpPr txBox="1"/>
+              <p:nvPr/>
+            </p:nvSpPr>
+            <p:spPr>
+              <a:xfrm>
+                <a:off x="1242653" y="4164777"/>
+                <a:ext cx="832792" cy="374333"/>
+              </a:xfrm>
+              <a:prstGeom prst="rect">
+                <a:avLst/>
+              </a:prstGeom>
+              <a:noFill/>
+            </p:spPr>
+            <p:txBody>
+              <a:bodyPr wrap="none" rtlCol="0">
+                <a:spAutoFit/>
+              </a:bodyPr>
+              <a:lstStyle/>
+              <a:p>
+                <a14:m>
+                  <m:oMathPara xmlns:m="http://schemas.openxmlformats.org/officeDocument/2006/math">
+                    <m:oMathParaPr>
+                      <m:jc m:val="centerGroup"/>
+                    </m:oMathParaPr>
+                    <m:oMath xmlns:m="http://schemas.openxmlformats.org/officeDocument/2006/math">
+                      <m:sSubSup>
+                        <m:sSubSupPr>
+                          <m:ctrlPr>
+                            <a:rPr lang="ko-KR" altLang="ko-KR" i="1" smtClean="0"/>
+                          </m:ctrlPr>
+                        </m:sSubSupPr>
+                        <m:e>
+                          <m:r>
+                            <m:rPr>
+                              <m:sty m:val="p"/>
+                            </m:rPr>
+                            <a:rPr lang="en-US" altLang="ko-KR" b="0" i="0" smtClean="0">
+                              <a:latin typeface="Cambria Math"/>
+                            </a:rPr>
+                            <m:t>W</m:t>
+                          </m:r>
+                        </m:e>
+                        <m:sub>
+                          <m:r>
+                            <a:rPr lang="en-US" altLang="ko-KR" b="0" i="1" smtClean="0">
+                              <a:latin typeface="Cambria Math"/>
+                            </a:rPr>
+                            <m:t>7830</m:t>
+                          </m:r>
+                        </m:sub>
+                        <m:sup>
+                          <m:r>
+                            <a:rPr lang="en-US" altLang="ko-KR" b="0" i="1" smtClean="0">
+                              <a:latin typeface="Cambria Math"/>
+                            </a:rPr>
+                            <m:t>1</m:t>
+                          </m:r>
+                        </m:sup>
+                      </m:sSubSup>
+                    </m:oMath>
+                  </m:oMathPara>
+                </a14:m>
+                <a:endParaRPr lang="ko-KR" altLang="en-US" baseline="-25000" dirty="0"/>
+              </a:p>
+            </p:txBody>
+          </p:sp>
+        </mc:Choice>
+        <mc:Fallback>
+          <p:sp>
+            <p:nvSpPr>
+              <p:cNvPr id="204" name="TextBox 203"/>
+              <p:cNvSpPr txBox="1">
+                <a:spLocks noRot="1" noChangeAspect="1" noMove="1" noResize="1" noEditPoints="1" noAdjustHandles="1" noChangeArrowheads="1" noChangeShapeType="1" noTextEdit="1"/>
+              </p:cNvSpPr>
+              <p:nvPr/>
+            </p:nvSpPr>
+            <p:spPr>
+              <a:xfrm>
+                <a:off x="1242653" y="4164777"/>
+                <a:ext cx="832792" cy="374333"/>
+              </a:xfrm>
+              <a:prstGeom prst="rect">
+                <a:avLst/>
+              </a:prstGeom>
+              <a:blipFill rotWithShape="1">
+                <a:blip r:embed="rId12"/>
+                <a:stretch>
+                  <a:fillRect b="-1613"/>
+                </a:stretch>
+              </a:blipFill>
+            </p:spPr>
+            <p:txBody>
+              <a:bodyPr/>
+              <a:lstStyle/>
+              <a:p>
+                <a:r>
+                  <a:rPr lang="ko-KR" altLang="en-US">
+                    <a:noFill/>
+                  </a:rPr>
+                  <a:t> </a:t>
+                </a:r>
+              </a:p>
+            </p:txBody>
+          </p:sp>
+        </mc:Fallback>
+      </mc:AlternateContent>
+      <mc:AlternateContent xmlns:mc="http://schemas.openxmlformats.org/markup-compatibility/2006">
+        <mc:Choice xmlns:a14="http://schemas.microsoft.com/office/drawing/2010/main" Requires="a14">
+          <p:sp>
+            <p:nvSpPr>
+              <p:cNvPr id="205" name="TextBox 204"/>
+              <p:cNvSpPr txBox="1"/>
+              <p:nvPr/>
+            </p:nvSpPr>
+            <p:spPr>
+              <a:xfrm>
+                <a:off x="1308950" y="2801604"/>
+                <a:ext cx="598754" cy="383951"/>
+              </a:xfrm>
+              <a:prstGeom prst="rect">
+                <a:avLst/>
+              </a:prstGeom>
+              <a:noFill/>
+            </p:spPr>
+            <p:txBody>
+              <a:bodyPr wrap="none" rtlCol="0">
+                <a:spAutoFit/>
+              </a:bodyPr>
+              <a:lstStyle/>
+              <a:p>
+                <a14:m>
+                  <m:oMathPara xmlns:m="http://schemas.openxmlformats.org/officeDocument/2006/math">
+                    <m:oMathParaPr>
+                      <m:jc m:val="centerGroup"/>
+                    </m:oMathParaPr>
+                    <m:oMath xmlns:m="http://schemas.openxmlformats.org/officeDocument/2006/math">
+                      <m:sSubSup>
+                        <m:sSubSupPr>
+                          <m:ctrlPr>
+                            <a:rPr lang="ko-KR" altLang="ko-KR" i="1" smtClean="0"/>
+                          </m:ctrlPr>
+                        </m:sSubSupPr>
+                        <m:e>
+                          <m:r>
+                            <m:rPr>
+                              <m:sty m:val="p"/>
+                            </m:rPr>
+                            <a:rPr lang="en-US" altLang="ko-KR" b="0" i="0" smtClean="0">
+                              <a:latin typeface="Cambria Math"/>
+                            </a:rPr>
+                            <m:t>W</m:t>
+                          </m:r>
+                        </m:e>
+                        <m:sub>
+                          <m:r>
+                            <a:rPr lang="en-US" altLang="ko-KR" b="0" i="1" smtClean="0">
+                              <a:latin typeface="Cambria Math"/>
+                            </a:rPr>
+                            <m:t>𝑖</m:t>
+                          </m:r>
+                          <m:r>
+                            <a:rPr lang="en-US" altLang="ko-KR" b="0" i="1" smtClean="0">
+                              <a:latin typeface="Cambria Math"/>
+                            </a:rPr>
+                            <m:t>0</m:t>
+                          </m:r>
+                        </m:sub>
+                        <m:sup>
+                          <m:r>
+                            <a:rPr lang="en-US" altLang="ko-KR" b="0" i="1" smtClean="0">
+                              <a:latin typeface="Cambria Math"/>
+                            </a:rPr>
+                            <m:t>1</m:t>
+                          </m:r>
+                        </m:sup>
+                      </m:sSubSup>
+                    </m:oMath>
+                  </m:oMathPara>
+                </a14:m>
+                <a:endParaRPr lang="ko-KR" altLang="en-US" baseline="-25000" dirty="0"/>
+              </a:p>
+            </p:txBody>
+          </p:sp>
+        </mc:Choice>
+        <mc:Fallback>
+          <p:sp>
+            <p:nvSpPr>
+              <p:cNvPr id="205" name="TextBox 204"/>
+              <p:cNvSpPr txBox="1">
+                <a:spLocks noRot="1" noChangeAspect="1" noMove="1" noResize="1" noEditPoints="1" noAdjustHandles="1" noChangeArrowheads="1" noChangeShapeType="1" noTextEdit="1"/>
+              </p:cNvSpPr>
+              <p:nvPr/>
+            </p:nvSpPr>
+            <p:spPr>
+              <a:xfrm>
+                <a:off x="1308950" y="2801604"/>
+                <a:ext cx="598754" cy="383951"/>
+              </a:xfrm>
+              <a:prstGeom prst="rect">
+                <a:avLst/>
+              </a:prstGeom>
+              <a:blipFill rotWithShape="1">
+                <a:blip r:embed="rId13"/>
+                <a:stretch>
+                  <a:fillRect b="-4762"/>
+                </a:stretch>
+              </a:blipFill>
+            </p:spPr>
+            <p:txBody>
+              <a:bodyPr/>
+              <a:lstStyle/>
+              <a:p>
+                <a:r>
+                  <a:rPr lang="ko-KR" altLang="en-US">
+                    <a:noFill/>
+                  </a:rPr>
+                  <a:t> </a:t>
+                </a:r>
+              </a:p>
+            </p:txBody>
+          </p:sp>
+        </mc:Fallback>
+      </mc:AlternateContent>
+      <mc:AlternateContent xmlns:mc="http://schemas.openxmlformats.org/markup-compatibility/2006">
+        <mc:Choice xmlns:a14="http://schemas.microsoft.com/office/drawing/2010/main" Requires="a14">
+          <p:sp>
+            <p:nvSpPr>
+              <p:cNvPr id="206" name="TextBox 205"/>
+              <p:cNvSpPr txBox="1"/>
+              <p:nvPr/>
+            </p:nvSpPr>
+            <p:spPr>
+              <a:xfrm>
+                <a:off x="1270478" y="2261737"/>
+                <a:ext cx="637226" cy="374205"/>
+              </a:xfrm>
+              <a:prstGeom prst="rect">
+                <a:avLst/>
+              </a:prstGeom>
+              <a:noFill/>
+            </p:spPr>
+            <p:txBody>
+              <a:bodyPr wrap="none" rtlCol="0">
+                <a:spAutoFit/>
+              </a:bodyPr>
+              <a:lstStyle/>
+              <a:p>
+                <a14:m>
+                  <m:oMathPara xmlns:m="http://schemas.openxmlformats.org/officeDocument/2006/math">
+                    <m:oMathParaPr>
+                      <m:jc m:val="centerGroup"/>
+                    </m:oMathParaPr>
+                    <m:oMath xmlns:m="http://schemas.openxmlformats.org/officeDocument/2006/math">
+                      <m:sSubSup>
+                        <m:sSubSupPr>
+                          <m:ctrlPr>
+                            <a:rPr lang="ko-KR" altLang="ko-KR" i="1" smtClean="0"/>
+                          </m:ctrlPr>
+                        </m:sSubSupPr>
+                        <m:e>
+                          <m:r>
+                            <m:rPr>
+                              <m:sty m:val="p"/>
+                            </m:rPr>
+                            <a:rPr lang="en-US" altLang="ko-KR" b="0" i="0" smtClean="0">
+                              <a:latin typeface="Cambria Math"/>
+                            </a:rPr>
+                            <m:t>W</m:t>
+                          </m:r>
+                        </m:e>
+                        <m:sub>
+                          <m:r>
+                            <a:rPr lang="en-US" altLang="ko-KR" b="0" i="1" smtClean="0">
+                              <a:latin typeface="Cambria Math"/>
+                            </a:rPr>
+                            <m:t>20</m:t>
+                          </m:r>
+                        </m:sub>
+                        <m:sup>
+                          <m:r>
+                            <a:rPr lang="en-US" altLang="ko-KR" b="0" i="1" smtClean="0">
+                              <a:latin typeface="Cambria Math"/>
+                            </a:rPr>
+                            <m:t>1</m:t>
+                          </m:r>
+                        </m:sup>
+                      </m:sSubSup>
+                    </m:oMath>
+                  </m:oMathPara>
+                </a14:m>
+                <a:endParaRPr lang="ko-KR" altLang="en-US" baseline="-25000" dirty="0"/>
+              </a:p>
+            </p:txBody>
+          </p:sp>
+        </mc:Choice>
+        <mc:Fallback>
+          <p:sp>
+            <p:nvSpPr>
+              <p:cNvPr id="206" name="TextBox 205"/>
+              <p:cNvSpPr txBox="1">
+                <a:spLocks noRot="1" noChangeAspect="1" noMove="1" noResize="1" noEditPoints="1" noAdjustHandles="1" noChangeArrowheads="1" noChangeShapeType="1" noTextEdit="1"/>
+              </p:cNvSpPr>
+              <p:nvPr/>
+            </p:nvSpPr>
+            <p:spPr>
+              <a:xfrm>
+                <a:off x="1270478" y="2261737"/>
+                <a:ext cx="637226" cy="374205"/>
+              </a:xfrm>
+              <a:prstGeom prst="rect">
+                <a:avLst/>
+              </a:prstGeom>
+              <a:blipFill rotWithShape="1">
+                <a:blip r:embed="rId14"/>
+                <a:stretch>
+                  <a:fillRect b="-3279"/>
+                </a:stretch>
+              </a:blipFill>
+            </p:spPr>
+            <p:txBody>
+              <a:bodyPr/>
+              <a:lstStyle/>
+              <a:p>
+                <a:r>
+                  <a:rPr lang="ko-KR" altLang="en-US">
+                    <a:noFill/>
+                  </a:rPr>
+                  <a:t> </a:t>
+                </a:r>
+              </a:p>
+            </p:txBody>
+          </p:sp>
+        </mc:Fallback>
+      </mc:AlternateContent>
+      <mc:AlternateContent xmlns:mc="http://schemas.openxmlformats.org/markup-compatibility/2006">
+        <mc:Choice xmlns:a14="http://schemas.microsoft.com/office/drawing/2010/main" Requires="a14">
+          <p:sp>
+            <p:nvSpPr>
+              <p:cNvPr id="207" name="TextBox 206"/>
+              <p:cNvSpPr txBox="1"/>
+              <p:nvPr/>
+            </p:nvSpPr>
+            <p:spPr>
+              <a:xfrm>
+                <a:off x="1259632" y="1610138"/>
+                <a:ext cx="631904" cy="374205"/>
+              </a:xfrm>
+              <a:prstGeom prst="rect">
+                <a:avLst/>
+              </a:prstGeom>
+              <a:noFill/>
+            </p:spPr>
+            <p:txBody>
+              <a:bodyPr wrap="none" rtlCol="0">
+                <a:spAutoFit/>
+              </a:bodyPr>
+              <a:lstStyle/>
+              <a:p>
+                <a14:m>
+                  <m:oMathPara xmlns:m="http://schemas.openxmlformats.org/officeDocument/2006/math">
+                    <m:oMathParaPr>
+                      <m:jc m:val="centerGroup"/>
+                    </m:oMathParaPr>
+                    <m:oMath xmlns:m="http://schemas.openxmlformats.org/officeDocument/2006/math">
+                      <m:sSubSup>
+                        <m:sSubSupPr>
+                          <m:ctrlPr>
+                            <a:rPr lang="ko-KR" altLang="ko-KR" i="1" smtClean="0"/>
+                          </m:ctrlPr>
+                        </m:sSubSupPr>
+                        <m:e>
+                          <m:r>
+                            <m:rPr>
+                              <m:sty m:val="p"/>
+                            </m:rPr>
+                            <a:rPr lang="en-US" altLang="ko-KR" b="0" i="0" smtClean="0">
+                              <a:latin typeface="Cambria Math"/>
+                            </a:rPr>
+                            <m:t>W</m:t>
+                          </m:r>
+                        </m:e>
+                        <m:sub>
+                          <m:r>
+                            <a:rPr lang="en-US" altLang="ko-KR" b="0" i="1" smtClean="0">
+                              <a:latin typeface="Cambria Math"/>
+                            </a:rPr>
+                            <m:t>10</m:t>
+                          </m:r>
+                        </m:sub>
+                        <m:sup>
+                          <m:r>
+                            <a:rPr lang="en-US" altLang="ko-KR" b="0" i="1" smtClean="0">
+                              <a:latin typeface="Cambria Math"/>
+                            </a:rPr>
+                            <m:t>1</m:t>
+                          </m:r>
+                        </m:sup>
+                      </m:sSubSup>
+                    </m:oMath>
+                  </m:oMathPara>
+                </a14:m>
+                <a:endParaRPr lang="ko-KR" altLang="en-US" baseline="-25000" dirty="0"/>
+              </a:p>
+            </p:txBody>
+          </p:sp>
+        </mc:Choice>
+        <mc:Fallback>
+          <p:sp>
+            <p:nvSpPr>
+              <p:cNvPr id="207" name="TextBox 206"/>
+              <p:cNvSpPr txBox="1">
+                <a:spLocks noRot="1" noChangeAspect="1" noMove="1" noResize="1" noEditPoints="1" noAdjustHandles="1" noChangeArrowheads="1" noChangeShapeType="1" noTextEdit="1"/>
+              </p:cNvSpPr>
+              <p:nvPr/>
+            </p:nvSpPr>
+            <p:spPr>
+              <a:xfrm>
+                <a:off x="1259632" y="1610138"/>
+                <a:ext cx="631904" cy="374205"/>
+              </a:xfrm>
+              <a:prstGeom prst="rect">
+                <a:avLst/>
+              </a:prstGeom>
+              <a:blipFill rotWithShape="1">
+                <a:blip r:embed="rId15"/>
+                <a:stretch>
+                  <a:fillRect b="-1613"/>
+                </a:stretch>
+              </a:blipFill>
+            </p:spPr>
+            <p:txBody>
+              <a:bodyPr/>
+              <a:lstStyle/>
+              <a:p>
+                <a:r>
+                  <a:rPr lang="ko-KR" altLang="en-US">
+                    <a:noFill/>
+                  </a:rPr>
+                  <a:t> </a:t>
+                </a:r>
+              </a:p>
+            </p:txBody>
+          </p:sp>
+        </mc:Fallback>
+      </mc:AlternateContent>
+      <mc:AlternateContent xmlns:mc="http://schemas.openxmlformats.org/markup-compatibility/2006">
+        <mc:Choice xmlns:a14="http://schemas.microsoft.com/office/drawing/2010/main" Requires="a14">
+          <p:sp>
+            <p:nvSpPr>
+              <p:cNvPr id="208" name="TextBox 207"/>
+              <p:cNvSpPr txBox="1"/>
+              <p:nvPr/>
+            </p:nvSpPr>
+            <p:spPr>
+              <a:xfrm>
+                <a:off x="1242653" y="1182587"/>
+                <a:ext cx="637226" cy="374205"/>
+              </a:xfrm>
+              <a:prstGeom prst="rect">
+                <a:avLst/>
+              </a:prstGeom>
+              <a:noFill/>
+            </p:spPr>
+            <p:txBody>
+              <a:bodyPr wrap="none" rtlCol="0">
+                <a:spAutoFit/>
+              </a:bodyPr>
+              <a:lstStyle/>
+              <a:p>
+                <a14:m>
+                  <m:oMathPara xmlns:m="http://schemas.openxmlformats.org/officeDocument/2006/math">
+                    <m:oMathParaPr>
+                      <m:jc m:val="centerGroup"/>
+                    </m:oMathParaPr>
+                    <m:oMath xmlns:m="http://schemas.openxmlformats.org/officeDocument/2006/math">
+                      <m:sSubSup>
+                        <m:sSubSupPr>
+                          <m:ctrlPr>
+                            <a:rPr lang="ko-KR" altLang="ko-KR" i="1" smtClean="0"/>
+                          </m:ctrlPr>
+                        </m:sSubSupPr>
+                        <m:e>
+                          <m:r>
+                            <m:rPr>
+                              <m:sty m:val="p"/>
+                            </m:rPr>
+                            <a:rPr lang="en-US" altLang="ko-KR" b="0" i="0" smtClean="0">
+                              <a:latin typeface="Cambria Math"/>
+                            </a:rPr>
+                            <m:t>W</m:t>
+                          </m:r>
+                        </m:e>
+                        <m:sub>
+                          <m:r>
+                            <a:rPr lang="en-US" altLang="ko-KR" b="0" i="1" smtClean="0">
+                              <a:latin typeface="Cambria Math"/>
+                            </a:rPr>
+                            <m:t>00</m:t>
+                          </m:r>
+                        </m:sub>
+                        <m:sup>
+                          <m:r>
+                            <a:rPr lang="en-US" altLang="ko-KR" b="0" i="1" smtClean="0">
+                              <a:latin typeface="Cambria Math"/>
+                            </a:rPr>
+                            <m:t>1</m:t>
+                          </m:r>
+                        </m:sup>
+                      </m:sSubSup>
+                    </m:oMath>
+                  </m:oMathPara>
+                </a14:m>
+                <a:endParaRPr lang="ko-KR" altLang="en-US" baseline="-25000" dirty="0"/>
+              </a:p>
+            </p:txBody>
+          </p:sp>
+        </mc:Choice>
+        <mc:Fallback>
+          <p:sp>
+            <p:nvSpPr>
+              <p:cNvPr id="208" name="TextBox 207"/>
+              <p:cNvSpPr txBox="1">
+                <a:spLocks noRot="1" noChangeAspect="1" noMove="1" noResize="1" noEditPoints="1" noAdjustHandles="1" noChangeArrowheads="1" noChangeShapeType="1" noTextEdit="1"/>
+              </p:cNvSpPr>
+              <p:nvPr/>
+            </p:nvSpPr>
+            <p:spPr>
+              <a:xfrm>
+                <a:off x="1242653" y="1182587"/>
+                <a:ext cx="637226" cy="374205"/>
+              </a:xfrm>
+              <a:prstGeom prst="rect">
+                <a:avLst/>
+              </a:prstGeom>
+              <a:blipFill rotWithShape="1">
+                <a:blip r:embed="rId16"/>
+                <a:stretch>
+                  <a:fillRect b="-3279"/>
+                </a:stretch>
+              </a:blipFill>
+            </p:spPr>
+            <p:txBody>
+              <a:bodyPr/>
+              <a:lstStyle/>
+              <a:p>
+                <a:r>
+                  <a:rPr lang="ko-KR" altLang="en-US">
+                    <a:noFill/>
+                  </a:rPr>
+                  <a:t> </a:t>
+                </a:r>
+              </a:p>
+            </p:txBody>
+          </p:sp>
+        </mc:Fallback>
+      </mc:AlternateContent>
+      <mc:AlternateContent xmlns:mc="http://schemas.openxmlformats.org/markup-compatibility/2006">
+        <mc:Choice xmlns:a14="http://schemas.microsoft.com/office/drawing/2010/main" Requires="a14">
+          <p:sp>
+            <p:nvSpPr>
+              <p:cNvPr id="209" name="TextBox 208"/>
+              <p:cNvSpPr txBox="1"/>
+              <p:nvPr/>
+            </p:nvSpPr>
+            <p:spPr>
+              <a:xfrm>
+                <a:off x="1259632" y="781306"/>
+                <a:ext cx="585288" cy="415050"/>
+              </a:xfrm>
+              <a:prstGeom prst="rect">
+                <a:avLst/>
+              </a:prstGeom>
+              <a:noFill/>
+            </p:spPr>
+            <p:txBody>
+              <a:bodyPr wrap="none" rtlCol="0">
+                <a:spAutoFit/>
+              </a:bodyPr>
+              <a:lstStyle/>
+              <a:p>
+                <a14:m>
+                  <m:oMathPara xmlns:m="http://schemas.openxmlformats.org/officeDocument/2006/math">
+                    <m:oMathParaPr>
+                      <m:jc m:val="centerGroup"/>
+                    </m:oMathParaPr>
+                    <m:oMath xmlns:m="http://schemas.openxmlformats.org/officeDocument/2006/math">
+                      <m:sSubSup>
+                        <m:sSubSupPr>
+                          <m:ctrlPr>
+                            <a:rPr lang="ko-KR" altLang="ko-KR" i="1" smtClean="0"/>
+                          </m:ctrlPr>
+                        </m:sSubSupPr>
+                        <m:e>
+                          <m:r>
+                            <m:rPr>
+                              <m:sty m:val="p"/>
+                            </m:rPr>
+                            <a:rPr lang="en-US" altLang="ko-KR" b="0" i="0" smtClean="0">
+                              <a:latin typeface="Cambria Math"/>
+                            </a:rPr>
+                            <m:t>W</m:t>
+                          </m:r>
+                        </m:e>
+                        <m:sub>
+                          <m:r>
+                            <a:rPr lang="en-US" altLang="ko-KR" b="0" i="1" smtClean="0">
+                              <a:latin typeface="Cambria Math"/>
+                            </a:rPr>
+                            <m:t>𝑖𝑗</m:t>
+                          </m:r>
+                        </m:sub>
+                        <m:sup>
+                          <m:r>
+                            <a:rPr lang="en-US" altLang="ko-KR" b="0" i="1" smtClean="0">
+                              <a:latin typeface="Cambria Math"/>
+                            </a:rPr>
+                            <m:t>1</m:t>
+                          </m:r>
+                        </m:sup>
+                      </m:sSubSup>
+                    </m:oMath>
+                  </m:oMathPara>
+                </a14:m>
+                <a:endParaRPr lang="ko-KR" altLang="en-US" baseline="-25000" dirty="0"/>
+              </a:p>
+            </p:txBody>
+          </p:sp>
+        </mc:Choice>
+        <mc:Fallback>
+          <p:sp>
+            <p:nvSpPr>
+              <p:cNvPr id="209" name="TextBox 208"/>
+              <p:cNvSpPr txBox="1">
+                <a:spLocks noRot="1" noChangeAspect="1" noMove="1" noResize="1" noEditPoints="1" noAdjustHandles="1" noChangeArrowheads="1" noChangeShapeType="1" noTextEdit="1"/>
+              </p:cNvSpPr>
+              <p:nvPr/>
+            </p:nvSpPr>
+            <p:spPr>
+              <a:xfrm>
+                <a:off x="1259632" y="781306"/>
+                <a:ext cx="585288" cy="415050"/>
+              </a:xfrm>
+              <a:prstGeom prst="rect">
+                <a:avLst/>
+              </a:prstGeom>
+              <a:blipFill rotWithShape="1">
+                <a:blip r:embed="rId17"/>
+                <a:stretch>
+                  <a:fillRect b="-7353"/>
+                </a:stretch>
+              </a:blipFill>
+            </p:spPr>
+            <p:txBody>
+              <a:bodyPr/>
+              <a:lstStyle/>
+              <a:p>
+                <a:r>
+                  <a:rPr lang="ko-KR" altLang="en-US">
+                    <a:noFill/>
+                  </a:rPr>
+                  <a:t> </a:t>
+                </a:r>
+              </a:p>
+            </p:txBody>
+          </p:sp>
+        </mc:Fallback>
+      </mc:AlternateContent>
+      <mc:AlternateContent xmlns:mc="http://schemas.openxmlformats.org/markup-compatibility/2006">
+        <mc:Choice xmlns:a14="http://schemas.microsoft.com/office/drawing/2010/main" Requires="a14">
+          <p:sp>
+            <p:nvSpPr>
+              <p:cNvPr id="211" name="TextBox 210"/>
+              <p:cNvSpPr txBox="1"/>
+              <p:nvPr/>
+            </p:nvSpPr>
+            <p:spPr>
+              <a:xfrm>
+                <a:off x="4188079" y="2771614"/>
+                <a:ext cx="735008" cy="374783"/>
+              </a:xfrm>
+              <a:prstGeom prst="rect">
+                <a:avLst/>
+              </a:prstGeom>
+              <a:noFill/>
+            </p:spPr>
+            <p:txBody>
+              <a:bodyPr wrap="none" rtlCol="0">
+                <a:spAutoFit/>
+              </a:bodyPr>
+              <a:lstStyle/>
+              <a:p>
+                <a14:m>
+                  <m:oMathPara xmlns:m="http://schemas.openxmlformats.org/officeDocument/2006/math">
+                    <m:oMathParaPr>
+                      <m:jc m:val="centerGroup"/>
+                    </m:oMathParaPr>
+                    <m:oMath xmlns:m="http://schemas.openxmlformats.org/officeDocument/2006/math">
+                      <m:sSubSup>
+                        <m:sSubSupPr>
+                          <m:ctrlPr>
+                            <a:rPr lang="ko-KR" altLang="ko-KR" i="1" smtClean="0"/>
+                          </m:ctrlPr>
+                        </m:sSubSupPr>
+                        <m:e>
+                          <m:r>
+                            <m:rPr>
+                              <m:sty m:val="p"/>
+                            </m:rPr>
+                            <a:rPr lang="en-US" altLang="ko-KR" b="0" i="0" smtClean="0">
+                              <a:latin typeface="Cambria Math"/>
+                            </a:rPr>
+                            <m:t>W</m:t>
+                          </m:r>
+                        </m:e>
+                        <m:sub>
+                          <m:r>
+                            <a:rPr lang="en-US" altLang="ko-KR" b="0" i="1" smtClean="0">
+                              <a:latin typeface="Cambria Math"/>
+                            </a:rPr>
+                            <m:t>630</m:t>
+                          </m:r>
+                        </m:sub>
+                        <m:sup>
+                          <m:r>
+                            <a:rPr lang="en-US" altLang="ko-KR" b="0" i="1" smtClean="0">
+                              <a:latin typeface="Cambria Math"/>
+                            </a:rPr>
+                            <m:t>2</m:t>
+                          </m:r>
+                        </m:sup>
+                      </m:sSubSup>
+                    </m:oMath>
+                  </m:oMathPara>
+                </a14:m>
+                <a:endParaRPr lang="ko-KR" altLang="en-US" baseline="-25000" dirty="0"/>
+              </a:p>
+            </p:txBody>
+          </p:sp>
+        </mc:Choice>
+        <mc:Fallback>
+          <p:sp>
+            <p:nvSpPr>
+              <p:cNvPr id="211" name="TextBox 210"/>
+              <p:cNvSpPr txBox="1">
+                <a:spLocks noRot="1" noChangeAspect="1" noMove="1" noResize="1" noEditPoints="1" noAdjustHandles="1" noChangeArrowheads="1" noChangeShapeType="1" noTextEdit="1"/>
+              </p:cNvSpPr>
+              <p:nvPr/>
+            </p:nvSpPr>
+            <p:spPr>
+              <a:xfrm>
+                <a:off x="4188079" y="2771614"/>
+                <a:ext cx="735008" cy="374783"/>
+              </a:xfrm>
+              <a:prstGeom prst="rect">
+                <a:avLst/>
+              </a:prstGeom>
+              <a:blipFill rotWithShape="1">
+                <a:blip r:embed="rId18"/>
+                <a:stretch>
+                  <a:fillRect b="-3279"/>
+                </a:stretch>
+              </a:blipFill>
+            </p:spPr>
+            <p:txBody>
+              <a:bodyPr/>
+              <a:lstStyle/>
+              <a:p>
+                <a:r>
+                  <a:rPr lang="ko-KR" altLang="en-US">
+                    <a:noFill/>
+                  </a:rPr>
+                  <a:t> </a:t>
+                </a:r>
+              </a:p>
+            </p:txBody>
+          </p:sp>
+        </mc:Fallback>
+      </mc:AlternateContent>
+      <mc:AlternateContent xmlns:mc="http://schemas.openxmlformats.org/markup-compatibility/2006">
+        <mc:Choice xmlns:a14="http://schemas.microsoft.com/office/drawing/2010/main" Requires="a14">
+          <p:sp>
+            <p:nvSpPr>
+              <p:cNvPr id="212" name="TextBox 211"/>
+              <p:cNvSpPr txBox="1"/>
+              <p:nvPr/>
+            </p:nvSpPr>
+            <p:spPr>
+              <a:xfrm>
+                <a:off x="4172100" y="2231747"/>
+                <a:ext cx="597471" cy="415627"/>
+              </a:xfrm>
+              <a:prstGeom prst="rect">
+                <a:avLst/>
+              </a:prstGeom>
+              <a:noFill/>
+            </p:spPr>
+            <p:txBody>
+              <a:bodyPr wrap="none" rtlCol="0">
+                <a:spAutoFit/>
+              </a:bodyPr>
+              <a:lstStyle/>
+              <a:p>
+                <a14:m>
+                  <m:oMathPara xmlns:m="http://schemas.openxmlformats.org/officeDocument/2006/math">
+                    <m:oMathParaPr>
+                      <m:jc m:val="centerGroup"/>
+                    </m:oMathParaPr>
+                    <m:oMath xmlns:m="http://schemas.openxmlformats.org/officeDocument/2006/math">
+                      <m:sSubSup>
+                        <m:sSubSupPr>
+                          <m:ctrlPr>
+                            <a:rPr lang="ko-KR" altLang="ko-KR" i="1" smtClean="0"/>
+                          </m:ctrlPr>
+                        </m:sSubSupPr>
+                        <m:e>
+                          <m:r>
+                            <m:rPr>
+                              <m:sty m:val="p"/>
+                            </m:rPr>
+                            <a:rPr lang="en-US" altLang="ko-KR" b="0" i="0" smtClean="0">
+                              <a:latin typeface="Cambria Math"/>
+                            </a:rPr>
+                            <m:t>W</m:t>
+                          </m:r>
+                        </m:e>
+                        <m:sub>
+                          <m:r>
+                            <a:rPr lang="en-US" altLang="ko-KR" b="0" i="1" smtClean="0">
+                              <a:latin typeface="Cambria Math"/>
+                            </a:rPr>
+                            <m:t>𝑗</m:t>
+                          </m:r>
+                          <m:r>
+                            <a:rPr lang="en-US" altLang="ko-KR" b="0" i="1" smtClean="0">
+                              <a:latin typeface="Cambria Math"/>
+                            </a:rPr>
+                            <m:t>0</m:t>
+                          </m:r>
+                        </m:sub>
+                        <m:sup>
+                          <m:r>
+                            <a:rPr lang="en-US" altLang="ko-KR" b="0" i="1" smtClean="0">
+                              <a:latin typeface="Cambria Math"/>
+                            </a:rPr>
+                            <m:t>2</m:t>
+                          </m:r>
+                        </m:sup>
+                      </m:sSubSup>
+                    </m:oMath>
+                  </m:oMathPara>
+                </a14:m>
+                <a:endParaRPr lang="ko-KR" altLang="en-US" baseline="-25000" dirty="0"/>
+              </a:p>
+            </p:txBody>
+          </p:sp>
+        </mc:Choice>
+        <mc:Fallback>
+          <p:sp>
+            <p:nvSpPr>
+              <p:cNvPr id="212" name="TextBox 211"/>
+              <p:cNvSpPr txBox="1">
+                <a:spLocks noRot="1" noChangeAspect="1" noMove="1" noResize="1" noEditPoints="1" noAdjustHandles="1" noChangeArrowheads="1" noChangeShapeType="1" noTextEdit="1"/>
+              </p:cNvSpPr>
+              <p:nvPr/>
+            </p:nvSpPr>
+            <p:spPr>
+              <a:xfrm>
+                <a:off x="4172100" y="2231747"/>
+                <a:ext cx="597471" cy="415627"/>
+              </a:xfrm>
+              <a:prstGeom prst="rect">
+                <a:avLst/>
+              </a:prstGeom>
+              <a:blipFill rotWithShape="1">
+                <a:blip r:embed="rId19"/>
+                <a:stretch>
+                  <a:fillRect b="-7353"/>
+                </a:stretch>
+              </a:blipFill>
+            </p:spPr>
+            <p:txBody>
+              <a:bodyPr/>
+              <a:lstStyle/>
+              <a:p>
+                <a:r>
+                  <a:rPr lang="ko-KR" altLang="en-US">
+                    <a:noFill/>
+                  </a:rPr>
+                  <a:t> </a:t>
+                </a:r>
+              </a:p>
+            </p:txBody>
+          </p:sp>
+        </mc:Fallback>
+      </mc:AlternateContent>
+      <mc:AlternateContent xmlns:mc="http://schemas.openxmlformats.org/markup-compatibility/2006">
+        <mc:Choice xmlns:a14="http://schemas.microsoft.com/office/drawing/2010/main" Requires="a14">
+          <p:sp>
+            <p:nvSpPr>
+              <p:cNvPr id="213" name="TextBox 212"/>
+              <p:cNvSpPr txBox="1"/>
+              <p:nvPr/>
+            </p:nvSpPr>
+            <p:spPr>
+              <a:xfrm>
+                <a:off x="4190304" y="1580148"/>
+                <a:ext cx="631904" cy="374783"/>
+              </a:xfrm>
+              <a:prstGeom prst="rect">
+                <a:avLst/>
+              </a:prstGeom>
+              <a:noFill/>
+            </p:spPr>
+            <p:txBody>
+              <a:bodyPr wrap="none" rtlCol="0">
+                <a:spAutoFit/>
+              </a:bodyPr>
+              <a:lstStyle/>
+              <a:p>
+                <a14:m>
+                  <m:oMathPara xmlns:m="http://schemas.openxmlformats.org/officeDocument/2006/math">
+                    <m:oMathParaPr>
+                      <m:jc m:val="centerGroup"/>
+                    </m:oMathParaPr>
+                    <m:oMath xmlns:m="http://schemas.openxmlformats.org/officeDocument/2006/math">
+                      <m:sSubSup>
+                        <m:sSubSupPr>
+                          <m:ctrlPr>
+                            <a:rPr lang="ko-KR" altLang="ko-KR" i="1" smtClean="0"/>
+                          </m:ctrlPr>
+                        </m:sSubSupPr>
+                        <m:e>
+                          <m:r>
+                            <m:rPr>
+                              <m:sty m:val="p"/>
+                            </m:rPr>
+                            <a:rPr lang="en-US" altLang="ko-KR" b="0" i="0" smtClean="0">
+                              <a:latin typeface="Cambria Math"/>
+                            </a:rPr>
+                            <m:t>W</m:t>
+                          </m:r>
+                        </m:e>
+                        <m:sub>
+                          <m:r>
+                            <a:rPr lang="en-US" altLang="ko-KR" b="0" i="1" smtClean="0">
+                              <a:latin typeface="Cambria Math"/>
+                            </a:rPr>
+                            <m:t>10</m:t>
+                          </m:r>
+                        </m:sub>
+                        <m:sup>
+                          <m:r>
+                            <a:rPr lang="en-US" altLang="ko-KR" b="0" i="1" smtClean="0">
+                              <a:latin typeface="Cambria Math"/>
+                            </a:rPr>
+                            <m:t>2</m:t>
+                          </m:r>
+                        </m:sup>
+                      </m:sSubSup>
+                    </m:oMath>
+                  </m:oMathPara>
+                </a14:m>
+                <a:endParaRPr lang="ko-KR" altLang="en-US" baseline="-25000" dirty="0"/>
+              </a:p>
+            </p:txBody>
+          </p:sp>
+        </mc:Choice>
+        <mc:Fallback>
+          <p:sp>
+            <p:nvSpPr>
+              <p:cNvPr id="213" name="TextBox 212"/>
+              <p:cNvSpPr txBox="1">
+                <a:spLocks noRot="1" noChangeAspect="1" noMove="1" noResize="1" noEditPoints="1" noAdjustHandles="1" noChangeArrowheads="1" noChangeShapeType="1" noTextEdit="1"/>
+              </p:cNvSpPr>
+              <p:nvPr/>
+            </p:nvSpPr>
+            <p:spPr>
+              <a:xfrm>
+                <a:off x="4190304" y="1580148"/>
+                <a:ext cx="631904" cy="374783"/>
+              </a:xfrm>
+              <a:prstGeom prst="rect">
+                <a:avLst/>
+              </a:prstGeom>
+              <a:blipFill rotWithShape="1">
+                <a:blip r:embed="rId20"/>
+                <a:stretch>
+                  <a:fillRect b="-1613"/>
+                </a:stretch>
+              </a:blipFill>
+            </p:spPr>
+            <p:txBody>
+              <a:bodyPr/>
+              <a:lstStyle/>
+              <a:p>
+                <a:r>
+                  <a:rPr lang="ko-KR" altLang="en-US">
+                    <a:noFill/>
+                  </a:rPr>
+                  <a:t> </a:t>
+                </a:r>
+              </a:p>
+            </p:txBody>
+          </p:sp>
+        </mc:Fallback>
+      </mc:AlternateContent>
+      <mc:AlternateContent xmlns:mc="http://schemas.openxmlformats.org/markup-compatibility/2006">
+        <mc:Choice xmlns:a14="http://schemas.microsoft.com/office/drawing/2010/main" Requires="a14">
+          <p:sp>
+            <p:nvSpPr>
+              <p:cNvPr id="214" name="TextBox 213"/>
+              <p:cNvSpPr txBox="1"/>
+              <p:nvPr/>
+            </p:nvSpPr>
+            <p:spPr>
+              <a:xfrm>
+                <a:off x="4250784" y="1152597"/>
+                <a:ext cx="637226" cy="374783"/>
+              </a:xfrm>
+              <a:prstGeom prst="rect">
+                <a:avLst/>
+              </a:prstGeom>
+              <a:noFill/>
+            </p:spPr>
+            <p:txBody>
+              <a:bodyPr wrap="none" rtlCol="0">
+                <a:spAutoFit/>
+              </a:bodyPr>
+              <a:lstStyle/>
+              <a:p>
+                <a14:m>
+                  <m:oMathPara xmlns:m="http://schemas.openxmlformats.org/officeDocument/2006/math">
+                    <m:oMathParaPr>
+                      <m:jc m:val="centerGroup"/>
+                    </m:oMathParaPr>
+                    <m:oMath xmlns:m="http://schemas.openxmlformats.org/officeDocument/2006/math">
+                      <m:sSubSup>
+                        <m:sSubSupPr>
+                          <m:ctrlPr>
+                            <a:rPr lang="ko-KR" altLang="ko-KR" i="1" smtClean="0"/>
+                          </m:ctrlPr>
+                        </m:sSubSupPr>
+                        <m:e>
+                          <m:r>
+                            <m:rPr>
+                              <m:sty m:val="p"/>
+                            </m:rPr>
+                            <a:rPr lang="en-US" altLang="ko-KR" b="0" i="0" smtClean="0">
+                              <a:latin typeface="Cambria Math"/>
+                            </a:rPr>
+                            <m:t>W</m:t>
+                          </m:r>
+                        </m:e>
+                        <m:sub>
+                          <m:r>
+                            <a:rPr lang="en-US" altLang="ko-KR" b="0" i="1" smtClean="0">
+                              <a:latin typeface="Cambria Math"/>
+                            </a:rPr>
+                            <m:t>00</m:t>
+                          </m:r>
+                        </m:sub>
+                        <m:sup>
+                          <m:r>
+                            <a:rPr lang="en-US" altLang="ko-KR" b="0" i="1" smtClean="0">
+                              <a:latin typeface="Cambria Math"/>
+                            </a:rPr>
+                            <m:t>2</m:t>
+                          </m:r>
+                        </m:sup>
+                      </m:sSubSup>
+                    </m:oMath>
+                  </m:oMathPara>
+                </a14:m>
+                <a:endParaRPr lang="ko-KR" altLang="en-US" baseline="-25000" dirty="0"/>
+              </a:p>
+            </p:txBody>
+          </p:sp>
+        </mc:Choice>
+        <mc:Fallback>
+          <p:sp>
+            <p:nvSpPr>
+              <p:cNvPr id="214" name="TextBox 213"/>
+              <p:cNvSpPr txBox="1">
+                <a:spLocks noRot="1" noChangeAspect="1" noMove="1" noResize="1" noEditPoints="1" noAdjustHandles="1" noChangeArrowheads="1" noChangeShapeType="1" noTextEdit="1"/>
+              </p:cNvSpPr>
+              <p:nvPr/>
+            </p:nvSpPr>
+            <p:spPr>
+              <a:xfrm>
+                <a:off x="4250784" y="1152597"/>
+                <a:ext cx="637226" cy="374783"/>
+              </a:xfrm>
+              <a:prstGeom prst="rect">
+                <a:avLst/>
+              </a:prstGeom>
+              <a:blipFill rotWithShape="1">
+                <a:blip r:embed="rId21"/>
+                <a:stretch>
+                  <a:fillRect b="-1613"/>
+                </a:stretch>
+              </a:blipFill>
+            </p:spPr>
+            <p:txBody>
+              <a:bodyPr/>
+              <a:lstStyle/>
+              <a:p>
+                <a:r>
+                  <a:rPr lang="ko-KR" altLang="en-US">
+                    <a:noFill/>
+                  </a:rPr>
+                  <a:t> </a:t>
+                </a:r>
+              </a:p>
+            </p:txBody>
+          </p:sp>
+        </mc:Fallback>
+      </mc:AlternateContent>
+      <mc:AlternateContent xmlns:mc="http://schemas.openxmlformats.org/markup-compatibility/2006">
+        <mc:Choice xmlns:a14="http://schemas.microsoft.com/office/drawing/2010/main" Requires="a14">
+          <p:sp>
+            <p:nvSpPr>
+              <p:cNvPr id="215" name="TextBox 214"/>
+              <p:cNvSpPr txBox="1"/>
+              <p:nvPr/>
+            </p:nvSpPr>
+            <p:spPr>
+              <a:xfrm>
+                <a:off x="4267763" y="751316"/>
+                <a:ext cx="607218" cy="415627"/>
+              </a:xfrm>
+              <a:prstGeom prst="rect">
+                <a:avLst/>
+              </a:prstGeom>
+              <a:noFill/>
+            </p:spPr>
+            <p:txBody>
+              <a:bodyPr wrap="none" rtlCol="0">
+                <a:spAutoFit/>
+              </a:bodyPr>
+              <a:lstStyle/>
+              <a:p>
+                <a14:m>
+                  <m:oMathPara xmlns:m="http://schemas.openxmlformats.org/officeDocument/2006/math">
+                    <m:oMathParaPr>
+                      <m:jc m:val="centerGroup"/>
+                    </m:oMathParaPr>
+                    <m:oMath xmlns:m="http://schemas.openxmlformats.org/officeDocument/2006/math">
+                      <m:sSubSup>
+                        <m:sSubSupPr>
+                          <m:ctrlPr>
+                            <a:rPr lang="ko-KR" altLang="ko-KR" i="1" smtClean="0"/>
+                          </m:ctrlPr>
+                        </m:sSubSupPr>
+                        <m:e>
+                          <m:r>
+                            <m:rPr>
+                              <m:sty m:val="p"/>
+                            </m:rPr>
+                            <a:rPr lang="en-US" altLang="ko-KR" b="0" i="0" smtClean="0">
+                              <a:latin typeface="Cambria Math"/>
+                            </a:rPr>
+                            <m:t>W</m:t>
+                          </m:r>
+                        </m:e>
+                        <m:sub>
+                          <m:r>
+                            <a:rPr lang="en-US" altLang="ko-KR" b="0" i="1" smtClean="0">
+                              <a:latin typeface="Cambria Math"/>
+                            </a:rPr>
+                            <m:t>𝑗𝑘</m:t>
+                          </m:r>
+                        </m:sub>
+                        <m:sup>
+                          <m:r>
+                            <a:rPr lang="en-US" altLang="ko-KR" b="0" i="1" smtClean="0">
+                              <a:latin typeface="Cambria Math"/>
+                            </a:rPr>
+                            <m:t>2</m:t>
+                          </m:r>
+                        </m:sup>
+                      </m:sSubSup>
+                    </m:oMath>
+                  </m:oMathPara>
+                </a14:m>
+                <a:endParaRPr lang="ko-KR" altLang="en-US" baseline="-25000" dirty="0"/>
+              </a:p>
+            </p:txBody>
+          </p:sp>
+        </mc:Choice>
+        <mc:Fallback>
+          <p:sp>
+            <p:nvSpPr>
+              <p:cNvPr id="215" name="TextBox 214"/>
+              <p:cNvSpPr txBox="1">
+                <a:spLocks noRot="1" noChangeAspect="1" noMove="1" noResize="1" noEditPoints="1" noAdjustHandles="1" noChangeArrowheads="1" noChangeShapeType="1" noTextEdit="1"/>
+              </p:cNvSpPr>
+              <p:nvPr/>
+            </p:nvSpPr>
+            <p:spPr>
+              <a:xfrm>
+                <a:off x="4267763" y="751316"/>
+                <a:ext cx="607218" cy="415627"/>
+              </a:xfrm>
+              <a:prstGeom prst="rect">
+                <a:avLst/>
+              </a:prstGeom>
+              <a:blipFill rotWithShape="1">
+                <a:blip r:embed="rId22"/>
+                <a:stretch>
+                  <a:fillRect b="-7353"/>
+                </a:stretch>
+              </a:blipFill>
+            </p:spPr>
+            <p:txBody>
+              <a:bodyPr/>
+              <a:lstStyle/>
+              <a:p>
+                <a:r>
+                  <a:rPr lang="ko-KR" altLang="en-US">
+                    <a:noFill/>
+                  </a:rPr>
+                  <a:t> </a:t>
+                </a:r>
+              </a:p>
+            </p:txBody>
+          </p:sp>
+        </mc:Fallback>
+      </mc:AlternateContent>
+      <mc:AlternateContent xmlns:mc="http://schemas.openxmlformats.org/markup-compatibility/2006">
+        <mc:Choice xmlns:a14="http://schemas.microsoft.com/office/drawing/2010/main" Requires="a14">
+          <p:sp>
+            <p:nvSpPr>
+              <p:cNvPr id="216" name="TextBox 215"/>
+              <p:cNvSpPr txBox="1"/>
+              <p:nvPr/>
+            </p:nvSpPr>
+            <p:spPr>
+              <a:xfrm>
+                <a:off x="4946572" y="2389450"/>
+                <a:ext cx="469936" cy="385939"/>
+              </a:xfrm>
+              <a:prstGeom prst="rect">
+                <a:avLst/>
+              </a:prstGeom>
+              <a:noFill/>
+            </p:spPr>
+            <p:txBody>
+              <a:bodyPr wrap="none" rtlCol="0">
+                <a:spAutoFit/>
+              </a:bodyPr>
+              <a:lstStyle/>
+              <a:p>
+                <a14:m>
+                  <m:oMathPara xmlns:m="http://schemas.openxmlformats.org/officeDocument/2006/math">
+                    <m:oMathParaPr>
+                      <m:jc m:val="centerGroup"/>
+                    </m:oMathParaPr>
+                    <m:oMath xmlns:m="http://schemas.openxmlformats.org/officeDocument/2006/math">
+                      <m:sSubSup>
+                        <m:sSubSupPr>
+                          <m:ctrlPr>
+                            <a:rPr lang="ko-KR" altLang="ko-KR" i="1" smtClean="0"/>
+                          </m:ctrlPr>
+                        </m:sSubSupPr>
+                        <m:e>
+                          <m:r>
+                            <m:rPr>
+                              <m:sty m:val="p"/>
+                            </m:rPr>
+                            <a:rPr lang="en-US" altLang="ko-KR"/>
+                            <m:t>Z</m:t>
+                          </m:r>
+                        </m:e>
+                        <m:sub>
+                          <m:r>
+                            <a:rPr lang="en-US" altLang="ko-KR" b="0" i="1" smtClean="0">
+                              <a:latin typeface="Cambria Math"/>
+                            </a:rPr>
+                            <m:t>1</m:t>
+                          </m:r>
+                        </m:sub>
+                        <m:sup>
+                          <m:r>
+                            <a:rPr lang="en-US" altLang="ko-KR" b="0" i="1" smtClean="0">
+                              <a:latin typeface="Cambria Math"/>
+                            </a:rPr>
+                            <m:t>2</m:t>
+                          </m:r>
+                        </m:sup>
+                      </m:sSubSup>
+                    </m:oMath>
+                  </m:oMathPara>
+                </a14:m>
+                <a:endParaRPr lang="ko-KR" altLang="en-US" baseline="-25000" dirty="0"/>
+              </a:p>
+            </p:txBody>
+          </p:sp>
+        </mc:Choice>
+        <mc:Fallback>
+          <p:sp>
+            <p:nvSpPr>
+              <p:cNvPr id="216" name="TextBox 215"/>
+              <p:cNvSpPr txBox="1">
+                <a:spLocks noRot="1" noChangeAspect="1" noMove="1" noResize="1" noEditPoints="1" noAdjustHandles="1" noChangeArrowheads="1" noChangeShapeType="1" noTextEdit="1"/>
+              </p:cNvSpPr>
+              <p:nvPr/>
+            </p:nvSpPr>
+            <p:spPr>
+              <a:xfrm>
+                <a:off x="4946572" y="2389450"/>
+                <a:ext cx="469936" cy="385939"/>
+              </a:xfrm>
+              <a:prstGeom prst="rect">
+                <a:avLst/>
+              </a:prstGeom>
+              <a:blipFill rotWithShape="1">
+                <a:blip r:embed="rId23"/>
+                <a:stretch>
+                  <a:fillRect b="-1587"/>
+                </a:stretch>
+              </a:blipFill>
+            </p:spPr>
+            <p:txBody>
+              <a:bodyPr/>
+              <a:lstStyle/>
+              <a:p>
+                <a:r>
+                  <a:rPr lang="ko-KR" altLang="en-US">
+                    <a:noFill/>
+                  </a:rPr>
+                  <a:t> </a:t>
+                </a:r>
+              </a:p>
+            </p:txBody>
+          </p:sp>
+        </mc:Fallback>
+      </mc:AlternateContent>
+      <mc:AlternateContent xmlns:mc="http://schemas.openxmlformats.org/markup-compatibility/2006">
+        <mc:Choice xmlns:a14="http://schemas.microsoft.com/office/drawing/2010/main" Requires="a14">
+          <p:sp>
+            <p:nvSpPr>
+              <p:cNvPr id="217" name="TextBox 216"/>
+              <p:cNvSpPr txBox="1"/>
+              <p:nvPr/>
+            </p:nvSpPr>
+            <p:spPr>
+              <a:xfrm>
+                <a:off x="4915152" y="764704"/>
+                <a:ext cx="479683" cy="385939"/>
+              </a:xfrm>
+              <a:prstGeom prst="rect">
+                <a:avLst/>
+              </a:prstGeom>
+              <a:noFill/>
+            </p:spPr>
+            <p:txBody>
+              <a:bodyPr wrap="none" rtlCol="0">
+                <a:spAutoFit/>
+              </a:bodyPr>
+              <a:lstStyle/>
+              <a:p>
+                <a14:m>
+                  <m:oMathPara xmlns:m="http://schemas.openxmlformats.org/officeDocument/2006/math">
+                    <m:oMathParaPr>
+                      <m:jc m:val="centerGroup"/>
+                    </m:oMathParaPr>
+                    <m:oMath xmlns:m="http://schemas.openxmlformats.org/officeDocument/2006/math">
+                      <m:sSubSup>
+                        <m:sSubSupPr>
+                          <m:ctrlPr>
+                            <a:rPr lang="ko-KR" altLang="ko-KR" i="1" smtClean="0"/>
+                          </m:ctrlPr>
+                        </m:sSubSupPr>
+                        <m:e>
+                          <m:r>
+                            <m:rPr>
+                              <m:sty m:val="p"/>
+                            </m:rPr>
+                            <a:rPr lang="en-US" altLang="ko-KR"/>
+                            <m:t>Z</m:t>
+                          </m:r>
+                        </m:e>
+                        <m:sub>
+                          <m:r>
+                            <a:rPr lang="en-US" altLang="ko-KR" b="0" i="1" smtClean="0">
+                              <a:latin typeface="Cambria Math"/>
+                            </a:rPr>
+                            <m:t>𝑘</m:t>
+                          </m:r>
+                        </m:sub>
+                        <m:sup>
+                          <m:r>
+                            <a:rPr lang="en-US" altLang="ko-KR" b="0" i="1" smtClean="0">
+                              <a:latin typeface="Cambria Math"/>
+                            </a:rPr>
+                            <m:t>2</m:t>
+                          </m:r>
+                        </m:sup>
+                      </m:sSubSup>
+                    </m:oMath>
+                  </m:oMathPara>
+                </a14:m>
+                <a:endParaRPr lang="ko-KR" altLang="en-US" baseline="-25000" dirty="0"/>
+              </a:p>
+            </p:txBody>
+          </p:sp>
+        </mc:Choice>
+        <mc:Fallback>
+          <p:sp>
+            <p:nvSpPr>
+              <p:cNvPr id="217" name="TextBox 216"/>
+              <p:cNvSpPr txBox="1">
+                <a:spLocks noRot="1" noChangeAspect="1" noMove="1" noResize="1" noEditPoints="1" noAdjustHandles="1" noChangeArrowheads="1" noChangeShapeType="1" noTextEdit="1"/>
+              </p:cNvSpPr>
+              <p:nvPr/>
+            </p:nvSpPr>
+            <p:spPr>
+              <a:xfrm>
+                <a:off x="4915152" y="764704"/>
+                <a:ext cx="479683" cy="385939"/>
+              </a:xfrm>
+              <a:prstGeom prst="rect">
+                <a:avLst/>
+              </a:prstGeom>
+              <a:blipFill rotWithShape="1">
+                <a:blip r:embed="rId24"/>
+                <a:stretch>
+                  <a:fillRect/>
+                </a:stretch>
+              </a:blipFill>
+            </p:spPr>
+            <p:txBody>
+              <a:bodyPr/>
+              <a:lstStyle/>
+              <a:p>
+                <a:r>
+                  <a:rPr lang="ko-KR" altLang="en-US">
+                    <a:noFill/>
+                  </a:rPr>
+                  <a:t> </a:t>
+                </a:r>
+              </a:p>
+            </p:txBody>
+          </p:sp>
+        </mc:Fallback>
+      </mc:AlternateContent>
+      <mc:AlternateContent xmlns:mc="http://schemas.openxmlformats.org/markup-compatibility/2006">
+        <mc:Choice xmlns:a14="http://schemas.microsoft.com/office/drawing/2010/main" Requires="a14">
+          <p:sp>
+            <p:nvSpPr>
+              <p:cNvPr id="218" name="TextBox 217"/>
+              <p:cNvSpPr txBox="1"/>
+              <p:nvPr/>
+            </p:nvSpPr>
+            <p:spPr>
+              <a:xfrm>
+                <a:off x="4915151" y="1651583"/>
+                <a:ext cx="469936" cy="385939"/>
+              </a:xfrm>
+              <a:prstGeom prst="rect">
+                <a:avLst/>
+              </a:prstGeom>
+              <a:noFill/>
+            </p:spPr>
+            <p:txBody>
+              <a:bodyPr wrap="none" rtlCol="0">
+                <a:spAutoFit/>
+              </a:bodyPr>
+              <a:lstStyle/>
+              <a:p>
+                <a14:m>
+                  <m:oMathPara xmlns:m="http://schemas.openxmlformats.org/officeDocument/2006/math">
+                    <m:oMathParaPr>
+                      <m:jc m:val="centerGroup"/>
+                    </m:oMathParaPr>
+                    <m:oMath xmlns:m="http://schemas.openxmlformats.org/officeDocument/2006/math">
+                      <m:sSubSup>
+                        <m:sSubSupPr>
+                          <m:ctrlPr>
+                            <a:rPr lang="ko-KR" altLang="ko-KR" i="1" smtClean="0"/>
+                          </m:ctrlPr>
+                        </m:sSubSupPr>
+                        <m:e>
+                          <m:r>
+                            <m:rPr>
+                              <m:sty m:val="p"/>
+                            </m:rPr>
+                            <a:rPr lang="en-US" altLang="ko-KR"/>
+                            <m:t>Z</m:t>
+                          </m:r>
+                        </m:e>
+                        <m:sub>
+                          <m:r>
+                            <a:rPr lang="en-US" altLang="ko-KR" b="0" i="1" smtClean="0">
+                              <a:latin typeface="Cambria Math"/>
+                            </a:rPr>
+                            <m:t>0</m:t>
+                          </m:r>
+                        </m:sub>
+                        <m:sup>
+                          <m:r>
+                            <a:rPr lang="en-US" altLang="ko-KR" b="0" i="1" smtClean="0">
+                              <a:latin typeface="Cambria Math"/>
+                            </a:rPr>
+                            <m:t>2</m:t>
+                          </m:r>
+                        </m:sup>
+                      </m:sSubSup>
+                    </m:oMath>
+                  </m:oMathPara>
+                </a14:m>
+                <a:endParaRPr lang="ko-KR" altLang="en-US" baseline="-25000" dirty="0"/>
+              </a:p>
+            </p:txBody>
+          </p:sp>
+        </mc:Choice>
+        <mc:Fallback>
+          <p:sp>
+            <p:nvSpPr>
+              <p:cNvPr id="218" name="TextBox 217"/>
+              <p:cNvSpPr txBox="1">
+                <a:spLocks noRot="1" noChangeAspect="1" noMove="1" noResize="1" noEditPoints="1" noAdjustHandles="1" noChangeArrowheads="1" noChangeShapeType="1" noTextEdit="1"/>
+              </p:cNvSpPr>
+              <p:nvPr/>
+            </p:nvSpPr>
+            <p:spPr>
+              <a:xfrm>
+                <a:off x="4915151" y="1651583"/>
+                <a:ext cx="469936" cy="385939"/>
+              </a:xfrm>
+              <a:prstGeom prst="rect">
+                <a:avLst/>
+              </a:prstGeom>
+              <a:blipFill rotWithShape="1">
+                <a:blip r:embed="rId25"/>
+                <a:stretch>
+                  <a:fillRect b="-1587"/>
+                </a:stretch>
+              </a:blipFill>
+            </p:spPr>
+            <p:txBody>
+              <a:bodyPr/>
+              <a:lstStyle/>
+              <a:p>
+                <a:r>
+                  <a:rPr lang="ko-KR" altLang="en-US">
+                    <a:noFill/>
+                  </a:rPr>
+                  <a:t> </a:t>
+                </a:r>
+              </a:p>
+            </p:txBody>
+          </p:sp>
+        </mc:Fallback>
+      </mc:AlternateContent>
+      <mc:AlternateContent xmlns:mc="http://schemas.openxmlformats.org/markup-compatibility/2006">
+        <mc:Choice xmlns:a14="http://schemas.microsoft.com/office/drawing/2010/main" Requires="a14">
+          <p:sp>
+            <p:nvSpPr>
+              <p:cNvPr id="219" name="TextBox 218"/>
+              <p:cNvSpPr txBox="1"/>
+              <p:nvPr/>
+            </p:nvSpPr>
+            <p:spPr>
+              <a:xfrm>
+                <a:off x="4906840" y="3146902"/>
+                <a:ext cx="479682" cy="385939"/>
+              </a:xfrm>
+              <a:prstGeom prst="rect">
+                <a:avLst/>
+              </a:prstGeom>
+              <a:noFill/>
+            </p:spPr>
+            <p:txBody>
+              <a:bodyPr wrap="none" rtlCol="0">
+                <a:spAutoFit/>
+              </a:bodyPr>
+              <a:lstStyle/>
+              <a:p>
+                <a14:m>
+                  <m:oMathPara xmlns:m="http://schemas.openxmlformats.org/officeDocument/2006/math">
+                    <m:oMathParaPr>
+                      <m:jc m:val="centerGroup"/>
+                    </m:oMathParaPr>
+                    <m:oMath xmlns:m="http://schemas.openxmlformats.org/officeDocument/2006/math">
+                      <m:sSubSup>
+                        <m:sSubSupPr>
+                          <m:ctrlPr>
+                            <a:rPr lang="ko-KR" altLang="ko-KR" i="1" smtClean="0"/>
+                          </m:ctrlPr>
+                        </m:sSubSupPr>
+                        <m:e>
+                          <m:r>
+                            <m:rPr>
+                              <m:sty m:val="p"/>
+                            </m:rPr>
+                            <a:rPr lang="en-US" altLang="ko-KR"/>
+                            <m:t>Z</m:t>
+                          </m:r>
+                        </m:e>
+                        <m:sub>
+                          <m:r>
+                            <a:rPr lang="en-US" altLang="ko-KR" b="0" i="1" smtClean="0">
+                              <a:latin typeface="Cambria Math"/>
+                            </a:rPr>
+                            <m:t>𝑘</m:t>
+                          </m:r>
+                        </m:sub>
+                        <m:sup>
+                          <m:r>
+                            <a:rPr lang="en-US" altLang="ko-KR" b="0" i="1" smtClean="0">
+                              <a:latin typeface="Cambria Math"/>
+                            </a:rPr>
+                            <m:t>2</m:t>
+                          </m:r>
+                        </m:sup>
+                      </m:sSubSup>
+                    </m:oMath>
+                  </m:oMathPara>
+                </a14:m>
+                <a:endParaRPr lang="ko-KR" altLang="en-US" baseline="-25000" dirty="0"/>
+              </a:p>
+            </p:txBody>
+          </p:sp>
+        </mc:Choice>
+        <mc:Fallback>
+          <p:sp>
+            <p:nvSpPr>
+              <p:cNvPr id="219" name="TextBox 218"/>
+              <p:cNvSpPr txBox="1">
+                <a:spLocks noRot="1" noChangeAspect="1" noMove="1" noResize="1" noEditPoints="1" noAdjustHandles="1" noChangeArrowheads="1" noChangeShapeType="1" noTextEdit="1"/>
+              </p:cNvSpPr>
+              <p:nvPr/>
+            </p:nvSpPr>
+            <p:spPr>
+              <a:xfrm>
+                <a:off x="4906840" y="3146902"/>
+                <a:ext cx="479682" cy="385939"/>
+              </a:xfrm>
+              <a:prstGeom prst="rect">
+                <a:avLst/>
+              </a:prstGeom>
+              <a:blipFill rotWithShape="1">
+                <a:blip r:embed="rId26"/>
+                <a:stretch>
+                  <a:fillRect/>
+                </a:stretch>
+              </a:blipFill>
+            </p:spPr>
+            <p:txBody>
+              <a:bodyPr/>
+              <a:lstStyle/>
+              <a:p>
+                <a:r>
+                  <a:rPr lang="ko-KR" altLang="en-US">
+                    <a:noFill/>
+                  </a:rPr>
+                  <a:t> </a:t>
+                </a:r>
+              </a:p>
+            </p:txBody>
+          </p:sp>
+        </mc:Fallback>
+      </mc:AlternateContent>
+      <mc:AlternateContent xmlns:mc="http://schemas.openxmlformats.org/markup-compatibility/2006">
+        <mc:Choice xmlns:a14="http://schemas.microsoft.com/office/drawing/2010/main" Requires="a14">
+          <p:sp>
+            <p:nvSpPr>
+              <p:cNvPr id="220" name="TextBox 219"/>
+              <p:cNvSpPr txBox="1"/>
+              <p:nvPr/>
+            </p:nvSpPr>
+            <p:spPr>
+              <a:xfrm>
+                <a:off x="4940384" y="4195766"/>
+                <a:ext cx="469937" cy="385939"/>
+              </a:xfrm>
+              <a:prstGeom prst="rect">
+                <a:avLst/>
+              </a:prstGeom>
+              <a:noFill/>
+            </p:spPr>
+            <p:txBody>
+              <a:bodyPr wrap="none" rtlCol="0">
+                <a:spAutoFit/>
+              </a:bodyPr>
+              <a:lstStyle/>
+              <a:p>
+                <a14:m>
+                  <m:oMathPara xmlns:m="http://schemas.openxmlformats.org/officeDocument/2006/math">
+                    <m:oMathParaPr>
+                      <m:jc m:val="centerGroup"/>
+                    </m:oMathParaPr>
+                    <m:oMath xmlns:m="http://schemas.openxmlformats.org/officeDocument/2006/math">
+                      <m:sSubSup>
+                        <m:sSubSupPr>
+                          <m:ctrlPr>
+                            <a:rPr lang="ko-KR" altLang="ko-KR" i="1" smtClean="0"/>
+                          </m:ctrlPr>
+                        </m:sSubSupPr>
+                        <m:e>
+                          <m:r>
+                            <m:rPr>
+                              <m:sty m:val="p"/>
+                            </m:rPr>
+                            <a:rPr lang="en-US" altLang="ko-KR"/>
+                            <m:t>Z</m:t>
+                          </m:r>
+                        </m:e>
+                        <m:sub>
+                          <m:r>
+                            <a:rPr lang="en-US" altLang="ko-KR" b="0" i="1" smtClean="0">
+                              <a:latin typeface="Cambria Math"/>
+                            </a:rPr>
+                            <m:t>9</m:t>
+                          </m:r>
+                        </m:sub>
+                        <m:sup>
+                          <m:r>
+                            <a:rPr lang="en-US" altLang="ko-KR" b="0" i="1" smtClean="0">
+                              <a:latin typeface="Cambria Math"/>
+                            </a:rPr>
+                            <m:t>2</m:t>
+                          </m:r>
+                        </m:sup>
+                      </m:sSubSup>
+                    </m:oMath>
+                  </m:oMathPara>
+                </a14:m>
+                <a:endParaRPr lang="ko-KR" altLang="en-US" baseline="-25000" dirty="0"/>
+              </a:p>
+            </p:txBody>
+          </p:sp>
+        </mc:Choice>
+        <mc:Fallback>
+          <p:sp>
+            <p:nvSpPr>
+              <p:cNvPr id="220" name="TextBox 219"/>
+              <p:cNvSpPr txBox="1">
+                <a:spLocks noRot="1" noChangeAspect="1" noMove="1" noResize="1" noEditPoints="1" noAdjustHandles="1" noChangeArrowheads="1" noChangeShapeType="1" noTextEdit="1"/>
+              </p:cNvSpPr>
+              <p:nvPr/>
+            </p:nvSpPr>
+            <p:spPr>
+              <a:xfrm>
+                <a:off x="4940384" y="4195766"/>
+                <a:ext cx="469937" cy="385939"/>
+              </a:xfrm>
+              <a:prstGeom prst="rect">
+                <a:avLst/>
+              </a:prstGeom>
+              <a:blipFill rotWithShape="1">
+                <a:blip r:embed="rId27"/>
+                <a:stretch>
+                  <a:fillRect/>
+                </a:stretch>
+              </a:blipFill>
+            </p:spPr>
+            <p:txBody>
+              <a:bodyPr/>
+              <a:lstStyle/>
+              <a:p>
+                <a:r>
+                  <a:rPr lang="ko-KR" altLang="en-US">
+                    <a:noFill/>
+                  </a:rPr>
+                  <a:t> </a:t>
+                </a:r>
+              </a:p>
+            </p:txBody>
+          </p:sp>
+        </mc:Fallback>
+      </mc:AlternateContent>
+      <mc:AlternateContent xmlns:mc="http://schemas.openxmlformats.org/markup-compatibility/2006">
+        <mc:Choice xmlns:a14="http://schemas.microsoft.com/office/drawing/2010/main" Requires="a14">
+          <p:sp>
+            <p:nvSpPr>
+              <p:cNvPr id="221" name="직사각형 220"/>
+              <p:cNvSpPr/>
+              <p:nvPr/>
+            </p:nvSpPr>
+            <p:spPr>
+              <a:xfrm>
+                <a:off x="2418345" y="5058133"/>
+                <a:ext cx="1368836" cy="379271"/>
+              </a:xfrm>
+              <a:prstGeom prst="rect">
+                <a:avLst/>
+              </a:prstGeom>
+            </p:spPr>
+            <p:txBody>
+              <a:bodyPr wrap="none">
+                <a:spAutoFit/>
+              </a:bodyPr>
+              <a:lstStyle/>
+              <a:p>
+                <a14:m>
+                  <m:oMathPara xmlns:m="http://schemas.openxmlformats.org/officeDocument/2006/math">
+                    <m:oMathParaPr>
+                      <m:jc m:val="centerGroup"/>
+                    </m:oMathParaPr>
+                    <m:oMath xmlns:m="http://schemas.openxmlformats.org/officeDocument/2006/math">
+                      <m:func>
+                        <m:funcPr>
+                          <m:ctrlPr>
+                            <a:rPr lang="ko-KR" altLang="ko-KR" sz="1600" i="1" smtClean="0"/>
+                          </m:ctrlPr>
+                        </m:funcPr>
+                        <m:fName>
+                          <m:r>
+                            <m:rPr>
+                              <m:sty m:val="p"/>
+                            </m:rPr>
+                            <a:rPr lang="en-US" altLang="ko-KR" sz="1600"/>
+                            <m:t>tanh</m:t>
+                          </m:r>
+                        </m:fName>
+                        <m:e>
+                          <m:sSubSup>
+                            <m:sSubSupPr>
+                              <m:ctrlPr>
+                                <a:rPr lang="ko-KR" altLang="ko-KR" sz="1600" i="1">
+                                  <a:latin typeface="Cambria Math"/>
+                                </a:rPr>
+                              </m:ctrlPr>
+                            </m:sSubSupPr>
+                            <m:e>
+                              <m:r>
+                                <m:rPr>
+                                  <m:sty m:val="p"/>
+                                </m:rPr>
+                                <a:rPr lang="en-US" altLang="ko-KR" sz="1600">
+                                  <a:latin typeface="Cambria Math"/>
+                                </a:rPr>
+                                <m:t>Z</m:t>
+                              </m:r>
+                            </m:e>
+                            <m:sub>
+                              <m:r>
+                                <a:rPr lang="en-US" altLang="ko-KR" sz="1600" i="1">
+                                  <a:latin typeface="Cambria Math"/>
+                                </a:rPr>
+                                <m:t>𝑗</m:t>
+                              </m:r>
+                            </m:sub>
+                            <m:sup>
+                              <m:r>
+                                <a:rPr lang="en-US" altLang="ko-KR" sz="1600" i="1">
+                                  <a:latin typeface="Cambria Math"/>
+                                </a:rPr>
+                                <m:t>1</m:t>
+                              </m:r>
+                            </m:sup>
+                          </m:sSubSup>
+                        </m:e>
+                      </m:func>
+                      <m:r>
+                        <a:rPr lang="en-US" altLang="ko-KR" sz="1600" b="0" i="1" smtClean="0">
+                          <a:latin typeface="Cambria Math"/>
+                        </a:rPr>
+                        <m:t>=</m:t>
+                      </m:r>
+                      <m:sSubSup>
+                        <m:sSubSupPr>
+                          <m:ctrlPr>
+                            <a:rPr lang="ko-KR" altLang="ko-KR" sz="1600" i="1">
+                              <a:latin typeface="Cambria Math"/>
+                            </a:rPr>
+                          </m:ctrlPr>
+                        </m:sSubSupPr>
+                        <m:e>
+                          <m:r>
+                            <m:rPr>
+                              <m:sty m:val="p"/>
+                            </m:rPr>
+                            <a:rPr lang="en-US" altLang="ko-KR" sz="1600">
+                              <a:latin typeface="Cambria Math"/>
+                            </a:rPr>
+                            <m:t>h</m:t>
+                          </m:r>
+                        </m:e>
+                        <m:sub>
+                          <m:r>
+                            <a:rPr lang="en-US" altLang="ko-KR" sz="1600" b="0" i="1" smtClean="0">
+                              <a:latin typeface="Cambria Math"/>
+                            </a:rPr>
+                            <m:t>𝑗</m:t>
+                          </m:r>
+                        </m:sub>
+                        <m:sup>
+                          <m:r>
+                            <a:rPr lang="en-US" altLang="ko-KR" sz="1600" i="1">
+                              <a:latin typeface="Cambria Math"/>
+                            </a:rPr>
+                            <m:t>1</m:t>
+                          </m:r>
+                        </m:sup>
+                      </m:sSubSup>
+                    </m:oMath>
+                  </m:oMathPara>
+                </a14:m>
+                <a:endParaRPr lang="ko-KR" altLang="en-US" sz="1600" dirty="0"/>
+              </a:p>
+            </p:txBody>
+          </p:sp>
+        </mc:Choice>
+        <mc:Fallback>
+          <p:sp>
+            <p:nvSpPr>
+              <p:cNvPr id="221" name="직사각형 220"/>
+              <p:cNvSpPr>
+                <a:spLocks noRot="1" noChangeAspect="1" noMove="1" noResize="1" noEditPoints="1" noAdjustHandles="1" noChangeArrowheads="1" noChangeShapeType="1" noTextEdit="1"/>
+              </p:cNvSpPr>
+              <p:nvPr/>
+            </p:nvSpPr>
+            <p:spPr>
+              <a:xfrm>
+                <a:off x="2418345" y="5058133"/>
+                <a:ext cx="1368836" cy="379271"/>
+              </a:xfrm>
+              <a:prstGeom prst="rect">
+                <a:avLst/>
+              </a:prstGeom>
+              <a:blipFill rotWithShape="1">
+                <a:blip r:embed="rId28"/>
+                <a:stretch>
+                  <a:fillRect b="-8065"/>
+                </a:stretch>
+              </a:blipFill>
+            </p:spPr>
+            <p:txBody>
+              <a:bodyPr/>
+              <a:lstStyle/>
+              <a:p>
+                <a:r>
+                  <a:rPr lang="ko-KR" altLang="en-US">
+                    <a:noFill/>
+                  </a:rPr>
+                  <a:t> </a:t>
+                </a:r>
+              </a:p>
+            </p:txBody>
+          </p:sp>
+        </mc:Fallback>
+      </mc:AlternateContent>
+      <mc:AlternateContent xmlns:mc="http://schemas.openxmlformats.org/markup-compatibility/2006">
+        <mc:Choice xmlns:a14="http://schemas.microsoft.com/office/drawing/2010/main" Requires="a14">
+          <p:sp>
+            <p:nvSpPr>
+              <p:cNvPr id="222" name="직사각형 221"/>
+              <p:cNvSpPr/>
+              <p:nvPr/>
+            </p:nvSpPr>
+            <p:spPr>
+              <a:xfrm>
+                <a:off x="616494" y="5870232"/>
+                <a:ext cx="1909090" cy="784510"/>
+              </a:xfrm>
+              <a:prstGeom prst="rect">
+                <a:avLst/>
+              </a:prstGeom>
+            </p:spPr>
+            <p:txBody>
+              <a:bodyPr wrap="square">
+                <a:spAutoFit/>
+              </a:bodyPr>
+              <a:lstStyle/>
+              <a:p>
+                <a14:m>
+                  <m:oMathPara xmlns:m="http://schemas.openxmlformats.org/officeDocument/2006/math">
+                    <m:oMathParaPr>
+                      <m:jc m:val="centerGroup"/>
+                    </m:oMathParaPr>
+                    <m:oMath xmlns:m="http://schemas.openxmlformats.org/officeDocument/2006/math">
+                      <m:nary>
+                        <m:naryPr>
+                          <m:chr m:val="∑"/>
+                          <m:limLoc m:val="undOvr"/>
+                          <m:ctrlPr>
+                            <a:rPr lang="ko-KR" altLang="ko-KR" sz="1600" i="1" smtClean="0"/>
+                          </m:ctrlPr>
+                        </m:naryPr>
+                        <m:sub>
+                          <m:r>
+                            <a:rPr lang="en-US" altLang="ko-KR" sz="1600" b="0" i="1" smtClean="0">
+                              <a:latin typeface="Cambria Math"/>
+                            </a:rPr>
+                            <m:t>𝑖</m:t>
+                          </m:r>
+                          <m:r>
+                            <a:rPr lang="en-US" altLang="ko-KR" sz="1600" i="1"/>
+                            <m:t>=0</m:t>
+                          </m:r>
+                        </m:sub>
+                        <m:sup>
+                          <m:r>
+                            <a:rPr lang="en-US" altLang="ko-KR" sz="1600" b="0" i="1" smtClean="0">
+                              <a:latin typeface="Cambria Math"/>
+                            </a:rPr>
+                            <m:t>784</m:t>
+                          </m:r>
+                        </m:sup>
+                        <m:e>
+                          <m:sSubSup>
+                            <m:sSubSupPr>
+                              <m:ctrlPr>
+                                <a:rPr lang="ko-KR" altLang="ko-KR" sz="1600" i="1"/>
+                              </m:ctrlPr>
+                            </m:sSubSupPr>
+                            <m:e>
+                              <m:r>
+                                <a:rPr lang="en-US" altLang="ko-KR" sz="1600" b="0" i="1" smtClean="0">
+                                  <a:latin typeface="Cambria Math"/>
+                                </a:rPr>
+                                <m:t>𝑥</m:t>
+                              </m:r>
+                            </m:e>
+                            <m:sub>
+                              <m:r>
+                                <a:rPr lang="en-US" altLang="ko-KR" sz="1600" b="0" i="1" smtClean="0">
+                                  <a:latin typeface="Cambria Math"/>
+                                </a:rPr>
+                                <m:t>𝑖</m:t>
+                              </m:r>
+                            </m:sub>
+                            <m:sup/>
+                          </m:sSubSup>
+                        </m:e>
+                      </m:nary>
+                      <m:r>
+                        <a:rPr lang="en-US" altLang="ko-KR" sz="1600" i="1"/>
+                        <m:t>∗</m:t>
+                      </m:r>
+                      <m:sSubSup>
+                        <m:sSubSupPr>
+                          <m:ctrlPr>
+                            <a:rPr lang="ko-KR" altLang="ko-KR" sz="1600" i="1"/>
+                          </m:ctrlPr>
+                        </m:sSubSupPr>
+                        <m:e>
+                          <m:r>
+                            <a:rPr lang="en-US" altLang="ko-KR" sz="1600" i="1"/>
+                            <m:t>𝑊</m:t>
+                          </m:r>
+                        </m:e>
+                        <m:sub>
+                          <m:r>
+                            <a:rPr lang="en-US" altLang="ko-KR" sz="1600" b="0" i="1" smtClean="0">
+                              <a:latin typeface="Cambria Math"/>
+                            </a:rPr>
+                            <m:t>𝑖</m:t>
+                          </m:r>
+                          <m:r>
+                            <a:rPr lang="en-US" altLang="ko-KR" sz="1600" i="1"/>
+                            <m:t>𝑗</m:t>
+                          </m:r>
+                        </m:sub>
+                        <m:sup>
+                          <m:r>
+                            <a:rPr lang="en-US" altLang="ko-KR" sz="1600" b="0" i="1" smtClean="0">
+                              <a:latin typeface="Cambria Math"/>
+                            </a:rPr>
+                            <m:t>1</m:t>
+                          </m:r>
+                        </m:sup>
+                      </m:sSubSup>
+                      <m:r>
+                        <a:rPr lang="en-US" altLang="ko-KR" sz="1600" b="0" i="0" smtClean="0">
+                          <a:latin typeface="Cambria Math"/>
+                        </a:rPr>
+                        <m:t>=</m:t>
+                      </m:r>
+                      <m:sSubSup>
+                        <m:sSubSupPr>
+                          <m:ctrlPr>
+                            <a:rPr lang="ko-KR" altLang="ko-KR" sz="1600" i="1">
+                              <a:latin typeface="Cambria Math"/>
+                            </a:rPr>
+                          </m:ctrlPr>
+                        </m:sSubSupPr>
+                        <m:e>
+                          <m:r>
+                            <m:rPr>
+                              <m:sty m:val="p"/>
+                            </m:rPr>
+                            <a:rPr lang="en-US" altLang="ko-KR" sz="1600">
+                              <a:latin typeface="Cambria Math"/>
+                            </a:rPr>
+                            <m:t>Z</m:t>
+                          </m:r>
+                        </m:e>
+                        <m:sub>
+                          <m:r>
+                            <a:rPr lang="en-US" altLang="ko-KR" sz="1600" i="1">
+                              <a:latin typeface="Cambria Math"/>
+                            </a:rPr>
+                            <m:t>𝑗</m:t>
+                          </m:r>
+                        </m:sub>
+                        <m:sup>
+                          <m:r>
+                            <a:rPr lang="en-US" altLang="ko-KR" sz="1600" i="1">
+                              <a:latin typeface="Cambria Math"/>
+                            </a:rPr>
+                            <m:t>1</m:t>
+                          </m:r>
+                        </m:sup>
+                      </m:sSubSup>
+                    </m:oMath>
+                  </m:oMathPara>
+                </a14:m>
+                <a:endParaRPr lang="ko-KR" altLang="ko-KR" sz="1600" dirty="0"/>
+              </a:p>
+            </p:txBody>
+          </p:sp>
+        </mc:Choice>
+        <mc:Fallback>
+          <p:sp>
+            <p:nvSpPr>
+              <p:cNvPr id="222" name="직사각형 221"/>
+              <p:cNvSpPr>
+                <a:spLocks noRot="1" noChangeAspect="1" noMove="1" noResize="1" noEditPoints="1" noAdjustHandles="1" noChangeArrowheads="1" noChangeShapeType="1" noTextEdit="1"/>
+              </p:cNvSpPr>
+              <p:nvPr/>
+            </p:nvSpPr>
+            <p:spPr>
+              <a:xfrm>
+                <a:off x="616494" y="5870232"/>
+                <a:ext cx="1909090" cy="784510"/>
+              </a:xfrm>
+              <a:prstGeom prst="rect">
+                <a:avLst/>
+              </a:prstGeom>
+              <a:blipFill rotWithShape="1">
+                <a:blip r:embed="rId29"/>
+                <a:stretch>
+                  <a:fillRect/>
+                </a:stretch>
+              </a:blipFill>
+            </p:spPr>
+            <p:txBody>
+              <a:bodyPr/>
+              <a:lstStyle/>
+              <a:p>
+                <a:r>
+                  <a:rPr lang="ko-KR" altLang="en-US">
+                    <a:noFill/>
+                  </a:rPr>
+                  <a:t> </a:t>
+                </a:r>
+              </a:p>
+            </p:txBody>
+          </p:sp>
+        </mc:Fallback>
+      </mc:AlternateContent>
+      <mc:AlternateContent xmlns:mc="http://schemas.openxmlformats.org/markup-compatibility/2006">
+        <mc:Choice xmlns:a14="http://schemas.microsoft.com/office/drawing/2010/main" Requires="a14">
+          <p:sp>
+            <p:nvSpPr>
+              <p:cNvPr id="223" name="TextBox 222"/>
+              <p:cNvSpPr txBox="1"/>
+              <p:nvPr/>
+            </p:nvSpPr>
+            <p:spPr>
+              <a:xfrm>
+                <a:off x="1207907" y="5048486"/>
+                <a:ext cx="1233864" cy="343043"/>
+              </a:xfrm>
+              <a:prstGeom prst="rect">
+                <a:avLst/>
+              </a:prstGeom>
+              <a:noFill/>
+            </p:spPr>
+            <p:txBody>
+              <a:bodyPr wrap="none" rtlCol="0">
+                <a:spAutoFit/>
+              </a:bodyPr>
+              <a:lstStyle/>
+              <a:p>
+                <a14:m>
+                  <m:oMathPara xmlns:m="http://schemas.openxmlformats.org/officeDocument/2006/math">
+                    <m:oMathParaPr>
+                      <m:jc m:val="centerGroup"/>
+                    </m:oMathParaPr>
+                    <m:oMath xmlns:m="http://schemas.openxmlformats.org/officeDocument/2006/math">
+                      <m:sSubSup>
+                        <m:sSubSupPr>
+                          <m:ctrlPr>
+                            <a:rPr lang="ko-KR" altLang="ko-KR" sz="1600" i="1" smtClean="0">
+                              <a:latin typeface="Cambria Math"/>
+                            </a:rPr>
+                          </m:ctrlPr>
+                        </m:sSubSupPr>
+                        <m:e>
+                          <m:r>
+                            <m:rPr>
+                              <m:sty m:val="p"/>
+                            </m:rPr>
+                            <a:rPr lang="en-US" altLang="ko-KR" sz="1600" b="0" i="0" smtClean="0">
+                              <a:latin typeface="Cambria Math"/>
+                            </a:rPr>
+                            <m:t>b</m:t>
+                          </m:r>
+                        </m:e>
+                        <m:sub>
+                          <m:r>
+                            <a:rPr lang="en-US" altLang="ko-KR" sz="1600" b="0" i="1" smtClean="0">
+                              <a:latin typeface="Cambria Math"/>
+                            </a:rPr>
+                            <m:t>0</m:t>
+                          </m:r>
+                        </m:sub>
+                        <m:sup>
+                          <m:r>
+                            <a:rPr lang="en-US" altLang="ko-KR" sz="1600" i="1">
+                              <a:latin typeface="Cambria Math"/>
+                            </a:rPr>
+                            <m:t>1</m:t>
+                          </m:r>
+                        </m:sup>
+                      </m:sSubSup>
+                      <m:r>
+                        <a:rPr lang="en-US" altLang="ko-KR" sz="1600" b="0" i="1" smtClean="0">
+                          <a:latin typeface="Cambria Math"/>
+                        </a:rPr>
+                        <m:t>=</m:t>
+                      </m:r>
+                      <m:sSubSup>
+                        <m:sSubSupPr>
+                          <m:ctrlPr>
+                            <a:rPr lang="ko-KR" altLang="ko-KR" sz="1600" i="1" smtClean="0"/>
+                          </m:ctrlPr>
+                        </m:sSubSupPr>
+                        <m:e>
+                          <m:r>
+                            <m:rPr>
+                              <m:sty m:val="p"/>
+                            </m:rPr>
+                            <a:rPr lang="en-US" altLang="ko-KR" sz="1600" b="0" i="0" smtClean="0">
+                              <a:latin typeface="Cambria Math"/>
+                            </a:rPr>
+                            <m:t>W</m:t>
+                          </m:r>
+                        </m:e>
+                        <m:sub>
+                          <m:r>
+                            <a:rPr lang="en-US" altLang="ko-KR" sz="1600" b="0" i="1" smtClean="0">
+                              <a:latin typeface="Cambria Math"/>
+                            </a:rPr>
+                            <m:t>7840</m:t>
+                          </m:r>
+                        </m:sub>
+                        <m:sup>
+                          <m:r>
+                            <a:rPr lang="en-US" altLang="ko-KR" sz="1600" b="0" i="1" smtClean="0">
+                              <a:latin typeface="Cambria Math"/>
+                            </a:rPr>
+                            <m:t>1</m:t>
+                          </m:r>
+                        </m:sup>
+                      </m:sSubSup>
+                    </m:oMath>
+                  </m:oMathPara>
+                </a14:m>
+                <a:endParaRPr lang="ko-KR" altLang="en-US" sz="1600" baseline="-25000" dirty="0"/>
+              </a:p>
+            </p:txBody>
+          </p:sp>
+        </mc:Choice>
+        <mc:Fallback>
+          <p:sp>
+            <p:nvSpPr>
+              <p:cNvPr id="223" name="TextBox 222"/>
+              <p:cNvSpPr txBox="1">
+                <a:spLocks noRot="1" noChangeAspect="1" noMove="1" noResize="1" noEditPoints="1" noAdjustHandles="1" noChangeArrowheads="1" noChangeShapeType="1" noTextEdit="1"/>
+              </p:cNvSpPr>
+              <p:nvPr/>
+            </p:nvSpPr>
+            <p:spPr>
+              <a:xfrm>
+                <a:off x="1207907" y="5048486"/>
+                <a:ext cx="1233864" cy="343043"/>
+              </a:xfrm>
+              <a:prstGeom prst="rect">
+                <a:avLst/>
+              </a:prstGeom>
+              <a:blipFill rotWithShape="1">
+                <a:blip r:embed="rId30"/>
+                <a:stretch>
+                  <a:fillRect/>
+                </a:stretch>
+              </a:blipFill>
+            </p:spPr>
+            <p:txBody>
+              <a:bodyPr/>
+              <a:lstStyle/>
+              <a:p>
+                <a:r>
+                  <a:rPr lang="ko-KR" altLang="en-US">
+                    <a:noFill/>
+                  </a:rPr>
+                  <a:t> </a:t>
+                </a:r>
+              </a:p>
+            </p:txBody>
+          </p:sp>
+        </mc:Fallback>
+      </mc:AlternateContent>
+      <mc:AlternateContent xmlns:mc="http://schemas.openxmlformats.org/markup-compatibility/2006">
+        <mc:Choice xmlns:a14="http://schemas.microsoft.com/office/drawing/2010/main" Requires="a14">
+          <p:sp>
+            <p:nvSpPr>
+              <p:cNvPr id="224" name="TextBox 223"/>
+              <p:cNvSpPr txBox="1"/>
+              <p:nvPr/>
+            </p:nvSpPr>
+            <p:spPr>
+              <a:xfrm>
+                <a:off x="1207907" y="5367659"/>
+                <a:ext cx="989695" cy="332912"/>
+              </a:xfrm>
+              <a:prstGeom prst="rect">
+                <a:avLst/>
+              </a:prstGeom>
+              <a:noFill/>
+            </p:spPr>
+            <p:txBody>
+              <a:bodyPr wrap="none" rtlCol="0">
+                <a:spAutoFit/>
+              </a:bodyPr>
+              <a:lstStyle/>
+              <a:p>
+                <a14:m>
+                  <m:oMathPara xmlns:m="http://schemas.openxmlformats.org/officeDocument/2006/math">
+                    <m:oMathParaPr>
+                      <m:jc m:val="centerGroup"/>
+                    </m:oMathParaPr>
+                    <m:oMath xmlns:m="http://schemas.openxmlformats.org/officeDocument/2006/math">
+                      <m:sSub>
+                        <m:sSubPr>
+                          <m:ctrlPr>
+                            <a:rPr lang="en-US" altLang="ko-KR" sz="1600" b="0" i="1" smtClean="0">
+                              <a:latin typeface="Cambria Math"/>
+                            </a:rPr>
+                          </m:ctrlPr>
+                        </m:sSubPr>
+                        <m:e>
+                          <m:r>
+                            <a:rPr lang="en-US" altLang="ko-KR" sz="1600" b="0" i="1" smtClean="0">
+                              <a:latin typeface="Cambria Math"/>
+                            </a:rPr>
+                            <m:t>𝑥</m:t>
+                          </m:r>
+                        </m:e>
+                        <m:sub>
+                          <m:r>
+                            <a:rPr lang="en-US" altLang="ko-KR" sz="1600" b="0" i="1" smtClean="0">
+                              <a:latin typeface="Cambria Math"/>
+                            </a:rPr>
+                            <m:t>784</m:t>
+                          </m:r>
+                        </m:sub>
+                      </m:sSub>
+                      <m:r>
+                        <a:rPr lang="en-US" altLang="ko-KR" sz="1600" b="0" i="1" smtClean="0">
+                          <a:latin typeface="Cambria Math"/>
+                        </a:rPr>
+                        <m:t>=1</m:t>
+                      </m:r>
+                    </m:oMath>
+                  </m:oMathPara>
+                </a14:m>
+                <a:endParaRPr lang="ko-KR" altLang="en-US" sz="1600" baseline="-25000" dirty="0"/>
+              </a:p>
+            </p:txBody>
+          </p:sp>
+        </mc:Choice>
+        <mc:Fallback>
+          <p:sp>
+            <p:nvSpPr>
+              <p:cNvPr id="224" name="TextBox 223"/>
+              <p:cNvSpPr txBox="1">
+                <a:spLocks noRot="1" noChangeAspect="1" noMove="1" noResize="1" noEditPoints="1" noAdjustHandles="1" noChangeArrowheads="1" noChangeShapeType="1" noTextEdit="1"/>
+              </p:cNvSpPr>
+              <p:nvPr/>
+            </p:nvSpPr>
+            <p:spPr>
+              <a:xfrm>
+                <a:off x="1207907" y="5367659"/>
+                <a:ext cx="989695" cy="332912"/>
+              </a:xfrm>
+              <a:prstGeom prst="rect">
+                <a:avLst/>
+              </a:prstGeom>
+              <a:blipFill rotWithShape="1">
+                <a:blip r:embed="rId31"/>
+                <a:stretch>
+                  <a:fillRect/>
+                </a:stretch>
+              </a:blipFill>
+            </p:spPr>
+            <p:txBody>
+              <a:bodyPr/>
+              <a:lstStyle/>
+              <a:p>
+                <a:r>
+                  <a:rPr lang="ko-KR" altLang="en-US">
+                    <a:noFill/>
+                  </a:rPr>
+                  <a:t> </a:t>
+                </a:r>
+              </a:p>
+            </p:txBody>
+          </p:sp>
+        </mc:Fallback>
+      </mc:AlternateContent>
+      <mc:AlternateContent xmlns:mc="http://schemas.openxmlformats.org/markup-compatibility/2006">
+        <mc:Choice xmlns:a14="http://schemas.microsoft.com/office/drawing/2010/main" Requires="a14">
+          <p:sp>
+            <p:nvSpPr>
+              <p:cNvPr id="225" name="직사각형 224"/>
+              <p:cNvSpPr/>
+              <p:nvPr/>
+            </p:nvSpPr>
+            <p:spPr>
+              <a:xfrm>
+                <a:off x="3635896" y="5834922"/>
+                <a:ext cx="2304256" cy="812402"/>
+              </a:xfrm>
+              <a:prstGeom prst="rect">
+                <a:avLst/>
+              </a:prstGeom>
+            </p:spPr>
+            <p:txBody>
+              <a:bodyPr wrap="square">
+                <a:spAutoFit/>
+              </a:bodyPr>
+              <a:lstStyle/>
+              <a:p>
+                <a14:m>
+                  <m:oMathPara xmlns:m="http://schemas.openxmlformats.org/officeDocument/2006/math">
+                    <m:oMathParaPr>
+                      <m:jc m:val="centerGroup"/>
+                    </m:oMathParaPr>
+                    <m:oMath xmlns:m="http://schemas.openxmlformats.org/officeDocument/2006/math">
+                      <m:nary>
+                        <m:naryPr>
+                          <m:chr m:val="∑"/>
+                          <m:limLoc m:val="undOvr"/>
+                          <m:ctrlPr>
+                            <a:rPr lang="ko-KR" altLang="ko-KR" sz="1600" i="1" smtClean="0"/>
+                          </m:ctrlPr>
+                        </m:naryPr>
+                        <m:sub>
+                          <m:r>
+                            <m:rPr>
+                              <m:brk/>
+                            </m:rPr>
+                            <a:rPr lang="en-US" altLang="ko-KR" sz="1600" b="0" i="1" smtClean="0">
+                              <a:latin typeface="Cambria Math"/>
+                            </a:rPr>
+                            <m:t>𝑗</m:t>
+                          </m:r>
+                          <m:r>
+                            <a:rPr lang="en-US" altLang="ko-KR" sz="1600" i="1"/>
+                            <m:t>=0</m:t>
+                          </m:r>
+                        </m:sub>
+                        <m:sup>
+                          <m:r>
+                            <a:rPr lang="en-US" altLang="ko-KR" sz="1600" b="0" i="1" smtClean="0">
+                              <a:latin typeface="Cambria Math"/>
+                            </a:rPr>
+                            <m:t>64</m:t>
+                          </m:r>
+                        </m:sup>
+                        <m:e>
+                          <m:sSubSup>
+                            <m:sSubSupPr>
+                              <m:ctrlPr>
+                                <a:rPr lang="ko-KR" altLang="ko-KR" sz="1600" i="1">
+                                  <a:latin typeface="Cambria Math"/>
+                                </a:rPr>
+                              </m:ctrlPr>
+                            </m:sSubSupPr>
+                            <m:e>
+                              <m:r>
+                                <m:rPr>
+                                  <m:sty m:val="p"/>
+                                </m:rPr>
+                                <a:rPr lang="en-US" altLang="ko-KR" sz="1600">
+                                  <a:latin typeface="Cambria Math"/>
+                                </a:rPr>
+                                <m:t>h</m:t>
+                              </m:r>
+                            </m:e>
+                            <m:sub>
+                              <m:r>
+                                <a:rPr lang="en-US" altLang="ko-KR" sz="1600" b="0" i="1" smtClean="0">
+                                  <a:latin typeface="Cambria Math"/>
+                                </a:rPr>
+                                <m:t>𝑗</m:t>
+                              </m:r>
+                            </m:sub>
+                            <m:sup>
+                              <m:r>
+                                <a:rPr lang="en-US" altLang="ko-KR" sz="1600" i="1">
+                                  <a:latin typeface="Cambria Math"/>
+                                </a:rPr>
+                                <m:t>1</m:t>
+                              </m:r>
+                            </m:sup>
+                          </m:sSubSup>
+                        </m:e>
+                      </m:nary>
+                      <m:r>
+                        <a:rPr lang="en-US" altLang="ko-KR" sz="1600" i="1"/>
+                        <m:t>∗</m:t>
+                      </m:r>
+                      <m:sSubSup>
+                        <m:sSubSupPr>
+                          <m:ctrlPr>
+                            <a:rPr lang="ko-KR" altLang="ko-KR" sz="1600" i="1"/>
+                          </m:ctrlPr>
+                        </m:sSubSupPr>
+                        <m:e>
+                          <m:r>
+                            <a:rPr lang="en-US" altLang="ko-KR" sz="1600" i="1"/>
+                            <m:t>𝑊</m:t>
+                          </m:r>
+                        </m:e>
+                        <m:sub>
+                          <m:r>
+                            <a:rPr lang="en-US" altLang="ko-KR" sz="1600" b="0" i="1" smtClean="0">
+                              <a:latin typeface="Cambria Math"/>
+                            </a:rPr>
+                            <m:t>𝑗𝑘</m:t>
+                          </m:r>
+                        </m:sub>
+                        <m:sup>
+                          <m:r>
+                            <a:rPr lang="en-US" altLang="ko-KR" sz="1600" b="0" i="1" smtClean="0">
+                              <a:latin typeface="Cambria Math"/>
+                            </a:rPr>
+                            <m:t>2</m:t>
+                          </m:r>
+                        </m:sup>
+                      </m:sSubSup>
+                      <m:sSubSup>
+                        <m:sSubSupPr>
+                          <m:ctrlPr>
+                            <a:rPr lang="ko-KR" altLang="ko-KR" sz="1600" i="1">
+                              <a:latin typeface="Cambria Math"/>
+                            </a:rPr>
+                          </m:ctrlPr>
+                        </m:sSubSupPr>
+                        <m:e>
+                          <m:r>
+                            <a:rPr lang="en-US" altLang="ko-KR" sz="1600" b="0" i="0" smtClean="0">
+                              <a:latin typeface="Cambria Math"/>
+                            </a:rPr>
+                            <m:t>=</m:t>
+                          </m:r>
+                          <m:r>
+                            <m:rPr>
+                              <m:sty m:val="p"/>
+                            </m:rPr>
+                            <a:rPr lang="en-US" altLang="ko-KR" sz="1600">
+                              <a:latin typeface="Cambria Math"/>
+                            </a:rPr>
+                            <m:t>Z</m:t>
+                          </m:r>
+                        </m:e>
+                        <m:sub>
+                          <m:r>
+                            <a:rPr lang="en-US" altLang="ko-KR" sz="1600" i="1">
+                              <a:latin typeface="Cambria Math"/>
+                            </a:rPr>
+                            <m:t>𝑘</m:t>
+                          </m:r>
+                        </m:sub>
+                        <m:sup>
+                          <m:r>
+                            <a:rPr lang="en-US" altLang="ko-KR" sz="1600" i="1">
+                              <a:latin typeface="Cambria Math"/>
+                            </a:rPr>
+                            <m:t>2</m:t>
+                          </m:r>
+                        </m:sup>
+                      </m:sSubSup>
+                    </m:oMath>
+                  </m:oMathPara>
+                </a14:m>
+                <a:endParaRPr lang="ko-KR" altLang="ko-KR" sz="1600" dirty="0"/>
+              </a:p>
+            </p:txBody>
+          </p:sp>
+        </mc:Choice>
+        <mc:Fallback>
+          <p:sp>
+            <p:nvSpPr>
+              <p:cNvPr id="225" name="직사각형 224"/>
+              <p:cNvSpPr>
+                <a:spLocks noRot="1" noChangeAspect="1" noMove="1" noResize="1" noEditPoints="1" noAdjustHandles="1" noChangeArrowheads="1" noChangeShapeType="1" noTextEdit="1"/>
+              </p:cNvSpPr>
+              <p:nvPr/>
+            </p:nvSpPr>
+            <p:spPr>
+              <a:xfrm>
+                <a:off x="3635896" y="5834922"/>
+                <a:ext cx="2304256" cy="812402"/>
+              </a:xfrm>
+              <a:prstGeom prst="rect">
+                <a:avLst/>
+              </a:prstGeom>
+              <a:blipFill rotWithShape="1">
+                <a:blip r:embed="rId32"/>
+                <a:stretch>
+                  <a:fillRect/>
+                </a:stretch>
+              </a:blipFill>
+            </p:spPr>
+            <p:txBody>
+              <a:bodyPr/>
+              <a:lstStyle/>
+              <a:p>
+                <a:r>
+                  <a:rPr lang="ko-KR" altLang="en-US">
+                    <a:noFill/>
+                  </a:rPr>
+                  <a:t> </a:t>
+                </a:r>
+              </a:p>
+            </p:txBody>
+          </p:sp>
+        </mc:Fallback>
+      </mc:AlternateContent>
+      <mc:AlternateContent xmlns:mc="http://schemas.openxmlformats.org/markup-compatibility/2006">
+        <mc:Choice xmlns:a14="http://schemas.microsoft.com/office/drawing/2010/main" Requires="a14">
+          <p:sp>
+            <p:nvSpPr>
+              <p:cNvPr id="226" name="TextBox 225"/>
+              <p:cNvSpPr txBox="1"/>
+              <p:nvPr/>
+            </p:nvSpPr>
+            <p:spPr>
+              <a:xfrm>
+                <a:off x="3923928" y="5013176"/>
+                <a:ext cx="1147301" cy="343427"/>
+              </a:xfrm>
+              <a:prstGeom prst="rect">
+                <a:avLst/>
+              </a:prstGeom>
+              <a:noFill/>
+            </p:spPr>
+            <p:txBody>
+              <a:bodyPr wrap="none" rtlCol="0">
+                <a:spAutoFit/>
+              </a:bodyPr>
+              <a:lstStyle/>
+              <a:p>
+                <a14:m>
+                  <m:oMathPara xmlns:m="http://schemas.openxmlformats.org/officeDocument/2006/math">
+                    <m:oMathParaPr>
+                      <m:jc m:val="centerGroup"/>
+                    </m:oMathParaPr>
+                    <m:oMath xmlns:m="http://schemas.openxmlformats.org/officeDocument/2006/math">
+                      <m:sSubSup>
+                        <m:sSubSupPr>
+                          <m:ctrlPr>
+                            <a:rPr lang="ko-KR" altLang="ko-KR" sz="1600" i="1" smtClean="0">
+                              <a:latin typeface="Cambria Math"/>
+                            </a:rPr>
+                          </m:ctrlPr>
+                        </m:sSubSupPr>
+                        <m:e>
+                          <m:r>
+                            <m:rPr>
+                              <m:sty m:val="p"/>
+                            </m:rPr>
+                            <a:rPr lang="en-US" altLang="ko-KR" sz="1600">
+                              <a:latin typeface="Cambria Math"/>
+                            </a:rPr>
+                            <m:t>b</m:t>
+                          </m:r>
+                        </m:e>
+                        <m:sub>
+                          <m:r>
+                            <a:rPr lang="en-US" altLang="ko-KR" sz="1600" b="0" i="1" smtClean="0">
+                              <a:latin typeface="Cambria Math"/>
+                            </a:rPr>
+                            <m:t>0</m:t>
+                          </m:r>
+                        </m:sub>
+                        <m:sup>
+                          <m:r>
+                            <a:rPr lang="en-US" altLang="ko-KR" sz="1600" b="0" i="1" smtClean="0">
+                              <a:latin typeface="Cambria Math"/>
+                            </a:rPr>
+                            <m:t>2</m:t>
+                          </m:r>
+                        </m:sup>
+                      </m:sSubSup>
+                      <m:r>
+                        <a:rPr lang="en-US" altLang="ko-KR" sz="1600" b="0" i="1" smtClean="0">
+                          <a:latin typeface="Cambria Math"/>
+                        </a:rPr>
+                        <m:t>=</m:t>
+                      </m:r>
+                      <m:sSubSup>
+                        <m:sSubSupPr>
+                          <m:ctrlPr>
+                            <a:rPr lang="ko-KR" altLang="ko-KR" sz="1600" i="1" smtClean="0"/>
+                          </m:ctrlPr>
+                        </m:sSubSupPr>
+                        <m:e>
+                          <m:r>
+                            <m:rPr>
+                              <m:sty m:val="p"/>
+                            </m:rPr>
+                            <a:rPr lang="en-US" altLang="ko-KR" sz="1600" b="0" i="0" smtClean="0">
+                              <a:latin typeface="Cambria Math"/>
+                            </a:rPr>
+                            <m:t>W</m:t>
+                          </m:r>
+                        </m:e>
+                        <m:sub>
+                          <m:r>
+                            <a:rPr lang="en-US" altLang="ko-KR" sz="1600" b="0" i="1" smtClean="0">
+                              <a:latin typeface="Cambria Math"/>
+                            </a:rPr>
+                            <m:t>640</m:t>
+                          </m:r>
+                        </m:sub>
+                        <m:sup>
+                          <m:r>
+                            <a:rPr lang="en-US" altLang="ko-KR" sz="1600" b="0" i="1" smtClean="0">
+                              <a:latin typeface="Cambria Math"/>
+                            </a:rPr>
+                            <m:t>2</m:t>
+                          </m:r>
+                        </m:sup>
+                      </m:sSubSup>
+                    </m:oMath>
+                  </m:oMathPara>
+                </a14:m>
+                <a:endParaRPr lang="ko-KR" altLang="en-US" sz="1600" baseline="-25000" dirty="0"/>
+              </a:p>
+            </p:txBody>
+          </p:sp>
+        </mc:Choice>
+        <mc:Fallback>
+          <p:sp>
+            <p:nvSpPr>
+              <p:cNvPr id="226" name="TextBox 225"/>
+              <p:cNvSpPr txBox="1">
+                <a:spLocks noRot="1" noChangeAspect="1" noMove="1" noResize="1" noEditPoints="1" noAdjustHandles="1" noChangeArrowheads="1" noChangeShapeType="1" noTextEdit="1"/>
+              </p:cNvSpPr>
+              <p:nvPr/>
+            </p:nvSpPr>
+            <p:spPr>
+              <a:xfrm>
+                <a:off x="3923928" y="5013176"/>
+                <a:ext cx="1147301" cy="343427"/>
+              </a:xfrm>
+              <a:prstGeom prst="rect">
+                <a:avLst/>
+              </a:prstGeom>
+              <a:blipFill rotWithShape="1">
+                <a:blip r:embed="rId33"/>
+                <a:stretch>
+                  <a:fillRect/>
+                </a:stretch>
+              </a:blipFill>
+            </p:spPr>
+            <p:txBody>
+              <a:bodyPr/>
+              <a:lstStyle/>
+              <a:p>
+                <a:r>
+                  <a:rPr lang="ko-KR" altLang="en-US">
+                    <a:noFill/>
+                  </a:rPr>
+                  <a:t> </a:t>
+                </a:r>
+              </a:p>
+            </p:txBody>
+          </p:sp>
+        </mc:Fallback>
+      </mc:AlternateContent>
+      <mc:AlternateContent xmlns:mc="http://schemas.openxmlformats.org/markup-compatibility/2006">
+        <mc:Choice xmlns:a14="http://schemas.microsoft.com/office/drawing/2010/main" Requires="a14">
+          <p:sp>
+            <p:nvSpPr>
+              <p:cNvPr id="227" name="TextBox 226"/>
+              <p:cNvSpPr txBox="1"/>
+              <p:nvPr/>
+            </p:nvSpPr>
+            <p:spPr>
+              <a:xfrm>
+                <a:off x="3923928" y="5332349"/>
+                <a:ext cx="909928" cy="342914"/>
+              </a:xfrm>
+              <a:prstGeom prst="rect">
+                <a:avLst/>
+              </a:prstGeom>
+              <a:noFill/>
+            </p:spPr>
+            <p:txBody>
+              <a:bodyPr wrap="none" rtlCol="0">
+                <a:spAutoFit/>
+              </a:bodyPr>
+              <a:lstStyle/>
+              <a:p>
+                <a14:m>
+                  <m:oMathPara xmlns:m="http://schemas.openxmlformats.org/officeDocument/2006/math">
+                    <m:oMathParaPr>
+                      <m:jc m:val="centerGroup"/>
+                    </m:oMathParaPr>
+                    <m:oMath xmlns:m="http://schemas.openxmlformats.org/officeDocument/2006/math">
+                      <m:sSubSup>
+                        <m:sSubSupPr>
+                          <m:ctrlPr>
+                            <a:rPr lang="ko-KR" altLang="ko-KR" sz="1600" i="1" smtClean="0">
+                              <a:latin typeface="Cambria Math"/>
+                            </a:rPr>
+                          </m:ctrlPr>
+                        </m:sSubSupPr>
+                        <m:e>
+                          <m:r>
+                            <m:rPr>
+                              <m:sty m:val="p"/>
+                            </m:rPr>
+                            <a:rPr lang="en-US" altLang="ko-KR" sz="1600">
+                              <a:latin typeface="Cambria Math"/>
+                            </a:rPr>
+                            <m:t>h</m:t>
+                          </m:r>
+                        </m:e>
+                        <m:sub>
+                          <m:r>
+                            <a:rPr lang="en-US" altLang="ko-KR" sz="1600" i="1">
+                              <a:latin typeface="Cambria Math"/>
+                            </a:rPr>
+                            <m:t>6</m:t>
+                          </m:r>
+                          <m:r>
+                            <a:rPr lang="en-US" altLang="ko-KR" sz="1600" b="0" i="1" smtClean="0">
+                              <a:latin typeface="Cambria Math"/>
+                            </a:rPr>
+                            <m:t>4</m:t>
+                          </m:r>
+                        </m:sub>
+                        <m:sup>
+                          <m:r>
+                            <a:rPr lang="en-US" altLang="ko-KR" sz="1600" i="1">
+                              <a:latin typeface="Cambria Math"/>
+                            </a:rPr>
+                            <m:t>1</m:t>
+                          </m:r>
+                        </m:sup>
+                      </m:sSubSup>
+                      <m:r>
+                        <a:rPr lang="en-US" altLang="ko-KR" sz="1600" b="0" i="1" smtClean="0">
+                          <a:latin typeface="Cambria Math"/>
+                        </a:rPr>
+                        <m:t>=1</m:t>
+                      </m:r>
+                    </m:oMath>
+                  </m:oMathPara>
+                </a14:m>
+                <a:endParaRPr lang="ko-KR" altLang="en-US" sz="1600" baseline="-25000" dirty="0"/>
+              </a:p>
+            </p:txBody>
+          </p:sp>
+        </mc:Choice>
+        <mc:Fallback>
+          <p:sp>
+            <p:nvSpPr>
+              <p:cNvPr id="227" name="TextBox 226"/>
+              <p:cNvSpPr txBox="1">
+                <a:spLocks noRot="1" noChangeAspect="1" noMove="1" noResize="1" noEditPoints="1" noAdjustHandles="1" noChangeArrowheads="1" noChangeShapeType="1" noTextEdit="1"/>
+              </p:cNvSpPr>
+              <p:nvPr/>
+            </p:nvSpPr>
+            <p:spPr>
+              <a:xfrm>
+                <a:off x="3923928" y="5332349"/>
+                <a:ext cx="909928" cy="342914"/>
+              </a:xfrm>
+              <a:prstGeom prst="rect">
+                <a:avLst/>
+              </a:prstGeom>
+              <a:blipFill rotWithShape="1">
+                <a:blip r:embed="rId34"/>
+                <a:stretch>
+                  <a:fillRect/>
+                </a:stretch>
+              </a:blipFill>
+            </p:spPr>
+            <p:txBody>
+              <a:bodyPr/>
+              <a:lstStyle/>
+              <a:p>
+                <a:r>
+                  <a:rPr lang="ko-KR" altLang="en-US">
+                    <a:noFill/>
+                  </a:rPr>
+                  <a:t> </a:t>
+                </a:r>
+              </a:p>
+            </p:txBody>
+          </p:sp>
+        </mc:Fallback>
+      </mc:AlternateContent>
+      <p:cxnSp>
+        <p:nvCxnSpPr>
+          <p:cNvPr id="231" name="직선 화살표 연결선 230"/>
+          <p:cNvCxnSpPr>
+            <a:stCxn id="186" idx="6"/>
+            <a:endCxn id="154" idx="2"/>
+          </p:cNvCxnSpPr>
+          <p:nvPr/>
+        </p:nvCxnSpPr>
+        <p:spPr>
+          <a:xfrm flipV="1">
+            <a:off x="7860785" y="1518357"/>
+            <a:ext cx="619365" cy="1437945"/>
+          </a:xfrm>
+          <a:prstGeom prst="straightConnector1">
+            <a:avLst/>
+          </a:prstGeom>
+          <a:ln w="15875">
+            <a:tailEnd type="arrow"/>
+          </a:ln>
+        </p:spPr>
+        <p:style>
+          <a:lnRef idx="1">
+            <a:schemeClr val="accent1"/>
+          </a:lnRef>
+          <a:fillRef idx="0">
+            <a:schemeClr val="accent1"/>
+          </a:fillRef>
+          <a:effectRef idx="0">
+            <a:schemeClr val="accent1"/>
+          </a:effectRef>
+          <a:fontRef idx="minor">
+            <a:schemeClr val="tx1"/>
+          </a:fontRef>
+        </p:style>
+      </p:cxnSp>
+      <mc:AlternateContent xmlns:mc="http://schemas.openxmlformats.org/markup-compatibility/2006">
+        <mc:Choice xmlns:a14="http://schemas.microsoft.com/office/drawing/2010/main" Requires="a14">
+          <p:sp>
+            <p:nvSpPr>
+              <p:cNvPr id="234" name="직사각형 233"/>
+              <p:cNvSpPr/>
+              <p:nvPr/>
+            </p:nvSpPr>
+            <p:spPr>
+              <a:xfrm>
+                <a:off x="5145174" y="4824927"/>
+                <a:ext cx="1284647" cy="645946"/>
+              </a:xfrm>
+              <a:prstGeom prst="rect">
+                <a:avLst/>
+              </a:prstGeom>
+            </p:spPr>
+            <p:txBody>
+              <a:bodyPr wrap="none">
+                <a:spAutoFit/>
+              </a:bodyPr>
+              <a:lstStyle/>
+              <a:p>
+                <a14:m>
+                  <m:oMath xmlns:m="http://schemas.openxmlformats.org/officeDocument/2006/math">
+                    <m:f>
+                      <m:fPr>
+                        <m:ctrlPr>
+                          <a:rPr lang="ko-KR" altLang="ko-KR" sz="1600" i="1" smtClean="0"/>
+                        </m:ctrlPr>
+                      </m:fPr>
+                      <m:num>
+                        <m:sSup>
+                          <m:sSupPr>
+                            <m:ctrlPr>
+                              <a:rPr lang="ko-KR" altLang="ko-KR" sz="1600" i="1"/>
+                            </m:ctrlPr>
+                          </m:sSupPr>
+                          <m:e>
+                            <m:r>
+                              <a:rPr lang="en-US" altLang="ko-KR" sz="1600" i="1"/>
+                              <m:t>𝑒</m:t>
+                            </m:r>
+                          </m:e>
+                          <m:sup>
+                            <m:sSubSup>
+                              <m:sSubSupPr>
+                                <m:ctrlPr>
+                                  <a:rPr lang="ko-KR" altLang="ko-KR" sz="1600" i="1"/>
+                                </m:ctrlPr>
+                              </m:sSubSupPr>
+                              <m:e>
+                                <m:r>
+                                  <a:rPr lang="en-US" altLang="ko-KR" sz="1600" i="1"/>
+                                  <m:t>𝑍</m:t>
+                                </m:r>
+                              </m:e>
+                              <m:sub>
+                                <m:r>
+                                  <a:rPr lang="en-US" altLang="ko-KR" sz="1600" i="1"/>
+                                  <m:t>𝑘</m:t>
+                                </m:r>
+                              </m:sub>
+                              <m:sup>
+                                <m:r>
+                                  <a:rPr lang="en-US" altLang="ko-KR" sz="1600" b="0" i="1" smtClean="0">
+                                    <a:latin typeface="Cambria Math"/>
+                                  </a:rPr>
+                                  <m:t>2</m:t>
+                                </m:r>
+                              </m:sup>
+                            </m:sSubSup>
+                          </m:sup>
+                        </m:sSup>
+                      </m:num>
+                      <m:den>
+                        <m:nary>
+                          <m:naryPr>
+                            <m:chr m:val="∑"/>
+                            <m:limLoc m:val="undOvr"/>
+                            <m:ctrlPr>
+                              <a:rPr lang="ko-KR" altLang="ko-KR" sz="1600" i="1"/>
+                            </m:ctrlPr>
+                          </m:naryPr>
+                          <m:sub>
+                            <m:r>
+                              <a:rPr lang="en-US" altLang="ko-KR" sz="1600" i="1"/>
+                              <m:t>𝑘</m:t>
+                            </m:r>
+                            <m:r>
+                              <a:rPr lang="en-US" altLang="ko-KR" sz="1600" i="1"/>
+                              <m:t>=0</m:t>
+                            </m:r>
+                          </m:sub>
+                          <m:sup>
+                            <m:r>
+                              <a:rPr lang="en-US" altLang="ko-KR" sz="1600" i="1"/>
+                              <m:t>9</m:t>
+                            </m:r>
+                          </m:sup>
+                          <m:e>
+                            <m:sSup>
+                              <m:sSupPr>
+                                <m:ctrlPr>
+                                  <a:rPr lang="ko-KR" altLang="ko-KR" sz="1600" i="1"/>
+                                </m:ctrlPr>
+                              </m:sSupPr>
+                              <m:e>
+                                <m:r>
+                                  <a:rPr lang="en-US" altLang="ko-KR" sz="1600" i="1"/>
+                                  <m:t>𝑒</m:t>
+                                </m:r>
+                              </m:e>
+                              <m:sup>
+                                <m:sSubSup>
+                                  <m:sSubSupPr>
+                                    <m:ctrlPr>
+                                      <a:rPr lang="ko-KR" altLang="ko-KR" sz="1600" i="1"/>
+                                    </m:ctrlPr>
+                                  </m:sSubSupPr>
+                                  <m:e>
+                                    <m:r>
+                                      <a:rPr lang="en-US" altLang="ko-KR" sz="1600" i="1"/>
+                                      <m:t>𝑍</m:t>
+                                    </m:r>
+                                  </m:e>
+                                  <m:sub>
+                                    <m:r>
+                                      <a:rPr lang="en-US" altLang="ko-KR" sz="1600" i="1"/>
+                                      <m:t>𝑘</m:t>
+                                    </m:r>
+                                  </m:sub>
+                                  <m:sup>
+                                    <m:r>
+                                      <a:rPr lang="en-US" altLang="ko-KR" sz="1600" b="0" i="1" smtClean="0">
+                                        <a:latin typeface="Cambria Math"/>
+                                      </a:rPr>
+                                      <m:t>2</m:t>
+                                    </m:r>
+                                  </m:sup>
+                                </m:sSubSup>
+                              </m:sup>
+                            </m:sSup>
+                          </m:e>
+                        </m:nary>
+                      </m:den>
+                    </m:f>
+                  </m:oMath>
+                </a14:m>
+                <a:r>
+                  <a:rPr lang="ko-KR" altLang="ko-KR" sz="1600" dirty="0"/>
+                  <a:t> </a:t>
+                </a:r>
+                <a14:m>
+                  <m:oMath xmlns:m="http://schemas.openxmlformats.org/officeDocument/2006/math">
+                    <m:sSub>
+                      <m:sSubPr>
+                        <m:ctrlPr>
+                          <a:rPr lang="ko-KR" altLang="ko-KR" sz="1600" i="1">
+                            <a:latin typeface="Cambria Math"/>
+                          </a:rPr>
+                        </m:ctrlPr>
+                      </m:sSubPr>
+                      <m:e>
+                        <m:r>
+                          <a:rPr lang="en-US" altLang="ko-KR" sz="1600" b="0" i="0" smtClean="0">
+                            <a:latin typeface="Cambria Math"/>
+                          </a:rPr>
+                          <m:t>=</m:t>
+                        </m:r>
+                        <m:r>
+                          <m:rPr>
+                            <m:sty m:val="p"/>
+                          </m:rPr>
+                          <a:rPr lang="en-US" altLang="ko-KR" sz="1600">
+                            <a:latin typeface="Cambria Math"/>
+                          </a:rPr>
+                          <m:t>p</m:t>
+                        </m:r>
+                      </m:e>
+                      <m:sub>
+                        <m:r>
+                          <a:rPr lang="en-US" altLang="ko-KR" sz="1600" i="1">
+                            <a:latin typeface="Cambria Math"/>
+                          </a:rPr>
+                          <m:t>𝑘</m:t>
+                        </m:r>
+                      </m:sub>
+                    </m:sSub>
+                  </m:oMath>
+                </a14:m>
+                <a:endParaRPr lang="ko-KR" altLang="ko-KR" sz="1600" dirty="0"/>
+              </a:p>
+            </p:txBody>
+          </p:sp>
+        </mc:Choice>
+        <mc:Fallback>
+          <p:sp>
+            <p:nvSpPr>
+              <p:cNvPr id="234" name="직사각형 233"/>
+              <p:cNvSpPr>
+                <a:spLocks noRot="1" noChangeAspect="1" noMove="1" noResize="1" noEditPoints="1" noAdjustHandles="1" noChangeArrowheads="1" noChangeShapeType="1" noTextEdit="1"/>
+              </p:cNvSpPr>
+              <p:nvPr/>
+            </p:nvSpPr>
+            <p:spPr>
+              <a:xfrm>
+                <a:off x="5145174" y="4824927"/>
+                <a:ext cx="1284647" cy="645946"/>
+              </a:xfrm>
+              <a:prstGeom prst="rect">
+                <a:avLst/>
+              </a:prstGeom>
+              <a:blipFill rotWithShape="1">
+                <a:blip r:embed="rId35"/>
+                <a:stretch>
+                  <a:fillRect/>
+                </a:stretch>
+              </a:blipFill>
+            </p:spPr>
+            <p:txBody>
+              <a:bodyPr/>
+              <a:lstStyle/>
+              <a:p>
+                <a:r>
+                  <a:rPr lang="ko-KR" altLang="en-US">
+                    <a:noFill/>
+                  </a:rPr>
+                  <a:t> </a:t>
+                </a:r>
+              </a:p>
+            </p:txBody>
+          </p:sp>
+        </mc:Fallback>
+      </mc:AlternateContent>
+      <mc:AlternateContent xmlns:mc="http://schemas.openxmlformats.org/markup-compatibility/2006">
+        <mc:Choice xmlns:a14="http://schemas.microsoft.com/office/drawing/2010/main" Requires="a14">
+          <p:sp>
+            <p:nvSpPr>
+              <p:cNvPr id="235" name="직사각형 234"/>
+              <p:cNvSpPr/>
+              <p:nvPr/>
+            </p:nvSpPr>
+            <p:spPr>
+              <a:xfrm>
+                <a:off x="6918251" y="4865595"/>
+                <a:ext cx="1885068" cy="1483098"/>
+              </a:xfrm>
+              <a:prstGeom prst="rect">
+                <a:avLst/>
+              </a:prstGeom>
+            </p:spPr>
+            <p:txBody>
+              <a:bodyPr wrap="none">
+                <a:spAutoFit/>
+              </a:bodyPr>
+              <a:lstStyle/>
+              <a:p>
+                <a14:m>
+                  <m:oMathPara xmlns:m="http://schemas.openxmlformats.org/officeDocument/2006/math">
+                    <m:oMathParaPr>
+                      <m:jc m:val="centerGroup"/>
+                    </m:oMathParaPr>
+                    <m:oMath xmlns:m="http://schemas.openxmlformats.org/officeDocument/2006/math">
+                      <m:nary>
+                        <m:naryPr>
+                          <m:chr m:val="∑"/>
+                          <m:ctrlPr>
+                            <a:rPr lang="ko-KR" altLang="ko-KR" sz="1600" i="1" smtClean="0"/>
+                          </m:ctrlPr>
+                        </m:naryPr>
+                        <m:sub>
+                          <m:r>
+                            <a:rPr lang="en-US" altLang="ko-KR" sz="1600" i="1"/>
+                            <m:t>𝑘</m:t>
+                          </m:r>
+                          <m:r>
+                            <a:rPr lang="en-US" altLang="ko-KR" sz="1600" i="1"/>
+                            <m:t>=0</m:t>
+                          </m:r>
+                        </m:sub>
+                        <m:sup>
+                          <m:r>
+                            <a:rPr lang="en-US" altLang="ko-KR" sz="1600" i="1"/>
+                            <m:t>9</m:t>
+                          </m:r>
+                        </m:sup>
+                        <m:e>
+                          <m:sSub>
+                            <m:sSubPr>
+                              <m:ctrlPr>
+                                <a:rPr lang="ko-KR" altLang="ko-KR" sz="1600" i="1"/>
+                              </m:ctrlPr>
+                            </m:sSubPr>
+                            <m:e>
+                              <m:r>
+                                <a:rPr lang="en-US" altLang="ko-KR" sz="1600" i="1"/>
+                                <m:t>−</m:t>
+                              </m:r>
+                              <m:r>
+                                <a:rPr lang="en-US" altLang="ko-KR" sz="1600" i="1"/>
+                                <m:t>𝑦</m:t>
+                              </m:r>
+                            </m:e>
+                            <m:sub>
+                              <m:r>
+                                <a:rPr lang="en-US" altLang="ko-KR" sz="1600" i="1"/>
+                                <m:t>𝑘</m:t>
+                              </m:r>
+                            </m:sub>
+                          </m:sSub>
+                          <m:r>
+                            <a:rPr lang="en-US" altLang="ko-KR" sz="1600" i="1"/>
+                            <m:t>∗</m:t>
+                          </m:r>
+                          <m:r>
+                            <m:rPr>
+                              <m:sty m:val="p"/>
+                            </m:rPr>
+                            <a:rPr lang="en-US" altLang="ko-KR" sz="1600"/>
+                            <m:t>log</m:t>
+                          </m:r>
+                          <m:r>
+                            <a:rPr lang="en-US" altLang="ko-KR" sz="1600" i="1"/>
+                            <m:t>(</m:t>
+                          </m:r>
+                          <m:sSub>
+                            <m:sSubPr>
+                              <m:ctrlPr>
+                                <a:rPr lang="ko-KR" altLang="ko-KR" sz="1600" i="1"/>
+                              </m:ctrlPr>
+                            </m:sSubPr>
+                            <m:e>
+                              <m:r>
+                                <a:rPr lang="en-US" altLang="ko-KR" sz="1600" i="1"/>
+                                <m:t>𝑝</m:t>
+                              </m:r>
+                            </m:e>
+                            <m:sub>
+                              <m:r>
+                                <a:rPr lang="en-US" altLang="ko-KR" sz="1600" i="1"/>
+                                <m:t>𝑘</m:t>
+                              </m:r>
+                            </m:sub>
+                          </m:sSub>
+                          <m:r>
+                            <a:rPr lang="en-US" altLang="ko-KR" sz="1600" i="1"/>
+                            <m:t>)</m:t>
+                          </m:r>
+                        </m:e>
+                      </m:nary>
+                    </m:oMath>
+                    <m:oMath xmlns:m="http://schemas.openxmlformats.org/officeDocument/2006/math">
+                      <m:r>
+                        <a:rPr lang="en-US" altLang="ko-KR" sz="1600" i="1">
+                          <a:latin typeface="Cambria Math"/>
+                        </a:rPr>
+                        <m:t>=</m:t>
+                      </m:r>
+                      <m:nary>
+                        <m:naryPr>
+                          <m:chr m:val="∑"/>
+                          <m:ctrlPr>
+                            <a:rPr lang="ko-KR" altLang="ko-KR" sz="1600" i="1">
+                              <a:latin typeface="Cambria Math"/>
+                            </a:rPr>
+                          </m:ctrlPr>
+                        </m:naryPr>
+                        <m:sub>
+                          <m:r>
+                            <a:rPr lang="en-US" altLang="ko-KR" sz="1600" i="1">
+                              <a:latin typeface="Cambria Math"/>
+                            </a:rPr>
+                            <m:t>𝑘</m:t>
+                          </m:r>
+                          <m:r>
+                            <a:rPr lang="en-US" altLang="ko-KR" sz="1600" i="1">
+                              <a:latin typeface="Cambria Math"/>
+                            </a:rPr>
+                            <m:t>=0</m:t>
+                          </m:r>
+                        </m:sub>
+                        <m:sup>
+                          <m:r>
+                            <a:rPr lang="en-US" altLang="ko-KR" sz="1600" i="1">
+                              <a:latin typeface="Cambria Math"/>
+                            </a:rPr>
+                            <m:t>9</m:t>
+                          </m:r>
+                        </m:sup>
+                        <m:e>
+                          <m:sSub>
+                            <m:sSubPr>
+                              <m:ctrlPr>
+                                <a:rPr lang="ko-KR" altLang="ko-KR" sz="1600" i="1">
+                                  <a:latin typeface="Cambria Math"/>
+                                </a:rPr>
+                              </m:ctrlPr>
+                            </m:sSubPr>
+                            <m:e>
+                              <m:r>
+                                <m:rPr>
+                                  <m:sty m:val="p"/>
+                                </m:rPr>
+                                <a:rPr lang="en-US" altLang="ko-KR" sz="1600">
+                                  <a:latin typeface="Cambria Math"/>
+                                </a:rPr>
+                                <m:t>cost</m:t>
+                              </m:r>
+                            </m:e>
+                            <m:sub>
+                              <m:r>
+                                <a:rPr lang="en-US" altLang="ko-KR" sz="1600" i="1">
+                                  <a:latin typeface="Cambria Math"/>
+                                </a:rPr>
+                                <m:t>𝑘</m:t>
+                              </m:r>
+                            </m:sub>
+                          </m:sSub>
+                        </m:e>
+                      </m:nary>
+                      <m:r>
+                        <a:rPr lang="en-US" altLang="ko-KR" sz="1600" i="1">
+                          <a:latin typeface="Cambria Math"/>
+                        </a:rPr>
+                        <m:t>=</m:t>
+                      </m:r>
+                      <m:r>
+                        <m:rPr>
+                          <m:sty m:val="p"/>
+                        </m:rPr>
+                        <a:rPr lang="en-US" altLang="ko-KR" sz="1600">
+                          <a:latin typeface="Cambria Math"/>
+                        </a:rPr>
+                        <m:t>cost</m:t>
+                      </m:r>
+                    </m:oMath>
+                  </m:oMathPara>
+                </a14:m>
+                <a:endParaRPr lang="ko-KR" altLang="en-US" sz="1600" dirty="0"/>
+              </a:p>
+            </p:txBody>
+          </p:sp>
+        </mc:Choice>
+        <mc:Fallback>
+          <p:sp>
+            <p:nvSpPr>
+              <p:cNvPr id="235" name="직사각형 234"/>
+              <p:cNvSpPr>
+                <a:spLocks noRot="1" noChangeAspect="1" noMove="1" noResize="1" noEditPoints="1" noAdjustHandles="1" noChangeArrowheads="1" noChangeShapeType="1" noTextEdit="1"/>
+              </p:cNvSpPr>
+              <p:nvPr/>
+            </p:nvSpPr>
+            <p:spPr>
+              <a:xfrm>
+                <a:off x="6918251" y="4865595"/>
+                <a:ext cx="1885068" cy="1483098"/>
+              </a:xfrm>
+              <a:prstGeom prst="rect">
+                <a:avLst/>
+              </a:prstGeom>
+              <a:blipFill rotWithShape="1">
+                <a:blip r:embed="rId36"/>
+                <a:stretch>
+                  <a:fillRect/>
+                </a:stretch>
+              </a:blipFill>
+            </p:spPr>
+            <p:txBody>
+              <a:bodyPr/>
+              <a:lstStyle/>
+              <a:p>
+                <a:r>
+                  <a:rPr lang="ko-KR" altLang="en-US">
+                    <a:noFill/>
+                  </a:rPr>
+                  <a:t> </a:t>
+                </a:r>
+              </a:p>
+            </p:txBody>
+          </p:sp>
+        </mc:Fallback>
+      </mc:AlternateContent>
+      <p:sp>
+        <p:nvSpPr>
+          <p:cNvPr id="236" name="TextBox 235"/>
+          <p:cNvSpPr txBox="1"/>
           <p:nvPr/>
         </p:nvSpPr>
         <p:spPr>
           <a:xfrm>
-            <a:off x="6408204" y="3193215"/>
-            <a:ext cx="216024" cy="216024"/>
+            <a:off x="3551165" y="156796"/>
+            <a:ext cx="2388987" cy="369332"/>
           </a:xfrm>
-          <a:prstGeom prst="ellipse">
+          <a:prstGeom prst="rect">
             <a:avLst/>
           </a:prstGeom>
           <a:noFill/>
-          <a:ln>
-            <a:solidFill>
-              <a:schemeClr val="tx1"/>
-            </a:solidFill>
-          </a:ln>
         </p:spPr>
-        <p:style>
-          <a:lnRef idx="2">
-            <a:schemeClr val="accent1">
-              <a:shade val="50000"/>
-            </a:schemeClr>
-          </a:lnRef>
-          <a:fillRef idx="1">
-            <a:schemeClr val="accent1"/>
-          </a:fillRef>
-          <a:effectRef idx="0">
-            <a:schemeClr val="accent1"/>
-          </a:effectRef>
-          <a:fontRef idx="minor">
-            <a:schemeClr val="lt1"/>
-          </a:fontRef>
-        </p:style>
-        <p:txBody>
-          <a:bodyPr rtlCol="0" anchor="ctr"/>
+        <p:txBody>
+          <a:bodyPr wrap="none" rtlCol="0">
+            <a:spAutoFit/>
+          </a:bodyPr>
           <a:lstStyle/>
           <a:p>
-            <a:pPr algn="ctr"/>
-            <a:endParaRPr lang="ko-KR" altLang="en-US"/>
-          </a:p>
-        </p:txBody>
-      </p:sp>
-      <p:sp>
-        <p:nvSpPr>
-          <p:cNvPr id="37" name="타원 36"/>
-          <p:cNvSpPr/>
-          <p:nvPr/>
-        </p:nvSpPr>
-        <p:spPr>
-          <a:xfrm>
-            <a:off x="6408204" y="3553255"/>
-            <a:ext cx="216024" cy="216024"/>
-          </a:xfrm>
-          <a:prstGeom prst="ellipse">
-            <a:avLst/>
-          </a:prstGeom>
-          <a:noFill/>
-          <a:ln>
-            <a:solidFill>
-              <a:schemeClr val="tx1"/>
-            </a:solidFill>
-          </a:ln>
-        </p:spPr>
-        <p:style>
-          <a:lnRef idx="2">
-            <a:schemeClr val="accent1">
-              <a:shade val="50000"/>
-            </a:schemeClr>
-          </a:lnRef>
-          <a:fillRef idx="1">
-            <a:schemeClr val="accent1"/>
-          </a:fillRef>
-          <a:effectRef idx="0">
-            <a:schemeClr val="accent1"/>
-          </a:effectRef>
-          <a:fontRef idx="minor">
-            <a:schemeClr val="lt1"/>
-          </a:fontRef>
-        </p:style>
-        <p:txBody>
-          <a:bodyPr rtlCol="0" anchor="ctr"/>
-          <a:lstStyle/>
-          <a:p>
-            <a:pPr algn="ctr"/>
-            <a:endParaRPr lang="ko-KR" altLang="en-US"/>
-          </a:p>
-        </p:txBody>
-      </p:sp>
-      <p:sp>
-        <p:nvSpPr>
-          <p:cNvPr id="38" name="타원 37"/>
-          <p:cNvSpPr/>
-          <p:nvPr/>
-        </p:nvSpPr>
-        <p:spPr>
-          <a:xfrm>
-            <a:off x="6408204" y="3913295"/>
-            <a:ext cx="216024" cy="216024"/>
-          </a:xfrm>
-          <a:prstGeom prst="ellipse">
-            <a:avLst/>
-          </a:prstGeom>
-          <a:noFill/>
-          <a:ln>
-            <a:solidFill>
-              <a:schemeClr val="tx1"/>
-            </a:solidFill>
-          </a:ln>
-        </p:spPr>
-        <p:style>
-          <a:lnRef idx="2">
-            <a:schemeClr val="accent1">
-              <a:shade val="50000"/>
-            </a:schemeClr>
-          </a:lnRef>
-          <a:fillRef idx="1">
-            <a:schemeClr val="accent1"/>
-          </a:fillRef>
-          <a:effectRef idx="0">
-            <a:schemeClr val="accent1"/>
-          </a:effectRef>
-          <a:fontRef idx="minor">
-            <a:schemeClr val="lt1"/>
-          </a:fontRef>
-        </p:style>
-        <p:txBody>
-          <a:bodyPr rtlCol="0" anchor="ctr"/>
-          <a:lstStyle/>
-          <a:p>
-            <a:pPr algn="ctr"/>
-            <a:endParaRPr lang="ko-KR" altLang="en-US"/>
-          </a:p>
-        </p:txBody>
-      </p:sp>
-      <p:sp>
-        <p:nvSpPr>
-          <p:cNvPr id="39" name="타원 38"/>
-          <p:cNvSpPr/>
-          <p:nvPr/>
-        </p:nvSpPr>
-        <p:spPr>
-          <a:xfrm>
-            <a:off x="6416458" y="4282981"/>
-            <a:ext cx="216024" cy="216024"/>
-          </a:xfrm>
-          <a:prstGeom prst="ellipse">
-            <a:avLst/>
-          </a:prstGeom>
-          <a:noFill/>
-          <a:ln>
-            <a:solidFill>
-              <a:schemeClr val="tx1"/>
-            </a:solidFill>
-          </a:ln>
-        </p:spPr>
-        <p:style>
-          <a:lnRef idx="2">
-            <a:schemeClr val="accent1">
-              <a:shade val="50000"/>
-            </a:schemeClr>
-          </a:lnRef>
-          <a:fillRef idx="1">
-            <a:schemeClr val="accent1"/>
-          </a:fillRef>
-          <a:effectRef idx="0">
-            <a:schemeClr val="accent1"/>
-          </a:effectRef>
-          <a:fontRef idx="minor">
-            <a:schemeClr val="lt1"/>
-          </a:fontRef>
-        </p:style>
-        <p:txBody>
-          <a:bodyPr rtlCol="0" anchor="ctr"/>
-          <a:lstStyle/>
-          <a:p>
-            <a:pPr algn="ctr"/>
-            <a:endParaRPr lang="ko-KR" altLang="en-US"/>
-          </a:p>
-        </p:txBody>
-      </p:sp>
-      <p:sp>
-        <p:nvSpPr>
-          <p:cNvPr id="40" name="타원 39"/>
-          <p:cNvSpPr/>
-          <p:nvPr/>
-        </p:nvSpPr>
-        <p:spPr>
-          <a:xfrm>
-            <a:off x="6416458" y="4643021"/>
-            <a:ext cx="216024" cy="216024"/>
-          </a:xfrm>
-          <a:prstGeom prst="ellipse">
-            <a:avLst/>
-          </a:prstGeom>
-          <a:noFill/>
-          <a:ln>
-            <a:solidFill>
-              <a:schemeClr val="tx1"/>
-            </a:solidFill>
-          </a:ln>
-        </p:spPr>
-        <p:style>
-          <a:lnRef idx="2">
-            <a:schemeClr val="accent1">
-              <a:shade val="50000"/>
-            </a:schemeClr>
-          </a:lnRef>
-          <a:fillRef idx="1">
-            <a:schemeClr val="accent1"/>
-          </a:fillRef>
-          <a:effectRef idx="0">
-            <a:schemeClr val="accent1"/>
-          </a:effectRef>
-          <a:fontRef idx="minor">
-            <a:schemeClr val="lt1"/>
-          </a:fontRef>
-        </p:style>
-        <p:txBody>
-          <a:bodyPr rtlCol="0" anchor="ctr"/>
-          <a:lstStyle/>
-          <a:p>
-            <a:pPr algn="ctr"/>
-            <a:endParaRPr lang="ko-KR" altLang="en-US"/>
-          </a:p>
-        </p:txBody>
-      </p:sp>
-      <p:sp>
-        <p:nvSpPr>
-          <p:cNvPr id="41" name="타원 40"/>
-          <p:cNvSpPr/>
-          <p:nvPr/>
-        </p:nvSpPr>
-        <p:spPr>
-          <a:xfrm>
-            <a:off x="7516074" y="1369061"/>
-            <a:ext cx="216024" cy="216024"/>
-          </a:xfrm>
-          <a:prstGeom prst="ellipse">
-            <a:avLst/>
-          </a:prstGeom>
-          <a:noFill/>
-          <a:ln>
-            <a:solidFill>
-              <a:schemeClr val="tx1"/>
-            </a:solidFill>
-          </a:ln>
-        </p:spPr>
-        <p:style>
-          <a:lnRef idx="2">
-            <a:schemeClr val="accent1">
-              <a:shade val="50000"/>
-            </a:schemeClr>
-          </a:lnRef>
-          <a:fillRef idx="1">
-            <a:schemeClr val="accent1"/>
-          </a:fillRef>
-          <a:effectRef idx="0">
-            <a:schemeClr val="accent1"/>
-          </a:effectRef>
-          <a:fontRef idx="minor">
-            <a:schemeClr val="lt1"/>
-          </a:fontRef>
-        </p:style>
-        <p:txBody>
-          <a:bodyPr rtlCol="0" anchor="ctr"/>
-          <a:lstStyle/>
-          <a:p>
-            <a:pPr algn="ctr"/>
-            <a:endParaRPr lang="ko-KR" altLang="en-US"/>
-          </a:p>
-        </p:txBody>
-      </p:sp>
-      <p:sp>
-        <p:nvSpPr>
-          <p:cNvPr id="42" name="타원 41"/>
-          <p:cNvSpPr/>
-          <p:nvPr/>
-        </p:nvSpPr>
-        <p:spPr>
-          <a:xfrm>
-            <a:off x="7516074" y="1729101"/>
-            <a:ext cx="216024" cy="216024"/>
-          </a:xfrm>
-          <a:prstGeom prst="ellipse">
-            <a:avLst/>
-          </a:prstGeom>
-          <a:noFill/>
-          <a:ln>
-            <a:solidFill>
-              <a:schemeClr val="tx1"/>
-            </a:solidFill>
-          </a:ln>
-        </p:spPr>
-        <p:style>
-          <a:lnRef idx="2">
-            <a:schemeClr val="accent1">
-              <a:shade val="50000"/>
-            </a:schemeClr>
-          </a:lnRef>
-          <a:fillRef idx="1">
-            <a:schemeClr val="accent1"/>
-          </a:fillRef>
-          <a:effectRef idx="0">
-            <a:schemeClr val="accent1"/>
-          </a:effectRef>
-          <a:fontRef idx="minor">
-            <a:schemeClr val="lt1"/>
-          </a:fontRef>
-        </p:style>
-        <p:txBody>
-          <a:bodyPr rtlCol="0" anchor="ctr"/>
-          <a:lstStyle/>
-          <a:p>
-            <a:pPr algn="ctr"/>
-            <a:endParaRPr lang="ko-KR" altLang="en-US"/>
-          </a:p>
-        </p:txBody>
-      </p:sp>
-      <p:sp>
-        <p:nvSpPr>
-          <p:cNvPr id="43" name="타원 42"/>
-          <p:cNvSpPr/>
-          <p:nvPr/>
-        </p:nvSpPr>
-        <p:spPr>
-          <a:xfrm>
-            <a:off x="7516074" y="2089141"/>
-            <a:ext cx="216024" cy="216024"/>
-          </a:xfrm>
-          <a:prstGeom prst="ellipse">
-            <a:avLst/>
-          </a:prstGeom>
-          <a:noFill/>
-          <a:ln>
-            <a:solidFill>
-              <a:schemeClr val="tx1"/>
-            </a:solidFill>
-          </a:ln>
-        </p:spPr>
-        <p:style>
-          <a:lnRef idx="2">
-            <a:schemeClr val="accent1">
-              <a:shade val="50000"/>
-            </a:schemeClr>
-          </a:lnRef>
-          <a:fillRef idx="1">
-            <a:schemeClr val="accent1"/>
-          </a:fillRef>
-          <a:effectRef idx="0">
-            <a:schemeClr val="accent1"/>
-          </a:effectRef>
-          <a:fontRef idx="minor">
-            <a:schemeClr val="lt1"/>
-          </a:fontRef>
-        </p:style>
-        <p:txBody>
-          <a:bodyPr rtlCol="0" anchor="ctr"/>
-          <a:lstStyle/>
-          <a:p>
-            <a:pPr algn="ctr"/>
-            <a:endParaRPr lang="ko-KR" altLang="en-US"/>
-          </a:p>
-        </p:txBody>
-      </p:sp>
-      <p:sp>
-        <p:nvSpPr>
-          <p:cNvPr id="44" name="타원 43"/>
-          <p:cNvSpPr/>
-          <p:nvPr/>
-        </p:nvSpPr>
-        <p:spPr>
-          <a:xfrm>
-            <a:off x="7516074" y="2449181"/>
-            <a:ext cx="216024" cy="216024"/>
-          </a:xfrm>
-          <a:prstGeom prst="ellipse">
-            <a:avLst/>
-          </a:prstGeom>
-          <a:noFill/>
-          <a:ln>
-            <a:solidFill>
-              <a:schemeClr val="tx1"/>
-            </a:solidFill>
-          </a:ln>
-        </p:spPr>
-        <p:style>
-          <a:lnRef idx="2">
-            <a:schemeClr val="accent1">
-              <a:shade val="50000"/>
-            </a:schemeClr>
-          </a:lnRef>
-          <a:fillRef idx="1">
-            <a:schemeClr val="accent1"/>
-          </a:fillRef>
-          <a:effectRef idx="0">
-            <a:schemeClr val="accent1"/>
-          </a:effectRef>
-          <a:fontRef idx="minor">
-            <a:schemeClr val="lt1"/>
-          </a:fontRef>
-        </p:style>
-        <p:txBody>
-          <a:bodyPr rtlCol="0" anchor="ctr"/>
-          <a:lstStyle/>
-          <a:p>
-            <a:pPr algn="ctr"/>
-            <a:endParaRPr lang="ko-KR" altLang="en-US"/>
-          </a:p>
-        </p:txBody>
-      </p:sp>
-      <p:sp>
-        <p:nvSpPr>
-          <p:cNvPr id="45" name="타원 44"/>
-          <p:cNvSpPr/>
-          <p:nvPr/>
-        </p:nvSpPr>
-        <p:spPr>
-          <a:xfrm>
-            <a:off x="7516074" y="2833175"/>
-            <a:ext cx="216024" cy="216024"/>
-          </a:xfrm>
-          <a:prstGeom prst="ellipse">
-            <a:avLst/>
-          </a:prstGeom>
-          <a:noFill/>
-          <a:ln>
-            <a:solidFill>
-              <a:schemeClr val="tx1"/>
-            </a:solidFill>
-          </a:ln>
-        </p:spPr>
-        <p:style>
-          <a:lnRef idx="2">
-            <a:schemeClr val="accent1">
-              <a:shade val="50000"/>
-            </a:schemeClr>
-          </a:lnRef>
-          <a:fillRef idx="1">
-            <a:schemeClr val="accent1"/>
-          </a:fillRef>
-          <a:effectRef idx="0">
-            <a:schemeClr val="accent1"/>
-          </a:effectRef>
-          <a:fontRef idx="minor">
-            <a:schemeClr val="lt1"/>
-          </a:fontRef>
-        </p:style>
-        <p:txBody>
-          <a:bodyPr rtlCol="0" anchor="ctr"/>
-          <a:lstStyle/>
-          <a:p>
-            <a:pPr algn="ctr"/>
-            <a:endParaRPr lang="ko-KR" altLang="en-US"/>
-          </a:p>
-        </p:txBody>
-      </p:sp>
-      <p:sp>
-        <p:nvSpPr>
-          <p:cNvPr id="46" name="타원 45"/>
-          <p:cNvSpPr/>
-          <p:nvPr/>
-        </p:nvSpPr>
-        <p:spPr>
-          <a:xfrm>
-            <a:off x="7516074" y="3193215"/>
-            <a:ext cx="216024" cy="216024"/>
-          </a:xfrm>
-          <a:prstGeom prst="ellipse">
-            <a:avLst/>
-          </a:prstGeom>
-          <a:noFill/>
-          <a:ln>
-            <a:solidFill>
-              <a:schemeClr val="tx1"/>
-            </a:solidFill>
-          </a:ln>
-        </p:spPr>
-        <p:style>
-          <a:lnRef idx="2">
-            <a:schemeClr val="accent1">
-              <a:shade val="50000"/>
-            </a:schemeClr>
-          </a:lnRef>
-          <a:fillRef idx="1">
-            <a:schemeClr val="accent1"/>
-          </a:fillRef>
-          <a:effectRef idx="0">
-            <a:schemeClr val="accent1"/>
-          </a:effectRef>
-          <a:fontRef idx="minor">
-            <a:schemeClr val="lt1"/>
-          </a:fontRef>
-        </p:style>
-        <p:txBody>
-          <a:bodyPr rtlCol="0" anchor="ctr"/>
-          <a:lstStyle/>
-          <a:p>
-            <a:pPr algn="ctr"/>
-            <a:endParaRPr lang="ko-KR" altLang="en-US"/>
-          </a:p>
-        </p:txBody>
-      </p:sp>
-      <p:sp>
-        <p:nvSpPr>
-          <p:cNvPr id="47" name="타원 46"/>
-          <p:cNvSpPr/>
-          <p:nvPr/>
-        </p:nvSpPr>
-        <p:spPr>
-          <a:xfrm>
-            <a:off x="7516074" y="3553255"/>
-            <a:ext cx="216024" cy="216024"/>
-          </a:xfrm>
-          <a:prstGeom prst="ellipse">
-            <a:avLst/>
-          </a:prstGeom>
-          <a:noFill/>
-          <a:ln>
-            <a:solidFill>
-              <a:schemeClr val="tx1"/>
-            </a:solidFill>
-          </a:ln>
-        </p:spPr>
-        <p:style>
-          <a:lnRef idx="2">
-            <a:schemeClr val="accent1">
-              <a:shade val="50000"/>
-            </a:schemeClr>
-          </a:lnRef>
-          <a:fillRef idx="1">
-            <a:schemeClr val="accent1"/>
-          </a:fillRef>
-          <a:effectRef idx="0">
-            <a:schemeClr val="accent1"/>
-          </a:effectRef>
-          <a:fontRef idx="minor">
-            <a:schemeClr val="lt1"/>
-          </a:fontRef>
-        </p:style>
-        <p:txBody>
-          <a:bodyPr rtlCol="0" anchor="ctr"/>
-          <a:lstStyle/>
-          <a:p>
-            <a:pPr algn="ctr"/>
-            <a:endParaRPr lang="ko-KR" altLang="en-US"/>
-          </a:p>
-        </p:txBody>
-      </p:sp>
-      <p:sp>
-        <p:nvSpPr>
-          <p:cNvPr id="48" name="타원 47"/>
-          <p:cNvSpPr/>
-          <p:nvPr/>
-        </p:nvSpPr>
-        <p:spPr>
-          <a:xfrm>
-            <a:off x="7516074" y="3913295"/>
-            <a:ext cx="216024" cy="216024"/>
-          </a:xfrm>
-          <a:prstGeom prst="ellipse">
-            <a:avLst/>
-          </a:prstGeom>
-          <a:noFill/>
-          <a:ln>
-            <a:solidFill>
-              <a:schemeClr val="tx1"/>
-            </a:solidFill>
-          </a:ln>
-        </p:spPr>
-        <p:style>
-          <a:lnRef idx="2">
-            <a:schemeClr val="accent1">
-              <a:shade val="50000"/>
-            </a:schemeClr>
-          </a:lnRef>
-          <a:fillRef idx="1">
-            <a:schemeClr val="accent1"/>
-          </a:fillRef>
-          <a:effectRef idx="0">
-            <a:schemeClr val="accent1"/>
-          </a:effectRef>
-          <a:fontRef idx="minor">
-            <a:schemeClr val="lt1"/>
-          </a:fontRef>
-        </p:style>
-        <p:txBody>
-          <a:bodyPr rtlCol="0" anchor="ctr"/>
-          <a:lstStyle/>
-          <a:p>
-            <a:pPr algn="ctr"/>
-            <a:endParaRPr lang="ko-KR" altLang="en-US"/>
-          </a:p>
-        </p:txBody>
-      </p:sp>
-      <p:sp>
-        <p:nvSpPr>
-          <p:cNvPr id="49" name="타원 48"/>
-          <p:cNvSpPr/>
-          <p:nvPr/>
-        </p:nvSpPr>
-        <p:spPr>
-          <a:xfrm>
-            <a:off x="7524328" y="4282981"/>
-            <a:ext cx="216024" cy="216024"/>
-          </a:xfrm>
-          <a:prstGeom prst="ellipse">
-            <a:avLst/>
-          </a:prstGeom>
-          <a:noFill/>
-          <a:ln>
-            <a:solidFill>
-              <a:schemeClr val="tx1"/>
-            </a:solidFill>
-          </a:ln>
-        </p:spPr>
-        <p:style>
-          <a:lnRef idx="2">
-            <a:schemeClr val="accent1">
-              <a:shade val="50000"/>
-            </a:schemeClr>
-          </a:lnRef>
-          <a:fillRef idx="1">
-            <a:schemeClr val="accent1"/>
-          </a:fillRef>
-          <a:effectRef idx="0">
-            <a:schemeClr val="accent1"/>
-          </a:effectRef>
-          <a:fontRef idx="minor">
-            <a:schemeClr val="lt1"/>
-          </a:fontRef>
-        </p:style>
-        <p:txBody>
-          <a:bodyPr rtlCol="0" anchor="ctr"/>
-          <a:lstStyle/>
-          <a:p>
-            <a:pPr algn="ctr"/>
-            <a:endParaRPr lang="ko-KR" altLang="en-US"/>
-          </a:p>
-        </p:txBody>
-      </p:sp>
-      <p:sp>
-        <p:nvSpPr>
-          <p:cNvPr id="50" name="타원 49"/>
-          <p:cNvSpPr/>
-          <p:nvPr/>
-        </p:nvSpPr>
-        <p:spPr>
-          <a:xfrm>
-            <a:off x="7524328" y="4643021"/>
-            <a:ext cx="216024" cy="216024"/>
-          </a:xfrm>
-          <a:prstGeom prst="ellipse">
-            <a:avLst/>
-          </a:prstGeom>
-          <a:noFill/>
-          <a:ln>
-            <a:solidFill>
-              <a:schemeClr val="tx1"/>
-            </a:solidFill>
-          </a:ln>
-        </p:spPr>
-        <p:style>
-          <a:lnRef idx="2">
-            <a:schemeClr val="accent1">
-              <a:shade val="50000"/>
-            </a:schemeClr>
-          </a:lnRef>
-          <a:fillRef idx="1">
-            <a:schemeClr val="accent1"/>
-          </a:fillRef>
-          <a:effectRef idx="0">
-            <a:schemeClr val="accent1"/>
-          </a:effectRef>
-          <a:fontRef idx="minor">
-            <a:schemeClr val="lt1"/>
-          </a:fontRef>
-        </p:style>
-        <p:txBody>
-          <a:bodyPr rtlCol="0" anchor="ctr"/>
-          <a:lstStyle/>
-          <a:p>
-            <a:pPr algn="ctr"/>
-            <a:endParaRPr lang="ko-KR" altLang="en-US"/>
+            <a:r>
+              <a:rPr lang="en-US" altLang="ko-KR" dirty="0" smtClean="0"/>
+              <a:t>Forward Propagation</a:t>
+            </a:r>
+            <a:endParaRPr lang="ko-KR" altLang="en-US" dirty="0"/>
           </a:p>
         </p:txBody>
       </p:sp>

--- a/neural_network.pptx
+++ b/neural_network.pptx
@@ -288,7 +288,7 @@
           <a:p>
             <a:fld id="{FB30EDBD-1C2D-4C1E-B459-B60219FAB484}" type="datetimeFigureOut">
               <a:rPr lang="ko-KR" altLang="en-US" smtClean="0"/>
-              <a:t>2018-09-15</a:t>
+              <a:t>2018-09-16</a:t>
             </a:fld>
             <a:endParaRPr lang="ko-KR" altLang="en-US"/>
           </a:p>
@@ -453,7 +453,7 @@
           <a:p>
             <a:fld id="{FB30EDBD-1C2D-4C1E-B459-B60219FAB484}" type="datetimeFigureOut">
               <a:rPr lang="ko-KR" altLang="en-US" smtClean="0"/>
-              <a:t>2018-09-15</a:t>
+              <a:t>2018-09-16</a:t>
             </a:fld>
             <a:endParaRPr lang="ko-KR" altLang="en-US"/>
           </a:p>
@@ -628,7 +628,7 @@
           <a:p>
             <a:fld id="{FB30EDBD-1C2D-4C1E-B459-B60219FAB484}" type="datetimeFigureOut">
               <a:rPr lang="ko-KR" altLang="en-US" smtClean="0"/>
-              <a:t>2018-09-15</a:t>
+              <a:t>2018-09-16</a:t>
             </a:fld>
             <a:endParaRPr lang="ko-KR" altLang="en-US"/>
           </a:p>
@@ -793,7 +793,7 @@
           <a:p>
             <a:fld id="{FB30EDBD-1C2D-4C1E-B459-B60219FAB484}" type="datetimeFigureOut">
               <a:rPr lang="ko-KR" altLang="en-US" smtClean="0"/>
-              <a:t>2018-09-15</a:t>
+              <a:t>2018-09-16</a:t>
             </a:fld>
             <a:endParaRPr lang="ko-KR" altLang="en-US"/>
           </a:p>
@@ -1034,7 +1034,7 @@
           <a:p>
             <a:fld id="{FB30EDBD-1C2D-4C1E-B459-B60219FAB484}" type="datetimeFigureOut">
               <a:rPr lang="ko-KR" altLang="en-US" smtClean="0"/>
-              <a:t>2018-09-15</a:t>
+              <a:t>2018-09-16</a:t>
             </a:fld>
             <a:endParaRPr lang="ko-KR" altLang="en-US"/>
           </a:p>
@@ -1317,7 +1317,7 @@
           <a:p>
             <a:fld id="{FB30EDBD-1C2D-4C1E-B459-B60219FAB484}" type="datetimeFigureOut">
               <a:rPr lang="ko-KR" altLang="en-US" smtClean="0"/>
-              <a:t>2018-09-15</a:t>
+              <a:t>2018-09-16</a:t>
             </a:fld>
             <a:endParaRPr lang="ko-KR" altLang="en-US"/>
           </a:p>
@@ -1734,7 +1734,7 @@
           <a:p>
             <a:fld id="{FB30EDBD-1C2D-4C1E-B459-B60219FAB484}" type="datetimeFigureOut">
               <a:rPr lang="ko-KR" altLang="en-US" smtClean="0"/>
-              <a:t>2018-09-15</a:t>
+              <a:t>2018-09-16</a:t>
             </a:fld>
             <a:endParaRPr lang="ko-KR" altLang="en-US"/>
           </a:p>
@@ -1847,7 +1847,7 @@
           <a:p>
             <a:fld id="{FB30EDBD-1C2D-4C1E-B459-B60219FAB484}" type="datetimeFigureOut">
               <a:rPr lang="ko-KR" altLang="en-US" smtClean="0"/>
-              <a:t>2018-09-15</a:t>
+              <a:t>2018-09-16</a:t>
             </a:fld>
             <a:endParaRPr lang="ko-KR" altLang="en-US"/>
           </a:p>
@@ -1937,7 +1937,7 @@
           <a:p>
             <a:fld id="{FB30EDBD-1C2D-4C1E-B459-B60219FAB484}" type="datetimeFigureOut">
               <a:rPr lang="ko-KR" altLang="en-US" smtClean="0"/>
-              <a:t>2018-09-15</a:t>
+              <a:t>2018-09-16</a:t>
             </a:fld>
             <a:endParaRPr lang="ko-KR" altLang="en-US"/>
           </a:p>
@@ -2209,7 +2209,7 @@
           <a:p>
             <a:fld id="{FB30EDBD-1C2D-4C1E-B459-B60219FAB484}" type="datetimeFigureOut">
               <a:rPr lang="ko-KR" altLang="en-US" smtClean="0"/>
-              <a:t>2018-09-15</a:t>
+              <a:t>2018-09-16</a:t>
             </a:fld>
             <a:endParaRPr lang="ko-KR" altLang="en-US"/>
           </a:p>
@@ -2457,7 +2457,7 @@
           <a:p>
             <a:fld id="{FB30EDBD-1C2D-4C1E-B459-B60219FAB484}" type="datetimeFigureOut">
               <a:rPr lang="ko-KR" altLang="en-US" smtClean="0"/>
-              <a:t>2018-09-15</a:t>
+              <a:t>2018-09-16</a:t>
             </a:fld>
             <a:endParaRPr lang="ko-KR" altLang="en-US"/>
           </a:p>
@@ -2665,7 +2665,7 @@
           <a:p>
             <a:fld id="{FB30EDBD-1C2D-4C1E-B459-B60219FAB484}" type="datetimeFigureOut">
               <a:rPr lang="ko-KR" altLang="en-US" smtClean="0"/>
-              <a:t>2018-09-15</a:t>
+              <a:t>2018-09-16</a:t>
             </a:fld>
             <a:endParaRPr lang="ko-KR" altLang="en-US"/>
           </a:p>
@@ -3794,7 +3794,7 @@
             <p:spPr>
               <a:xfrm>
                 <a:off x="2332816" y="2416242"/>
-                <a:ext cx="464999" cy="385362"/>
+                <a:ext cx="477246" cy="374205"/>
               </a:xfrm>
               <a:prstGeom prst="rect">
                 <a:avLst/>
@@ -3807,6 +3807,7 @@
               </a:bodyPr>
               <a:lstStyle/>
               <a:p>
+                <a:pPr/>
                 <a14:m>
                   <m:oMathPara xmlns:m="http://schemas.openxmlformats.org/officeDocument/2006/math">
                     <m:oMathParaPr>
@@ -3816,7 +3817,9 @@
                       <m:sSubSup>
                         <m:sSubSupPr>
                           <m:ctrlPr>
-                            <a:rPr lang="ko-KR" altLang="ko-KR" i="1" smtClean="0"/>
+                            <a:rPr lang="ko-KR" altLang="ko-KR" i="1" smtClean="0">
+                              <a:latin typeface="Cambria Math"/>
+                            </a:rPr>
                           </m:ctrlPr>
                         </m:sSubSupPr>
                         <m:e>
@@ -3824,7 +3827,9 @@
                             <m:rPr>
                               <m:sty m:val="p"/>
                             </m:rPr>
-                            <a:rPr lang="en-US" altLang="ko-KR"/>
+                            <a:rPr lang="en-US" altLang="ko-KR">
+                              <a:latin typeface="Cambria Math"/>
+                            </a:rPr>
                             <m:t>Z</m:t>
                           </m:r>
                         </m:e>
@@ -3841,7 +3846,7 @@
                             <a:rPr lang="en-US" altLang="ko-KR" b="0" i="1" smtClean="0">
                               <a:latin typeface="Cambria Math"/>
                             </a:rPr>
-                            <m:t>1</m:t>
+                            <m:t>0</m:t>
                           </m:r>
                         </m:sup>
                       </m:sSubSup>
@@ -3865,7 +3870,7 @@
             <p:spPr>
               <a:xfrm>
                 <a:off x="2332816" y="2416242"/>
-                <a:ext cx="464999" cy="385362"/>
+                <a:ext cx="477246" cy="374205"/>
               </a:xfrm>
               <a:prstGeom prst="rect">
                 <a:avLst/>
@@ -3873,7 +3878,7 @@
               <a:blipFill rotWithShape="1">
                 <a:blip r:embed="rId2"/>
                 <a:stretch>
-                  <a:fillRect/>
+                  <a:fillRect b="-1613"/>
                 </a:stretch>
               </a:blipFill>
             </p:spPr>
@@ -6173,7 +6178,7 @@
             <p:spPr>
               <a:xfrm>
                 <a:off x="2301396" y="791496"/>
-                <a:ext cx="464999" cy="415050"/>
+                <a:ext cx="477246" cy="417358"/>
               </a:xfrm>
               <a:prstGeom prst="rect">
                 <a:avLst/>
@@ -6186,6 +6191,7 @@
               </a:bodyPr>
               <a:lstStyle/>
               <a:p>
+                <a:pPr/>
                 <a14:m>
                   <m:oMathPara xmlns:m="http://schemas.openxmlformats.org/officeDocument/2006/math">
                     <m:oMathParaPr>
@@ -6195,7 +6201,9 @@
                       <m:sSubSup>
                         <m:sSubSupPr>
                           <m:ctrlPr>
-                            <a:rPr lang="ko-KR" altLang="ko-KR" i="1" smtClean="0"/>
+                            <a:rPr lang="ko-KR" altLang="ko-KR" i="1" smtClean="0">
+                              <a:latin typeface="Cambria Math"/>
+                            </a:rPr>
                           </m:ctrlPr>
                         </m:sSubSupPr>
                         <m:e>
@@ -6203,7 +6211,9 @@
                             <m:rPr>
                               <m:sty m:val="p"/>
                             </m:rPr>
-                            <a:rPr lang="en-US" altLang="ko-KR"/>
+                            <a:rPr lang="en-US" altLang="ko-KR">
+                              <a:latin typeface="Cambria Math"/>
+                            </a:rPr>
                             <m:t>Z</m:t>
                           </m:r>
                         </m:e>
@@ -6220,7 +6230,7 @@
                             <a:rPr lang="en-US" altLang="ko-KR" b="0" i="1" smtClean="0">
                               <a:latin typeface="Cambria Math"/>
                             </a:rPr>
-                            <m:t>1</m:t>
+                            <m:t>0</m:t>
                           </m:r>
                         </m:sup>
                       </m:sSubSup>
@@ -6244,7 +6254,7 @@
             <p:spPr>
               <a:xfrm>
                 <a:off x="2301396" y="791496"/>
-                <a:ext cx="464999" cy="415050"/>
+                <a:ext cx="477246" cy="417358"/>
               </a:xfrm>
               <a:prstGeom prst="rect">
                 <a:avLst/>
@@ -6252,7 +6262,7 @@
               <a:blipFill rotWithShape="1">
                 <a:blip r:embed="rId3"/>
                 <a:stretch>
-                  <a:fillRect b="-5882"/>
+                  <a:fillRect b="-7353"/>
                 </a:stretch>
               </a:blipFill>
             </p:spPr>
@@ -6282,7 +6292,7 @@
             <p:spPr>
               <a:xfrm>
                 <a:off x="2301395" y="1678375"/>
-                <a:ext cx="469936" cy="385362"/>
+                <a:ext cx="477246" cy="376513"/>
               </a:xfrm>
               <a:prstGeom prst="rect">
                 <a:avLst/>
@@ -6295,6 +6305,7 @@
               </a:bodyPr>
               <a:lstStyle/>
               <a:p>
+                <a:pPr/>
                 <a14:m>
                   <m:oMathPara xmlns:m="http://schemas.openxmlformats.org/officeDocument/2006/math">
                     <m:oMathParaPr>
@@ -6304,7 +6315,9 @@
                       <m:sSubSup>
                         <m:sSubSupPr>
                           <m:ctrlPr>
-                            <a:rPr lang="ko-KR" altLang="ko-KR" i="1" smtClean="0"/>
+                            <a:rPr lang="ko-KR" altLang="ko-KR" i="1" smtClean="0">
+                              <a:latin typeface="Cambria Math"/>
+                            </a:rPr>
                           </m:ctrlPr>
                         </m:sSubSupPr>
                         <m:e>
@@ -6312,7 +6325,9 @@
                             <m:rPr>
                               <m:sty m:val="p"/>
                             </m:rPr>
-                            <a:rPr lang="en-US" altLang="ko-KR"/>
+                            <a:rPr lang="en-US" altLang="ko-KR">
+                              <a:latin typeface="Cambria Math"/>
+                            </a:rPr>
                             <m:t>Z</m:t>
                           </m:r>
                         </m:e>
@@ -6329,7 +6344,7 @@
                             <a:rPr lang="en-US" altLang="ko-KR" b="0" i="1" smtClean="0">
                               <a:latin typeface="Cambria Math"/>
                             </a:rPr>
-                            <m:t>1</m:t>
+                            <m:t>0</m:t>
                           </m:r>
                         </m:sup>
                       </m:sSubSup>
@@ -6353,7 +6368,7 @@
             <p:spPr>
               <a:xfrm>
                 <a:off x="2301395" y="1678375"/>
-                <a:ext cx="469936" cy="385362"/>
+                <a:ext cx="477246" cy="376513"/>
               </a:xfrm>
               <a:prstGeom prst="rect">
                 <a:avLst/>
@@ -6361,7 +6376,7 @@
               <a:blipFill rotWithShape="1">
                 <a:blip r:embed="rId4"/>
                 <a:stretch>
-                  <a:fillRect/>
+                  <a:fillRect b="-1613"/>
                 </a:stretch>
               </a:blipFill>
             </p:spPr>
@@ -6391,7 +6406,7 @@
             <p:spPr>
               <a:xfrm>
                 <a:off x="2293084" y="3173694"/>
-                <a:ext cx="464999" cy="385362"/>
+                <a:ext cx="477246" cy="374205"/>
               </a:xfrm>
               <a:prstGeom prst="rect">
                 <a:avLst/>
@@ -6404,6 +6419,7 @@
               </a:bodyPr>
               <a:lstStyle/>
               <a:p>
+                <a:pPr/>
                 <a14:m>
                   <m:oMathPara xmlns:m="http://schemas.openxmlformats.org/officeDocument/2006/math">
                     <m:oMathParaPr>
@@ -6413,7 +6429,9 @@
                       <m:sSubSup>
                         <m:sSubSupPr>
                           <m:ctrlPr>
-                            <a:rPr lang="ko-KR" altLang="ko-KR" i="1" smtClean="0"/>
+                            <a:rPr lang="ko-KR" altLang="ko-KR" i="1" smtClean="0">
+                              <a:latin typeface="Cambria Math"/>
+                            </a:rPr>
                           </m:ctrlPr>
                         </m:sSubSupPr>
                         <m:e>
@@ -6421,7 +6439,9 @@
                             <m:rPr>
                               <m:sty m:val="p"/>
                             </m:rPr>
-                            <a:rPr lang="en-US" altLang="ko-KR"/>
+                            <a:rPr lang="en-US" altLang="ko-KR">
+                              <a:latin typeface="Cambria Math"/>
+                            </a:rPr>
                             <m:t>Z</m:t>
                           </m:r>
                         </m:e>
@@ -6438,7 +6458,7 @@
                             <a:rPr lang="en-US" altLang="ko-KR" b="0" i="1" smtClean="0">
                               <a:latin typeface="Cambria Math"/>
                             </a:rPr>
-                            <m:t>1</m:t>
+                            <m:t>0</m:t>
                           </m:r>
                         </m:sup>
                       </m:sSubSup>
@@ -6462,7 +6482,7 @@
             <p:spPr>
               <a:xfrm>
                 <a:off x="2293084" y="3173694"/>
-                <a:ext cx="464999" cy="385362"/>
+                <a:ext cx="477246" cy="374205"/>
               </a:xfrm>
               <a:prstGeom prst="rect">
                 <a:avLst/>
@@ -6470,7 +6490,7 @@
               <a:blipFill rotWithShape="1">
                 <a:blip r:embed="rId5"/>
                 <a:stretch>
-                  <a:fillRect b="-1587"/>
+                  <a:fillRect b="-3279"/>
                 </a:stretch>
               </a:blipFill>
             </p:spPr>
@@ -6500,7 +6520,7 @@
             <p:spPr>
               <a:xfrm>
                 <a:off x="2326628" y="4499828"/>
-                <a:ext cx="567720" cy="385362"/>
+                <a:ext cx="575029" cy="376513"/>
               </a:xfrm>
               <a:prstGeom prst="rect">
                 <a:avLst/>
@@ -6513,6 +6533,7 @@
               </a:bodyPr>
               <a:lstStyle/>
               <a:p>
+                <a:pPr/>
                 <a14:m>
                   <m:oMathPara xmlns:m="http://schemas.openxmlformats.org/officeDocument/2006/math">
                     <m:oMathParaPr>
@@ -6522,7 +6543,9 @@
                       <m:sSubSup>
                         <m:sSubSupPr>
                           <m:ctrlPr>
-                            <a:rPr lang="ko-KR" altLang="ko-KR" i="1" smtClean="0"/>
+                            <a:rPr lang="ko-KR" altLang="ko-KR" i="1" smtClean="0">
+                              <a:latin typeface="Cambria Math"/>
+                            </a:rPr>
                           </m:ctrlPr>
                         </m:sSubSupPr>
                         <m:e>
@@ -6530,7 +6553,9 @@
                             <m:rPr>
                               <m:sty m:val="p"/>
                             </m:rPr>
-                            <a:rPr lang="en-US" altLang="ko-KR"/>
+                            <a:rPr lang="en-US" altLang="ko-KR">
+                              <a:latin typeface="Cambria Math"/>
+                            </a:rPr>
                             <m:t>Z</m:t>
                           </m:r>
                         </m:e>
@@ -6547,7 +6572,7 @@
                             <a:rPr lang="en-US" altLang="ko-KR" b="0" i="1" smtClean="0">
                               <a:latin typeface="Cambria Math"/>
                             </a:rPr>
-                            <m:t>1</m:t>
+                            <m:t>0</m:t>
                           </m:r>
                         </m:sup>
                       </m:sSubSup>
@@ -6571,7 +6596,7 @@
             <p:spPr>
               <a:xfrm>
                 <a:off x="2326628" y="4499828"/>
-                <a:ext cx="567720" cy="385362"/>
+                <a:ext cx="575029" cy="376513"/>
               </a:xfrm>
               <a:prstGeom prst="rect">
                 <a:avLst/>
@@ -6579,7 +6604,7 @@
               <a:blipFill rotWithShape="1">
                 <a:blip r:embed="rId6"/>
                 <a:stretch>
-                  <a:fillRect b="-1587"/>
+                  <a:fillRect b="-1613"/>
                 </a:stretch>
               </a:blipFill>
             </p:spPr>
@@ -6747,7 +6772,7 @@
             <p:spPr>
               <a:xfrm>
                 <a:off x="3614371" y="2396012"/>
-                <a:ext cx="468205" cy="371961"/>
+                <a:ext cx="473142" cy="374205"/>
               </a:xfrm>
               <a:prstGeom prst="rect">
                 <a:avLst/>
@@ -6760,6 +6785,7 @@
               </a:bodyPr>
               <a:lstStyle/>
               <a:p>
+                <a:pPr/>
                 <a14:m>
                   <m:oMathPara xmlns:m="http://schemas.openxmlformats.org/officeDocument/2006/math">
                     <m:oMathParaPr>
@@ -6769,7 +6795,9 @@
                       <m:sSubSup>
                         <m:sSubSupPr>
                           <m:ctrlPr>
-                            <a:rPr lang="ko-KR" altLang="ko-KR" i="1" smtClean="0"/>
+                            <a:rPr lang="ko-KR" altLang="ko-KR" i="1" smtClean="0">
+                              <a:latin typeface="Cambria Math"/>
+                            </a:rPr>
                           </m:ctrlPr>
                         </m:sSubSupPr>
                         <m:e>
@@ -6796,7 +6824,7 @@
                             <a:rPr lang="en-US" altLang="ko-KR" b="0" i="1" smtClean="0">
                               <a:latin typeface="Cambria Math"/>
                             </a:rPr>
-                            <m:t>1</m:t>
+                            <m:t>0</m:t>
                           </m:r>
                         </m:sup>
                       </m:sSubSup>
@@ -6820,7 +6848,7 @@
             <p:spPr>
               <a:xfrm>
                 <a:off x="3614371" y="2396012"/>
-                <a:ext cx="468205" cy="371961"/>
+                <a:ext cx="473142" cy="374205"/>
               </a:xfrm>
               <a:prstGeom prst="rect">
                 <a:avLst/>
@@ -6943,7 +6971,7 @@
             <p:spPr>
               <a:xfrm>
                 <a:off x="3582951" y="771266"/>
-                <a:ext cx="468205" cy="415050"/>
+                <a:ext cx="473142" cy="417358"/>
               </a:xfrm>
               <a:prstGeom prst="rect">
                 <a:avLst/>
@@ -6956,6 +6984,7 @@
               </a:bodyPr>
               <a:lstStyle/>
               <a:p>
+                <a:pPr/>
                 <a14:m>
                   <m:oMathPara xmlns:m="http://schemas.openxmlformats.org/officeDocument/2006/math">
                     <m:oMathParaPr>
@@ -6965,7 +6994,9 @@
                       <m:sSubSup>
                         <m:sSubSupPr>
                           <m:ctrlPr>
-                            <a:rPr lang="ko-KR" altLang="ko-KR" i="1" smtClean="0"/>
+                            <a:rPr lang="ko-KR" altLang="ko-KR" i="1" smtClean="0">
+                              <a:latin typeface="Cambria Math"/>
+                            </a:rPr>
                           </m:ctrlPr>
                         </m:sSubSupPr>
                         <m:e>
@@ -6992,7 +7023,7 @@
                             <a:rPr lang="en-US" altLang="ko-KR" b="0" i="1" smtClean="0">
                               <a:latin typeface="Cambria Math"/>
                             </a:rPr>
-                            <m:t>1</m:t>
+                            <m:t>0</m:t>
                           </m:r>
                         </m:sup>
                       </m:sSubSup>
@@ -7016,7 +7047,7 @@
             <p:spPr>
               <a:xfrm>
                 <a:off x="3582951" y="771266"/>
-                <a:ext cx="468205" cy="415050"/>
+                <a:ext cx="473142" cy="417358"/>
               </a:xfrm>
               <a:prstGeom prst="rect">
                 <a:avLst/>
@@ -7054,7 +7085,7 @@
             <p:spPr>
               <a:xfrm>
                 <a:off x="3582950" y="1658145"/>
-                <a:ext cx="473142" cy="374205"/>
+                <a:ext cx="473142" cy="376513"/>
               </a:xfrm>
               <a:prstGeom prst="rect">
                 <a:avLst/>
@@ -7067,6 +7098,7 @@
               </a:bodyPr>
               <a:lstStyle/>
               <a:p>
+                <a:pPr/>
                 <a14:m>
                   <m:oMathPara xmlns:m="http://schemas.openxmlformats.org/officeDocument/2006/math">
                     <m:oMathParaPr>
@@ -7076,7 +7108,9 @@
                       <m:sSubSup>
                         <m:sSubSupPr>
                           <m:ctrlPr>
-                            <a:rPr lang="ko-KR" altLang="ko-KR" i="1" smtClean="0"/>
+                            <a:rPr lang="ko-KR" altLang="ko-KR" i="1" smtClean="0">
+                              <a:latin typeface="Cambria Math"/>
+                            </a:rPr>
                           </m:ctrlPr>
                         </m:sSubSupPr>
                         <m:e>
@@ -7103,7 +7137,7 @@
                             <a:rPr lang="en-US" altLang="ko-KR" b="0" i="1" smtClean="0">
                               <a:latin typeface="Cambria Math"/>
                             </a:rPr>
-                            <m:t>1</m:t>
+                            <m:t>0</m:t>
                           </m:r>
                         </m:sup>
                       </m:sSubSup>
@@ -7127,7 +7161,7 @@
             <p:spPr>
               <a:xfrm>
                 <a:off x="3582950" y="1658145"/>
-                <a:ext cx="473142" cy="374205"/>
+                <a:ext cx="473142" cy="376513"/>
               </a:xfrm>
               <a:prstGeom prst="rect">
                 <a:avLst/>
@@ -7135,7 +7169,7 @@
               <a:blipFill rotWithShape="1">
                 <a:blip r:embed="rId9"/>
                 <a:stretch>
-                  <a:fillRect b="-3279"/>
+                  <a:fillRect b="-1613"/>
                 </a:stretch>
               </a:blipFill>
             </p:spPr>
@@ -7165,7 +7199,7 @@
             <p:spPr>
               <a:xfrm>
                 <a:off x="3574639" y="3153464"/>
-                <a:ext cx="468205" cy="415050"/>
+                <a:ext cx="473142" cy="417358"/>
               </a:xfrm>
               <a:prstGeom prst="rect">
                 <a:avLst/>
@@ -7178,6 +7212,7 @@
               </a:bodyPr>
               <a:lstStyle/>
               <a:p>
+                <a:pPr/>
                 <a14:m>
                   <m:oMathPara xmlns:m="http://schemas.openxmlformats.org/officeDocument/2006/math">
                     <m:oMathParaPr>
@@ -7187,7 +7222,9 @@
                       <m:sSubSup>
                         <m:sSubSupPr>
                           <m:ctrlPr>
-                            <a:rPr lang="ko-KR" altLang="ko-KR" i="1" smtClean="0"/>
+                            <a:rPr lang="ko-KR" altLang="ko-KR" i="1" smtClean="0">
+                              <a:latin typeface="Cambria Math"/>
+                            </a:rPr>
                           </m:ctrlPr>
                         </m:sSubSupPr>
                         <m:e>
@@ -7214,7 +7251,7 @@
                             <a:rPr lang="en-US" altLang="ko-KR" b="0" i="1" smtClean="0">
                               <a:latin typeface="Cambria Math"/>
                             </a:rPr>
-                            <m:t>1</m:t>
+                            <m:t>0</m:t>
                           </m:r>
                         </m:sup>
                       </m:sSubSup>
@@ -7238,7 +7275,7 @@
             <p:spPr>
               <a:xfrm>
                 <a:off x="3574639" y="3153464"/>
-                <a:ext cx="468205" cy="415050"/>
+                <a:ext cx="473142" cy="417358"/>
               </a:xfrm>
               <a:prstGeom prst="rect">
                 <a:avLst/>
@@ -7246,7 +7283,7 @@
               <a:blipFill rotWithShape="1">
                 <a:blip r:embed="rId10"/>
                 <a:stretch>
-                  <a:fillRect b="-7353"/>
+                  <a:fillRect b="-5797"/>
                 </a:stretch>
               </a:blipFill>
             </p:spPr>
@@ -7289,6 +7326,7 @@
               </a:bodyPr>
               <a:lstStyle/>
               <a:p>
+                <a:pPr/>
                 <a14:m>
                   <m:oMathPara xmlns:m="http://schemas.openxmlformats.org/officeDocument/2006/math">
                     <m:oMathParaPr>
@@ -7298,7 +7336,9 @@
                       <m:sSubSup>
                         <m:sSubSupPr>
                           <m:ctrlPr>
-                            <a:rPr lang="ko-KR" altLang="ko-KR" i="1" smtClean="0"/>
+                            <a:rPr lang="ko-KR" altLang="ko-KR" i="1" smtClean="0">
+                              <a:latin typeface="Cambria Math"/>
+                            </a:rPr>
                           </m:ctrlPr>
                         </m:sSubSupPr>
                         <m:e>
@@ -7325,7 +7365,7 @@
                             <a:rPr lang="en-US" altLang="ko-KR" b="0" i="1" smtClean="0">
                               <a:latin typeface="Cambria Math"/>
                             </a:rPr>
-                            <m:t>1</m:t>
+                            <m:t>0</m:t>
                           </m:r>
                         </m:sup>
                       </m:sSubSup>
@@ -7400,6 +7440,7 @@
               </a:bodyPr>
               <a:lstStyle/>
               <a:p>
+                <a:pPr/>
                 <a14:m>
                   <m:oMathPara xmlns:m="http://schemas.openxmlformats.org/officeDocument/2006/math">
                     <m:oMathParaPr>
@@ -7409,7 +7450,9 @@
                       <m:sSubSup>
                         <m:sSubSupPr>
                           <m:ctrlPr>
-                            <a:rPr lang="ko-KR" altLang="ko-KR" i="1" smtClean="0"/>
+                            <a:rPr lang="ko-KR" altLang="ko-KR" i="1" smtClean="0">
+                              <a:latin typeface="Cambria Math"/>
+                            </a:rPr>
                           </m:ctrlPr>
                         </m:sSubSupPr>
                         <m:e>
@@ -7436,7 +7479,7 @@
                             <a:rPr lang="en-US" altLang="ko-KR" b="0" i="1" smtClean="0">
                               <a:latin typeface="Cambria Math"/>
                             </a:rPr>
-                            <m:t>1</m:t>
+                            <m:t>0</m:t>
                           </m:r>
                         </m:sup>
                       </m:sSubSup>
@@ -7498,7 +7541,7 @@
             <p:spPr>
               <a:xfrm>
                 <a:off x="1308950" y="2801604"/>
-                <a:ext cx="598754" cy="383951"/>
+                <a:ext cx="598754" cy="386260"/>
               </a:xfrm>
               <a:prstGeom prst="rect">
                 <a:avLst/>
@@ -7511,6 +7554,7 @@
               </a:bodyPr>
               <a:lstStyle/>
               <a:p>
+                <a:pPr/>
                 <a14:m>
                   <m:oMathPara xmlns:m="http://schemas.openxmlformats.org/officeDocument/2006/math">
                     <m:oMathParaPr>
@@ -7520,7 +7564,9 @@
                       <m:sSubSup>
                         <m:sSubSupPr>
                           <m:ctrlPr>
-                            <a:rPr lang="ko-KR" altLang="ko-KR" i="1" smtClean="0"/>
+                            <a:rPr lang="ko-KR" altLang="ko-KR" i="1" smtClean="0">
+                              <a:latin typeface="Cambria Math"/>
+                            </a:rPr>
                           </m:ctrlPr>
                         </m:sSubSupPr>
                         <m:e>
@@ -7553,7 +7599,7 @@
                             <a:rPr lang="en-US" altLang="ko-KR" b="0" i="1" smtClean="0">
                               <a:latin typeface="Cambria Math"/>
                             </a:rPr>
-                            <m:t>1</m:t>
+                            <m:t>0</m:t>
                           </m:r>
                         </m:sup>
                       </m:sSubSup>
@@ -7577,7 +7623,7 @@
             <p:spPr>
               <a:xfrm>
                 <a:off x="1308950" y="2801604"/>
-                <a:ext cx="598754" cy="383951"/>
+                <a:ext cx="598754" cy="386260"/>
               </a:xfrm>
               <a:prstGeom prst="rect">
                 <a:avLst/>
@@ -7615,7 +7661,7 @@
             <p:spPr>
               <a:xfrm>
                 <a:off x="1270478" y="2261737"/>
-                <a:ext cx="637226" cy="374205"/>
+                <a:ext cx="637226" cy="376513"/>
               </a:xfrm>
               <a:prstGeom prst="rect">
                 <a:avLst/>
@@ -7628,6 +7674,7 @@
               </a:bodyPr>
               <a:lstStyle/>
               <a:p>
+                <a:pPr/>
                 <a14:m>
                   <m:oMathPara xmlns:m="http://schemas.openxmlformats.org/officeDocument/2006/math">
                     <m:oMathParaPr>
@@ -7637,7 +7684,9 @@
                       <m:sSubSup>
                         <m:sSubSupPr>
                           <m:ctrlPr>
-                            <a:rPr lang="ko-KR" altLang="ko-KR" i="1" smtClean="0"/>
+                            <a:rPr lang="ko-KR" altLang="ko-KR" i="1" smtClean="0">
+                              <a:latin typeface="Cambria Math"/>
+                            </a:rPr>
                           </m:ctrlPr>
                         </m:sSubSupPr>
                         <m:e>
@@ -7664,7 +7713,7 @@
                             <a:rPr lang="en-US" altLang="ko-KR" b="0" i="1" smtClean="0">
                               <a:latin typeface="Cambria Math"/>
                             </a:rPr>
-                            <m:t>1</m:t>
+                            <m:t>0</m:t>
                           </m:r>
                         </m:sup>
                       </m:sSubSup>
@@ -7688,7 +7737,7 @@
             <p:spPr>
               <a:xfrm>
                 <a:off x="1270478" y="2261737"/>
-                <a:ext cx="637226" cy="374205"/>
+                <a:ext cx="637226" cy="376513"/>
               </a:xfrm>
               <a:prstGeom prst="rect">
                 <a:avLst/>
@@ -7696,7 +7745,7 @@
               <a:blipFill rotWithShape="1">
                 <a:blip r:embed="rId14"/>
                 <a:stretch>
-                  <a:fillRect b="-3279"/>
+                  <a:fillRect b="-1613"/>
                 </a:stretch>
               </a:blipFill>
             </p:spPr>
@@ -7726,7 +7775,7 @@
             <p:spPr>
               <a:xfrm>
                 <a:off x="1259632" y="1610138"/>
-                <a:ext cx="631904" cy="374205"/>
+                <a:ext cx="631903" cy="376513"/>
               </a:xfrm>
               <a:prstGeom prst="rect">
                 <a:avLst/>
@@ -7739,6 +7788,7 @@
               </a:bodyPr>
               <a:lstStyle/>
               <a:p>
+                <a:pPr/>
                 <a14:m>
                   <m:oMathPara xmlns:m="http://schemas.openxmlformats.org/officeDocument/2006/math">
                     <m:oMathParaPr>
@@ -7748,7 +7798,9 @@
                       <m:sSubSup>
                         <m:sSubSupPr>
                           <m:ctrlPr>
-                            <a:rPr lang="ko-KR" altLang="ko-KR" i="1" smtClean="0"/>
+                            <a:rPr lang="ko-KR" altLang="ko-KR" i="1" smtClean="0">
+                              <a:latin typeface="Cambria Math"/>
+                            </a:rPr>
                           </m:ctrlPr>
                         </m:sSubSupPr>
                         <m:e>
@@ -7775,7 +7827,7 @@
                             <a:rPr lang="en-US" altLang="ko-KR" b="0" i="1" smtClean="0">
                               <a:latin typeface="Cambria Math"/>
                             </a:rPr>
-                            <m:t>1</m:t>
+                            <m:t>0</m:t>
                           </m:r>
                         </m:sup>
                       </m:sSubSup>
@@ -7799,7 +7851,7 @@
             <p:spPr>
               <a:xfrm>
                 <a:off x="1259632" y="1610138"/>
-                <a:ext cx="631904" cy="374205"/>
+                <a:ext cx="631903" cy="376513"/>
               </a:xfrm>
               <a:prstGeom prst="rect">
                 <a:avLst/>
@@ -7837,7 +7889,7 @@
             <p:spPr>
               <a:xfrm>
                 <a:off x="1242653" y="1182587"/>
-                <a:ext cx="637226" cy="374205"/>
+                <a:ext cx="637226" cy="376513"/>
               </a:xfrm>
               <a:prstGeom prst="rect">
                 <a:avLst/>
@@ -7850,6 +7902,7 @@
               </a:bodyPr>
               <a:lstStyle/>
               <a:p>
+                <a:pPr/>
                 <a14:m>
                   <m:oMathPara xmlns:m="http://schemas.openxmlformats.org/officeDocument/2006/math">
                     <m:oMathParaPr>
@@ -7859,7 +7912,9 @@
                       <m:sSubSup>
                         <m:sSubSupPr>
                           <m:ctrlPr>
-                            <a:rPr lang="ko-KR" altLang="ko-KR" i="1" smtClean="0"/>
+                            <a:rPr lang="ko-KR" altLang="ko-KR" i="1" smtClean="0">
+                              <a:latin typeface="Cambria Math"/>
+                            </a:rPr>
                           </m:ctrlPr>
                         </m:sSubSupPr>
                         <m:e>
@@ -7886,7 +7941,7 @@
                             <a:rPr lang="en-US" altLang="ko-KR" b="0" i="1" smtClean="0">
                               <a:latin typeface="Cambria Math"/>
                             </a:rPr>
-                            <m:t>1</m:t>
+                            <m:t>0</m:t>
                           </m:r>
                         </m:sup>
                       </m:sSubSup>
@@ -7910,7 +7965,7 @@
             <p:spPr>
               <a:xfrm>
                 <a:off x="1242653" y="1182587"/>
-                <a:ext cx="637226" cy="374205"/>
+                <a:ext cx="637226" cy="376513"/>
               </a:xfrm>
               <a:prstGeom prst="rect">
                 <a:avLst/>
@@ -7918,7 +7973,7 @@
               <a:blipFill rotWithShape="1">
                 <a:blip r:embed="rId16"/>
                 <a:stretch>
-                  <a:fillRect b="-3279"/>
+                  <a:fillRect b="-1613"/>
                 </a:stretch>
               </a:blipFill>
             </p:spPr>
@@ -7948,7 +8003,7 @@
             <p:spPr>
               <a:xfrm>
                 <a:off x="1259632" y="781306"/>
-                <a:ext cx="585288" cy="415050"/>
+                <a:ext cx="585288" cy="417358"/>
               </a:xfrm>
               <a:prstGeom prst="rect">
                 <a:avLst/>
@@ -7961,6 +8016,7 @@
               </a:bodyPr>
               <a:lstStyle/>
               <a:p>
+                <a:pPr/>
                 <a14:m>
                   <m:oMathPara xmlns:m="http://schemas.openxmlformats.org/officeDocument/2006/math">
                     <m:oMathParaPr>
@@ -7970,7 +8026,9 @@
                       <m:sSubSup>
                         <m:sSubSupPr>
                           <m:ctrlPr>
-                            <a:rPr lang="ko-KR" altLang="ko-KR" i="1" smtClean="0"/>
+                            <a:rPr lang="ko-KR" altLang="ko-KR" i="1" smtClean="0">
+                              <a:latin typeface="Cambria Math"/>
+                            </a:rPr>
                           </m:ctrlPr>
                         </m:sSubSupPr>
                         <m:e>
@@ -7997,7 +8055,7 @@
                             <a:rPr lang="en-US" altLang="ko-KR" b="0" i="1" smtClean="0">
                               <a:latin typeface="Cambria Math"/>
                             </a:rPr>
-                            <m:t>1</m:t>
+                            <m:t>0</m:t>
                           </m:r>
                         </m:sup>
                       </m:sSubSup>
@@ -8021,7 +8079,7 @@
             <p:spPr>
               <a:xfrm>
                 <a:off x="1259632" y="781306"/>
-                <a:ext cx="585288" cy="415050"/>
+                <a:ext cx="585288" cy="417358"/>
               </a:xfrm>
               <a:prstGeom prst="rect">
                 <a:avLst/>
@@ -8029,7 +8087,7 @@
               <a:blipFill rotWithShape="1">
                 <a:blip r:embed="rId17"/>
                 <a:stretch>
-                  <a:fillRect b="-7353"/>
+                  <a:fillRect b="-5797"/>
                 </a:stretch>
               </a:blipFill>
             </p:spPr>
@@ -8048,8 +8106,8 @@
           </p:sp>
         </mc:Fallback>
       </mc:AlternateContent>
-      <mc:AlternateContent xmlns:mc="http://schemas.openxmlformats.org/markup-compatibility/2006">
-        <mc:Choice xmlns:a14="http://schemas.microsoft.com/office/drawing/2010/main" Requires="a14">
+      <mc:AlternateContent xmlns:mc="http://schemas.openxmlformats.org/markup-compatibility/2006" xmlns:a14="http://schemas.microsoft.com/office/drawing/2010/main">
+        <mc:Choice Requires="a14">
           <p:sp>
             <p:nvSpPr>
               <p:cNvPr id="211" name="TextBox 210"/>
@@ -8072,6 +8130,7 @@
               </a:bodyPr>
               <a:lstStyle/>
               <a:p>
+                <a:pPr/>
                 <a14:m>
                   <m:oMathPara xmlns:m="http://schemas.openxmlformats.org/officeDocument/2006/math">
                     <m:oMathParaPr>
@@ -8081,7 +8140,9 @@
                       <m:sSubSup>
                         <m:sSubSupPr>
                           <m:ctrlPr>
-                            <a:rPr lang="ko-KR" altLang="ko-KR" i="1" smtClean="0"/>
+                            <a:rPr lang="ko-KR" altLang="ko-KR" i="1" smtClean="0">
+                              <a:latin typeface="Cambria Math"/>
+                            </a:rPr>
                           </m:ctrlPr>
                         </m:sSubSupPr>
                         <m:e>
@@ -8120,7 +8181,7 @@
             </p:txBody>
           </p:sp>
         </mc:Choice>
-        <mc:Fallback>
+        <mc:Fallback xmlns="">
           <p:sp>
             <p:nvSpPr>
               <p:cNvPr id="211" name="TextBox 210"/>
@@ -8170,7 +8231,7 @@
             <p:spPr>
               <a:xfrm>
                 <a:off x="4172100" y="2231747"/>
-                <a:ext cx="597471" cy="415627"/>
+                <a:ext cx="597471" cy="415050"/>
               </a:xfrm>
               <a:prstGeom prst="rect">
                 <a:avLst/>
@@ -8183,6 +8244,7 @@
               </a:bodyPr>
               <a:lstStyle/>
               <a:p>
+                <a:pPr/>
                 <a14:m>
                   <m:oMathPara xmlns:m="http://schemas.openxmlformats.org/officeDocument/2006/math">
                     <m:oMathParaPr>
@@ -8192,7 +8254,9 @@
                       <m:sSubSup>
                         <m:sSubSupPr>
                           <m:ctrlPr>
-                            <a:rPr lang="ko-KR" altLang="ko-KR" i="1" smtClean="0"/>
+                            <a:rPr lang="ko-KR" altLang="ko-KR" i="1" smtClean="0">
+                              <a:latin typeface="Cambria Math"/>
+                            </a:rPr>
                           </m:ctrlPr>
                         </m:sSubSupPr>
                         <m:e>
@@ -8225,7 +8289,7 @@
                             <a:rPr lang="en-US" altLang="ko-KR" b="0" i="1" smtClean="0">
                               <a:latin typeface="Cambria Math"/>
                             </a:rPr>
-                            <m:t>2</m:t>
+                            <m:t>1</m:t>
                           </m:r>
                         </m:sup>
                       </m:sSubSup>
@@ -8249,7 +8313,7 @@
             <p:spPr>
               <a:xfrm>
                 <a:off x="4172100" y="2231747"/>
-                <a:ext cx="597471" cy="415627"/>
+                <a:ext cx="597471" cy="415050"/>
               </a:xfrm>
               <a:prstGeom prst="rect">
                 <a:avLst/>
@@ -8287,7 +8351,7 @@
             <p:spPr>
               <a:xfrm>
                 <a:off x="4190304" y="1580148"/>
-                <a:ext cx="631904" cy="374783"/>
+                <a:ext cx="631904" cy="374205"/>
               </a:xfrm>
               <a:prstGeom prst="rect">
                 <a:avLst/>
@@ -8300,6 +8364,7 @@
               </a:bodyPr>
               <a:lstStyle/>
               <a:p>
+                <a:pPr/>
                 <a14:m>
                   <m:oMathPara xmlns:m="http://schemas.openxmlformats.org/officeDocument/2006/math">
                     <m:oMathParaPr>
@@ -8309,7 +8374,9 @@
                       <m:sSubSup>
                         <m:sSubSupPr>
                           <m:ctrlPr>
-                            <a:rPr lang="ko-KR" altLang="ko-KR" i="1" smtClean="0"/>
+                            <a:rPr lang="ko-KR" altLang="ko-KR" i="1" smtClean="0">
+                              <a:latin typeface="Cambria Math"/>
+                            </a:rPr>
                           </m:ctrlPr>
                         </m:sSubSupPr>
                         <m:e>
@@ -8336,7 +8403,7 @@
                             <a:rPr lang="en-US" altLang="ko-KR" b="0" i="1" smtClean="0">
                               <a:latin typeface="Cambria Math"/>
                             </a:rPr>
-                            <m:t>2</m:t>
+                            <m:t>1</m:t>
                           </m:r>
                         </m:sup>
                       </m:sSubSup>
@@ -8360,7 +8427,7 @@
             <p:spPr>
               <a:xfrm>
                 <a:off x="4190304" y="1580148"/>
-                <a:ext cx="631904" cy="374783"/>
+                <a:ext cx="631904" cy="374205"/>
               </a:xfrm>
               <a:prstGeom prst="rect">
                 <a:avLst/>
@@ -8398,7 +8465,7 @@
             <p:spPr>
               <a:xfrm>
                 <a:off x="4250784" y="1152597"/>
-                <a:ext cx="637226" cy="374783"/>
+                <a:ext cx="661591" cy="374783"/>
               </a:xfrm>
               <a:prstGeom prst="rect">
                 <a:avLst/>
@@ -8411,6 +8478,7 @@
               </a:bodyPr>
               <a:lstStyle/>
               <a:p>
+                <a:pPr/>
                 <a14:m>
                   <m:oMathPara xmlns:m="http://schemas.openxmlformats.org/officeDocument/2006/math">
                     <m:oMathParaPr>
@@ -8420,7 +8488,9 @@
                       <m:sSubSup>
                         <m:sSubSupPr>
                           <m:ctrlPr>
-                            <a:rPr lang="ko-KR" altLang="ko-KR" i="1" smtClean="0"/>
+                            <a:rPr lang="ko-KR" altLang="ko-KR" i="1" smtClean="0">
+                              <a:latin typeface="Cambria Math"/>
+                            </a:rPr>
                           </m:ctrlPr>
                         </m:sSubSupPr>
                         <m:e>
@@ -8447,7 +8517,7 @@
                             <a:rPr lang="en-US" altLang="ko-KR" b="0" i="1" smtClean="0">
                               <a:latin typeface="Cambria Math"/>
                             </a:rPr>
-                            <m:t>2</m:t>
+                            <m:t>1</m:t>
                           </m:r>
                         </m:sup>
                       </m:sSubSup>
@@ -8471,7 +8541,7 @@
             <p:spPr>
               <a:xfrm>
                 <a:off x="4250784" y="1152597"/>
-                <a:ext cx="637226" cy="374783"/>
+                <a:ext cx="661591" cy="374783"/>
               </a:xfrm>
               <a:prstGeom prst="rect">
                 <a:avLst/>
@@ -8509,7 +8579,7 @@
             <p:spPr>
               <a:xfrm>
                 <a:off x="4267763" y="751316"/>
-                <a:ext cx="607218" cy="415627"/>
+                <a:ext cx="607218" cy="415050"/>
               </a:xfrm>
               <a:prstGeom prst="rect">
                 <a:avLst/>
@@ -8522,6 +8592,7 @@
               </a:bodyPr>
               <a:lstStyle/>
               <a:p>
+                <a:pPr/>
                 <a14:m>
                   <m:oMathPara xmlns:m="http://schemas.openxmlformats.org/officeDocument/2006/math">
                     <m:oMathParaPr>
@@ -8531,7 +8602,9 @@
                       <m:sSubSup>
                         <m:sSubSupPr>
                           <m:ctrlPr>
-                            <a:rPr lang="ko-KR" altLang="ko-KR" i="1" smtClean="0"/>
+                            <a:rPr lang="ko-KR" altLang="ko-KR" i="1" smtClean="0">
+                              <a:latin typeface="Cambria Math"/>
+                            </a:rPr>
                           </m:ctrlPr>
                         </m:sSubSupPr>
                         <m:e>
@@ -8558,7 +8631,7 @@
                             <a:rPr lang="en-US" altLang="ko-KR" b="0" i="1" smtClean="0">
                               <a:latin typeface="Cambria Math"/>
                             </a:rPr>
-                            <m:t>2</m:t>
+                            <m:t>1</m:t>
                           </m:r>
                         </m:sup>
                       </m:sSubSup>
@@ -8582,7 +8655,7 @@
             <p:spPr>
               <a:xfrm>
                 <a:off x="4267763" y="751316"/>
-                <a:ext cx="607218" cy="415627"/>
+                <a:ext cx="607218" cy="415050"/>
               </a:xfrm>
               <a:prstGeom prst="rect">
                 <a:avLst/>
@@ -8620,7 +8693,7 @@
             <p:spPr>
               <a:xfrm>
                 <a:off x="4946572" y="2389450"/>
-                <a:ext cx="469936" cy="385939"/>
+                <a:ext cx="472309" cy="371961"/>
               </a:xfrm>
               <a:prstGeom prst="rect">
                 <a:avLst/>
@@ -8633,6 +8706,7 @@
               </a:bodyPr>
               <a:lstStyle/>
               <a:p>
+                <a:pPr/>
                 <a14:m>
                   <m:oMathPara xmlns:m="http://schemas.openxmlformats.org/officeDocument/2006/math">
                     <m:oMathParaPr>
@@ -8642,7 +8716,9 @@
                       <m:sSubSup>
                         <m:sSubSupPr>
                           <m:ctrlPr>
-                            <a:rPr lang="ko-KR" altLang="ko-KR" i="1" smtClean="0"/>
+                            <a:rPr lang="ko-KR" altLang="ko-KR" i="1" smtClean="0">
+                              <a:latin typeface="Cambria Math"/>
+                            </a:rPr>
                           </m:ctrlPr>
                         </m:sSubSupPr>
                         <m:e>
@@ -8650,7 +8726,9 @@
                             <m:rPr>
                               <m:sty m:val="p"/>
                             </m:rPr>
-                            <a:rPr lang="en-US" altLang="ko-KR"/>
+                            <a:rPr lang="en-US" altLang="ko-KR">
+                              <a:latin typeface="Cambria Math"/>
+                            </a:rPr>
                             <m:t>Z</m:t>
                           </m:r>
                         </m:e>
@@ -8667,7 +8745,7 @@
                             <a:rPr lang="en-US" altLang="ko-KR" b="0" i="1" smtClean="0">
                               <a:latin typeface="Cambria Math"/>
                             </a:rPr>
-                            <m:t>2</m:t>
+                            <m:t>1</m:t>
                           </m:r>
                         </m:sup>
                       </m:sSubSup>
@@ -8691,7 +8769,7 @@
             <p:spPr>
               <a:xfrm>
                 <a:off x="4946572" y="2389450"/>
-                <a:ext cx="469936" cy="385939"/>
+                <a:ext cx="472309" cy="371961"/>
               </a:xfrm>
               <a:prstGeom prst="rect">
                 <a:avLst/>
@@ -8699,7 +8777,7 @@
               <a:blipFill rotWithShape="1">
                 <a:blip r:embed="rId23"/>
                 <a:stretch>
-                  <a:fillRect b="-1587"/>
+                  <a:fillRect b="-3279"/>
                 </a:stretch>
               </a:blipFill>
             </p:spPr>
@@ -8729,7 +8807,7 @@
             <p:spPr>
               <a:xfrm>
                 <a:off x="4915152" y="764704"/>
-                <a:ext cx="479683" cy="385939"/>
+                <a:ext cx="479683" cy="379719"/>
               </a:xfrm>
               <a:prstGeom prst="rect">
                 <a:avLst/>
@@ -8742,6 +8820,7 @@
               </a:bodyPr>
               <a:lstStyle/>
               <a:p>
+                <a:pPr/>
                 <a14:m>
                   <m:oMathPara xmlns:m="http://schemas.openxmlformats.org/officeDocument/2006/math">
                     <m:oMathParaPr>
@@ -8751,7 +8830,9 @@
                       <m:sSubSup>
                         <m:sSubSupPr>
                           <m:ctrlPr>
-                            <a:rPr lang="ko-KR" altLang="ko-KR" i="1" smtClean="0"/>
+                            <a:rPr lang="ko-KR" altLang="ko-KR" i="1" smtClean="0">
+                              <a:latin typeface="Cambria Math"/>
+                            </a:rPr>
                           </m:ctrlPr>
                         </m:sSubSupPr>
                         <m:e>
@@ -8759,7 +8840,9 @@
                             <m:rPr>
                               <m:sty m:val="p"/>
                             </m:rPr>
-                            <a:rPr lang="en-US" altLang="ko-KR"/>
+                            <a:rPr lang="en-US" altLang="ko-KR">
+                              <a:latin typeface="Cambria Math"/>
+                            </a:rPr>
                             <m:t>Z</m:t>
                           </m:r>
                         </m:e>
@@ -8776,7 +8859,7 @@
                             <a:rPr lang="en-US" altLang="ko-KR" b="0" i="1" smtClean="0">
                               <a:latin typeface="Cambria Math"/>
                             </a:rPr>
-                            <m:t>2</m:t>
+                            <m:t>1</m:t>
                           </m:r>
                         </m:sup>
                       </m:sSubSup>
@@ -8800,7 +8883,7 @@
             <p:spPr>
               <a:xfrm>
                 <a:off x="4915152" y="764704"/>
-                <a:ext cx="479683" cy="385939"/>
+                <a:ext cx="479683" cy="379719"/>
               </a:xfrm>
               <a:prstGeom prst="rect">
                 <a:avLst/>
@@ -8808,7 +8891,7 @@
               <a:blipFill rotWithShape="1">
                 <a:blip r:embed="rId24"/>
                 <a:stretch>
-                  <a:fillRect/>
+                  <a:fillRect b="-1587"/>
                 </a:stretch>
               </a:blipFill>
             </p:spPr>
@@ -8838,7 +8921,7 @@
             <p:spPr>
               <a:xfrm>
                 <a:off x="4915151" y="1651583"/>
-                <a:ext cx="469936" cy="385939"/>
+                <a:ext cx="472309" cy="374205"/>
               </a:xfrm>
               <a:prstGeom prst="rect">
                 <a:avLst/>
@@ -8851,6 +8934,7 @@
               </a:bodyPr>
               <a:lstStyle/>
               <a:p>
+                <a:pPr/>
                 <a14:m>
                   <m:oMathPara xmlns:m="http://schemas.openxmlformats.org/officeDocument/2006/math">
                     <m:oMathParaPr>
@@ -8860,7 +8944,9 @@
                       <m:sSubSup>
                         <m:sSubSupPr>
                           <m:ctrlPr>
-                            <a:rPr lang="ko-KR" altLang="ko-KR" i="1" smtClean="0"/>
+                            <a:rPr lang="ko-KR" altLang="ko-KR" i="1" smtClean="0">
+                              <a:latin typeface="Cambria Math"/>
+                            </a:rPr>
                           </m:ctrlPr>
                         </m:sSubSupPr>
                         <m:e>
@@ -8868,7 +8954,9 @@
                             <m:rPr>
                               <m:sty m:val="p"/>
                             </m:rPr>
-                            <a:rPr lang="en-US" altLang="ko-KR"/>
+                            <a:rPr lang="en-US" altLang="ko-KR">
+                              <a:latin typeface="Cambria Math"/>
+                            </a:rPr>
                             <m:t>Z</m:t>
                           </m:r>
                         </m:e>
@@ -8885,7 +8973,7 @@
                             <a:rPr lang="en-US" altLang="ko-KR" b="0" i="1" smtClean="0">
                               <a:latin typeface="Cambria Math"/>
                             </a:rPr>
-                            <m:t>2</m:t>
+                            <m:t>1</m:t>
                           </m:r>
                         </m:sup>
                       </m:sSubSup>
@@ -8909,7 +8997,7 @@
             <p:spPr>
               <a:xfrm>
                 <a:off x="4915151" y="1651583"/>
-                <a:ext cx="469936" cy="385939"/>
+                <a:ext cx="472309" cy="374205"/>
               </a:xfrm>
               <a:prstGeom prst="rect">
                 <a:avLst/>
@@ -8917,7 +9005,7 @@
               <a:blipFill rotWithShape="1">
                 <a:blip r:embed="rId25"/>
                 <a:stretch>
-                  <a:fillRect b="-1587"/>
+                  <a:fillRect b="-3279"/>
                 </a:stretch>
               </a:blipFill>
             </p:spPr>
@@ -8947,7 +9035,7 @@
             <p:spPr>
               <a:xfrm>
                 <a:off x="4906840" y="3146902"/>
-                <a:ext cx="479682" cy="385939"/>
+                <a:ext cx="479683" cy="379719"/>
               </a:xfrm>
               <a:prstGeom prst="rect">
                 <a:avLst/>
@@ -8960,6 +9048,7 @@
               </a:bodyPr>
               <a:lstStyle/>
               <a:p>
+                <a:pPr/>
                 <a14:m>
                   <m:oMathPara xmlns:m="http://schemas.openxmlformats.org/officeDocument/2006/math">
                     <m:oMathParaPr>
@@ -8969,7 +9058,9 @@
                       <m:sSubSup>
                         <m:sSubSupPr>
                           <m:ctrlPr>
-                            <a:rPr lang="ko-KR" altLang="ko-KR" i="1" smtClean="0"/>
+                            <a:rPr lang="ko-KR" altLang="ko-KR" i="1" smtClean="0">
+                              <a:latin typeface="Cambria Math"/>
+                            </a:rPr>
                           </m:ctrlPr>
                         </m:sSubSupPr>
                         <m:e>
@@ -8977,7 +9068,9 @@
                             <m:rPr>
                               <m:sty m:val="p"/>
                             </m:rPr>
-                            <a:rPr lang="en-US" altLang="ko-KR"/>
+                            <a:rPr lang="en-US" altLang="ko-KR">
+                              <a:latin typeface="Cambria Math"/>
+                            </a:rPr>
                             <m:t>Z</m:t>
                           </m:r>
                         </m:e>
@@ -8994,7 +9087,7 @@
                             <a:rPr lang="en-US" altLang="ko-KR" b="0" i="1" smtClean="0">
                               <a:latin typeface="Cambria Math"/>
                             </a:rPr>
-                            <m:t>2</m:t>
+                            <m:t>1</m:t>
                           </m:r>
                         </m:sup>
                       </m:sSubSup>
@@ -9018,7 +9111,7 @@
             <p:spPr>
               <a:xfrm>
                 <a:off x="4906840" y="3146902"/>
-                <a:ext cx="479682" cy="385939"/>
+                <a:ext cx="479683" cy="379719"/>
               </a:xfrm>
               <a:prstGeom prst="rect">
                 <a:avLst/>
@@ -9026,7 +9119,7 @@
               <a:blipFill rotWithShape="1">
                 <a:blip r:embed="rId26"/>
                 <a:stretch>
-                  <a:fillRect/>
+                  <a:fillRect b="-1587"/>
                 </a:stretch>
               </a:blipFill>
             </p:spPr>
@@ -9056,7 +9149,7 @@
             <p:spPr>
               <a:xfrm>
                 <a:off x="4940384" y="4195766"/>
-                <a:ext cx="469937" cy="385939"/>
+                <a:ext cx="472309" cy="373949"/>
               </a:xfrm>
               <a:prstGeom prst="rect">
                 <a:avLst/>
@@ -9069,6 +9162,7 @@
               </a:bodyPr>
               <a:lstStyle/>
               <a:p>
+                <a:pPr/>
                 <a14:m>
                   <m:oMathPara xmlns:m="http://schemas.openxmlformats.org/officeDocument/2006/math">
                     <m:oMathParaPr>
@@ -9078,7 +9172,9 @@
                       <m:sSubSup>
                         <m:sSubSupPr>
                           <m:ctrlPr>
-                            <a:rPr lang="ko-KR" altLang="ko-KR" i="1" smtClean="0"/>
+                            <a:rPr lang="ko-KR" altLang="ko-KR" i="1" smtClean="0">
+                              <a:latin typeface="Cambria Math"/>
+                            </a:rPr>
                           </m:ctrlPr>
                         </m:sSubSupPr>
                         <m:e>
@@ -9086,7 +9182,9 @@
                             <m:rPr>
                               <m:sty m:val="p"/>
                             </m:rPr>
-                            <a:rPr lang="en-US" altLang="ko-KR"/>
+                            <a:rPr lang="en-US" altLang="ko-KR">
+                              <a:latin typeface="Cambria Math"/>
+                            </a:rPr>
                             <m:t>Z</m:t>
                           </m:r>
                         </m:e>
@@ -9103,7 +9201,7 @@
                             <a:rPr lang="en-US" altLang="ko-KR" b="0" i="1" smtClean="0">
                               <a:latin typeface="Cambria Math"/>
                             </a:rPr>
-                            <m:t>2</m:t>
+                            <m:t>1</m:t>
                           </m:r>
                         </m:sup>
                       </m:sSubSup>
@@ -9127,7 +9225,7 @@
             <p:spPr>
               <a:xfrm>
                 <a:off x="4940384" y="4195766"/>
-                <a:ext cx="469937" cy="385939"/>
+                <a:ext cx="472309" cy="373949"/>
               </a:xfrm>
               <a:prstGeom prst="rect">
                 <a:avLst/>
@@ -9135,7 +9233,7 @@
               <a:blipFill rotWithShape="1">
                 <a:blip r:embed="rId27"/>
                 <a:stretch>
-                  <a:fillRect/>
+                  <a:fillRect b="-1613"/>
                 </a:stretch>
               </a:blipFill>
             </p:spPr>
@@ -9165,7 +9263,7 @@
             <p:spPr>
               <a:xfrm>
                 <a:off x="2418345" y="5058133"/>
-                <a:ext cx="1368836" cy="379271"/>
+                <a:ext cx="1377557" cy="381323"/>
               </a:xfrm>
               <a:prstGeom prst="rect">
                 <a:avLst/>
@@ -9177,6 +9275,7 @@
               </a:bodyPr>
               <a:lstStyle/>
               <a:p>
+                <a:pPr/>
                 <a14:m>
                   <m:oMathPara xmlns:m="http://schemas.openxmlformats.org/officeDocument/2006/math">
                     <m:oMathParaPr>
@@ -9186,7 +9285,9 @@
                       <m:func>
                         <m:funcPr>
                           <m:ctrlPr>
-                            <a:rPr lang="ko-KR" altLang="ko-KR" sz="1600" i="1" smtClean="0"/>
+                            <a:rPr lang="ko-KR" altLang="ko-KR" sz="1600" i="1" smtClean="0">
+                              <a:latin typeface="Cambria Math"/>
+                            </a:rPr>
                           </m:ctrlPr>
                         </m:funcPr>
                         <m:fName>
@@ -9194,7 +9295,9 @@
                             <m:rPr>
                               <m:sty m:val="p"/>
                             </m:rPr>
-                            <a:rPr lang="en-US" altLang="ko-KR" sz="1600"/>
+                            <a:rPr lang="en-US" altLang="ko-KR" sz="1600">
+                              <a:latin typeface="Cambria Math"/>
+                            </a:rPr>
                             <m:t>tanh</m:t>
                           </m:r>
                         </m:fName>
@@ -9228,10 +9331,10 @@
                             </m:sub>
                             <m:sup>
                               <m:r>
-                                <a:rPr lang="en-US" altLang="ko-KR" sz="1600" i="1">
+                                <a:rPr lang="en-US" altLang="ko-KR" sz="1600" b="0" i="1" smtClean="0">
                                   <a:latin typeface="Cambria Math"/>
                                 </a:rPr>
-                                <m:t>1</m:t>
+                                <m:t>0</m:t>
                               </m:r>
                             </m:sup>
                           </m:sSubSup>
@@ -9272,10 +9375,10 @@
                         </m:sub>
                         <m:sup>
                           <m:r>
-                            <a:rPr lang="en-US" altLang="ko-KR" sz="1600" i="1">
-                              <a:latin typeface="Cambria Math"/>
-                            </a:rPr>
-                            <m:t>1</m:t>
+                            <a:rPr lang="en-US" altLang="ko-KR" sz="1600" b="0" i="1" smtClean="0">
+                              <a:latin typeface="Cambria Math"/>
+                            </a:rPr>
+                            <m:t>0</m:t>
                           </m:r>
                         </m:sup>
                       </m:sSubSup>
@@ -9299,7 +9402,7 @@
             <p:spPr>
               <a:xfrm>
                 <a:off x="2418345" y="5058133"/>
-                <a:ext cx="1368836" cy="379271"/>
+                <a:ext cx="1377557" cy="381323"/>
               </a:xfrm>
               <a:prstGeom prst="rect">
                 <a:avLst/>
@@ -9349,6 +9452,7 @@
               </a:bodyPr>
               <a:lstStyle/>
               <a:p>
+                <a:pPr/>
                 <a14:m>
                   <m:oMathPara xmlns:m="http://schemas.openxmlformats.org/officeDocument/2006/math">
                     <m:oMathParaPr>
@@ -9360,7 +9464,9 @@
                           <m:chr m:val="∑"/>
                           <m:limLoc m:val="undOvr"/>
                           <m:ctrlPr>
-                            <a:rPr lang="ko-KR" altLang="ko-KR" sz="1600" i="1" smtClean="0"/>
+                            <a:rPr lang="ko-KR" altLang="ko-KR" sz="1600" i="1" smtClean="0">
+                              <a:latin typeface="Cambria Math"/>
+                            </a:rPr>
                           </m:ctrlPr>
                         </m:naryPr>
                         <m:sub>
@@ -9371,7 +9477,9 @@
                             <m:t>𝑖</m:t>
                           </m:r>
                           <m:r>
-                            <a:rPr lang="en-US" altLang="ko-KR" sz="1600" i="1"/>
+                            <a:rPr lang="en-US" altLang="ko-KR" sz="1600" i="1">
+                              <a:latin typeface="Cambria Math"/>
+                            </a:rPr>
                             <m:t>=0</m:t>
                           </m:r>
                         </m:sub>
@@ -9387,7 +9495,9 @@
                           <m:sSubSup>
                             <m:sSubSupPr>
                               <m:ctrlPr>
-                                <a:rPr lang="ko-KR" altLang="ko-KR" sz="1600" i="1"/>
+                                <a:rPr lang="ko-KR" altLang="ko-KR" sz="1600" i="1">
+                                  <a:latin typeface="Cambria Math"/>
+                                </a:rPr>
                               </m:ctrlPr>
                             </m:sSubSupPr>
                             <m:e>
@@ -9411,18 +9521,24 @@
                         </m:e>
                       </m:nary>
                       <m:r>
-                        <a:rPr lang="en-US" altLang="ko-KR" sz="1600" i="1"/>
+                        <a:rPr lang="en-US" altLang="ko-KR" sz="1600" i="1">
+                          <a:latin typeface="Cambria Math"/>
+                        </a:rPr>
                         <m:t>∗</m:t>
                       </m:r>
                       <m:sSubSup>
                         <m:sSubSupPr>
                           <m:ctrlPr>
-                            <a:rPr lang="ko-KR" altLang="ko-KR" sz="1600" i="1"/>
+                            <a:rPr lang="ko-KR" altLang="ko-KR" sz="1600" i="1">
+                              <a:latin typeface="Cambria Math"/>
+                            </a:rPr>
                           </m:ctrlPr>
                         </m:sSubSupPr>
                         <m:e>
                           <m:r>
-                            <a:rPr lang="en-US" altLang="ko-KR" sz="1600" i="1"/>
+                            <a:rPr lang="en-US" altLang="ko-KR" sz="1600" i="1">
+                              <a:latin typeface="Cambria Math"/>
+                            </a:rPr>
                             <m:t>𝑊</m:t>
                           </m:r>
                         </m:e>
@@ -9434,7 +9550,9 @@
                             <m:t>𝑖</m:t>
                           </m:r>
                           <m:r>
-                            <a:rPr lang="en-US" altLang="ko-KR" sz="1600" i="1"/>
+                            <a:rPr lang="en-US" altLang="ko-KR" sz="1600" i="1">
+                              <a:latin typeface="Cambria Math"/>
+                            </a:rPr>
                             <m:t>𝑗</m:t>
                           </m:r>
                         </m:sub>
@@ -9443,7 +9561,7 @@
                             <a:rPr lang="en-US" altLang="ko-KR" sz="1600" b="0" i="1" smtClean="0">
                               <a:latin typeface="Cambria Math"/>
                             </a:rPr>
-                            <m:t>1</m:t>
+                            <m:t>0</m:t>
                           </m:r>
                         </m:sup>
                       </m:sSubSup>
@@ -9482,10 +9600,10 @@
                         </m:sub>
                         <m:sup>
                           <m:r>
-                            <a:rPr lang="en-US" altLang="ko-KR" sz="1600" i="1">
-                              <a:latin typeface="Cambria Math"/>
-                            </a:rPr>
-                            <m:t>1</m:t>
+                            <a:rPr lang="en-US" altLang="ko-KR" sz="1600" b="0" i="1" smtClean="0">
+                              <a:latin typeface="Cambria Math"/>
+                            </a:rPr>
+                            <m:t>0</m:t>
                           </m:r>
                         </m:sup>
                       </m:sSubSup>
@@ -9547,7 +9665,7 @@
             <p:spPr>
               <a:xfrm>
                 <a:off x="1207907" y="5048486"/>
-                <a:ext cx="1233864" cy="343043"/>
+                <a:ext cx="1233863" cy="344966"/>
               </a:xfrm>
               <a:prstGeom prst="rect">
                 <a:avLst/>
@@ -9560,6 +9678,7 @@
               </a:bodyPr>
               <a:lstStyle/>
               <a:p>
+                <a:pPr/>
                 <a14:m>
                   <m:oMathPara xmlns:m="http://schemas.openxmlformats.org/officeDocument/2006/math">
                     <m:oMathParaPr>
@@ -9595,10 +9714,10 @@
                         </m:sub>
                         <m:sup>
                           <m:r>
-                            <a:rPr lang="en-US" altLang="ko-KR" sz="1600" i="1">
-                              <a:latin typeface="Cambria Math"/>
-                            </a:rPr>
-                            <m:t>1</m:t>
+                            <a:rPr lang="en-US" altLang="ko-KR" sz="1600" b="0" i="1" smtClean="0">
+                              <a:latin typeface="Cambria Math"/>
+                            </a:rPr>
+                            <m:t>0</m:t>
                           </m:r>
                         </m:sup>
                       </m:sSubSup>
@@ -9611,7 +9730,9 @@
                       <m:sSubSup>
                         <m:sSubSupPr>
                           <m:ctrlPr>
-                            <a:rPr lang="ko-KR" altLang="ko-KR" sz="1600" i="1" smtClean="0"/>
+                            <a:rPr lang="ko-KR" altLang="ko-KR" sz="1600" i="1" smtClean="0">
+                              <a:latin typeface="Cambria Math"/>
+                            </a:rPr>
                           </m:ctrlPr>
                         </m:sSubSupPr>
                         <m:e>
@@ -9638,7 +9759,7 @@
                             <a:rPr lang="en-US" altLang="ko-KR" sz="1600" b="0" i="1" smtClean="0">
                               <a:latin typeface="Cambria Math"/>
                             </a:rPr>
-                            <m:t>1</m:t>
+                            <m:t>0</m:t>
                           </m:r>
                         </m:sup>
                       </m:sSubSup>
@@ -9662,7 +9783,7 @@
             <p:spPr>
               <a:xfrm>
                 <a:off x="1207907" y="5048486"/>
-                <a:ext cx="1233864" cy="343043"/>
+                <a:ext cx="1233863" cy="344966"/>
               </a:xfrm>
               <a:prstGeom prst="rect">
                 <a:avLst/>
@@ -9689,8 +9810,8 @@
           </p:sp>
         </mc:Fallback>
       </mc:AlternateContent>
-      <mc:AlternateContent xmlns:mc="http://schemas.openxmlformats.org/markup-compatibility/2006">
-        <mc:Choice xmlns:a14="http://schemas.microsoft.com/office/drawing/2010/main" Requires="a14">
+      <mc:AlternateContent xmlns:mc="http://schemas.openxmlformats.org/markup-compatibility/2006" xmlns:a14="http://schemas.microsoft.com/office/drawing/2010/main">
+        <mc:Choice Requires="a14">
           <p:sp>
             <p:nvSpPr>
               <p:cNvPr id="224" name="TextBox 223"/>
@@ -9713,6 +9834,7 @@
               </a:bodyPr>
               <a:lstStyle/>
               <a:p>
+                <a:pPr/>
                 <a14:m>
                   <m:oMathPara xmlns:m="http://schemas.openxmlformats.org/officeDocument/2006/math">
                     <m:oMathParaPr>
@@ -9758,7 +9880,7 @@
             </p:txBody>
           </p:sp>
         </mc:Choice>
-        <mc:Fallback>
+        <mc:Fallback xmlns="">
           <p:sp>
             <p:nvSpPr>
               <p:cNvPr id="224" name="TextBox 223"/>
@@ -9820,6 +9942,7 @@
               </a:bodyPr>
               <a:lstStyle/>
               <a:p>
+                <a:pPr/>
                 <a14:m>
                   <m:oMathPara xmlns:m="http://schemas.openxmlformats.org/officeDocument/2006/math">
                     <m:oMathParaPr>
@@ -9831,7 +9954,9 @@
                           <m:chr m:val="∑"/>
                           <m:limLoc m:val="undOvr"/>
                           <m:ctrlPr>
-                            <a:rPr lang="ko-KR" altLang="ko-KR" sz="1600" i="1" smtClean="0"/>
+                            <a:rPr lang="ko-KR" altLang="ko-KR" sz="1600" i="1" smtClean="0">
+                              <a:latin typeface="Cambria Math"/>
+                            </a:rPr>
                           </m:ctrlPr>
                         </m:naryPr>
                         <m:sub>
@@ -9845,7 +9970,9 @@
                             <m:t>𝑗</m:t>
                           </m:r>
                           <m:r>
-                            <a:rPr lang="en-US" altLang="ko-KR" sz="1600" i="1"/>
+                            <a:rPr lang="en-US" altLang="ko-KR" sz="1600" i="1">
+                              <a:latin typeface="Cambria Math"/>
+                            </a:rPr>
                             <m:t>=0</m:t>
                           </m:r>
                         </m:sub>
@@ -9887,28 +10014,34 @@
                             </m:sub>
                             <m:sup>
                               <m:r>
-                                <a:rPr lang="en-US" altLang="ko-KR" sz="1600" i="1">
+                                <a:rPr lang="en-US" altLang="ko-KR" sz="1600" b="0" i="1" smtClean="0">
                                   <a:latin typeface="Cambria Math"/>
                                 </a:rPr>
-                                <m:t>1</m:t>
+                                <m:t>0</m:t>
                               </m:r>
                             </m:sup>
                           </m:sSubSup>
                         </m:e>
                       </m:nary>
                       <m:r>
-                        <a:rPr lang="en-US" altLang="ko-KR" sz="1600" i="1"/>
+                        <a:rPr lang="en-US" altLang="ko-KR" sz="1600" i="1">
+                          <a:latin typeface="Cambria Math"/>
+                        </a:rPr>
                         <m:t>∗</m:t>
                       </m:r>
                       <m:sSubSup>
                         <m:sSubSupPr>
                           <m:ctrlPr>
-                            <a:rPr lang="ko-KR" altLang="ko-KR" sz="1600" i="1"/>
+                            <a:rPr lang="ko-KR" altLang="ko-KR" sz="1600" i="1">
+                              <a:latin typeface="Cambria Math"/>
+                            </a:rPr>
                           </m:ctrlPr>
                         </m:sSubSupPr>
                         <m:e>
                           <m:r>
-                            <a:rPr lang="en-US" altLang="ko-KR" sz="1600" i="1"/>
+                            <a:rPr lang="en-US" altLang="ko-KR" sz="1600" i="1">
+                              <a:latin typeface="Cambria Math"/>
+                            </a:rPr>
                             <m:t>𝑊</m:t>
                           </m:r>
                         </m:e>
@@ -9925,7 +10058,7 @@
                             <a:rPr lang="en-US" altLang="ko-KR" sz="1600" b="0" i="1" smtClean="0">
                               <a:latin typeface="Cambria Math"/>
                             </a:rPr>
-                            <m:t>2</m:t>
+                            <m:t>1</m:t>
                           </m:r>
                         </m:sup>
                       </m:sSubSup>
@@ -9964,10 +10097,10 @@
                         </m:sub>
                         <m:sup>
                           <m:r>
-                            <a:rPr lang="en-US" altLang="ko-KR" sz="1600" i="1">
-                              <a:latin typeface="Cambria Math"/>
-                            </a:rPr>
-                            <m:t>2</m:t>
+                            <a:rPr lang="en-US" altLang="ko-KR" sz="1600" b="0" i="1" smtClean="0">
+                              <a:latin typeface="Cambria Math"/>
+                            </a:rPr>
+                            <m:t>1</m:t>
                           </m:r>
                         </m:sup>
                       </m:sSubSup>
@@ -10029,7 +10162,7 @@
             <p:spPr>
               <a:xfrm>
                 <a:off x="3923928" y="5013176"/>
-                <a:ext cx="1147301" cy="343427"/>
+                <a:ext cx="1147302" cy="343427"/>
               </a:xfrm>
               <a:prstGeom prst="rect">
                 <a:avLst/>
@@ -10042,6 +10175,7 @@
               </a:bodyPr>
               <a:lstStyle/>
               <a:p>
+                <a:pPr/>
                 <a14:m>
                   <m:oMathPara xmlns:m="http://schemas.openxmlformats.org/officeDocument/2006/math">
                     <m:oMathParaPr>
@@ -10080,7 +10214,7 @@
                             <a:rPr lang="en-US" altLang="ko-KR" sz="1600" b="0" i="1" smtClean="0">
                               <a:latin typeface="Cambria Math"/>
                             </a:rPr>
-                            <m:t>2</m:t>
+                            <m:t>1</m:t>
                           </m:r>
                         </m:sup>
                       </m:sSubSup>
@@ -10093,7 +10227,9 @@
                       <m:sSubSup>
                         <m:sSubSupPr>
                           <m:ctrlPr>
-                            <a:rPr lang="ko-KR" altLang="ko-KR" sz="1600" i="1" smtClean="0"/>
+                            <a:rPr lang="ko-KR" altLang="ko-KR" sz="1600" i="1" smtClean="0">
+                              <a:latin typeface="Cambria Math"/>
+                            </a:rPr>
                           </m:ctrlPr>
                         </m:sSubSupPr>
                         <m:e>
@@ -10120,7 +10256,7 @@
                             <a:rPr lang="en-US" altLang="ko-KR" sz="1600" b="0" i="1" smtClean="0">
                               <a:latin typeface="Cambria Math"/>
                             </a:rPr>
-                            <m:t>2</m:t>
+                            <m:t>1</m:t>
                           </m:r>
                         </m:sup>
                       </m:sSubSup>
@@ -10144,7 +10280,7 @@
             <p:spPr>
               <a:xfrm>
                 <a:off x="3923928" y="5013176"/>
-                <a:ext cx="1147301" cy="343427"/>
+                <a:ext cx="1147302" cy="343427"/>
               </a:xfrm>
               <a:prstGeom prst="rect">
                 <a:avLst/>
@@ -10195,6 +10331,7 @@
               </a:bodyPr>
               <a:lstStyle/>
               <a:p>
+                <a:pPr/>
                 <a14:m>
                   <m:oMathPara xmlns:m="http://schemas.openxmlformats.org/officeDocument/2006/math">
                     <m:oMathParaPr>
@@ -10236,10 +10373,10 @@
                         </m:sub>
                         <m:sup>
                           <m:r>
-                            <a:rPr lang="en-US" altLang="ko-KR" sz="1600" i="1">
-                              <a:latin typeface="Cambria Math"/>
-                            </a:rPr>
-                            <m:t>1</m:t>
+                            <a:rPr lang="en-US" altLang="ko-KR" sz="1600" b="0" i="1" smtClean="0">
+                              <a:latin typeface="Cambria Math"/>
+                            </a:rPr>
+                            <m:t>0</m:t>
                           </m:r>
                         </m:sup>
                       </m:sSubSup>
@@ -10343,7 +10480,7 @@
             <p:spPr>
               <a:xfrm>
                 <a:off x="5145174" y="4824927"/>
-                <a:ext cx="1284647" cy="645946"/>
+                <a:ext cx="1335622" cy="648063"/>
               </a:xfrm>
               <a:prstGeom prst="rect">
                 <a:avLst/>
@@ -10360,19 +10497,25 @@
                     <m:f>
                       <m:fPr>
                         <m:ctrlPr>
-                          <a:rPr lang="ko-KR" altLang="ko-KR" sz="1600" i="1" smtClean="0"/>
+                          <a:rPr lang="ko-KR" altLang="ko-KR" sz="1600" i="1" smtClean="0">
+                            <a:latin typeface="Cambria Math"/>
+                          </a:rPr>
                         </m:ctrlPr>
                       </m:fPr>
                       <m:num>
                         <m:sSup>
                           <m:sSupPr>
                             <m:ctrlPr>
-                              <a:rPr lang="ko-KR" altLang="ko-KR" sz="1600" i="1"/>
+                              <a:rPr lang="ko-KR" altLang="ko-KR" sz="1600" i="1">
+                                <a:latin typeface="Cambria Math"/>
+                              </a:rPr>
                             </m:ctrlPr>
                           </m:sSupPr>
                           <m:e>
                             <m:r>
-                              <a:rPr lang="en-US" altLang="ko-KR" sz="1600" i="1"/>
+                              <a:rPr lang="en-US" altLang="ko-KR" sz="1600" i="1">
+                                <a:latin typeface="Cambria Math"/>
+                              </a:rPr>
                               <m:t>𝑒</m:t>
                             </m:r>
                           </m:e>
@@ -10380,18 +10523,24 @@
                             <m:sSubSup>
                               <m:sSubSupPr>
                                 <m:ctrlPr>
-                                  <a:rPr lang="ko-KR" altLang="ko-KR" sz="1600" i="1"/>
+                                  <a:rPr lang="ko-KR" altLang="ko-KR" sz="1600" i="1">
+                                    <a:latin typeface="Cambria Math"/>
+                                  </a:rPr>
                                 </m:ctrlPr>
                               </m:sSubSupPr>
                               <m:e>
                                 <m:r>
-                                  <a:rPr lang="en-US" altLang="ko-KR" sz="1600" i="1"/>
+                                  <a:rPr lang="en-US" altLang="ko-KR" sz="1600" i="1">
+                                    <a:latin typeface="Cambria Math"/>
+                                  </a:rPr>
                                   <m:t>𝑍</m:t>
                                 </m:r>
                               </m:e>
                               <m:sub>
                                 <m:r>
-                                  <a:rPr lang="en-US" altLang="ko-KR" sz="1600" i="1"/>
+                                  <a:rPr lang="en-US" altLang="ko-KR" sz="1600" i="1">
+                                    <a:latin typeface="Cambria Math"/>
+                                  </a:rPr>
                                   <m:t>𝑘</m:t>
                                 </m:r>
                               </m:sub>
@@ -10400,7 +10549,7 @@
                                   <a:rPr lang="en-US" altLang="ko-KR" sz="1600" b="0" i="1" smtClean="0">
                                     <a:latin typeface="Cambria Math"/>
                                   </a:rPr>
-                                  <m:t>2</m:t>
+                                  <m:t>1</m:t>
                                 </m:r>
                               </m:sup>
                             </m:sSubSup>
@@ -10413,22 +10562,30 @@
                             <m:chr m:val="∑"/>
                             <m:limLoc m:val="undOvr"/>
                             <m:ctrlPr>
-                              <a:rPr lang="ko-KR" altLang="ko-KR" sz="1600" i="1"/>
+                              <a:rPr lang="ko-KR" altLang="ko-KR" sz="1600" i="1">
+                                <a:latin typeface="Cambria Math"/>
+                              </a:rPr>
                             </m:ctrlPr>
                           </m:naryPr>
                           <m:sub>
                             <m:r>
-                              <a:rPr lang="en-US" altLang="ko-KR" sz="1600" i="1"/>
+                              <a:rPr lang="en-US" altLang="ko-KR" sz="1600" i="1">
+                                <a:latin typeface="Cambria Math"/>
+                              </a:rPr>
                               <m:t>𝑘</m:t>
                             </m:r>
                             <m:r>
-                              <a:rPr lang="en-US" altLang="ko-KR" sz="1600" i="1"/>
+                              <a:rPr lang="en-US" altLang="ko-KR" sz="1600" i="1">
+                                <a:latin typeface="Cambria Math"/>
+                              </a:rPr>
                               <m:t>=0</m:t>
                             </m:r>
                           </m:sub>
                           <m:sup>
                             <m:r>
-                              <a:rPr lang="en-US" altLang="ko-KR" sz="1600" i="1"/>
+                              <a:rPr lang="en-US" altLang="ko-KR" sz="1600" i="1">
+                                <a:latin typeface="Cambria Math"/>
+                              </a:rPr>
                               <m:t>9</m:t>
                             </m:r>
                           </m:sup>
@@ -10436,12 +10593,16 @@
                             <m:sSup>
                               <m:sSupPr>
                                 <m:ctrlPr>
-                                  <a:rPr lang="ko-KR" altLang="ko-KR" sz="1600" i="1"/>
+                                  <a:rPr lang="ko-KR" altLang="ko-KR" sz="1600" i="1">
+                                    <a:latin typeface="Cambria Math"/>
+                                  </a:rPr>
                                 </m:ctrlPr>
                               </m:sSupPr>
                               <m:e>
                                 <m:r>
-                                  <a:rPr lang="en-US" altLang="ko-KR" sz="1600" i="1"/>
+                                  <a:rPr lang="en-US" altLang="ko-KR" sz="1600" i="1">
+                                    <a:latin typeface="Cambria Math"/>
+                                  </a:rPr>
                                   <m:t>𝑒</m:t>
                                 </m:r>
                               </m:e>
@@ -10449,18 +10610,24 @@
                                 <m:sSubSup>
                                   <m:sSubSupPr>
                                     <m:ctrlPr>
-                                      <a:rPr lang="ko-KR" altLang="ko-KR" sz="1600" i="1"/>
+                                      <a:rPr lang="ko-KR" altLang="ko-KR" sz="1600" i="1">
+                                        <a:latin typeface="Cambria Math"/>
+                                      </a:rPr>
                                     </m:ctrlPr>
                                   </m:sSubSupPr>
                                   <m:e>
                                     <m:r>
-                                      <a:rPr lang="en-US" altLang="ko-KR" sz="1600" i="1"/>
+                                      <a:rPr lang="en-US" altLang="ko-KR" sz="1600" i="1">
+                                        <a:latin typeface="Cambria Math"/>
+                                      </a:rPr>
                                       <m:t>𝑍</m:t>
                                     </m:r>
                                   </m:e>
                                   <m:sub>
                                     <m:r>
-                                      <a:rPr lang="en-US" altLang="ko-KR" sz="1600" i="1"/>
+                                      <a:rPr lang="en-US" altLang="ko-KR" sz="1600" i="1">
+                                        <a:latin typeface="Cambria Math"/>
+                                      </a:rPr>
                                       <m:t>𝑘</m:t>
                                     </m:r>
                                   </m:sub>
@@ -10469,7 +10636,7 @@
                                       <a:rPr lang="en-US" altLang="ko-KR" sz="1600" b="0" i="1" smtClean="0">
                                         <a:latin typeface="Cambria Math"/>
                                       </a:rPr>
-                                      <m:t>2</m:t>
+                                      <m:t>1</m:t>
                                     </m:r>
                                   </m:sup>
                                 </m:sSubSup>
@@ -10540,7 +10707,7 @@
             <p:spPr>
               <a:xfrm>
                 <a:off x="5145174" y="4824927"/>
-                <a:ext cx="1284647" cy="645946"/>
+                <a:ext cx="1335622" cy="648063"/>
               </a:xfrm>
               <a:prstGeom prst="rect">
                 <a:avLst/>
@@ -10567,8 +10734,8 @@
           </p:sp>
         </mc:Fallback>
       </mc:AlternateContent>
-      <mc:AlternateContent xmlns:mc="http://schemas.openxmlformats.org/markup-compatibility/2006">
-        <mc:Choice xmlns:a14="http://schemas.microsoft.com/office/drawing/2010/main" Requires="a14">
+      <mc:AlternateContent xmlns:mc="http://schemas.openxmlformats.org/markup-compatibility/2006" xmlns:a14="http://schemas.microsoft.com/office/drawing/2010/main">
+        <mc:Choice Requires="a14">
           <p:sp>
             <p:nvSpPr>
               <p:cNvPr id="235" name="직사각형 234"/>
@@ -10590,6 +10757,7 @@
               </a:bodyPr>
               <a:lstStyle/>
               <a:p>
+                <a:pPr/>
                 <a14:m>
                   <m:oMathPara xmlns:m="http://schemas.openxmlformats.org/officeDocument/2006/math">
                     <m:oMathParaPr>
@@ -10600,22 +10768,30 @@
                         <m:naryPr>
                           <m:chr m:val="∑"/>
                           <m:ctrlPr>
-                            <a:rPr lang="ko-KR" altLang="ko-KR" sz="1600" i="1" smtClean="0"/>
+                            <a:rPr lang="ko-KR" altLang="ko-KR" sz="1600" i="1" smtClean="0">
+                              <a:latin typeface="Cambria Math"/>
+                            </a:rPr>
                           </m:ctrlPr>
                         </m:naryPr>
                         <m:sub>
                           <m:r>
-                            <a:rPr lang="en-US" altLang="ko-KR" sz="1600" i="1"/>
+                            <a:rPr lang="en-US" altLang="ko-KR" sz="1600" i="1">
+                              <a:latin typeface="Cambria Math"/>
+                            </a:rPr>
                             <m:t>𝑘</m:t>
                           </m:r>
                           <m:r>
-                            <a:rPr lang="en-US" altLang="ko-KR" sz="1600" i="1"/>
+                            <a:rPr lang="en-US" altLang="ko-KR" sz="1600" i="1">
+                              <a:latin typeface="Cambria Math"/>
+                            </a:rPr>
                             <m:t>=0</m:t>
                           </m:r>
                         </m:sub>
                         <m:sup>
                           <m:r>
-                            <a:rPr lang="en-US" altLang="ko-KR" sz="1600" i="1"/>
+                            <a:rPr lang="en-US" altLang="ko-KR" sz="1600" i="1">
+                              <a:latin typeface="Cambria Math"/>
+                            </a:rPr>
                             <m:t>9</m:t>
                           </m:r>
                         </m:sup>
@@ -10623,62 +10799,84 @@
                           <m:sSub>
                             <m:sSubPr>
                               <m:ctrlPr>
-                                <a:rPr lang="ko-KR" altLang="ko-KR" sz="1600" i="1"/>
+                                <a:rPr lang="ko-KR" altLang="ko-KR" sz="1600" i="1">
+                                  <a:latin typeface="Cambria Math"/>
+                                </a:rPr>
                               </m:ctrlPr>
                             </m:sSubPr>
                             <m:e>
                               <m:r>
-                                <a:rPr lang="en-US" altLang="ko-KR" sz="1600" i="1"/>
+                                <a:rPr lang="en-US" altLang="ko-KR" sz="1600" i="1">
+                                  <a:latin typeface="Cambria Math"/>
+                                </a:rPr>
                                 <m:t>−</m:t>
                               </m:r>
                               <m:r>
-                                <a:rPr lang="en-US" altLang="ko-KR" sz="1600" i="1"/>
+                                <a:rPr lang="en-US" altLang="ko-KR" sz="1600" i="1">
+                                  <a:latin typeface="Cambria Math"/>
+                                </a:rPr>
                                 <m:t>𝑦</m:t>
                               </m:r>
                             </m:e>
                             <m:sub>
                               <m:r>
-                                <a:rPr lang="en-US" altLang="ko-KR" sz="1600" i="1"/>
+                                <a:rPr lang="en-US" altLang="ko-KR" sz="1600" i="1">
+                                  <a:latin typeface="Cambria Math"/>
+                                </a:rPr>
                                 <m:t>𝑘</m:t>
                               </m:r>
                             </m:sub>
                           </m:sSub>
                           <m:r>
-                            <a:rPr lang="en-US" altLang="ko-KR" sz="1600" i="1"/>
+                            <a:rPr lang="en-US" altLang="ko-KR" sz="1600" i="1">
+                              <a:latin typeface="Cambria Math"/>
+                            </a:rPr>
                             <m:t>∗</m:t>
                           </m:r>
                           <m:r>
                             <m:rPr>
                               <m:sty m:val="p"/>
                             </m:rPr>
-                            <a:rPr lang="en-US" altLang="ko-KR" sz="1600"/>
+                            <a:rPr lang="en-US" altLang="ko-KR" sz="1600">
+                              <a:latin typeface="Cambria Math"/>
+                            </a:rPr>
                             <m:t>log</m:t>
                           </m:r>
                           <m:r>
-                            <a:rPr lang="en-US" altLang="ko-KR" sz="1600" i="1"/>
+                            <a:rPr lang="en-US" altLang="ko-KR" sz="1600" i="1">
+                              <a:latin typeface="Cambria Math"/>
+                            </a:rPr>
                             <m:t>(</m:t>
                           </m:r>
                           <m:sSub>
                             <m:sSubPr>
                               <m:ctrlPr>
-                                <a:rPr lang="ko-KR" altLang="ko-KR" sz="1600" i="1"/>
+                                <a:rPr lang="ko-KR" altLang="ko-KR" sz="1600" i="1">
+                                  <a:latin typeface="Cambria Math"/>
+                                </a:rPr>
                               </m:ctrlPr>
                             </m:sSubPr>
                             <m:e>
                               <m:r>
-                                <a:rPr lang="en-US" altLang="ko-KR" sz="1600" i="1"/>
+                                <a:rPr lang="en-US" altLang="ko-KR" sz="1600" i="1">
+                                  <a:latin typeface="Cambria Math"/>
+                                </a:rPr>
                                 <m:t>𝑝</m:t>
                               </m:r>
                             </m:e>
                             <m:sub>
                               <m:r>
-                                <a:rPr lang="en-US" altLang="ko-KR" sz="1600" i="1"/>
+                                <a:rPr lang="en-US" altLang="ko-KR" sz="1600" i="1">
+                                  <a:latin typeface="Cambria Math"/>
+                                </a:rPr>
                                 <m:t>𝑘</m:t>
                               </m:r>
                             </m:sub>
                           </m:sSub>
                           <m:r>
-                            <a:rPr lang="en-US" altLang="ko-KR" sz="1600" i="1"/>
+                            <a:rPr lang="en-US" altLang="ko-KR" sz="1600" i="1">
+                              <a:latin typeface="Cambria Math"/>
+                            </a:rPr>
                             <m:t>)</m:t>
                           </m:r>
                         </m:e>
@@ -10776,7 +10974,7 @@
             </p:txBody>
           </p:sp>
         </mc:Choice>
-        <mc:Fallback>
+        <mc:Fallback xmlns="">
           <p:sp>
             <p:nvSpPr>
               <p:cNvPr id="235" name="직사각형 234"/>

--- a/neural_network.pptx
+++ b/neural_network.pptx
@@ -6,6 +6,7 @@
   </p:sldMasterIdLst>
   <p:sldIdLst>
     <p:sldId id="256" r:id="rId2"/>
+    <p:sldId id="257" r:id="rId3"/>
   </p:sldIdLst>
   <p:sldSz cx="9144000" cy="6858000" type="screen4x3"/>
   <p:notesSz cx="6858000" cy="9144000"/>
@@ -288,7 +289,7 @@
           <a:p>
             <a:fld id="{FB30EDBD-1C2D-4C1E-B459-B60219FAB484}" type="datetimeFigureOut">
               <a:rPr lang="ko-KR" altLang="en-US" smtClean="0"/>
-              <a:t>2018-09-16</a:t>
+              <a:t>2018-09-26</a:t>
             </a:fld>
             <a:endParaRPr lang="ko-KR" altLang="en-US"/>
           </a:p>
@@ -453,7 +454,7 @@
           <a:p>
             <a:fld id="{FB30EDBD-1C2D-4C1E-B459-B60219FAB484}" type="datetimeFigureOut">
               <a:rPr lang="ko-KR" altLang="en-US" smtClean="0"/>
-              <a:t>2018-09-16</a:t>
+              <a:t>2018-09-26</a:t>
             </a:fld>
             <a:endParaRPr lang="ko-KR" altLang="en-US"/>
           </a:p>
@@ -628,7 +629,7 @@
           <a:p>
             <a:fld id="{FB30EDBD-1C2D-4C1E-B459-B60219FAB484}" type="datetimeFigureOut">
               <a:rPr lang="ko-KR" altLang="en-US" smtClean="0"/>
-              <a:t>2018-09-16</a:t>
+              <a:t>2018-09-26</a:t>
             </a:fld>
             <a:endParaRPr lang="ko-KR" altLang="en-US"/>
           </a:p>
@@ -793,7 +794,7 @@
           <a:p>
             <a:fld id="{FB30EDBD-1C2D-4C1E-B459-B60219FAB484}" type="datetimeFigureOut">
               <a:rPr lang="ko-KR" altLang="en-US" smtClean="0"/>
-              <a:t>2018-09-16</a:t>
+              <a:t>2018-09-26</a:t>
             </a:fld>
             <a:endParaRPr lang="ko-KR" altLang="en-US"/>
           </a:p>
@@ -1034,7 +1035,7 @@
           <a:p>
             <a:fld id="{FB30EDBD-1C2D-4C1E-B459-B60219FAB484}" type="datetimeFigureOut">
               <a:rPr lang="ko-KR" altLang="en-US" smtClean="0"/>
-              <a:t>2018-09-16</a:t>
+              <a:t>2018-09-26</a:t>
             </a:fld>
             <a:endParaRPr lang="ko-KR" altLang="en-US"/>
           </a:p>
@@ -1317,7 +1318,7 @@
           <a:p>
             <a:fld id="{FB30EDBD-1C2D-4C1E-B459-B60219FAB484}" type="datetimeFigureOut">
               <a:rPr lang="ko-KR" altLang="en-US" smtClean="0"/>
-              <a:t>2018-09-16</a:t>
+              <a:t>2018-09-26</a:t>
             </a:fld>
             <a:endParaRPr lang="ko-KR" altLang="en-US"/>
           </a:p>
@@ -1734,7 +1735,7 @@
           <a:p>
             <a:fld id="{FB30EDBD-1C2D-4C1E-B459-B60219FAB484}" type="datetimeFigureOut">
               <a:rPr lang="ko-KR" altLang="en-US" smtClean="0"/>
-              <a:t>2018-09-16</a:t>
+              <a:t>2018-09-26</a:t>
             </a:fld>
             <a:endParaRPr lang="ko-KR" altLang="en-US"/>
           </a:p>
@@ -1847,7 +1848,7 @@
           <a:p>
             <a:fld id="{FB30EDBD-1C2D-4C1E-B459-B60219FAB484}" type="datetimeFigureOut">
               <a:rPr lang="ko-KR" altLang="en-US" smtClean="0"/>
-              <a:t>2018-09-16</a:t>
+              <a:t>2018-09-26</a:t>
             </a:fld>
             <a:endParaRPr lang="ko-KR" altLang="en-US"/>
           </a:p>
@@ -1937,7 +1938,7 @@
           <a:p>
             <a:fld id="{FB30EDBD-1C2D-4C1E-B459-B60219FAB484}" type="datetimeFigureOut">
               <a:rPr lang="ko-KR" altLang="en-US" smtClean="0"/>
-              <a:t>2018-09-16</a:t>
+              <a:t>2018-09-26</a:t>
             </a:fld>
             <a:endParaRPr lang="ko-KR" altLang="en-US"/>
           </a:p>
@@ -2209,7 +2210,7 @@
           <a:p>
             <a:fld id="{FB30EDBD-1C2D-4C1E-B459-B60219FAB484}" type="datetimeFigureOut">
               <a:rPr lang="ko-KR" altLang="en-US" smtClean="0"/>
-              <a:t>2018-09-16</a:t>
+              <a:t>2018-09-26</a:t>
             </a:fld>
             <a:endParaRPr lang="ko-KR" altLang="en-US"/>
           </a:p>
@@ -2457,7 +2458,7 @@
           <a:p>
             <a:fld id="{FB30EDBD-1C2D-4C1E-B459-B60219FAB484}" type="datetimeFigureOut">
               <a:rPr lang="ko-KR" altLang="en-US" smtClean="0"/>
-              <a:t>2018-09-16</a:t>
+              <a:t>2018-09-26</a:t>
             </a:fld>
             <a:endParaRPr lang="ko-KR" altLang="en-US"/>
           </a:p>
@@ -2665,7 +2666,7 @@
           <a:p>
             <a:fld id="{FB30EDBD-1C2D-4C1E-B459-B60219FAB484}" type="datetimeFigureOut">
               <a:rPr lang="ko-KR" altLang="en-US" smtClean="0"/>
-              <a:t>2018-09-16</a:t>
+              <a:t>2018-09-26</a:t>
             </a:fld>
             <a:endParaRPr lang="ko-KR" altLang="en-US"/>
           </a:p>
@@ -3783,8 +3784,8 @@
           </a:p>
         </p:txBody>
       </p:sp>
-      <mc:AlternateContent xmlns:mc="http://schemas.openxmlformats.org/markup-compatibility/2006">
-        <mc:Choice xmlns:a14="http://schemas.microsoft.com/office/drawing/2010/main" Requires="a14">
+      <mc:AlternateContent xmlns:mc="http://schemas.openxmlformats.org/markup-compatibility/2006" xmlns:a14="http://schemas.microsoft.com/office/drawing/2010/main">
+        <mc:Choice Requires="a14">
           <p:sp>
             <p:nvSpPr>
               <p:cNvPr id="67" name="TextBox 66"/>
@@ -3858,7 +3859,7 @@
             </p:txBody>
           </p:sp>
         </mc:Choice>
-        <mc:Fallback>
+        <mc:Fallback xmlns="">
           <p:sp>
             <p:nvSpPr>
               <p:cNvPr id="67" name="TextBox 66"/>
@@ -6167,8 +6168,8 @@
           </a:fontRef>
         </p:style>
       </p:cxnSp>
-      <mc:AlternateContent xmlns:mc="http://schemas.openxmlformats.org/markup-compatibility/2006">
-        <mc:Choice xmlns:a14="http://schemas.microsoft.com/office/drawing/2010/main" Requires="a14">
+      <mc:AlternateContent xmlns:mc="http://schemas.openxmlformats.org/markup-compatibility/2006" xmlns:a14="http://schemas.microsoft.com/office/drawing/2010/main">
+        <mc:Choice Requires="a14">
           <p:sp>
             <p:nvSpPr>
               <p:cNvPr id="189" name="TextBox 188"/>
@@ -6242,7 +6243,7 @@
             </p:txBody>
           </p:sp>
         </mc:Choice>
-        <mc:Fallback>
+        <mc:Fallback xmlns="">
           <p:sp>
             <p:nvSpPr>
               <p:cNvPr id="189" name="TextBox 188"/>
@@ -6281,8 +6282,8 @@
           </p:sp>
         </mc:Fallback>
       </mc:AlternateContent>
-      <mc:AlternateContent xmlns:mc="http://schemas.openxmlformats.org/markup-compatibility/2006">
-        <mc:Choice xmlns:a14="http://schemas.microsoft.com/office/drawing/2010/main" Requires="a14">
+      <mc:AlternateContent xmlns:mc="http://schemas.openxmlformats.org/markup-compatibility/2006" xmlns:a14="http://schemas.microsoft.com/office/drawing/2010/main">
+        <mc:Choice Requires="a14">
           <p:sp>
             <p:nvSpPr>
               <p:cNvPr id="190" name="TextBox 189"/>
@@ -6356,7 +6357,7 @@
             </p:txBody>
           </p:sp>
         </mc:Choice>
-        <mc:Fallback>
+        <mc:Fallback xmlns="">
           <p:sp>
             <p:nvSpPr>
               <p:cNvPr id="190" name="TextBox 189"/>
@@ -6395,8 +6396,8 @@
           </p:sp>
         </mc:Fallback>
       </mc:AlternateContent>
-      <mc:AlternateContent xmlns:mc="http://schemas.openxmlformats.org/markup-compatibility/2006">
-        <mc:Choice xmlns:a14="http://schemas.microsoft.com/office/drawing/2010/main" Requires="a14">
+      <mc:AlternateContent xmlns:mc="http://schemas.openxmlformats.org/markup-compatibility/2006" xmlns:a14="http://schemas.microsoft.com/office/drawing/2010/main">
+        <mc:Choice Requires="a14">
           <p:sp>
             <p:nvSpPr>
               <p:cNvPr id="191" name="TextBox 190"/>
@@ -6470,7 +6471,7 @@
             </p:txBody>
           </p:sp>
         </mc:Choice>
-        <mc:Fallback>
+        <mc:Fallback xmlns="">
           <p:sp>
             <p:nvSpPr>
               <p:cNvPr id="191" name="TextBox 190"/>
@@ -6509,8 +6510,8 @@
           </p:sp>
         </mc:Fallback>
       </mc:AlternateContent>
-      <mc:AlternateContent xmlns:mc="http://schemas.openxmlformats.org/markup-compatibility/2006">
-        <mc:Choice xmlns:a14="http://schemas.microsoft.com/office/drawing/2010/main" Requires="a14">
+      <mc:AlternateContent xmlns:mc="http://schemas.openxmlformats.org/markup-compatibility/2006" xmlns:a14="http://schemas.microsoft.com/office/drawing/2010/main">
+        <mc:Choice Requires="a14">
           <p:sp>
             <p:nvSpPr>
               <p:cNvPr id="192" name="TextBox 191"/>
@@ -6584,7 +6585,7 @@
             </p:txBody>
           </p:sp>
         </mc:Choice>
-        <mc:Fallback>
+        <mc:Fallback xmlns="">
           <p:sp>
             <p:nvSpPr>
               <p:cNvPr id="192" name="TextBox 191"/>
@@ -6761,8 +6762,8 @@
           </a:p>
         </p:txBody>
       </p:sp>
-      <mc:AlternateContent xmlns:mc="http://schemas.openxmlformats.org/markup-compatibility/2006">
-        <mc:Choice xmlns:a14="http://schemas.microsoft.com/office/drawing/2010/main" Requires="a14">
+      <mc:AlternateContent xmlns:mc="http://schemas.openxmlformats.org/markup-compatibility/2006" xmlns:a14="http://schemas.microsoft.com/office/drawing/2010/main">
+        <mc:Choice Requires="a14">
           <p:sp>
             <p:nvSpPr>
               <p:cNvPr id="196" name="TextBox 195"/>
@@ -6836,7 +6837,7 @@
             </p:txBody>
           </p:sp>
         </mc:Choice>
-        <mc:Fallback>
+        <mc:Fallback xmlns="">
           <p:sp>
             <p:nvSpPr>
               <p:cNvPr id="196" name="TextBox 195"/>
@@ -6960,8 +6961,8 @@
           </a:p>
         </p:txBody>
       </p:sp>
-      <mc:AlternateContent xmlns:mc="http://schemas.openxmlformats.org/markup-compatibility/2006">
-        <mc:Choice xmlns:a14="http://schemas.microsoft.com/office/drawing/2010/main" Requires="a14">
+      <mc:AlternateContent xmlns:mc="http://schemas.openxmlformats.org/markup-compatibility/2006" xmlns:a14="http://schemas.microsoft.com/office/drawing/2010/main">
+        <mc:Choice Requires="a14">
           <p:sp>
             <p:nvSpPr>
               <p:cNvPr id="199" name="TextBox 198"/>
@@ -7035,7 +7036,7 @@
             </p:txBody>
           </p:sp>
         </mc:Choice>
-        <mc:Fallback>
+        <mc:Fallback xmlns="">
           <p:sp>
             <p:nvSpPr>
               <p:cNvPr id="199" name="TextBox 198"/>
@@ -7074,8 +7075,8 @@
           </p:sp>
         </mc:Fallback>
       </mc:AlternateContent>
-      <mc:AlternateContent xmlns:mc="http://schemas.openxmlformats.org/markup-compatibility/2006">
-        <mc:Choice xmlns:a14="http://schemas.microsoft.com/office/drawing/2010/main" Requires="a14">
+      <mc:AlternateContent xmlns:mc="http://schemas.openxmlformats.org/markup-compatibility/2006" xmlns:a14="http://schemas.microsoft.com/office/drawing/2010/main">
+        <mc:Choice Requires="a14">
           <p:sp>
             <p:nvSpPr>
               <p:cNvPr id="200" name="TextBox 199"/>
@@ -7149,7 +7150,7 @@
             </p:txBody>
           </p:sp>
         </mc:Choice>
-        <mc:Fallback>
+        <mc:Fallback xmlns="">
           <p:sp>
             <p:nvSpPr>
               <p:cNvPr id="200" name="TextBox 199"/>
@@ -7188,8 +7189,8 @@
           </p:sp>
         </mc:Fallback>
       </mc:AlternateContent>
-      <mc:AlternateContent xmlns:mc="http://schemas.openxmlformats.org/markup-compatibility/2006">
-        <mc:Choice xmlns:a14="http://schemas.microsoft.com/office/drawing/2010/main" Requires="a14">
+      <mc:AlternateContent xmlns:mc="http://schemas.openxmlformats.org/markup-compatibility/2006" xmlns:a14="http://schemas.microsoft.com/office/drawing/2010/main">
+        <mc:Choice Requires="a14">
           <p:sp>
             <p:nvSpPr>
               <p:cNvPr id="201" name="TextBox 200"/>
@@ -7263,7 +7264,7 @@
             </p:txBody>
           </p:sp>
         </mc:Choice>
-        <mc:Fallback>
+        <mc:Fallback xmlns="">
           <p:sp>
             <p:nvSpPr>
               <p:cNvPr id="201" name="TextBox 200"/>
@@ -7302,8 +7303,8 @@
           </p:sp>
         </mc:Fallback>
       </mc:AlternateContent>
-      <mc:AlternateContent xmlns:mc="http://schemas.openxmlformats.org/markup-compatibility/2006">
-        <mc:Choice xmlns:a14="http://schemas.microsoft.com/office/drawing/2010/main" Requires="a14">
+      <mc:AlternateContent xmlns:mc="http://schemas.openxmlformats.org/markup-compatibility/2006" xmlns:a14="http://schemas.microsoft.com/office/drawing/2010/main">
+        <mc:Choice Requires="a14">
           <p:sp>
             <p:nvSpPr>
               <p:cNvPr id="202" name="TextBox 201"/>
@@ -7377,7 +7378,7 @@
             </p:txBody>
           </p:sp>
         </mc:Choice>
-        <mc:Fallback>
+        <mc:Fallback xmlns="">
           <p:sp>
             <p:nvSpPr>
               <p:cNvPr id="202" name="TextBox 201"/>
@@ -7416,8 +7417,8 @@
           </p:sp>
         </mc:Fallback>
       </mc:AlternateContent>
-      <mc:AlternateContent xmlns:mc="http://schemas.openxmlformats.org/markup-compatibility/2006">
-        <mc:Choice xmlns:a14="http://schemas.microsoft.com/office/drawing/2010/main" Requires="a14">
+      <mc:AlternateContent xmlns:mc="http://schemas.openxmlformats.org/markup-compatibility/2006" xmlns:a14="http://schemas.microsoft.com/office/drawing/2010/main">
+        <mc:Choice Requires="a14">
           <p:sp>
             <p:nvSpPr>
               <p:cNvPr id="204" name="TextBox 203"/>
@@ -7491,7 +7492,7 @@
             </p:txBody>
           </p:sp>
         </mc:Choice>
-        <mc:Fallback>
+        <mc:Fallback xmlns="">
           <p:sp>
             <p:nvSpPr>
               <p:cNvPr id="204" name="TextBox 203"/>
@@ -7530,8 +7531,8 @@
           </p:sp>
         </mc:Fallback>
       </mc:AlternateContent>
-      <mc:AlternateContent xmlns:mc="http://schemas.openxmlformats.org/markup-compatibility/2006">
-        <mc:Choice xmlns:a14="http://schemas.microsoft.com/office/drawing/2010/main" Requires="a14">
+      <mc:AlternateContent xmlns:mc="http://schemas.openxmlformats.org/markup-compatibility/2006" xmlns:a14="http://schemas.microsoft.com/office/drawing/2010/main">
+        <mc:Choice Requires="a14">
           <p:sp>
             <p:nvSpPr>
               <p:cNvPr id="205" name="TextBox 204"/>
@@ -7611,7 +7612,7 @@
             </p:txBody>
           </p:sp>
         </mc:Choice>
-        <mc:Fallback>
+        <mc:Fallback xmlns="">
           <p:sp>
             <p:nvSpPr>
               <p:cNvPr id="205" name="TextBox 204"/>
@@ -7650,8 +7651,8 @@
           </p:sp>
         </mc:Fallback>
       </mc:AlternateContent>
-      <mc:AlternateContent xmlns:mc="http://schemas.openxmlformats.org/markup-compatibility/2006">
-        <mc:Choice xmlns:a14="http://schemas.microsoft.com/office/drawing/2010/main" Requires="a14">
+      <mc:AlternateContent xmlns:mc="http://schemas.openxmlformats.org/markup-compatibility/2006" xmlns:a14="http://schemas.microsoft.com/office/drawing/2010/main">
+        <mc:Choice Requires="a14">
           <p:sp>
             <p:nvSpPr>
               <p:cNvPr id="206" name="TextBox 205"/>
@@ -7725,7 +7726,7 @@
             </p:txBody>
           </p:sp>
         </mc:Choice>
-        <mc:Fallback>
+        <mc:Fallback xmlns="">
           <p:sp>
             <p:nvSpPr>
               <p:cNvPr id="206" name="TextBox 205"/>
@@ -7764,8 +7765,8 @@
           </p:sp>
         </mc:Fallback>
       </mc:AlternateContent>
-      <mc:AlternateContent xmlns:mc="http://schemas.openxmlformats.org/markup-compatibility/2006">
-        <mc:Choice xmlns:a14="http://schemas.microsoft.com/office/drawing/2010/main" Requires="a14">
+      <mc:AlternateContent xmlns:mc="http://schemas.openxmlformats.org/markup-compatibility/2006" xmlns:a14="http://schemas.microsoft.com/office/drawing/2010/main">
+        <mc:Choice Requires="a14">
           <p:sp>
             <p:nvSpPr>
               <p:cNvPr id="207" name="TextBox 206"/>
@@ -7839,7 +7840,7 @@
             </p:txBody>
           </p:sp>
         </mc:Choice>
-        <mc:Fallback>
+        <mc:Fallback xmlns="">
           <p:sp>
             <p:nvSpPr>
               <p:cNvPr id="207" name="TextBox 206"/>
@@ -7878,8 +7879,8 @@
           </p:sp>
         </mc:Fallback>
       </mc:AlternateContent>
-      <mc:AlternateContent xmlns:mc="http://schemas.openxmlformats.org/markup-compatibility/2006">
-        <mc:Choice xmlns:a14="http://schemas.microsoft.com/office/drawing/2010/main" Requires="a14">
+      <mc:AlternateContent xmlns:mc="http://schemas.openxmlformats.org/markup-compatibility/2006" xmlns:a14="http://schemas.microsoft.com/office/drawing/2010/main">
+        <mc:Choice Requires="a14">
           <p:sp>
             <p:nvSpPr>
               <p:cNvPr id="208" name="TextBox 207"/>
@@ -7953,7 +7954,7 @@
             </p:txBody>
           </p:sp>
         </mc:Choice>
-        <mc:Fallback>
+        <mc:Fallback xmlns="">
           <p:sp>
             <p:nvSpPr>
               <p:cNvPr id="208" name="TextBox 207"/>
@@ -7992,8 +7993,8 @@
           </p:sp>
         </mc:Fallback>
       </mc:AlternateContent>
-      <mc:AlternateContent xmlns:mc="http://schemas.openxmlformats.org/markup-compatibility/2006">
-        <mc:Choice xmlns:a14="http://schemas.microsoft.com/office/drawing/2010/main" Requires="a14">
+      <mc:AlternateContent xmlns:mc="http://schemas.openxmlformats.org/markup-compatibility/2006" xmlns:a14="http://schemas.microsoft.com/office/drawing/2010/main">
+        <mc:Choice Requires="a14">
           <p:sp>
             <p:nvSpPr>
               <p:cNvPr id="209" name="TextBox 208"/>
@@ -8067,7 +8068,7 @@
             </p:txBody>
           </p:sp>
         </mc:Choice>
-        <mc:Fallback>
+        <mc:Fallback xmlns="">
           <p:sp>
             <p:nvSpPr>
               <p:cNvPr id="209" name="TextBox 208"/>
@@ -8220,8 +8221,8 @@
           </p:sp>
         </mc:Fallback>
       </mc:AlternateContent>
-      <mc:AlternateContent xmlns:mc="http://schemas.openxmlformats.org/markup-compatibility/2006">
-        <mc:Choice xmlns:a14="http://schemas.microsoft.com/office/drawing/2010/main" Requires="a14">
+      <mc:AlternateContent xmlns:mc="http://schemas.openxmlformats.org/markup-compatibility/2006" xmlns:a14="http://schemas.microsoft.com/office/drawing/2010/main">
+        <mc:Choice Requires="a14">
           <p:sp>
             <p:nvSpPr>
               <p:cNvPr id="212" name="TextBox 211"/>
@@ -8301,7 +8302,7 @@
             </p:txBody>
           </p:sp>
         </mc:Choice>
-        <mc:Fallback>
+        <mc:Fallback xmlns="">
           <p:sp>
             <p:nvSpPr>
               <p:cNvPr id="212" name="TextBox 211"/>
@@ -8340,8 +8341,8 @@
           </p:sp>
         </mc:Fallback>
       </mc:AlternateContent>
-      <mc:AlternateContent xmlns:mc="http://schemas.openxmlformats.org/markup-compatibility/2006">
-        <mc:Choice xmlns:a14="http://schemas.microsoft.com/office/drawing/2010/main" Requires="a14">
+      <mc:AlternateContent xmlns:mc="http://schemas.openxmlformats.org/markup-compatibility/2006" xmlns:a14="http://schemas.microsoft.com/office/drawing/2010/main">
+        <mc:Choice Requires="a14">
           <p:sp>
             <p:nvSpPr>
               <p:cNvPr id="213" name="TextBox 212"/>
@@ -8415,7 +8416,7 @@
             </p:txBody>
           </p:sp>
         </mc:Choice>
-        <mc:Fallback>
+        <mc:Fallback xmlns="">
           <p:sp>
             <p:nvSpPr>
               <p:cNvPr id="213" name="TextBox 212"/>
@@ -8454,8 +8455,8 @@
           </p:sp>
         </mc:Fallback>
       </mc:AlternateContent>
-      <mc:AlternateContent xmlns:mc="http://schemas.openxmlformats.org/markup-compatibility/2006">
-        <mc:Choice xmlns:a14="http://schemas.microsoft.com/office/drawing/2010/main" Requires="a14">
+      <mc:AlternateContent xmlns:mc="http://schemas.openxmlformats.org/markup-compatibility/2006" xmlns:a14="http://schemas.microsoft.com/office/drawing/2010/main">
+        <mc:Choice Requires="a14">
           <p:sp>
             <p:nvSpPr>
               <p:cNvPr id="214" name="TextBox 213"/>
@@ -8529,7 +8530,7 @@
             </p:txBody>
           </p:sp>
         </mc:Choice>
-        <mc:Fallback>
+        <mc:Fallback xmlns="">
           <p:sp>
             <p:nvSpPr>
               <p:cNvPr id="214" name="TextBox 213"/>
@@ -8568,8 +8569,8 @@
           </p:sp>
         </mc:Fallback>
       </mc:AlternateContent>
-      <mc:AlternateContent xmlns:mc="http://schemas.openxmlformats.org/markup-compatibility/2006">
-        <mc:Choice xmlns:a14="http://schemas.microsoft.com/office/drawing/2010/main" Requires="a14">
+      <mc:AlternateContent xmlns:mc="http://schemas.openxmlformats.org/markup-compatibility/2006" xmlns:a14="http://schemas.microsoft.com/office/drawing/2010/main">
+        <mc:Choice Requires="a14">
           <p:sp>
             <p:nvSpPr>
               <p:cNvPr id="215" name="TextBox 214"/>
@@ -8643,7 +8644,7 @@
             </p:txBody>
           </p:sp>
         </mc:Choice>
-        <mc:Fallback>
+        <mc:Fallback xmlns="">
           <p:sp>
             <p:nvSpPr>
               <p:cNvPr id="215" name="TextBox 214"/>
@@ -8682,8 +8683,8 @@
           </p:sp>
         </mc:Fallback>
       </mc:AlternateContent>
-      <mc:AlternateContent xmlns:mc="http://schemas.openxmlformats.org/markup-compatibility/2006">
-        <mc:Choice xmlns:a14="http://schemas.microsoft.com/office/drawing/2010/main" Requires="a14">
+      <mc:AlternateContent xmlns:mc="http://schemas.openxmlformats.org/markup-compatibility/2006" xmlns:a14="http://schemas.microsoft.com/office/drawing/2010/main">
+        <mc:Choice Requires="a14">
           <p:sp>
             <p:nvSpPr>
               <p:cNvPr id="216" name="TextBox 215"/>
@@ -8757,7 +8758,7 @@
             </p:txBody>
           </p:sp>
         </mc:Choice>
-        <mc:Fallback>
+        <mc:Fallback xmlns="">
           <p:sp>
             <p:nvSpPr>
               <p:cNvPr id="216" name="TextBox 215"/>
@@ -8796,8 +8797,8 @@
           </p:sp>
         </mc:Fallback>
       </mc:AlternateContent>
-      <mc:AlternateContent xmlns:mc="http://schemas.openxmlformats.org/markup-compatibility/2006">
-        <mc:Choice xmlns:a14="http://schemas.microsoft.com/office/drawing/2010/main" Requires="a14">
+      <mc:AlternateContent xmlns:mc="http://schemas.openxmlformats.org/markup-compatibility/2006" xmlns:a14="http://schemas.microsoft.com/office/drawing/2010/main">
+        <mc:Choice Requires="a14">
           <p:sp>
             <p:nvSpPr>
               <p:cNvPr id="217" name="TextBox 216"/>
@@ -8871,7 +8872,7 @@
             </p:txBody>
           </p:sp>
         </mc:Choice>
-        <mc:Fallback>
+        <mc:Fallback xmlns="">
           <p:sp>
             <p:nvSpPr>
               <p:cNvPr id="217" name="TextBox 216"/>
@@ -8910,8 +8911,8 @@
           </p:sp>
         </mc:Fallback>
       </mc:AlternateContent>
-      <mc:AlternateContent xmlns:mc="http://schemas.openxmlformats.org/markup-compatibility/2006">
-        <mc:Choice xmlns:a14="http://schemas.microsoft.com/office/drawing/2010/main" Requires="a14">
+      <mc:AlternateContent xmlns:mc="http://schemas.openxmlformats.org/markup-compatibility/2006" xmlns:a14="http://schemas.microsoft.com/office/drawing/2010/main">
+        <mc:Choice Requires="a14">
           <p:sp>
             <p:nvSpPr>
               <p:cNvPr id="218" name="TextBox 217"/>
@@ -8985,7 +8986,7 @@
             </p:txBody>
           </p:sp>
         </mc:Choice>
-        <mc:Fallback>
+        <mc:Fallback xmlns="">
           <p:sp>
             <p:nvSpPr>
               <p:cNvPr id="218" name="TextBox 217"/>
@@ -9024,8 +9025,8 @@
           </p:sp>
         </mc:Fallback>
       </mc:AlternateContent>
-      <mc:AlternateContent xmlns:mc="http://schemas.openxmlformats.org/markup-compatibility/2006">
-        <mc:Choice xmlns:a14="http://schemas.microsoft.com/office/drawing/2010/main" Requires="a14">
+      <mc:AlternateContent xmlns:mc="http://schemas.openxmlformats.org/markup-compatibility/2006" xmlns:a14="http://schemas.microsoft.com/office/drawing/2010/main">
+        <mc:Choice Requires="a14">
           <p:sp>
             <p:nvSpPr>
               <p:cNvPr id="219" name="TextBox 218"/>
@@ -9099,7 +9100,7 @@
             </p:txBody>
           </p:sp>
         </mc:Choice>
-        <mc:Fallback>
+        <mc:Fallback xmlns="">
           <p:sp>
             <p:nvSpPr>
               <p:cNvPr id="219" name="TextBox 218"/>
@@ -9138,8 +9139,8 @@
           </p:sp>
         </mc:Fallback>
       </mc:AlternateContent>
-      <mc:AlternateContent xmlns:mc="http://schemas.openxmlformats.org/markup-compatibility/2006">
-        <mc:Choice xmlns:a14="http://schemas.microsoft.com/office/drawing/2010/main" Requires="a14">
+      <mc:AlternateContent xmlns:mc="http://schemas.openxmlformats.org/markup-compatibility/2006" xmlns:a14="http://schemas.microsoft.com/office/drawing/2010/main">
+        <mc:Choice Requires="a14">
           <p:sp>
             <p:nvSpPr>
               <p:cNvPr id="220" name="TextBox 219"/>
@@ -9213,7 +9214,7 @@
             </p:txBody>
           </p:sp>
         </mc:Choice>
-        <mc:Fallback>
+        <mc:Fallback xmlns="">
           <p:sp>
             <p:nvSpPr>
               <p:cNvPr id="220" name="TextBox 219"/>
@@ -9252,8 +9253,8 @@
           </p:sp>
         </mc:Fallback>
       </mc:AlternateContent>
-      <mc:AlternateContent xmlns:mc="http://schemas.openxmlformats.org/markup-compatibility/2006">
-        <mc:Choice xmlns:a14="http://schemas.microsoft.com/office/drawing/2010/main" Requires="a14">
+      <mc:AlternateContent xmlns:mc="http://schemas.openxmlformats.org/markup-compatibility/2006" xmlns:a14="http://schemas.microsoft.com/office/drawing/2010/main">
+        <mc:Choice Requires="a14">
           <p:sp>
             <p:nvSpPr>
               <p:cNvPr id="221" name="직사각형 220"/>
@@ -9262,8 +9263,8 @@
             </p:nvSpPr>
             <p:spPr>
               <a:xfrm>
-                <a:off x="2418345" y="5058133"/>
-                <a:ext cx="1377557" cy="381323"/>
+                <a:off x="2705921" y="3848751"/>
+                <a:ext cx="1004827" cy="290977"/>
               </a:xfrm>
               <a:prstGeom prst="rect">
                 <a:avLst/>
@@ -9285,7 +9286,7 @@
                       <m:func>
                         <m:funcPr>
                           <m:ctrlPr>
-                            <a:rPr lang="ko-KR" altLang="ko-KR" sz="1600" i="1" smtClean="0">
+                            <a:rPr lang="ko-KR" altLang="ko-KR" sz="1100" i="1" smtClean="0">
                               <a:latin typeface="Cambria Math"/>
                             </a:rPr>
                           </m:ctrlPr>
@@ -9295,7 +9296,7 @@
                             <m:rPr>
                               <m:sty m:val="p"/>
                             </m:rPr>
-                            <a:rPr lang="en-US" altLang="ko-KR" sz="1600">
+                            <a:rPr lang="en-US" altLang="ko-KR" sz="1100">
                               <a:latin typeface="Cambria Math"/>
                             </a:rPr>
                             <m:t>tanh</m:t>
@@ -9305,7 +9306,7 @@
                           <m:sSubSup>
                             <m:sSubSupPr>
                               <m:ctrlPr>
-                                <a:rPr lang="ko-KR" altLang="ko-KR" sz="1600" i="1">
+                                <a:rPr lang="ko-KR" altLang="ko-KR" sz="1100" i="1">
                                   <a:latin typeface="Cambria Math"/>
                                 </a:rPr>
                               </m:ctrlPr>
@@ -9315,7 +9316,7 @@
                                 <m:rPr>
                                   <m:sty m:val="p"/>
                                 </m:rPr>
-                                <a:rPr lang="en-US" altLang="ko-KR" sz="1600">
+                                <a:rPr lang="en-US" altLang="ko-KR" sz="1100">
                                   <a:latin typeface="Cambria Math"/>
                                 </a:rPr>
                                 <m:t>Z</m:t>
@@ -9323,7 +9324,7 @@
                             </m:e>
                             <m:sub>
                               <m:r>
-                                <a:rPr lang="en-US" altLang="ko-KR" sz="1600" i="1">
+                                <a:rPr lang="en-US" altLang="ko-KR" sz="1100" i="1">
                                   <a:latin typeface="Cambria Math"/>
                                 </a:rPr>
                                 <m:t>𝑗</m:t>
@@ -9331,7 +9332,7 @@
                             </m:sub>
                             <m:sup>
                               <m:r>
-                                <a:rPr lang="en-US" altLang="ko-KR" sz="1600" b="0" i="1" smtClean="0">
+                                <a:rPr lang="en-US" altLang="ko-KR" sz="1100" b="0" i="1" smtClean="0">
                                   <a:latin typeface="Cambria Math"/>
                                 </a:rPr>
                                 <m:t>0</m:t>
@@ -9341,7 +9342,7 @@
                         </m:e>
                       </m:func>
                       <m:r>
-                        <a:rPr lang="en-US" altLang="ko-KR" sz="1600" b="0" i="1" smtClean="0">
+                        <a:rPr lang="en-US" altLang="ko-KR" sz="1100" b="0" i="1" smtClean="0">
                           <a:latin typeface="Cambria Math"/>
                         </a:rPr>
                         <m:t>=</m:t>
@@ -9349,7 +9350,7 @@
                       <m:sSubSup>
                         <m:sSubSupPr>
                           <m:ctrlPr>
-                            <a:rPr lang="ko-KR" altLang="ko-KR" sz="1600" i="1">
+                            <a:rPr lang="ko-KR" altLang="ko-KR" sz="1100" i="1">
                               <a:latin typeface="Cambria Math"/>
                             </a:rPr>
                           </m:ctrlPr>
@@ -9359,7 +9360,7 @@
                             <m:rPr>
                               <m:sty m:val="p"/>
                             </m:rPr>
-                            <a:rPr lang="en-US" altLang="ko-KR" sz="1600">
+                            <a:rPr lang="en-US" altLang="ko-KR" sz="1100">
                               <a:latin typeface="Cambria Math"/>
                             </a:rPr>
                             <m:t>h</m:t>
@@ -9367,7 +9368,7 @@
                         </m:e>
                         <m:sub>
                           <m:r>
-                            <a:rPr lang="en-US" altLang="ko-KR" sz="1600" b="0" i="1" smtClean="0">
+                            <a:rPr lang="en-US" altLang="ko-KR" sz="1100" b="0" i="1" smtClean="0">
                               <a:latin typeface="Cambria Math"/>
                             </a:rPr>
                             <m:t>𝑗</m:t>
@@ -9375,7 +9376,7 @@
                         </m:sub>
                         <m:sup>
                           <m:r>
-                            <a:rPr lang="en-US" altLang="ko-KR" sz="1600" b="0" i="1" smtClean="0">
+                            <a:rPr lang="en-US" altLang="ko-KR" sz="1100" b="0" i="1" smtClean="0">
                               <a:latin typeface="Cambria Math"/>
                             </a:rPr>
                             <m:t>0</m:t>
@@ -9385,12 +9386,12 @@
                     </m:oMath>
                   </m:oMathPara>
                 </a14:m>
-                <a:endParaRPr lang="ko-KR" altLang="en-US" sz="1600" dirty="0"/>
+                <a:endParaRPr lang="ko-KR" altLang="en-US" sz="1100" dirty="0"/>
               </a:p>
             </p:txBody>
           </p:sp>
         </mc:Choice>
-        <mc:Fallback>
+        <mc:Fallback xmlns="">
           <p:sp>
             <p:nvSpPr>
               <p:cNvPr id="221" name="직사각형 220"/>
@@ -9401,8 +9402,8 @@
             </p:nvSpPr>
             <p:spPr>
               <a:xfrm>
-                <a:off x="2418345" y="5058133"/>
-                <a:ext cx="1377557" cy="381323"/>
+                <a:off x="2705921" y="3848751"/>
+                <a:ext cx="1004827" cy="290977"/>
               </a:xfrm>
               <a:prstGeom prst="rect">
                 <a:avLst/>
@@ -9410,7 +9411,7 @@
               <a:blipFill rotWithShape="1">
                 <a:blip r:embed="rId28"/>
                 <a:stretch>
-                  <a:fillRect b="-8065"/>
+                  <a:fillRect/>
                 </a:stretch>
               </a:blipFill>
             </p:spPr>
@@ -9429,8 +9430,8 @@
           </p:sp>
         </mc:Fallback>
       </mc:AlternateContent>
-      <mc:AlternateContent xmlns:mc="http://schemas.openxmlformats.org/markup-compatibility/2006">
-        <mc:Choice xmlns:a14="http://schemas.microsoft.com/office/drawing/2010/main" Requires="a14">
+      <mc:AlternateContent xmlns:mc="http://schemas.openxmlformats.org/markup-compatibility/2006" xmlns:a14="http://schemas.microsoft.com/office/drawing/2010/main">
+        <mc:Choice Requires="a14">
           <p:sp>
             <p:nvSpPr>
               <p:cNvPr id="222" name="직사각형 221"/>
@@ -9440,7 +9441,7 @@
             <p:spPr>
               <a:xfrm>
                 <a:off x="616494" y="5870232"/>
-                <a:ext cx="1909090" cy="784510"/>
+                <a:ext cx="1909090" cy="568361"/>
               </a:xfrm>
               <a:prstGeom prst="rect">
                 <a:avLst/>
@@ -9464,20 +9465,20 @@
                           <m:chr m:val="∑"/>
                           <m:limLoc m:val="undOvr"/>
                           <m:ctrlPr>
-                            <a:rPr lang="ko-KR" altLang="ko-KR" sz="1600" i="1" smtClean="0">
+                            <a:rPr lang="ko-KR" altLang="ko-KR" sz="1100" i="1" smtClean="0">
                               <a:latin typeface="Cambria Math"/>
                             </a:rPr>
                           </m:ctrlPr>
                         </m:naryPr>
                         <m:sub>
                           <m:r>
-                            <a:rPr lang="en-US" altLang="ko-KR" sz="1600" b="0" i="1" smtClean="0">
+                            <a:rPr lang="en-US" altLang="ko-KR" sz="1100" b="0" i="1" smtClean="0">
                               <a:latin typeface="Cambria Math"/>
                             </a:rPr>
                             <m:t>𝑖</m:t>
                           </m:r>
                           <m:r>
-                            <a:rPr lang="en-US" altLang="ko-KR" sz="1600" i="1">
+                            <a:rPr lang="en-US" altLang="ko-KR" sz="1100" i="1">
                               <a:latin typeface="Cambria Math"/>
                             </a:rPr>
                             <m:t>=0</m:t>
@@ -9485,7 +9486,7 @@
                         </m:sub>
                         <m:sup>
                           <m:r>
-                            <a:rPr lang="en-US" altLang="ko-KR" sz="1600" b="0" i="1" smtClean="0">
+                            <a:rPr lang="en-US" altLang="ko-KR" sz="1100" b="0" i="1" smtClean="0">
                               <a:latin typeface="Cambria Math"/>
                             </a:rPr>
                             <m:t>784</m:t>
@@ -9495,14 +9496,14 @@
                           <m:sSubSup>
                             <m:sSubSupPr>
                               <m:ctrlPr>
-                                <a:rPr lang="ko-KR" altLang="ko-KR" sz="1600" i="1">
+                                <a:rPr lang="ko-KR" altLang="ko-KR" sz="1100" i="1">
                                   <a:latin typeface="Cambria Math"/>
                                 </a:rPr>
                               </m:ctrlPr>
                             </m:sSubSupPr>
                             <m:e>
                               <m:r>
-                                <a:rPr lang="en-US" altLang="ko-KR" sz="1600" b="0" i="1" smtClean="0">
+                                <a:rPr lang="en-US" altLang="ko-KR" sz="1100" b="0" i="1" smtClean="0">
                                   <a:latin typeface="Cambria Math"/>
                                 </a:rPr>
                                 <m:t>𝑥</m:t>
@@ -9510,7 +9511,7 @@
                             </m:e>
                             <m:sub>
                               <m:r>
-                                <a:rPr lang="en-US" altLang="ko-KR" sz="1600" b="0" i="1" smtClean="0">
+                                <a:rPr lang="en-US" altLang="ko-KR" sz="1100" b="0" i="1" smtClean="0">
                                   <a:latin typeface="Cambria Math"/>
                                 </a:rPr>
                                 <m:t>𝑖</m:t>
@@ -9521,7 +9522,7 @@
                         </m:e>
                       </m:nary>
                       <m:r>
-                        <a:rPr lang="en-US" altLang="ko-KR" sz="1600" i="1">
+                        <a:rPr lang="en-US" altLang="ko-KR" sz="1100" i="1">
                           <a:latin typeface="Cambria Math"/>
                         </a:rPr>
                         <m:t>∗</m:t>
@@ -9529,14 +9530,14 @@
                       <m:sSubSup>
                         <m:sSubSupPr>
                           <m:ctrlPr>
-                            <a:rPr lang="ko-KR" altLang="ko-KR" sz="1600" i="1">
+                            <a:rPr lang="ko-KR" altLang="ko-KR" sz="1100" i="1">
                               <a:latin typeface="Cambria Math"/>
                             </a:rPr>
                           </m:ctrlPr>
                         </m:sSubSupPr>
                         <m:e>
                           <m:r>
-                            <a:rPr lang="en-US" altLang="ko-KR" sz="1600" i="1">
+                            <a:rPr lang="en-US" altLang="ko-KR" sz="1100" i="1">
                               <a:latin typeface="Cambria Math"/>
                             </a:rPr>
                             <m:t>𝑊</m:t>
@@ -9544,13 +9545,13 @@
                         </m:e>
                         <m:sub>
                           <m:r>
-                            <a:rPr lang="en-US" altLang="ko-KR" sz="1600" b="0" i="1" smtClean="0">
+                            <a:rPr lang="en-US" altLang="ko-KR" sz="1100" b="0" i="1" smtClean="0">
                               <a:latin typeface="Cambria Math"/>
                             </a:rPr>
                             <m:t>𝑖</m:t>
                           </m:r>
                           <m:r>
-                            <a:rPr lang="en-US" altLang="ko-KR" sz="1600" i="1">
+                            <a:rPr lang="en-US" altLang="ko-KR" sz="1100" i="1">
                               <a:latin typeface="Cambria Math"/>
                             </a:rPr>
                             <m:t>𝑗</m:t>
@@ -9558,7 +9559,7 @@
                         </m:sub>
                         <m:sup>
                           <m:r>
-                            <a:rPr lang="en-US" altLang="ko-KR" sz="1600" b="0" i="1" smtClean="0">
+                            <a:rPr lang="en-US" altLang="ko-KR" sz="1100" b="0" i="1" smtClean="0">
                               <a:latin typeface="Cambria Math"/>
                             </a:rPr>
                             <m:t>0</m:t>
@@ -9566,7 +9567,7 @@
                         </m:sup>
                       </m:sSubSup>
                       <m:r>
-                        <a:rPr lang="en-US" altLang="ko-KR" sz="1600" b="0" i="0" smtClean="0">
+                        <a:rPr lang="en-US" altLang="ko-KR" sz="1100" b="0" i="0" smtClean="0">
                           <a:latin typeface="Cambria Math"/>
                         </a:rPr>
                         <m:t>=</m:t>
@@ -9574,7 +9575,7 @@
                       <m:sSubSup>
                         <m:sSubSupPr>
                           <m:ctrlPr>
-                            <a:rPr lang="ko-KR" altLang="ko-KR" sz="1600" i="1">
+                            <a:rPr lang="ko-KR" altLang="ko-KR" sz="1100" i="1">
                               <a:latin typeface="Cambria Math"/>
                             </a:rPr>
                           </m:ctrlPr>
@@ -9584,7 +9585,7 @@
                             <m:rPr>
                               <m:sty m:val="p"/>
                             </m:rPr>
-                            <a:rPr lang="en-US" altLang="ko-KR" sz="1600">
+                            <a:rPr lang="en-US" altLang="ko-KR" sz="1100">
                               <a:latin typeface="Cambria Math"/>
                             </a:rPr>
                             <m:t>Z</m:t>
@@ -9592,7 +9593,7 @@
                         </m:e>
                         <m:sub>
                           <m:r>
-                            <a:rPr lang="en-US" altLang="ko-KR" sz="1600" i="1">
+                            <a:rPr lang="en-US" altLang="ko-KR" sz="1100" i="1">
                               <a:latin typeface="Cambria Math"/>
                             </a:rPr>
                             <m:t>𝑗</m:t>
@@ -9600,7 +9601,7 @@
                         </m:sub>
                         <m:sup>
                           <m:r>
-                            <a:rPr lang="en-US" altLang="ko-KR" sz="1600" b="0" i="1" smtClean="0">
+                            <a:rPr lang="en-US" altLang="ko-KR" sz="1100" b="0" i="1" smtClean="0">
                               <a:latin typeface="Cambria Math"/>
                             </a:rPr>
                             <m:t>0</m:t>
@@ -9610,12 +9611,12 @@
                     </m:oMath>
                   </m:oMathPara>
                 </a14:m>
-                <a:endParaRPr lang="ko-KR" altLang="ko-KR" sz="1600" dirty="0"/>
+                <a:endParaRPr lang="ko-KR" altLang="ko-KR" sz="1100" dirty="0"/>
               </a:p>
             </p:txBody>
           </p:sp>
         </mc:Choice>
-        <mc:Fallback>
+        <mc:Fallback xmlns="">
           <p:sp>
             <p:nvSpPr>
               <p:cNvPr id="222" name="직사각형 221"/>
@@ -9627,7 +9628,7 @@
             <p:spPr>
               <a:xfrm>
                 <a:off x="616494" y="5870232"/>
-                <a:ext cx="1909090" cy="784510"/>
+                <a:ext cx="1909090" cy="568361"/>
               </a:xfrm>
               <a:prstGeom prst="rect">
                 <a:avLst/>
@@ -9635,7 +9636,7 @@
               <a:blipFill rotWithShape="1">
                 <a:blip r:embed="rId29"/>
                 <a:stretch>
-                  <a:fillRect/>
+                  <a:fillRect l="-4153" t="-90323" b="-141935"/>
                 </a:stretch>
               </a:blipFill>
             </p:spPr>
@@ -9654,8 +9655,8 @@
           </p:sp>
         </mc:Fallback>
       </mc:AlternateContent>
-      <mc:AlternateContent xmlns:mc="http://schemas.openxmlformats.org/markup-compatibility/2006">
-        <mc:Choice xmlns:a14="http://schemas.microsoft.com/office/drawing/2010/main" Requires="a14">
+      <mc:AlternateContent xmlns:mc="http://schemas.openxmlformats.org/markup-compatibility/2006" xmlns:a14="http://schemas.microsoft.com/office/drawing/2010/main">
+        <mc:Choice Requires="a14">
           <p:sp>
             <p:nvSpPr>
               <p:cNvPr id="223" name="TextBox 222"/>
@@ -9665,7 +9666,7 @@
             <p:spPr>
               <a:xfrm>
                 <a:off x="1207907" y="5048486"/>
-                <a:ext cx="1233863" cy="344966"/>
+                <a:ext cx="905120" cy="266098"/>
               </a:xfrm>
               <a:prstGeom prst="rect">
                 <a:avLst/>
@@ -9688,7 +9689,7 @@
                       <m:sSubSup>
                         <m:sSubSupPr>
                           <m:ctrlPr>
-                            <a:rPr lang="ko-KR" altLang="ko-KR" sz="1600" i="1" smtClean="0">
+                            <a:rPr lang="ko-KR" altLang="ko-KR" sz="1100" i="1" smtClean="0">
                               <a:latin typeface="Cambria Math"/>
                             </a:rPr>
                           </m:ctrlPr>
@@ -9698,7 +9699,7 @@
                             <m:rPr>
                               <m:sty m:val="p"/>
                             </m:rPr>
-                            <a:rPr lang="en-US" altLang="ko-KR" sz="1600" b="0" i="0" smtClean="0">
+                            <a:rPr lang="en-US" altLang="ko-KR" sz="1100" b="0" i="0" smtClean="0">
                               <a:latin typeface="Cambria Math"/>
                             </a:rPr>
                             <m:t>b</m:t>
@@ -9706,7 +9707,7 @@
                         </m:e>
                         <m:sub>
                           <m:r>
-                            <a:rPr lang="en-US" altLang="ko-KR" sz="1600" b="0" i="1" smtClean="0">
+                            <a:rPr lang="en-US" altLang="ko-KR" sz="1100" b="0" i="1" smtClean="0">
                               <a:latin typeface="Cambria Math"/>
                             </a:rPr>
                             <m:t>0</m:t>
@@ -9714,7 +9715,7 @@
                         </m:sub>
                         <m:sup>
                           <m:r>
-                            <a:rPr lang="en-US" altLang="ko-KR" sz="1600" b="0" i="1" smtClean="0">
+                            <a:rPr lang="en-US" altLang="ko-KR" sz="1100" b="0" i="1" smtClean="0">
                               <a:latin typeface="Cambria Math"/>
                             </a:rPr>
                             <m:t>0</m:t>
@@ -9722,7 +9723,7 @@
                         </m:sup>
                       </m:sSubSup>
                       <m:r>
-                        <a:rPr lang="en-US" altLang="ko-KR" sz="1600" b="0" i="1" smtClean="0">
+                        <a:rPr lang="en-US" altLang="ko-KR" sz="1100" b="0" i="1" smtClean="0">
                           <a:latin typeface="Cambria Math"/>
                         </a:rPr>
                         <m:t>=</m:t>
@@ -9730,7 +9731,7 @@
                       <m:sSubSup>
                         <m:sSubSupPr>
                           <m:ctrlPr>
-                            <a:rPr lang="ko-KR" altLang="ko-KR" sz="1600" i="1" smtClean="0">
+                            <a:rPr lang="ko-KR" altLang="ko-KR" sz="1100" i="1" smtClean="0">
                               <a:latin typeface="Cambria Math"/>
                             </a:rPr>
                           </m:ctrlPr>
@@ -9740,7 +9741,7 @@
                             <m:rPr>
                               <m:sty m:val="p"/>
                             </m:rPr>
-                            <a:rPr lang="en-US" altLang="ko-KR" sz="1600" b="0" i="0" smtClean="0">
+                            <a:rPr lang="en-US" altLang="ko-KR" sz="1100" b="0" i="0" smtClean="0">
                               <a:latin typeface="Cambria Math"/>
                             </a:rPr>
                             <m:t>W</m:t>
@@ -9748,7 +9749,7 @@
                         </m:e>
                         <m:sub>
                           <m:r>
-                            <a:rPr lang="en-US" altLang="ko-KR" sz="1600" b="0" i="1" smtClean="0">
+                            <a:rPr lang="en-US" altLang="ko-KR" sz="1100" b="0" i="1" smtClean="0">
                               <a:latin typeface="Cambria Math"/>
                             </a:rPr>
                             <m:t>7840</m:t>
@@ -9756,7 +9757,7 @@
                         </m:sub>
                         <m:sup>
                           <m:r>
-                            <a:rPr lang="en-US" altLang="ko-KR" sz="1600" b="0" i="1" smtClean="0">
+                            <a:rPr lang="en-US" altLang="ko-KR" sz="1100" b="0" i="1" smtClean="0">
                               <a:latin typeface="Cambria Math"/>
                             </a:rPr>
                             <m:t>0</m:t>
@@ -9766,12 +9767,12 @@
                     </m:oMath>
                   </m:oMathPara>
                 </a14:m>
-                <a:endParaRPr lang="ko-KR" altLang="en-US" sz="1600" baseline="-25000" dirty="0"/>
+                <a:endParaRPr lang="ko-KR" altLang="en-US" sz="1100" baseline="-25000" dirty="0"/>
               </a:p>
             </p:txBody>
           </p:sp>
         </mc:Choice>
-        <mc:Fallback>
+        <mc:Fallback xmlns="">
           <p:sp>
             <p:nvSpPr>
               <p:cNvPr id="223" name="TextBox 222"/>
@@ -9783,7 +9784,7 @@
             <p:spPr>
               <a:xfrm>
                 <a:off x="1207907" y="5048486"/>
-                <a:ext cx="1233863" cy="344966"/>
+                <a:ext cx="905120" cy="266098"/>
               </a:xfrm>
               <a:prstGeom prst="rect">
                 <a:avLst/>
@@ -9821,7 +9822,7 @@
             <p:spPr>
               <a:xfrm>
                 <a:off x="1207907" y="5367659"/>
-                <a:ext cx="989695" cy="332912"/>
+                <a:ext cx="738792" cy="257699"/>
               </a:xfrm>
               <a:prstGeom prst="rect">
                 <a:avLst/>
@@ -9844,14 +9845,14 @@
                       <m:sSub>
                         <m:sSubPr>
                           <m:ctrlPr>
-                            <a:rPr lang="en-US" altLang="ko-KR" sz="1600" b="0" i="1" smtClean="0">
+                            <a:rPr lang="en-US" altLang="ko-KR" sz="1100" b="0" i="1" smtClean="0">
                               <a:latin typeface="Cambria Math"/>
                             </a:rPr>
                           </m:ctrlPr>
                         </m:sSubPr>
                         <m:e>
                           <m:r>
-                            <a:rPr lang="en-US" altLang="ko-KR" sz="1600" b="0" i="1" smtClean="0">
+                            <a:rPr lang="en-US" altLang="ko-KR" sz="1100" b="0" i="1" smtClean="0">
                               <a:latin typeface="Cambria Math"/>
                             </a:rPr>
                             <m:t>𝑥</m:t>
@@ -9859,7 +9860,7 @@
                         </m:e>
                         <m:sub>
                           <m:r>
-                            <a:rPr lang="en-US" altLang="ko-KR" sz="1600" b="0" i="1" smtClean="0">
+                            <a:rPr lang="en-US" altLang="ko-KR" sz="1100" b="0" i="1" smtClean="0">
                               <a:latin typeface="Cambria Math"/>
                             </a:rPr>
                             <m:t>784</m:t>
@@ -9867,7 +9868,7 @@
                         </m:sub>
                       </m:sSub>
                       <m:r>
-                        <a:rPr lang="en-US" altLang="ko-KR" sz="1600" b="0" i="1" smtClean="0">
+                        <a:rPr lang="en-US" altLang="ko-KR" sz="1100" b="0" i="1" smtClean="0">
                           <a:latin typeface="Cambria Math"/>
                         </a:rPr>
                         <m:t>=1</m:t>
@@ -9875,7 +9876,7 @@
                     </m:oMath>
                   </m:oMathPara>
                 </a14:m>
-                <a:endParaRPr lang="ko-KR" altLang="en-US" sz="1600" baseline="-25000" dirty="0"/>
+                <a:endParaRPr lang="ko-KR" altLang="en-US" sz="1100" baseline="-25000" dirty="0"/>
               </a:p>
             </p:txBody>
           </p:sp>
@@ -9892,7 +9893,7 @@
             <p:spPr>
               <a:xfrm>
                 <a:off x="1207907" y="5367659"/>
-                <a:ext cx="989695" cy="332912"/>
+                <a:ext cx="738792" cy="257699"/>
               </a:xfrm>
               <a:prstGeom prst="rect">
                 <a:avLst/>
@@ -9919,8 +9920,8 @@
           </p:sp>
         </mc:Fallback>
       </mc:AlternateContent>
-      <mc:AlternateContent xmlns:mc="http://schemas.openxmlformats.org/markup-compatibility/2006">
-        <mc:Choice xmlns:a14="http://schemas.microsoft.com/office/drawing/2010/main" Requires="a14">
+      <mc:AlternateContent xmlns:mc="http://schemas.openxmlformats.org/markup-compatibility/2006" xmlns:a14="http://schemas.microsoft.com/office/drawing/2010/main">
+        <mc:Choice Requires="a14">
           <p:sp>
             <p:nvSpPr>
               <p:cNvPr id="225" name="직사각형 224"/>
@@ -9929,8 +9930,8 @@
             </p:nvSpPr>
             <p:spPr>
               <a:xfrm>
-                <a:off x="3635896" y="5834922"/>
-                <a:ext cx="2304256" cy="812402"/>
+                <a:off x="3318707" y="5094086"/>
+                <a:ext cx="2304256" cy="587405"/>
               </a:xfrm>
               <a:prstGeom prst="rect">
                 <a:avLst/>
@@ -9954,7 +9955,7 @@
                           <m:chr m:val="∑"/>
                           <m:limLoc m:val="undOvr"/>
                           <m:ctrlPr>
-                            <a:rPr lang="ko-KR" altLang="ko-KR" sz="1600" i="1" smtClean="0">
+                            <a:rPr lang="ko-KR" altLang="ko-KR" sz="1100" i="1" smtClean="0">
                               <a:latin typeface="Cambria Math"/>
                             </a:rPr>
                           </m:ctrlPr>
@@ -9964,13 +9965,13 @@
                             <m:rPr>
                               <m:brk/>
                             </m:rPr>
-                            <a:rPr lang="en-US" altLang="ko-KR" sz="1600" b="0" i="1" smtClean="0">
+                            <a:rPr lang="en-US" altLang="ko-KR" sz="1100" b="0" i="1" smtClean="0">
                               <a:latin typeface="Cambria Math"/>
                             </a:rPr>
                             <m:t>𝑗</m:t>
                           </m:r>
                           <m:r>
-                            <a:rPr lang="en-US" altLang="ko-KR" sz="1600" i="1">
+                            <a:rPr lang="en-US" altLang="ko-KR" sz="1100" i="1">
                               <a:latin typeface="Cambria Math"/>
                             </a:rPr>
                             <m:t>=0</m:t>
@@ -9978,7 +9979,7 @@
                         </m:sub>
                         <m:sup>
                           <m:r>
-                            <a:rPr lang="en-US" altLang="ko-KR" sz="1600" b="0" i="1" smtClean="0">
+                            <a:rPr lang="en-US" altLang="ko-KR" sz="1100" b="0" i="1" smtClean="0">
                               <a:latin typeface="Cambria Math"/>
                             </a:rPr>
                             <m:t>64</m:t>
@@ -9988,7 +9989,7 @@
                           <m:sSubSup>
                             <m:sSubSupPr>
                               <m:ctrlPr>
-                                <a:rPr lang="ko-KR" altLang="ko-KR" sz="1600" i="1">
+                                <a:rPr lang="ko-KR" altLang="ko-KR" sz="1100" i="1">
                                   <a:latin typeface="Cambria Math"/>
                                 </a:rPr>
                               </m:ctrlPr>
@@ -9998,7 +9999,7 @@
                                 <m:rPr>
                                   <m:sty m:val="p"/>
                                 </m:rPr>
-                                <a:rPr lang="en-US" altLang="ko-KR" sz="1600">
+                                <a:rPr lang="en-US" altLang="ko-KR" sz="1100">
                                   <a:latin typeface="Cambria Math"/>
                                 </a:rPr>
                                 <m:t>h</m:t>
@@ -10006,7 +10007,7 @@
                             </m:e>
                             <m:sub>
                               <m:r>
-                                <a:rPr lang="en-US" altLang="ko-KR" sz="1600" b="0" i="1" smtClean="0">
+                                <a:rPr lang="en-US" altLang="ko-KR" sz="1100" b="0" i="1" smtClean="0">
                                   <a:latin typeface="Cambria Math"/>
                                 </a:rPr>
                                 <m:t>𝑗</m:t>
@@ -10014,7 +10015,7 @@
                             </m:sub>
                             <m:sup>
                               <m:r>
-                                <a:rPr lang="en-US" altLang="ko-KR" sz="1600" b="0" i="1" smtClean="0">
+                                <a:rPr lang="en-US" altLang="ko-KR" sz="1100" b="0" i="1" smtClean="0">
                                   <a:latin typeface="Cambria Math"/>
                                 </a:rPr>
                                 <m:t>0</m:t>
@@ -10024,7 +10025,7 @@
                         </m:e>
                       </m:nary>
                       <m:r>
-                        <a:rPr lang="en-US" altLang="ko-KR" sz="1600" i="1">
+                        <a:rPr lang="en-US" altLang="ko-KR" sz="1100" i="1">
                           <a:latin typeface="Cambria Math"/>
                         </a:rPr>
                         <m:t>∗</m:t>
@@ -10032,14 +10033,14 @@
                       <m:sSubSup>
                         <m:sSubSupPr>
                           <m:ctrlPr>
-                            <a:rPr lang="ko-KR" altLang="ko-KR" sz="1600" i="1">
+                            <a:rPr lang="ko-KR" altLang="ko-KR" sz="1100" i="1">
                               <a:latin typeface="Cambria Math"/>
                             </a:rPr>
                           </m:ctrlPr>
                         </m:sSubSupPr>
                         <m:e>
                           <m:r>
-                            <a:rPr lang="en-US" altLang="ko-KR" sz="1600" i="1">
+                            <a:rPr lang="en-US" altLang="ko-KR" sz="1100" i="1">
                               <a:latin typeface="Cambria Math"/>
                             </a:rPr>
                             <m:t>𝑊</m:t>
@@ -10047,7 +10048,7 @@
                         </m:e>
                         <m:sub>
                           <m:r>
-                            <a:rPr lang="en-US" altLang="ko-KR" sz="1600" b="0" i="1" smtClean="0">
+                            <a:rPr lang="en-US" altLang="ko-KR" sz="1100" b="0" i="1" smtClean="0">
                               <a:latin typeface="Cambria Math"/>
                             </a:rPr>
                             <m:t>𝑗𝑘</m:t>
@@ -10055,7 +10056,7 @@
                         </m:sub>
                         <m:sup>
                           <m:r>
-                            <a:rPr lang="en-US" altLang="ko-KR" sz="1600" b="0" i="1" smtClean="0">
+                            <a:rPr lang="en-US" altLang="ko-KR" sz="1100" b="0" i="1" smtClean="0">
                               <a:latin typeface="Cambria Math"/>
                             </a:rPr>
                             <m:t>1</m:t>
@@ -10065,14 +10066,14 @@
                       <m:sSubSup>
                         <m:sSubSupPr>
                           <m:ctrlPr>
-                            <a:rPr lang="ko-KR" altLang="ko-KR" sz="1600" i="1">
+                            <a:rPr lang="ko-KR" altLang="ko-KR" sz="1100" i="1">
                               <a:latin typeface="Cambria Math"/>
                             </a:rPr>
                           </m:ctrlPr>
                         </m:sSubSupPr>
                         <m:e>
                           <m:r>
-                            <a:rPr lang="en-US" altLang="ko-KR" sz="1600" b="0" i="0" smtClean="0">
+                            <a:rPr lang="en-US" altLang="ko-KR" sz="1100" b="0" i="0" smtClean="0">
                               <a:latin typeface="Cambria Math"/>
                             </a:rPr>
                             <m:t>=</m:t>
@@ -10081,7 +10082,7 @@
                             <m:rPr>
                               <m:sty m:val="p"/>
                             </m:rPr>
-                            <a:rPr lang="en-US" altLang="ko-KR" sz="1600">
+                            <a:rPr lang="en-US" altLang="ko-KR" sz="1100">
                               <a:latin typeface="Cambria Math"/>
                             </a:rPr>
                             <m:t>Z</m:t>
@@ -10089,7 +10090,7 @@
                         </m:e>
                         <m:sub>
                           <m:r>
-                            <a:rPr lang="en-US" altLang="ko-KR" sz="1600" i="1">
+                            <a:rPr lang="en-US" altLang="ko-KR" sz="1100" i="1">
                               <a:latin typeface="Cambria Math"/>
                             </a:rPr>
                             <m:t>𝑘</m:t>
@@ -10097,7 +10098,7 @@
                         </m:sub>
                         <m:sup>
                           <m:r>
-                            <a:rPr lang="en-US" altLang="ko-KR" sz="1600" b="0" i="1" smtClean="0">
+                            <a:rPr lang="en-US" altLang="ko-KR" sz="1100" b="0" i="1" smtClean="0">
                               <a:latin typeface="Cambria Math"/>
                             </a:rPr>
                             <m:t>1</m:t>
@@ -10107,12 +10108,12 @@
                     </m:oMath>
                   </m:oMathPara>
                 </a14:m>
-                <a:endParaRPr lang="ko-KR" altLang="ko-KR" sz="1600" dirty="0"/>
+                <a:endParaRPr lang="ko-KR" altLang="ko-KR" sz="1100" dirty="0"/>
               </a:p>
             </p:txBody>
           </p:sp>
         </mc:Choice>
-        <mc:Fallback>
+        <mc:Fallback xmlns="">
           <p:sp>
             <p:nvSpPr>
               <p:cNvPr id="225" name="직사각형 224"/>
@@ -10123,8 +10124,8 @@
             </p:nvSpPr>
             <p:spPr>
               <a:xfrm>
-                <a:off x="3635896" y="5834922"/>
-                <a:ext cx="2304256" cy="812402"/>
+                <a:off x="3318707" y="5094086"/>
+                <a:ext cx="2304256" cy="587405"/>
               </a:xfrm>
               <a:prstGeom prst="rect">
                 <a:avLst/>
@@ -10132,7 +10133,7 @@
               <a:blipFill rotWithShape="1">
                 <a:blip r:embed="rId32"/>
                 <a:stretch>
-                  <a:fillRect/>
+                  <a:fillRect t="-87500" b="-134375"/>
                 </a:stretch>
               </a:blipFill>
             </p:spPr>
@@ -10151,8 +10152,8 @@
           </p:sp>
         </mc:Fallback>
       </mc:AlternateContent>
-      <mc:AlternateContent xmlns:mc="http://schemas.openxmlformats.org/markup-compatibility/2006">
-        <mc:Choice xmlns:a14="http://schemas.microsoft.com/office/drawing/2010/main" Requires="a14">
+      <mc:AlternateContent xmlns:mc="http://schemas.openxmlformats.org/markup-compatibility/2006" xmlns:a14="http://schemas.microsoft.com/office/drawing/2010/main">
+        <mc:Choice Requires="a14">
           <p:sp>
             <p:nvSpPr>
               <p:cNvPr id="226" name="TextBox 225"/>
@@ -10161,8 +10162,8 @@
             </p:nvSpPr>
             <p:spPr>
               <a:xfrm>
-                <a:off x="3923928" y="5013176"/>
-                <a:ext cx="1147302" cy="343427"/>
+                <a:off x="4132678" y="4253358"/>
+                <a:ext cx="845809" cy="264560"/>
               </a:xfrm>
               <a:prstGeom prst="rect">
                 <a:avLst/>
@@ -10185,7 +10186,7 @@
                       <m:sSubSup>
                         <m:sSubSupPr>
                           <m:ctrlPr>
-                            <a:rPr lang="ko-KR" altLang="ko-KR" sz="1600" i="1" smtClean="0">
+                            <a:rPr lang="ko-KR" altLang="ko-KR" sz="1100" i="1" smtClean="0">
                               <a:latin typeface="Cambria Math"/>
                             </a:rPr>
                           </m:ctrlPr>
@@ -10195,7 +10196,7 @@
                             <m:rPr>
                               <m:sty m:val="p"/>
                             </m:rPr>
-                            <a:rPr lang="en-US" altLang="ko-KR" sz="1600">
+                            <a:rPr lang="en-US" altLang="ko-KR" sz="1100">
                               <a:latin typeface="Cambria Math"/>
                             </a:rPr>
                             <m:t>b</m:t>
@@ -10203,7 +10204,7 @@
                         </m:e>
                         <m:sub>
                           <m:r>
-                            <a:rPr lang="en-US" altLang="ko-KR" sz="1600" b="0" i="1" smtClean="0">
+                            <a:rPr lang="en-US" altLang="ko-KR" sz="1100" b="0" i="1" smtClean="0">
                               <a:latin typeface="Cambria Math"/>
                             </a:rPr>
                             <m:t>0</m:t>
@@ -10211,7 +10212,7 @@
                         </m:sub>
                         <m:sup>
                           <m:r>
-                            <a:rPr lang="en-US" altLang="ko-KR" sz="1600" b="0" i="1" smtClean="0">
+                            <a:rPr lang="en-US" altLang="ko-KR" sz="1100" b="0" i="1" smtClean="0">
                               <a:latin typeface="Cambria Math"/>
                             </a:rPr>
                             <m:t>1</m:t>
@@ -10219,7 +10220,7 @@
                         </m:sup>
                       </m:sSubSup>
                       <m:r>
-                        <a:rPr lang="en-US" altLang="ko-KR" sz="1600" b="0" i="1" smtClean="0">
+                        <a:rPr lang="en-US" altLang="ko-KR" sz="1100" b="0" i="1" smtClean="0">
                           <a:latin typeface="Cambria Math"/>
                         </a:rPr>
                         <m:t>=</m:t>
@@ -10227,7 +10228,7 @@
                       <m:sSubSup>
                         <m:sSubSupPr>
                           <m:ctrlPr>
-                            <a:rPr lang="ko-KR" altLang="ko-KR" sz="1600" i="1" smtClean="0">
+                            <a:rPr lang="ko-KR" altLang="ko-KR" sz="1100" i="1" smtClean="0">
                               <a:latin typeface="Cambria Math"/>
                             </a:rPr>
                           </m:ctrlPr>
@@ -10237,7 +10238,7 @@
                             <m:rPr>
                               <m:sty m:val="p"/>
                             </m:rPr>
-                            <a:rPr lang="en-US" altLang="ko-KR" sz="1600" b="0" i="0" smtClean="0">
+                            <a:rPr lang="en-US" altLang="ko-KR" sz="1100" b="0" i="0" smtClean="0">
                               <a:latin typeface="Cambria Math"/>
                             </a:rPr>
                             <m:t>W</m:t>
@@ -10245,7 +10246,7 @@
                         </m:e>
                         <m:sub>
                           <m:r>
-                            <a:rPr lang="en-US" altLang="ko-KR" sz="1600" b="0" i="1" smtClean="0">
+                            <a:rPr lang="en-US" altLang="ko-KR" sz="1100" b="0" i="1" smtClean="0">
                               <a:latin typeface="Cambria Math"/>
                             </a:rPr>
                             <m:t>640</m:t>
@@ -10253,7 +10254,7 @@
                         </m:sub>
                         <m:sup>
                           <m:r>
-                            <a:rPr lang="en-US" altLang="ko-KR" sz="1600" b="0" i="1" smtClean="0">
+                            <a:rPr lang="en-US" altLang="ko-KR" sz="1100" b="0" i="1" smtClean="0">
                               <a:latin typeface="Cambria Math"/>
                             </a:rPr>
                             <m:t>1</m:t>
@@ -10263,12 +10264,12 @@
                     </m:oMath>
                   </m:oMathPara>
                 </a14:m>
-                <a:endParaRPr lang="ko-KR" altLang="en-US" sz="1600" baseline="-25000" dirty="0"/>
+                <a:endParaRPr lang="ko-KR" altLang="en-US" sz="1100" baseline="-25000" dirty="0"/>
               </a:p>
             </p:txBody>
           </p:sp>
         </mc:Choice>
-        <mc:Fallback>
+        <mc:Fallback xmlns="">
           <p:sp>
             <p:nvSpPr>
               <p:cNvPr id="226" name="TextBox 225"/>
@@ -10279,8 +10280,8 @@
             </p:nvSpPr>
             <p:spPr>
               <a:xfrm>
-                <a:off x="3923928" y="5013176"/>
-                <a:ext cx="1147302" cy="343427"/>
+                <a:off x="4132678" y="4253358"/>
+                <a:ext cx="845809" cy="264560"/>
               </a:xfrm>
               <a:prstGeom prst="rect">
                 <a:avLst/>
@@ -10307,8 +10308,8 @@
           </p:sp>
         </mc:Fallback>
       </mc:AlternateContent>
-      <mc:AlternateContent xmlns:mc="http://schemas.openxmlformats.org/markup-compatibility/2006">
-        <mc:Choice xmlns:a14="http://schemas.microsoft.com/office/drawing/2010/main" Requires="a14">
+      <mc:AlternateContent xmlns:mc="http://schemas.openxmlformats.org/markup-compatibility/2006" xmlns:a14="http://schemas.microsoft.com/office/drawing/2010/main">
+        <mc:Choice Requires="a14">
           <p:sp>
             <p:nvSpPr>
               <p:cNvPr id="227" name="TextBox 226"/>
@@ -10317,8 +10318,8 @@
             </p:nvSpPr>
             <p:spPr>
               <a:xfrm>
-                <a:off x="3923928" y="5332349"/>
-                <a:ext cx="909928" cy="342914"/>
+                <a:off x="4132678" y="4572531"/>
+                <a:ext cx="684033" cy="265970"/>
               </a:xfrm>
               <a:prstGeom prst="rect">
                 <a:avLst/>
@@ -10341,7 +10342,7 @@
                       <m:sSubSup>
                         <m:sSubSupPr>
                           <m:ctrlPr>
-                            <a:rPr lang="ko-KR" altLang="ko-KR" sz="1600" i="1" smtClean="0">
+                            <a:rPr lang="ko-KR" altLang="ko-KR" sz="1100" i="1" smtClean="0">
                               <a:latin typeface="Cambria Math"/>
                             </a:rPr>
                           </m:ctrlPr>
@@ -10351,7 +10352,7 @@
                             <m:rPr>
                               <m:sty m:val="p"/>
                             </m:rPr>
-                            <a:rPr lang="en-US" altLang="ko-KR" sz="1600">
+                            <a:rPr lang="en-US" altLang="ko-KR" sz="1100">
                               <a:latin typeface="Cambria Math"/>
                             </a:rPr>
                             <m:t>h</m:t>
@@ -10359,13 +10360,13 @@
                         </m:e>
                         <m:sub>
                           <m:r>
-                            <a:rPr lang="en-US" altLang="ko-KR" sz="1600" i="1">
+                            <a:rPr lang="en-US" altLang="ko-KR" sz="1100" i="1">
                               <a:latin typeface="Cambria Math"/>
                             </a:rPr>
                             <m:t>6</m:t>
                           </m:r>
                           <m:r>
-                            <a:rPr lang="en-US" altLang="ko-KR" sz="1600" b="0" i="1" smtClean="0">
+                            <a:rPr lang="en-US" altLang="ko-KR" sz="1100" b="0" i="1" smtClean="0">
                               <a:latin typeface="Cambria Math"/>
                             </a:rPr>
                             <m:t>4</m:t>
@@ -10373,7 +10374,7 @@
                         </m:sub>
                         <m:sup>
                           <m:r>
-                            <a:rPr lang="en-US" altLang="ko-KR" sz="1600" b="0" i="1" smtClean="0">
+                            <a:rPr lang="en-US" altLang="ko-KR" sz="1100" b="0" i="1" smtClean="0">
                               <a:latin typeface="Cambria Math"/>
                             </a:rPr>
                             <m:t>0</m:t>
@@ -10381,7 +10382,7 @@
                         </m:sup>
                       </m:sSubSup>
                       <m:r>
-                        <a:rPr lang="en-US" altLang="ko-KR" sz="1600" b="0" i="1" smtClean="0">
+                        <a:rPr lang="en-US" altLang="ko-KR" sz="1100" b="0" i="1" smtClean="0">
                           <a:latin typeface="Cambria Math"/>
                         </a:rPr>
                         <m:t>=1</m:t>
@@ -10389,12 +10390,12 @@
                     </m:oMath>
                   </m:oMathPara>
                 </a14:m>
-                <a:endParaRPr lang="ko-KR" altLang="en-US" sz="1600" baseline="-25000" dirty="0"/>
+                <a:endParaRPr lang="ko-KR" altLang="en-US" sz="1100" baseline="-25000" dirty="0"/>
               </a:p>
             </p:txBody>
           </p:sp>
         </mc:Choice>
-        <mc:Fallback>
+        <mc:Fallback xmlns="">
           <p:sp>
             <p:nvSpPr>
               <p:cNvPr id="227" name="TextBox 226"/>
@@ -10405,8 +10406,8 @@
             </p:nvSpPr>
             <p:spPr>
               <a:xfrm>
-                <a:off x="3923928" y="5332349"/>
-                <a:ext cx="909928" cy="342914"/>
+                <a:off x="4132678" y="4572531"/>
+                <a:ext cx="684033" cy="265970"/>
               </a:xfrm>
               <a:prstGeom prst="rect">
                 <a:avLst/>
@@ -10469,8 +10470,8 @@
           </a:fontRef>
         </p:style>
       </p:cxnSp>
-      <mc:AlternateContent xmlns:mc="http://schemas.openxmlformats.org/markup-compatibility/2006">
-        <mc:Choice xmlns:a14="http://schemas.microsoft.com/office/drawing/2010/main" Requires="a14">
+      <mc:AlternateContent xmlns:mc="http://schemas.openxmlformats.org/markup-compatibility/2006" xmlns:a14="http://schemas.microsoft.com/office/drawing/2010/main">
+        <mc:Choice Requires="a14">
           <p:sp>
             <p:nvSpPr>
               <p:cNvPr id="234" name="직사각형 233"/>
@@ -10479,8 +10480,8 @@
             </p:nvSpPr>
             <p:spPr>
               <a:xfrm>
-                <a:off x="5145174" y="4824927"/>
-                <a:ext cx="1335622" cy="648063"/>
+                <a:off x="5235255" y="4616590"/>
+                <a:ext cx="976486" cy="474425"/>
               </a:xfrm>
               <a:prstGeom prst="rect">
                 <a:avLst/>
@@ -10497,7 +10498,7 @@
                     <m:f>
                       <m:fPr>
                         <m:ctrlPr>
-                          <a:rPr lang="ko-KR" altLang="ko-KR" sz="1600" i="1" smtClean="0">
+                          <a:rPr lang="ko-KR" altLang="ko-KR" sz="1100" i="1" smtClean="0">
                             <a:latin typeface="Cambria Math"/>
                           </a:rPr>
                         </m:ctrlPr>
@@ -10506,14 +10507,14 @@
                         <m:sSup>
                           <m:sSupPr>
                             <m:ctrlPr>
-                              <a:rPr lang="ko-KR" altLang="ko-KR" sz="1600" i="1">
+                              <a:rPr lang="ko-KR" altLang="ko-KR" sz="1100" i="1">
                                 <a:latin typeface="Cambria Math"/>
                               </a:rPr>
                             </m:ctrlPr>
                           </m:sSupPr>
                           <m:e>
                             <m:r>
-                              <a:rPr lang="en-US" altLang="ko-KR" sz="1600" i="1">
+                              <a:rPr lang="en-US" altLang="ko-KR" sz="1100" i="1">
                                 <a:latin typeface="Cambria Math"/>
                               </a:rPr>
                               <m:t>𝑒</m:t>
@@ -10523,14 +10524,14 @@
                             <m:sSubSup>
                               <m:sSubSupPr>
                                 <m:ctrlPr>
-                                  <a:rPr lang="ko-KR" altLang="ko-KR" sz="1600" i="1">
+                                  <a:rPr lang="ko-KR" altLang="ko-KR" sz="1100" i="1">
                                     <a:latin typeface="Cambria Math"/>
                                   </a:rPr>
                                 </m:ctrlPr>
                               </m:sSubSupPr>
                               <m:e>
                                 <m:r>
-                                  <a:rPr lang="en-US" altLang="ko-KR" sz="1600" i="1">
+                                  <a:rPr lang="en-US" altLang="ko-KR" sz="1100" i="1">
                                     <a:latin typeface="Cambria Math"/>
                                   </a:rPr>
                                   <m:t>𝑍</m:t>
@@ -10538,7 +10539,7 @@
                               </m:e>
                               <m:sub>
                                 <m:r>
-                                  <a:rPr lang="en-US" altLang="ko-KR" sz="1600" i="1">
+                                  <a:rPr lang="en-US" altLang="ko-KR" sz="1100" i="1">
                                     <a:latin typeface="Cambria Math"/>
                                   </a:rPr>
                                   <m:t>𝑘</m:t>
@@ -10546,7 +10547,7 @@
                               </m:sub>
                               <m:sup>
                                 <m:r>
-                                  <a:rPr lang="en-US" altLang="ko-KR" sz="1600" b="0" i="1" smtClean="0">
+                                  <a:rPr lang="en-US" altLang="ko-KR" sz="1100" b="0" i="1" smtClean="0">
                                     <a:latin typeface="Cambria Math"/>
                                   </a:rPr>
                                   <m:t>1</m:t>
@@ -10562,20 +10563,20 @@
                             <m:chr m:val="∑"/>
                             <m:limLoc m:val="undOvr"/>
                             <m:ctrlPr>
-                              <a:rPr lang="ko-KR" altLang="ko-KR" sz="1600" i="1">
+                              <a:rPr lang="ko-KR" altLang="ko-KR" sz="1100" i="1">
                                 <a:latin typeface="Cambria Math"/>
                               </a:rPr>
                             </m:ctrlPr>
                           </m:naryPr>
                           <m:sub>
                             <m:r>
-                              <a:rPr lang="en-US" altLang="ko-KR" sz="1600" i="1">
+                              <a:rPr lang="en-US" altLang="ko-KR" sz="1100" i="1">
                                 <a:latin typeface="Cambria Math"/>
                               </a:rPr>
                               <m:t>𝑘</m:t>
                             </m:r>
                             <m:r>
-                              <a:rPr lang="en-US" altLang="ko-KR" sz="1600" i="1">
+                              <a:rPr lang="en-US" altLang="ko-KR" sz="1100" i="1">
                                 <a:latin typeface="Cambria Math"/>
                               </a:rPr>
                               <m:t>=0</m:t>
@@ -10583,7 +10584,7 @@
                           </m:sub>
                           <m:sup>
                             <m:r>
-                              <a:rPr lang="en-US" altLang="ko-KR" sz="1600" i="1">
+                              <a:rPr lang="en-US" altLang="ko-KR" sz="1100" i="1">
                                 <a:latin typeface="Cambria Math"/>
                               </a:rPr>
                               <m:t>9</m:t>
@@ -10593,14 +10594,14 @@
                             <m:sSup>
                               <m:sSupPr>
                                 <m:ctrlPr>
-                                  <a:rPr lang="ko-KR" altLang="ko-KR" sz="1600" i="1">
+                                  <a:rPr lang="ko-KR" altLang="ko-KR" sz="1100" i="1">
                                     <a:latin typeface="Cambria Math"/>
                                   </a:rPr>
                                 </m:ctrlPr>
                               </m:sSupPr>
                               <m:e>
                                 <m:r>
-                                  <a:rPr lang="en-US" altLang="ko-KR" sz="1600" i="1">
+                                  <a:rPr lang="en-US" altLang="ko-KR" sz="1100" i="1">
                                     <a:latin typeface="Cambria Math"/>
                                   </a:rPr>
                                   <m:t>𝑒</m:t>
@@ -10610,14 +10611,14 @@
                                 <m:sSubSup>
                                   <m:sSubSupPr>
                                     <m:ctrlPr>
-                                      <a:rPr lang="ko-KR" altLang="ko-KR" sz="1600" i="1">
+                                      <a:rPr lang="ko-KR" altLang="ko-KR" sz="1100" i="1">
                                         <a:latin typeface="Cambria Math"/>
                                       </a:rPr>
                                     </m:ctrlPr>
                                   </m:sSubSupPr>
                                   <m:e>
                                     <m:r>
-                                      <a:rPr lang="en-US" altLang="ko-KR" sz="1600" i="1">
+                                      <a:rPr lang="en-US" altLang="ko-KR" sz="1100" i="1">
                                         <a:latin typeface="Cambria Math"/>
                                       </a:rPr>
                                       <m:t>𝑍</m:t>
@@ -10625,7 +10626,7 @@
                                   </m:e>
                                   <m:sub>
                                     <m:r>
-                                      <a:rPr lang="en-US" altLang="ko-KR" sz="1600" i="1">
+                                      <a:rPr lang="en-US" altLang="ko-KR" sz="1100" i="1">
                                         <a:latin typeface="Cambria Math"/>
                                       </a:rPr>
                                       <m:t>𝑘</m:t>
@@ -10633,7 +10634,7 @@
                                   </m:sub>
                                   <m:sup>
                                     <m:r>
-                                      <a:rPr lang="en-US" altLang="ko-KR" sz="1600" b="0" i="1" smtClean="0">
+                                      <a:rPr lang="en-US" altLang="ko-KR" sz="1100" b="0" i="1" smtClean="0">
                                         <a:latin typeface="Cambria Math"/>
                                       </a:rPr>
                                       <m:t>1</m:t>
@@ -10649,7 +10650,7 @@
                   </m:oMath>
                 </a14:m>
                 <a:r>
-                  <a:rPr lang="ko-KR" altLang="ko-KR" sz="1600" dirty="0"/>
+                  <a:rPr lang="ko-KR" altLang="ko-KR" sz="1100" dirty="0"/>
                   <a:t> </a:t>
                 </a:r>
                 <a14:m>
@@ -10657,14 +10658,14 @@
                     <m:sSub>
                       <m:sSubPr>
                         <m:ctrlPr>
-                          <a:rPr lang="ko-KR" altLang="ko-KR" sz="1600" i="1">
+                          <a:rPr lang="ko-KR" altLang="ko-KR" sz="1100" i="1">
                             <a:latin typeface="Cambria Math"/>
                           </a:rPr>
                         </m:ctrlPr>
                       </m:sSubPr>
                       <m:e>
                         <m:r>
-                          <a:rPr lang="en-US" altLang="ko-KR" sz="1600" b="0" i="0" smtClean="0">
+                          <a:rPr lang="en-US" altLang="ko-KR" sz="1100" b="0" i="0" smtClean="0">
                             <a:latin typeface="Cambria Math"/>
                           </a:rPr>
                           <m:t>=</m:t>
@@ -10673,7 +10674,7 @@
                           <m:rPr>
                             <m:sty m:val="p"/>
                           </m:rPr>
-                          <a:rPr lang="en-US" altLang="ko-KR" sz="1600">
+                          <a:rPr lang="en-US" altLang="ko-KR" sz="1100">
                             <a:latin typeface="Cambria Math"/>
                           </a:rPr>
                           <m:t>p</m:t>
@@ -10681,7 +10682,7 @@
                       </m:e>
                       <m:sub>
                         <m:r>
-                          <a:rPr lang="en-US" altLang="ko-KR" sz="1600" i="1">
+                          <a:rPr lang="en-US" altLang="ko-KR" sz="1100" i="1">
                             <a:latin typeface="Cambria Math"/>
                           </a:rPr>
                           <m:t>𝑘</m:t>
@@ -10690,12 +10691,12 @@
                     </m:sSub>
                   </m:oMath>
                 </a14:m>
-                <a:endParaRPr lang="ko-KR" altLang="ko-KR" sz="1600" dirty="0"/>
+                <a:endParaRPr lang="ko-KR" altLang="ko-KR" sz="1100" dirty="0"/>
               </a:p>
             </p:txBody>
           </p:sp>
         </mc:Choice>
-        <mc:Fallback>
+        <mc:Fallback xmlns="">
           <p:sp>
             <p:nvSpPr>
               <p:cNvPr id="234" name="직사각형 233"/>
@@ -10706,8 +10707,8 @@
             </p:nvSpPr>
             <p:spPr>
               <a:xfrm>
-                <a:off x="5145174" y="4824927"/>
-                <a:ext cx="1335622" cy="648063"/>
+                <a:off x="5235255" y="4616590"/>
+                <a:ext cx="976486" cy="474425"/>
               </a:xfrm>
               <a:prstGeom prst="rect">
                 <a:avLst/>
@@ -10715,7 +10716,7 @@
               <a:blipFill rotWithShape="1">
                 <a:blip r:embed="rId35"/>
                 <a:stretch>
-                  <a:fillRect/>
+                  <a:fillRect l="-11250" b="-57692"/>
                 </a:stretch>
               </a:blipFill>
             </p:spPr>
@@ -10745,7 +10746,7 @@
             <p:spPr>
               <a:xfrm>
                 <a:off x="6918251" y="4865595"/>
-                <a:ext cx="1885068" cy="1483098"/>
+                <a:ext cx="1357808" cy="1044388"/>
               </a:xfrm>
               <a:prstGeom prst="rect">
                 <a:avLst/>
@@ -10768,20 +10769,20 @@
                         <m:naryPr>
                           <m:chr m:val="∑"/>
                           <m:ctrlPr>
-                            <a:rPr lang="ko-KR" altLang="ko-KR" sz="1600" i="1" smtClean="0">
+                            <a:rPr lang="ko-KR" altLang="ko-KR" sz="1100" i="1" smtClean="0">
                               <a:latin typeface="Cambria Math"/>
                             </a:rPr>
                           </m:ctrlPr>
                         </m:naryPr>
                         <m:sub>
                           <m:r>
-                            <a:rPr lang="en-US" altLang="ko-KR" sz="1600" i="1">
+                            <a:rPr lang="en-US" altLang="ko-KR" sz="1100" i="1">
                               <a:latin typeface="Cambria Math"/>
                             </a:rPr>
                             <m:t>𝑘</m:t>
                           </m:r>
                           <m:r>
-                            <a:rPr lang="en-US" altLang="ko-KR" sz="1600" i="1">
+                            <a:rPr lang="en-US" altLang="ko-KR" sz="1100" i="1">
                               <a:latin typeface="Cambria Math"/>
                             </a:rPr>
                             <m:t>=0</m:t>
@@ -10789,7 +10790,7 @@
                         </m:sub>
                         <m:sup>
                           <m:r>
-                            <a:rPr lang="en-US" altLang="ko-KR" sz="1600" i="1">
+                            <a:rPr lang="en-US" altLang="ko-KR" sz="1100" i="1">
                               <a:latin typeface="Cambria Math"/>
                             </a:rPr>
                             <m:t>9</m:t>
@@ -10799,20 +10800,20 @@
                           <m:sSub>
                             <m:sSubPr>
                               <m:ctrlPr>
-                                <a:rPr lang="ko-KR" altLang="ko-KR" sz="1600" i="1">
+                                <a:rPr lang="ko-KR" altLang="ko-KR" sz="1100" i="1">
                                   <a:latin typeface="Cambria Math"/>
                                 </a:rPr>
                               </m:ctrlPr>
                             </m:sSubPr>
                             <m:e>
                               <m:r>
-                                <a:rPr lang="en-US" altLang="ko-KR" sz="1600" i="1">
+                                <a:rPr lang="en-US" altLang="ko-KR" sz="1100" i="1">
                                   <a:latin typeface="Cambria Math"/>
                                 </a:rPr>
                                 <m:t>−</m:t>
                               </m:r>
                               <m:r>
-                                <a:rPr lang="en-US" altLang="ko-KR" sz="1600" i="1">
+                                <a:rPr lang="en-US" altLang="ko-KR" sz="1100" i="1">
                                   <a:latin typeface="Cambria Math"/>
                                 </a:rPr>
                                 <m:t>𝑦</m:t>
@@ -10820,7 +10821,7 @@
                             </m:e>
                             <m:sub>
                               <m:r>
-                                <a:rPr lang="en-US" altLang="ko-KR" sz="1600" i="1">
+                                <a:rPr lang="en-US" altLang="ko-KR" sz="1100" i="1">
                                   <a:latin typeface="Cambria Math"/>
                                 </a:rPr>
                                 <m:t>𝑘</m:t>
@@ -10828,7 +10829,7 @@
                             </m:sub>
                           </m:sSub>
                           <m:r>
-                            <a:rPr lang="en-US" altLang="ko-KR" sz="1600" i="1">
+                            <a:rPr lang="en-US" altLang="ko-KR" sz="1100" i="1">
                               <a:latin typeface="Cambria Math"/>
                             </a:rPr>
                             <m:t>∗</m:t>
@@ -10837,13 +10838,13 @@
                             <m:rPr>
                               <m:sty m:val="p"/>
                             </m:rPr>
-                            <a:rPr lang="en-US" altLang="ko-KR" sz="1600">
+                            <a:rPr lang="en-US" altLang="ko-KR" sz="1100">
                               <a:latin typeface="Cambria Math"/>
                             </a:rPr>
                             <m:t>log</m:t>
                           </m:r>
                           <m:r>
-                            <a:rPr lang="en-US" altLang="ko-KR" sz="1600" i="1">
+                            <a:rPr lang="en-US" altLang="ko-KR" sz="1100" i="1">
                               <a:latin typeface="Cambria Math"/>
                             </a:rPr>
                             <m:t>(</m:t>
@@ -10851,14 +10852,14 @@
                           <m:sSub>
                             <m:sSubPr>
                               <m:ctrlPr>
-                                <a:rPr lang="ko-KR" altLang="ko-KR" sz="1600" i="1">
+                                <a:rPr lang="ko-KR" altLang="ko-KR" sz="1100" i="1">
                                   <a:latin typeface="Cambria Math"/>
                                 </a:rPr>
                               </m:ctrlPr>
                             </m:sSubPr>
                             <m:e>
                               <m:r>
-                                <a:rPr lang="en-US" altLang="ko-KR" sz="1600" i="1">
+                                <a:rPr lang="en-US" altLang="ko-KR" sz="1100" i="1">
                                   <a:latin typeface="Cambria Math"/>
                                 </a:rPr>
                                 <m:t>𝑝</m:t>
@@ -10866,7 +10867,7 @@
                             </m:e>
                             <m:sub>
                               <m:r>
-                                <a:rPr lang="en-US" altLang="ko-KR" sz="1600" i="1">
+                                <a:rPr lang="en-US" altLang="ko-KR" sz="1100" i="1">
                                   <a:latin typeface="Cambria Math"/>
                                 </a:rPr>
                                 <m:t>𝑘</m:t>
@@ -10874,7 +10875,7 @@
                             </m:sub>
                           </m:sSub>
                           <m:r>
-                            <a:rPr lang="en-US" altLang="ko-KR" sz="1600" i="1">
+                            <a:rPr lang="en-US" altLang="ko-KR" sz="1100" i="1">
                               <a:latin typeface="Cambria Math"/>
                             </a:rPr>
                             <m:t>)</m:t>
@@ -10884,7 +10885,7 @@
                     </m:oMath>
                     <m:oMath xmlns:m="http://schemas.openxmlformats.org/officeDocument/2006/math">
                       <m:r>
-                        <a:rPr lang="en-US" altLang="ko-KR" sz="1600" i="1">
+                        <a:rPr lang="en-US" altLang="ko-KR" sz="1100" i="1">
                           <a:latin typeface="Cambria Math"/>
                         </a:rPr>
                         <m:t>=</m:t>
@@ -10893,20 +10894,20 @@
                         <m:naryPr>
                           <m:chr m:val="∑"/>
                           <m:ctrlPr>
-                            <a:rPr lang="ko-KR" altLang="ko-KR" sz="1600" i="1">
+                            <a:rPr lang="ko-KR" altLang="ko-KR" sz="1100" i="1">
                               <a:latin typeface="Cambria Math"/>
                             </a:rPr>
                           </m:ctrlPr>
                         </m:naryPr>
                         <m:sub>
                           <m:r>
-                            <a:rPr lang="en-US" altLang="ko-KR" sz="1600" i="1">
+                            <a:rPr lang="en-US" altLang="ko-KR" sz="1100" i="1">
                               <a:latin typeface="Cambria Math"/>
                             </a:rPr>
                             <m:t>𝑘</m:t>
                           </m:r>
                           <m:r>
-                            <a:rPr lang="en-US" altLang="ko-KR" sz="1600" i="1">
+                            <a:rPr lang="en-US" altLang="ko-KR" sz="1100" i="1">
                               <a:latin typeface="Cambria Math"/>
                             </a:rPr>
                             <m:t>=0</m:t>
@@ -10914,7 +10915,7 @@
                         </m:sub>
                         <m:sup>
                           <m:r>
-                            <a:rPr lang="en-US" altLang="ko-KR" sz="1600" i="1">
+                            <a:rPr lang="en-US" altLang="ko-KR" sz="1100" i="1">
                               <a:latin typeface="Cambria Math"/>
                             </a:rPr>
                             <m:t>9</m:t>
@@ -10924,7 +10925,7 @@
                           <m:sSub>
                             <m:sSubPr>
                               <m:ctrlPr>
-                                <a:rPr lang="ko-KR" altLang="ko-KR" sz="1600" i="1">
+                                <a:rPr lang="ko-KR" altLang="ko-KR" sz="1100" i="1">
                                   <a:latin typeface="Cambria Math"/>
                                 </a:rPr>
                               </m:ctrlPr>
@@ -10934,7 +10935,7 @@
                                 <m:rPr>
                                   <m:sty m:val="p"/>
                                 </m:rPr>
-                                <a:rPr lang="en-US" altLang="ko-KR" sz="1600">
+                                <a:rPr lang="en-US" altLang="ko-KR" sz="1100">
                                   <a:latin typeface="Cambria Math"/>
                                 </a:rPr>
                                 <m:t>cost</m:t>
@@ -10942,7 +10943,7 @@
                             </m:e>
                             <m:sub>
                               <m:r>
-                                <a:rPr lang="en-US" altLang="ko-KR" sz="1600" i="1">
+                                <a:rPr lang="en-US" altLang="ko-KR" sz="1100" i="1">
                                   <a:latin typeface="Cambria Math"/>
                                 </a:rPr>
                                 <m:t>𝑘</m:t>
@@ -10952,7 +10953,7 @@
                         </m:e>
                       </m:nary>
                       <m:r>
-                        <a:rPr lang="en-US" altLang="ko-KR" sz="1600" i="1">
+                        <a:rPr lang="en-US" altLang="ko-KR" sz="1100" i="1">
                           <a:latin typeface="Cambria Math"/>
                         </a:rPr>
                         <m:t>=</m:t>
@@ -10961,7 +10962,7 @@
                         <m:rPr>
                           <m:sty m:val="p"/>
                         </m:rPr>
-                        <a:rPr lang="en-US" altLang="ko-KR" sz="1600">
+                        <a:rPr lang="en-US" altLang="ko-KR" sz="1100">
                           <a:latin typeface="Cambria Math"/>
                         </a:rPr>
                         <m:t>cost</m:t>
@@ -10969,7 +10970,7 @@
                     </m:oMath>
                   </m:oMathPara>
                 </a14:m>
-                <a:endParaRPr lang="ko-KR" altLang="en-US" sz="1600" dirty="0"/>
+                <a:endParaRPr lang="ko-KR" altLang="en-US" sz="1100" dirty="0"/>
               </a:p>
             </p:txBody>
           </p:sp>
@@ -10986,7 +10987,7 @@
             <p:spPr>
               <a:xfrm>
                 <a:off x="6918251" y="4865595"/>
-                <a:ext cx="1885068" cy="1483098"/>
+                <a:ext cx="1357808" cy="1044388"/>
               </a:xfrm>
               <a:prstGeom prst="rect">
                 <a:avLst/>
@@ -10994,7 +10995,7 @@
               <a:blipFill rotWithShape="1">
                 <a:blip r:embed="rId36"/>
                 <a:stretch>
-                  <a:fillRect/>
+                  <a:fillRect l="-30493" t="-49123" r="-11659" b="-76608"/>
                 </a:stretch>
               </a:blipFill>
             </p:spPr>
@@ -11047,6 +11048,7647 @@
     <p:extLst>
       <p:ext uri="{BB962C8B-B14F-4D97-AF65-F5344CB8AC3E}">
         <p14:creationId xmlns:p14="http://schemas.microsoft.com/office/powerpoint/2010/main" val="4062135232"/>
+      </p:ext>
+    </p:extLst>
+  </p:cSld>
+  <p:clrMapOvr>
+    <a:masterClrMapping/>
+  </p:clrMapOvr>
+</p:sld>
+</file>
+
+<file path=ppt/slides/slide2.xml><?xml version="1.0" encoding="utf-8"?>
+<p:sld xmlns:a="http://schemas.openxmlformats.org/drawingml/2006/main" xmlns:r="http://schemas.openxmlformats.org/officeDocument/2006/relationships" xmlns:p="http://schemas.openxmlformats.org/presentationml/2006/main">
+  <p:cSld>
+    <p:spTree>
+      <p:nvGrpSpPr>
+        <p:cNvPr id="1" name=""/>
+        <p:cNvGrpSpPr/>
+        <p:nvPr/>
+      </p:nvGrpSpPr>
+      <p:grpSpPr>
+        <a:xfrm>
+          <a:off x="0" y="0"/>
+          <a:ext cx="0" cy="0"/>
+          <a:chOff x="0" y="0"/>
+          <a:chExt cx="0" cy="0"/>
+        </a:xfrm>
+      </p:grpSpPr>
+      <p:sp>
+        <p:nvSpPr>
+          <p:cNvPr id="4" name="타원 3"/>
+          <p:cNvSpPr/>
+          <p:nvPr/>
+        </p:nvSpPr>
+        <p:spPr>
+          <a:xfrm>
+            <a:off x="755576" y="1412776"/>
+            <a:ext cx="216024" cy="216024"/>
+          </a:xfrm>
+          <a:prstGeom prst="ellipse">
+            <a:avLst/>
+          </a:prstGeom>
+          <a:noFill/>
+          <a:ln>
+            <a:solidFill>
+              <a:schemeClr val="tx1"/>
+            </a:solidFill>
+          </a:ln>
+        </p:spPr>
+        <p:style>
+          <a:lnRef idx="2">
+            <a:schemeClr val="accent1">
+              <a:shade val="50000"/>
+            </a:schemeClr>
+          </a:lnRef>
+          <a:fillRef idx="1">
+            <a:schemeClr val="accent1"/>
+          </a:fillRef>
+          <a:effectRef idx="0">
+            <a:schemeClr val="accent1"/>
+          </a:effectRef>
+          <a:fontRef idx="minor">
+            <a:schemeClr val="lt1"/>
+          </a:fontRef>
+        </p:style>
+        <p:txBody>
+          <a:bodyPr rtlCol="0" anchor="ctr"/>
+          <a:lstStyle/>
+          <a:p>
+            <a:pPr algn="ctr"/>
+            <a:endParaRPr lang="ko-KR" altLang="en-US"/>
+          </a:p>
+        </p:txBody>
+      </p:sp>
+      <p:sp>
+        <p:nvSpPr>
+          <p:cNvPr id="6" name="타원 5"/>
+          <p:cNvSpPr/>
+          <p:nvPr/>
+        </p:nvSpPr>
+        <p:spPr>
+          <a:xfrm>
+            <a:off x="755576" y="2132856"/>
+            <a:ext cx="216024" cy="216024"/>
+          </a:xfrm>
+          <a:prstGeom prst="ellipse">
+            <a:avLst/>
+          </a:prstGeom>
+          <a:noFill/>
+          <a:ln>
+            <a:solidFill>
+              <a:schemeClr val="tx1"/>
+            </a:solidFill>
+          </a:ln>
+        </p:spPr>
+        <p:style>
+          <a:lnRef idx="2">
+            <a:schemeClr val="accent1">
+              <a:shade val="50000"/>
+            </a:schemeClr>
+          </a:lnRef>
+          <a:fillRef idx="1">
+            <a:schemeClr val="accent1"/>
+          </a:fillRef>
+          <a:effectRef idx="0">
+            <a:schemeClr val="accent1"/>
+          </a:effectRef>
+          <a:fontRef idx="minor">
+            <a:schemeClr val="lt1"/>
+          </a:fontRef>
+        </p:style>
+        <p:txBody>
+          <a:bodyPr rtlCol="0" anchor="ctr"/>
+          <a:lstStyle/>
+          <a:p>
+            <a:pPr algn="ctr"/>
+            <a:endParaRPr lang="ko-KR" altLang="en-US"/>
+          </a:p>
+        </p:txBody>
+      </p:sp>
+      <p:sp>
+        <p:nvSpPr>
+          <p:cNvPr id="7" name="타원 6"/>
+          <p:cNvSpPr/>
+          <p:nvPr/>
+        </p:nvSpPr>
+        <p:spPr>
+          <a:xfrm>
+            <a:off x="755576" y="2876890"/>
+            <a:ext cx="216024" cy="216024"/>
+          </a:xfrm>
+          <a:prstGeom prst="ellipse">
+            <a:avLst/>
+          </a:prstGeom>
+          <a:noFill/>
+          <a:ln>
+            <a:solidFill>
+              <a:schemeClr val="tx1"/>
+            </a:solidFill>
+          </a:ln>
+        </p:spPr>
+        <p:style>
+          <a:lnRef idx="2">
+            <a:schemeClr val="accent1">
+              <a:shade val="50000"/>
+            </a:schemeClr>
+          </a:lnRef>
+          <a:fillRef idx="1">
+            <a:schemeClr val="accent1"/>
+          </a:fillRef>
+          <a:effectRef idx="0">
+            <a:schemeClr val="accent1"/>
+          </a:effectRef>
+          <a:fontRef idx="minor">
+            <a:schemeClr val="lt1"/>
+          </a:fontRef>
+        </p:style>
+        <p:txBody>
+          <a:bodyPr rtlCol="0" anchor="ctr"/>
+          <a:lstStyle/>
+          <a:p>
+            <a:pPr algn="ctr"/>
+            <a:endParaRPr lang="ko-KR" altLang="en-US"/>
+          </a:p>
+        </p:txBody>
+      </p:sp>
+      <p:sp>
+        <p:nvSpPr>
+          <p:cNvPr id="9" name="타원 8"/>
+          <p:cNvSpPr/>
+          <p:nvPr/>
+        </p:nvSpPr>
+        <p:spPr>
+          <a:xfrm>
+            <a:off x="755576" y="5147900"/>
+            <a:ext cx="216024" cy="216024"/>
+          </a:xfrm>
+          <a:prstGeom prst="ellipse">
+            <a:avLst/>
+          </a:prstGeom>
+          <a:noFill/>
+          <a:ln>
+            <a:solidFill>
+              <a:schemeClr val="tx1"/>
+            </a:solidFill>
+          </a:ln>
+        </p:spPr>
+        <p:style>
+          <a:lnRef idx="2">
+            <a:schemeClr val="accent1">
+              <a:shade val="50000"/>
+            </a:schemeClr>
+          </a:lnRef>
+          <a:fillRef idx="1">
+            <a:schemeClr val="accent1"/>
+          </a:fillRef>
+          <a:effectRef idx="0">
+            <a:schemeClr val="accent1"/>
+          </a:effectRef>
+          <a:fontRef idx="minor">
+            <a:schemeClr val="lt1"/>
+          </a:fontRef>
+        </p:style>
+        <p:txBody>
+          <a:bodyPr rtlCol="0" anchor="ctr"/>
+          <a:lstStyle/>
+          <a:p>
+            <a:pPr algn="ctr"/>
+            <a:endParaRPr lang="ko-KR" altLang="en-US"/>
+          </a:p>
+        </p:txBody>
+      </p:sp>
+      <p:sp>
+        <p:nvSpPr>
+          <p:cNvPr id="10" name="타원 9"/>
+          <p:cNvSpPr/>
+          <p:nvPr/>
+        </p:nvSpPr>
+        <p:spPr>
+          <a:xfrm>
+            <a:off x="2429193" y="1412776"/>
+            <a:ext cx="216024" cy="216024"/>
+          </a:xfrm>
+          <a:prstGeom prst="ellipse">
+            <a:avLst/>
+          </a:prstGeom>
+          <a:noFill/>
+          <a:ln>
+            <a:solidFill>
+              <a:schemeClr val="tx1"/>
+            </a:solidFill>
+          </a:ln>
+        </p:spPr>
+        <p:style>
+          <a:lnRef idx="2">
+            <a:schemeClr val="accent1">
+              <a:shade val="50000"/>
+            </a:schemeClr>
+          </a:lnRef>
+          <a:fillRef idx="1">
+            <a:schemeClr val="accent1"/>
+          </a:fillRef>
+          <a:effectRef idx="0">
+            <a:schemeClr val="accent1"/>
+          </a:effectRef>
+          <a:fontRef idx="minor">
+            <a:schemeClr val="lt1"/>
+          </a:fontRef>
+        </p:style>
+        <p:txBody>
+          <a:bodyPr rtlCol="0" anchor="ctr"/>
+          <a:lstStyle/>
+          <a:p>
+            <a:pPr algn="ctr"/>
+            <a:endParaRPr lang="ko-KR" altLang="en-US"/>
+          </a:p>
+        </p:txBody>
+      </p:sp>
+      <p:sp>
+        <p:nvSpPr>
+          <p:cNvPr id="12" name="타원 11"/>
+          <p:cNvSpPr/>
+          <p:nvPr/>
+        </p:nvSpPr>
+        <p:spPr>
+          <a:xfrm>
+            <a:off x="2429193" y="2132856"/>
+            <a:ext cx="216024" cy="216024"/>
+          </a:xfrm>
+          <a:prstGeom prst="ellipse">
+            <a:avLst/>
+          </a:prstGeom>
+          <a:noFill/>
+          <a:ln>
+            <a:solidFill>
+              <a:schemeClr val="tx1"/>
+            </a:solidFill>
+          </a:ln>
+        </p:spPr>
+        <p:style>
+          <a:lnRef idx="2">
+            <a:schemeClr val="accent1">
+              <a:shade val="50000"/>
+            </a:schemeClr>
+          </a:lnRef>
+          <a:fillRef idx="1">
+            <a:schemeClr val="accent1"/>
+          </a:fillRef>
+          <a:effectRef idx="0">
+            <a:schemeClr val="accent1"/>
+          </a:effectRef>
+          <a:fontRef idx="minor">
+            <a:schemeClr val="lt1"/>
+          </a:fontRef>
+        </p:style>
+        <p:txBody>
+          <a:bodyPr rtlCol="0" anchor="ctr"/>
+          <a:lstStyle/>
+          <a:p>
+            <a:pPr algn="ctr"/>
+            <a:endParaRPr lang="ko-KR" altLang="en-US"/>
+          </a:p>
+        </p:txBody>
+      </p:sp>
+      <p:sp>
+        <p:nvSpPr>
+          <p:cNvPr id="14" name="타원 13"/>
+          <p:cNvSpPr/>
+          <p:nvPr/>
+        </p:nvSpPr>
+        <p:spPr>
+          <a:xfrm>
+            <a:off x="2426943" y="4170093"/>
+            <a:ext cx="216024" cy="216024"/>
+          </a:xfrm>
+          <a:prstGeom prst="ellipse">
+            <a:avLst/>
+          </a:prstGeom>
+          <a:noFill/>
+          <a:ln>
+            <a:solidFill>
+              <a:schemeClr val="tx1"/>
+            </a:solidFill>
+          </a:ln>
+        </p:spPr>
+        <p:style>
+          <a:lnRef idx="2">
+            <a:schemeClr val="accent1">
+              <a:shade val="50000"/>
+            </a:schemeClr>
+          </a:lnRef>
+          <a:fillRef idx="1">
+            <a:schemeClr val="accent1"/>
+          </a:fillRef>
+          <a:effectRef idx="0">
+            <a:schemeClr val="accent1"/>
+          </a:effectRef>
+          <a:fontRef idx="minor">
+            <a:schemeClr val="lt1"/>
+          </a:fontRef>
+        </p:style>
+        <p:txBody>
+          <a:bodyPr rtlCol="0" anchor="ctr"/>
+          <a:lstStyle/>
+          <a:p>
+            <a:pPr algn="ctr"/>
+            <a:endParaRPr lang="ko-KR" altLang="en-US"/>
+          </a:p>
+        </p:txBody>
+      </p:sp>
+      <p:sp>
+        <p:nvSpPr>
+          <p:cNvPr id="54" name="TextBox 53"/>
+          <p:cNvSpPr txBox="1"/>
+          <p:nvPr/>
+        </p:nvSpPr>
+        <p:spPr>
+          <a:xfrm>
+            <a:off x="6054938" y="753880"/>
+            <a:ext cx="401072" cy="369332"/>
+          </a:xfrm>
+          <a:prstGeom prst="rect">
+            <a:avLst/>
+          </a:prstGeom>
+          <a:noFill/>
+        </p:spPr>
+        <p:txBody>
+          <a:bodyPr wrap="none" rtlCol="0">
+            <a:spAutoFit/>
+          </a:bodyPr>
+          <a:lstStyle/>
+          <a:p>
+            <a:r>
+              <a:rPr lang="en-US" altLang="ko-KR" dirty="0" err="1" smtClean="0"/>
+              <a:t>p</a:t>
+            </a:r>
+            <a:r>
+              <a:rPr lang="en-US" altLang="ko-KR" baseline="-25000" dirty="0" err="1" smtClean="0"/>
+              <a:t>k</a:t>
+            </a:r>
+            <a:endParaRPr lang="ko-KR" altLang="en-US" baseline="-25000" dirty="0"/>
+          </a:p>
+        </p:txBody>
+      </p:sp>
+      <p:sp>
+        <p:nvSpPr>
+          <p:cNvPr id="55" name="TextBox 54"/>
+          <p:cNvSpPr txBox="1"/>
+          <p:nvPr/>
+        </p:nvSpPr>
+        <p:spPr>
+          <a:xfrm>
+            <a:off x="6788385" y="753880"/>
+            <a:ext cx="377026" cy="369332"/>
+          </a:xfrm>
+          <a:prstGeom prst="rect">
+            <a:avLst/>
+          </a:prstGeom>
+          <a:noFill/>
+        </p:spPr>
+        <p:txBody>
+          <a:bodyPr wrap="none" rtlCol="0">
+            <a:spAutoFit/>
+          </a:bodyPr>
+          <a:lstStyle/>
+          <a:p>
+            <a:r>
+              <a:rPr lang="en-US" altLang="ko-KR" dirty="0" err="1" smtClean="0"/>
+              <a:t>y</a:t>
+            </a:r>
+            <a:r>
+              <a:rPr lang="en-US" altLang="ko-KR" baseline="-25000" dirty="0" err="1" smtClean="0"/>
+              <a:t>k</a:t>
+            </a:r>
+            <a:endParaRPr lang="ko-KR" altLang="en-US" baseline="-25000" dirty="0"/>
+          </a:p>
+        </p:txBody>
+      </p:sp>
+      <p:sp>
+        <p:nvSpPr>
+          <p:cNvPr id="56" name="TextBox 55"/>
+          <p:cNvSpPr txBox="1"/>
+          <p:nvPr/>
+        </p:nvSpPr>
+        <p:spPr>
+          <a:xfrm>
+            <a:off x="720686" y="749550"/>
+            <a:ext cx="330540" cy="369332"/>
+          </a:xfrm>
+          <a:prstGeom prst="rect">
+            <a:avLst/>
+          </a:prstGeom>
+          <a:noFill/>
+        </p:spPr>
+        <p:txBody>
+          <a:bodyPr wrap="none" rtlCol="0">
+            <a:spAutoFit/>
+          </a:bodyPr>
+          <a:lstStyle/>
+          <a:p>
+            <a:r>
+              <a:rPr lang="en-US" altLang="ko-KR" dirty="0" smtClean="0"/>
+              <a:t>x</a:t>
+            </a:r>
+            <a:r>
+              <a:rPr lang="en-US" altLang="ko-KR" baseline="-25000" dirty="0" smtClean="0"/>
+              <a:t>i</a:t>
+            </a:r>
+            <a:endParaRPr lang="ko-KR" altLang="en-US" baseline="-25000" dirty="0"/>
+          </a:p>
+        </p:txBody>
+      </p:sp>
+      <p:sp>
+        <p:nvSpPr>
+          <p:cNvPr id="58" name="TextBox 57"/>
+          <p:cNvSpPr txBox="1"/>
+          <p:nvPr/>
+        </p:nvSpPr>
+        <p:spPr>
+          <a:xfrm>
+            <a:off x="251520" y="1292407"/>
+            <a:ext cx="377026" cy="369332"/>
+          </a:xfrm>
+          <a:prstGeom prst="rect">
+            <a:avLst/>
+          </a:prstGeom>
+          <a:noFill/>
+        </p:spPr>
+        <p:txBody>
+          <a:bodyPr wrap="none" rtlCol="0">
+            <a:spAutoFit/>
+          </a:bodyPr>
+          <a:lstStyle/>
+          <a:p>
+            <a:r>
+              <a:rPr lang="en-US" altLang="ko-KR" dirty="0" err="1" smtClean="0"/>
+              <a:t>x</a:t>
+            </a:r>
+            <a:r>
+              <a:rPr lang="en-US" altLang="ko-KR" baseline="-25000" dirty="0" err="1" smtClean="0"/>
+              <a:t>0</a:t>
+            </a:r>
+            <a:endParaRPr lang="ko-KR" altLang="en-US" baseline="-25000" dirty="0"/>
+          </a:p>
+        </p:txBody>
+      </p:sp>
+      <p:sp>
+        <p:nvSpPr>
+          <p:cNvPr id="59" name="TextBox 58"/>
+          <p:cNvSpPr txBox="1"/>
+          <p:nvPr/>
+        </p:nvSpPr>
+        <p:spPr>
+          <a:xfrm>
+            <a:off x="229479" y="1988840"/>
+            <a:ext cx="377026" cy="369332"/>
+          </a:xfrm>
+          <a:prstGeom prst="rect">
+            <a:avLst/>
+          </a:prstGeom>
+          <a:noFill/>
+        </p:spPr>
+        <p:txBody>
+          <a:bodyPr wrap="none" rtlCol="0">
+            <a:spAutoFit/>
+          </a:bodyPr>
+          <a:lstStyle/>
+          <a:p>
+            <a:r>
+              <a:rPr lang="en-US" altLang="ko-KR" dirty="0" err="1" smtClean="0"/>
+              <a:t>x</a:t>
+            </a:r>
+            <a:r>
+              <a:rPr lang="en-US" altLang="ko-KR" baseline="-25000" dirty="0" err="1" smtClean="0"/>
+              <a:t>1</a:t>
+            </a:r>
+            <a:endParaRPr lang="ko-KR" altLang="en-US" baseline="-25000" dirty="0"/>
+          </a:p>
+        </p:txBody>
+      </p:sp>
+      <p:sp>
+        <p:nvSpPr>
+          <p:cNvPr id="60" name="TextBox 59"/>
+          <p:cNvSpPr txBox="1"/>
+          <p:nvPr/>
+        </p:nvSpPr>
+        <p:spPr>
+          <a:xfrm>
+            <a:off x="215407" y="2756521"/>
+            <a:ext cx="377026" cy="369332"/>
+          </a:xfrm>
+          <a:prstGeom prst="rect">
+            <a:avLst/>
+          </a:prstGeom>
+          <a:noFill/>
+        </p:spPr>
+        <p:txBody>
+          <a:bodyPr wrap="none" rtlCol="0">
+            <a:spAutoFit/>
+          </a:bodyPr>
+          <a:lstStyle/>
+          <a:p>
+            <a:r>
+              <a:rPr lang="en-US" altLang="ko-KR" dirty="0" err="1" smtClean="0"/>
+              <a:t>x</a:t>
+            </a:r>
+            <a:r>
+              <a:rPr lang="en-US" altLang="ko-KR" baseline="-25000" dirty="0" err="1" smtClean="0"/>
+              <a:t>2</a:t>
+            </a:r>
+            <a:endParaRPr lang="ko-KR" altLang="en-US" baseline="-25000" dirty="0"/>
+          </a:p>
+        </p:txBody>
+      </p:sp>
+      <p:sp>
+        <p:nvSpPr>
+          <p:cNvPr id="61" name="TextBox 60"/>
+          <p:cNvSpPr txBox="1"/>
+          <p:nvPr/>
+        </p:nvSpPr>
+        <p:spPr>
+          <a:xfrm>
+            <a:off x="229479" y="5003884"/>
+            <a:ext cx="546945" cy="369332"/>
+          </a:xfrm>
+          <a:prstGeom prst="rect">
+            <a:avLst/>
+          </a:prstGeom>
+          <a:noFill/>
+        </p:spPr>
+        <p:txBody>
+          <a:bodyPr wrap="none" rtlCol="0">
+            <a:spAutoFit/>
+          </a:bodyPr>
+          <a:lstStyle/>
+          <a:p>
+            <a:r>
+              <a:rPr lang="en-US" altLang="ko-KR" dirty="0" err="1" smtClean="0"/>
+              <a:t>x</a:t>
+            </a:r>
+            <a:r>
+              <a:rPr lang="en-US" altLang="ko-KR" baseline="-25000" dirty="0" err="1" smtClean="0"/>
+              <a:t>783</a:t>
+            </a:r>
+            <a:endParaRPr lang="ko-KR" altLang="en-US" baseline="-25000" dirty="0"/>
+          </a:p>
+        </p:txBody>
+      </p:sp>
+      <p:cxnSp>
+        <p:nvCxnSpPr>
+          <p:cNvPr id="16" name="직선 화살표 연결선 15"/>
+          <p:cNvCxnSpPr>
+            <a:stCxn id="10" idx="2"/>
+            <a:endCxn id="4" idx="6"/>
+          </p:cNvCxnSpPr>
+          <p:nvPr/>
+        </p:nvCxnSpPr>
+        <p:spPr>
+          <a:xfrm flipH="1">
+            <a:off x="971600" y="1520788"/>
+            <a:ext cx="1457593" cy="0"/>
+          </a:xfrm>
+          <a:prstGeom prst="straightConnector1">
+            <a:avLst/>
+          </a:prstGeom>
+          <a:ln w="15875">
+            <a:tailEnd type="arrow"/>
+          </a:ln>
+        </p:spPr>
+        <p:style>
+          <a:lnRef idx="1">
+            <a:schemeClr val="accent1"/>
+          </a:lnRef>
+          <a:fillRef idx="0">
+            <a:schemeClr val="accent1"/>
+          </a:fillRef>
+          <a:effectRef idx="0">
+            <a:schemeClr val="accent1"/>
+          </a:effectRef>
+          <a:fontRef idx="minor">
+            <a:schemeClr val="tx1"/>
+          </a:fontRef>
+        </p:style>
+      </p:cxnSp>
+      <p:cxnSp>
+        <p:nvCxnSpPr>
+          <p:cNvPr id="65" name="직선 화살표 연결선 64"/>
+          <p:cNvCxnSpPr>
+            <a:stCxn id="12" idx="2"/>
+            <a:endCxn id="4" idx="6"/>
+          </p:cNvCxnSpPr>
+          <p:nvPr/>
+        </p:nvCxnSpPr>
+        <p:spPr>
+          <a:xfrm flipH="1" flipV="1">
+            <a:off x="971600" y="1520788"/>
+            <a:ext cx="1457593" cy="720080"/>
+          </a:xfrm>
+          <a:prstGeom prst="straightConnector1">
+            <a:avLst/>
+          </a:prstGeom>
+          <a:ln w="15875">
+            <a:tailEnd type="arrow"/>
+          </a:ln>
+        </p:spPr>
+        <p:style>
+          <a:lnRef idx="1">
+            <a:schemeClr val="accent1"/>
+          </a:lnRef>
+          <a:fillRef idx="0">
+            <a:schemeClr val="accent1"/>
+          </a:fillRef>
+          <a:effectRef idx="0">
+            <a:schemeClr val="accent1"/>
+          </a:effectRef>
+          <a:fontRef idx="minor">
+            <a:schemeClr val="tx1"/>
+          </a:fontRef>
+        </p:style>
+      </p:cxnSp>
+      <p:cxnSp>
+        <p:nvCxnSpPr>
+          <p:cNvPr id="68" name="직선 화살표 연결선 67"/>
+          <p:cNvCxnSpPr>
+            <a:stCxn id="14" idx="2"/>
+            <a:endCxn id="4" idx="6"/>
+          </p:cNvCxnSpPr>
+          <p:nvPr/>
+        </p:nvCxnSpPr>
+        <p:spPr>
+          <a:xfrm flipH="1" flipV="1">
+            <a:off x="971600" y="1520788"/>
+            <a:ext cx="1455343" cy="2757317"/>
+          </a:xfrm>
+          <a:prstGeom prst="straightConnector1">
+            <a:avLst/>
+          </a:prstGeom>
+          <a:ln w="15875">
+            <a:tailEnd type="arrow"/>
+          </a:ln>
+        </p:spPr>
+        <p:style>
+          <a:lnRef idx="1">
+            <a:schemeClr val="accent1"/>
+          </a:lnRef>
+          <a:fillRef idx="0">
+            <a:schemeClr val="accent1"/>
+          </a:fillRef>
+          <a:effectRef idx="0">
+            <a:schemeClr val="accent1"/>
+          </a:effectRef>
+          <a:fontRef idx="minor">
+            <a:schemeClr val="tx1"/>
+          </a:fontRef>
+        </p:style>
+      </p:cxnSp>
+      <p:sp>
+        <p:nvSpPr>
+          <p:cNvPr id="72" name="타원 71"/>
+          <p:cNvSpPr/>
+          <p:nvPr/>
+        </p:nvSpPr>
+        <p:spPr>
+          <a:xfrm>
+            <a:off x="755576" y="3773136"/>
+            <a:ext cx="216024" cy="216024"/>
+          </a:xfrm>
+          <a:prstGeom prst="ellipse">
+            <a:avLst/>
+          </a:prstGeom>
+          <a:noFill/>
+          <a:ln>
+            <a:solidFill>
+              <a:schemeClr val="tx1"/>
+            </a:solidFill>
+          </a:ln>
+        </p:spPr>
+        <p:style>
+          <a:lnRef idx="2">
+            <a:schemeClr val="accent1">
+              <a:shade val="50000"/>
+            </a:schemeClr>
+          </a:lnRef>
+          <a:fillRef idx="1">
+            <a:schemeClr val="accent1"/>
+          </a:fillRef>
+          <a:effectRef idx="0">
+            <a:schemeClr val="accent1"/>
+          </a:effectRef>
+          <a:fontRef idx="minor">
+            <a:schemeClr val="lt1"/>
+          </a:fontRef>
+        </p:style>
+        <p:txBody>
+          <a:bodyPr rtlCol="0" anchor="ctr"/>
+          <a:lstStyle/>
+          <a:p>
+            <a:pPr algn="ctr"/>
+            <a:endParaRPr lang="ko-KR" altLang="en-US"/>
+          </a:p>
+        </p:txBody>
+      </p:sp>
+      <p:sp>
+        <p:nvSpPr>
+          <p:cNvPr id="74" name="TextBox 73"/>
+          <p:cNvSpPr txBox="1"/>
+          <p:nvPr/>
+        </p:nvSpPr>
+        <p:spPr>
+          <a:xfrm>
+            <a:off x="242205" y="3618018"/>
+            <a:ext cx="330540" cy="369332"/>
+          </a:xfrm>
+          <a:prstGeom prst="rect">
+            <a:avLst/>
+          </a:prstGeom>
+          <a:noFill/>
+        </p:spPr>
+        <p:txBody>
+          <a:bodyPr wrap="none" rtlCol="0">
+            <a:spAutoFit/>
+          </a:bodyPr>
+          <a:lstStyle/>
+          <a:p>
+            <a:r>
+              <a:rPr lang="en-US" altLang="ko-KR" dirty="0" smtClean="0"/>
+              <a:t>x</a:t>
+            </a:r>
+            <a:r>
+              <a:rPr lang="en-US" altLang="ko-KR" baseline="-25000" dirty="0" smtClean="0"/>
+              <a:t>i</a:t>
+            </a:r>
+            <a:endParaRPr lang="ko-KR" altLang="en-US" baseline="-25000" dirty="0"/>
+          </a:p>
+        </p:txBody>
+      </p:sp>
+      <mc:AlternateContent xmlns:mc="http://schemas.openxmlformats.org/markup-compatibility/2006" xmlns:a14="http://schemas.microsoft.com/office/drawing/2010/main">
+        <mc:Choice Requires="a14">
+          <p:sp>
+            <p:nvSpPr>
+              <p:cNvPr id="67" name="TextBox 66"/>
+              <p:cNvSpPr txBox="1"/>
+              <p:nvPr/>
+            </p:nvSpPr>
+            <p:spPr>
+              <a:xfrm>
+                <a:off x="2332816" y="2416242"/>
+                <a:ext cx="477246" cy="374205"/>
+              </a:xfrm>
+              <a:prstGeom prst="rect">
+                <a:avLst/>
+              </a:prstGeom>
+              <a:noFill/>
+            </p:spPr>
+            <p:txBody>
+              <a:bodyPr wrap="none" rtlCol="0">
+                <a:spAutoFit/>
+              </a:bodyPr>
+              <a:lstStyle/>
+              <a:p>
+                <a:pPr/>
+                <a14:m>
+                  <m:oMathPara xmlns:m="http://schemas.openxmlformats.org/officeDocument/2006/math">
+                    <m:oMathParaPr>
+                      <m:jc m:val="centerGroup"/>
+                    </m:oMathParaPr>
+                    <m:oMath xmlns:m="http://schemas.openxmlformats.org/officeDocument/2006/math">
+                      <m:sSubSup>
+                        <m:sSubSupPr>
+                          <m:ctrlPr>
+                            <a:rPr lang="ko-KR" altLang="ko-KR" i="1" smtClean="0">
+                              <a:latin typeface="Cambria Math"/>
+                            </a:rPr>
+                          </m:ctrlPr>
+                        </m:sSubSupPr>
+                        <m:e>
+                          <m:r>
+                            <m:rPr>
+                              <m:sty m:val="p"/>
+                            </m:rPr>
+                            <a:rPr lang="en-US" altLang="ko-KR">
+                              <a:latin typeface="Cambria Math"/>
+                            </a:rPr>
+                            <m:t>Z</m:t>
+                          </m:r>
+                        </m:e>
+                        <m:sub>
+                          <m:r>
+                            <a:rPr lang="en-US" altLang="ko-KR" b="0" i="1" smtClean="0">
+                              <a:latin typeface="Cambria Math"/>
+                            </a:rPr>
+                            <m:t>1</m:t>
+                          </m:r>
+                        </m:sub>
+                        <m:sup>
+                          <m:r>
+                            <a:rPr lang="en-US" altLang="ko-KR" b="0" i="1" smtClean="0">
+                              <a:latin typeface="Cambria Math"/>
+                            </a:rPr>
+                            <m:t>0</m:t>
+                          </m:r>
+                        </m:sup>
+                      </m:sSubSup>
+                    </m:oMath>
+                  </m:oMathPara>
+                </a14:m>
+                <a:endParaRPr lang="ko-KR" altLang="en-US" baseline="-25000" dirty="0"/>
+              </a:p>
+            </p:txBody>
+          </p:sp>
+        </mc:Choice>
+        <mc:Fallback xmlns="">
+          <p:sp>
+            <p:nvSpPr>
+              <p:cNvPr id="67" name="TextBox 66"/>
+              <p:cNvSpPr txBox="1">
+                <a:spLocks noRot="1" noChangeAspect="1" noMove="1" noResize="1" noEditPoints="1" noAdjustHandles="1" noChangeArrowheads="1" noChangeShapeType="1" noTextEdit="1"/>
+              </p:cNvSpPr>
+              <p:nvPr/>
+            </p:nvSpPr>
+            <p:spPr>
+              <a:xfrm>
+                <a:off x="2332816" y="2416242"/>
+                <a:ext cx="477246" cy="374205"/>
+              </a:xfrm>
+              <a:prstGeom prst="rect">
+                <a:avLst/>
+              </a:prstGeom>
+              <a:blipFill rotWithShape="1">
+                <a:blip r:embed="rId2"/>
+                <a:stretch>
+                  <a:fillRect b="-1613"/>
+                </a:stretch>
+              </a:blipFill>
+            </p:spPr>
+            <p:txBody>
+              <a:bodyPr/>
+              <a:lstStyle/>
+              <a:p>
+                <a:r>
+                  <a:rPr lang="ko-KR" altLang="en-US">
+                    <a:noFill/>
+                  </a:rPr>
+                  <a:t> </a:t>
+                </a:r>
+              </a:p>
+            </p:txBody>
+          </p:sp>
+        </mc:Fallback>
+      </mc:AlternateContent>
+      <p:cxnSp>
+        <p:nvCxnSpPr>
+          <p:cNvPr id="70" name="직선 화살표 연결선 69"/>
+          <p:cNvCxnSpPr>
+            <a:stCxn id="112" idx="2"/>
+            <a:endCxn id="4" idx="6"/>
+          </p:cNvCxnSpPr>
+          <p:nvPr/>
+        </p:nvCxnSpPr>
+        <p:spPr>
+          <a:xfrm flipH="1" flipV="1">
+            <a:off x="971600" y="1520788"/>
+            <a:ext cx="1454284" cy="1508568"/>
+          </a:xfrm>
+          <a:prstGeom prst="straightConnector1">
+            <a:avLst/>
+          </a:prstGeom>
+          <a:ln w="15875">
+            <a:tailEnd type="arrow"/>
+          </a:ln>
+        </p:spPr>
+        <p:style>
+          <a:lnRef idx="1">
+            <a:schemeClr val="accent1"/>
+          </a:lnRef>
+          <a:fillRef idx="0">
+            <a:schemeClr val="accent1"/>
+          </a:fillRef>
+          <a:effectRef idx="0">
+            <a:schemeClr val="accent1"/>
+          </a:effectRef>
+          <a:fontRef idx="minor">
+            <a:schemeClr val="tx1"/>
+          </a:fontRef>
+        </p:style>
+      </p:cxnSp>
+      <p:sp>
+        <p:nvSpPr>
+          <p:cNvPr id="77" name="TextBox 76"/>
+          <p:cNvSpPr txBox="1"/>
+          <p:nvPr/>
+        </p:nvSpPr>
+        <p:spPr>
+          <a:xfrm>
+            <a:off x="730820" y="4018721"/>
+            <a:ext cx="256802" cy="1107996"/>
+          </a:xfrm>
+          <a:prstGeom prst="rect">
+            <a:avLst/>
+          </a:prstGeom>
+          <a:noFill/>
+        </p:spPr>
+        <p:txBody>
+          <a:bodyPr wrap="none" rtlCol="0">
+            <a:spAutoFit/>
+          </a:bodyPr>
+          <a:lstStyle/>
+          <a:p>
+            <a:r>
+              <a:rPr lang="en-US" altLang="ko-KR" b="1" dirty="0" smtClean="0"/>
+              <a:t>∙</a:t>
+            </a:r>
+          </a:p>
+          <a:p>
+            <a:r>
+              <a:rPr lang="en-US" altLang="ko-KR" b="1" dirty="0"/>
+              <a:t>∙</a:t>
+            </a:r>
+          </a:p>
+          <a:p>
+            <a:r>
+              <a:rPr lang="en-US" altLang="ko-KR" b="1" dirty="0"/>
+              <a:t>∙</a:t>
+            </a:r>
+          </a:p>
+          <a:p>
+            <a:endParaRPr lang="ko-KR" altLang="en-US" b="1" baseline="-25000" dirty="0"/>
+          </a:p>
+        </p:txBody>
+      </p:sp>
+      <p:sp>
+        <p:nvSpPr>
+          <p:cNvPr id="78" name="TextBox 77"/>
+          <p:cNvSpPr txBox="1"/>
+          <p:nvPr/>
+        </p:nvSpPr>
+        <p:spPr>
+          <a:xfrm>
+            <a:off x="2397183" y="3497796"/>
+            <a:ext cx="256802" cy="830997"/>
+          </a:xfrm>
+          <a:prstGeom prst="rect">
+            <a:avLst/>
+          </a:prstGeom>
+          <a:noFill/>
+        </p:spPr>
+        <p:txBody>
+          <a:bodyPr wrap="none" rtlCol="0">
+            <a:spAutoFit/>
+          </a:bodyPr>
+          <a:lstStyle/>
+          <a:p>
+            <a:r>
+              <a:rPr lang="en-US" altLang="ko-KR" b="1" dirty="0" smtClean="0"/>
+              <a:t>∙</a:t>
+            </a:r>
+          </a:p>
+          <a:p>
+            <a:r>
+              <a:rPr lang="en-US" altLang="ko-KR" b="1" dirty="0" smtClean="0"/>
+              <a:t>∙</a:t>
+            </a:r>
+            <a:endParaRPr lang="en-US" altLang="ko-KR" b="1" dirty="0"/>
+          </a:p>
+          <a:p>
+            <a:endParaRPr lang="ko-KR" altLang="en-US" b="1" baseline="-25000" dirty="0"/>
+          </a:p>
+        </p:txBody>
+      </p:sp>
+      <p:cxnSp>
+        <p:nvCxnSpPr>
+          <p:cNvPr id="83" name="직선 화살표 연결선 82"/>
+          <p:cNvCxnSpPr>
+            <a:stCxn id="193" idx="2"/>
+            <a:endCxn id="10" idx="6"/>
+          </p:cNvCxnSpPr>
+          <p:nvPr/>
+        </p:nvCxnSpPr>
+        <p:spPr>
+          <a:xfrm flipH="1">
+            <a:off x="2645217" y="1500558"/>
+            <a:ext cx="1065531" cy="20230"/>
+          </a:xfrm>
+          <a:prstGeom prst="straightConnector1">
+            <a:avLst/>
+          </a:prstGeom>
+          <a:ln w="15875">
+            <a:tailEnd type="arrow"/>
+          </a:ln>
+        </p:spPr>
+        <p:style>
+          <a:lnRef idx="1">
+            <a:schemeClr val="accent1"/>
+          </a:lnRef>
+          <a:fillRef idx="0">
+            <a:schemeClr val="accent1"/>
+          </a:fillRef>
+          <a:effectRef idx="0">
+            <a:schemeClr val="accent1"/>
+          </a:effectRef>
+          <a:fontRef idx="minor">
+            <a:schemeClr val="tx1"/>
+          </a:fontRef>
+        </p:style>
+      </p:cxnSp>
+      <p:cxnSp>
+        <p:nvCxnSpPr>
+          <p:cNvPr id="86" name="직선 화살표 연결선 85"/>
+          <p:cNvCxnSpPr>
+            <a:stCxn id="194" idx="2"/>
+            <a:endCxn id="12" idx="6"/>
+          </p:cNvCxnSpPr>
+          <p:nvPr/>
+        </p:nvCxnSpPr>
+        <p:spPr>
+          <a:xfrm flipH="1">
+            <a:off x="2645217" y="2220638"/>
+            <a:ext cx="1065531" cy="20230"/>
+          </a:xfrm>
+          <a:prstGeom prst="straightConnector1">
+            <a:avLst/>
+          </a:prstGeom>
+          <a:ln w="15875">
+            <a:tailEnd type="arrow"/>
+          </a:ln>
+        </p:spPr>
+        <p:style>
+          <a:lnRef idx="1">
+            <a:schemeClr val="accent1"/>
+          </a:lnRef>
+          <a:fillRef idx="0">
+            <a:schemeClr val="accent1"/>
+          </a:fillRef>
+          <a:effectRef idx="0">
+            <a:schemeClr val="accent1"/>
+          </a:effectRef>
+          <a:fontRef idx="minor">
+            <a:schemeClr val="tx1"/>
+          </a:fontRef>
+        </p:style>
+      </p:cxnSp>
+      <p:cxnSp>
+        <p:nvCxnSpPr>
+          <p:cNvPr id="89" name="직선 화살표 연결선 88"/>
+          <p:cNvCxnSpPr>
+            <a:endCxn id="14" idx="6"/>
+          </p:cNvCxnSpPr>
+          <p:nvPr/>
+        </p:nvCxnSpPr>
+        <p:spPr>
+          <a:xfrm flipH="1">
+            <a:off x="2642967" y="4257875"/>
+            <a:ext cx="1035771" cy="20230"/>
+          </a:xfrm>
+          <a:prstGeom prst="straightConnector1">
+            <a:avLst/>
+          </a:prstGeom>
+          <a:ln w="15875">
+            <a:tailEnd type="arrow"/>
+          </a:ln>
+        </p:spPr>
+        <p:style>
+          <a:lnRef idx="1">
+            <a:schemeClr val="accent1"/>
+          </a:lnRef>
+          <a:fillRef idx="0">
+            <a:schemeClr val="accent1"/>
+          </a:fillRef>
+          <a:effectRef idx="0">
+            <a:schemeClr val="accent1"/>
+          </a:effectRef>
+          <a:fontRef idx="minor">
+            <a:schemeClr val="tx1"/>
+          </a:fontRef>
+        </p:style>
+      </p:cxnSp>
+      <p:sp>
+        <p:nvSpPr>
+          <p:cNvPr id="92" name="타원 91"/>
+          <p:cNvSpPr/>
+          <p:nvPr/>
+        </p:nvSpPr>
+        <p:spPr>
+          <a:xfrm>
+            <a:off x="5021481" y="1397622"/>
+            <a:ext cx="216024" cy="216024"/>
+          </a:xfrm>
+          <a:prstGeom prst="ellipse">
+            <a:avLst/>
+          </a:prstGeom>
+          <a:noFill/>
+          <a:ln>
+            <a:solidFill>
+              <a:schemeClr val="tx1"/>
+            </a:solidFill>
+          </a:ln>
+        </p:spPr>
+        <p:style>
+          <a:lnRef idx="2">
+            <a:schemeClr val="accent1">
+              <a:shade val="50000"/>
+            </a:schemeClr>
+          </a:lnRef>
+          <a:fillRef idx="1">
+            <a:schemeClr val="accent1"/>
+          </a:fillRef>
+          <a:effectRef idx="0">
+            <a:schemeClr val="accent1"/>
+          </a:effectRef>
+          <a:fontRef idx="minor">
+            <a:schemeClr val="lt1"/>
+          </a:fontRef>
+        </p:style>
+        <p:txBody>
+          <a:bodyPr rtlCol="0" anchor="ctr"/>
+          <a:lstStyle/>
+          <a:p>
+            <a:pPr algn="ctr"/>
+            <a:endParaRPr lang="ko-KR" altLang="en-US"/>
+          </a:p>
+        </p:txBody>
+      </p:sp>
+      <p:sp>
+        <p:nvSpPr>
+          <p:cNvPr id="93" name="타원 92"/>
+          <p:cNvSpPr/>
+          <p:nvPr/>
+        </p:nvSpPr>
+        <p:spPr>
+          <a:xfrm>
+            <a:off x="5021481" y="2117702"/>
+            <a:ext cx="216024" cy="216024"/>
+          </a:xfrm>
+          <a:prstGeom prst="ellipse">
+            <a:avLst/>
+          </a:prstGeom>
+          <a:noFill/>
+          <a:ln>
+            <a:solidFill>
+              <a:schemeClr val="tx1"/>
+            </a:solidFill>
+          </a:ln>
+        </p:spPr>
+        <p:style>
+          <a:lnRef idx="2">
+            <a:schemeClr val="accent1">
+              <a:shade val="50000"/>
+            </a:schemeClr>
+          </a:lnRef>
+          <a:fillRef idx="1">
+            <a:schemeClr val="accent1"/>
+          </a:fillRef>
+          <a:effectRef idx="0">
+            <a:schemeClr val="accent1"/>
+          </a:effectRef>
+          <a:fontRef idx="minor">
+            <a:schemeClr val="lt1"/>
+          </a:fontRef>
+        </p:style>
+        <p:txBody>
+          <a:bodyPr rtlCol="0" anchor="ctr"/>
+          <a:lstStyle/>
+          <a:p>
+            <a:pPr algn="ctr"/>
+            <a:endParaRPr lang="ko-KR" altLang="en-US"/>
+          </a:p>
+        </p:txBody>
+      </p:sp>
+      <p:sp>
+        <p:nvSpPr>
+          <p:cNvPr id="94" name="타원 93"/>
+          <p:cNvSpPr/>
+          <p:nvPr/>
+        </p:nvSpPr>
+        <p:spPr>
+          <a:xfrm>
+            <a:off x="5019231" y="3907684"/>
+            <a:ext cx="216024" cy="216024"/>
+          </a:xfrm>
+          <a:prstGeom prst="ellipse">
+            <a:avLst/>
+          </a:prstGeom>
+          <a:noFill/>
+          <a:ln>
+            <a:solidFill>
+              <a:schemeClr val="tx1"/>
+            </a:solidFill>
+          </a:ln>
+        </p:spPr>
+        <p:style>
+          <a:lnRef idx="2">
+            <a:schemeClr val="accent1">
+              <a:shade val="50000"/>
+            </a:schemeClr>
+          </a:lnRef>
+          <a:fillRef idx="1">
+            <a:schemeClr val="accent1"/>
+          </a:fillRef>
+          <a:effectRef idx="0">
+            <a:schemeClr val="accent1"/>
+          </a:effectRef>
+          <a:fontRef idx="minor">
+            <a:schemeClr val="lt1"/>
+          </a:fontRef>
+        </p:style>
+        <p:txBody>
+          <a:bodyPr rtlCol="0" anchor="ctr"/>
+          <a:lstStyle/>
+          <a:p>
+            <a:pPr algn="ctr"/>
+            <a:endParaRPr lang="ko-KR" altLang="en-US"/>
+          </a:p>
+        </p:txBody>
+      </p:sp>
+      <p:sp>
+        <p:nvSpPr>
+          <p:cNvPr id="99" name="TextBox 98"/>
+          <p:cNvSpPr txBox="1"/>
+          <p:nvPr/>
+        </p:nvSpPr>
+        <p:spPr>
+          <a:xfrm>
+            <a:off x="4989471" y="3351417"/>
+            <a:ext cx="256802" cy="646331"/>
+          </a:xfrm>
+          <a:prstGeom prst="rect">
+            <a:avLst/>
+          </a:prstGeom>
+          <a:noFill/>
+        </p:spPr>
+        <p:txBody>
+          <a:bodyPr wrap="none" rtlCol="0">
+            <a:spAutoFit/>
+          </a:bodyPr>
+          <a:lstStyle/>
+          <a:p>
+            <a:r>
+              <a:rPr lang="en-US" altLang="ko-KR" b="1" dirty="0" smtClean="0"/>
+              <a:t>∙</a:t>
+            </a:r>
+          </a:p>
+          <a:p>
+            <a:r>
+              <a:rPr lang="en-US" altLang="ko-KR" b="1" dirty="0" smtClean="0"/>
+              <a:t>∙</a:t>
+            </a:r>
+            <a:endParaRPr lang="en-US" altLang="ko-KR" b="1" dirty="0"/>
+          </a:p>
+        </p:txBody>
+      </p:sp>
+      <p:cxnSp>
+        <p:nvCxnSpPr>
+          <p:cNvPr id="100" name="직선 화살표 연결선 99"/>
+          <p:cNvCxnSpPr>
+            <a:stCxn id="92" idx="2"/>
+            <a:endCxn id="193" idx="6"/>
+          </p:cNvCxnSpPr>
+          <p:nvPr/>
+        </p:nvCxnSpPr>
+        <p:spPr>
+          <a:xfrm flipH="1" flipV="1">
+            <a:off x="3926772" y="1500558"/>
+            <a:ext cx="1094709" cy="5076"/>
+          </a:xfrm>
+          <a:prstGeom prst="straightConnector1">
+            <a:avLst/>
+          </a:prstGeom>
+          <a:ln w="15875">
+            <a:tailEnd type="arrow"/>
+          </a:ln>
+        </p:spPr>
+        <p:style>
+          <a:lnRef idx="1">
+            <a:schemeClr val="accent1"/>
+          </a:lnRef>
+          <a:fillRef idx="0">
+            <a:schemeClr val="accent1"/>
+          </a:fillRef>
+          <a:effectRef idx="0">
+            <a:schemeClr val="accent1"/>
+          </a:effectRef>
+          <a:fontRef idx="minor">
+            <a:schemeClr val="tx1"/>
+          </a:fontRef>
+        </p:style>
+      </p:cxnSp>
+      <p:cxnSp>
+        <p:nvCxnSpPr>
+          <p:cNvPr id="101" name="직선 화살표 연결선 100"/>
+          <p:cNvCxnSpPr>
+            <a:stCxn id="93" idx="2"/>
+            <a:endCxn id="193" idx="6"/>
+          </p:cNvCxnSpPr>
+          <p:nvPr/>
+        </p:nvCxnSpPr>
+        <p:spPr>
+          <a:xfrm flipH="1" flipV="1">
+            <a:off x="3926772" y="1500558"/>
+            <a:ext cx="1094709" cy="725156"/>
+          </a:xfrm>
+          <a:prstGeom prst="straightConnector1">
+            <a:avLst/>
+          </a:prstGeom>
+          <a:ln w="15875">
+            <a:tailEnd type="arrow"/>
+          </a:ln>
+        </p:spPr>
+        <p:style>
+          <a:lnRef idx="1">
+            <a:schemeClr val="accent1"/>
+          </a:lnRef>
+          <a:fillRef idx="0">
+            <a:schemeClr val="accent1"/>
+          </a:fillRef>
+          <a:effectRef idx="0">
+            <a:schemeClr val="accent1"/>
+          </a:effectRef>
+          <a:fontRef idx="minor">
+            <a:schemeClr val="tx1"/>
+          </a:fontRef>
+        </p:style>
+      </p:cxnSp>
+      <p:cxnSp>
+        <p:nvCxnSpPr>
+          <p:cNvPr id="106" name="직선 화살표 연결선 105"/>
+          <p:cNvCxnSpPr>
+            <a:stCxn id="94" idx="2"/>
+            <a:endCxn id="193" idx="6"/>
+          </p:cNvCxnSpPr>
+          <p:nvPr/>
+        </p:nvCxnSpPr>
+        <p:spPr>
+          <a:xfrm flipH="1" flipV="1">
+            <a:off x="3926772" y="1500558"/>
+            <a:ext cx="1092459" cy="2515138"/>
+          </a:xfrm>
+          <a:prstGeom prst="straightConnector1">
+            <a:avLst/>
+          </a:prstGeom>
+          <a:ln w="15875">
+            <a:tailEnd type="arrow"/>
+          </a:ln>
+        </p:spPr>
+        <p:style>
+          <a:lnRef idx="1">
+            <a:schemeClr val="accent1"/>
+          </a:lnRef>
+          <a:fillRef idx="0">
+            <a:schemeClr val="accent1"/>
+          </a:fillRef>
+          <a:effectRef idx="0">
+            <a:schemeClr val="accent1"/>
+          </a:effectRef>
+          <a:fontRef idx="minor">
+            <a:schemeClr val="tx1"/>
+          </a:fontRef>
+        </p:style>
+      </p:cxnSp>
+      <p:sp>
+        <p:nvSpPr>
+          <p:cNvPr id="112" name="타원 111"/>
+          <p:cNvSpPr/>
+          <p:nvPr/>
+        </p:nvSpPr>
+        <p:spPr>
+          <a:xfrm>
+            <a:off x="2425884" y="2921344"/>
+            <a:ext cx="216024" cy="216024"/>
+          </a:xfrm>
+          <a:prstGeom prst="ellipse">
+            <a:avLst/>
+          </a:prstGeom>
+          <a:noFill/>
+          <a:ln>
+            <a:solidFill>
+              <a:schemeClr val="tx1"/>
+            </a:solidFill>
+          </a:ln>
+        </p:spPr>
+        <p:style>
+          <a:lnRef idx="2">
+            <a:schemeClr val="accent1">
+              <a:shade val="50000"/>
+            </a:schemeClr>
+          </a:lnRef>
+          <a:fillRef idx="1">
+            <a:schemeClr val="accent1"/>
+          </a:fillRef>
+          <a:effectRef idx="0">
+            <a:schemeClr val="accent1"/>
+          </a:effectRef>
+          <a:fontRef idx="minor">
+            <a:schemeClr val="lt1"/>
+          </a:fontRef>
+        </p:style>
+        <p:txBody>
+          <a:bodyPr rtlCol="0" anchor="ctr"/>
+          <a:lstStyle/>
+          <a:p>
+            <a:pPr algn="ctr"/>
+            <a:endParaRPr lang="ko-KR" altLang="en-US"/>
+          </a:p>
+        </p:txBody>
+      </p:sp>
+      <p:cxnSp>
+        <p:nvCxnSpPr>
+          <p:cNvPr id="114" name="직선 화살표 연결선 113"/>
+          <p:cNvCxnSpPr>
+            <a:stCxn id="198" idx="2"/>
+            <a:endCxn id="112" idx="6"/>
+          </p:cNvCxnSpPr>
+          <p:nvPr/>
+        </p:nvCxnSpPr>
+        <p:spPr>
+          <a:xfrm flipH="1">
+            <a:off x="2641908" y="3009126"/>
+            <a:ext cx="1065531" cy="20230"/>
+          </a:xfrm>
+          <a:prstGeom prst="straightConnector1">
+            <a:avLst/>
+          </a:prstGeom>
+          <a:ln w="15875">
+            <a:tailEnd type="arrow"/>
+          </a:ln>
+        </p:spPr>
+        <p:style>
+          <a:lnRef idx="1">
+            <a:schemeClr val="accent1"/>
+          </a:lnRef>
+          <a:fillRef idx="0">
+            <a:schemeClr val="accent1"/>
+          </a:fillRef>
+          <a:effectRef idx="0">
+            <a:schemeClr val="accent1"/>
+          </a:effectRef>
+          <a:fontRef idx="minor">
+            <a:schemeClr val="tx1"/>
+          </a:fontRef>
+        </p:style>
+      </p:cxnSp>
+      <p:cxnSp>
+        <p:nvCxnSpPr>
+          <p:cNvPr id="117" name="직선 화살표 연결선 116"/>
+          <p:cNvCxnSpPr>
+            <a:stCxn id="179" idx="2"/>
+            <a:endCxn id="193" idx="6"/>
+          </p:cNvCxnSpPr>
+          <p:nvPr/>
+        </p:nvCxnSpPr>
+        <p:spPr>
+          <a:xfrm flipH="1" flipV="1">
+            <a:off x="3926772" y="1500558"/>
+            <a:ext cx="1101332" cy="1448428"/>
+          </a:xfrm>
+          <a:prstGeom prst="straightConnector1">
+            <a:avLst/>
+          </a:prstGeom>
+          <a:ln w="15875">
+            <a:tailEnd type="arrow"/>
+          </a:ln>
+        </p:spPr>
+        <p:style>
+          <a:lnRef idx="1">
+            <a:schemeClr val="accent1"/>
+          </a:lnRef>
+          <a:fillRef idx="0">
+            <a:schemeClr val="accent1"/>
+          </a:fillRef>
+          <a:effectRef idx="0">
+            <a:schemeClr val="accent1"/>
+          </a:effectRef>
+          <a:fontRef idx="minor">
+            <a:schemeClr val="tx1"/>
+          </a:fontRef>
+        </p:style>
+      </p:cxnSp>
+      <p:sp>
+        <p:nvSpPr>
+          <p:cNvPr id="120" name="타원 119"/>
+          <p:cNvSpPr/>
+          <p:nvPr/>
+        </p:nvSpPr>
+        <p:spPr>
+          <a:xfrm>
+            <a:off x="6125970" y="1401285"/>
+            <a:ext cx="216024" cy="216024"/>
+          </a:xfrm>
+          <a:prstGeom prst="ellipse">
+            <a:avLst/>
+          </a:prstGeom>
+          <a:noFill/>
+          <a:ln>
+            <a:solidFill>
+              <a:schemeClr val="tx1"/>
+            </a:solidFill>
+          </a:ln>
+        </p:spPr>
+        <p:style>
+          <a:lnRef idx="2">
+            <a:schemeClr val="accent1">
+              <a:shade val="50000"/>
+            </a:schemeClr>
+          </a:lnRef>
+          <a:fillRef idx="1">
+            <a:schemeClr val="accent1"/>
+          </a:fillRef>
+          <a:effectRef idx="0">
+            <a:schemeClr val="accent1"/>
+          </a:effectRef>
+          <a:fontRef idx="minor">
+            <a:schemeClr val="lt1"/>
+          </a:fontRef>
+        </p:style>
+        <p:txBody>
+          <a:bodyPr rtlCol="0" anchor="ctr"/>
+          <a:lstStyle/>
+          <a:p>
+            <a:pPr algn="ctr"/>
+            <a:endParaRPr lang="ko-KR" altLang="en-US"/>
+          </a:p>
+        </p:txBody>
+      </p:sp>
+      <p:sp>
+        <p:nvSpPr>
+          <p:cNvPr id="121" name="타원 120"/>
+          <p:cNvSpPr/>
+          <p:nvPr/>
+        </p:nvSpPr>
+        <p:spPr>
+          <a:xfrm>
+            <a:off x="6125970" y="2121365"/>
+            <a:ext cx="216024" cy="216024"/>
+          </a:xfrm>
+          <a:prstGeom prst="ellipse">
+            <a:avLst/>
+          </a:prstGeom>
+          <a:noFill/>
+          <a:ln>
+            <a:solidFill>
+              <a:schemeClr val="tx1"/>
+            </a:solidFill>
+          </a:ln>
+        </p:spPr>
+        <p:style>
+          <a:lnRef idx="2">
+            <a:schemeClr val="accent1">
+              <a:shade val="50000"/>
+            </a:schemeClr>
+          </a:lnRef>
+          <a:fillRef idx="1">
+            <a:schemeClr val="accent1"/>
+          </a:fillRef>
+          <a:effectRef idx="0">
+            <a:schemeClr val="accent1"/>
+          </a:effectRef>
+          <a:fontRef idx="minor">
+            <a:schemeClr val="lt1"/>
+          </a:fontRef>
+        </p:style>
+        <p:txBody>
+          <a:bodyPr rtlCol="0" anchor="ctr"/>
+          <a:lstStyle/>
+          <a:p>
+            <a:pPr algn="ctr"/>
+            <a:endParaRPr lang="ko-KR" altLang="en-US"/>
+          </a:p>
+        </p:txBody>
+      </p:sp>
+      <p:sp>
+        <p:nvSpPr>
+          <p:cNvPr id="122" name="타원 121"/>
+          <p:cNvSpPr/>
+          <p:nvPr/>
+        </p:nvSpPr>
+        <p:spPr>
+          <a:xfrm>
+            <a:off x="6123720" y="3911347"/>
+            <a:ext cx="216024" cy="216024"/>
+          </a:xfrm>
+          <a:prstGeom prst="ellipse">
+            <a:avLst/>
+          </a:prstGeom>
+          <a:noFill/>
+          <a:ln>
+            <a:solidFill>
+              <a:schemeClr val="tx1"/>
+            </a:solidFill>
+          </a:ln>
+        </p:spPr>
+        <p:style>
+          <a:lnRef idx="2">
+            <a:schemeClr val="accent1">
+              <a:shade val="50000"/>
+            </a:schemeClr>
+          </a:lnRef>
+          <a:fillRef idx="1">
+            <a:schemeClr val="accent1"/>
+          </a:fillRef>
+          <a:effectRef idx="0">
+            <a:schemeClr val="accent1"/>
+          </a:effectRef>
+          <a:fontRef idx="minor">
+            <a:schemeClr val="lt1"/>
+          </a:fontRef>
+        </p:style>
+        <p:txBody>
+          <a:bodyPr rtlCol="0" anchor="ctr"/>
+          <a:lstStyle/>
+          <a:p>
+            <a:pPr algn="ctr"/>
+            <a:endParaRPr lang="ko-KR" altLang="en-US"/>
+          </a:p>
+        </p:txBody>
+      </p:sp>
+      <p:sp>
+        <p:nvSpPr>
+          <p:cNvPr id="123" name="TextBox 122"/>
+          <p:cNvSpPr txBox="1"/>
+          <p:nvPr/>
+        </p:nvSpPr>
+        <p:spPr>
+          <a:xfrm>
+            <a:off x="6052837" y="1658390"/>
+            <a:ext cx="407484" cy="369332"/>
+          </a:xfrm>
+          <a:prstGeom prst="rect">
+            <a:avLst/>
+          </a:prstGeom>
+          <a:noFill/>
+        </p:spPr>
+        <p:txBody>
+          <a:bodyPr wrap="none" rtlCol="0">
+            <a:spAutoFit/>
+          </a:bodyPr>
+          <a:lstStyle/>
+          <a:p>
+            <a:r>
+              <a:rPr lang="en-US" altLang="ko-KR" dirty="0" err="1" smtClean="0"/>
+              <a:t>p</a:t>
+            </a:r>
+            <a:r>
+              <a:rPr lang="en-US" altLang="ko-KR" baseline="-25000" dirty="0" err="1" smtClean="0"/>
+              <a:t>0</a:t>
+            </a:r>
+            <a:endParaRPr lang="ko-KR" altLang="en-US" baseline="-25000" dirty="0"/>
+          </a:p>
+        </p:txBody>
+      </p:sp>
+      <p:sp>
+        <p:nvSpPr>
+          <p:cNvPr id="124" name="TextBox 123"/>
+          <p:cNvSpPr txBox="1"/>
+          <p:nvPr/>
+        </p:nvSpPr>
+        <p:spPr>
+          <a:xfrm>
+            <a:off x="6029593" y="2404751"/>
+            <a:ext cx="407484" cy="369332"/>
+          </a:xfrm>
+          <a:prstGeom prst="rect">
+            <a:avLst/>
+          </a:prstGeom>
+          <a:noFill/>
+        </p:spPr>
+        <p:txBody>
+          <a:bodyPr wrap="none" rtlCol="0">
+            <a:spAutoFit/>
+          </a:bodyPr>
+          <a:lstStyle/>
+          <a:p>
+            <a:r>
+              <a:rPr lang="en-US" altLang="ko-KR" dirty="0" err="1" smtClean="0"/>
+              <a:t>p</a:t>
+            </a:r>
+            <a:r>
+              <a:rPr lang="en-US" altLang="ko-KR" baseline="-25000" dirty="0" err="1" smtClean="0"/>
+              <a:t>1</a:t>
+            </a:r>
+            <a:endParaRPr lang="ko-KR" altLang="en-US" baseline="-25000" dirty="0"/>
+          </a:p>
+        </p:txBody>
+      </p:sp>
+      <p:sp>
+        <p:nvSpPr>
+          <p:cNvPr id="125" name="TextBox 124"/>
+          <p:cNvSpPr txBox="1"/>
+          <p:nvPr/>
+        </p:nvSpPr>
+        <p:spPr>
+          <a:xfrm>
+            <a:off x="6029593" y="4208143"/>
+            <a:ext cx="407484" cy="369332"/>
+          </a:xfrm>
+          <a:prstGeom prst="rect">
+            <a:avLst/>
+          </a:prstGeom>
+          <a:noFill/>
+        </p:spPr>
+        <p:txBody>
+          <a:bodyPr wrap="none" rtlCol="0">
+            <a:spAutoFit/>
+          </a:bodyPr>
+          <a:lstStyle/>
+          <a:p>
+            <a:r>
+              <a:rPr lang="en-US" altLang="ko-KR" dirty="0" err="1" smtClean="0"/>
+              <a:t>p</a:t>
+            </a:r>
+            <a:r>
+              <a:rPr lang="en-US" altLang="ko-KR" baseline="-25000" dirty="0" err="1" smtClean="0"/>
+              <a:t>9</a:t>
+            </a:r>
+            <a:endParaRPr lang="ko-KR" altLang="en-US" baseline="-25000" dirty="0"/>
+          </a:p>
+        </p:txBody>
+      </p:sp>
+      <p:sp>
+        <p:nvSpPr>
+          <p:cNvPr id="126" name="TextBox 125"/>
+          <p:cNvSpPr txBox="1"/>
+          <p:nvPr/>
+        </p:nvSpPr>
+        <p:spPr>
+          <a:xfrm>
+            <a:off x="6093960" y="3355080"/>
+            <a:ext cx="256802" cy="646331"/>
+          </a:xfrm>
+          <a:prstGeom prst="rect">
+            <a:avLst/>
+          </a:prstGeom>
+          <a:noFill/>
+        </p:spPr>
+        <p:txBody>
+          <a:bodyPr wrap="none" rtlCol="0">
+            <a:spAutoFit/>
+          </a:bodyPr>
+          <a:lstStyle/>
+          <a:p>
+            <a:r>
+              <a:rPr lang="en-US" altLang="ko-KR" b="1" dirty="0" smtClean="0"/>
+              <a:t>∙</a:t>
+            </a:r>
+          </a:p>
+          <a:p>
+            <a:r>
+              <a:rPr lang="en-US" altLang="ko-KR" b="1" dirty="0" smtClean="0"/>
+              <a:t>∙</a:t>
+            </a:r>
+            <a:endParaRPr lang="en-US" altLang="ko-KR" b="1" dirty="0"/>
+          </a:p>
+        </p:txBody>
+      </p:sp>
+      <p:sp>
+        <p:nvSpPr>
+          <p:cNvPr id="127" name="타원 126"/>
+          <p:cNvSpPr/>
+          <p:nvPr/>
+        </p:nvSpPr>
+        <p:spPr>
+          <a:xfrm>
+            <a:off x="6846050" y="1394114"/>
+            <a:ext cx="216024" cy="216024"/>
+          </a:xfrm>
+          <a:prstGeom prst="ellipse">
+            <a:avLst/>
+          </a:prstGeom>
+          <a:noFill/>
+          <a:ln>
+            <a:solidFill>
+              <a:schemeClr val="tx1"/>
+            </a:solidFill>
+          </a:ln>
+        </p:spPr>
+        <p:style>
+          <a:lnRef idx="2">
+            <a:schemeClr val="accent1">
+              <a:shade val="50000"/>
+            </a:schemeClr>
+          </a:lnRef>
+          <a:fillRef idx="1">
+            <a:schemeClr val="accent1"/>
+          </a:fillRef>
+          <a:effectRef idx="0">
+            <a:schemeClr val="accent1"/>
+          </a:effectRef>
+          <a:fontRef idx="minor">
+            <a:schemeClr val="lt1"/>
+          </a:fontRef>
+        </p:style>
+        <p:txBody>
+          <a:bodyPr rtlCol="0" anchor="ctr"/>
+          <a:lstStyle/>
+          <a:p>
+            <a:pPr algn="ctr"/>
+            <a:endParaRPr lang="ko-KR" altLang="en-US"/>
+          </a:p>
+        </p:txBody>
+      </p:sp>
+      <p:sp>
+        <p:nvSpPr>
+          <p:cNvPr id="128" name="타원 127"/>
+          <p:cNvSpPr/>
+          <p:nvPr/>
+        </p:nvSpPr>
+        <p:spPr>
+          <a:xfrm>
+            <a:off x="6846050" y="2114194"/>
+            <a:ext cx="216024" cy="216024"/>
+          </a:xfrm>
+          <a:prstGeom prst="ellipse">
+            <a:avLst/>
+          </a:prstGeom>
+          <a:noFill/>
+          <a:ln>
+            <a:solidFill>
+              <a:schemeClr val="tx1"/>
+            </a:solidFill>
+          </a:ln>
+        </p:spPr>
+        <p:style>
+          <a:lnRef idx="2">
+            <a:schemeClr val="accent1">
+              <a:shade val="50000"/>
+            </a:schemeClr>
+          </a:lnRef>
+          <a:fillRef idx="1">
+            <a:schemeClr val="accent1"/>
+          </a:fillRef>
+          <a:effectRef idx="0">
+            <a:schemeClr val="accent1"/>
+          </a:effectRef>
+          <a:fontRef idx="minor">
+            <a:schemeClr val="lt1"/>
+          </a:fontRef>
+        </p:style>
+        <p:txBody>
+          <a:bodyPr rtlCol="0" anchor="ctr"/>
+          <a:lstStyle/>
+          <a:p>
+            <a:pPr algn="ctr"/>
+            <a:endParaRPr lang="ko-KR" altLang="en-US"/>
+          </a:p>
+        </p:txBody>
+      </p:sp>
+      <p:sp>
+        <p:nvSpPr>
+          <p:cNvPr id="129" name="타원 128"/>
+          <p:cNvSpPr/>
+          <p:nvPr/>
+        </p:nvSpPr>
+        <p:spPr>
+          <a:xfrm>
+            <a:off x="6843800" y="3904176"/>
+            <a:ext cx="216024" cy="216024"/>
+          </a:xfrm>
+          <a:prstGeom prst="ellipse">
+            <a:avLst/>
+          </a:prstGeom>
+          <a:noFill/>
+          <a:ln>
+            <a:solidFill>
+              <a:schemeClr val="tx1"/>
+            </a:solidFill>
+          </a:ln>
+        </p:spPr>
+        <p:style>
+          <a:lnRef idx="2">
+            <a:schemeClr val="accent1">
+              <a:shade val="50000"/>
+            </a:schemeClr>
+          </a:lnRef>
+          <a:fillRef idx="1">
+            <a:schemeClr val="accent1"/>
+          </a:fillRef>
+          <a:effectRef idx="0">
+            <a:schemeClr val="accent1"/>
+          </a:effectRef>
+          <a:fontRef idx="minor">
+            <a:schemeClr val="lt1"/>
+          </a:fontRef>
+        </p:style>
+        <p:txBody>
+          <a:bodyPr rtlCol="0" anchor="ctr"/>
+          <a:lstStyle/>
+          <a:p>
+            <a:pPr algn="ctr"/>
+            <a:endParaRPr lang="ko-KR" altLang="en-US"/>
+          </a:p>
+        </p:txBody>
+      </p:sp>
+      <p:sp>
+        <p:nvSpPr>
+          <p:cNvPr id="130" name="TextBox 129"/>
+          <p:cNvSpPr txBox="1"/>
+          <p:nvPr/>
+        </p:nvSpPr>
+        <p:spPr>
+          <a:xfrm>
+            <a:off x="6772917" y="1651219"/>
+            <a:ext cx="383438" cy="369332"/>
+          </a:xfrm>
+          <a:prstGeom prst="rect">
+            <a:avLst/>
+          </a:prstGeom>
+          <a:noFill/>
+        </p:spPr>
+        <p:txBody>
+          <a:bodyPr wrap="none" rtlCol="0">
+            <a:spAutoFit/>
+          </a:bodyPr>
+          <a:lstStyle/>
+          <a:p>
+            <a:r>
+              <a:rPr lang="en-US" altLang="ko-KR" dirty="0" err="1" smtClean="0"/>
+              <a:t>y</a:t>
+            </a:r>
+            <a:r>
+              <a:rPr lang="en-US" altLang="ko-KR" baseline="-25000" dirty="0" err="1" smtClean="0"/>
+              <a:t>0</a:t>
+            </a:r>
+            <a:endParaRPr lang="ko-KR" altLang="en-US" baseline="-25000" dirty="0"/>
+          </a:p>
+        </p:txBody>
+      </p:sp>
+      <p:sp>
+        <p:nvSpPr>
+          <p:cNvPr id="131" name="TextBox 130"/>
+          <p:cNvSpPr txBox="1"/>
+          <p:nvPr/>
+        </p:nvSpPr>
+        <p:spPr>
+          <a:xfrm>
+            <a:off x="6749673" y="2397580"/>
+            <a:ext cx="383438" cy="369332"/>
+          </a:xfrm>
+          <a:prstGeom prst="rect">
+            <a:avLst/>
+          </a:prstGeom>
+          <a:noFill/>
+        </p:spPr>
+        <p:txBody>
+          <a:bodyPr wrap="none" rtlCol="0">
+            <a:spAutoFit/>
+          </a:bodyPr>
+          <a:lstStyle/>
+          <a:p>
+            <a:r>
+              <a:rPr lang="en-US" altLang="ko-KR" dirty="0" err="1" smtClean="0"/>
+              <a:t>y</a:t>
+            </a:r>
+            <a:r>
+              <a:rPr lang="en-US" altLang="ko-KR" baseline="-25000" dirty="0" err="1" smtClean="0"/>
+              <a:t>1</a:t>
+            </a:r>
+            <a:endParaRPr lang="ko-KR" altLang="en-US" baseline="-25000" dirty="0"/>
+          </a:p>
+        </p:txBody>
+      </p:sp>
+      <p:sp>
+        <p:nvSpPr>
+          <p:cNvPr id="132" name="TextBox 131"/>
+          <p:cNvSpPr txBox="1"/>
+          <p:nvPr/>
+        </p:nvSpPr>
+        <p:spPr>
+          <a:xfrm>
+            <a:off x="6749673" y="4200972"/>
+            <a:ext cx="383438" cy="369332"/>
+          </a:xfrm>
+          <a:prstGeom prst="rect">
+            <a:avLst/>
+          </a:prstGeom>
+          <a:noFill/>
+        </p:spPr>
+        <p:txBody>
+          <a:bodyPr wrap="none" rtlCol="0">
+            <a:spAutoFit/>
+          </a:bodyPr>
+          <a:lstStyle/>
+          <a:p>
+            <a:r>
+              <a:rPr lang="en-US" altLang="ko-KR" dirty="0" err="1" smtClean="0"/>
+              <a:t>y</a:t>
+            </a:r>
+            <a:r>
+              <a:rPr lang="en-US" altLang="ko-KR" baseline="-25000" dirty="0" err="1" smtClean="0"/>
+              <a:t>9</a:t>
+            </a:r>
+            <a:endParaRPr lang="ko-KR" altLang="en-US" baseline="-25000" dirty="0"/>
+          </a:p>
+        </p:txBody>
+      </p:sp>
+      <p:sp>
+        <p:nvSpPr>
+          <p:cNvPr id="133" name="TextBox 132"/>
+          <p:cNvSpPr txBox="1"/>
+          <p:nvPr/>
+        </p:nvSpPr>
+        <p:spPr>
+          <a:xfrm>
+            <a:off x="6814040" y="3347909"/>
+            <a:ext cx="256802" cy="646331"/>
+          </a:xfrm>
+          <a:prstGeom prst="rect">
+            <a:avLst/>
+          </a:prstGeom>
+          <a:noFill/>
+        </p:spPr>
+        <p:txBody>
+          <a:bodyPr wrap="none" rtlCol="0">
+            <a:spAutoFit/>
+          </a:bodyPr>
+          <a:lstStyle/>
+          <a:p>
+            <a:r>
+              <a:rPr lang="en-US" altLang="ko-KR" b="1" dirty="0" smtClean="0"/>
+              <a:t>∙</a:t>
+            </a:r>
+          </a:p>
+          <a:p>
+            <a:r>
+              <a:rPr lang="en-US" altLang="ko-KR" b="1" dirty="0" smtClean="0"/>
+              <a:t>∙</a:t>
+            </a:r>
+            <a:endParaRPr lang="en-US" altLang="ko-KR" b="1" dirty="0"/>
+          </a:p>
+        </p:txBody>
+      </p:sp>
+      <p:cxnSp>
+        <p:nvCxnSpPr>
+          <p:cNvPr id="134" name="직선 화살표 연결선 133"/>
+          <p:cNvCxnSpPr>
+            <a:stCxn id="120" idx="2"/>
+            <a:endCxn id="92" idx="6"/>
+          </p:cNvCxnSpPr>
+          <p:nvPr/>
+        </p:nvCxnSpPr>
+        <p:spPr>
+          <a:xfrm flipH="1" flipV="1">
+            <a:off x="5237505" y="1505634"/>
+            <a:ext cx="888465" cy="3663"/>
+          </a:xfrm>
+          <a:prstGeom prst="straightConnector1">
+            <a:avLst/>
+          </a:prstGeom>
+          <a:ln w="15875">
+            <a:tailEnd type="arrow"/>
+          </a:ln>
+        </p:spPr>
+        <p:style>
+          <a:lnRef idx="1">
+            <a:schemeClr val="accent1"/>
+          </a:lnRef>
+          <a:fillRef idx="0">
+            <a:schemeClr val="accent1"/>
+          </a:fillRef>
+          <a:effectRef idx="0">
+            <a:schemeClr val="accent1"/>
+          </a:effectRef>
+          <a:fontRef idx="minor">
+            <a:schemeClr val="tx1"/>
+          </a:fontRef>
+        </p:style>
+      </p:cxnSp>
+      <p:cxnSp>
+        <p:nvCxnSpPr>
+          <p:cNvPr id="135" name="직선 화살표 연결선 134"/>
+          <p:cNvCxnSpPr>
+            <a:stCxn id="121" idx="2"/>
+            <a:endCxn id="92" idx="5"/>
+          </p:cNvCxnSpPr>
+          <p:nvPr/>
+        </p:nvCxnSpPr>
+        <p:spPr>
+          <a:xfrm flipH="1" flipV="1">
+            <a:off x="5205869" y="1582010"/>
+            <a:ext cx="920101" cy="647367"/>
+          </a:xfrm>
+          <a:prstGeom prst="straightConnector1">
+            <a:avLst/>
+          </a:prstGeom>
+          <a:ln w="15875">
+            <a:tailEnd type="arrow"/>
+          </a:ln>
+        </p:spPr>
+        <p:style>
+          <a:lnRef idx="1">
+            <a:schemeClr val="accent1"/>
+          </a:lnRef>
+          <a:fillRef idx="0">
+            <a:schemeClr val="accent1"/>
+          </a:fillRef>
+          <a:effectRef idx="0">
+            <a:schemeClr val="accent1"/>
+          </a:effectRef>
+          <a:fontRef idx="minor">
+            <a:schemeClr val="tx1"/>
+          </a:fontRef>
+        </p:style>
+      </p:cxnSp>
+      <p:cxnSp>
+        <p:nvCxnSpPr>
+          <p:cNvPr id="136" name="직선 화살표 연결선 135"/>
+          <p:cNvCxnSpPr>
+            <a:stCxn id="122" idx="2"/>
+            <a:endCxn id="92" idx="5"/>
+          </p:cNvCxnSpPr>
+          <p:nvPr/>
+        </p:nvCxnSpPr>
+        <p:spPr>
+          <a:xfrm flipH="1" flipV="1">
+            <a:off x="5205869" y="1582010"/>
+            <a:ext cx="917851" cy="2437349"/>
+          </a:xfrm>
+          <a:prstGeom prst="straightConnector1">
+            <a:avLst/>
+          </a:prstGeom>
+          <a:ln w="15875">
+            <a:tailEnd type="arrow"/>
+          </a:ln>
+        </p:spPr>
+        <p:style>
+          <a:lnRef idx="1">
+            <a:schemeClr val="accent1"/>
+          </a:lnRef>
+          <a:fillRef idx="0">
+            <a:schemeClr val="accent1"/>
+          </a:fillRef>
+          <a:effectRef idx="0">
+            <a:schemeClr val="accent1"/>
+          </a:effectRef>
+          <a:fontRef idx="minor">
+            <a:schemeClr val="tx1"/>
+          </a:fontRef>
+        </p:style>
+      </p:cxnSp>
+      <p:sp>
+        <p:nvSpPr>
+          <p:cNvPr id="145" name="TextBox 144"/>
+          <p:cNvSpPr txBox="1"/>
+          <p:nvPr/>
+        </p:nvSpPr>
+        <p:spPr>
+          <a:xfrm>
+            <a:off x="7436457" y="764704"/>
+            <a:ext cx="689612" cy="369332"/>
+          </a:xfrm>
+          <a:prstGeom prst="rect">
+            <a:avLst/>
+          </a:prstGeom>
+          <a:noFill/>
+        </p:spPr>
+        <p:txBody>
+          <a:bodyPr wrap="none" rtlCol="0">
+            <a:spAutoFit/>
+          </a:bodyPr>
+          <a:lstStyle/>
+          <a:p>
+            <a:r>
+              <a:rPr lang="en-US" altLang="ko-KR" dirty="0" err="1" smtClean="0"/>
+              <a:t>cost</a:t>
+            </a:r>
+            <a:r>
+              <a:rPr lang="en-US" altLang="ko-KR" baseline="-25000" dirty="0" err="1" smtClean="0"/>
+              <a:t>k</a:t>
+            </a:r>
+            <a:endParaRPr lang="ko-KR" altLang="en-US" baseline="-25000" dirty="0"/>
+          </a:p>
+        </p:txBody>
+      </p:sp>
+      <p:sp>
+        <p:nvSpPr>
+          <p:cNvPr id="146" name="타원 145"/>
+          <p:cNvSpPr/>
+          <p:nvPr/>
+        </p:nvSpPr>
+        <p:spPr>
+          <a:xfrm>
+            <a:off x="7638138" y="1404938"/>
+            <a:ext cx="216024" cy="216024"/>
+          </a:xfrm>
+          <a:prstGeom prst="ellipse">
+            <a:avLst/>
+          </a:prstGeom>
+          <a:noFill/>
+          <a:ln>
+            <a:solidFill>
+              <a:schemeClr val="tx1"/>
+            </a:solidFill>
+          </a:ln>
+        </p:spPr>
+        <p:style>
+          <a:lnRef idx="2">
+            <a:schemeClr val="accent1">
+              <a:shade val="50000"/>
+            </a:schemeClr>
+          </a:lnRef>
+          <a:fillRef idx="1">
+            <a:schemeClr val="accent1"/>
+          </a:fillRef>
+          <a:effectRef idx="0">
+            <a:schemeClr val="accent1"/>
+          </a:effectRef>
+          <a:fontRef idx="minor">
+            <a:schemeClr val="lt1"/>
+          </a:fontRef>
+        </p:style>
+        <p:txBody>
+          <a:bodyPr rtlCol="0" anchor="ctr"/>
+          <a:lstStyle/>
+          <a:p>
+            <a:pPr algn="ctr"/>
+            <a:endParaRPr lang="ko-KR" altLang="en-US"/>
+          </a:p>
+        </p:txBody>
+      </p:sp>
+      <p:sp>
+        <p:nvSpPr>
+          <p:cNvPr id="147" name="타원 146"/>
+          <p:cNvSpPr/>
+          <p:nvPr/>
+        </p:nvSpPr>
+        <p:spPr>
+          <a:xfrm>
+            <a:off x="7638138" y="2125018"/>
+            <a:ext cx="216024" cy="216024"/>
+          </a:xfrm>
+          <a:prstGeom prst="ellipse">
+            <a:avLst/>
+          </a:prstGeom>
+          <a:noFill/>
+          <a:ln>
+            <a:solidFill>
+              <a:schemeClr val="tx1"/>
+            </a:solidFill>
+          </a:ln>
+        </p:spPr>
+        <p:style>
+          <a:lnRef idx="2">
+            <a:schemeClr val="accent1">
+              <a:shade val="50000"/>
+            </a:schemeClr>
+          </a:lnRef>
+          <a:fillRef idx="1">
+            <a:schemeClr val="accent1"/>
+          </a:fillRef>
+          <a:effectRef idx="0">
+            <a:schemeClr val="accent1"/>
+          </a:effectRef>
+          <a:fontRef idx="minor">
+            <a:schemeClr val="lt1"/>
+          </a:fontRef>
+        </p:style>
+        <p:txBody>
+          <a:bodyPr rtlCol="0" anchor="ctr"/>
+          <a:lstStyle/>
+          <a:p>
+            <a:pPr algn="ctr"/>
+            <a:endParaRPr lang="ko-KR" altLang="en-US"/>
+          </a:p>
+        </p:txBody>
+      </p:sp>
+      <p:sp>
+        <p:nvSpPr>
+          <p:cNvPr id="148" name="타원 147"/>
+          <p:cNvSpPr/>
+          <p:nvPr/>
+        </p:nvSpPr>
+        <p:spPr>
+          <a:xfrm>
+            <a:off x="7635888" y="3915000"/>
+            <a:ext cx="216024" cy="216024"/>
+          </a:xfrm>
+          <a:prstGeom prst="ellipse">
+            <a:avLst/>
+          </a:prstGeom>
+          <a:noFill/>
+          <a:ln>
+            <a:solidFill>
+              <a:schemeClr val="tx1"/>
+            </a:solidFill>
+          </a:ln>
+        </p:spPr>
+        <p:style>
+          <a:lnRef idx="2">
+            <a:schemeClr val="accent1">
+              <a:shade val="50000"/>
+            </a:schemeClr>
+          </a:lnRef>
+          <a:fillRef idx="1">
+            <a:schemeClr val="accent1"/>
+          </a:fillRef>
+          <a:effectRef idx="0">
+            <a:schemeClr val="accent1"/>
+          </a:effectRef>
+          <a:fontRef idx="minor">
+            <a:schemeClr val="lt1"/>
+          </a:fontRef>
+        </p:style>
+        <p:txBody>
+          <a:bodyPr rtlCol="0" anchor="ctr"/>
+          <a:lstStyle/>
+          <a:p>
+            <a:pPr algn="ctr"/>
+            <a:endParaRPr lang="ko-KR" altLang="en-US"/>
+          </a:p>
+        </p:txBody>
+      </p:sp>
+      <p:sp>
+        <p:nvSpPr>
+          <p:cNvPr id="149" name="TextBox 148"/>
+          <p:cNvSpPr txBox="1"/>
+          <p:nvPr/>
+        </p:nvSpPr>
+        <p:spPr>
+          <a:xfrm>
+            <a:off x="7420989" y="1662043"/>
+            <a:ext cx="696024" cy="369332"/>
+          </a:xfrm>
+          <a:prstGeom prst="rect">
+            <a:avLst/>
+          </a:prstGeom>
+          <a:noFill/>
+        </p:spPr>
+        <p:txBody>
+          <a:bodyPr wrap="none" rtlCol="0">
+            <a:spAutoFit/>
+          </a:bodyPr>
+          <a:lstStyle/>
+          <a:p>
+            <a:r>
+              <a:rPr lang="en-US" altLang="ko-KR" dirty="0" err="1" smtClean="0"/>
+              <a:t>cost</a:t>
+            </a:r>
+            <a:r>
+              <a:rPr lang="en-US" altLang="ko-KR" baseline="-25000" dirty="0" err="1" smtClean="0"/>
+              <a:t>0</a:t>
+            </a:r>
+            <a:endParaRPr lang="ko-KR" altLang="en-US" baseline="-25000" dirty="0"/>
+          </a:p>
+        </p:txBody>
+      </p:sp>
+      <p:sp>
+        <p:nvSpPr>
+          <p:cNvPr id="150" name="TextBox 149"/>
+          <p:cNvSpPr txBox="1"/>
+          <p:nvPr/>
+        </p:nvSpPr>
+        <p:spPr>
+          <a:xfrm>
+            <a:off x="7397745" y="2408404"/>
+            <a:ext cx="696024" cy="369332"/>
+          </a:xfrm>
+          <a:prstGeom prst="rect">
+            <a:avLst/>
+          </a:prstGeom>
+          <a:noFill/>
+        </p:spPr>
+        <p:txBody>
+          <a:bodyPr wrap="none" rtlCol="0">
+            <a:spAutoFit/>
+          </a:bodyPr>
+          <a:lstStyle/>
+          <a:p>
+            <a:r>
+              <a:rPr lang="en-US" altLang="ko-KR" dirty="0" err="1" smtClean="0"/>
+              <a:t>cost</a:t>
+            </a:r>
+            <a:r>
+              <a:rPr lang="en-US" altLang="ko-KR" baseline="-25000" dirty="0" err="1" smtClean="0"/>
+              <a:t>1</a:t>
+            </a:r>
+            <a:endParaRPr lang="ko-KR" altLang="en-US" baseline="-25000" dirty="0"/>
+          </a:p>
+        </p:txBody>
+      </p:sp>
+      <p:sp>
+        <p:nvSpPr>
+          <p:cNvPr id="151" name="TextBox 150"/>
+          <p:cNvSpPr txBox="1"/>
+          <p:nvPr/>
+        </p:nvSpPr>
+        <p:spPr>
+          <a:xfrm>
+            <a:off x="7397745" y="4211796"/>
+            <a:ext cx="696024" cy="369332"/>
+          </a:xfrm>
+          <a:prstGeom prst="rect">
+            <a:avLst/>
+          </a:prstGeom>
+          <a:noFill/>
+        </p:spPr>
+        <p:txBody>
+          <a:bodyPr wrap="none" rtlCol="0">
+            <a:spAutoFit/>
+          </a:bodyPr>
+          <a:lstStyle/>
+          <a:p>
+            <a:r>
+              <a:rPr lang="en-US" altLang="ko-KR" dirty="0" err="1" smtClean="0"/>
+              <a:t>cost</a:t>
+            </a:r>
+            <a:r>
+              <a:rPr lang="en-US" altLang="ko-KR" baseline="-25000" dirty="0" err="1" smtClean="0"/>
+              <a:t>9</a:t>
+            </a:r>
+            <a:endParaRPr lang="ko-KR" altLang="en-US" baseline="-25000" dirty="0"/>
+          </a:p>
+        </p:txBody>
+      </p:sp>
+      <p:sp>
+        <p:nvSpPr>
+          <p:cNvPr id="152" name="TextBox 151"/>
+          <p:cNvSpPr txBox="1"/>
+          <p:nvPr/>
+        </p:nvSpPr>
+        <p:spPr>
+          <a:xfrm>
+            <a:off x="7606128" y="3358733"/>
+            <a:ext cx="256802" cy="646331"/>
+          </a:xfrm>
+          <a:prstGeom prst="rect">
+            <a:avLst/>
+          </a:prstGeom>
+          <a:noFill/>
+        </p:spPr>
+        <p:txBody>
+          <a:bodyPr wrap="none" rtlCol="0">
+            <a:spAutoFit/>
+          </a:bodyPr>
+          <a:lstStyle/>
+          <a:p>
+            <a:r>
+              <a:rPr lang="en-US" altLang="ko-KR" b="1" dirty="0" smtClean="0"/>
+              <a:t>∙</a:t>
+            </a:r>
+          </a:p>
+          <a:p>
+            <a:r>
+              <a:rPr lang="en-US" altLang="ko-KR" b="1" dirty="0" smtClean="0"/>
+              <a:t>∙</a:t>
+            </a:r>
+            <a:endParaRPr lang="en-US" altLang="ko-KR" b="1" dirty="0"/>
+          </a:p>
+        </p:txBody>
+      </p:sp>
+      <p:sp>
+        <p:nvSpPr>
+          <p:cNvPr id="153" name="TextBox 152"/>
+          <p:cNvSpPr txBox="1"/>
+          <p:nvPr/>
+        </p:nvSpPr>
+        <p:spPr>
+          <a:xfrm>
+            <a:off x="8278469" y="770111"/>
+            <a:ext cx="611065" cy="369332"/>
+          </a:xfrm>
+          <a:prstGeom prst="rect">
+            <a:avLst/>
+          </a:prstGeom>
+          <a:noFill/>
+        </p:spPr>
+        <p:txBody>
+          <a:bodyPr wrap="none" rtlCol="0">
+            <a:spAutoFit/>
+          </a:bodyPr>
+          <a:lstStyle/>
+          <a:p>
+            <a:r>
+              <a:rPr lang="en-US" altLang="ko-KR" dirty="0" smtClean="0"/>
+              <a:t>cost</a:t>
+            </a:r>
+            <a:endParaRPr lang="ko-KR" altLang="en-US" baseline="-25000" dirty="0"/>
+          </a:p>
+        </p:txBody>
+      </p:sp>
+      <p:sp>
+        <p:nvSpPr>
+          <p:cNvPr id="154" name="타원 153"/>
+          <p:cNvSpPr/>
+          <p:nvPr/>
+        </p:nvSpPr>
+        <p:spPr>
+          <a:xfrm>
+            <a:off x="8480150" y="1399954"/>
+            <a:ext cx="216024" cy="216024"/>
+          </a:xfrm>
+          <a:prstGeom prst="ellipse">
+            <a:avLst/>
+          </a:prstGeom>
+          <a:noFill/>
+          <a:ln>
+            <a:solidFill>
+              <a:schemeClr val="tx1"/>
+            </a:solidFill>
+          </a:ln>
+        </p:spPr>
+        <p:style>
+          <a:lnRef idx="2">
+            <a:schemeClr val="accent1">
+              <a:shade val="50000"/>
+            </a:schemeClr>
+          </a:lnRef>
+          <a:fillRef idx="1">
+            <a:schemeClr val="accent1"/>
+          </a:fillRef>
+          <a:effectRef idx="0">
+            <a:schemeClr val="accent1"/>
+          </a:effectRef>
+          <a:fontRef idx="minor">
+            <a:schemeClr val="lt1"/>
+          </a:fontRef>
+        </p:style>
+        <p:txBody>
+          <a:bodyPr rtlCol="0" anchor="ctr"/>
+          <a:lstStyle/>
+          <a:p>
+            <a:pPr algn="ctr"/>
+            <a:endParaRPr lang="ko-KR" altLang="en-US"/>
+          </a:p>
+        </p:txBody>
+      </p:sp>
+      <p:cxnSp>
+        <p:nvCxnSpPr>
+          <p:cNvPr id="155" name="직선 화살표 연결선 154"/>
+          <p:cNvCxnSpPr>
+            <a:stCxn id="146" idx="2"/>
+            <a:endCxn id="120" idx="6"/>
+          </p:cNvCxnSpPr>
+          <p:nvPr/>
+        </p:nvCxnSpPr>
+        <p:spPr>
+          <a:xfrm flipH="1" flipV="1">
+            <a:off x="6341994" y="1509297"/>
+            <a:ext cx="1296144" cy="3653"/>
+          </a:xfrm>
+          <a:prstGeom prst="straightConnector1">
+            <a:avLst/>
+          </a:prstGeom>
+          <a:ln w="15875">
+            <a:tailEnd type="arrow"/>
+          </a:ln>
+        </p:spPr>
+        <p:style>
+          <a:lnRef idx="1">
+            <a:schemeClr val="accent1"/>
+          </a:lnRef>
+          <a:fillRef idx="0">
+            <a:schemeClr val="accent1"/>
+          </a:fillRef>
+          <a:effectRef idx="0">
+            <a:schemeClr val="accent1"/>
+          </a:effectRef>
+          <a:fontRef idx="minor">
+            <a:schemeClr val="tx1"/>
+          </a:fontRef>
+        </p:style>
+      </p:cxnSp>
+      <p:cxnSp>
+        <p:nvCxnSpPr>
+          <p:cNvPr id="158" name="직선 화살표 연결선 157"/>
+          <p:cNvCxnSpPr>
+            <a:stCxn id="147" idx="2"/>
+            <a:endCxn id="121" idx="6"/>
+          </p:cNvCxnSpPr>
+          <p:nvPr/>
+        </p:nvCxnSpPr>
+        <p:spPr>
+          <a:xfrm flipH="1" flipV="1">
+            <a:off x="6341994" y="2229377"/>
+            <a:ext cx="1296144" cy="3653"/>
+          </a:xfrm>
+          <a:prstGeom prst="straightConnector1">
+            <a:avLst/>
+          </a:prstGeom>
+          <a:ln w="15875">
+            <a:tailEnd type="arrow"/>
+          </a:ln>
+        </p:spPr>
+        <p:style>
+          <a:lnRef idx="1">
+            <a:schemeClr val="accent1"/>
+          </a:lnRef>
+          <a:fillRef idx="0">
+            <a:schemeClr val="accent1"/>
+          </a:fillRef>
+          <a:effectRef idx="0">
+            <a:schemeClr val="accent1"/>
+          </a:effectRef>
+          <a:fontRef idx="minor">
+            <a:schemeClr val="tx1"/>
+          </a:fontRef>
+        </p:style>
+      </p:cxnSp>
+      <p:cxnSp>
+        <p:nvCxnSpPr>
+          <p:cNvPr id="161" name="직선 화살표 연결선 160"/>
+          <p:cNvCxnSpPr>
+            <a:stCxn id="148" idx="2"/>
+            <a:endCxn id="122" idx="6"/>
+          </p:cNvCxnSpPr>
+          <p:nvPr/>
+        </p:nvCxnSpPr>
+        <p:spPr>
+          <a:xfrm flipH="1" flipV="1">
+            <a:off x="6339744" y="4019359"/>
+            <a:ext cx="1296144" cy="3653"/>
+          </a:xfrm>
+          <a:prstGeom prst="straightConnector1">
+            <a:avLst/>
+          </a:prstGeom>
+          <a:ln w="15875">
+            <a:tailEnd type="arrow"/>
+          </a:ln>
+        </p:spPr>
+        <p:style>
+          <a:lnRef idx="1">
+            <a:schemeClr val="accent1"/>
+          </a:lnRef>
+          <a:fillRef idx="0">
+            <a:schemeClr val="accent1"/>
+          </a:fillRef>
+          <a:effectRef idx="0">
+            <a:schemeClr val="accent1"/>
+          </a:effectRef>
+          <a:fontRef idx="minor">
+            <a:schemeClr val="tx1"/>
+          </a:fontRef>
+        </p:style>
+      </p:cxnSp>
+      <p:cxnSp>
+        <p:nvCxnSpPr>
+          <p:cNvPr id="164" name="직선 화살표 연결선 163"/>
+          <p:cNvCxnSpPr>
+            <a:stCxn id="154" idx="2"/>
+            <a:endCxn id="146" idx="6"/>
+          </p:cNvCxnSpPr>
+          <p:nvPr/>
+        </p:nvCxnSpPr>
+        <p:spPr>
+          <a:xfrm flipH="1">
+            <a:off x="7854162" y="1507966"/>
+            <a:ext cx="625988" cy="4984"/>
+          </a:xfrm>
+          <a:prstGeom prst="straightConnector1">
+            <a:avLst/>
+          </a:prstGeom>
+          <a:ln w="15875">
+            <a:tailEnd type="arrow"/>
+          </a:ln>
+        </p:spPr>
+        <p:style>
+          <a:lnRef idx="1">
+            <a:schemeClr val="accent1"/>
+          </a:lnRef>
+          <a:fillRef idx="0">
+            <a:schemeClr val="accent1"/>
+          </a:fillRef>
+          <a:effectRef idx="0">
+            <a:schemeClr val="accent1"/>
+          </a:effectRef>
+          <a:fontRef idx="minor">
+            <a:schemeClr val="tx1"/>
+          </a:fontRef>
+        </p:style>
+      </p:cxnSp>
+      <p:sp>
+        <p:nvSpPr>
+          <p:cNvPr id="179" name="타원 178"/>
+          <p:cNvSpPr/>
+          <p:nvPr/>
+        </p:nvSpPr>
+        <p:spPr>
+          <a:xfrm>
+            <a:off x="5028104" y="2840974"/>
+            <a:ext cx="216024" cy="216024"/>
+          </a:xfrm>
+          <a:prstGeom prst="ellipse">
+            <a:avLst/>
+          </a:prstGeom>
+          <a:noFill/>
+          <a:ln>
+            <a:solidFill>
+              <a:schemeClr val="tx1"/>
+            </a:solidFill>
+          </a:ln>
+        </p:spPr>
+        <p:style>
+          <a:lnRef idx="2">
+            <a:schemeClr val="accent1">
+              <a:shade val="50000"/>
+            </a:schemeClr>
+          </a:lnRef>
+          <a:fillRef idx="1">
+            <a:schemeClr val="accent1"/>
+          </a:fillRef>
+          <a:effectRef idx="0">
+            <a:schemeClr val="accent1"/>
+          </a:effectRef>
+          <a:fontRef idx="minor">
+            <a:schemeClr val="lt1"/>
+          </a:fontRef>
+        </p:style>
+        <p:txBody>
+          <a:bodyPr rtlCol="0" anchor="ctr"/>
+          <a:lstStyle/>
+          <a:p>
+            <a:pPr algn="ctr"/>
+            <a:endParaRPr lang="ko-KR" altLang="en-US"/>
+          </a:p>
+        </p:txBody>
+      </p:sp>
+      <p:sp>
+        <p:nvSpPr>
+          <p:cNvPr id="181" name="타원 180"/>
+          <p:cNvSpPr/>
+          <p:nvPr/>
+        </p:nvSpPr>
+        <p:spPr>
+          <a:xfrm>
+            <a:off x="6132593" y="2844637"/>
+            <a:ext cx="216024" cy="216024"/>
+          </a:xfrm>
+          <a:prstGeom prst="ellipse">
+            <a:avLst/>
+          </a:prstGeom>
+          <a:noFill/>
+          <a:ln>
+            <a:solidFill>
+              <a:schemeClr val="tx1"/>
+            </a:solidFill>
+          </a:ln>
+        </p:spPr>
+        <p:style>
+          <a:lnRef idx="2">
+            <a:schemeClr val="accent1">
+              <a:shade val="50000"/>
+            </a:schemeClr>
+          </a:lnRef>
+          <a:fillRef idx="1">
+            <a:schemeClr val="accent1"/>
+          </a:fillRef>
+          <a:effectRef idx="0">
+            <a:schemeClr val="accent1"/>
+          </a:effectRef>
+          <a:fontRef idx="minor">
+            <a:schemeClr val="lt1"/>
+          </a:fontRef>
+        </p:style>
+        <p:txBody>
+          <a:bodyPr rtlCol="0" anchor="ctr"/>
+          <a:lstStyle/>
+          <a:p>
+            <a:pPr algn="ctr"/>
+            <a:endParaRPr lang="ko-KR" altLang="en-US"/>
+          </a:p>
+        </p:txBody>
+      </p:sp>
+      <p:sp>
+        <p:nvSpPr>
+          <p:cNvPr id="182" name="TextBox 181"/>
+          <p:cNvSpPr txBox="1"/>
+          <p:nvPr/>
+        </p:nvSpPr>
+        <p:spPr>
+          <a:xfrm>
+            <a:off x="6036216" y="3128023"/>
+            <a:ext cx="401072" cy="369332"/>
+          </a:xfrm>
+          <a:prstGeom prst="rect">
+            <a:avLst/>
+          </a:prstGeom>
+          <a:noFill/>
+        </p:spPr>
+        <p:txBody>
+          <a:bodyPr wrap="none" rtlCol="0">
+            <a:spAutoFit/>
+          </a:bodyPr>
+          <a:lstStyle/>
+          <a:p>
+            <a:r>
+              <a:rPr lang="en-US" altLang="ko-KR" dirty="0" err="1" smtClean="0"/>
+              <a:t>p</a:t>
+            </a:r>
+            <a:r>
+              <a:rPr lang="en-US" altLang="ko-KR" baseline="-25000" dirty="0" err="1" smtClean="0"/>
+              <a:t>k</a:t>
+            </a:r>
+            <a:endParaRPr lang="ko-KR" altLang="en-US" baseline="-25000" dirty="0"/>
+          </a:p>
+        </p:txBody>
+      </p:sp>
+      <p:sp>
+        <p:nvSpPr>
+          <p:cNvPr id="183" name="타원 182"/>
+          <p:cNvSpPr/>
+          <p:nvPr/>
+        </p:nvSpPr>
+        <p:spPr>
+          <a:xfrm>
+            <a:off x="6852673" y="2837466"/>
+            <a:ext cx="216024" cy="216024"/>
+          </a:xfrm>
+          <a:prstGeom prst="ellipse">
+            <a:avLst/>
+          </a:prstGeom>
+          <a:noFill/>
+          <a:ln>
+            <a:solidFill>
+              <a:schemeClr val="tx1"/>
+            </a:solidFill>
+          </a:ln>
+        </p:spPr>
+        <p:style>
+          <a:lnRef idx="2">
+            <a:schemeClr val="accent1">
+              <a:shade val="50000"/>
+            </a:schemeClr>
+          </a:lnRef>
+          <a:fillRef idx="1">
+            <a:schemeClr val="accent1"/>
+          </a:fillRef>
+          <a:effectRef idx="0">
+            <a:schemeClr val="accent1"/>
+          </a:effectRef>
+          <a:fontRef idx="minor">
+            <a:schemeClr val="lt1"/>
+          </a:fontRef>
+        </p:style>
+        <p:txBody>
+          <a:bodyPr rtlCol="0" anchor="ctr"/>
+          <a:lstStyle/>
+          <a:p>
+            <a:pPr algn="ctr"/>
+            <a:endParaRPr lang="ko-KR" altLang="en-US"/>
+          </a:p>
+        </p:txBody>
+      </p:sp>
+      <p:sp>
+        <p:nvSpPr>
+          <p:cNvPr id="184" name="TextBox 183"/>
+          <p:cNvSpPr txBox="1"/>
+          <p:nvPr/>
+        </p:nvSpPr>
+        <p:spPr>
+          <a:xfrm>
+            <a:off x="6756296" y="3120852"/>
+            <a:ext cx="377026" cy="369332"/>
+          </a:xfrm>
+          <a:prstGeom prst="rect">
+            <a:avLst/>
+          </a:prstGeom>
+          <a:noFill/>
+        </p:spPr>
+        <p:txBody>
+          <a:bodyPr wrap="none" rtlCol="0">
+            <a:spAutoFit/>
+          </a:bodyPr>
+          <a:lstStyle/>
+          <a:p>
+            <a:r>
+              <a:rPr lang="en-US" altLang="ko-KR" dirty="0" err="1" smtClean="0"/>
+              <a:t>y</a:t>
+            </a:r>
+            <a:r>
+              <a:rPr lang="en-US" altLang="ko-KR" baseline="-25000" dirty="0" err="1" smtClean="0"/>
+              <a:t>k</a:t>
+            </a:r>
+            <a:endParaRPr lang="ko-KR" altLang="en-US" baseline="-25000" dirty="0"/>
+          </a:p>
+        </p:txBody>
+      </p:sp>
+      <p:cxnSp>
+        <p:nvCxnSpPr>
+          <p:cNvPr id="185" name="직선 화살표 연결선 184"/>
+          <p:cNvCxnSpPr>
+            <a:stCxn id="181" idx="1"/>
+            <a:endCxn id="92" idx="5"/>
+          </p:cNvCxnSpPr>
+          <p:nvPr/>
+        </p:nvCxnSpPr>
+        <p:spPr>
+          <a:xfrm flipH="1" flipV="1">
+            <a:off x="5205869" y="1582010"/>
+            <a:ext cx="958360" cy="1294263"/>
+          </a:xfrm>
+          <a:prstGeom prst="straightConnector1">
+            <a:avLst/>
+          </a:prstGeom>
+          <a:ln w="15875">
+            <a:tailEnd type="arrow"/>
+          </a:ln>
+        </p:spPr>
+        <p:style>
+          <a:lnRef idx="1">
+            <a:schemeClr val="accent1"/>
+          </a:lnRef>
+          <a:fillRef idx="0">
+            <a:schemeClr val="accent1"/>
+          </a:fillRef>
+          <a:effectRef idx="0">
+            <a:schemeClr val="accent1"/>
+          </a:effectRef>
+          <a:fontRef idx="minor">
+            <a:schemeClr val="tx1"/>
+          </a:fontRef>
+        </p:style>
+      </p:cxnSp>
+      <p:sp>
+        <p:nvSpPr>
+          <p:cNvPr id="186" name="타원 185"/>
+          <p:cNvSpPr/>
+          <p:nvPr/>
+        </p:nvSpPr>
+        <p:spPr>
+          <a:xfrm>
+            <a:off x="7644761" y="2848290"/>
+            <a:ext cx="216024" cy="216024"/>
+          </a:xfrm>
+          <a:prstGeom prst="ellipse">
+            <a:avLst/>
+          </a:prstGeom>
+          <a:noFill/>
+          <a:ln>
+            <a:solidFill>
+              <a:schemeClr val="tx1"/>
+            </a:solidFill>
+          </a:ln>
+        </p:spPr>
+        <p:style>
+          <a:lnRef idx="2">
+            <a:schemeClr val="accent1">
+              <a:shade val="50000"/>
+            </a:schemeClr>
+          </a:lnRef>
+          <a:fillRef idx="1">
+            <a:schemeClr val="accent1"/>
+          </a:fillRef>
+          <a:effectRef idx="0">
+            <a:schemeClr val="accent1"/>
+          </a:effectRef>
+          <a:fontRef idx="minor">
+            <a:schemeClr val="lt1"/>
+          </a:fontRef>
+        </p:style>
+        <p:txBody>
+          <a:bodyPr rtlCol="0" anchor="ctr"/>
+          <a:lstStyle/>
+          <a:p>
+            <a:pPr algn="ctr"/>
+            <a:endParaRPr lang="ko-KR" altLang="en-US"/>
+          </a:p>
+        </p:txBody>
+      </p:sp>
+      <p:sp>
+        <p:nvSpPr>
+          <p:cNvPr id="187" name="TextBox 186"/>
+          <p:cNvSpPr txBox="1"/>
+          <p:nvPr/>
+        </p:nvSpPr>
+        <p:spPr>
+          <a:xfrm>
+            <a:off x="7404368" y="3131676"/>
+            <a:ext cx="689612" cy="369332"/>
+          </a:xfrm>
+          <a:prstGeom prst="rect">
+            <a:avLst/>
+          </a:prstGeom>
+          <a:noFill/>
+        </p:spPr>
+        <p:txBody>
+          <a:bodyPr wrap="none" rtlCol="0">
+            <a:spAutoFit/>
+          </a:bodyPr>
+          <a:lstStyle/>
+          <a:p>
+            <a:r>
+              <a:rPr lang="en-US" altLang="ko-KR" dirty="0" err="1" smtClean="0"/>
+              <a:t>cost</a:t>
+            </a:r>
+            <a:r>
+              <a:rPr lang="en-US" altLang="ko-KR" baseline="-25000" dirty="0" err="1" smtClean="0"/>
+              <a:t>k</a:t>
+            </a:r>
+            <a:endParaRPr lang="ko-KR" altLang="en-US" baseline="-25000" dirty="0"/>
+          </a:p>
+        </p:txBody>
+      </p:sp>
+      <p:cxnSp>
+        <p:nvCxnSpPr>
+          <p:cNvPr id="188" name="직선 화살표 연결선 187"/>
+          <p:cNvCxnSpPr>
+            <a:stCxn id="186" idx="2"/>
+            <a:endCxn id="181" idx="6"/>
+          </p:cNvCxnSpPr>
+          <p:nvPr/>
+        </p:nvCxnSpPr>
+        <p:spPr>
+          <a:xfrm flipH="1" flipV="1">
+            <a:off x="6348617" y="2952649"/>
+            <a:ext cx="1296144" cy="3653"/>
+          </a:xfrm>
+          <a:prstGeom prst="straightConnector1">
+            <a:avLst/>
+          </a:prstGeom>
+          <a:ln w="15875">
+            <a:tailEnd type="arrow"/>
+          </a:ln>
+        </p:spPr>
+        <p:style>
+          <a:lnRef idx="1">
+            <a:schemeClr val="accent1"/>
+          </a:lnRef>
+          <a:fillRef idx="0">
+            <a:schemeClr val="accent1"/>
+          </a:fillRef>
+          <a:effectRef idx="0">
+            <a:schemeClr val="accent1"/>
+          </a:effectRef>
+          <a:fontRef idx="minor">
+            <a:schemeClr val="tx1"/>
+          </a:fontRef>
+        </p:style>
+      </p:cxnSp>
+      <mc:AlternateContent xmlns:mc="http://schemas.openxmlformats.org/markup-compatibility/2006" xmlns:a14="http://schemas.microsoft.com/office/drawing/2010/main">
+        <mc:Choice Requires="a14">
+          <p:sp>
+            <p:nvSpPr>
+              <p:cNvPr id="189" name="TextBox 188"/>
+              <p:cNvSpPr txBox="1"/>
+              <p:nvPr/>
+            </p:nvSpPr>
+            <p:spPr>
+              <a:xfrm>
+                <a:off x="2301396" y="791496"/>
+                <a:ext cx="477246" cy="417358"/>
+              </a:xfrm>
+              <a:prstGeom prst="rect">
+                <a:avLst/>
+              </a:prstGeom>
+              <a:noFill/>
+            </p:spPr>
+            <p:txBody>
+              <a:bodyPr wrap="none" rtlCol="0">
+                <a:spAutoFit/>
+              </a:bodyPr>
+              <a:lstStyle/>
+              <a:p>
+                <a:pPr/>
+                <a14:m>
+                  <m:oMathPara xmlns:m="http://schemas.openxmlformats.org/officeDocument/2006/math">
+                    <m:oMathParaPr>
+                      <m:jc m:val="centerGroup"/>
+                    </m:oMathParaPr>
+                    <m:oMath xmlns:m="http://schemas.openxmlformats.org/officeDocument/2006/math">
+                      <m:sSubSup>
+                        <m:sSubSupPr>
+                          <m:ctrlPr>
+                            <a:rPr lang="ko-KR" altLang="ko-KR" i="1" smtClean="0">
+                              <a:latin typeface="Cambria Math"/>
+                            </a:rPr>
+                          </m:ctrlPr>
+                        </m:sSubSupPr>
+                        <m:e>
+                          <m:r>
+                            <m:rPr>
+                              <m:sty m:val="p"/>
+                            </m:rPr>
+                            <a:rPr lang="en-US" altLang="ko-KR">
+                              <a:latin typeface="Cambria Math"/>
+                            </a:rPr>
+                            <m:t>Z</m:t>
+                          </m:r>
+                        </m:e>
+                        <m:sub>
+                          <m:r>
+                            <a:rPr lang="en-US" altLang="ko-KR" b="0" i="1" smtClean="0">
+                              <a:latin typeface="Cambria Math"/>
+                            </a:rPr>
+                            <m:t>𝑗</m:t>
+                          </m:r>
+                        </m:sub>
+                        <m:sup>
+                          <m:r>
+                            <a:rPr lang="en-US" altLang="ko-KR" b="0" i="1" smtClean="0">
+                              <a:latin typeface="Cambria Math"/>
+                            </a:rPr>
+                            <m:t>0</m:t>
+                          </m:r>
+                        </m:sup>
+                      </m:sSubSup>
+                    </m:oMath>
+                  </m:oMathPara>
+                </a14:m>
+                <a:endParaRPr lang="ko-KR" altLang="en-US" baseline="-25000" dirty="0"/>
+              </a:p>
+            </p:txBody>
+          </p:sp>
+        </mc:Choice>
+        <mc:Fallback xmlns="">
+          <p:sp>
+            <p:nvSpPr>
+              <p:cNvPr id="189" name="TextBox 188"/>
+              <p:cNvSpPr txBox="1">
+                <a:spLocks noRot="1" noChangeAspect="1" noMove="1" noResize="1" noEditPoints="1" noAdjustHandles="1" noChangeArrowheads="1" noChangeShapeType="1" noTextEdit="1"/>
+              </p:cNvSpPr>
+              <p:nvPr/>
+            </p:nvSpPr>
+            <p:spPr>
+              <a:xfrm>
+                <a:off x="2301396" y="791496"/>
+                <a:ext cx="477246" cy="417358"/>
+              </a:xfrm>
+              <a:prstGeom prst="rect">
+                <a:avLst/>
+              </a:prstGeom>
+              <a:blipFill rotWithShape="1">
+                <a:blip r:embed="rId3"/>
+                <a:stretch>
+                  <a:fillRect b="-7353"/>
+                </a:stretch>
+              </a:blipFill>
+            </p:spPr>
+            <p:txBody>
+              <a:bodyPr/>
+              <a:lstStyle/>
+              <a:p>
+                <a:r>
+                  <a:rPr lang="ko-KR" altLang="en-US">
+                    <a:noFill/>
+                  </a:rPr>
+                  <a:t> </a:t>
+                </a:r>
+              </a:p>
+            </p:txBody>
+          </p:sp>
+        </mc:Fallback>
+      </mc:AlternateContent>
+      <mc:AlternateContent xmlns:mc="http://schemas.openxmlformats.org/markup-compatibility/2006" xmlns:a14="http://schemas.microsoft.com/office/drawing/2010/main">
+        <mc:Choice Requires="a14">
+          <p:sp>
+            <p:nvSpPr>
+              <p:cNvPr id="190" name="TextBox 189"/>
+              <p:cNvSpPr txBox="1"/>
+              <p:nvPr/>
+            </p:nvSpPr>
+            <p:spPr>
+              <a:xfrm>
+                <a:off x="2301395" y="1678375"/>
+                <a:ext cx="477246" cy="376513"/>
+              </a:xfrm>
+              <a:prstGeom prst="rect">
+                <a:avLst/>
+              </a:prstGeom>
+              <a:noFill/>
+            </p:spPr>
+            <p:txBody>
+              <a:bodyPr wrap="none" rtlCol="0">
+                <a:spAutoFit/>
+              </a:bodyPr>
+              <a:lstStyle/>
+              <a:p>
+                <a:pPr/>
+                <a14:m>
+                  <m:oMathPara xmlns:m="http://schemas.openxmlformats.org/officeDocument/2006/math">
+                    <m:oMathParaPr>
+                      <m:jc m:val="centerGroup"/>
+                    </m:oMathParaPr>
+                    <m:oMath xmlns:m="http://schemas.openxmlformats.org/officeDocument/2006/math">
+                      <m:sSubSup>
+                        <m:sSubSupPr>
+                          <m:ctrlPr>
+                            <a:rPr lang="ko-KR" altLang="ko-KR" i="1" smtClean="0">
+                              <a:latin typeface="Cambria Math"/>
+                            </a:rPr>
+                          </m:ctrlPr>
+                        </m:sSubSupPr>
+                        <m:e>
+                          <m:r>
+                            <m:rPr>
+                              <m:sty m:val="p"/>
+                            </m:rPr>
+                            <a:rPr lang="en-US" altLang="ko-KR">
+                              <a:latin typeface="Cambria Math"/>
+                            </a:rPr>
+                            <m:t>Z</m:t>
+                          </m:r>
+                        </m:e>
+                        <m:sub>
+                          <m:r>
+                            <a:rPr lang="en-US" altLang="ko-KR" b="0" i="1" smtClean="0">
+                              <a:latin typeface="Cambria Math"/>
+                            </a:rPr>
+                            <m:t>0</m:t>
+                          </m:r>
+                        </m:sub>
+                        <m:sup>
+                          <m:r>
+                            <a:rPr lang="en-US" altLang="ko-KR" b="0" i="1" smtClean="0">
+                              <a:latin typeface="Cambria Math"/>
+                            </a:rPr>
+                            <m:t>0</m:t>
+                          </m:r>
+                        </m:sup>
+                      </m:sSubSup>
+                    </m:oMath>
+                  </m:oMathPara>
+                </a14:m>
+                <a:endParaRPr lang="ko-KR" altLang="en-US" baseline="-25000" dirty="0"/>
+              </a:p>
+            </p:txBody>
+          </p:sp>
+        </mc:Choice>
+        <mc:Fallback xmlns="">
+          <p:sp>
+            <p:nvSpPr>
+              <p:cNvPr id="190" name="TextBox 189"/>
+              <p:cNvSpPr txBox="1">
+                <a:spLocks noRot="1" noChangeAspect="1" noMove="1" noResize="1" noEditPoints="1" noAdjustHandles="1" noChangeArrowheads="1" noChangeShapeType="1" noTextEdit="1"/>
+              </p:cNvSpPr>
+              <p:nvPr/>
+            </p:nvSpPr>
+            <p:spPr>
+              <a:xfrm>
+                <a:off x="2301395" y="1678375"/>
+                <a:ext cx="477246" cy="376513"/>
+              </a:xfrm>
+              <a:prstGeom prst="rect">
+                <a:avLst/>
+              </a:prstGeom>
+              <a:blipFill rotWithShape="1">
+                <a:blip r:embed="rId4"/>
+                <a:stretch>
+                  <a:fillRect b="-1613"/>
+                </a:stretch>
+              </a:blipFill>
+            </p:spPr>
+            <p:txBody>
+              <a:bodyPr/>
+              <a:lstStyle/>
+              <a:p>
+                <a:r>
+                  <a:rPr lang="ko-KR" altLang="en-US">
+                    <a:noFill/>
+                  </a:rPr>
+                  <a:t> </a:t>
+                </a:r>
+              </a:p>
+            </p:txBody>
+          </p:sp>
+        </mc:Fallback>
+      </mc:AlternateContent>
+      <mc:AlternateContent xmlns:mc="http://schemas.openxmlformats.org/markup-compatibility/2006" xmlns:a14="http://schemas.microsoft.com/office/drawing/2010/main">
+        <mc:Choice Requires="a14">
+          <p:sp>
+            <p:nvSpPr>
+              <p:cNvPr id="191" name="TextBox 190"/>
+              <p:cNvSpPr txBox="1"/>
+              <p:nvPr/>
+            </p:nvSpPr>
+            <p:spPr>
+              <a:xfrm>
+                <a:off x="2293084" y="3173694"/>
+                <a:ext cx="477246" cy="374205"/>
+              </a:xfrm>
+              <a:prstGeom prst="rect">
+                <a:avLst/>
+              </a:prstGeom>
+              <a:noFill/>
+            </p:spPr>
+            <p:txBody>
+              <a:bodyPr wrap="none" rtlCol="0">
+                <a:spAutoFit/>
+              </a:bodyPr>
+              <a:lstStyle/>
+              <a:p>
+                <a:pPr/>
+                <a14:m>
+                  <m:oMathPara xmlns:m="http://schemas.openxmlformats.org/officeDocument/2006/math">
+                    <m:oMathParaPr>
+                      <m:jc m:val="centerGroup"/>
+                    </m:oMathParaPr>
+                    <m:oMath xmlns:m="http://schemas.openxmlformats.org/officeDocument/2006/math">
+                      <m:sSubSup>
+                        <m:sSubSupPr>
+                          <m:ctrlPr>
+                            <a:rPr lang="ko-KR" altLang="ko-KR" i="1" smtClean="0">
+                              <a:latin typeface="Cambria Math"/>
+                            </a:rPr>
+                          </m:ctrlPr>
+                        </m:sSubSupPr>
+                        <m:e>
+                          <m:r>
+                            <m:rPr>
+                              <m:sty m:val="p"/>
+                            </m:rPr>
+                            <a:rPr lang="en-US" altLang="ko-KR">
+                              <a:latin typeface="Cambria Math"/>
+                            </a:rPr>
+                            <m:t>Z</m:t>
+                          </m:r>
+                        </m:e>
+                        <m:sub>
+                          <m:r>
+                            <a:rPr lang="en-US" altLang="ko-KR" b="0" i="1" smtClean="0">
+                              <a:latin typeface="Cambria Math"/>
+                            </a:rPr>
+                            <m:t>1</m:t>
+                          </m:r>
+                        </m:sub>
+                        <m:sup>
+                          <m:r>
+                            <a:rPr lang="en-US" altLang="ko-KR" b="0" i="1" smtClean="0">
+                              <a:latin typeface="Cambria Math"/>
+                            </a:rPr>
+                            <m:t>0</m:t>
+                          </m:r>
+                        </m:sup>
+                      </m:sSubSup>
+                    </m:oMath>
+                  </m:oMathPara>
+                </a14:m>
+                <a:endParaRPr lang="ko-KR" altLang="en-US" baseline="-25000" dirty="0"/>
+              </a:p>
+            </p:txBody>
+          </p:sp>
+        </mc:Choice>
+        <mc:Fallback xmlns="">
+          <p:sp>
+            <p:nvSpPr>
+              <p:cNvPr id="191" name="TextBox 190"/>
+              <p:cNvSpPr txBox="1">
+                <a:spLocks noRot="1" noChangeAspect="1" noMove="1" noResize="1" noEditPoints="1" noAdjustHandles="1" noChangeArrowheads="1" noChangeShapeType="1" noTextEdit="1"/>
+              </p:cNvSpPr>
+              <p:nvPr/>
+            </p:nvSpPr>
+            <p:spPr>
+              <a:xfrm>
+                <a:off x="2293084" y="3173694"/>
+                <a:ext cx="477246" cy="374205"/>
+              </a:xfrm>
+              <a:prstGeom prst="rect">
+                <a:avLst/>
+              </a:prstGeom>
+              <a:blipFill rotWithShape="1">
+                <a:blip r:embed="rId5"/>
+                <a:stretch>
+                  <a:fillRect b="-3279"/>
+                </a:stretch>
+              </a:blipFill>
+            </p:spPr>
+            <p:txBody>
+              <a:bodyPr/>
+              <a:lstStyle/>
+              <a:p>
+                <a:r>
+                  <a:rPr lang="ko-KR" altLang="en-US">
+                    <a:noFill/>
+                  </a:rPr>
+                  <a:t> </a:t>
+                </a:r>
+              </a:p>
+            </p:txBody>
+          </p:sp>
+        </mc:Fallback>
+      </mc:AlternateContent>
+      <mc:AlternateContent xmlns:mc="http://schemas.openxmlformats.org/markup-compatibility/2006" xmlns:a14="http://schemas.microsoft.com/office/drawing/2010/main">
+        <mc:Choice Requires="a14">
+          <p:sp>
+            <p:nvSpPr>
+              <p:cNvPr id="192" name="TextBox 191"/>
+              <p:cNvSpPr txBox="1"/>
+              <p:nvPr/>
+            </p:nvSpPr>
+            <p:spPr>
+              <a:xfrm>
+                <a:off x="2326628" y="4499828"/>
+                <a:ext cx="575029" cy="376513"/>
+              </a:xfrm>
+              <a:prstGeom prst="rect">
+                <a:avLst/>
+              </a:prstGeom>
+              <a:noFill/>
+            </p:spPr>
+            <p:txBody>
+              <a:bodyPr wrap="none" rtlCol="0">
+                <a:spAutoFit/>
+              </a:bodyPr>
+              <a:lstStyle/>
+              <a:p>
+                <a:pPr/>
+                <a14:m>
+                  <m:oMathPara xmlns:m="http://schemas.openxmlformats.org/officeDocument/2006/math">
+                    <m:oMathParaPr>
+                      <m:jc m:val="centerGroup"/>
+                    </m:oMathParaPr>
+                    <m:oMath xmlns:m="http://schemas.openxmlformats.org/officeDocument/2006/math">
+                      <m:sSubSup>
+                        <m:sSubSupPr>
+                          <m:ctrlPr>
+                            <a:rPr lang="ko-KR" altLang="ko-KR" i="1" smtClean="0">
+                              <a:latin typeface="Cambria Math"/>
+                            </a:rPr>
+                          </m:ctrlPr>
+                        </m:sSubSupPr>
+                        <m:e>
+                          <m:r>
+                            <m:rPr>
+                              <m:sty m:val="p"/>
+                            </m:rPr>
+                            <a:rPr lang="en-US" altLang="ko-KR">
+                              <a:latin typeface="Cambria Math"/>
+                            </a:rPr>
+                            <m:t>Z</m:t>
+                          </m:r>
+                        </m:e>
+                        <m:sub>
+                          <m:r>
+                            <a:rPr lang="en-US" altLang="ko-KR" b="0" i="1" smtClean="0">
+                              <a:latin typeface="Cambria Math"/>
+                            </a:rPr>
+                            <m:t>63</m:t>
+                          </m:r>
+                        </m:sub>
+                        <m:sup>
+                          <m:r>
+                            <a:rPr lang="en-US" altLang="ko-KR" b="0" i="1" smtClean="0">
+                              <a:latin typeface="Cambria Math"/>
+                            </a:rPr>
+                            <m:t>0</m:t>
+                          </m:r>
+                        </m:sup>
+                      </m:sSubSup>
+                    </m:oMath>
+                  </m:oMathPara>
+                </a14:m>
+                <a:endParaRPr lang="ko-KR" altLang="en-US" baseline="-25000" dirty="0"/>
+              </a:p>
+            </p:txBody>
+          </p:sp>
+        </mc:Choice>
+        <mc:Fallback xmlns="">
+          <p:sp>
+            <p:nvSpPr>
+              <p:cNvPr id="192" name="TextBox 191"/>
+              <p:cNvSpPr txBox="1">
+                <a:spLocks noRot="1" noChangeAspect="1" noMove="1" noResize="1" noEditPoints="1" noAdjustHandles="1" noChangeArrowheads="1" noChangeShapeType="1" noTextEdit="1"/>
+              </p:cNvSpPr>
+              <p:nvPr/>
+            </p:nvSpPr>
+            <p:spPr>
+              <a:xfrm>
+                <a:off x="2326628" y="4499828"/>
+                <a:ext cx="575029" cy="376513"/>
+              </a:xfrm>
+              <a:prstGeom prst="rect">
+                <a:avLst/>
+              </a:prstGeom>
+              <a:blipFill rotWithShape="1">
+                <a:blip r:embed="rId6"/>
+                <a:stretch>
+                  <a:fillRect b="-1613"/>
+                </a:stretch>
+              </a:blipFill>
+            </p:spPr>
+            <p:txBody>
+              <a:bodyPr/>
+              <a:lstStyle/>
+              <a:p>
+                <a:r>
+                  <a:rPr lang="ko-KR" altLang="en-US">
+                    <a:noFill/>
+                  </a:rPr>
+                  <a:t> </a:t>
+                </a:r>
+              </a:p>
+            </p:txBody>
+          </p:sp>
+        </mc:Fallback>
+      </mc:AlternateContent>
+      <p:sp>
+        <p:nvSpPr>
+          <p:cNvPr id="193" name="타원 192"/>
+          <p:cNvSpPr/>
+          <p:nvPr/>
+        </p:nvSpPr>
+        <p:spPr>
+          <a:xfrm>
+            <a:off x="3710748" y="1392546"/>
+            <a:ext cx="216024" cy="216024"/>
+          </a:xfrm>
+          <a:prstGeom prst="ellipse">
+            <a:avLst/>
+          </a:prstGeom>
+          <a:noFill/>
+          <a:ln>
+            <a:solidFill>
+              <a:schemeClr val="tx1"/>
+            </a:solidFill>
+          </a:ln>
+        </p:spPr>
+        <p:style>
+          <a:lnRef idx="2">
+            <a:schemeClr val="accent1">
+              <a:shade val="50000"/>
+            </a:schemeClr>
+          </a:lnRef>
+          <a:fillRef idx="1">
+            <a:schemeClr val="accent1"/>
+          </a:fillRef>
+          <a:effectRef idx="0">
+            <a:schemeClr val="accent1"/>
+          </a:effectRef>
+          <a:fontRef idx="minor">
+            <a:schemeClr val="lt1"/>
+          </a:fontRef>
+        </p:style>
+        <p:txBody>
+          <a:bodyPr rtlCol="0" anchor="ctr"/>
+          <a:lstStyle/>
+          <a:p>
+            <a:pPr algn="ctr"/>
+            <a:endParaRPr lang="ko-KR" altLang="en-US"/>
+          </a:p>
+        </p:txBody>
+      </p:sp>
+      <p:sp>
+        <p:nvSpPr>
+          <p:cNvPr id="194" name="타원 193"/>
+          <p:cNvSpPr/>
+          <p:nvPr/>
+        </p:nvSpPr>
+        <p:spPr>
+          <a:xfrm>
+            <a:off x="3710748" y="2112626"/>
+            <a:ext cx="216024" cy="216024"/>
+          </a:xfrm>
+          <a:prstGeom prst="ellipse">
+            <a:avLst/>
+          </a:prstGeom>
+          <a:noFill/>
+          <a:ln>
+            <a:solidFill>
+              <a:schemeClr val="tx1"/>
+            </a:solidFill>
+          </a:ln>
+        </p:spPr>
+        <p:style>
+          <a:lnRef idx="2">
+            <a:schemeClr val="accent1">
+              <a:shade val="50000"/>
+            </a:schemeClr>
+          </a:lnRef>
+          <a:fillRef idx="1">
+            <a:schemeClr val="accent1"/>
+          </a:fillRef>
+          <a:effectRef idx="0">
+            <a:schemeClr val="accent1"/>
+          </a:effectRef>
+          <a:fontRef idx="minor">
+            <a:schemeClr val="lt1"/>
+          </a:fontRef>
+        </p:style>
+        <p:txBody>
+          <a:bodyPr rtlCol="0" anchor="ctr"/>
+          <a:lstStyle/>
+          <a:p>
+            <a:pPr algn="ctr"/>
+            <a:endParaRPr lang="ko-KR" altLang="en-US"/>
+          </a:p>
+        </p:txBody>
+      </p:sp>
+      <p:sp>
+        <p:nvSpPr>
+          <p:cNvPr id="195" name="타원 194"/>
+          <p:cNvSpPr/>
+          <p:nvPr/>
+        </p:nvSpPr>
+        <p:spPr>
+          <a:xfrm>
+            <a:off x="3708498" y="4149863"/>
+            <a:ext cx="216024" cy="216024"/>
+          </a:xfrm>
+          <a:prstGeom prst="ellipse">
+            <a:avLst/>
+          </a:prstGeom>
+          <a:noFill/>
+          <a:ln>
+            <a:solidFill>
+              <a:schemeClr val="tx1"/>
+            </a:solidFill>
+          </a:ln>
+        </p:spPr>
+        <p:style>
+          <a:lnRef idx="2">
+            <a:schemeClr val="accent1">
+              <a:shade val="50000"/>
+            </a:schemeClr>
+          </a:lnRef>
+          <a:fillRef idx="1">
+            <a:schemeClr val="accent1"/>
+          </a:fillRef>
+          <a:effectRef idx="0">
+            <a:schemeClr val="accent1"/>
+          </a:effectRef>
+          <a:fontRef idx="minor">
+            <a:schemeClr val="lt1"/>
+          </a:fontRef>
+        </p:style>
+        <p:txBody>
+          <a:bodyPr rtlCol="0" anchor="ctr"/>
+          <a:lstStyle/>
+          <a:p>
+            <a:pPr algn="ctr"/>
+            <a:endParaRPr lang="ko-KR" altLang="en-US"/>
+          </a:p>
+        </p:txBody>
+      </p:sp>
+      <mc:AlternateContent xmlns:mc="http://schemas.openxmlformats.org/markup-compatibility/2006" xmlns:a14="http://schemas.microsoft.com/office/drawing/2010/main">
+        <mc:Choice Requires="a14">
+          <p:sp>
+            <p:nvSpPr>
+              <p:cNvPr id="196" name="TextBox 195"/>
+              <p:cNvSpPr txBox="1"/>
+              <p:nvPr/>
+            </p:nvSpPr>
+            <p:spPr>
+              <a:xfrm>
+                <a:off x="3614371" y="2396012"/>
+                <a:ext cx="473142" cy="374205"/>
+              </a:xfrm>
+              <a:prstGeom prst="rect">
+                <a:avLst/>
+              </a:prstGeom>
+              <a:noFill/>
+            </p:spPr>
+            <p:txBody>
+              <a:bodyPr wrap="none" rtlCol="0">
+                <a:spAutoFit/>
+              </a:bodyPr>
+              <a:lstStyle/>
+              <a:p>
+                <a:pPr/>
+                <a14:m>
+                  <m:oMathPara xmlns:m="http://schemas.openxmlformats.org/officeDocument/2006/math">
+                    <m:oMathParaPr>
+                      <m:jc m:val="centerGroup"/>
+                    </m:oMathParaPr>
+                    <m:oMath xmlns:m="http://schemas.openxmlformats.org/officeDocument/2006/math">
+                      <m:sSubSup>
+                        <m:sSubSupPr>
+                          <m:ctrlPr>
+                            <a:rPr lang="ko-KR" altLang="ko-KR" i="1" smtClean="0">
+                              <a:latin typeface="Cambria Math"/>
+                            </a:rPr>
+                          </m:ctrlPr>
+                        </m:sSubSupPr>
+                        <m:e>
+                          <m:r>
+                            <m:rPr>
+                              <m:sty m:val="p"/>
+                            </m:rPr>
+                            <a:rPr lang="en-US" altLang="ko-KR" b="0" i="0" smtClean="0">
+                              <a:latin typeface="Cambria Math"/>
+                            </a:rPr>
+                            <m:t>h</m:t>
+                          </m:r>
+                        </m:e>
+                        <m:sub>
+                          <m:r>
+                            <a:rPr lang="en-US" altLang="ko-KR" b="0" i="1" smtClean="0">
+                              <a:latin typeface="Cambria Math"/>
+                            </a:rPr>
+                            <m:t>1</m:t>
+                          </m:r>
+                        </m:sub>
+                        <m:sup>
+                          <m:r>
+                            <a:rPr lang="en-US" altLang="ko-KR" b="0" i="1" smtClean="0">
+                              <a:latin typeface="Cambria Math"/>
+                            </a:rPr>
+                            <m:t>0</m:t>
+                          </m:r>
+                        </m:sup>
+                      </m:sSubSup>
+                    </m:oMath>
+                  </m:oMathPara>
+                </a14:m>
+                <a:endParaRPr lang="ko-KR" altLang="en-US" baseline="-25000" dirty="0"/>
+              </a:p>
+            </p:txBody>
+          </p:sp>
+        </mc:Choice>
+        <mc:Fallback xmlns="">
+          <p:sp>
+            <p:nvSpPr>
+              <p:cNvPr id="196" name="TextBox 195"/>
+              <p:cNvSpPr txBox="1">
+                <a:spLocks noRot="1" noChangeAspect="1" noMove="1" noResize="1" noEditPoints="1" noAdjustHandles="1" noChangeArrowheads="1" noChangeShapeType="1" noTextEdit="1"/>
+              </p:cNvSpPr>
+              <p:nvPr/>
+            </p:nvSpPr>
+            <p:spPr>
+              <a:xfrm>
+                <a:off x="3614371" y="2396012"/>
+                <a:ext cx="473142" cy="374205"/>
+              </a:xfrm>
+              <a:prstGeom prst="rect">
+                <a:avLst/>
+              </a:prstGeom>
+              <a:blipFill rotWithShape="1">
+                <a:blip r:embed="rId7"/>
+                <a:stretch>
+                  <a:fillRect b="-3279"/>
+                </a:stretch>
+              </a:blipFill>
+            </p:spPr>
+            <p:txBody>
+              <a:bodyPr/>
+              <a:lstStyle/>
+              <a:p>
+                <a:r>
+                  <a:rPr lang="ko-KR" altLang="en-US">
+                    <a:noFill/>
+                  </a:rPr>
+                  <a:t> </a:t>
+                </a:r>
+              </a:p>
+            </p:txBody>
+          </p:sp>
+        </mc:Fallback>
+      </mc:AlternateContent>
+      <p:sp>
+        <p:nvSpPr>
+          <p:cNvPr id="197" name="TextBox 196"/>
+          <p:cNvSpPr txBox="1"/>
+          <p:nvPr/>
+        </p:nvSpPr>
+        <p:spPr>
+          <a:xfrm>
+            <a:off x="3678738" y="3477566"/>
+            <a:ext cx="256802" cy="830997"/>
+          </a:xfrm>
+          <a:prstGeom prst="rect">
+            <a:avLst/>
+          </a:prstGeom>
+          <a:noFill/>
+        </p:spPr>
+        <p:txBody>
+          <a:bodyPr wrap="none" rtlCol="0">
+            <a:spAutoFit/>
+          </a:bodyPr>
+          <a:lstStyle/>
+          <a:p>
+            <a:r>
+              <a:rPr lang="en-US" altLang="ko-KR" b="1" dirty="0" smtClean="0"/>
+              <a:t>∙</a:t>
+            </a:r>
+          </a:p>
+          <a:p>
+            <a:r>
+              <a:rPr lang="en-US" altLang="ko-KR" b="1" dirty="0" smtClean="0"/>
+              <a:t>∙</a:t>
+            </a:r>
+            <a:endParaRPr lang="en-US" altLang="ko-KR" b="1" dirty="0"/>
+          </a:p>
+          <a:p>
+            <a:endParaRPr lang="ko-KR" altLang="en-US" b="1" baseline="-25000" dirty="0"/>
+          </a:p>
+        </p:txBody>
+      </p:sp>
+      <p:sp>
+        <p:nvSpPr>
+          <p:cNvPr id="198" name="타원 197"/>
+          <p:cNvSpPr/>
+          <p:nvPr/>
+        </p:nvSpPr>
+        <p:spPr>
+          <a:xfrm>
+            <a:off x="3707439" y="2901114"/>
+            <a:ext cx="216024" cy="216024"/>
+          </a:xfrm>
+          <a:prstGeom prst="ellipse">
+            <a:avLst/>
+          </a:prstGeom>
+          <a:noFill/>
+          <a:ln>
+            <a:solidFill>
+              <a:schemeClr val="tx1"/>
+            </a:solidFill>
+          </a:ln>
+        </p:spPr>
+        <p:style>
+          <a:lnRef idx="2">
+            <a:schemeClr val="accent1">
+              <a:shade val="50000"/>
+            </a:schemeClr>
+          </a:lnRef>
+          <a:fillRef idx="1">
+            <a:schemeClr val="accent1"/>
+          </a:fillRef>
+          <a:effectRef idx="0">
+            <a:schemeClr val="accent1"/>
+          </a:effectRef>
+          <a:fontRef idx="minor">
+            <a:schemeClr val="lt1"/>
+          </a:fontRef>
+        </p:style>
+        <p:txBody>
+          <a:bodyPr rtlCol="0" anchor="ctr"/>
+          <a:lstStyle/>
+          <a:p>
+            <a:pPr algn="ctr"/>
+            <a:endParaRPr lang="ko-KR" altLang="en-US"/>
+          </a:p>
+        </p:txBody>
+      </p:sp>
+      <mc:AlternateContent xmlns:mc="http://schemas.openxmlformats.org/markup-compatibility/2006" xmlns:a14="http://schemas.microsoft.com/office/drawing/2010/main">
+        <mc:Choice Requires="a14">
+          <p:sp>
+            <p:nvSpPr>
+              <p:cNvPr id="199" name="TextBox 198"/>
+              <p:cNvSpPr txBox="1"/>
+              <p:nvPr/>
+            </p:nvSpPr>
+            <p:spPr>
+              <a:xfrm>
+                <a:off x="3582951" y="771266"/>
+                <a:ext cx="473142" cy="417358"/>
+              </a:xfrm>
+              <a:prstGeom prst="rect">
+                <a:avLst/>
+              </a:prstGeom>
+              <a:noFill/>
+            </p:spPr>
+            <p:txBody>
+              <a:bodyPr wrap="none" rtlCol="0">
+                <a:spAutoFit/>
+              </a:bodyPr>
+              <a:lstStyle/>
+              <a:p>
+                <a:pPr/>
+                <a14:m>
+                  <m:oMathPara xmlns:m="http://schemas.openxmlformats.org/officeDocument/2006/math">
+                    <m:oMathParaPr>
+                      <m:jc m:val="centerGroup"/>
+                    </m:oMathParaPr>
+                    <m:oMath xmlns:m="http://schemas.openxmlformats.org/officeDocument/2006/math">
+                      <m:sSubSup>
+                        <m:sSubSupPr>
+                          <m:ctrlPr>
+                            <a:rPr lang="ko-KR" altLang="ko-KR" i="1" smtClean="0">
+                              <a:latin typeface="Cambria Math"/>
+                            </a:rPr>
+                          </m:ctrlPr>
+                        </m:sSubSupPr>
+                        <m:e>
+                          <m:r>
+                            <m:rPr>
+                              <m:sty m:val="p"/>
+                            </m:rPr>
+                            <a:rPr lang="en-US" altLang="ko-KR" b="0" i="0" smtClean="0">
+                              <a:latin typeface="Cambria Math"/>
+                            </a:rPr>
+                            <m:t>h</m:t>
+                          </m:r>
+                        </m:e>
+                        <m:sub>
+                          <m:r>
+                            <a:rPr lang="en-US" altLang="ko-KR" b="0" i="1" smtClean="0">
+                              <a:latin typeface="Cambria Math"/>
+                            </a:rPr>
+                            <m:t>𝑗</m:t>
+                          </m:r>
+                        </m:sub>
+                        <m:sup>
+                          <m:r>
+                            <a:rPr lang="en-US" altLang="ko-KR" b="0" i="1" smtClean="0">
+                              <a:latin typeface="Cambria Math"/>
+                            </a:rPr>
+                            <m:t>0</m:t>
+                          </m:r>
+                        </m:sup>
+                      </m:sSubSup>
+                    </m:oMath>
+                  </m:oMathPara>
+                </a14:m>
+                <a:endParaRPr lang="ko-KR" altLang="en-US" baseline="-25000" dirty="0"/>
+              </a:p>
+            </p:txBody>
+          </p:sp>
+        </mc:Choice>
+        <mc:Fallback xmlns="">
+          <p:sp>
+            <p:nvSpPr>
+              <p:cNvPr id="199" name="TextBox 198"/>
+              <p:cNvSpPr txBox="1">
+                <a:spLocks noRot="1" noChangeAspect="1" noMove="1" noResize="1" noEditPoints="1" noAdjustHandles="1" noChangeArrowheads="1" noChangeShapeType="1" noTextEdit="1"/>
+              </p:cNvSpPr>
+              <p:nvPr/>
+            </p:nvSpPr>
+            <p:spPr>
+              <a:xfrm>
+                <a:off x="3582951" y="771266"/>
+                <a:ext cx="473142" cy="417358"/>
+              </a:xfrm>
+              <a:prstGeom prst="rect">
+                <a:avLst/>
+              </a:prstGeom>
+              <a:blipFill rotWithShape="1">
+                <a:blip r:embed="rId8"/>
+                <a:stretch>
+                  <a:fillRect b="-7353"/>
+                </a:stretch>
+              </a:blipFill>
+            </p:spPr>
+            <p:txBody>
+              <a:bodyPr/>
+              <a:lstStyle/>
+              <a:p>
+                <a:r>
+                  <a:rPr lang="ko-KR" altLang="en-US">
+                    <a:noFill/>
+                  </a:rPr>
+                  <a:t> </a:t>
+                </a:r>
+              </a:p>
+            </p:txBody>
+          </p:sp>
+        </mc:Fallback>
+      </mc:AlternateContent>
+      <mc:AlternateContent xmlns:mc="http://schemas.openxmlformats.org/markup-compatibility/2006" xmlns:a14="http://schemas.microsoft.com/office/drawing/2010/main">
+        <mc:Choice Requires="a14">
+          <p:sp>
+            <p:nvSpPr>
+              <p:cNvPr id="200" name="TextBox 199"/>
+              <p:cNvSpPr txBox="1"/>
+              <p:nvPr/>
+            </p:nvSpPr>
+            <p:spPr>
+              <a:xfrm>
+                <a:off x="3582950" y="1658145"/>
+                <a:ext cx="473142" cy="376513"/>
+              </a:xfrm>
+              <a:prstGeom prst="rect">
+                <a:avLst/>
+              </a:prstGeom>
+              <a:noFill/>
+            </p:spPr>
+            <p:txBody>
+              <a:bodyPr wrap="none" rtlCol="0">
+                <a:spAutoFit/>
+              </a:bodyPr>
+              <a:lstStyle/>
+              <a:p>
+                <a:pPr/>
+                <a14:m>
+                  <m:oMathPara xmlns:m="http://schemas.openxmlformats.org/officeDocument/2006/math">
+                    <m:oMathParaPr>
+                      <m:jc m:val="centerGroup"/>
+                    </m:oMathParaPr>
+                    <m:oMath xmlns:m="http://schemas.openxmlformats.org/officeDocument/2006/math">
+                      <m:sSubSup>
+                        <m:sSubSupPr>
+                          <m:ctrlPr>
+                            <a:rPr lang="ko-KR" altLang="ko-KR" i="1" smtClean="0">
+                              <a:latin typeface="Cambria Math"/>
+                            </a:rPr>
+                          </m:ctrlPr>
+                        </m:sSubSupPr>
+                        <m:e>
+                          <m:r>
+                            <m:rPr>
+                              <m:sty m:val="p"/>
+                            </m:rPr>
+                            <a:rPr lang="en-US" altLang="ko-KR" b="0" i="0" smtClean="0">
+                              <a:latin typeface="Cambria Math"/>
+                            </a:rPr>
+                            <m:t>h</m:t>
+                          </m:r>
+                        </m:e>
+                        <m:sub>
+                          <m:r>
+                            <a:rPr lang="en-US" altLang="ko-KR" b="0" i="1" smtClean="0">
+                              <a:latin typeface="Cambria Math"/>
+                            </a:rPr>
+                            <m:t>0</m:t>
+                          </m:r>
+                        </m:sub>
+                        <m:sup>
+                          <m:r>
+                            <a:rPr lang="en-US" altLang="ko-KR" b="0" i="1" smtClean="0">
+                              <a:latin typeface="Cambria Math"/>
+                            </a:rPr>
+                            <m:t>0</m:t>
+                          </m:r>
+                        </m:sup>
+                      </m:sSubSup>
+                    </m:oMath>
+                  </m:oMathPara>
+                </a14:m>
+                <a:endParaRPr lang="ko-KR" altLang="en-US" baseline="-25000" dirty="0"/>
+              </a:p>
+            </p:txBody>
+          </p:sp>
+        </mc:Choice>
+        <mc:Fallback xmlns="">
+          <p:sp>
+            <p:nvSpPr>
+              <p:cNvPr id="200" name="TextBox 199"/>
+              <p:cNvSpPr txBox="1">
+                <a:spLocks noRot="1" noChangeAspect="1" noMove="1" noResize="1" noEditPoints="1" noAdjustHandles="1" noChangeArrowheads="1" noChangeShapeType="1" noTextEdit="1"/>
+              </p:cNvSpPr>
+              <p:nvPr/>
+            </p:nvSpPr>
+            <p:spPr>
+              <a:xfrm>
+                <a:off x="3582950" y="1658145"/>
+                <a:ext cx="473142" cy="376513"/>
+              </a:xfrm>
+              <a:prstGeom prst="rect">
+                <a:avLst/>
+              </a:prstGeom>
+              <a:blipFill rotWithShape="1">
+                <a:blip r:embed="rId9"/>
+                <a:stretch>
+                  <a:fillRect b="-1613"/>
+                </a:stretch>
+              </a:blipFill>
+            </p:spPr>
+            <p:txBody>
+              <a:bodyPr/>
+              <a:lstStyle/>
+              <a:p>
+                <a:r>
+                  <a:rPr lang="ko-KR" altLang="en-US">
+                    <a:noFill/>
+                  </a:rPr>
+                  <a:t> </a:t>
+                </a:r>
+              </a:p>
+            </p:txBody>
+          </p:sp>
+        </mc:Fallback>
+      </mc:AlternateContent>
+      <mc:AlternateContent xmlns:mc="http://schemas.openxmlformats.org/markup-compatibility/2006" xmlns:a14="http://schemas.microsoft.com/office/drawing/2010/main">
+        <mc:Choice Requires="a14">
+          <p:sp>
+            <p:nvSpPr>
+              <p:cNvPr id="201" name="TextBox 200"/>
+              <p:cNvSpPr txBox="1"/>
+              <p:nvPr/>
+            </p:nvSpPr>
+            <p:spPr>
+              <a:xfrm>
+                <a:off x="3574639" y="3153464"/>
+                <a:ext cx="473142" cy="417358"/>
+              </a:xfrm>
+              <a:prstGeom prst="rect">
+                <a:avLst/>
+              </a:prstGeom>
+              <a:noFill/>
+            </p:spPr>
+            <p:txBody>
+              <a:bodyPr wrap="none" rtlCol="0">
+                <a:spAutoFit/>
+              </a:bodyPr>
+              <a:lstStyle/>
+              <a:p>
+                <a:pPr/>
+                <a14:m>
+                  <m:oMathPara xmlns:m="http://schemas.openxmlformats.org/officeDocument/2006/math">
+                    <m:oMathParaPr>
+                      <m:jc m:val="centerGroup"/>
+                    </m:oMathParaPr>
+                    <m:oMath xmlns:m="http://schemas.openxmlformats.org/officeDocument/2006/math">
+                      <m:sSubSup>
+                        <m:sSubSupPr>
+                          <m:ctrlPr>
+                            <a:rPr lang="ko-KR" altLang="ko-KR" i="1" smtClean="0">
+                              <a:latin typeface="Cambria Math"/>
+                            </a:rPr>
+                          </m:ctrlPr>
+                        </m:sSubSupPr>
+                        <m:e>
+                          <m:r>
+                            <m:rPr>
+                              <m:sty m:val="p"/>
+                            </m:rPr>
+                            <a:rPr lang="en-US" altLang="ko-KR" b="0" i="0" smtClean="0">
+                              <a:latin typeface="Cambria Math"/>
+                            </a:rPr>
+                            <m:t>h</m:t>
+                          </m:r>
+                        </m:e>
+                        <m:sub>
+                          <m:r>
+                            <a:rPr lang="en-US" altLang="ko-KR" b="0" i="1" smtClean="0">
+                              <a:latin typeface="Cambria Math"/>
+                            </a:rPr>
+                            <m:t>𝑗</m:t>
+                          </m:r>
+                        </m:sub>
+                        <m:sup>
+                          <m:r>
+                            <a:rPr lang="en-US" altLang="ko-KR" b="0" i="1" smtClean="0">
+                              <a:latin typeface="Cambria Math"/>
+                            </a:rPr>
+                            <m:t>0</m:t>
+                          </m:r>
+                        </m:sup>
+                      </m:sSubSup>
+                    </m:oMath>
+                  </m:oMathPara>
+                </a14:m>
+                <a:endParaRPr lang="ko-KR" altLang="en-US" baseline="-25000" dirty="0"/>
+              </a:p>
+            </p:txBody>
+          </p:sp>
+        </mc:Choice>
+        <mc:Fallback xmlns="">
+          <p:sp>
+            <p:nvSpPr>
+              <p:cNvPr id="201" name="TextBox 200"/>
+              <p:cNvSpPr txBox="1">
+                <a:spLocks noRot="1" noChangeAspect="1" noMove="1" noResize="1" noEditPoints="1" noAdjustHandles="1" noChangeArrowheads="1" noChangeShapeType="1" noTextEdit="1"/>
+              </p:cNvSpPr>
+              <p:nvPr/>
+            </p:nvSpPr>
+            <p:spPr>
+              <a:xfrm>
+                <a:off x="3574639" y="3153464"/>
+                <a:ext cx="473142" cy="417358"/>
+              </a:xfrm>
+              <a:prstGeom prst="rect">
+                <a:avLst/>
+              </a:prstGeom>
+              <a:blipFill rotWithShape="1">
+                <a:blip r:embed="rId10"/>
+                <a:stretch>
+                  <a:fillRect b="-5797"/>
+                </a:stretch>
+              </a:blipFill>
+            </p:spPr>
+            <p:txBody>
+              <a:bodyPr/>
+              <a:lstStyle/>
+              <a:p>
+                <a:r>
+                  <a:rPr lang="ko-KR" altLang="en-US">
+                    <a:noFill/>
+                  </a:rPr>
+                  <a:t> </a:t>
+                </a:r>
+              </a:p>
+            </p:txBody>
+          </p:sp>
+        </mc:Fallback>
+      </mc:AlternateContent>
+      <mc:AlternateContent xmlns:mc="http://schemas.openxmlformats.org/markup-compatibility/2006" xmlns:a14="http://schemas.microsoft.com/office/drawing/2010/main">
+        <mc:Choice Requires="a14">
+          <p:sp>
+            <p:nvSpPr>
+              <p:cNvPr id="202" name="TextBox 201"/>
+              <p:cNvSpPr txBox="1"/>
+              <p:nvPr/>
+            </p:nvSpPr>
+            <p:spPr>
+              <a:xfrm>
+                <a:off x="3608183" y="4479598"/>
+                <a:ext cx="570926" cy="374205"/>
+              </a:xfrm>
+              <a:prstGeom prst="rect">
+                <a:avLst/>
+              </a:prstGeom>
+              <a:noFill/>
+            </p:spPr>
+            <p:txBody>
+              <a:bodyPr wrap="none" rtlCol="0">
+                <a:spAutoFit/>
+              </a:bodyPr>
+              <a:lstStyle/>
+              <a:p>
+                <a:pPr/>
+                <a14:m>
+                  <m:oMathPara xmlns:m="http://schemas.openxmlformats.org/officeDocument/2006/math">
+                    <m:oMathParaPr>
+                      <m:jc m:val="centerGroup"/>
+                    </m:oMathParaPr>
+                    <m:oMath xmlns:m="http://schemas.openxmlformats.org/officeDocument/2006/math">
+                      <m:sSubSup>
+                        <m:sSubSupPr>
+                          <m:ctrlPr>
+                            <a:rPr lang="ko-KR" altLang="ko-KR" i="1" smtClean="0">
+                              <a:latin typeface="Cambria Math"/>
+                            </a:rPr>
+                          </m:ctrlPr>
+                        </m:sSubSupPr>
+                        <m:e>
+                          <m:r>
+                            <m:rPr>
+                              <m:sty m:val="p"/>
+                            </m:rPr>
+                            <a:rPr lang="en-US" altLang="ko-KR" b="0" i="0" smtClean="0">
+                              <a:latin typeface="Cambria Math"/>
+                            </a:rPr>
+                            <m:t>h</m:t>
+                          </m:r>
+                        </m:e>
+                        <m:sub>
+                          <m:r>
+                            <a:rPr lang="en-US" altLang="ko-KR" b="0" i="1" smtClean="0">
+                              <a:latin typeface="Cambria Math"/>
+                            </a:rPr>
+                            <m:t>63</m:t>
+                          </m:r>
+                        </m:sub>
+                        <m:sup>
+                          <m:r>
+                            <a:rPr lang="en-US" altLang="ko-KR" b="0" i="1" smtClean="0">
+                              <a:latin typeface="Cambria Math"/>
+                            </a:rPr>
+                            <m:t>0</m:t>
+                          </m:r>
+                        </m:sup>
+                      </m:sSubSup>
+                    </m:oMath>
+                  </m:oMathPara>
+                </a14:m>
+                <a:endParaRPr lang="ko-KR" altLang="en-US" baseline="-25000" dirty="0"/>
+              </a:p>
+            </p:txBody>
+          </p:sp>
+        </mc:Choice>
+        <mc:Fallback xmlns="">
+          <p:sp>
+            <p:nvSpPr>
+              <p:cNvPr id="202" name="TextBox 201"/>
+              <p:cNvSpPr txBox="1">
+                <a:spLocks noRot="1" noChangeAspect="1" noMove="1" noResize="1" noEditPoints="1" noAdjustHandles="1" noChangeArrowheads="1" noChangeShapeType="1" noTextEdit="1"/>
+              </p:cNvSpPr>
+              <p:nvPr/>
+            </p:nvSpPr>
+            <p:spPr>
+              <a:xfrm>
+                <a:off x="3608183" y="4479598"/>
+                <a:ext cx="570926" cy="374205"/>
+              </a:xfrm>
+              <a:prstGeom prst="rect">
+                <a:avLst/>
+              </a:prstGeom>
+              <a:blipFill rotWithShape="1">
+                <a:blip r:embed="rId11"/>
+                <a:stretch>
+                  <a:fillRect b="-3279"/>
+                </a:stretch>
+              </a:blipFill>
+            </p:spPr>
+            <p:txBody>
+              <a:bodyPr/>
+              <a:lstStyle/>
+              <a:p>
+                <a:r>
+                  <a:rPr lang="ko-KR" altLang="en-US">
+                    <a:noFill/>
+                  </a:rPr>
+                  <a:t> </a:t>
+                </a:r>
+              </a:p>
+            </p:txBody>
+          </p:sp>
+        </mc:Fallback>
+      </mc:AlternateContent>
+      <mc:AlternateContent xmlns:mc="http://schemas.openxmlformats.org/markup-compatibility/2006" xmlns:a14="http://schemas.microsoft.com/office/drawing/2010/main">
+        <mc:Choice Requires="a14">
+          <p:sp>
+            <p:nvSpPr>
+              <p:cNvPr id="204" name="TextBox 203"/>
+              <p:cNvSpPr txBox="1"/>
+              <p:nvPr/>
+            </p:nvSpPr>
+            <p:spPr>
+              <a:xfrm>
+                <a:off x="1242653" y="4164777"/>
+                <a:ext cx="832792" cy="374333"/>
+              </a:xfrm>
+              <a:prstGeom prst="rect">
+                <a:avLst/>
+              </a:prstGeom>
+              <a:noFill/>
+            </p:spPr>
+            <p:txBody>
+              <a:bodyPr wrap="none" rtlCol="0">
+                <a:spAutoFit/>
+              </a:bodyPr>
+              <a:lstStyle/>
+              <a:p>
+                <a:pPr/>
+                <a14:m>
+                  <m:oMathPara xmlns:m="http://schemas.openxmlformats.org/officeDocument/2006/math">
+                    <m:oMathParaPr>
+                      <m:jc m:val="centerGroup"/>
+                    </m:oMathParaPr>
+                    <m:oMath xmlns:m="http://schemas.openxmlformats.org/officeDocument/2006/math">
+                      <m:sSubSup>
+                        <m:sSubSupPr>
+                          <m:ctrlPr>
+                            <a:rPr lang="ko-KR" altLang="ko-KR" i="1" smtClean="0">
+                              <a:latin typeface="Cambria Math"/>
+                            </a:rPr>
+                          </m:ctrlPr>
+                        </m:sSubSupPr>
+                        <m:e>
+                          <m:r>
+                            <m:rPr>
+                              <m:sty m:val="p"/>
+                            </m:rPr>
+                            <a:rPr lang="en-US" altLang="ko-KR" b="0" i="0" smtClean="0">
+                              <a:latin typeface="Cambria Math"/>
+                            </a:rPr>
+                            <m:t>W</m:t>
+                          </m:r>
+                        </m:e>
+                        <m:sub>
+                          <m:r>
+                            <a:rPr lang="en-US" altLang="ko-KR" b="0" i="1" smtClean="0">
+                              <a:latin typeface="Cambria Math"/>
+                            </a:rPr>
+                            <m:t>7830</m:t>
+                          </m:r>
+                        </m:sub>
+                        <m:sup>
+                          <m:r>
+                            <a:rPr lang="en-US" altLang="ko-KR" b="0" i="1" smtClean="0">
+                              <a:latin typeface="Cambria Math"/>
+                            </a:rPr>
+                            <m:t>0</m:t>
+                          </m:r>
+                        </m:sup>
+                      </m:sSubSup>
+                    </m:oMath>
+                  </m:oMathPara>
+                </a14:m>
+                <a:endParaRPr lang="ko-KR" altLang="en-US" baseline="-25000" dirty="0"/>
+              </a:p>
+            </p:txBody>
+          </p:sp>
+        </mc:Choice>
+        <mc:Fallback xmlns="">
+          <p:sp>
+            <p:nvSpPr>
+              <p:cNvPr id="204" name="TextBox 203"/>
+              <p:cNvSpPr txBox="1">
+                <a:spLocks noRot="1" noChangeAspect="1" noMove="1" noResize="1" noEditPoints="1" noAdjustHandles="1" noChangeArrowheads="1" noChangeShapeType="1" noTextEdit="1"/>
+              </p:cNvSpPr>
+              <p:nvPr/>
+            </p:nvSpPr>
+            <p:spPr>
+              <a:xfrm>
+                <a:off x="1242653" y="4164777"/>
+                <a:ext cx="832792" cy="374333"/>
+              </a:xfrm>
+              <a:prstGeom prst="rect">
+                <a:avLst/>
+              </a:prstGeom>
+              <a:blipFill rotWithShape="1">
+                <a:blip r:embed="rId12"/>
+                <a:stretch>
+                  <a:fillRect b="-1613"/>
+                </a:stretch>
+              </a:blipFill>
+            </p:spPr>
+            <p:txBody>
+              <a:bodyPr/>
+              <a:lstStyle/>
+              <a:p>
+                <a:r>
+                  <a:rPr lang="ko-KR" altLang="en-US">
+                    <a:noFill/>
+                  </a:rPr>
+                  <a:t> </a:t>
+                </a:r>
+              </a:p>
+            </p:txBody>
+          </p:sp>
+        </mc:Fallback>
+      </mc:AlternateContent>
+      <mc:AlternateContent xmlns:mc="http://schemas.openxmlformats.org/markup-compatibility/2006" xmlns:a14="http://schemas.microsoft.com/office/drawing/2010/main">
+        <mc:Choice Requires="a14">
+          <p:sp>
+            <p:nvSpPr>
+              <p:cNvPr id="205" name="TextBox 204"/>
+              <p:cNvSpPr txBox="1"/>
+              <p:nvPr/>
+            </p:nvSpPr>
+            <p:spPr>
+              <a:xfrm>
+                <a:off x="1308950" y="2801604"/>
+                <a:ext cx="598754" cy="386260"/>
+              </a:xfrm>
+              <a:prstGeom prst="rect">
+                <a:avLst/>
+              </a:prstGeom>
+              <a:noFill/>
+            </p:spPr>
+            <p:txBody>
+              <a:bodyPr wrap="none" rtlCol="0">
+                <a:spAutoFit/>
+              </a:bodyPr>
+              <a:lstStyle/>
+              <a:p>
+                <a:pPr/>
+                <a14:m>
+                  <m:oMathPara xmlns:m="http://schemas.openxmlformats.org/officeDocument/2006/math">
+                    <m:oMathParaPr>
+                      <m:jc m:val="centerGroup"/>
+                    </m:oMathParaPr>
+                    <m:oMath xmlns:m="http://schemas.openxmlformats.org/officeDocument/2006/math">
+                      <m:sSubSup>
+                        <m:sSubSupPr>
+                          <m:ctrlPr>
+                            <a:rPr lang="ko-KR" altLang="ko-KR" i="1" smtClean="0">
+                              <a:latin typeface="Cambria Math"/>
+                            </a:rPr>
+                          </m:ctrlPr>
+                        </m:sSubSupPr>
+                        <m:e>
+                          <m:r>
+                            <m:rPr>
+                              <m:sty m:val="p"/>
+                            </m:rPr>
+                            <a:rPr lang="en-US" altLang="ko-KR" b="0" i="0" smtClean="0">
+                              <a:latin typeface="Cambria Math"/>
+                            </a:rPr>
+                            <m:t>W</m:t>
+                          </m:r>
+                        </m:e>
+                        <m:sub>
+                          <m:r>
+                            <a:rPr lang="en-US" altLang="ko-KR" b="0" i="1" smtClean="0">
+                              <a:latin typeface="Cambria Math"/>
+                            </a:rPr>
+                            <m:t>𝑖</m:t>
+                          </m:r>
+                          <m:r>
+                            <a:rPr lang="en-US" altLang="ko-KR" b="0" i="1" smtClean="0">
+                              <a:latin typeface="Cambria Math"/>
+                            </a:rPr>
+                            <m:t>0</m:t>
+                          </m:r>
+                        </m:sub>
+                        <m:sup>
+                          <m:r>
+                            <a:rPr lang="en-US" altLang="ko-KR" b="0" i="1" smtClean="0">
+                              <a:latin typeface="Cambria Math"/>
+                            </a:rPr>
+                            <m:t>0</m:t>
+                          </m:r>
+                        </m:sup>
+                      </m:sSubSup>
+                    </m:oMath>
+                  </m:oMathPara>
+                </a14:m>
+                <a:endParaRPr lang="ko-KR" altLang="en-US" baseline="-25000" dirty="0"/>
+              </a:p>
+            </p:txBody>
+          </p:sp>
+        </mc:Choice>
+        <mc:Fallback xmlns="">
+          <p:sp>
+            <p:nvSpPr>
+              <p:cNvPr id="205" name="TextBox 204"/>
+              <p:cNvSpPr txBox="1">
+                <a:spLocks noRot="1" noChangeAspect="1" noMove="1" noResize="1" noEditPoints="1" noAdjustHandles="1" noChangeArrowheads="1" noChangeShapeType="1" noTextEdit="1"/>
+              </p:cNvSpPr>
+              <p:nvPr/>
+            </p:nvSpPr>
+            <p:spPr>
+              <a:xfrm>
+                <a:off x="1308950" y="2801604"/>
+                <a:ext cx="598754" cy="386260"/>
+              </a:xfrm>
+              <a:prstGeom prst="rect">
+                <a:avLst/>
+              </a:prstGeom>
+              <a:blipFill rotWithShape="1">
+                <a:blip r:embed="rId13"/>
+                <a:stretch>
+                  <a:fillRect b="-4762"/>
+                </a:stretch>
+              </a:blipFill>
+            </p:spPr>
+            <p:txBody>
+              <a:bodyPr/>
+              <a:lstStyle/>
+              <a:p>
+                <a:r>
+                  <a:rPr lang="ko-KR" altLang="en-US">
+                    <a:noFill/>
+                  </a:rPr>
+                  <a:t> </a:t>
+                </a:r>
+              </a:p>
+            </p:txBody>
+          </p:sp>
+        </mc:Fallback>
+      </mc:AlternateContent>
+      <mc:AlternateContent xmlns:mc="http://schemas.openxmlformats.org/markup-compatibility/2006" xmlns:a14="http://schemas.microsoft.com/office/drawing/2010/main">
+        <mc:Choice Requires="a14">
+          <p:sp>
+            <p:nvSpPr>
+              <p:cNvPr id="206" name="TextBox 205"/>
+              <p:cNvSpPr txBox="1"/>
+              <p:nvPr/>
+            </p:nvSpPr>
+            <p:spPr>
+              <a:xfrm>
+                <a:off x="1270478" y="2261737"/>
+                <a:ext cx="637226" cy="376513"/>
+              </a:xfrm>
+              <a:prstGeom prst="rect">
+                <a:avLst/>
+              </a:prstGeom>
+              <a:noFill/>
+            </p:spPr>
+            <p:txBody>
+              <a:bodyPr wrap="none" rtlCol="0">
+                <a:spAutoFit/>
+              </a:bodyPr>
+              <a:lstStyle/>
+              <a:p>
+                <a:pPr/>
+                <a14:m>
+                  <m:oMathPara xmlns:m="http://schemas.openxmlformats.org/officeDocument/2006/math">
+                    <m:oMathParaPr>
+                      <m:jc m:val="centerGroup"/>
+                    </m:oMathParaPr>
+                    <m:oMath xmlns:m="http://schemas.openxmlformats.org/officeDocument/2006/math">
+                      <m:sSubSup>
+                        <m:sSubSupPr>
+                          <m:ctrlPr>
+                            <a:rPr lang="ko-KR" altLang="ko-KR" i="1" smtClean="0">
+                              <a:latin typeface="Cambria Math"/>
+                            </a:rPr>
+                          </m:ctrlPr>
+                        </m:sSubSupPr>
+                        <m:e>
+                          <m:r>
+                            <m:rPr>
+                              <m:sty m:val="p"/>
+                            </m:rPr>
+                            <a:rPr lang="en-US" altLang="ko-KR" b="0" i="0" smtClean="0">
+                              <a:latin typeface="Cambria Math"/>
+                            </a:rPr>
+                            <m:t>W</m:t>
+                          </m:r>
+                        </m:e>
+                        <m:sub>
+                          <m:r>
+                            <a:rPr lang="en-US" altLang="ko-KR" b="0" i="1" smtClean="0">
+                              <a:latin typeface="Cambria Math"/>
+                            </a:rPr>
+                            <m:t>20</m:t>
+                          </m:r>
+                        </m:sub>
+                        <m:sup>
+                          <m:r>
+                            <a:rPr lang="en-US" altLang="ko-KR" b="0" i="1" smtClean="0">
+                              <a:latin typeface="Cambria Math"/>
+                            </a:rPr>
+                            <m:t>0</m:t>
+                          </m:r>
+                        </m:sup>
+                      </m:sSubSup>
+                    </m:oMath>
+                  </m:oMathPara>
+                </a14:m>
+                <a:endParaRPr lang="ko-KR" altLang="en-US" baseline="-25000" dirty="0"/>
+              </a:p>
+            </p:txBody>
+          </p:sp>
+        </mc:Choice>
+        <mc:Fallback xmlns="">
+          <p:sp>
+            <p:nvSpPr>
+              <p:cNvPr id="206" name="TextBox 205"/>
+              <p:cNvSpPr txBox="1">
+                <a:spLocks noRot="1" noChangeAspect="1" noMove="1" noResize="1" noEditPoints="1" noAdjustHandles="1" noChangeArrowheads="1" noChangeShapeType="1" noTextEdit="1"/>
+              </p:cNvSpPr>
+              <p:nvPr/>
+            </p:nvSpPr>
+            <p:spPr>
+              <a:xfrm>
+                <a:off x="1270478" y="2261737"/>
+                <a:ext cx="637226" cy="376513"/>
+              </a:xfrm>
+              <a:prstGeom prst="rect">
+                <a:avLst/>
+              </a:prstGeom>
+              <a:blipFill rotWithShape="1">
+                <a:blip r:embed="rId14"/>
+                <a:stretch>
+                  <a:fillRect b="-1613"/>
+                </a:stretch>
+              </a:blipFill>
+            </p:spPr>
+            <p:txBody>
+              <a:bodyPr/>
+              <a:lstStyle/>
+              <a:p>
+                <a:r>
+                  <a:rPr lang="ko-KR" altLang="en-US">
+                    <a:noFill/>
+                  </a:rPr>
+                  <a:t> </a:t>
+                </a:r>
+              </a:p>
+            </p:txBody>
+          </p:sp>
+        </mc:Fallback>
+      </mc:AlternateContent>
+      <mc:AlternateContent xmlns:mc="http://schemas.openxmlformats.org/markup-compatibility/2006" xmlns:a14="http://schemas.microsoft.com/office/drawing/2010/main">
+        <mc:Choice Requires="a14">
+          <p:sp>
+            <p:nvSpPr>
+              <p:cNvPr id="207" name="TextBox 206"/>
+              <p:cNvSpPr txBox="1"/>
+              <p:nvPr/>
+            </p:nvSpPr>
+            <p:spPr>
+              <a:xfrm>
+                <a:off x="1259632" y="1610138"/>
+                <a:ext cx="631903" cy="376513"/>
+              </a:xfrm>
+              <a:prstGeom prst="rect">
+                <a:avLst/>
+              </a:prstGeom>
+              <a:noFill/>
+            </p:spPr>
+            <p:txBody>
+              <a:bodyPr wrap="none" rtlCol="0">
+                <a:spAutoFit/>
+              </a:bodyPr>
+              <a:lstStyle/>
+              <a:p>
+                <a:pPr/>
+                <a14:m>
+                  <m:oMathPara xmlns:m="http://schemas.openxmlformats.org/officeDocument/2006/math">
+                    <m:oMathParaPr>
+                      <m:jc m:val="centerGroup"/>
+                    </m:oMathParaPr>
+                    <m:oMath xmlns:m="http://schemas.openxmlformats.org/officeDocument/2006/math">
+                      <m:sSubSup>
+                        <m:sSubSupPr>
+                          <m:ctrlPr>
+                            <a:rPr lang="ko-KR" altLang="ko-KR" i="1" smtClean="0">
+                              <a:latin typeface="Cambria Math"/>
+                            </a:rPr>
+                          </m:ctrlPr>
+                        </m:sSubSupPr>
+                        <m:e>
+                          <m:r>
+                            <m:rPr>
+                              <m:sty m:val="p"/>
+                            </m:rPr>
+                            <a:rPr lang="en-US" altLang="ko-KR" b="0" i="0" smtClean="0">
+                              <a:latin typeface="Cambria Math"/>
+                            </a:rPr>
+                            <m:t>W</m:t>
+                          </m:r>
+                        </m:e>
+                        <m:sub>
+                          <m:r>
+                            <a:rPr lang="en-US" altLang="ko-KR" b="0" i="1" smtClean="0">
+                              <a:latin typeface="Cambria Math"/>
+                            </a:rPr>
+                            <m:t>10</m:t>
+                          </m:r>
+                        </m:sub>
+                        <m:sup>
+                          <m:r>
+                            <a:rPr lang="en-US" altLang="ko-KR" b="0" i="1" smtClean="0">
+                              <a:latin typeface="Cambria Math"/>
+                            </a:rPr>
+                            <m:t>0</m:t>
+                          </m:r>
+                        </m:sup>
+                      </m:sSubSup>
+                    </m:oMath>
+                  </m:oMathPara>
+                </a14:m>
+                <a:endParaRPr lang="ko-KR" altLang="en-US" baseline="-25000" dirty="0"/>
+              </a:p>
+            </p:txBody>
+          </p:sp>
+        </mc:Choice>
+        <mc:Fallback xmlns="">
+          <p:sp>
+            <p:nvSpPr>
+              <p:cNvPr id="207" name="TextBox 206"/>
+              <p:cNvSpPr txBox="1">
+                <a:spLocks noRot="1" noChangeAspect="1" noMove="1" noResize="1" noEditPoints="1" noAdjustHandles="1" noChangeArrowheads="1" noChangeShapeType="1" noTextEdit="1"/>
+              </p:cNvSpPr>
+              <p:nvPr/>
+            </p:nvSpPr>
+            <p:spPr>
+              <a:xfrm>
+                <a:off x="1259632" y="1610138"/>
+                <a:ext cx="631903" cy="376513"/>
+              </a:xfrm>
+              <a:prstGeom prst="rect">
+                <a:avLst/>
+              </a:prstGeom>
+              <a:blipFill rotWithShape="1">
+                <a:blip r:embed="rId15"/>
+                <a:stretch>
+                  <a:fillRect b="-1613"/>
+                </a:stretch>
+              </a:blipFill>
+            </p:spPr>
+            <p:txBody>
+              <a:bodyPr/>
+              <a:lstStyle/>
+              <a:p>
+                <a:r>
+                  <a:rPr lang="ko-KR" altLang="en-US">
+                    <a:noFill/>
+                  </a:rPr>
+                  <a:t> </a:t>
+                </a:r>
+              </a:p>
+            </p:txBody>
+          </p:sp>
+        </mc:Fallback>
+      </mc:AlternateContent>
+      <mc:AlternateContent xmlns:mc="http://schemas.openxmlformats.org/markup-compatibility/2006" xmlns:a14="http://schemas.microsoft.com/office/drawing/2010/main">
+        <mc:Choice Requires="a14">
+          <p:sp>
+            <p:nvSpPr>
+              <p:cNvPr id="208" name="TextBox 207"/>
+              <p:cNvSpPr txBox="1"/>
+              <p:nvPr/>
+            </p:nvSpPr>
+            <p:spPr>
+              <a:xfrm>
+                <a:off x="1242653" y="1182587"/>
+                <a:ext cx="637226" cy="376513"/>
+              </a:xfrm>
+              <a:prstGeom prst="rect">
+                <a:avLst/>
+              </a:prstGeom>
+              <a:noFill/>
+            </p:spPr>
+            <p:txBody>
+              <a:bodyPr wrap="none" rtlCol="0">
+                <a:spAutoFit/>
+              </a:bodyPr>
+              <a:lstStyle/>
+              <a:p>
+                <a:pPr/>
+                <a14:m>
+                  <m:oMathPara xmlns:m="http://schemas.openxmlformats.org/officeDocument/2006/math">
+                    <m:oMathParaPr>
+                      <m:jc m:val="centerGroup"/>
+                    </m:oMathParaPr>
+                    <m:oMath xmlns:m="http://schemas.openxmlformats.org/officeDocument/2006/math">
+                      <m:sSubSup>
+                        <m:sSubSupPr>
+                          <m:ctrlPr>
+                            <a:rPr lang="ko-KR" altLang="ko-KR" i="1" smtClean="0">
+                              <a:latin typeface="Cambria Math"/>
+                            </a:rPr>
+                          </m:ctrlPr>
+                        </m:sSubSupPr>
+                        <m:e>
+                          <m:r>
+                            <m:rPr>
+                              <m:sty m:val="p"/>
+                            </m:rPr>
+                            <a:rPr lang="en-US" altLang="ko-KR" b="0" i="0" smtClean="0">
+                              <a:latin typeface="Cambria Math"/>
+                            </a:rPr>
+                            <m:t>W</m:t>
+                          </m:r>
+                        </m:e>
+                        <m:sub>
+                          <m:r>
+                            <a:rPr lang="en-US" altLang="ko-KR" b="0" i="1" smtClean="0">
+                              <a:latin typeface="Cambria Math"/>
+                            </a:rPr>
+                            <m:t>00</m:t>
+                          </m:r>
+                        </m:sub>
+                        <m:sup>
+                          <m:r>
+                            <a:rPr lang="en-US" altLang="ko-KR" b="0" i="1" smtClean="0">
+                              <a:latin typeface="Cambria Math"/>
+                            </a:rPr>
+                            <m:t>0</m:t>
+                          </m:r>
+                        </m:sup>
+                      </m:sSubSup>
+                    </m:oMath>
+                  </m:oMathPara>
+                </a14:m>
+                <a:endParaRPr lang="ko-KR" altLang="en-US" baseline="-25000" dirty="0"/>
+              </a:p>
+            </p:txBody>
+          </p:sp>
+        </mc:Choice>
+        <mc:Fallback xmlns="">
+          <p:sp>
+            <p:nvSpPr>
+              <p:cNvPr id="208" name="TextBox 207"/>
+              <p:cNvSpPr txBox="1">
+                <a:spLocks noRot="1" noChangeAspect="1" noMove="1" noResize="1" noEditPoints="1" noAdjustHandles="1" noChangeArrowheads="1" noChangeShapeType="1" noTextEdit="1"/>
+              </p:cNvSpPr>
+              <p:nvPr/>
+            </p:nvSpPr>
+            <p:spPr>
+              <a:xfrm>
+                <a:off x="1242653" y="1182587"/>
+                <a:ext cx="637226" cy="376513"/>
+              </a:xfrm>
+              <a:prstGeom prst="rect">
+                <a:avLst/>
+              </a:prstGeom>
+              <a:blipFill rotWithShape="1">
+                <a:blip r:embed="rId16"/>
+                <a:stretch>
+                  <a:fillRect b="-1613"/>
+                </a:stretch>
+              </a:blipFill>
+            </p:spPr>
+            <p:txBody>
+              <a:bodyPr/>
+              <a:lstStyle/>
+              <a:p>
+                <a:r>
+                  <a:rPr lang="ko-KR" altLang="en-US">
+                    <a:noFill/>
+                  </a:rPr>
+                  <a:t> </a:t>
+                </a:r>
+              </a:p>
+            </p:txBody>
+          </p:sp>
+        </mc:Fallback>
+      </mc:AlternateContent>
+      <mc:AlternateContent xmlns:mc="http://schemas.openxmlformats.org/markup-compatibility/2006" xmlns:a14="http://schemas.microsoft.com/office/drawing/2010/main">
+        <mc:Choice Requires="a14">
+          <p:sp>
+            <p:nvSpPr>
+              <p:cNvPr id="209" name="TextBox 208"/>
+              <p:cNvSpPr txBox="1"/>
+              <p:nvPr/>
+            </p:nvSpPr>
+            <p:spPr>
+              <a:xfrm>
+                <a:off x="1259632" y="781306"/>
+                <a:ext cx="585288" cy="417358"/>
+              </a:xfrm>
+              <a:prstGeom prst="rect">
+                <a:avLst/>
+              </a:prstGeom>
+              <a:noFill/>
+            </p:spPr>
+            <p:txBody>
+              <a:bodyPr wrap="none" rtlCol="0">
+                <a:spAutoFit/>
+              </a:bodyPr>
+              <a:lstStyle/>
+              <a:p>
+                <a:pPr/>
+                <a14:m>
+                  <m:oMathPara xmlns:m="http://schemas.openxmlformats.org/officeDocument/2006/math">
+                    <m:oMathParaPr>
+                      <m:jc m:val="centerGroup"/>
+                    </m:oMathParaPr>
+                    <m:oMath xmlns:m="http://schemas.openxmlformats.org/officeDocument/2006/math">
+                      <m:sSubSup>
+                        <m:sSubSupPr>
+                          <m:ctrlPr>
+                            <a:rPr lang="ko-KR" altLang="ko-KR" i="1" smtClean="0">
+                              <a:latin typeface="Cambria Math"/>
+                            </a:rPr>
+                          </m:ctrlPr>
+                        </m:sSubSupPr>
+                        <m:e>
+                          <m:r>
+                            <m:rPr>
+                              <m:sty m:val="p"/>
+                            </m:rPr>
+                            <a:rPr lang="en-US" altLang="ko-KR" b="0" i="0" smtClean="0">
+                              <a:latin typeface="Cambria Math"/>
+                            </a:rPr>
+                            <m:t>W</m:t>
+                          </m:r>
+                        </m:e>
+                        <m:sub>
+                          <m:r>
+                            <a:rPr lang="en-US" altLang="ko-KR" b="0" i="1" smtClean="0">
+                              <a:latin typeface="Cambria Math"/>
+                            </a:rPr>
+                            <m:t>𝑖𝑗</m:t>
+                          </m:r>
+                        </m:sub>
+                        <m:sup>
+                          <m:r>
+                            <a:rPr lang="en-US" altLang="ko-KR" b="0" i="1" smtClean="0">
+                              <a:latin typeface="Cambria Math"/>
+                            </a:rPr>
+                            <m:t>0</m:t>
+                          </m:r>
+                        </m:sup>
+                      </m:sSubSup>
+                    </m:oMath>
+                  </m:oMathPara>
+                </a14:m>
+                <a:endParaRPr lang="ko-KR" altLang="en-US" baseline="-25000" dirty="0"/>
+              </a:p>
+            </p:txBody>
+          </p:sp>
+        </mc:Choice>
+        <mc:Fallback xmlns="">
+          <p:sp>
+            <p:nvSpPr>
+              <p:cNvPr id="209" name="TextBox 208"/>
+              <p:cNvSpPr txBox="1">
+                <a:spLocks noRot="1" noChangeAspect="1" noMove="1" noResize="1" noEditPoints="1" noAdjustHandles="1" noChangeArrowheads="1" noChangeShapeType="1" noTextEdit="1"/>
+              </p:cNvSpPr>
+              <p:nvPr/>
+            </p:nvSpPr>
+            <p:spPr>
+              <a:xfrm>
+                <a:off x="1259632" y="781306"/>
+                <a:ext cx="585288" cy="417358"/>
+              </a:xfrm>
+              <a:prstGeom prst="rect">
+                <a:avLst/>
+              </a:prstGeom>
+              <a:blipFill rotWithShape="1">
+                <a:blip r:embed="rId17"/>
+                <a:stretch>
+                  <a:fillRect b="-5797"/>
+                </a:stretch>
+              </a:blipFill>
+            </p:spPr>
+            <p:txBody>
+              <a:bodyPr/>
+              <a:lstStyle/>
+              <a:p>
+                <a:r>
+                  <a:rPr lang="ko-KR" altLang="en-US">
+                    <a:noFill/>
+                  </a:rPr>
+                  <a:t> </a:t>
+                </a:r>
+              </a:p>
+            </p:txBody>
+          </p:sp>
+        </mc:Fallback>
+      </mc:AlternateContent>
+      <mc:AlternateContent xmlns:mc="http://schemas.openxmlformats.org/markup-compatibility/2006" xmlns:a14="http://schemas.microsoft.com/office/drawing/2010/main">
+        <mc:Choice Requires="a14">
+          <p:sp>
+            <p:nvSpPr>
+              <p:cNvPr id="211" name="TextBox 210"/>
+              <p:cNvSpPr txBox="1"/>
+              <p:nvPr/>
+            </p:nvSpPr>
+            <p:spPr>
+              <a:xfrm>
+                <a:off x="4188079" y="2771614"/>
+                <a:ext cx="735008" cy="374783"/>
+              </a:xfrm>
+              <a:prstGeom prst="rect">
+                <a:avLst/>
+              </a:prstGeom>
+              <a:noFill/>
+            </p:spPr>
+            <p:txBody>
+              <a:bodyPr wrap="none" rtlCol="0">
+                <a:spAutoFit/>
+              </a:bodyPr>
+              <a:lstStyle/>
+              <a:p>
+                <a:pPr/>
+                <a14:m>
+                  <m:oMathPara xmlns:m="http://schemas.openxmlformats.org/officeDocument/2006/math">
+                    <m:oMathParaPr>
+                      <m:jc m:val="centerGroup"/>
+                    </m:oMathParaPr>
+                    <m:oMath xmlns:m="http://schemas.openxmlformats.org/officeDocument/2006/math">
+                      <m:sSubSup>
+                        <m:sSubSupPr>
+                          <m:ctrlPr>
+                            <a:rPr lang="ko-KR" altLang="ko-KR" i="1" smtClean="0">
+                              <a:latin typeface="Cambria Math"/>
+                            </a:rPr>
+                          </m:ctrlPr>
+                        </m:sSubSupPr>
+                        <m:e>
+                          <m:r>
+                            <m:rPr>
+                              <m:sty m:val="p"/>
+                            </m:rPr>
+                            <a:rPr lang="en-US" altLang="ko-KR" b="0" i="0" smtClean="0">
+                              <a:latin typeface="Cambria Math"/>
+                            </a:rPr>
+                            <m:t>W</m:t>
+                          </m:r>
+                        </m:e>
+                        <m:sub>
+                          <m:r>
+                            <a:rPr lang="en-US" altLang="ko-KR" b="0" i="1" smtClean="0">
+                              <a:latin typeface="Cambria Math"/>
+                            </a:rPr>
+                            <m:t>630</m:t>
+                          </m:r>
+                        </m:sub>
+                        <m:sup>
+                          <m:r>
+                            <a:rPr lang="en-US" altLang="ko-KR" b="0" i="1" smtClean="0">
+                              <a:latin typeface="Cambria Math"/>
+                            </a:rPr>
+                            <m:t>2</m:t>
+                          </m:r>
+                        </m:sup>
+                      </m:sSubSup>
+                    </m:oMath>
+                  </m:oMathPara>
+                </a14:m>
+                <a:endParaRPr lang="ko-KR" altLang="en-US" baseline="-25000" dirty="0"/>
+              </a:p>
+            </p:txBody>
+          </p:sp>
+        </mc:Choice>
+        <mc:Fallback xmlns="">
+          <p:sp>
+            <p:nvSpPr>
+              <p:cNvPr id="211" name="TextBox 210"/>
+              <p:cNvSpPr txBox="1">
+                <a:spLocks noRot="1" noChangeAspect="1" noMove="1" noResize="1" noEditPoints="1" noAdjustHandles="1" noChangeArrowheads="1" noChangeShapeType="1" noTextEdit="1"/>
+              </p:cNvSpPr>
+              <p:nvPr/>
+            </p:nvSpPr>
+            <p:spPr>
+              <a:xfrm>
+                <a:off x="4188079" y="2771614"/>
+                <a:ext cx="735008" cy="374783"/>
+              </a:xfrm>
+              <a:prstGeom prst="rect">
+                <a:avLst/>
+              </a:prstGeom>
+              <a:blipFill rotWithShape="1">
+                <a:blip r:embed="rId18"/>
+                <a:stretch>
+                  <a:fillRect b="-3279"/>
+                </a:stretch>
+              </a:blipFill>
+            </p:spPr>
+            <p:txBody>
+              <a:bodyPr/>
+              <a:lstStyle/>
+              <a:p>
+                <a:r>
+                  <a:rPr lang="ko-KR" altLang="en-US">
+                    <a:noFill/>
+                  </a:rPr>
+                  <a:t> </a:t>
+                </a:r>
+              </a:p>
+            </p:txBody>
+          </p:sp>
+        </mc:Fallback>
+      </mc:AlternateContent>
+      <mc:AlternateContent xmlns:mc="http://schemas.openxmlformats.org/markup-compatibility/2006" xmlns:a14="http://schemas.microsoft.com/office/drawing/2010/main">
+        <mc:Choice Requires="a14">
+          <p:sp>
+            <p:nvSpPr>
+              <p:cNvPr id="212" name="TextBox 211"/>
+              <p:cNvSpPr txBox="1"/>
+              <p:nvPr/>
+            </p:nvSpPr>
+            <p:spPr>
+              <a:xfrm>
+                <a:off x="4172100" y="2231747"/>
+                <a:ext cx="597471" cy="415050"/>
+              </a:xfrm>
+              <a:prstGeom prst="rect">
+                <a:avLst/>
+              </a:prstGeom>
+              <a:noFill/>
+            </p:spPr>
+            <p:txBody>
+              <a:bodyPr wrap="none" rtlCol="0">
+                <a:spAutoFit/>
+              </a:bodyPr>
+              <a:lstStyle/>
+              <a:p>
+                <a:pPr/>
+                <a14:m>
+                  <m:oMathPara xmlns:m="http://schemas.openxmlformats.org/officeDocument/2006/math">
+                    <m:oMathParaPr>
+                      <m:jc m:val="centerGroup"/>
+                    </m:oMathParaPr>
+                    <m:oMath xmlns:m="http://schemas.openxmlformats.org/officeDocument/2006/math">
+                      <m:sSubSup>
+                        <m:sSubSupPr>
+                          <m:ctrlPr>
+                            <a:rPr lang="ko-KR" altLang="ko-KR" i="1" smtClean="0">
+                              <a:latin typeface="Cambria Math"/>
+                            </a:rPr>
+                          </m:ctrlPr>
+                        </m:sSubSupPr>
+                        <m:e>
+                          <m:r>
+                            <m:rPr>
+                              <m:sty m:val="p"/>
+                            </m:rPr>
+                            <a:rPr lang="en-US" altLang="ko-KR" b="0" i="0" smtClean="0">
+                              <a:latin typeface="Cambria Math"/>
+                            </a:rPr>
+                            <m:t>W</m:t>
+                          </m:r>
+                        </m:e>
+                        <m:sub>
+                          <m:r>
+                            <a:rPr lang="en-US" altLang="ko-KR" b="0" i="1" smtClean="0">
+                              <a:latin typeface="Cambria Math"/>
+                            </a:rPr>
+                            <m:t>𝑗</m:t>
+                          </m:r>
+                          <m:r>
+                            <a:rPr lang="en-US" altLang="ko-KR" b="0" i="1" smtClean="0">
+                              <a:latin typeface="Cambria Math"/>
+                            </a:rPr>
+                            <m:t>0</m:t>
+                          </m:r>
+                        </m:sub>
+                        <m:sup>
+                          <m:r>
+                            <a:rPr lang="en-US" altLang="ko-KR" b="0" i="1" smtClean="0">
+                              <a:latin typeface="Cambria Math"/>
+                            </a:rPr>
+                            <m:t>1</m:t>
+                          </m:r>
+                        </m:sup>
+                      </m:sSubSup>
+                    </m:oMath>
+                  </m:oMathPara>
+                </a14:m>
+                <a:endParaRPr lang="ko-KR" altLang="en-US" baseline="-25000" dirty="0"/>
+              </a:p>
+            </p:txBody>
+          </p:sp>
+        </mc:Choice>
+        <mc:Fallback xmlns="">
+          <p:sp>
+            <p:nvSpPr>
+              <p:cNvPr id="212" name="TextBox 211"/>
+              <p:cNvSpPr txBox="1">
+                <a:spLocks noRot="1" noChangeAspect="1" noMove="1" noResize="1" noEditPoints="1" noAdjustHandles="1" noChangeArrowheads="1" noChangeShapeType="1" noTextEdit="1"/>
+              </p:cNvSpPr>
+              <p:nvPr/>
+            </p:nvSpPr>
+            <p:spPr>
+              <a:xfrm>
+                <a:off x="4172100" y="2231747"/>
+                <a:ext cx="597471" cy="415050"/>
+              </a:xfrm>
+              <a:prstGeom prst="rect">
+                <a:avLst/>
+              </a:prstGeom>
+              <a:blipFill rotWithShape="1">
+                <a:blip r:embed="rId19"/>
+                <a:stretch>
+                  <a:fillRect b="-7353"/>
+                </a:stretch>
+              </a:blipFill>
+            </p:spPr>
+            <p:txBody>
+              <a:bodyPr/>
+              <a:lstStyle/>
+              <a:p>
+                <a:r>
+                  <a:rPr lang="ko-KR" altLang="en-US">
+                    <a:noFill/>
+                  </a:rPr>
+                  <a:t> </a:t>
+                </a:r>
+              </a:p>
+            </p:txBody>
+          </p:sp>
+        </mc:Fallback>
+      </mc:AlternateContent>
+      <mc:AlternateContent xmlns:mc="http://schemas.openxmlformats.org/markup-compatibility/2006" xmlns:a14="http://schemas.microsoft.com/office/drawing/2010/main">
+        <mc:Choice Requires="a14">
+          <p:sp>
+            <p:nvSpPr>
+              <p:cNvPr id="213" name="TextBox 212"/>
+              <p:cNvSpPr txBox="1"/>
+              <p:nvPr/>
+            </p:nvSpPr>
+            <p:spPr>
+              <a:xfrm>
+                <a:off x="4190304" y="1580148"/>
+                <a:ext cx="631904" cy="374205"/>
+              </a:xfrm>
+              <a:prstGeom prst="rect">
+                <a:avLst/>
+              </a:prstGeom>
+              <a:noFill/>
+            </p:spPr>
+            <p:txBody>
+              <a:bodyPr wrap="none" rtlCol="0">
+                <a:spAutoFit/>
+              </a:bodyPr>
+              <a:lstStyle/>
+              <a:p>
+                <a:pPr/>
+                <a14:m>
+                  <m:oMathPara xmlns:m="http://schemas.openxmlformats.org/officeDocument/2006/math">
+                    <m:oMathParaPr>
+                      <m:jc m:val="centerGroup"/>
+                    </m:oMathParaPr>
+                    <m:oMath xmlns:m="http://schemas.openxmlformats.org/officeDocument/2006/math">
+                      <m:sSubSup>
+                        <m:sSubSupPr>
+                          <m:ctrlPr>
+                            <a:rPr lang="ko-KR" altLang="ko-KR" i="1" smtClean="0">
+                              <a:latin typeface="Cambria Math"/>
+                            </a:rPr>
+                          </m:ctrlPr>
+                        </m:sSubSupPr>
+                        <m:e>
+                          <m:r>
+                            <m:rPr>
+                              <m:sty m:val="p"/>
+                            </m:rPr>
+                            <a:rPr lang="en-US" altLang="ko-KR" b="0" i="0" smtClean="0">
+                              <a:latin typeface="Cambria Math"/>
+                            </a:rPr>
+                            <m:t>W</m:t>
+                          </m:r>
+                        </m:e>
+                        <m:sub>
+                          <m:r>
+                            <a:rPr lang="en-US" altLang="ko-KR" b="0" i="1" smtClean="0">
+                              <a:latin typeface="Cambria Math"/>
+                            </a:rPr>
+                            <m:t>10</m:t>
+                          </m:r>
+                        </m:sub>
+                        <m:sup>
+                          <m:r>
+                            <a:rPr lang="en-US" altLang="ko-KR" b="0" i="1" smtClean="0">
+                              <a:latin typeface="Cambria Math"/>
+                            </a:rPr>
+                            <m:t>1</m:t>
+                          </m:r>
+                        </m:sup>
+                      </m:sSubSup>
+                    </m:oMath>
+                  </m:oMathPara>
+                </a14:m>
+                <a:endParaRPr lang="ko-KR" altLang="en-US" baseline="-25000" dirty="0"/>
+              </a:p>
+            </p:txBody>
+          </p:sp>
+        </mc:Choice>
+        <mc:Fallback xmlns="">
+          <p:sp>
+            <p:nvSpPr>
+              <p:cNvPr id="213" name="TextBox 212"/>
+              <p:cNvSpPr txBox="1">
+                <a:spLocks noRot="1" noChangeAspect="1" noMove="1" noResize="1" noEditPoints="1" noAdjustHandles="1" noChangeArrowheads="1" noChangeShapeType="1" noTextEdit="1"/>
+              </p:cNvSpPr>
+              <p:nvPr/>
+            </p:nvSpPr>
+            <p:spPr>
+              <a:xfrm>
+                <a:off x="4190304" y="1580148"/>
+                <a:ext cx="631904" cy="374205"/>
+              </a:xfrm>
+              <a:prstGeom prst="rect">
+                <a:avLst/>
+              </a:prstGeom>
+              <a:blipFill rotWithShape="1">
+                <a:blip r:embed="rId20"/>
+                <a:stretch>
+                  <a:fillRect b="-1613"/>
+                </a:stretch>
+              </a:blipFill>
+            </p:spPr>
+            <p:txBody>
+              <a:bodyPr/>
+              <a:lstStyle/>
+              <a:p>
+                <a:r>
+                  <a:rPr lang="ko-KR" altLang="en-US">
+                    <a:noFill/>
+                  </a:rPr>
+                  <a:t> </a:t>
+                </a:r>
+              </a:p>
+            </p:txBody>
+          </p:sp>
+        </mc:Fallback>
+      </mc:AlternateContent>
+      <mc:AlternateContent xmlns:mc="http://schemas.openxmlformats.org/markup-compatibility/2006" xmlns:a14="http://schemas.microsoft.com/office/drawing/2010/main">
+        <mc:Choice Requires="a14">
+          <p:sp>
+            <p:nvSpPr>
+              <p:cNvPr id="214" name="TextBox 213"/>
+              <p:cNvSpPr txBox="1"/>
+              <p:nvPr/>
+            </p:nvSpPr>
+            <p:spPr>
+              <a:xfrm>
+                <a:off x="4250784" y="1152597"/>
+                <a:ext cx="661591" cy="374783"/>
+              </a:xfrm>
+              <a:prstGeom prst="rect">
+                <a:avLst/>
+              </a:prstGeom>
+              <a:noFill/>
+            </p:spPr>
+            <p:txBody>
+              <a:bodyPr wrap="none" rtlCol="0">
+                <a:spAutoFit/>
+              </a:bodyPr>
+              <a:lstStyle/>
+              <a:p>
+                <a:pPr/>
+                <a14:m>
+                  <m:oMathPara xmlns:m="http://schemas.openxmlformats.org/officeDocument/2006/math">
+                    <m:oMathParaPr>
+                      <m:jc m:val="centerGroup"/>
+                    </m:oMathParaPr>
+                    <m:oMath xmlns:m="http://schemas.openxmlformats.org/officeDocument/2006/math">
+                      <m:sSubSup>
+                        <m:sSubSupPr>
+                          <m:ctrlPr>
+                            <a:rPr lang="ko-KR" altLang="ko-KR" i="1" smtClean="0">
+                              <a:latin typeface="Cambria Math"/>
+                            </a:rPr>
+                          </m:ctrlPr>
+                        </m:sSubSupPr>
+                        <m:e>
+                          <m:r>
+                            <m:rPr>
+                              <m:sty m:val="p"/>
+                            </m:rPr>
+                            <a:rPr lang="en-US" altLang="ko-KR" b="0" i="0" smtClean="0">
+                              <a:latin typeface="Cambria Math"/>
+                            </a:rPr>
+                            <m:t>W</m:t>
+                          </m:r>
+                        </m:e>
+                        <m:sub>
+                          <m:r>
+                            <a:rPr lang="en-US" altLang="ko-KR" b="0" i="1" smtClean="0">
+                              <a:latin typeface="Cambria Math"/>
+                            </a:rPr>
+                            <m:t>00</m:t>
+                          </m:r>
+                        </m:sub>
+                        <m:sup>
+                          <m:r>
+                            <a:rPr lang="en-US" altLang="ko-KR" b="0" i="1" smtClean="0">
+                              <a:latin typeface="Cambria Math"/>
+                            </a:rPr>
+                            <m:t>1</m:t>
+                          </m:r>
+                        </m:sup>
+                      </m:sSubSup>
+                    </m:oMath>
+                  </m:oMathPara>
+                </a14:m>
+                <a:endParaRPr lang="ko-KR" altLang="en-US" baseline="-25000" dirty="0"/>
+              </a:p>
+            </p:txBody>
+          </p:sp>
+        </mc:Choice>
+        <mc:Fallback xmlns="">
+          <p:sp>
+            <p:nvSpPr>
+              <p:cNvPr id="214" name="TextBox 213"/>
+              <p:cNvSpPr txBox="1">
+                <a:spLocks noRot="1" noChangeAspect="1" noMove="1" noResize="1" noEditPoints="1" noAdjustHandles="1" noChangeArrowheads="1" noChangeShapeType="1" noTextEdit="1"/>
+              </p:cNvSpPr>
+              <p:nvPr/>
+            </p:nvSpPr>
+            <p:spPr>
+              <a:xfrm>
+                <a:off x="4250784" y="1152597"/>
+                <a:ext cx="661591" cy="374783"/>
+              </a:xfrm>
+              <a:prstGeom prst="rect">
+                <a:avLst/>
+              </a:prstGeom>
+              <a:blipFill rotWithShape="1">
+                <a:blip r:embed="rId21"/>
+                <a:stretch>
+                  <a:fillRect b="-1613"/>
+                </a:stretch>
+              </a:blipFill>
+            </p:spPr>
+            <p:txBody>
+              <a:bodyPr/>
+              <a:lstStyle/>
+              <a:p>
+                <a:r>
+                  <a:rPr lang="ko-KR" altLang="en-US">
+                    <a:noFill/>
+                  </a:rPr>
+                  <a:t> </a:t>
+                </a:r>
+              </a:p>
+            </p:txBody>
+          </p:sp>
+        </mc:Fallback>
+      </mc:AlternateContent>
+      <mc:AlternateContent xmlns:mc="http://schemas.openxmlformats.org/markup-compatibility/2006" xmlns:a14="http://schemas.microsoft.com/office/drawing/2010/main">
+        <mc:Choice Requires="a14">
+          <p:sp>
+            <p:nvSpPr>
+              <p:cNvPr id="215" name="TextBox 214"/>
+              <p:cNvSpPr txBox="1"/>
+              <p:nvPr/>
+            </p:nvSpPr>
+            <p:spPr>
+              <a:xfrm>
+                <a:off x="4267763" y="751316"/>
+                <a:ext cx="607218" cy="415050"/>
+              </a:xfrm>
+              <a:prstGeom prst="rect">
+                <a:avLst/>
+              </a:prstGeom>
+              <a:noFill/>
+            </p:spPr>
+            <p:txBody>
+              <a:bodyPr wrap="none" rtlCol="0">
+                <a:spAutoFit/>
+              </a:bodyPr>
+              <a:lstStyle/>
+              <a:p>
+                <a:pPr/>
+                <a14:m>
+                  <m:oMathPara xmlns:m="http://schemas.openxmlformats.org/officeDocument/2006/math">
+                    <m:oMathParaPr>
+                      <m:jc m:val="centerGroup"/>
+                    </m:oMathParaPr>
+                    <m:oMath xmlns:m="http://schemas.openxmlformats.org/officeDocument/2006/math">
+                      <m:sSubSup>
+                        <m:sSubSupPr>
+                          <m:ctrlPr>
+                            <a:rPr lang="ko-KR" altLang="ko-KR" i="1" smtClean="0">
+                              <a:latin typeface="Cambria Math"/>
+                            </a:rPr>
+                          </m:ctrlPr>
+                        </m:sSubSupPr>
+                        <m:e>
+                          <m:r>
+                            <m:rPr>
+                              <m:sty m:val="p"/>
+                            </m:rPr>
+                            <a:rPr lang="en-US" altLang="ko-KR" b="0" i="0" smtClean="0">
+                              <a:latin typeface="Cambria Math"/>
+                            </a:rPr>
+                            <m:t>W</m:t>
+                          </m:r>
+                        </m:e>
+                        <m:sub>
+                          <m:r>
+                            <a:rPr lang="en-US" altLang="ko-KR" b="0" i="1" smtClean="0">
+                              <a:latin typeface="Cambria Math"/>
+                            </a:rPr>
+                            <m:t>𝑗𝑘</m:t>
+                          </m:r>
+                        </m:sub>
+                        <m:sup>
+                          <m:r>
+                            <a:rPr lang="en-US" altLang="ko-KR" b="0" i="1" smtClean="0">
+                              <a:latin typeface="Cambria Math"/>
+                            </a:rPr>
+                            <m:t>1</m:t>
+                          </m:r>
+                        </m:sup>
+                      </m:sSubSup>
+                    </m:oMath>
+                  </m:oMathPara>
+                </a14:m>
+                <a:endParaRPr lang="ko-KR" altLang="en-US" baseline="-25000" dirty="0"/>
+              </a:p>
+            </p:txBody>
+          </p:sp>
+        </mc:Choice>
+        <mc:Fallback xmlns="">
+          <p:sp>
+            <p:nvSpPr>
+              <p:cNvPr id="215" name="TextBox 214"/>
+              <p:cNvSpPr txBox="1">
+                <a:spLocks noRot="1" noChangeAspect="1" noMove="1" noResize="1" noEditPoints="1" noAdjustHandles="1" noChangeArrowheads="1" noChangeShapeType="1" noTextEdit="1"/>
+              </p:cNvSpPr>
+              <p:nvPr/>
+            </p:nvSpPr>
+            <p:spPr>
+              <a:xfrm>
+                <a:off x="4267763" y="751316"/>
+                <a:ext cx="607218" cy="415050"/>
+              </a:xfrm>
+              <a:prstGeom prst="rect">
+                <a:avLst/>
+              </a:prstGeom>
+              <a:blipFill rotWithShape="1">
+                <a:blip r:embed="rId22"/>
+                <a:stretch>
+                  <a:fillRect b="-7353"/>
+                </a:stretch>
+              </a:blipFill>
+            </p:spPr>
+            <p:txBody>
+              <a:bodyPr/>
+              <a:lstStyle/>
+              <a:p>
+                <a:r>
+                  <a:rPr lang="ko-KR" altLang="en-US">
+                    <a:noFill/>
+                  </a:rPr>
+                  <a:t> </a:t>
+                </a:r>
+              </a:p>
+            </p:txBody>
+          </p:sp>
+        </mc:Fallback>
+      </mc:AlternateContent>
+      <mc:AlternateContent xmlns:mc="http://schemas.openxmlformats.org/markup-compatibility/2006" xmlns:a14="http://schemas.microsoft.com/office/drawing/2010/main">
+        <mc:Choice Requires="a14">
+          <p:sp>
+            <p:nvSpPr>
+              <p:cNvPr id="216" name="TextBox 215"/>
+              <p:cNvSpPr txBox="1"/>
+              <p:nvPr/>
+            </p:nvSpPr>
+            <p:spPr>
+              <a:xfrm>
+                <a:off x="4946572" y="2389450"/>
+                <a:ext cx="472309" cy="371961"/>
+              </a:xfrm>
+              <a:prstGeom prst="rect">
+                <a:avLst/>
+              </a:prstGeom>
+              <a:noFill/>
+            </p:spPr>
+            <p:txBody>
+              <a:bodyPr wrap="none" rtlCol="0">
+                <a:spAutoFit/>
+              </a:bodyPr>
+              <a:lstStyle/>
+              <a:p>
+                <a:pPr/>
+                <a14:m>
+                  <m:oMathPara xmlns:m="http://schemas.openxmlformats.org/officeDocument/2006/math">
+                    <m:oMathParaPr>
+                      <m:jc m:val="centerGroup"/>
+                    </m:oMathParaPr>
+                    <m:oMath xmlns:m="http://schemas.openxmlformats.org/officeDocument/2006/math">
+                      <m:sSubSup>
+                        <m:sSubSupPr>
+                          <m:ctrlPr>
+                            <a:rPr lang="ko-KR" altLang="ko-KR" i="1" smtClean="0">
+                              <a:latin typeface="Cambria Math"/>
+                            </a:rPr>
+                          </m:ctrlPr>
+                        </m:sSubSupPr>
+                        <m:e>
+                          <m:r>
+                            <m:rPr>
+                              <m:sty m:val="p"/>
+                            </m:rPr>
+                            <a:rPr lang="en-US" altLang="ko-KR">
+                              <a:latin typeface="Cambria Math"/>
+                            </a:rPr>
+                            <m:t>Z</m:t>
+                          </m:r>
+                        </m:e>
+                        <m:sub>
+                          <m:r>
+                            <a:rPr lang="en-US" altLang="ko-KR" b="0" i="1" smtClean="0">
+                              <a:latin typeface="Cambria Math"/>
+                            </a:rPr>
+                            <m:t>1</m:t>
+                          </m:r>
+                        </m:sub>
+                        <m:sup>
+                          <m:r>
+                            <a:rPr lang="en-US" altLang="ko-KR" b="0" i="1" smtClean="0">
+                              <a:latin typeface="Cambria Math"/>
+                            </a:rPr>
+                            <m:t>1</m:t>
+                          </m:r>
+                        </m:sup>
+                      </m:sSubSup>
+                    </m:oMath>
+                  </m:oMathPara>
+                </a14:m>
+                <a:endParaRPr lang="ko-KR" altLang="en-US" baseline="-25000" dirty="0"/>
+              </a:p>
+            </p:txBody>
+          </p:sp>
+        </mc:Choice>
+        <mc:Fallback xmlns="">
+          <p:sp>
+            <p:nvSpPr>
+              <p:cNvPr id="216" name="TextBox 215"/>
+              <p:cNvSpPr txBox="1">
+                <a:spLocks noRot="1" noChangeAspect="1" noMove="1" noResize="1" noEditPoints="1" noAdjustHandles="1" noChangeArrowheads="1" noChangeShapeType="1" noTextEdit="1"/>
+              </p:cNvSpPr>
+              <p:nvPr/>
+            </p:nvSpPr>
+            <p:spPr>
+              <a:xfrm>
+                <a:off x="4946572" y="2389450"/>
+                <a:ext cx="472309" cy="371961"/>
+              </a:xfrm>
+              <a:prstGeom prst="rect">
+                <a:avLst/>
+              </a:prstGeom>
+              <a:blipFill rotWithShape="1">
+                <a:blip r:embed="rId23"/>
+                <a:stretch>
+                  <a:fillRect b="-3279"/>
+                </a:stretch>
+              </a:blipFill>
+            </p:spPr>
+            <p:txBody>
+              <a:bodyPr/>
+              <a:lstStyle/>
+              <a:p>
+                <a:r>
+                  <a:rPr lang="ko-KR" altLang="en-US">
+                    <a:noFill/>
+                  </a:rPr>
+                  <a:t> </a:t>
+                </a:r>
+              </a:p>
+            </p:txBody>
+          </p:sp>
+        </mc:Fallback>
+      </mc:AlternateContent>
+      <mc:AlternateContent xmlns:mc="http://schemas.openxmlformats.org/markup-compatibility/2006" xmlns:a14="http://schemas.microsoft.com/office/drawing/2010/main">
+        <mc:Choice Requires="a14">
+          <p:sp>
+            <p:nvSpPr>
+              <p:cNvPr id="217" name="TextBox 216"/>
+              <p:cNvSpPr txBox="1"/>
+              <p:nvPr/>
+            </p:nvSpPr>
+            <p:spPr>
+              <a:xfrm>
+                <a:off x="4915152" y="764704"/>
+                <a:ext cx="479683" cy="379719"/>
+              </a:xfrm>
+              <a:prstGeom prst="rect">
+                <a:avLst/>
+              </a:prstGeom>
+              <a:noFill/>
+            </p:spPr>
+            <p:txBody>
+              <a:bodyPr wrap="none" rtlCol="0">
+                <a:spAutoFit/>
+              </a:bodyPr>
+              <a:lstStyle/>
+              <a:p>
+                <a:pPr/>
+                <a14:m>
+                  <m:oMathPara xmlns:m="http://schemas.openxmlformats.org/officeDocument/2006/math">
+                    <m:oMathParaPr>
+                      <m:jc m:val="centerGroup"/>
+                    </m:oMathParaPr>
+                    <m:oMath xmlns:m="http://schemas.openxmlformats.org/officeDocument/2006/math">
+                      <m:sSubSup>
+                        <m:sSubSupPr>
+                          <m:ctrlPr>
+                            <a:rPr lang="ko-KR" altLang="ko-KR" i="1" smtClean="0">
+                              <a:latin typeface="Cambria Math"/>
+                            </a:rPr>
+                          </m:ctrlPr>
+                        </m:sSubSupPr>
+                        <m:e>
+                          <m:r>
+                            <m:rPr>
+                              <m:sty m:val="p"/>
+                            </m:rPr>
+                            <a:rPr lang="en-US" altLang="ko-KR">
+                              <a:latin typeface="Cambria Math"/>
+                            </a:rPr>
+                            <m:t>Z</m:t>
+                          </m:r>
+                        </m:e>
+                        <m:sub>
+                          <m:r>
+                            <a:rPr lang="en-US" altLang="ko-KR" b="0" i="1" smtClean="0">
+                              <a:latin typeface="Cambria Math"/>
+                            </a:rPr>
+                            <m:t>𝑘</m:t>
+                          </m:r>
+                        </m:sub>
+                        <m:sup>
+                          <m:r>
+                            <a:rPr lang="en-US" altLang="ko-KR" b="0" i="1" smtClean="0">
+                              <a:latin typeface="Cambria Math"/>
+                            </a:rPr>
+                            <m:t>1</m:t>
+                          </m:r>
+                        </m:sup>
+                      </m:sSubSup>
+                    </m:oMath>
+                  </m:oMathPara>
+                </a14:m>
+                <a:endParaRPr lang="ko-KR" altLang="en-US" baseline="-25000" dirty="0"/>
+              </a:p>
+            </p:txBody>
+          </p:sp>
+        </mc:Choice>
+        <mc:Fallback xmlns="">
+          <p:sp>
+            <p:nvSpPr>
+              <p:cNvPr id="217" name="TextBox 216"/>
+              <p:cNvSpPr txBox="1">
+                <a:spLocks noRot="1" noChangeAspect="1" noMove="1" noResize="1" noEditPoints="1" noAdjustHandles="1" noChangeArrowheads="1" noChangeShapeType="1" noTextEdit="1"/>
+              </p:cNvSpPr>
+              <p:nvPr/>
+            </p:nvSpPr>
+            <p:spPr>
+              <a:xfrm>
+                <a:off x="4915152" y="764704"/>
+                <a:ext cx="479683" cy="379719"/>
+              </a:xfrm>
+              <a:prstGeom prst="rect">
+                <a:avLst/>
+              </a:prstGeom>
+              <a:blipFill rotWithShape="1">
+                <a:blip r:embed="rId24"/>
+                <a:stretch>
+                  <a:fillRect b="-1587"/>
+                </a:stretch>
+              </a:blipFill>
+            </p:spPr>
+            <p:txBody>
+              <a:bodyPr/>
+              <a:lstStyle/>
+              <a:p>
+                <a:r>
+                  <a:rPr lang="ko-KR" altLang="en-US">
+                    <a:noFill/>
+                  </a:rPr>
+                  <a:t> </a:t>
+                </a:r>
+              </a:p>
+            </p:txBody>
+          </p:sp>
+        </mc:Fallback>
+      </mc:AlternateContent>
+      <mc:AlternateContent xmlns:mc="http://schemas.openxmlformats.org/markup-compatibility/2006" xmlns:a14="http://schemas.microsoft.com/office/drawing/2010/main">
+        <mc:Choice Requires="a14">
+          <p:sp>
+            <p:nvSpPr>
+              <p:cNvPr id="218" name="TextBox 217"/>
+              <p:cNvSpPr txBox="1"/>
+              <p:nvPr/>
+            </p:nvSpPr>
+            <p:spPr>
+              <a:xfrm>
+                <a:off x="4915151" y="1651583"/>
+                <a:ext cx="472309" cy="374205"/>
+              </a:xfrm>
+              <a:prstGeom prst="rect">
+                <a:avLst/>
+              </a:prstGeom>
+              <a:noFill/>
+            </p:spPr>
+            <p:txBody>
+              <a:bodyPr wrap="none" rtlCol="0">
+                <a:spAutoFit/>
+              </a:bodyPr>
+              <a:lstStyle/>
+              <a:p>
+                <a:pPr/>
+                <a14:m>
+                  <m:oMathPara xmlns:m="http://schemas.openxmlformats.org/officeDocument/2006/math">
+                    <m:oMathParaPr>
+                      <m:jc m:val="centerGroup"/>
+                    </m:oMathParaPr>
+                    <m:oMath xmlns:m="http://schemas.openxmlformats.org/officeDocument/2006/math">
+                      <m:sSubSup>
+                        <m:sSubSupPr>
+                          <m:ctrlPr>
+                            <a:rPr lang="ko-KR" altLang="ko-KR" i="1" smtClean="0">
+                              <a:latin typeface="Cambria Math"/>
+                            </a:rPr>
+                          </m:ctrlPr>
+                        </m:sSubSupPr>
+                        <m:e>
+                          <m:r>
+                            <m:rPr>
+                              <m:sty m:val="p"/>
+                            </m:rPr>
+                            <a:rPr lang="en-US" altLang="ko-KR">
+                              <a:latin typeface="Cambria Math"/>
+                            </a:rPr>
+                            <m:t>Z</m:t>
+                          </m:r>
+                        </m:e>
+                        <m:sub>
+                          <m:r>
+                            <a:rPr lang="en-US" altLang="ko-KR" b="0" i="1" smtClean="0">
+                              <a:latin typeface="Cambria Math"/>
+                            </a:rPr>
+                            <m:t>0</m:t>
+                          </m:r>
+                        </m:sub>
+                        <m:sup>
+                          <m:r>
+                            <a:rPr lang="en-US" altLang="ko-KR" b="0" i="1" smtClean="0">
+                              <a:latin typeface="Cambria Math"/>
+                            </a:rPr>
+                            <m:t>1</m:t>
+                          </m:r>
+                        </m:sup>
+                      </m:sSubSup>
+                    </m:oMath>
+                  </m:oMathPara>
+                </a14:m>
+                <a:endParaRPr lang="ko-KR" altLang="en-US" baseline="-25000" dirty="0"/>
+              </a:p>
+            </p:txBody>
+          </p:sp>
+        </mc:Choice>
+        <mc:Fallback xmlns="">
+          <p:sp>
+            <p:nvSpPr>
+              <p:cNvPr id="218" name="TextBox 217"/>
+              <p:cNvSpPr txBox="1">
+                <a:spLocks noRot="1" noChangeAspect="1" noMove="1" noResize="1" noEditPoints="1" noAdjustHandles="1" noChangeArrowheads="1" noChangeShapeType="1" noTextEdit="1"/>
+              </p:cNvSpPr>
+              <p:nvPr/>
+            </p:nvSpPr>
+            <p:spPr>
+              <a:xfrm>
+                <a:off x="4915151" y="1651583"/>
+                <a:ext cx="472309" cy="374205"/>
+              </a:xfrm>
+              <a:prstGeom prst="rect">
+                <a:avLst/>
+              </a:prstGeom>
+              <a:blipFill rotWithShape="1">
+                <a:blip r:embed="rId25"/>
+                <a:stretch>
+                  <a:fillRect b="-3279"/>
+                </a:stretch>
+              </a:blipFill>
+            </p:spPr>
+            <p:txBody>
+              <a:bodyPr/>
+              <a:lstStyle/>
+              <a:p>
+                <a:r>
+                  <a:rPr lang="ko-KR" altLang="en-US">
+                    <a:noFill/>
+                  </a:rPr>
+                  <a:t> </a:t>
+                </a:r>
+              </a:p>
+            </p:txBody>
+          </p:sp>
+        </mc:Fallback>
+      </mc:AlternateContent>
+      <mc:AlternateContent xmlns:mc="http://schemas.openxmlformats.org/markup-compatibility/2006" xmlns:a14="http://schemas.microsoft.com/office/drawing/2010/main">
+        <mc:Choice Requires="a14">
+          <p:sp>
+            <p:nvSpPr>
+              <p:cNvPr id="219" name="TextBox 218"/>
+              <p:cNvSpPr txBox="1"/>
+              <p:nvPr/>
+            </p:nvSpPr>
+            <p:spPr>
+              <a:xfrm>
+                <a:off x="4906840" y="3146902"/>
+                <a:ext cx="479683" cy="379719"/>
+              </a:xfrm>
+              <a:prstGeom prst="rect">
+                <a:avLst/>
+              </a:prstGeom>
+              <a:noFill/>
+            </p:spPr>
+            <p:txBody>
+              <a:bodyPr wrap="none" rtlCol="0">
+                <a:spAutoFit/>
+              </a:bodyPr>
+              <a:lstStyle/>
+              <a:p>
+                <a:pPr/>
+                <a14:m>
+                  <m:oMathPara xmlns:m="http://schemas.openxmlformats.org/officeDocument/2006/math">
+                    <m:oMathParaPr>
+                      <m:jc m:val="centerGroup"/>
+                    </m:oMathParaPr>
+                    <m:oMath xmlns:m="http://schemas.openxmlformats.org/officeDocument/2006/math">
+                      <m:sSubSup>
+                        <m:sSubSupPr>
+                          <m:ctrlPr>
+                            <a:rPr lang="ko-KR" altLang="ko-KR" i="1" smtClean="0">
+                              <a:latin typeface="Cambria Math"/>
+                            </a:rPr>
+                          </m:ctrlPr>
+                        </m:sSubSupPr>
+                        <m:e>
+                          <m:r>
+                            <m:rPr>
+                              <m:sty m:val="p"/>
+                            </m:rPr>
+                            <a:rPr lang="en-US" altLang="ko-KR">
+                              <a:latin typeface="Cambria Math"/>
+                            </a:rPr>
+                            <m:t>Z</m:t>
+                          </m:r>
+                        </m:e>
+                        <m:sub>
+                          <m:r>
+                            <a:rPr lang="en-US" altLang="ko-KR" b="0" i="1" smtClean="0">
+                              <a:latin typeface="Cambria Math"/>
+                            </a:rPr>
+                            <m:t>𝑘</m:t>
+                          </m:r>
+                        </m:sub>
+                        <m:sup>
+                          <m:r>
+                            <a:rPr lang="en-US" altLang="ko-KR" b="0" i="1" smtClean="0">
+                              <a:latin typeface="Cambria Math"/>
+                            </a:rPr>
+                            <m:t>1</m:t>
+                          </m:r>
+                        </m:sup>
+                      </m:sSubSup>
+                    </m:oMath>
+                  </m:oMathPara>
+                </a14:m>
+                <a:endParaRPr lang="ko-KR" altLang="en-US" baseline="-25000" dirty="0"/>
+              </a:p>
+            </p:txBody>
+          </p:sp>
+        </mc:Choice>
+        <mc:Fallback xmlns="">
+          <p:sp>
+            <p:nvSpPr>
+              <p:cNvPr id="219" name="TextBox 218"/>
+              <p:cNvSpPr txBox="1">
+                <a:spLocks noRot="1" noChangeAspect="1" noMove="1" noResize="1" noEditPoints="1" noAdjustHandles="1" noChangeArrowheads="1" noChangeShapeType="1" noTextEdit="1"/>
+              </p:cNvSpPr>
+              <p:nvPr/>
+            </p:nvSpPr>
+            <p:spPr>
+              <a:xfrm>
+                <a:off x="4906840" y="3146902"/>
+                <a:ext cx="479683" cy="379719"/>
+              </a:xfrm>
+              <a:prstGeom prst="rect">
+                <a:avLst/>
+              </a:prstGeom>
+              <a:blipFill rotWithShape="1">
+                <a:blip r:embed="rId26"/>
+                <a:stretch>
+                  <a:fillRect b="-1587"/>
+                </a:stretch>
+              </a:blipFill>
+            </p:spPr>
+            <p:txBody>
+              <a:bodyPr/>
+              <a:lstStyle/>
+              <a:p>
+                <a:r>
+                  <a:rPr lang="ko-KR" altLang="en-US">
+                    <a:noFill/>
+                  </a:rPr>
+                  <a:t> </a:t>
+                </a:r>
+              </a:p>
+            </p:txBody>
+          </p:sp>
+        </mc:Fallback>
+      </mc:AlternateContent>
+      <mc:AlternateContent xmlns:mc="http://schemas.openxmlformats.org/markup-compatibility/2006" xmlns:a14="http://schemas.microsoft.com/office/drawing/2010/main">
+        <mc:Choice Requires="a14">
+          <p:sp>
+            <p:nvSpPr>
+              <p:cNvPr id="220" name="TextBox 219"/>
+              <p:cNvSpPr txBox="1"/>
+              <p:nvPr/>
+            </p:nvSpPr>
+            <p:spPr>
+              <a:xfrm>
+                <a:off x="4940384" y="4195766"/>
+                <a:ext cx="472309" cy="373949"/>
+              </a:xfrm>
+              <a:prstGeom prst="rect">
+                <a:avLst/>
+              </a:prstGeom>
+              <a:noFill/>
+            </p:spPr>
+            <p:txBody>
+              <a:bodyPr wrap="none" rtlCol="0">
+                <a:spAutoFit/>
+              </a:bodyPr>
+              <a:lstStyle/>
+              <a:p>
+                <a:pPr/>
+                <a14:m>
+                  <m:oMathPara xmlns:m="http://schemas.openxmlformats.org/officeDocument/2006/math">
+                    <m:oMathParaPr>
+                      <m:jc m:val="centerGroup"/>
+                    </m:oMathParaPr>
+                    <m:oMath xmlns:m="http://schemas.openxmlformats.org/officeDocument/2006/math">
+                      <m:sSubSup>
+                        <m:sSubSupPr>
+                          <m:ctrlPr>
+                            <a:rPr lang="ko-KR" altLang="ko-KR" i="1" smtClean="0">
+                              <a:latin typeface="Cambria Math"/>
+                            </a:rPr>
+                          </m:ctrlPr>
+                        </m:sSubSupPr>
+                        <m:e>
+                          <m:r>
+                            <m:rPr>
+                              <m:sty m:val="p"/>
+                            </m:rPr>
+                            <a:rPr lang="en-US" altLang="ko-KR">
+                              <a:latin typeface="Cambria Math"/>
+                            </a:rPr>
+                            <m:t>Z</m:t>
+                          </m:r>
+                        </m:e>
+                        <m:sub>
+                          <m:r>
+                            <a:rPr lang="en-US" altLang="ko-KR" b="0" i="1" smtClean="0">
+                              <a:latin typeface="Cambria Math"/>
+                            </a:rPr>
+                            <m:t>9</m:t>
+                          </m:r>
+                        </m:sub>
+                        <m:sup>
+                          <m:r>
+                            <a:rPr lang="en-US" altLang="ko-KR" b="0" i="1" smtClean="0">
+                              <a:latin typeface="Cambria Math"/>
+                            </a:rPr>
+                            <m:t>1</m:t>
+                          </m:r>
+                        </m:sup>
+                      </m:sSubSup>
+                    </m:oMath>
+                  </m:oMathPara>
+                </a14:m>
+                <a:endParaRPr lang="ko-KR" altLang="en-US" baseline="-25000" dirty="0"/>
+              </a:p>
+            </p:txBody>
+          </p:sp>
+        </mc:Choice>
+        <mc:Fallback xmlns="">
+          <p:sp>
+            <p:nvSpPr>
+              <p:cNvPr id="220" name="TextBox 219"/>
+              <p:cNvSpPr txBox="1">
+                <a:spLocks noRot="1" noChangeAspect="1" noMove="1" noResize="1" noEditPoints="1" noAdjustHandles="1" noChangeArrowheads="1" noChangeShapeType="1" noTextEdit="1"/>
+              </p:cNvSpPr>
+              <p:nvPr/>
+            </p:nvSpPr>
+            <p:spPr>
+              <a:xfrm>
+                <a:off x="4940384" y="4195766"/>
+                <a:ext cx="472309" cy="373949"/>
+              </a:xfrm>
+              <a:prstGeom prst="rect">
+                <a:avLst/>
+              </a:prstGeom>
+              <a:blipFill rotWithShape="1">
+                <a:blip r:embed="rId27"/>
+                <a:stretch>
+                  <a:fillRect b="-1613"/>
+                </a:stretch>
+              </a:blipFill>
+            </p:spPr>
+            <p:txBody>
+              <a:bodyPr/>
+              <a:lstStyle/>
+              <a:p>
+                <a:r>
+                  <a:rPr lang="ko-KR" altLang="en-US">
+                    <a:noFill/>
+                  </a:rPr>
+                  <a:t> </a:t>
+                </a:r>
+              </a:p>
+            </p:txBody>
+          </p:sp>
+        </mc:Fallback>
+      </mc:AlternateContent>
+      <p:sp>
+        <p:nvSpPr>
+          <p:cNvPr id="236" name="TextBox 235"/>
+          <p:cNvSpPr txBox="1"/>
+          <p:nvPr/>
+        </p:nvSpPr>
+        <p:spPr>
+          <a:xfrm>
+            <a:off x="3551165" y="156796"/>
+            <a:ext cx="2616614" cy="369332"/>
+          </a:xfrm>
+          <a:prstGeom prst="rect">
+            <a:avLst/>
+          </a:prstGeom>
+          <a:noFill/>
+        </p:spPr>
+        <p:txBody>
+          <a:bodyPr wrap="none" rtlCol="0">
+            <a:spAutoFit/>
+          </a:bodyPr>
+          <a:lstStyle/>
+          <a:p>
+            <a:r>
+              <a:rPr lang="en-US" altLang="ko-KR" dirty="0" smtClean="0"/>
+              <a:t>Backward Propagation</a:t>
+            </a:r>
+            <a:endParaRPr lang="ko-KR" altLang="en-US" dirty="0"/>
+          </a:p>
+        </p:txBody>
+      </p:sp>
+      <p:cxnSp>
+        <p:nvCxnSpPr>
+          <p:cNvPr id="140" name="직선 화살표 연결선 139"/>
+          <p:cNvCxnSpPr>
+            <a:stCxn id="154" idx="3"/>
+            <a:endCxn id="147" idx="7"/>
+          </p:cNvCxnSpPr>
+          <p:nvPr/>
+        </p:nvCxnSpPr>
+        <p:spPr>
+          <a:xfrm flipH="1">
+            <a:off x="7822526" y="1584342"/>
+            <a:ext cx="689260" cy="572312"/>
+          </a:xfrm>
+          <a:prstGeom prst="straightConnector1">
+            <a:avLst/>
+          </a:prstGeom>
+          <a:ln w="15875">
+            <a:tailEnd type="arrow"/>
+          </a:ln>
+        </p:spPr>
+        <p:style>
+          <a:lnRef idx="1">
+            <a:schemeClr val="accent1"/>
+          </a:lnRef>
+          <a:fillRef idx="0">
+            <a:schemeClr val="accent1"/>
+          </a:fillRef>
+          <a:effectRef idx="0">
+            <a:schemeClr val="accent1"/>
+          </a:effectRef>
+          <a:fontRef idx="minor">
+            <a:schemeClr val="tx1"/>
+          </a:fontRef>
+        </p:style>
+      </p:cxnSp>
+      <p:cxnSp>
+        <p:nvCxnSpPr>
+          <p:cNvPr id="143" name="직선 화살표 연결선 142"/>
+          <p:cNvCxnSpPr>
+            <a:stCxn id="154" idx="4"/>
+            <a:endCxn id="186" idx="7"/>
+          </p:cNvCxnSpPr>
+          <p:nvPr/>
+        </p:nvCxnSpPr>
+        <p:spPr>
+          <a:xfrm flipH="1">
+            <a:off x="7829149" y="1615978"/>
+            <a:ext cx="759013" cy="1263948"/>
+          </a:xfrm>
+          <a:prstGeom prst="straightConnector1">
+            <a:avLst/>
+          </a:prstGeom>
+          <a:ln w="15875">
+            <a:tailEnd type="arrow"/>
+          </a:ln>
+        </p:spPr>
+        <p:style>
+          <a:lnRef idx="1">
+            <a:schemeClr val="accent1"/>
+          </a:lnRef>
+          <a:fillRef idx="0">
+            <a:schemeClr val="accent1"/>
+          </a:fillRef>
+          <a:effectRef idx="0">
+            <a:schemeClr val="accent1"/>
+          </a:effectRef>
+          <a:fontRef idx="minor">
+            <a:schemeClr val="tx1"/>
+          </a:fontRef>
+        </p:style>
+      </p:cxnSp>
+      <p:cxnSp>
+        <p:nvCxnSpPr>
+          <p:cNvPr id="156" name="직선 화살표 연결선 155"/>
+          <p:cNvCxnSpPr>
+            <a:stCxn id="154" idx="4"/>
+            <a:endCxn id="148" idx="7"/>
+          </p:cNvCxnSpPr>
+          <p:nvPr/>
+        </p:nvCxnSpPr>
+        <p:spPr>
+          <a:xfrm flipH="1">
+            <a:off x="7820276" y="1615978"/>
+            <a:ext cx="767886" cy="2330658"/>
+          </a:xfrm>
+          <a:prstGeom prst="straightConnector1">
+            <a:avLst/>
+          </a:prstGeom>
+          <a:ln w="15875">
+            <a:tailEnd type="arrow"/>
+          </a:ln>
+        </p:spPr>
+        <p:style>
+          <a:lnRef idx="1">
+            <a:schemeClr val="accent1"/>
+          </a:lnRef>
+          <a:fillRef idx="0">
+            <a:schemeClr val="accent1"/>
+          </a:fillRef>
+          <a:effectRef idx="0">
+            <a:schemeClr val="accent1"/>
+          </a:effectRef>
+          <a:fontRef idx="minor">
+            <a:schemeClr val="tx1"/>
+          </a:fontRef>
+        </p:style>
+      </p:cxnSp>
+      <mc:AlternateContent xmlns:mc="http://schemas.openxmlformats.org/markup-compatibility/2006" xmlns:a14="http://schemas.microsoft.com/office/drawing/2010/main">
+        <mc:Choice Requires="a14">
+          <p:sp>
+            <p:nvSpPr>
+              <p:cNvPr id="95" name="직사각형 94"/>
+              <p:cNvSpPr/>
+              <p:nvPr/>
+            </p:nvSpPr>
+            <p:spPr>
+              <a:xfrm>
+                <a:off x="5334165" y="4939095"/>
+                <a:ext cx="2559355" cy="750975"/>
+              </a:xfrm>
+              <a:prstGeom prst="rect">
+                <a:avLst/>
+              </a:prstGeom>
+            </p:spPr>
+            <p:txBody>
+              <a:bodyPr wrap="none">
+                <a:spAutoFit/>
+              </a:bodyPr>
+              <a:lstStyle/>
+              <a:p>
+                <a:pPr/>
+                <a14:m>
+                  <m:oMathPara xmlns:m="http://schemas.openxmlformats.org/officeDocument/2006/math">
+                    <m:oMathParaPr>
+                      <m:jc m:val="centerGroup"/>
+                    </m:oMathParaPr>
+                    <m:oMath xmlns:m="http://schemas.openxmlformats.org/officeDocument/2006/math">
+                      <m:f>
+                        <m:fPr>
+                          <m:ctrlPr>
+                            <a:rPr lang="ko-KR" altLang="ko-KR" sz="1400" i="1">
+                              <a:latin typeface="Cambria Math"/>
+                            </a:rPr>
+                          </m:ctrlPr>
+                        </m:fPr>
+                        <m:num>
+                          <m:r>
+                            <a:rPr lang="en-US" altLang="ko-KR" sz="1400">
+                              <a:latin typeface="Cambria Math"/>
+                            </a:rPr>
+                            <m:t>𝜕</m:t>
+                          </m:r>
+                          <m:r>
+                            <m:rPr>
+                              <m:sty m:val="p"/>
+                            </m:rPr>
+                            <a:rPr lang="en-US" altLang="ko-KR" sz="1400">
+                              <a:latin typeface="Cambria Math"/>
+                            </a:rPr>
+                            <m:t>cost</m:t>
+                          </m:r>
+                        </m:num>
+                        <m:den>
+                          <m:r>
+                            <a:rPr lang="en-US" altLang="ko-KR" sz="1400">
+                              <a:latin typeface="Cambria Math"/>
+                            </a:rPr>
+                            <m:t>𝜕</m:t>
+                          </m:r>
+                          <m:sSub>
+                            <m:sSubPr>
+                              <m:ctrlPr>
+                                <a:rPr lang="ko-KR" altLang="ko-KR" sz="1400" i="1">
+                                  <a:latin typeface="Cambria Math"/>
+                                </a:rPr>
+                              </m:ctrlPr>
+                            </m:sSubPr>
+                            <m:e>
+                              <m:r>
+                                <a:rPr lang="en-US" altLang="ko-KR" sz="1400" i="1">
+                                  <a:latin typeface="Cambria Math"/>
+                                </a:rPr>
+                                <m:t>𝑊</m:t>
+                              </m:r>
+                            </m:e>
+                            <m:sub>
+                              <m:r>
+                                <a:rPr lang="en-US" altLang="ko-KR" sz="1400" i="1">
+                                  <a:latin typeface="Cambria Math"/>
+                                </a:rPr>
+                                <m:t>𝑗𝑘</m:t>
+                              </m:r>
+                            </m:sub>
+                          </m:sSub>
+                        </m:den>
+                      </m:f>
+                      <m:r>
+                        <a:rPr lang="en-US" altLang="ko-KR" sz="1400" i="1">
+                          <a:latin typeface="Cambria Math"/>
+                        </a:rPr>
+                        <m:t>=</m:t>
+                      </m:r>
+                      <m:nary>
+                        <m:naryPr>
+                          <m:chr m:val="∑"/>
+                          <m:limLoc m:val="undOvr"/>
+                          <m:ctrlPr>
+                            <a:rPr lang="ko-KR" altLang="ko-KR" sz="1400" i="1">
+                              <a:latin typeface="Cambria Math"/>
+                            </a:rPr>
+                          </m:ctrlPr>
+                        </m:naryPr>
+                        <m:sub>
+                          <m:sSup>
+                            <m:sSupPr>
+                              <m:ctrlPr>
+                                <a:rPr lang="ko-KR" altLang="ko-KR" sz="1400" i="1">
+                                  <a:latin typeface="Cambria Math"/>
+                                </a:rPr>
+                              </m:ctrlPr>
+                            </m:sSupPr>
+                            <m:e>
+                              <m:r>
+                                <a:rPr lang="en-US" altLang="ko-KR" sz="1400" i="1">
+                                  <a:latin typeface="Cambria Math"/>
+                                </a:rPr>
+                                <m:t>𝑘</m:t>
+                              </m:r>
+                            </m:e>
+                            <m:sup>
+                              <m:r>
+                                <a:rPr lang="en-US" altLang="ko-KR" sz="1400" i="1">
+                                  <a:latin typeface="Cambria Math"/>
+                                </a:rPr>
+                                <m:t>′</m:t>
+                              </m:r>
+                            </m:sup>
+                          </m:sSup>
+                          <m:r>
+                            <a:rPr lang="en-US" altLang="ko-KR" sz="1400" i="1">
+                              <a:latin typeface="Cambria Math"/>
+                            </a:rPr>
+                            <m:t>=0</m:t>
+                          </m:r>
+                        </m:sub>
+                        <m:sup>
+                          <m:r>
+                            <a:rPr lang="en-US" altLang="ko-KR" sz="1400" i="1">
+                              <a:latin typeface="Cambria Math"/>
+                            </a:rPr>
+                            <m:t>9</m:t>
+                          </m:r>
+                        </m:sup>
+                        <m:e>
+                          <m:f>
+                            <m:fPr>
+                              <m:ctrlPr>
+                                <a:rPr lang="ko-KR" altLang="ko-KR" sz="1400" i="1">
+                                  <a:latin typeface="Cambria Math"/>
+                                </a:rPr>
+                              </m:ctrlPr>
+                            </m:fPr>
+                            <m:num>
+                              <m:r>
+                                <a:rPr lang="en-US" altLang="ko-KR" sz="1400">
+                                  <a:latin typeface="Cambria Math"/>
+                                </a:rPr>
+                                <m:t>𝜕</m:t>
+                              </m:r>
+                              <m:sSub>
+                                <m:sSubPr>
+                                  <m:ctrlPr>
+                                    <a:rPr lang="ko-KR" altLang="ko-KR" sz="1400" i="1">
+                                      <a:latin typeface="Cambria Math"/>
+                                    </a:rPr>
+                                  </m:ctrlPr>
+                                </m:sSubPr>
+                                <m:e>
+                                  <m:r>
+                                    <m:rPr>
+                                      <m:sty m:val="p"/>
+                                    </m:rPr>
+                                    <a:rPr lang="en-US" altLang="ko-KR" sz="1400">
+                                      <a:latin typeface="Cambria Math"/>
+                                    </a:rPr>
+                                    <m:t>cost</m:t>
+                                  </m:r>
+                                </m:e>
+                                <m:sub>
+                                  <m:sSup>
+                                    <m:sSupPr>
+                                      <m:ctrlPr>
+                                        <a:rPr lang="ko-KR" altLang="ko-KR" sz="1400" i="1">
+                                          <a:latin typeface="Cambria Math"/>
+                                        </a:rPr>
+                                      </m:ctrlPr>
+                                    </m:sSupPr>
+                                    <m:e>
+                                      <m:r>
+                                        <a:rPr lang="en-US" altLang="ko-KR" sz="1400" i="1">
+                                          <a:latin typeface="Cambria Math"/>
+                                        </a:rPr>
+                                        <m:t>𝑘</m:t>
+                                      </m:r>
+                                    </m:e>
+                                    <m:sup>
+                                      <m:r>
+                                        <a:rPr lang="en-US" altLang="ko-KR" sz="1400" i="1">
+                                          <a:latin typeface="Cambria Math"/>
+                                        </a:rPr>
+                                        <m:t>′</m:t>
+                                      </m:r>
+                                    </m:sup>
+                                  </m:sSup>
+                                </m:sub>
+                              </m:sSub>
+                            </m:num>
+                            <m:den>
+                              <m:r>
+                                <a:rPr lang="en-US" altLang="ko-KR" sz="1400">
+                                  <a:latin typeface="Cambria Math"/>
+                                </a:rPr>
+                                <m:t>𝜕</m:t>
+                              </m:r>
+                              <m:sSub>
+                                <m:sSubPr>
+                                  <m:ctrlPr>
+                                    <a:rPr lang="ko-KR" altLang="ko-KR" sz="1400" i="1">
+                                      <a:latin typeface="Cambria Math"/>
+                                    </a:rPr>
+                                  </m:ctrlPr>
+                                </m:sSubPr>
+                                <m:e>
+                                  <m:r>
+                                    <m:rPr>
+                                      <m:sty m:val="p"/>
+                                    </m:rPr>
+                                    <a:rPr lang="en-US" altLang="ko-KR" sz="1400">
+                                      <a:latin typeface="Cambria Math"/>
+                                    </a:rPr>
+                                    <m:t>p</m:t>
+                                  </m:r>
+                                </m:e>
+                                <m:sub>
+                                  <m:sSup>
+                                    <m:sSupPr>
+                                      <m:ctrlPr>
+                                        <a:rPr lang="ko-KR" altLang="ko-KR" sz="1400" i="1">
+                                          <a:latin typeface="Cambria Math"/>
+                                        </a:rPr>
+                                      </m:ctrlPr>
+                                    </m:sSupPr>
+                                    <m:e>
+                                      <m:r>
+                                        <a:rPr lang="en-US" altLang="ko-KR" sz="1400" i="1">
+                                          <a:latin typeface="Cambria Math"/>
+                                        </a:rPr>
+                                        <m:t>𝑘</m:t>
+                                      </m:r>
+                                    </m:e>
+                                    <m:sup>
+                                      <m:r>
+                                        <a:rPr lang="en-US" altLang="ko-KR" sz="1400" i="1">
+                                          <a:latin typeface="Cambria Math"/>
+                                        </a:rPr>
+                                        <m:t>′</m:t>
+                                      </m:r>
+                                    </m:sup>
+                                  </m:sSup>
+                                </m:sub>
+                              </m:sSub>
+                            </m:den>
+                          </m:f>
+                          <m:r>
+                            <a:rPr lang="en-US" altLang="ko-KR" sz="1400" i="1">
+                              <a:latin typeface="Cambria Math"/>
+                            </a:rPr>
+                            <m:t> </m:t>
+                          </m:r>
+                          <m:f>
+                            <m:fPr>
+                              <m:ctrlPr>
+                                <a:rPr lang="ko-KR" altLang="ko-KR" sz="1400" i="1">
+                                  <a:latin typeface="Cambria Math"/>
+                                </a:rPr>
+                              </m:ctrlPr>
+                            </m:fPr>
+                            <m:num>
+                              <m:r>
+                                <a:rPr lang="en-US" altLang="ko-KR" sz="1400">
+                                  <a:latin typeface="Cambria Math"/>
+                                </a:rPr>
+                                <m:t>𝜕</m:t>
+                              </m:r>
+                              <m:sSub>
+                                <m:sSubPr>
+                                  <m:ctrlPr>
+                                    <a:rPr lang="ko-KR" altLang="ko-KR" sz="1400" i="1">
+                                      <a:latin typeface="Cambria Math"/>
+                                    </a:rPr>
+                                  </m:ctrlPr>
+                                </m:sSubPr>
+                                <m:e>
+                                  <m:r>
+                                    <m:rPr>
+                                      <m:sty m:val="p"/>
+                                    </m:rPr>
+                                    <a:rPr lang="en-US" altLang="ko-KR" sz="1400">
+                                      <a:latin typeface="Cambria Math"/>
+                                    </a:rPr>
+                                    <m:t>p</m:t>
+                                  </m:r>
+                                </m:e>
+                                <m:sub>
+                                  <m:sSup>
+                                    <m:sSupPr>
+                                      <m:ctrlPr>
+                                        <a:rPr lang="ko-KR" altLang="ko-KR" sz="1400" i="1">
+                                          <a:latin typeface="Cambria Math"/>
+                                        </a:rPr>
+                                      </m:ctrlPr>
+                                    </m:sSupPr>
+                                    <m:e>
+                                      <m:r>
+                                        <a:rPr lang="en-US" altLang="ko-KR" sz="1400" i="1">
+                                          <a:latin typeface="Cambria Math"/>
+                                        </a:rPr>
+                                        <m:t>𝑘</m:t>
+                                      </m:r>
+                                    </m:e>
+                                    <m:sup>
+                                      <m:r>
+                                        <a:rPr lang="en-US" altLang="ko-KR" sz="1400" i="1">
+                                          <a:latin typeface="Cambria Math"/>
+                                        </a:rPr>
+                                        <m:t>′</m:t>
+                                      </m:r>
+                                    </m:sup>
+                                  </m:sSup>
+                                </m:sub>
+                              </m:sSub>
+                            </m:num>
+                            <m:den>
+                              <m:r>
+                                <a:rPr lang="en-US" altLang="ko-KR" sz="1400">
+                                  <a:latin typeface="Cambria Math"/>
+                                </a:rPr>
+                                <m:t>𝜕</m:t>
+                              </m:r>
+                              <m:sSub>
+                                <m:sSubPr>
+                                  <m:ctrlPr>
+                                    <a:rPr lang="ko-KR" altLang="ko-KR" sz="1400" i="1">
+                                      <a:latin typeface="Cambria Math"/>
+                                    </a:rPr>
+                                  </m:ctrlPr>
+                                </m:sSubPr>
+                                <m:e>
+                                  <m:r>
+                                    <a:rPr lang="en-US" altLang="ko-KR" sz="1400" i="1">
+                                      <a:latin typeface="Cambria Math"/>
+                                    </a:rPr>
+                                    <m:t>𝑍</m:t>
+                                  </m:r>
+                                </m:e>
+                                <m:sub>
+                                  <m:r>
+                                    <a:rPr lang="en-US" altLang="ko-KR" sz="1400" i="1">
+                                      <a:latin typeface="Cambria Math"/>
+                                    </a:rPr>
+                                    <m:t>𝑘</m:t>
+                                  </m:r>
+                                </m:sub>
+                              </m:sSub>
+                            </m:den>
+                          </m:f>
+                          <m:r>
+                            <a:rPr lang="en-US" altLang="ko-KR" sz="1400" i="1">
+                              <a:latin typeface="Cambria Math"/>
+                            </a:rPr>
+                            <m:t> </m:t>
+                          </m:r>
+                          <m:f>
+                            <m:fPr>
+                              <m:ctrlPr>
+                                <a:rPr lang="ko-KR" altLang="ko-KR" sz="1400" i="1">
+                                  <a:latin typeface="Cambria Math"/>
+                                </a:rPr>
+                              </m:ctrlPr>
+                            </m:fPr>
+                            <m:num>
+                              <m:r>
+                                <a:rPr lang="en-US" altLang="ko-KR" sz="1400">
+                                  <a:latin typeface="Cambria Math"/>
+                                </a:rPr>
+                                <m:t>𝜕</m:t>
+                              </m:r>
+                              <m:sSub>
+                                <m:sSubPr>
+                                  <m:ctrlPr>
+                                    <a:rPr lang="ko-KR" altLang="ko-KR" sz="1400" i="1">
+                                      <a:latin typeface="Cambria Math"/>
+                                    </a:rPr>
+                                  </m:ctrlPr>
+                                </m:sSubPr>
+                                <m:e>
+                                  <m:r>
+                                    <a:rPr lang="en-US" altLang="ko-KR" sz="1400" i="1">
+                                      <a:latin typeface="Cambria Math"/>
+                                    </a:rPr>
+                                    <m:t>𝑍</m:t>
+                                  </m:r>
+                                </m:e>
+                                <m:sub>
+                                  <m:r>
+                                    <a:rPr lang="en-US" altLang="ko-KR" sz="1400" i="1">
+                                      <a:latin typeface="Cambria Math"/>
+                                    </a:rPr>
+                                    <m:t>𝑘</m:t>
+                                  </m:r>
+                                </m:sub>
+                              </m:sSub>
+                            </m:num>
+                            <m:den>
+                              <m:r>
+                                <a:rPr lang="en-US" altLang="ko-KR" sz="1400">
+                                  <a:latin typeface="Cambria Math"/>
+                                </a:rPr>
+                                <m:t>𝜕</m:t>
+                              </m:r>
+                              <m:sSub>
+                                <m:sSubPr>
+                                  <m:ctrlPr>
+                                    <a:rPr lang="ko-KR" altLang="ko-KR" sz="1400" i="1">
+                                      <a:latin typeface="Cambria Math"/>
+                                    </a:rPr>
+                                  </m:ctrlPr>
+                                </m:sSubPr>
+                                <m:e>
+                                  <m:r>
+                                    <a:rPr lang="en-US" altLang="ko-KR" sz="1400" i="1">
+                                      <a:latin typeface="Cambria Math"/>
+                                    </a:rPr>
+                                    <m:t>𝑊</m:t>
+                                  </m:r>
+                                </m:e>
+                                <m:sub>
+                                  <m:r>
+                                    <a:rPr lang="en-US" altLang="ko-KR" sz="1400" i="1">
+                                      <a:latin typeface="Cambria Math"/>
+                                    </a:rPr>
+                                    <m:t>𝑗𝑘</m:t>
+                                  </m:r>
+                                </m:sub>
+                              </m:sSub>
+                            </m:den>
+                          </m:f>
+                        </m:e>
+                      </m:nary>
+                    </m:oMath>
+                  </m:oMathPara>
+                </a14:m>
+                <a:endParaRPr lang="ko-KR" altLang="en-US" sz="1400" dirty="0"/>
+              </a:p>
+            </p:txBody>
+          </p:sp>
+        </mc:Choice>
+        <mc:Fallback xmlns="">
+          <p:sp>
+            <p:nvSpPr>
+              <p:cNvPr id="95" name="직사각형 94"/>
+              <p:cNvSpPr>
+                <a:spLocks noRot="1" noChangeAspect="1" noMove="1" noResize="1" noEditPoints="1" noAdjustHandles="1" noChangeArrowheads="1" noChangeShapeType="1" noTextEdit="1"/>
+              </p:cNvSpPr>
+              <p:nvPr/>
+            </p:nvSpPr>
+            <p:spPr>
+              <a:xfrm>
+                <a:off x="5334165" y="4939095"/>
+                <a:ext cx="2559355" cy="750975"/>
+              </a:xfrm>
+              <a:prstGeom prst="rect">
+                <a:avLst/>
+              </a:prstGeom>
+              <a:blipFill rotWithShape="1">
+                <a:blip r:embed="rId29"/>
+                <a:stretch>
+                  <a:fillRect/>
+                </a:stretch>
+              </a:blipFill>
+            </p:spPr>
+            <p:txBody>
+              <a:bodyPr/>
+              <a:lstStyle/>
+              <a:p>
+                <a:r>
+                  <a:rPr lang="ko-KR" altLang="en-US">
+                    <a:noFill/>
+                  </a:rPr>
+                  <a:t> </a:t>
+                </a:r>
+              </a:p>
+            </p:txBody>
+          </p:sp>
+        </mc:Fallback>
+      </mc:AlternateContent>
+      <mc:AlternateContent xmlns:mc="http://schemas.openxmlformats.org/markup-compatibility/2006" xmlns:a14="http://schemas.microsoft.com/office/drawing/2010/main">
+        <mc:Choice Requires="a14">
+          <p:sp>
+            <p:nvSpPr>
+              <p:cNvPr id="96" name="직사각형 95"/>
+              <p:cNvSpPr/>
+              <p:nvPr/>
+            </p:nvSpPr>
+            <p:spPr>
+              <a:xfrm>
+                <a:off x="971600" y="5003884"/>
+                <a:ext cx="4572000" cy="1268617"/>
+              </a:xfrm>
+              <a:prstGeom prst="rect">
+                <a:avLst/>
+              </a:prstGeom>
+            </p:spPr>
+            <p:txBody>
+              <a:bodyPr>
+                <a:spAutoFit/>
+              </a:bodyPr>
+              <a:lstStyle/>
+              <a:p>
+                <a:pPr/>
+                <a14:m>
+                  <m:oMathPara xmlns:m="http://schemas.openxmlformats.org/officeDocument/2006/math">
+                    <m:oMathParaPr>
+                      <m:jc m:val="centerGroup"/>
+                    </m:oMathParaPr>
+                    <m:oMath xmlns:m="http://schemas.openxmlformats.org/officeDocument/2006/math">
+                      <m:f>
+                        <m:fPr>
+                          <m:ctrlPr>
+                            <a:rPr lang="ko-KR" altLang="ko-KR" sz="1400" i="1">
+                              <a:latin typeface="Cambria Math"/>
+                            </a:rPr>
+                          </m:ctrlPr>
+                        </m:fPr>
+                        <m:num>
+                          <m:r>
+                            <a:rPr lang="en-US" altLang="ko-KR" sz="1400">
+                              <a:latin typeface="Cambria Math"/>
+                            </a:rPr>
+                            <m:t>𝜕</m:t>
+                          </m:r>
+                          <m:r>
+                            <m:rPr>
+                              <m:sty m:val="p"/>
+                            </m:rPr>
+                            <a:rPr lang="en-US" altLang="ko-KR" sz="1400">
+                              <a:latin typeface="Cambria Math"/>
+                            </a:rPr>
+                            <m:t>cost</m:t>
+                          </m:r>
+                        </m:num>
+                        <m:den>
+                          <m:r>
+                            <a:rPr lang="en-US" altLang="ko-KR" sz="1400">
+                              <a:latin typeface="Cambria Math"/>
+                            </a:rPr>
+                            <m:t>𝜕</m:t>
+                          </m:r>
+                          <m:sSub>
+                            <m:sSubPr>
+                              <m:ctrlPr>
+                                <a:rPr lang="ko-KR" altLang="ko-KR" sz="1400" i="1">
+                                  <a:latin typeface="Cambria Math"/>
+                                </a:rPr>
+                              </m:ctrlPr>
+                            </m:sSubPr>
+                            <m:e>
+                              <m:r>
+                                <a:rPr lang="en-US" altLang="ko-KR" sz="1400" i="1">
+                                  <a:latin typeface="Cambria Math"/>
+                                </a:rPr>
+                                <m:t>𝑊</m:t>
+                              </m:r>
+                            </m:e>
+                            <m:sub>
+                              <m:r>
+                                <a:rPr lang="en-US" altLang="ko-KR" sz="1400" i="1">
+                                  <a:latin typeface="Cambria Math"/>
+                                </a:rPr>
+                                <m:t>𝑖𝑗</m:t>
+                              </m:r>
+                            </m:sub>
+                          </m:sSub>
+                        </m:den>
+                      </m:f>
+                      <m:r>
+                        <a:rPr lang="en-US" altLang="ko-KR" sz="1400" i="1">
+                          <a:latin typeface="Cambria Math"/>
+                        </a:rPr>
+                        <m:t>=</m:t>
+                      </m:r>
+                      <m:f>
+                        <m:fPr>
+                          <m:ctrlPr>
+                            <a:rPr lang="ko-KR" altLang="ko-KR" sz="1400" i="1">
+                              <a:latin typeface="Cambria Math"/>
+                            </a:rPr>
+                          </m:ctrlPr>
+                        </m:fPr>
+                        <m:num>
+                          <m:r>
+                            <a:rPr lang="en-US" altLang="ko-KR" sz="1400">
+                              <a:latin typeface="Cambria Math"/>
+                            </a:rPr>
+                            <m:t>𝜕</m:t>
+                          </m:r>
+                          <m:r>
+                            <m:rPr>
+                              <m:sty m:val="p"/>
+                            </m:rPr>
+                            <a:rPr lang="en-US" altLang="ko-KR" sz="1400">
+                              <a:latin typeface="Cambria Math"/>
+                            </a:rPr>
+                            <m:t>cost</m:t>
+                          </m:r>
+                        </m:num>
+                        <m:den>
+                          <m:r>
+                            <a:rPr lang="en-US" altLang="ko-KR" sz="1400">
+                              <a:latin typeface="Cambria Math"/>
+                            </a:rPr>
+                            <m:t>𝜕</m:t>
+                          </m:r>
+                          <m:sSub>
+                            <m:sSubPr>
+                              <m:ctrlPr>
+                                <a:rPr lang="ko-KR" altLang="ko-KR" sz="1400" i="1">
+                                  <a:latin typeface="Cambria Math"/>
+                                </a:rPr>
+                              </m:ctrlPr>
+                            </m:sSubPr>
+                            <m:e>
+                              <m:r>
+                                <a:rPr lang="en-US" altLang="ko-KR" sz="1400" i="1">
+                                  <a:latin typeface="Cambria Math"/>
+                                </a:rPr>
+                                <m:t>𝑍</m:t>
+                              </m:r>
+                            </m:e>
+                            <m:sub>
+                              <m:r>
+                                <a:rPr lang="en-US" altLang="ko-KR" sz="1400" i="1">
+                                  <a:latin typeface="Cambria Math"/>
+                                </a:rPr>
+                                <m:t>𝑗</m:t>
+                              </m:r>
+                            </m:sub>
+                          </m:sSub>
+                        </m:den>
+                      </m:f>
+                      <m:r>
+                        <a:rPr lang="en-US" altLang="ko-KR" sz="1400" i="1">
+                          <a:latin typeface="Cambria Math"/>
+                        </a:rPr>
+                        <m:t> </m:t>
+                      </m:r>
+                      <m:f>
+                        <m:fPr>
+                          <m:ctrlPr>
+                            <a:rPr lang="ko-KR" altLang="ko-KR" sz="1400" i="1">
+                              <a:latin typeface="Cambria Math"/>
+                            </a:rPr>
+                          </m:ctrlPr>
+                        </m:fPr>
+                        <m:num>
+                          <m:r>
+                            <a:rPr lang="en-US" altLang="ko-KR" sz="1400">
+                              <a:latin typeface="Cambria Math"/>
+                            </a:rPr>
+                            <m:t>𝜕</m:t>
+                          </m:r>
+                          <m:sSub>
+                            <m:sSubPr>
+                              <m:ctrlPr>
+                                <a:rPr lang="ko-KR" altLang="ko-KR" sz="1400" i="1">
+                                  <a:latin typeface="Cambria Math"/>
+                                </a:rPr>
+                              </m:ctrlPr>
+                            </m:sSubPr>
+                            <m:e>
+                              <m:r>
+                                <a:rPr lang="en-US" altLang="ko-KR" sz="1400" i="1">
+                                  <a:latin typeface="Cambria Math"/>
+                                </a:rPr>
+                                <m:t>𝑍</m:t>
+                              </m:r>
+                            </m:e>
+                            <m:sub>
+                              <m:r>
+                                <a:rPr lang="en-US" altLang="ko-KR" sz="1400" i="1">
+                                  <a:latin typeface="Cambria Math"/>
+                                </a:rPr>
+                                <m:t>𝑗</m:t>
+                              </m:r>
+                            </m:sub>
+                          </m:sSub>
+                        </m:num>
+                        <m:den>
+                          <m:r>
+                            <a:rPr lang="en-US" altLang="ko-KR" sz="1400">
+                              <a:latin typeface="Cambria Math"/>
+                            </a:rPr>
+                            <m:t>𝜕</m:t>
+                          </m:r>
+                          <m:sSub>
+                            <m:sSubPr>
+                              <m:ctrlPr>
+                                <a:rPr lang="ko-KR" altLang="ko-KR" sz="1400" i="1">
+                                  <a:latin typeface="Cambria Math"/>
+                                </a:rPr>
+                              </m:ctrlPr>
+                            </m:sSubPr>
+                            <m:e>
+                              <m:r>
+                                <a:rPr lang="en-US" altLang="ko-KR" sz="1400" i="1">
+                                  <a:latin typeface="Cambria Math"/>
+                                </a:rPr>
+                                <m:t>𝑊</m:t>
+                              </m:r>
+                            </m:e>
+                            <m:sub>
+                              <m:r>
+                                <a:rPr lang="en-US" altLang="ko-KR" sz="1400" i="1">
+                                  <a:latin typeface="Cambria Math"/>
+                                </a:rPr>
+                                <m:t>𝑖𝑗</m:t>
+                              </m:r>
+                            </m:sub>
+                          </m:sSub>
+                        </m:den>
+                      </m:f>
+                      <m:r>
+                        <a:rPr lang="en-US" altLang="ko-KR" sz="1400" i="1">
+                          <a:latin typeface="Cambria Math"/>
+                        </a:rPr>
+                        <m:t>=</m:t>
+                      </m:r>
+                      <m:nary>
+                        <m:naryPr>
+                          <m:chr m:val="∑"/>
+                          <m:limLoc m:val="undOvr"/>
+                          <m:ctrlPr>
+                            <a:rPr lang="ko-KR" altLang="ko-KR" sz="1400" i="1">
+                              <a:latin typeface="Cambria Math"/>
+                            </a:rPr>
+                          </m:ctrlPr>
+                        </m:naryPr>
+                        <m:sub>
+                          <m:r>
+                            <a:rPr lang="en-US" altLang="ko-KR" sz="1400" i="1">
+                              <a:latin typeface="Cambria Math"/>
+                            </a:rPr>
+                            <m:t>𝑘</m:t>
+                          </m:r>
+                          <m:r>
+                            <a:rPr lang="en-US" altLang="ko-KR" sz="1400" i="1">
+                              <a:latin typeface="Cambria Math"/>
+                            </a:rPr>
+                            <m:t>=0</m:t>
+                          </m:r>
+                        </m:sub>
+                        <m:sup>
+                          <m:r>
+                            <a:rPr lang="en-US" altLang="ko-KR" sz="1400" i="1">
+                              <a:latin typeface="Cambria Math"/>
+                            </a:rPr>
+                            <m:t>9</m:t>
+                          </m:r>
+                        </m:sup>
+                        <m:e>
+                          <m:d>
+                            <m:dPr>
+                              <m:ctrlPr>
+                                <a:rPr lang="ko-KR" altLang="ko-KR" sz="1400" i="1">
+                                  <a:latin typeface="Cambria Math"/>
+                                </a:rPr>
+                              </m:ctrlPr>
+                            </m:dPr>
+                            <m:e>
+                              <m:nary>
+                                <m:naryPr>
+                                  <m:chr m:val="∑"/>
+                                  <m:limLoc m:val="undOvr"/>
+                                  <m:ctrlPr>
+                                    <a:rPr lang="ko-KR" altLang="ko-KR" sz="1400" i="1">
+                                      <a:latin typeface="Cambria Math"/>
+                                    </a:rPr>
+                                  </m:ctrlPr>
+                                </m:naryPr>
+                                <m:sub>
+                                  <m:sSup>
+                                    <m:sSupPr>
+                                      <m:ctrlPr>
+                                        <a:rPr lang="ko-KR" altLang="ko-KR" sz="1400" i="1">
+                                          <a:latin typeface="Cambria Math"/>
+                                        </a:rPr>
+                                      </m:ctrlPr>
+                                    </m:sSupPr>
+                                    <m:e>
+                                      <m:r>
+                                        <a:rPr lang="en-US" altLang="ko-KR" sz="1400" i="1">
+                                          <a:latin typeface="Cambria Math"/>
+                                        </a:rPr>
+                                        <m:t>𝑘</m:t>
+                                      </m:r>
+                                    </m:e>
+                                    <m:sup>
+                                      <m:r>
+                                        <a:rPr lang="en-US" altLang="ko-KR" sz="1400" i="1">
+                                          <a:latin typeface="Cambria Math"/>
+                                        </a:rPr>
+                                        <m:t>′</m:t>
+                                      </m:r>
+                                    </m:sup>
+                                  </m:sSup>
+                                  <m:r>
+                                    <a:rPr lang="en-US" altLang="ko-KR" sz="1400" i="1">
+                                      <a:latin typeface="Cambria Math"/>
+                                    </a:rPr>
+                                    <m:t>=0</m:t>
+                                  </m:r>
+                                </m:sub>
+                                <m:sup>
+                                  <m:r>
+                                    <a:rPr lang="en-US" altLang="ko-KR" sz="1400" i="1">
+                                      <a:latin typeface="Cambria Math"/>
+                                    </a:rPr>
+                                    <m:t>9</m:t>
+                                  </m:r>
+                                </m:sup>
+                                <m:e>
+                                  <m:f>
+                                    <m:fPr>
+                                      <m:ctrlPr>
+                                        <a:rPr lang="ko-KR" altLang="ko-KR" sz="1400" i="1">
+                                          <a:latin typeface="Cambria Math"/>
+                                        </a:rPr>
+                                      </m:ctrlPr>
+                                    </m:fPr>
+                                    <m:num>
+                                      <m:r>
+                                        <a:rPr lang="en-US" altLang="ko-KR" sz="1400">
+                                          <a:latin typeface="Cambria Math"/>
+                                        </a:rPr>
+                                        <m:t>𝜕</m:t>
+                                      </m:r>
+                                      <m:sSub>
+                                        <m:sSubPr>
+                                          <m:ctrlPr>
+                                            <a:rPr lang="ko-KR" altLang="ko-KR" sz="1400" i="1">
+                                              <a:latin typeface="Cambria Math"/>
+                                            </a:rPr>
+                                          </m:ctrlPr>
+                                        </m:sSubPr>
+                                        <m:e>
+                                          <m:r>
+                                            <m:rPr>
+                                              <m:sty m:val="p"/>
+                                            </m:rPr>
+                                            <a:rPr lang="en-US" altLang="ko-KR" sz="1400">
+                                              <a:latin typeface="Cambria Math"/>
+                                            </a:rPr>
+                                            <m:t>cost</m:t>
+                                          </m:r>
+                                        </m:e>
+                                        <m:sub>
+                                          <m:sSup>
+                                            <m:sSupPr>
+                                              <m:ctrlPr>
+                                                <a:rPr lang="ko-KR" altLang="ko-KR" sz="1400" i="1">
+                                                  <a:latin typeface="Cambria Math"/>
+                                                </a:rPr>
+                                              </m:ctrlPr>
+                                            </m:sSupPr>
+                                            <m:e>
+                                              <m:r>
+                                                <a:rPr lang="en-US" altLang="ko-KR" sz="1400" i="1">
+                                                  <a:latin typeface="Cambria Math"/>
+                                                </a:rPr>
+                                                <m:t>𝑘</m:t>
+                                              </m:r>
+                                            </m:e>
+                                            <m:sup>
+                                              <m:r>
+                                                <a:rPr lang="en-US" altLang="ko-KR" sz="1400" i="1">
+                                                  <a:latin typeface="Cambria Math"/>
+                                                </a:rPr>
+                                                <m:t>′</m:t>
+                                              </m:r>
+                                            </m:sup>
+                                          </m:sSup>
+                                        </m:sub>
+                                      </m:sSub>
+                                    </m:num>
+                                    <m:den>
+                                      <m:r>
+                                        <a:rPr lang="en-US" altLang="ko-KR" sz="1400">
+                                          <a:latin typeface="Cambria Math"/>
+                                        </a:rPr>
+                                        <m:t>𝜕</m:t>
+                                      </m:r>
+                                      <m:sSub>
+                                        <m:sSubPr>
+                                          <m:ctrlPr>
+                                            <a:rPr lang="ko-KR" altLang="ko-KR" sz="1400" i="1">
+                                              <a:latin typeface="Cambria Math"/>
+                                            </a:rPr>
+                                          </m:ctrlPr>
+                                        </m:sSubPr>
+                                        <m:e>
+                                          <m:r>
+                                            <m:rPr>
+                                              <m:sty m:val="p"/>
+                                            </m:rPr>
+                                            <a:rPr lang="en-US" altLang="ko-KR" sz="1400">
+                                              <a:latin typeface="Cambria Math"/>
+                                            </a:rPr>
+                                            <m:t>p</m:t>
+                                          </m:r>
+                                        </m:e>
+                                        <m:sub>
+                                          <m:sSup>
+                                            <m:sSupPr>
+                                              <m:ctrlPr>
+                                                <a:rPr lang="ko-KR" altLang="ko-KR" sz="1400" i="1">
+                                                  <a:latin typeface="Cambria Math"/>
+                                                </a:rPr>
+                                              </m:ctrlPr>
+                                            </m:sSupPr>
+                                            <m:e>
+                                              <m:r>
+                                                <a:rPr lang="en-US" altLang="ko-KR" sz="1400" i="1">
+                                                  <a:latin typeface="Cambria Math"/>
+                                                </a:rPr>
+                                                <m:t>𝑘</m:t>
+                                              </m:r>
+                                            </m:e>
+                                            <m:sup>
+                                              <m:r>
+                                                <a:rPr lang="en-US" altLang="ko-KR" sz="1400" i="1">
+                                                  <a:latin typeface="Cambria Math"/>
+                                                </a:rPr>
+                                                <m:t>′</m:t>
+                                              </m:r>
+                                            </m:sup>
+                                          </m:sSup>
+                                        </m:sub>
+                                      </m:sSub>
+                                    </m:den>
+                                  </m:f>
+                                  <m:r>
+                                    <a:rPr lang="en-US" altLang="ko-KR" sz="1400" i="1">
+                                      <a:latin typeface="Cambria Math"/>
+                                    </a:rPr>
+                                    <m:t> </m:t>
+                                  </m:r>
+                                  <m:f>
+                                    <m:fPr>
+                                      <m:ctrlPr>
+                                        <a:rPr lang="ko-KR" altLang="ko-KR" sz="1400" i="1">
+                                          <a:latin typeface="Cambria Math"/>
+                                        </a:rPr>
+                                      </m:ctrlPr>
+                                    </m:fPr>
+                                    <m:num>
+                                      <m:r>
+                                        <a:rPr lang="en-US" altLang="ko-KR" sz="1400">
+                                          <a:latin typeface="Cambria Math"/>
+                                        </a:rPr>
+                                        <m:t>𝜕</m:t>
+                                      </m:r>
+                                      <m:sSub>
+                                        <m:sSubPr>
+                                          <m:ctrlPr>
+                                            <a:rPr lang="ko-KR" altLang="ko-KR" sz="1400" i="1">
+                                              <a:latin typeface="Cambria Math"/>
+                                            </a:rPr>
+                                          </m:ctrlPr>
+                                        </m:sSubPr>
+                                        <m:e>
+                                          <m:r>
+                                            <m:rPr>
+                                              <m:sty m:val="p"/>
+                                            </m:rPr>
+                                            <a:rPr lang="en-US" altLang="ko-KR" sz="1400">
+                                              <a:latin typeface="Cambria Math"/>
+                                            </a:rPr>
+                                            <m:t>p</m:t>
+                                          </m:r>
+                                        </m:e>
+                                        <m:sub>
+                                          <m:sSup>
+                                            <m:sSupPr>
+                                              <m:ctrlPr>
+                                                <a:rPr lang="ko-KR" altLang="ko-KR" sz="1400" i="1">
+                                                  <a:latin typeface="Cambria Math"/>
+                                                </a:rPr>
+                                              </m:ctrlPr>
+                                            </m:sSupPr>
+                                            <m:e>
+                                              <m:r>
+                                                <a:rPr lang="en-US" altLang="ko-KR" sz="1400" i="1">
+                                                  <a:latin typeface="Cambria Math"/>
+                                                </a:rPr>
+                                                <m:t>𝑘</m:t>
+                                              </m:r>
+                                            </m:e>
+                                            <m:sup>
+                                              <m:r>
+                                                <a:rPr lang="en-US" altLang="ko-KR" sz="1400" i="1">
+                                                  <a:latin typeface="Cambria Math"/>
+                                                </a:rPr>
+                                                <m:t>′</m:t>
+                                              </m:r>
+                                            </m:sup>
+                                          </m:sSup>
+                                        </m:sub>
+                                      </m:sSub>
+                                    </m:num>
+                                    <m:den>
+                                      <m:r>
+                                        <a:rPr lang="en-US" altLang="ko-KR" sz="1400">
+                                          <a:latin typeface="Cambria Math"/>
+                                        </a:rPr>
+                                        <m:t>𝜕</m:t>
+                                      </m:r>
+                                      <m:sSub>
+                                        <m:sSubPr>
+                                          <m:ctrlPr>
+                                            <a:rPr lang="ko-KR" altLang="ko-KR" sz="1400" i="1">
+                                              <a:latin typeface="Cambria Math"/>
+                                            </a:rPr>
+                                          </m:ctrlPr>
+                                        </m:sSubPr>
+                                        <m:e>
+                                          <m:r>
+                                            <a:rPr lang="en-US" altLang="ko-KR" sz="1400" i="1">
+                                              <a:latin typeface="Cambria Math"/>
+                                            </a:rPr>
+                                            <m:t>𝑍</m:t>
+                                          </m:r>
+                                        </m:e>
+                                        <m:sub>
+                                          <m:r>
+                                            <a:rPr lang="en-US" altLang="ko-KR" sz="1400" i="1">
+                                              <a:latin typeface="Cambria Math"/>
+                                            </a:rPr>
+                                            <m:t>𝑘</m:t>
+                                          </m:r>
+                                        </m:sub>
+                                      </m:sSub>
+                                    </m:den>
+                                  </m:f>
+                                  <m:r>
+                                    <a:rPr lang="en-US" altLang="ko-KR" sz="1400" i="1">
+                                      <a:latin typeface="Cambria Math"/>
+                                    </a:rPr>
+                                    <m:t> </m:t>
+                                  </m:r>
+                                  <m:f>
+                                    <m:fPr>
+                                      <m:ctrlPr>
+                                        <a:rPr lang="ko-KR" altLang="ko-KR" sz="1400" i="1">
+                                          <a:latin typeface="Cambria Math"/>
+                                        </a:rPr>
+                                      </m:ctrlPr>
+                                    </m:fPr>
+                                    <m:num>
+                                      <m:r>
+                                        <a:rPr lang="en-US" altLang="ko-KR" sz="1400">
+                                          <a:latin typeface="Cambria Math"/>
+                                        </a:rPr>
+                                        <m:t>𝜕</m:t>
+                                      </m:r>
+                                      <m:sSub>
+                                        <m:sSubPr>
+                                          <m:ctrlPr>
+                                            <a:rPr lang="ko-KR" altLang="ko-KR" sz="1400" i="1">
+                                              <a:latin typeface="Cambria Math"/>
+                                            </a:rPr>
+                                          </m:ctrlPr>
+                                        </m:sSubPr>
+                                        <m:e>
+                                          <m:r>
+                                            <a:rPr lang="en-US" altLang="ko-KR" sz="1400" i="1">
+                                              <a:latin typeface="Cambria Math"/>
+                                            </a:rPr>
+                                            <m:t>𝑍</m:t>
+                                          </m:r>
+                                        </m:e>
+                                        <m:sub>
+                                          <m:r>
+                                            <a:rPr lang="en-US" altLang="ko-KR" sz="1400" i="1">
+                                              <a:latin typeface="Cambria Math"/>
+                                            </a:rPr>
+                                            <m:t>𝑘</m:t>
+                                          </m:r>
+                                        </m:sub>
+                                      </m:sSub>
+                                    </m:num>
+                                    <m:den>
+                                      <m:r>
+                                        <a:rPr lang="en-US" altLang="ko-KR" sz="1400">
+                                          <a:latin typeface="Cambria Math"/>
+                                        </a:rPr>
+                                        <m:t>𝜕</m:t>
+                                      </m:r>
+                                      <m:sSub>
+                                        <m:sSubPr>
+                                          <m:ctrlPr>
+                                            <a:rPr lang="ko-KR" altLang="ko-KR" sz="1400" i="1">
+                                              <a:latin typeface="Cambria Math"/>
+                                            </a:rPr>
+                                          </m:ctrlPr>
+                                        </m:sSubPr>
+                                        <m:e>
+                                          <m:r>
+                                            <a:rPr lang="en-US" altLang="ko-KR" sz="1400" i="1">
+                                              <a:latin typeface="Cambria Math"/>
+                                            </a:rPr>
+                                            <m:t>h</m:t>
+                                          </m:r>
+                                        </m:e>
+                                        <m:sub>
+                                          <m:r>
+                                            <a:rPr lang="en-US" altLang="ko-KR" sz="1400" i="1">
+                                              <a:latin typeface="Cambria Math"/>
+                                            </a:rPr>
+                                            <m:t>𝑗</m:t>
+                                          </m:r>
+                                        </m:sub>
+                                      </m:sSub>
+                                    </m:den>
+                                  </m:f>
+                                  <m:r>
+                                    <a:rPr lang="en-US" altLang="ko-KR" sz="1400" i="1">
+                                      <a:latin typeface="Cambria Math"/>
+                                    </a:rPr>
+                                    <m:t> </m:t>
+                                  </m:r>
+                                  <m:f>
+                                    <m:fPr>
+                                      <m:ctrlPr>
+                                        <a:rPr lang="ko-KR" altLang="ko-KR" sz="1400" i="1">
+                                          <a:latin typeface="Cambria Math"/>
+                                        </a:rPr>
+                                      </m:ctrlPr>
+                                    </m:fPr>
+                                    <m:num>
+                                      <m:r>
+                                        <a:rPr lang="en-US" altLang="ko-KR" sz="1400">
+                                          <a:latin typeface="Cambria Math"/>
+                                        </a:rPr>
+                                        <m:t>𝜕</m:t>
+                                      </m:r>
+                                      <m:sSub>
+                                        <m:sSubPr>
+                                          <m:ctrlPr>
+                                            <a:rPr lang="ko-KR" altLang="ko-KR" sz="1400" i="1">
+                                              <a:latin typeface="Cambria Math"/>
+                                            </a:rPr>
+                                          </m:ctrlPr>
+                                        </m:sSubPr>
+                                        <m:e>
+                                          <m:r>
+                                            <a:rPr lang="en-US" altLang="ko-KR" sz="1400" i="1">
+                                              <a:latin typeface="Cambria Math"/>
+                                            </a:rPr>
+                                            <m:t>h</m:t>
+                                          </m:r>
+                                        </m:e>
+                                        <m:sub>
+                                          <m:r>
+                                            <a:rPr lang="en-US" altLang="ko-KR" sz="1400" i="1">
+                                              <a:latin typeface="Cambria Math"/>
+                                            </a:rPr>
+                                            <m:t>𝑗</m:t>
+                                          </m:r>
+                                        </m:sub>
+                                      </m:sSub>
+                                    </m:num>
+                                    <m:den>
+                                      <m:r>
+                                        <a:rPr lang="en-US" altLang="ko-KR" sz="1400">
+                                          <a:latin typeface="Cambria Math"/>
+                                        </a:rPr>
+                                        <m:t>𝜕</m:t>
+                                      </m:r>
+                                      <m:sSub>
+                                        <m:sSubPr>
+                                          <m:ctrlPr>
+                                            <a:rPr lang="ko-KR" altLang="ko-KR" sz="1400" i="1">
+                                              <a:latin typeface="Cambria Math"/>
+                                            </a:rPr>
+                                          </m:ctrlPr>
+                                        </m:sSubPr>
+                                        <m:e>
+                                          <m:r>
+                                            <a:rPr lang="en-US" altLang="ko-KR" sz="1400" i="1">
+                                              <a:latin typeface="Cambria Math"/>
+                                            </a:rPr>
+                                            <m:t>𝑍</m:t>
+                                          </m:r>
+                                        </m:e>
+                                        <m:sub>
+                                          <m:r>
+                                            <a:rPr lang="en-US" altLang="ko-KR" sz="1400" i="1">
+                                              <a:latin typeface="Cambria Math"/>
+                                            </a:rPr>
+                                            <m:t>𝑗</m:t>
+                                          </m:r>
+                                        </m:sub>
+                                      </m:sSub>
+                                    </m:den>
+                                  </m:f>
+                                </m:e>
+                              </m:nary>
+                            </m:e>
+                          </m:d>
+                        </m:e>
+                      </m:nary>
+                      <m:r>
+                        <a:rPr lang="en-US" altLang="ko-KR" sz="1400" i="1">
+                          <a:latin typeface="Cambria Math"/>
+                        </a:rPr>
+                        <m:t> </m:t>
+                      </m:r>
+                      <m:f>
+                        <m:fPr>
+                          <m:ctrlPr>
+                            <a:rPr lang="ko-KR" altLang="ko-KR" sz="1400" i="1">
+                              <a:latin typeface="Cambria Math"/>
+                            </a:rPr>
+                          </m:ctrlPr>
+                        </m:fPr>
+                        <m:num>
+                          <m:r>
+                            <a:rPr lang="en-US" altLang="ko-KR" sz="1400">
+                              <a:latin typeface="Cambria Math"/>
+                            </a:rPr>
+                            <m:t>𝜕</m:t>
+                          </m:r>
+                          <m:sSub>
+                            <m:sSubPr>
+                              <m:ctrlPr>
+                                <a:rPr lang="ko-KR" altLang="ko-KR" sz="1400" i="1">
+                                  <a:latin typeface="Cambria Math"/>
+                                </a:rPr>
+                              </m:ctrlPr>
+                            </m:sSubPr>
+                            <m:e>
+                              <m:r>
+                                <a:rPr lang="en-US" altLang="ko-KR" sz="1400" i="1">
+                                  <a:latin typeface="Cambria Math"/>
+                                </a:rPr>
+                                <m:t>𝑍</m:t>
+                              </m:r>
+                            </m:e>
+                            <m:sub>
+                              <m:r>
+                                <a:rPr lang="en-US" altLang="ko-KR" sz="1400" i="1">
+                                  <a:latin typeface="Cambria Math"/>
+                                </a:rPr>
+                                <m:t>𝑗</m:t>
+                              </m:r>
+                            </m:sub>
+                          </m:sSub>
+                        </m:num>
+                        <m:den>
+                          <m:r>
+                            <a:rPr lang="en-US" altLang="ko-KR" sz="1400">
+                              <a:latin typeface="Cambria Math"/>
+                            </a:rPr>
+                            <m:t>𝜕</m:t>
+                          </m:r>
+                          <m:sSub>
+                            <m:sSubPr>
+                              <m:ctrlPr>
+                                <a:rPr lang="ko-KR" altLang="ko-KR" sz="1400" i="1">
+                                  <a:latin typeface="Cambria Math"/>
+                                </a:rPr>
+                              </m:ctrlPr>
+                            </m:sSubPr>
+                            <m:e>
+                              <m:r>
+                                <a:rPr lang="en-US" altLang="ko-KR" sz="1400" i="1">
+                                  <a:latin typeface="Cambria Math"/>
+                                </a:rPr>
+                                <m:t>𝑊</m:t>
+                              </m:r>
+                            </m:e>
+                            <m:sub>
+                              <m:r>
+                                <a:rPr lang="en-US" altLang="ko-KR" sz="1400" i="1">
+                                  <a:latin typeface="Cambria Math"/>
+                                </a:rPr>
+                                <m:t>𝑖𝑗</m:t>
+                              </m:r>
+                            </m:sub>
+                          </m:sSub>
+                        </m:den>
+                      </m:f>
+                    </m:oMath>
+                  </m:oMathPara>
+                </a14:m>
+                <a:endParaRPr lang="ko-KR" altLang="en-US" sz="1400" dirty="0"/>
+              </a:p>
+            </p:txBody>
+          </p:sp>
+        </mc:Choice>
+        <mc:Fallback xmlns="">
+          <p:sp>
+            <p:nvSpPr>
+              <p:cNvPr id="96" name="직사각형 95"/>
+              <p:cNvSpPr>
+                <a:spLocks noRot="1" noChangeAspect="1" noMove="1" noResize="1" noEditPoints="1" noAdjustHandles="1" noChangeArrowheads="1" noChangeShapeType="1" noTextEdit="1"/>
+              </p:cNvSpPr>
+              <p:nvPr/>
+            </p:nvSpPr>
+            <p:spPr>
+              <a:xfrm>
+                <a:off x="971600" y="5003884"/>
+                <a:ext cx="4572000" cy="1268617"/>
+              </a:xfrm>
+              <a:prstGeom prst="rect">
+                <a:avLst/>
+              </a:prstGeom>
+              <a:blipFill rotWithShape="1">
+                <a:blip r:embed="rId30"/>
+                <a:stretch>
+                  <a:fillRect/>
+                </a:stretch>
+              </a:blipFill>
+            </p:spPr>
+            <p:txBody>
+              <a:bodyPr/>
+              <a:lstStyle/>
+              <a:p>
+                <a:r>
+                  <a:rPr lang="ko-KR" altLang="en-US">
+                    <a:noFill/>
+                  </a:rPr>
+                  <a:t> </a:t>
+                </a:r>
+              </a:p>
+            </p:txBody>
+          </p:sp>
+        </mc:Fallback>
+      </mc:AlternateContent>
+    </p:spTree>
+    <p:extLst>
+      <p:ext uri="{BB962C8B-B14F-4D97-AF65-F5344CB8AC3E}">
+        <p14:creationId xmlns:p14="http://schemas.microsoft.com/office/powerpoint/2010/main" val="2434247948"/>
       </p:ext>
     </p:extLst>
   </p:cSld>

--- a/neural_network.pptx
+++ b/neural_network.pptx
@@ -11045,6 +11045,157 @@
           </a:p>
         </p:txBody>
       </p:sp>
+      <mc:AlternateContent xmlns:mc="http://schemas.openxmlformats.org/markup-compatibility/2006">
+        <mc:Choice xmlns:a14="http://schemas.microsoft.com/office/drawing/2010/main" Requires="a14">
+          <p:sp>
+            <p:nvSpPr>
+              <p:cNvPr id="3" name="직사각형 2"/>
+              <p:cNvSpPr/>
+              <p:nvPr/>
+            </p:nvSpPr>
+            <p:spPr>
+              <a:xfrm>
+                <a:off x="6200951" y="4577475"/>
+                <a:ext cx="1110689" cy="296300"/>
+              </a:xfrm>
+              <a:prstGeom prst="rect">
+                <a:avLst/>
+              </a:prstGeom>
+            </p:spPr>
+            <p:txBody>
+              <a:bodyPr wrap="none">
+                <a:spAutoFit/>
+              </a:bodyPr>
+              <a:lstStyle/>
+              <a:p>
+                <a14:m>
+                  <m:oMathPara xmlns:m="http://schemas.openxmlformats.org/officeDocument/2006/math">
+                    <m:oMathParaPr>
+                      <m:jc m:val="centerGroup"/>
+                    </m:oMathParaPr>
+                    <m:oMath xmlns:m="http://schemas.openxmlformats.org/officeDocument/2006/math">
+                      <m:sSub>
+                        <m:sSubPr>
+                          <m:ctrlPr>
+                            <a:rPr lang="ko-KR" altLang="ko-KR" sz="1200" i="1"/>
+                          </m:ctrlPr>
+                        </m:sSubPr>
+                        <m:e>
+                          <m:r>
+                            <m:rPr>
+                              <m:sty m:val="p"/>
+                            </m:rPr>
+                            <a:rPr lang="en-US" altLang="ko-KR" sz="1200"/>
+                            <m:t>e</m:t>
+                          </m:r>
+                        </m:e>
+                        <m:sub>
+                          <m:r>
+                            <a:rPr lang="en-US" altLang="ko-KR" sz="1200" i="1"/>
+                            <m:t>𝑘</m:t>
+                          </m:r>
+                        </m:sub>
+                      </m:sSub>
+                      <m:r>
+                        <a:rPr lang="en-US" altLang="ko-KR" sz="1200" i="1"/>
+                        <m:t>=</m:t>
+                      </m:r>
+                      <m:sSub>
+                        <m:sSubPr>
+                          <m:ctrlPr>
+                            <a:rPr lang="ko-KR" altLang="ko-KR" sz="1200" i="1"/>
+                          </m:ctrlPr>
+                        </m:sSubPr>
+                        <m:e>
+                          <m:r>
+                            <m:rPr>
+                              <m:sty m:val="p"/>
+                            </m:rPr>
+                            <a:rPr lang="en-US" altLang="ko-KR" sz="1200"/>
+                            <m:t>p</m:t>
+                          </m:r>
+                        </m:e>
+                        <m:sub>
+                          <m:r>
+                            <a:rPr lang="en-US" altLang="ko-KR" sz="1200" i="1"/>
+                            <m:t>𝑘</m:t>
+                          </m:r>
+                        </m:sub>
+                      </m:sSub>
+                      <m:sSub>
+                        <m:sSubPr>
+                          <m:ctrlPr>
+                            <a:rPr lang="ko-KR" altLang="ko-KR" sz="1200" i="1"/>
+                          </m:ctrlPr>
+                        </m:sSubPr>
+                        <m:e>
+                          <m:r>
+                            <a:rPr lang="en-US" altLang="ko-KR" sz="1200" i="1"/>
+                            <m:t>− </m:t>
+                          </m:r>
+                          <m:r>
+                            <a:rPr lang="en-US" altLang="ko-KR" sz="1200" i="1"/>
+                            <m:t>𝑦</m:t>
+                          </m:r>
+                        </m:e>
+                        <m:sub>
+                          <m:r>
+                            <a:rPr lang="en-US" altLang="ko-KR" sz="1200" i="1"/>
+                            <m:t>𝑘</m:t>
+                          </m:r>
+                        </m:sub>
+                      </m:sSub>
+                      <m:r>
+                        <a:rPr lang="en-US" altLang="ko-KR" sz="1200" i="1"/>
+                        <m:t> </m:t>
+                      </m:r>
+                    </m:oMath>
+                  </m:oMathPara>
+                </a14:m>
+                <a:endParaRPr lang="ko-KR" altLang="en-US" sz="1200" dirty="0"/>
+              </a:p>
+            </p:txBody>
+          </p:sp>
+        </mc:Choice>
+        <mc:Fallback>
+          <p:sp>
+            <p:nvSpPr>
+              <p:cNvPr id="3" name="직사각형 2"/>
+              <p:cNvSpPr>
+                <a:spLocks noRot="1" noChangeAspect="1" noMove="1" noResize="1" noEditPoints="1" noAdjustHandles="1" noChangeArrowheads="1" noChangeShapeType="1" noTextEdit="1"/>
+              </p:cNvSpPr>
+              <p:nvPr/>
+            </p:nvSpPr>
+            <p:spPr>
+              <a:xfrm>
+                <a:off x="6200951" y="4577475"/>
+                <a:ext cx="1110689" cy="296300"/>
+              </a:xfrm>
+              <a:prstGeom prst="rect">
+                <a:avLst/>
+              </a:prstGeom>
+              <a:blipFill rotWithShape="1">
+                <a:blip r:embed="rId37"/>
+                <a:stretch>
+                  <a:fillRect/>
+                </a:stretch>
+              </a:blipFill>
+            </p:spPr>
+            <p:txBody>
+              <a:bodyPr/>
+              <a:lstStyle/>
+              <a:p>
+                <a:r>
+                  <a:rPr lang="ko-KR" altLang="en-US">
+                    <a:noFill/>
+                  </a:rPr>
+                  <a:t> </a:t>
+                </a:r>
+              </a:p>
+            </p:txBody>
+          </p:sp>
+        </mc:Fallback>
+      </mc:AlternateContent>
     </p:spTree>
     <p:extLst>
       <p:ext uri="{BB962C8B-B14F-4D97-AF65-F5344CB8AC3E}">
@@ -18252,8 +18403,8 @@
           </a:fontRef>
         </p:style>
       </p:cxnSp>
-      <mc:AlternateContent xmlns:mc="http://schemas.openxmlformats.org/markup-compatibility/2006">
-        <mc:Choice xmlns:a14="http://schemas.microsoft.com/office/drawing/2010/main" Requires="a14">
+      <mc:AlternateContent xmlns:mc="http://schemas.openxmlformats.org/markup-compatibility/2006" xmlns:a14="http://schemas.microsoft.com/office/drawing/2010/main">
+        <mc:Choice Requires="a14">
           <p:sp>
             <p:nvSpPr>
               <p:cNvPr id="3" name="직사각형 2"/>
@@ -18275,6 +18426,7 @@
               </a:bodyPr>
               <a:lstStyle/>
               <a:p>
+                <a:pPr/>
                 <a14:m>
                   <m:oMathPara xmlns:m="http://schemas.openxmlformats.org/officeDocument/2006/math">
                     <m:oMathParaPr>
@@ -18284,48 +18436,64 @@
                       <m:f>
                         <m:fPr>
                           <m:ctrlPr>
-                            <a:rPr lang="ko-KR" altLang="ko-KR" sz="1400" i="1"/>
+                            <a:rPr lang="ko-KR" altLang="ko-KR" sz="1400" i="1">
+                              <a:latin typeface="Cambria Math"/>
+                            </a:rPr>
                           </m:ctrlPr>
                         </m:fPr>
                         <m:num>
                           <m:r>
-                            <a:rPr lang="en-US" altLang="ko-KR" sz="1400"/>
-                            <m:t>∂</m:t>
+                            <a:rPr lang="en-US" altLang="ko-KR" sz="1400">
+                              <a:latin typeface="Cambria Math"/>
+                            </a:rPr>
+                            <m:t>𝜕</m:t>
                           </m:r>
                           <m:r>
                             <m:rPr>
                               <m:sty m:val="p"/>
                             </m:rPr>
-                            <a:rPr lang="en-US" altLang="ko-KR" sz="1400"/>
+                            <a:rPr lang="en-US" altLang="ko-KR" sz="1400">
+                              <a:latin typeface="Cambria Math"/>
+                            </a:rPr>
                             <m:t>cost</m:t>
                           </m:r>
                         </m:num>
                         <m:den>
                           <m:r>
-                            <a:rPr lang="en-US" altLang="ko-KR" sz="1400"/>
-                            <m:t>∂</m:t>
+                            <a:rPr lang="en-US" altLang="ko-KR" sz="1400">
+                              <a:latin typeface="Cambria Math"/>
+                            </a:rPr>
+                            <m:t>𝜕</m:t>
                           </m:r>
                           <m:sSubSup>
                             <m:sSubSupPr>
                               <m:ctrlPr>
-                                <a:rPr lang="ko-KR" altLang="ko-KR" sz="1400" i="1"/>
+                                <a:rPr lang="ko-KR" altLang="ko-KR" sz="1400" i="1">
+                                  <a:latin typeface="Cambria Math"/>
+                                </a:rPr>
                               </m:ctrlPr>
                             </m:sSubSupPr>
                             <m:e>
                               <m:r>
-                                <a:rPr lang="en-US" altLang="ko-KR" sz="1400" i="1"/>
+                                <a:rPr lang="en-US" altLang="ko-KR" sz="1400" i="1">
+                                  <a:latin typeface="Cambria Math"/>
+                                </a:rPr>
                                 <m:t>𝑊</m:t>
                               </m:r>
                             </m:e>
                             <m:sub>
                               <m:r>
-                                <a:rPr lang="en-US" altLang="ko-KR" sz="1400" i="1"/>
+                                <a:rPr lang="en-US" altLang="ko-KR" sz="1400" i="1">
+                                  <a:latin typeface="Cambria Math"/>
+                                </a:rPr>
                                 <m:t>𝑗𝑘</m:t>
                               </m:r>
                             </m:sub>
                             <m:sup>
                               <m:r>
-                                <a:rPr lang="en-US" altLang="ko-KR" sz="1400" i="1"/>
+                                <a:rPr lang="en-US" altLang="ko-KR" sz="1400" i="1">
+                                  <a:latin typeface="Cambria Math"/>
+                                </a:rPr>
                                 <m:t>1</m:t>
                               </m:r>
                             </m:sup>
@@ -18333,7 +18501,9 @@
                         </m:den>
                       </m:f>
                       <m:r>
-                        <a:rPr lang="en-US" altLang="ko-KR" sz="1400" i="1"/>
+                        <a:rPr lang="en-US" altLang="ko-KR" sz="1400" i="1">
+                          <a:latin typeface="Cambria Math"/>
+                        </a:rPr>
                         <m:t>=</m:t>
                       </m:r>
                       <m:nary>
@@ -18341,37 +18511,49 @@
                           <m:chr m:val="∑"/>
                           <m:limLoc m:val="undOvr"/>
                           <m:ctrlPr>
-                            <a:rPr lang="ko-KR" altLang="ko-KR" sz="1400" i="1"/>
+                            <a:rPr lang="ko-KR" altLang="ko-KR" sz="1400" i="1">
+                              <a:latin typeface="Cambria Math"/>
+                            </a:rPr>
                           </m:ctrlPr>
                         </m:naryPr>
                         <m:sub>
                           <m:sSup>
                             <m:sSupPr>
                               <m:ctrlPr>
-                                <a:rPr lang="ko-KR" altLang="ko-KR" sz="1400" i="1"/>
+                                <a:rPr lang="ko-KR" altLang="ko-KR" sz="1400" i="1">
+                                  <a:latin typeface="Cambria Math"/>
+                                </a:rPr>
                               </m:ctrlPr>
                             </m:sSupPr>
                             <m:e>
                               <m:r>
-                                <a:rPr lang="en-US" altLang="ko-KR" sz="1400" i="1"/>
+                                <a:rPr lang="en-US" altLang="ko-KR" sz="1400" i="1">
+                                  <a:latin typeface="Cambria Math"/>
+                                </a:rPr>
                                 <m:t>𝑘</m:t>
                               </m:r>
                             </m:e>
                             <m:sup>
                               <m:r>
-                                <a:rPr lang="en-US" altLang="ko-KR" sz="1400" i="1"/>
+                                <a:rPr lang="en-US" altLang="ko-KR" sz="1400" i="1">
+                                  <a:latin typeface="Cambria Math"/>
+                                </a:rPr>
                                 <m:t>′</m:t>
                               </m:r>
                             </m:sup>
                           </m:sSup>
                           <m:r>
-                            <a:rPr lang="en-US" altLang="ko-KR" sz="1400" i="1"/>
+                            <a:rPr lang="en-US" altLang="ko-KR" sz="1400" i="1">
+                              <a:latin typeface="Cambria Math"/>
+                            </a:rPr>
                             <m:t>=0</m:t>
                           </m:r>
                         </m:sub>
                         <m:sup>
                           <m:r>
-                            <a:rPr lang="en-US" altLang="ko-KR" sz="1400" i="1"/>
+                            <a:rPr lang="en-US" altLang="ko-KR" sz="1400" i="1">
+                              <a:latin typeface="Cambria Math"/>
+                            </a:rPr>
                             <m:t>9</m:t>
                           </m:r>
                         </m:sup>
@@ -18379,18 +18561,24 @@
                           <m:f>
                             <m:fPr>
                               <m:ctrlPr>
-                                <a:rPr lang="ko-KR" altLang="ko-KR" sz="1400" i="1"/>
+                                <a:rPr lang="ko-KR" altLang="ko-KR" sz="1400" i="1">
+                                  <a:latin typeface="Cambria Math"/>
+                                </a:rPr>
                               </m:ctrlPr>
                             </m:fPr>
                             <m:num>
                               <m:r>
-                                <a:rPr lang="en-US" altLang="ko-KR" sz="1400"/>
-                                <m:t>∂</m:t>
+                                <a:rPr lang="en-US" altLang="ko-KR" sz="1400">
+                                  <a:latin typeface="Cambria Math"/>
+                                </a:rPr>
+                                <m:t>𝜕</m:t>
                               </m:r>
                               <m:sSub>
                                 <m:sSubPr>
                                   <m:ctrlPr>
-                                    <a:rPr lang="ko-KR" altLang="ko-KR" sz="1400" i="1"/>
+                                    <a:rPr lang="ko-KR" altLang="ko-KR" sz="1400" i="1">
+                                      <a:latin typeface="Cambria Math"/>
+                                    </a:rPr>
                                   </m:ctrlPr>
                                 </m:sSubPr>
                                 <m:e>
@@ -18398,7 +18586,9 @@
                                     <m:rPr>
                                       <m:sty m:val="p"/>
                                     </m:rPr>
-                                    <a:rPr lang="en-US" altLang="ko-KR" sz="1400"/>
+                                    <a:rPr lang="en-US" altLang="ko-KR" sz="1400">
+                                      <a:latin typeface="Cambria Math"/>
+                                    </a:rPr>
                                     <m:t>cost</m:t>
                                   </m:r>
                                 </m:e>
@@ -18406,18 +18596,24 @@
                                   <m:sSup>
                                     <m:sSupPr>
                                       <m:ctrlPr>
-                                        <a:rPr lang="ko-KR" altLang="ko-KR" sz="1400" i="1"/>
+                                        <a:rPr lang="ko-KR" altLang="ko-KR" sz="1400" i="1">
+                                          <a:latin typeface="Cambria Math"/>
+                                        </a:rPr>
                                       </m:ctrlPr>
                                     </m:sSupPr>
                                     <m:e>
                                       <m:r>
-                                        <a:rPr lang="en-US" altLang="ko-KR" sz="1400" i="1"/>
+                                        <a:rPr lang="en-US" altLang="ko-KR" sz="1400" i="1">
+                                          <a:latin typeface="Cambria Math"/>
+                                        </a:rPr>
                                         <m:t>𝑘</m:t>
                                       </m:r>
                                     </m:e>
                                     <m:sup>
                                       <m:r>
-                                        <a:rPr lang="en-US" altLang="ko-KR" sz="1400" i="1"/>
+                                        <a:rPr lang="en-US" altLang="ko-KR" sz="1400" i="1">
+                                          <a:latin typeface="Cambria Math"/>
+                                        </a:rPr>
                                         <m:t>′</m:t>
                                       </m:r>
                                     </m:sup>
@@ -18427,13 +18623,17 @@
                             </m:num>
                             <m:den>
                               <m:r>
-                                <a:rPr lang="en-US" altLang="ko-KR" sz="1400"/>
-                                <m:t>∂</m:t>
+                                <a:rPr lang="en-US" altLang="ko-KR" sz="1400">
+                                  <a:latin typeface="Cambria Math"/>
+                                </a:rPr>
+                                <m:t>𝜕</m:t>
                               </m:r>
                               <m:sSub>
                                 <m:sSubPr>
                                   <m:ctrlPr>
-                                    <a:rPr lang="ko-KR" altLang="ko-KR" sz="1400" i="1"/>
+                                    <a:rPr lang="ko-KR" altLang="ko-KR" sz="1400" i="1">
+                                      <a:latin typeface="Cambria Math"/>
+                                    </a:rPr>
                                   </m:ctrlPr>
                                 </m:sSubPr>
                                 <m:e>
@@ -18441,7 +18641,9 @@
                                     <m:rPr>
                                       <m:sty m:val="p"/>
                                     </m:rPr>
-                                    <a:rPr lang="en-US" altLang="ko-KR" sz="1400"/>
+                                    <a:rPr lang="en-US" altLang="ko-KR" sz="1400">
+                                      <a:latin typeface="Cambria Math"/>
+                                    </a:rPr>
                                     <m:t>p</m:t>
                                   </m:r>
                                 </m:e>
@@ -18449,18 +18651,24 @@
                                   <m:sSup>
                                     <m:sSupPr>
                                       <m:ctrlPr>
-                                        <a:rPr lang="ko-KR" altLang="ko-KR" sz="1400" i="1"/>
+                                        <a:rPr lang="ko-KR" altLang="ko-KR" sz="1400" i="1">
+                                          <a:latin typeface="Cambria Math"/>
+                                        </a:rPr>
                                       </m:ctrlPr>
                                     </m:sSupPr>
                                     <m:e>
                                       <m:r>
-                                        <a:rPr lang="en-US" altLang="ko-KR" sz="1400" i="1"/>
+                                        <a:rPr lang="en-US" altLang="ko-KR" sz="1400" i="1">
+                                          <a:latin typeface="Cambria Math"/>
+                                        </a:rPr>
                                         <m:t>𝑘</m:t>
                                       </m:r>
                                     </m:e>
                                     <m:sup>
                                       <m:r>
-                                        <a:rPr lang="en-US" altLang="ko-KR" sz="1400" i="1"/>
+                                        <a:rPr lang="en-US" altLang="ko-KR" sz="1400" i="1">
+                                          <a:latin typeface="Cambria Math"/>
+                                        </a:rPr>
                                         <m:t>′</m:t>
                                       </m:r>
                                     </m:sup>
@@ -18470,24 +18678,32 @@
                             </m:den>
                           </m:f>
                           <m:r>
-                            <a:rPr lang="en-US" altLang="ko-KR" sz="1400" i="1"/>
+                            <a:rPr lang="en-US" altLang="ko-KR" sz="1400" i="1">
+                              <a:latin typeface="Cambria Math"/>
+                            </a:rPr>
                             <m:t> </m:t>
                           </m:r>
                           <m:f>
                             <m:fPr>
                               <m:ctrlPr>
-                                <a:rPr lang="ko-KR" altLang="ko-KR" sz="1400" i="1"/>
+                                <a:rPr lang="ko-KR" altLang="ko-KR" sz="1400" i="1">
+                                  <a:latin typeface="Cambria Math"/>
+                                </a:rPr>
                               </m:ctrlPr>
                             </m:fPr>
                             <m:num>
                               <m:r>
-                                <a:rPr lang="en-US" altLang="ko-KR" sz="1400"/>
-                                <m:t>∂</m:t>
+                                <a:rPr lang="en-US" altLang="ko-KR" sz="1400">
+                                  <a:latin typeface="Cambria Math"/>
+                                </a:rPr>
+                                <m:t>𝜕</m:t>
                               </m:r>
                               <m:sSub>
                                 <m:sSubPr>
                                   <m:ctrlPr>
-                                    <a:rPr lang="ko-KR" altLang="ko-KR" sz="1400" i="1"/>
+                                    <a:rPr lang="ko-KR" altLang="ko-KR" sz="1400" i="1">
+                                      <a:latin typeface="Cambria Math"/>
+                                    </a:rPr>
                                   </m:ctrlPr>
                                 </m:sSubPr>
                                 <m:e>
@@ -18495,7 +18711,9 @@
                                     <m:rPr>
                                       <m:sty m:val="p"/>
                                     </m:rPr>
-                                    <a:rPr lang="en-US" altLang="ko-KR" sz="1400"/>
+                                    <a:rPr lang="en-US" altLang="ko-KR" sz="1400">
+                                      <a:latin typeface="Cambria Math"/>
+                                    </a:rPr>
                                     <m:t>p</m:t>
                                   </m:r>
                                 </m:e>
@@ -18503,18 +18721,24 @@
                                   <m:sSup>
                                     <m:sSupPr>
                                       <m:ctrlPr>
-                                        <a:rPr lang="ko-KR" altLang="ko-KR" sz="1400" i="1"/>
+                                        <a:rPr lang="ko-KR" altLang="ko-KR" sz="1400" i="1">
+                                          <a:latin typeface="Cambria Math"/>
+                                        </a:rPr>
                                       </m:ctrlPr>
                                     </m:sSupPr>
                                     <m:e>
                                       <m:r>
-                                        <a:rPr lang="en-US" altLang="ko-KR" sz="1400" i="1"/>
+                                        <a:rPr lang="en-US" altLang="ko-KR" sz="1400" i="1">
+                                          <a:latin typeface="Cambria Math"/>
+                                        </a:rPr>
                                         <m:t>𝑘</m:t>
                                       </m:r>
                                     </m:e>
                                     <m:sup>
                                       <m:r>
-                                        <a:rPr lang="en-US" altLang="ko-KR" sz="1400" i="1"/>
+                                        <a:rPr lang="en-US" altLang="ko-KR" sz="1400" i="1">
+                                          <a:latin typeface="Cambria Math"/>
+                                        </a:rPr>
                                         <m:t>′</m:t>
                                       </m:r>
                                     </m:sup>
@@ -18524,30 +18748,40 @@
                             </m:num>
                             <m:den>
                               <m:r>
-                                <a:rPr lang="en-US" altLang="ko-KR" sz="1400"/>
-                                <m:t>∂</m:t>
+                                <a:rPr lang="en-US" altLang="ko-KR" sz="1400">
+                                  <a:latin typeface="Cambria Math"/>
+                                </a:rPr>
+                                <m:t>𝜕</m:t>
                               </m:r>
                               <m:sSubSup>
                                 <m:sSubSupPr>
                                   <m:ctrlPr>
-                                    <a:rPr lang="ko-KR" altLang="ko-KR" sz="1400" i="1"/>
+                                    <a:rPr lang="ko-KR" altLang="ko-KR" sz="1400" i="1">
+                                      <a:latin typeface="Cambria Math"/>
+                                    </a:rPr>
                                   </m:ctrlPr>
                                 </m:sSubSupPr>
                                 <m:e>
                                   <m:r>
-                                    <a:rPr lang="en-US" altLang="ko-KR" sz="1400" i="1"/>
+                                    <a:rPr lang="en-US" altLang="ko-KR" sz="1400" i="1">
+                                      <a:latin typeface="Cambria Math"/>
+                                    </a:rPr>
                                     <m:t>𝑍</m:t>
                                   </m:r>
                                 </m:e>
                                 <m:sub>
                                   <m:r>
-                                    <a:rPr lang="en-US" altLang="ko-KR" sz="1400" i="1"/>
+                                    <a:rPr lang="en-US" altLang="ko-KR" sz="1400" i="1">
+                                      <a:latin typeface="Cambria Math"/>
+                                    </a:rPr>
                                     <m:t>𝑘</m:t>
                                   </m:r>
                                 </m:sub>
                                 <m:sup>
                                   <m:r>
-                                    <a:rPr lang="en-US" altLang="ko-KR" sz="1400" i="1"/>
+                                    <a:rPr lang="en-US" altLang="ko-KR" sz="1400" i="1">
+                                      <a:latin typeface="Cambria Math"/>
+                                    </a:rPr>
                                     <m:t>1</m:t>
                                   </m:r>
                                 </m:sup>
@@ -18555,41 +18789,55 @@
                             </m:den>
                           </m:f>
                           <m:r>
-                            <a:rPr lang="en-US" altLang="ko-KR" sz="1400" i="1"/>
+                            <a:rPr lang="en-US" altLang="ko-KR" sz="1400" i="1">
+                              <a:latin typeface="Cambria Math"/>
+                            </a:rPr>
                             <m:t> </m:t>
                           </m:r>
                           <m:f>
                             <m:fPr>
                               <m:ctrlPr>
-                                <a:rPr lang="ko-KR" altLang="ko-KR" sz="1400" i="1"/>
+                                <a:rPr lang="ko-KR" altLang="ko-KR" sz="1400" i="1">
+                                  <a:latin typeface="Cambria Math"/>
+                                </a:rPr>
                               </m:ctrlPr>
                             </m:fPr>
                             <m:num>
                               <m:r>
-                                <a:rPr lang="en-US" altLang="ko-KR" sz="1400"/>
-                                <m:t>∂</m:t>
+                                <a:rPr lang="en-US" altLang="ko-KR" sz="1400">
+                                  <a:latin typeface="Cambria Math"/>
+                                </a:rPr>
+                                <m:t>𝜕</m:t>
                               </m:r>
                               <m:sSubSup>
                                 <m:sSubSupPr>
                                   <m:ctrlPr>
-                                    <a:rPr lang="ko-KR" altLang="ko-KR" sz="1400" i="1"/>
+                                    <a:rPr lang="ko-KR" altLang="ko-KR" sz="1400" i="1">
+                                      <a:latin typeface="Cambria Math"/>
+                                    </a:rPr>
                                   </m:ctrlPr>
                                 </m:sSubSupPr>
                                 <m:e>
                                   <m:r>
-                                    <a:rPr lang="en-US" altLang="ko-KR" sz="1400" i="1"/>
+                                    <a:rPr lang="en-US" altLang="ko-KR" sz="1400" i="1">
+                                      <a:latin typeface="Cambria Math"/>
+                                    </a:rPr>
                                     <m:t>𝑍</m:t>
                                   </m:r>
                                 </m:e>
                                 <m:sub>
                                   <m:r>
-                                    <a:rPr lang="en-US" altLang="ko-KR" sz="1400" i="1"/>
+                                    <a:rPr lang="en-US" altLang="ko-KR" sz="1400" i="1">
+                                      <a:latin typeface="Cambria Math"/>
+                                    </a:rPr>
                                     <m:t>𝑘</m:t>
                                   </m:r>
                                 </m:sub>
                                 <m:sup>
                                   <m:r>
-                                    <a:rPr lang="en-US" altLang="ko-KR" sz="1400" i="1"/>
+                                    <a:rPr lang="en-US" altLang="ko-KR" sz="1400" i="1">
+                                      <a:latin typeface="Cambria Math"/>
+                                    </a:rPr>
                                     <m:t>1</m:t>
                                   </m:r>
                                 </m:sup>
@@ -18597,30 +18845,40 @@
                             </m:num>
                             <m:den>
                               <m:r>
-                                <a:rPr lang="en-US" altLang="ko-KR" sz="1400"/>
-                                <m:t>∂</m:t>
+                                <a:rPr lang="en-US" altLang="ko-KR" sz="1400">
+                                  <a:latin typeface="Cambria Math"/>
+                                </a:rPr>
+                                <m:t>𝜕</m:t>
                               </m:r>
                               <m:sSubSup>
                                 <m:sSubSupPr>
                                   <m:ctrlPr>
-                                    <a:rPr lang="ko-KR" altLang="ko-KR" sz="1400" i="1"/>
+                                    <a:rPr lang="ko-KR" altLang="ko-KR" sz="1400" i="1">
+                                      <a:latin typeface="Cambria Math"/>
+                                    </a:rPr>
                                   </m:ctrlPr>
                                 </m:sSubSupPr>
                                 <m:e>
                                   <m:r>
-                                    <a:rPr lang="en-US" altLang="ko-KR" sz="1400" i="1"/>
+                                    <a:rPr lang="en-US" altLang="ko-KR" sz="1400" i="1">
+                                      <a:latin typeface="Cambria Math"/>
+                                    </a:rPr>
                                     <m:t>𝑊</m:t>
                                   </m:r>
                                 </m:e>
                                 <m:sub>
                                   <m:r>
-                                    <a:rPr lang="en-US" altLang="ko-KR" sz="1400" i="1"/>
+                                    <a:rPr lang="en-US" altLang="ko-KR" sz="1400" i="1">
+                                      <a:latin typeface="Cambria Math"/>
+                                    </a:rPr>
                                     <m:t>𝑗𝑘</m:t>
                                   </m:r>
                                 </m:sub>
                                 <m:sup>
                                   <m:r>
-                                    <a:rPr lang="en-US" altLang="ko-KR" sz="1400" i="1"/>
+                                    <a:rPr lang="en-US" altLang="ko-KR" sz="1400" i="1">
+                                      <a:latin typeface="Cambria Math"/>
+                                    </a:rPr>
                                     <m:t>1</m:t>
                                   </m:r>
                                 </m:sup>
@@ -18637,7 +18895,7 @@
             </p:txBody>
           </p:sp>
         </mc:Choice>
-        <mc:Fallback>
+        <mc:Fallback xmlns="">
           <p:sp>
             <p:nvSpPr>
               <p:cNvPr id="3" name="직사각형 2"/>
@@ -26138,8 +26396,8 @@
           </a:fontRef>
         </p:style>
       </p:cxnSp>
-      <mc:AlternateContent xmlns:mc="http://schemas.openxmlformats.org/markup-compatibility/2006">
-        <mc:Choice xmlns:a14="http://schemas.microsoft.com/office/drawing/2010/main" Requires="a14">
+      <mc:AlternateContent xmlns:mc="http://schemas.openxmlformats.org/markup-compatibility/2006" xmlns:a14="http://schemas.microsoft.com/office/drawing/2010/main">
+        <mc:Choice Requires="a14">
           <p:sp>
             <p:nvSpPr>
               <p:cNvPr id="2" name="직사각형 1"/>
@@ -26161,6 +26419,7 @@
               </a:bodyPr>
               <a:lstStyle/>
               <a:p>
+                <a:pPr/>
                 <a14:m>
                   <m:oMathPara xmlns:m="http://schemas.openxmlformats.org/officeDocument/2006/math">
                     <m:oMathParaPr>
@@ -26170,48 +26429,64 @@
                       <m:f>
                         <m:fPr>
                           <m:ctrlPr>
-                            <a:rPr lang="ko-KR" altLang="ko-KR" sz="1400" i="1"/>
+                            <a:rPr lang="ko-KR" altLang="ko-KR" sz="1400" i="1">
+                              <a:latin typeface="Cambria Math"/>
+                            </a:rPr>
                           </m:ctrlPr>
                         </m:fPr>
                         <m:num>
                           <m:r>
-                            <a:rPr lang="en-US" altLang="ko-KR" sz="1400"/>
-                            <m:t>∂</m:t>
+                            <a:rPr lang="en-US" altLang="ko-KR" sz="1400">
+                              <a:latin typeface="Cambria Math"/>
+                            </a:rPr>
+                            <m:t>𝜕</m:t>
                           </m:r>
                           <m:r>
                             <m:rPr>
                               <m:sty m:val="p"/>
                             </m:rPr>
-                            <a:rPr lang="en-US" altLang="ko-KR" sz="1400"/>
+                            <a:rPr lang="en-US" altLang="ko-KR" sz="1400">
+                              <a:latin typeface="Cambria Math"/>
+                            </a:rPr>
                             <m:t>cost</m:t>
                           </m:r>
                         </m:num>
                         <m:den>
                           <m:r>
-                            <a:rPr lang="en-US" altLang="ko-KR" sz="1400"/>
-                            <m:t>∂</m:t>
+                            <a:rPr lang="en-US" altLang="ko-KR" sz="1400">
+                              <a:latin typeface="Cambria Math"/>
+                            </a:rPr>
+                            <m:t>𝜕</m:t>
                           </m:r>
                           <m:sSubSup>
                             <m:sSubSupPr>
                               <m:ctrlPr>
-                                <a:rPr lang="ko-KR" altLang="ko-KR" sz="1400" i="1"/>
+                                <a:rPr lang="ko-KR" altLang="ko-KR" sz="1400" i="1">
+                                  <a:latin typeface="Cambria Math"/>
+                                </a:rPr>
                               </m:ctrlPr>
                             </m:sSubSupPr>
                             <m:e>
                               <m:r>
-                                <a:rPr lang="en-US" altLang="ko-KR" sz="1400" i="1"/>
+                                <a:rPr lang="en-US" altLang="ko-KR" sz="1400" i="1">
+                                  <a:latin typeface="Cambria Math"/>
+                                </a:rPr>
                                 <m:t>𝑊</m:t>
                               </m:r>
                             </m:e>
                             <m:sub>
                               <m:r>
-                                <a:rPr lang="en-US" altLang="ko-KR" sz="1400" i="1"/>
+                                <a:rPr lang="en-US" altLang="ko-KR" sz="1400" i="1">
+                                  <a:latin typeface="Cambria Math"/>
+                                </a:rPr>
                                 <m:t>𝑖𝑗</m:t>
                               </m:r>
                             </m:sub>
                             <m:sup>
                               <m:r>
-                                <a:rPr lang="en-US" altLang="ko-KR" sz="1400" i="1"/>
+                                <a:rPr lang="en-US" altLang="ko-KR" sz="1400" i="1">
+                                  <a:latin typeface="Cambria Math"/>
+                                </a:rPr>
                                 <m:t>0</m:t>
                               </m:r>
                             </m:sup>
@@ -26219,54 +26494,72 @@
                         </m:den>
                       </m:f>
                       <m:r>
-                        <a:rPr lang="en-US" altLang="ko-KR" sz="1400" i="1"/>
+                        <a:rPr lang="en-US" altLang="ko-KR" sz="1400" i="1">
+                          <a:latin typeface="Cambria Math"/>
+                        </a:rPr>
                         <m:t>=</m:t>
                       </m:r>
                       <m:f>
                         <m:fPr>
                           <m:ctrlPr>
-                            <a:rPr lang="ko-KR" altLang="ko-KR" sz="1400" i="1"/>
+                            <a:rPr lang="ko-KR" altLang="ko-KR" sz="1400" i="1">
+                              <a:latin typeface="Cambria Math"/>
+                            </a:rPr>
                           </m:ctrlPr>
                         </m:fPr>
                         <m:num>
                           <m:r>
-                            <a:rPr lang="en-US" altLang="ko-KR" sz="1400"/>
-                            <m:t>∂</m:t>
+                            <a:rPr lang="en-US" altLang="ko-KR" sz="1400">
+                              <a:latin typeface="Cambria Math"/>
+                            </a:rPr>
+                            <m:t>𝜕</m:t>
                           </m:r>
                           <m:r>
                             <m:rPr>
                               <m:sty m:val="p"/>
                             </m:rPr>
-                            <a:rPr lang="en-US" altLang="ko-KR" sz="1400"/>
+                            <a:rPr lang="en-US" altLang="ko-KR" sz="1400">
+                              <a:latin typeface="Cambria Math"/>
+                            </a:rPr>
                             <m:t>cost</m:t>
                           </m:r>
                         </m:num>
                         <m:den>
                           <m:r>
-                            <a:rPr lang="en-US" altLang="ko-KR" sz="1400"/>
-                            <m:t>∂</m:t>
+                            <a:rPr lang="en-US" altLang="ko-KR" sz="1400">
+                              <a:latin typeface="Cambria Math"/>
+                            </a:rPr>
+                            <m:t>𝜕</m:t>
                           </m:r>
                           <m:sSubSup>
                             <m:sSubSupPr>
                               <m:ctrlPr>
-                                <a:rPr lang="ko-KR" altLang="ko-KR" sz="1400" i="1"/>
+                                <a:rPr lang="ko-KR" altLang="ko-KR" sz="1400" i="1">
+                                  <a:latin typeface="Cambria Math"/>
+                                </a:rPr>
                               </m:ctrlPr>
                             </m:sSubSupPr>
                             <m:e>
                               <m:r>
-                                <a:rPr lang="en-US" altLang="ko-KR" sz="1400" i="1"/>
+                                <a:rPr lang="en-US" altLang="ko-KR" sz="1400" i="1">
+                                  <a:latin typeface="Cambria Math"/>
+                                </a:rPr>
                                 <m:t>𝑍</m:t>
                               </m:r>
                             </m:e>
                             <m:sub>
                               <m:r>
-                                <a:rPr lang="en-US" altLang="ko-KR" sz="1400" i="1"/>
+                                <a:rPr lang="en-US" altLang="ko-KR" sz="1400" i="1">
+                                  <a:latin typeface="Cambria Math"/>
+                                </a:rPr>
                                 <m:t>𝑗</m:t>
                               </m:r>
                             </m:sub>
                             <m:sup>
                               <m:r>
-                                <a:rPr lang="en-US" altLang="ko-KR" sz="1400" i="1"/>
+                                <a:rPr lang="en-US" altLang="ko-KR" sz="1400" i="1">
+                                  <a:latin typeface="Cambria Math"/>
+                                </a:rPr>
                                 <m:t>0</m:t>
                               </m:r>
                             </m:sup>
@@ -26274,41 +26567,55 @@
                         </m:den>
                       </m:f>
                       <m:r>
-                        <a:rPr lang="en-US" altLang="ko-KR" sz="1400" i="1"/>
+                        <a:rPr lang="en-US" altLang="ko-KR" sz="1400" i="1">
+                          <a:latin typeface="Cambria Math"/>
+                        </a:rPr>
                         <m:t> </m:t>
                       </m:r>
                       <m:f>
                         <m:fPr>
                           <m:ctrlPr>
-                            <a:rPr lang="ko-KR" altLang="ko-KR" sz="1400" i="1"/>
+                            <a:rPr lang="ko-KR" altLang="ko-KR" sz="1400" i="1">
+                              <a:latin typeface="Cambria Math"/>
+                            </a:rPr>
                           </m:ctrlPr>
                         </m:fPr>
                         <m:num>
                           <m:r>
-                            <a:rPr lang="en-US" altLang="ko-KR" sz="1400"/>
-                            <m:t>∂</m:t>
+                            <a:rPr lang="en-US" altLang="ko-KR" sz="1400">
+                              <a:latin typeface="Cambria Math"/>
+                            </a:rPr>
+                            <m:t>𝜕</m:t>
                           </m:r>
                           <m:sSubSup>
                             <m:sSubSupPr>
                               <m:ctrlPr>
-                                <a:rPr lang="ko-KR" altLang="ko-KR" sz="1400" i="1"/>
+                                <a:rPr lang="ko-KR" altLang="ko-KR" sz="1400" i="1">
+                                  <a:latin typeface="Cambria Math"/>
+                                </a:rPr>
                               </m:ctrlPr>
                             </m:sSubSupPr>
                             <m:e>
                               <m:r>
-                                <a:rPr lang="en-US" altLang="ko-KR" sz="1400" i="1"/>
+                                <a:rPr lang="en-US" altLang="ko-KR" sz="1400" i="1">
+                                  <a:latin typeface="Cambria Math"/>
+                                </a:rPr>
                                 <m:t>𝑍</m:t>
                               </m:r>
                             </m:e>
                             <m:sub>
                               <m:r>
-                                <a:rPr lang="en-US" altLang="ko-KR" sz="1400" i="1"/>
+                                <a:rPr lang="en-US" altLang="ko-KR" sz="1400" i="1">
+                                  <a:latin typeface="Cambria Math"/>
+                                </a:rPr>
                                 <m:t>𝑗</m:t>
                               </m:r>
                             </m:sub>
                             <m:sup>
                               <m:r>
-                                <a:rPr lang="en-US" altLang="ko-KR" sz="1400" i="1"/>
+                                <a:rPr lang="en-US" altLang="ko-KR" sz="1400" i="1">
+                                  <a:latin typeface="Cambria Math"/>
+                                </a:rPr>
                                 <m:t>0</m:t>
                               </m:r>
                             </m:sup>
@@ -26316,30 +26623,40 @@
                         </m:num>
                         <m:den>
                           <m:r>
-                            <a:rPr lang="en-US" altLang="ko-KR" sz="1400"/>
-                            <m:t>∂</m:t>
+                            <a:rPr lang="en-US" altLang="ko-KR" sz="1400">
+                              <a:latin typeface="Cambria Math"/>
+                            </a:rPr>
+                            <m:t>𝜕</m:t>
                           </m:r>
                           <m:sSubSup>
                             <m:sSubSupPr>
                               <m:ctrlPr>
-                                <a:rPr lang="ko-KR" altLang="ko-KR" sz="1400" i="1"/>
+                                <a:rPr lang="ko-KR" altLang="ko-KR" sz="1400" i="1">
+                                  <a:latin typeface="Cambria Math"/>
+                                </a:rPr>
                               </m:ctrlPr>
                             </m:sSubSupPr>
                             <m:e>
                               <m:r>
-                                <a:rPr lang="en-US" altLang="ko-KR" sz="1400" i="1"/>
+                                <a:rPr lang="en-US" altLang="ko-KR" sz="1400" i="1">
+                                  <a:latin typeface="Cambria Math"/>
+                                </a:rPr>
                                 <m:t>𝑊</m:t>
                               </m:r>
                             </m:e>
                             <m:sub>
                               <m:r>
-                                <a:rPr lang="en-US" altLang="ko-KR" sz="1400" i="1"/>
+                                <a:rPr lang="en-US" altLang="ko-KR" sz="1400" i="1">
+                                  <a:latin typeface="Cambria Math"/>
+                                </a:rPr>
                                 <m:t>𝑖𝑗</m:t>
                               </m:r>
                             </m:sub>
                             <m:sup>
                               <m:r>
-                                <a:rPr lang="en-US" altLang="ko-KR" sz="1400" i="1"/>
+                                <a:rPr lang="en-US" altLang="ko-KR" sz="1400" i="1">
+                                  <a:latin typeface="Cambria Math"/>
+                                </a:rPr>
                                 <m:t>0</m:t>
                               </m:r>
                             </m:sup>
@@ -26347,7 +26664,9 @@
                         </m:den>
                       </m:f>
                       <m:r>
-                        <a:rPr lang="en-US" altLang="ko-KR" sz="1400" i="1"/>
+                        <a:rPr lang="en-US" altLang="ko-KR" sz="1400" i="1">
+                          <a:latin typeface="Cambria Math"/>
+                        </a:rPr>
                         <m:t>=</m:t>
                       </m:r>
                       <m:nary>
@@ -26355,22 +26674,30 @@
                           <m:chr m:val="∑"/>
                           <m:limLoc m:val="undOvr"/>
                           <m:ctrlPr>
-                            <a:rPr lang="ko-KR" altLang="ko-KR" sz="1400" i="1"/>
+                            <a:rPr lang="ko-KR" altLang="ko-KR" sz="1400" i="1">
+                              <a:latin typeface="Cambria Math"/>
+                            </a:rPr>
                           </m:ctrlPr>
                         </m:naryPr>
                         <m:sub>
                           <m:r>
-                            <a:rPr lang="en-US" altLang="ko-KR" sz="1400" i="1"/>
+                            <a:rPr lang="en-US" altLang="ko-KR" sz="1400" i="1">
+                              <a:latin typeface="Cambria Math"/>
+                            </a:rPr>
                             <m:t>𝑘</m:t>
                           </m:r>
                           <m:r>
-                            <a:rPr lang="en-US" altLang="ko-KR" sz="1400" i="1"/>
+                            <a:rPr lang="en-US" altLang="ko-KR" sz="1400" i="1">
+                              <a:latin typeface="Cambria Math"/>
+                            </a:rPr>
                             <m:t>=0</m:t>
                           </m:r>
                         </m:sub>
                         <m:sup>
                           <m:r>
-                            <a:rPr lang="en-US" altLang="ko-KR" sz="1400" i="1"/>
+                            <a:rPr lang="en-US" altLang="ko-KR" sz="1400" i="1">
+                              <a:latin typeface="Cambria Math"/>
+                            </a:rPr>
                             <m:t>9</m:t>
                           </m:r>
                         </m:sup>
@@ -26378,7 +26705,9 @@
                           <m:d>
                             <m:dPr>
                               <m:ctrlPr>
-                                <a:rPr lang="ko-KR" altLang="ko-KR" sz="1400" i="1"/>
+                                <a:rPr lang="ko-KR" altLang="ko-KR" sz="1400" i="1">
+                                  <a:latin typeface="Cambria Math"/>
+                                </a:rPr>
                               </m:ctrlPr>
                             </m:dPr>
                             <m:e>
@@ -26387,37 +26716,49 @@
                                   <m:chr m:val="∑"/>
                                   <m:limLoc m:val="undOvr"/>
                                   <m:ctrlPr>
-                                    <a:rPr lang="ko-KR" altLang="ko-KR" sz="1400" i="1"/>
+                                    <a:rPr lang="ko-KR" altLang="ko-KR" sz="1400" i="1">
+                                      <a:latin typeface="Cambria Math"/>
+                                    </a:rPr>
                                   </m:ctrlPr>
                                 </m:naryPr>
                                 <m:sub>
                                   <m:sSup>
                                     <m:sSupPr>
                                       <m:ctrlPr>
-                                        <a:rPr lang="ko-KR" altLang="ko-KR" sz="1400" i="1"/>
+                                        <a:rPr lang="ko-KR" altLang="ko-KR" sz="1400" i="1">
+                                          <a:latin typeface="Cambria Math"/>
+                                        </a:rPr>
                                       </m:ctrlPr>
                                     </m:sSupPr>
                                     <m:e>
                                       <m:r>
-                                        <a:rPr lang="en-US" altLang="ko-KR" sz="1400" i="1"/>
+                                        <a:rPr lang="en-US" altLang="ko-KR" sz="1400" i="1">
+                                          <a:latin typeface="Cambria Math"/>
+                                        </a:rPr>
                                         <m:t>𝑘</m:t>
                                       </m:r>
                                     </m:e>
                                     <m:sup>
                                       <m:r>
-                                        <a:rPr lang="en-US" altLang="ko-KR" sz="1400" i="1"/>
+                                        <a:rPr lang="en-US" altLang="ko-KR" sz="1400" i="1">
+                                          <a:latin typeface="Cambria Math"/>
+                                        </a:rPr>
                                         <m:t>′</m:t>
                                       </m:r>
                                     </m:sup>
                                   </m:sSup>
                                   <m:r>
-                                    <a:rPr lang="en-US" altLang="ko-KR" sz="1400" i="1"/>
+                                    <a:rPr lang="en-US" altLang="ko-KR" sz="1400" i="1">
+                                      <a:latin typeface="Cambria Math"/>
+                                    </a:rPr>
                                     <m:t>=0</m:t>
                                   </m:r>
                                 </m:sub>
                                 <m:sup>
                                   <m:r>
-                                    <a:rPr lang="en-US" altLang="ko-KR" sz="1400" i="1"/>
+                                    <a:rPr lang="en-US" altLang="ko-KR" sz="1400" i="1">
+                                      <a:latin typeface="Cambria Math"/>
+                                    </a:rPr>
                                     <m:t>9</m:t>
                                   </m:r>
                                 </m:sup>
@@ -26425,18 +26766,24 @@
                                   <m:f>
                                     <m:fPr>
                                       <m:ctrlPr>
-                                        <a:rPr lang="ko-KR" altLang="ko-KR" sz="1400" i="1"/>
+                                        <a:rPr lang="ko-KR" altLang="ko-KR" sz="1400" i="1">
+                                          <a:latin typeface="Cambria Math"/>
+                                        </a:rPr>
                                       </m:ctrlPr>
                                     </m:fPr>
                                     <m:num>
                                       <m:r>
-                                        <a:rPr lang="en-US" altLang="ko-KR" sz="1400"/>
-                                        <m:t>∂</m:t>
+                                        <a:rPr lang="en-US" altLang="ko-KR" sz="1400">
+                                          <a:latin typeface="Cambria Math"/>
+                                        </a:rPr>
+                                        <m:t>𝜕</m:t>
                                       </m:r>
                                       <m:sSub>
                                         <m:sSubPr>
                                           <m:ctrlPr>
-                                            <a:rPr lang="ko-KR" altLang="ko-KR" sz="1400" i="1"/>
+                                            <a:rPr lang="ko-KR" altLang="ko-KR" sz="1400" i="1">
+                                              <a:latin typeface="Cambria Math"/>
+                                            </a:rPr>
                                           </m:ctrlPr>
                                         </m:sSubPr>
                                         <m:e>
@@ -26444,7 +26791,9 @@
                                             <m:rPr>
                                               <m:sty m:val="p"/>
                                             </m:rPr>
-                                            <a:rPr lang="en-US" altLang="ko-KR" sz="1400"/>
+                                            <a:rPr lang="en-US" altLang="ko-KR" sz="1400">
+                                              <a:latin typeface="Cambria Math"/>
+                                            </a:rPr>
                                             <m:t>cost</m:t>
                                           </m:r>
                                         </m:e>
@@ -26452,18 +26801,24 @@
                                           <m:sSup>
                                             <m:sSupPr>
                                               <m:ctrlPr>
-                                                <a:rPr lang="ko-KR" altLang="ko-KR" sz="1400" i="1"/>
+                                                <a:rPr lang="ko-KR" altLang="ko-KR" sz="1400" i="1">
+                                                  <a:latin typeface="Cambria Math"/>
+                                                </a:rPr>
                                               </m:ctrlPr>
                                             </m:sSupPr>
                                             <m:e>
                                               <m:r>
-                                                <a:rPr lang="en-US" altLang="ko-KR" sz="1400" i="1"/>
+                                                <a:rPr lang="en-US" altLang="ko-KR" sz="1400" i="1">
+                                                  <a:latin typeface="Cambria Math"/>
+                                                </a:rPr>
                                                 <m:t>𝑘</m:t>
                                               </m:r>
                                             </m:e>
                                             <m:sup>
                                               <m:r>
-                                                <a:rPr lang="en-US" altLang="ko-KR" sz="1400" i="1"/>
+                                                <a:rPr lang="en-US" altLang="ko-KR" sz="1400" i="1">
+                                                  <a:latin typeface="Cambria Math"/>
+                                                </a:rPr>
                                                 <m:t>′</m:t>
                                               </m:r>
                                             </m:sup>
@@ -26473,13 +26828,17 @@
                                     </m:num>
                                     <m:den>
                                       <m:r>
-                                        <a:rPr lang="en-US" altLang="ko-KR" sz="1400"/>
-                                        <m:t>∂</m:t>
+                                        <a:rPr lang="en-US" altLang="ko-KR" sz="1400">
+                                          <a:latin typeface="Cambria Math"/>
+                                        </a:rPr>
+                                        <m:t>𝜕</m:t>
                                       </m:r>
                                       <m:sSub>
                                         <m:sSubPr>
                                           <m:ctrlPr>
-                                            <a:rPr lang="ko-KR" altLang="ko-KR" sz="1400" i="1"/>
+                                            <a:rPr lang="ko-KR" altLang="ko-KR" sz="1400" i="1">
+                                              <a:latin typeface="Cambria Math"/>
+                                            </a:rPr>
                                           </m:ctrlPr>
                                         </m:sSubPr>
                                         <m:e>
@@ -26487,7 +26846,9 @@
                                             <m:rPr>
                                               <m:sty m:val="p"/>
                                             </m:rPr>
-                                            <a:rPr lang="en-US" altLang="ko-KR" sz="1400"/>
+                                            <a:rPr lang="en-US" altLang="ko-KR" sz="1400">
+                                              <a:latin typeface="Cambria Math"/>
+                                            </a:rPr>
                                             <m:t>p</m:t>
                                           </m:r>
                                         </m:e>
@@ -26495,18 +26856,24 @@
                                           <m:sSup>
                                             <m:sSupPr>
                                               <m:ctrlPr>
-                                                <a:rPr lang="ko-KR" altLang="ko-KR" sz="1400" i="1"/>
+                                                <a:rPr lang="ko-KR" altLang="ko-KR" sz="1400" i="1">
+                                                  <a:latin typeface="Cambria Math"/>
+                                                </a:rPr>
                                               </m:ctrlPr>
                                             </m:sSupPr>
                                             <m:e>
                                               <m:r>
-                                                <a:rPr lang="en-US" altLang="ko-KR" sz="1400" i="1"/>
+                                                <a:rPr lang="en-US" altLang="ko-KR" sz="1400" i="1">
+                                                  <a:latin typeface="Cambria Math"/>
+                                                </a:rPr>
                                                 <m:t>𝑘</m:t>
                                               </m:r>
                                             </m:e>
                                             <m:sup>
                                               <m:r>
-                                                <a:rPr lang="en-US" altLang="ko-KR" sz="1400" i="1"/>
+                                                <a:rPr lang="en-US" altLang="ko-KR" sz="1400" i="1">
+                                                  <a:latin typeface="Cambria Math"/>
+                                                </a:rPr>
                                                 <m:t>′</m:t>
                                               </m:r>
                                             </m:sup>
@@ -26516,24 +26883,32 @@
                                     </m:den>
                                   </m:f>
                                   <m:r>
-                                    <a:rPr lang="en-US" altLang="ko-KR" sz="1400" i="1"/>
+                                    <a:rPr lang="en-US" altLang="ko-KR" sz="1400" i="1">
+                                      <a:latin typeface="Cambria Math"/>
+                                    </a:rPr>
                                     <m:t> </m:t>
                                   </m:r>
                                   <m:f>
                                     <m:fPr>
                                       <m:ctrlPr>
-                                        <a:rPr lang="ko-KR" altLang="ko-KR" sz="1400" i="1"/>
+                                        <a:rPr lang="ko-KR" altLang="ko-KR" sz="1400" i="1">
+                                          <a:latin typeface="Cambria Math"/>
+                                        </a:rPr>
                                       </m:ctrlPr>
                                     </m:fPr>
                                     <m:num>
                                       <m:r>
-                                        <a:rPr lang="en-US" altLang="ko-KR" sz="1400"/>
-                                        <m:t>∂</m:t>
+                                        <a:rPr lang="en-US" altLang="ko-KR" sz="1400">
+                                          <a:latin typeface="Cambria Math"/>
+                                        </a:rPr>
+                                        <m:t>𝜕</m:t>
                                       </m:r>
                                       <m:sSub>
                                         <m:sSubPr>
                                           <m:ctrlPr>
-                                            <a:rPr lang="ko-KR" altLang="ko-KR" sz="1400" i="1"/>
+                                            <a:rPr lang="ko-KR" altLang="ko-KR" sz="1400" i="1">
+                                              <a:latin typeface="Cambria Math"/>
+                                            </a:rPr>
                                           </m:ctrlPr>
                                         </m:sSubPr>
                                         <m:e>
@@ -26541,7 +26916,9 @@
                                             <m:rPr>
                                               <m:sty m:val="p"/>
                                             </m:rPr>
-                                            <a:rPr lang="en-US" altLang="ko-KR" sz="1400"/>
+                                            <a:rPr lang="en-US" altLang="ko-KR" sz="1400">
+                                              <a:latin typeface="Cambria Math"/>
+                                            </a:rPr>
                                             <m:t>p</m:t>
                                           </m:r>
                                         </m:e>
@@ -26549,18 +26926,24 @@
                                           <m:sSup>
                                             <m:sSupPr>
                                               <m:ctrlPr>
-                                                <a:rPr lang="ko-KR" altLang="ko-KR" sz="1400" i="1"/>
+                                                <a:rPr lang="ko-KR" altLang="ko-KR" sz="1400" i="1">
+                                                  <a:latin typeface="Cambria Math"/>
+                                                </a:rPr>
                                               </m:ctrlPr>
                                             </m:sSupPr>
                                             <m:e>
                                               <m:r>
-                                                <a:rPr lang="en-US" altLang="ko-KR" sz="1400" i="1"/>
+                                                <a:rPr lang="en-US" altLang="ko-KR" sz="1400" i="1">
+                                                  <a:latin typeface="Cambria Math"/>
+                                                </a:rPr>
                                                 <m:t>𝑘</m:t>
                                               </m:r>
                                             </m:e>
                                             <m:sup>
                                               <m:r>
-                                                <a:rPr lang="en-US" altLang="ko-KR" sz="1400" i="1"/>
+                                                <a:rPr lang="en-US" altLang="ko-KR" sz="1400" i="1">
+                                                  <a:latin typeface="Cambria Math"/>
+                                                </a:rPr>
                                                 <m:t>′</m:t>
                                               </m:r>
                                             </m:sup>
@@ -26570,30 +26953,40 @@
                                     </m:num>
                                     <m:den>
                                       <m:r>
-                                        <a:rPr lang="en-US" altLang="ko-KR" sz="1400"/>
-                                        <m:t>∂</m:t>
+                                        <a:rPr lang="en-US" altLang="ko-KR" sz="1400">
+                                          <a:latin typeface="Cambria Math"/>
+                                        </a:rPr>
+                                        <m:t>𝜕</m:t>
                                       </m:r>
                                       <m:sSubSup>
                                         <m:sSubSupPr>
                                           <m:ctrlPr>
-                                            <a:rPr lang="ko-KR" altLang="ko-KR" sz="1400" i="1"/>
+                                            <a:rPr lang="ko-KR" altLang="ko-KR" sz="1400" i="1">
+                                              <a:latin typeface="Cambria Math"/>
+                                            </a:rPr>
                                           </m:ctrlPr>
                                         </m:sSubSupPr>
                                         <m:e>
                                           <m:r>
-                                            <a:rPr lang="en-US" altLang="ko-KR" sz="1400" i="1"/>
+                                            <a:rPr lang="en-US" altLang="ko-KR" sz="1400" i="1">
+                                              <a:latin typeface="Cambria Math"/>
+                                            </a:rPr>
                                             <m:t>𝑍</m:t>
                                           </m:r>
                                         </m:e>
                                         <m:sub>
                                           <m:r>
-                                            <a:rPr lang="en-US" altLang="ko-KR" sz="1400" i="1"/>
+                                            <a:rPr lang="en-US" altLang="ko-KR" sz="1400" i="1">
+                                              <a:latin typeface="Cambria Math"/>
+                                            </a:rPr>
                                             <m:t>𝑘</m:t>
                                           </m:r>
                                         </m:sub>
                                         <m:sup>
                                           <m:r>
-                                            <a:rPr lang="en-US" altLang="ko-KR" sz="1400" i="1"/>
+                                            <a:rPr lang="en-US" altLang="ko-KR" sz="1400" i="1">
+                                              <a:latin typeface="Cambria Math"/>
+                                            </a:rPr>
                                             <m:t>1</m:t>
                                           </m:r>
                                         </m:sup>
@@ -26601,41 +26994,55 @@
                                     </m:den>
                                   </m:f>
                                   <m:r>
-                                    <a:rPr lang="en-US" altLang="ko-KR" sz="1400" i="1"/>
+                                    <a:rPr lang="en-US" altLang="ko-KR" sz="1400" i="1">
+                                      <a:latin typeface="Cambria Math"/>
+                                    </a:rPr>
                                     <m:t> </m:t>
                                   </m:r>
                                   <m:f>
                                     <m:fPr>
                                       <m:ctrlPr>
-                                        <a:rPr lang="ko-KR" altLang="ko-KR" sz="1400" i="1"/>
+                                        <a:rPr lang="ko-KR" altLang="ko-KR" sz="1400" i="1">
+                                          <a:latin typeface="Cambria Math"/>
+                                        </a:rPr>
                                       </m:ctrlPr>
                                     </m:fPr>
                                     <m:num>
                                       <m:r>
-                                        <a:rPr lang="en-US" altLang="ko-KR" sz="1400"/>
-                                        <m:t>∂</m:t>
+                                        <a:rPr lang="en-US" altLang="ko-KR" sz="1400">
+                                          <a:latin typeface="Cambria Math"/>
+                                        </a:rPr>
+                                        <m:t>𝜕</m:t>
                                       </m:r>
                                       <m:sSubSup>
                                         <m:sSubSupPr>
                                           <m:ctrlPr>
-                                            <a:rPr lang="ko-KR" altLang="ko-KR" sz="1400" i="1"/>
+                                            <a:rPr lang="ko-KR" altLang="ko-KR" sz="1400" i="1">
+                                              <a:latin typeface="Cambria Math"/>
+                                            </a:rPr>
                                           </m:ctrlPr>
                                         </m:sSubSupPr>
                                         <m:e>
                                           <m:r>
-                                            <a:rPr lang="en-US" altLang="ko-KR" sz="1400" i="1"/>
+                                            <a:rPr lang="en-US" altLang="ko-KR" sz="1400" i="1">
+                                              <a:latin typeface="Cambria Math"/>
+                                            </a:rPr>
                                             <m:t>𝑍</m:t>
                                           </m:r>
                                         </m:e>
                                         <m:sub>
                                           <m:r>
-                                            <a:rPr lang="en-US" altLang="ko-KR" sz="1400" i="1"/>
+                                            <a:rPr lang="en-US" altLang="ko-KR" sz="1400" i="1">
+                                              <a:latin typeface="Cambria Math"/>
+                                            </a:rPr>
                                             <m:t>𝑘</m:t>
                                           </m:r>
                                         </m:sub>
                                         <m:sup>
                                           <m:r>
-                                            <a:rPr lang="en-US" altLang="ko-KR" sz="1400" i="1"/>
+                                            <a:rPr lang="en-US" altLang="ko-KR" sz="1400" i="1">
+                                              <a:latin typeface="Cambria Math"/>
+                                            </a:rPr>
                                             <m:t>1</m:t>
                                           </m:r>
                                         </m:sup>
@@ -26643,30 +27050,40 @@
                                     </m:num>
                                     <m:den>
                                       <m:r>
-                                        <a:rPr lang="en-US" altLang="ko-KR" sz="1400"/>
-                                        <m:t>∂</m:t>
+                                        <a:rPr lang="en-US" altLang="ko-KR" sz="1400">
+                                          <a:latin typeface="Cambria Math"/>
+                                        </a:rPr>
+                                        <m:t>𝜕</m:t>
                                       </m:r>
                                       <m:sSubSup>
                                         <m:sSubSupPr>
                                           <m:ctrlPr>
-                                            <a:rPr lang="ko-KR" altLang="ko-KR" sz="1400" i="1"/>
+                                            <a:rPr lang="ko-KR" altLang="ko-KR" sz="1400" i="1">
+                                              <a:latin typeface="Cambria Math"/>
+                                            </a:rPr>
                                           </m:ctrlPr>
                                         </m:sSubSupPr>
                                         <m:e>
                                           <m:r>
-                                            <a:rPr lang="en-US" altLang="ko-KR" sz="1400" i="1"/>
+                                            <a:rPr lang="en-US" altLang="ko-KR" sz="1400" i="1">
+                                              <a:latin typeface="Cambria Math"/>
+                                            </a:rPr>
                                             <m:t>h</m:t>
                                           </m:r>
                                         </m:e>
                                         <m:sub>
                                           <m:r>
-                                            <a:rPr lang="en-US" altLang="ko-KR" sz="1400" i="1"/>
+                                            <a:rPr lang="en-US" altLang="ko-KR" sz="1400" i="1">
+                                              <a:latin typeface="Cambria Math"/>
+                                            </a:rPr>
                                             <m:t>𝑗</m:t>
                                           </m:r>
                                         </m:sub>
                                         <m:sup>
                                           <m:r>
-                                            <a:rPr lang="en-US" altLang="ko-KR" sz="1400" i="1"/>
+                                            <a:rPr lang="en-US" altLang="ko-KR" sz="1400" i="1">
+                                              <a:latin typeface="Cambria Math"/>
+                                            </a:rPr>
                                             <m:t>0</m:t>
                                           </m:r>
                                         </m:sup>
@@ -26674,41 +27091,55 @@
                                     </m:den>
                                   </m:f>
                                   <m:r>
-                                    <a:rPr lang="en-US" altLang="ko-KR" sz="1400" i="1"/>
+                                    <a:rPr lang="en-US" altLang="ko-KR" sz="1400" i="1">
+                                      <a:latin typeface="Cambria Math"/>
+                                    </a:rPr>
                                     <m:t> </m:t>
                                   </m:r>
                                   <m:f>
                                     <m:fPr>
                                       <m:ctrlPr>
-                                        <a:rPr lang="ko-KR" altLang="ko-KR" sz="1400" i="1"/>
+                                        <a:rPr lang="ko-KR" altLang="ko-KR" sz="1400" i="1">
+                                          <a:latin typeface="Cambria Math"/>
+                                        </a:rPr>
                                       </m:ctrlPr>
                                     </m:fPr>
                                     <m:num>
                                       <m:r>
-                                        <a:rPr lang="en-US" altLang="ko-KR" sz="1400"/>
-                                        <m:t>∂</m:t>
+                                        <a:rPr lang="en-US" altLang="ko-KR" sz="1400">
+                                          <a:latin typeface="Cambria Math"/>
+                                        </a:rPr>
+                                        <m:t>𝜕</m:t>
                                       </m:r>
                                       <m:sSubSup>
                                         <m:sSubSupPr>
                                           <m:ctrlPr>
-                                            <a:rPr lang="ko-KR" altLang="ko-KR" sz="1400" i="1"/>
+                                            <a:rPr lang="ko-KR" altLang="ko-KR" sz="1400" i="1">
+                                              <a:latin typeface="Cambria Math"/>
+                                            </a:rPr>
                                           </m:ctrlPr>
                                         </m:sSubSupPr>
                                         <m:e>
                                           <m:r>
-                                            <a:rPr lang="en-US" altLang="ko-KR" sz="1400" i="1"/>
+                                            <a:rPr lang="en-US" altLang="ko-KR" sz="1400" i="1">
+                                              <a:latin typeface="Cambria Math"/>
+                                            </a:rPr>
                                             <m:t>h</m:t>
                                           </m:r>
                                         </m:e>
                                         <m:sub>
                                           <m:r>
-                                            <a:rPr lang="en-US" altLang="ko-KR" sz="1400" i="1"/>
+                                            <a:rPr lang="en-US" altLang="ko-KR" sz="1400" i="1">
+                                              <a:latin typeface="Cambria Math"/>
+                                            </a:rPr>
                                             <m:t>𝑗</m:t>
                                           </m:r>
                                         </m:sub>
                                         <m:sup>
                                           <m:r>
-                                            <a:rPr lang="en-US" altLang="ko-KR" sz="1400" i="1"/>
+                                            <a:rPr lang="en-US" altLang="ko-KR" sz="1400" i="1">
+                                              <a:latin typeface="Cambria Math"/>
+                                            </a:rPr>
                                             <m:t>0</m:t>
                                           </m:r>
                                         </m:sup>
@@ -26716,30 +27147,40 @@
                                     </m:num>
                                     <m:den>
                                       <m:r>
-                                        <a:rPr lang="en-US" altLang="ko-KR" sz="1400"/>
-                                        <m:t>∂</m:t>
+                                        <a:rPr lang="en-US" altLang="ko-KR" sz="1400">
+                                          <a:latin typeface="Cambria Math"/>
+                                        </a:rPr>
+                                        <m:t>𝜕</m:t>
                                       </m:r>
                                       <m:sSubSup>
                                         <m:sSubSupPr>
                                           <m:ctrlPr>
-                                            <a:rPr lang="ko-KR" altLang="ko-KR" sz="1400" i="1"/>
+                                            <a:rPr lang="ko-KR" altLang="ko-KR" sz="1400" i="1">
+                                              <a:latin typeface="Cambria Math"/>
+                                            </a:rPr>
                                           </m:ctrlPr>
                                         </m:sSubSupPr>
                                         <m:e>
                                           <m:r>
-                                            <a:rPr lang="en-US" altLang="ko-KR" sz="1400" i="1"/>
+                                            <a:rPr lang="en-US" altLang="ko-KR" sz="1400" i="1">
+                                              <a:latin typeface="Cambria Math"/>
+                                            </a:rPr>
                                             <m:t>𝑍</m:t>
                                           </m:r>
                                         </m:e>
                                         <m:sub>
                                           <m:r>
-                                            <a:rPr lang="en-US" altLang="ko-KR" sz="1400" i="1"/>
+                                            <a:rPr lang="en-US" altLang="ko-KR" sz="1400" i="1">
+                                              <a:latin typeface="Cambria Math"/>
+                                            </a:rPr>
                                             <m:t>𝑗</m:t>
                                           </m:r>
                                         </m:sub>
                                         <m:sup>
                                           <m:r>
-                                            <a:rPr lang="en-US" altLang="ko-KR" sz="1400" i="1"/>
+                                            <a:rPr lang="en-US" altLang="ko-KR" sz="1400" i="1">
+                                              <a:latin typeface="Cambria Math"/>
+                                            </a:rPr>
                                             <m:t>0</m:t>
                                           </m:r>
                                         </m:sup>
@@ -26753,41 +27194,55 @@
                         </m:e>
                       </m:nary>
                       <m:r>
-                        <a:rPr lang="en-US" altLang="ko-KR" sz="1400" i="1"/>
+                        <a:rPr lang="en-US" altLang="ko-KR" sz="1400" i="1">
+                          <a:latin typeface="Cambria Math"/>
+                        </a:rPr>
                         <m:t> </m:t>
                       </m:r>
                       <m:f>
                         <m:fPr>
                           <m:ctrlPr>
-                            <a:rPr lang="ko-KR" altLang="ko-KR" sz="1400" i="1"/>
+                            <a:rPr lang="ko-KR" altLang="ko-KR" sz="1400" i="1">
+                              <a:latin typeface="Cambria Math"/>
+                            </a:rPr>
                           </m:ctrlPr>
                         </m:fPr>
                         <m:num>
                           <m:r>
-                            <a:rPr lang="en-US" altLang="ko-KR" sz="1400"/>
-                            <m:t>∂</m:t>
+                            <a:rPr lang="en-US" altLang="ko-KR" sz="1400">
+                              <a:latin typeface="Cambria Math"/>
+                            </a:rPr>
+                            <m:t>𝜕</m:t>
                           </m:r>
                           <m:sSubSup>
                             <m:sSubSupPr>
                               <m:ctrlPr>
-                                <a:rPr lang="ko-KR" altLang="ko-KR" sz="1400" i="1"/>
+                                <a:rPr lang="ko-KR" altLang="ko-KR" sz="1400" i="1">
+                                  <a:latin typeface="Cambria Math"/>
+                                </a:rPr>
                               </m:ctrlPr>
                             </m:sSubSupPr>
                             <m:e>
                               <m:r>
-                                <a:rPr lang="en-US" altLang="ko-KR" sz="1400" i="1"/>
+                                <a:rPr lang="en-US" altLang="ko-KR" sz="1400" i="1">
+                                  <a:latin typeface="Cambria Math"/>
+                                </a:rPr>
                                 <m:t>𝑍</m:t>
                               </m:r>
                             </m:e>
                             <m:sub>
                               <m:r>
-                                <a:rPr lang="en-US" altLang="ko-KR" sz="1400" i="1"/>
+                                <a:rPr lang="en-US" altLang="ko-KR" sz="1400" i="1">
+                                  <a:latin typeface="Cambria Math"/>
+                                </a:rPr>
                                 <m:t>𝑗</m:t>
                               </m:r>
                             </m:sub>
                             <m:sup>
                               <m:r>
-                                <a:rPr lang="en-US" altLang="ko-KR" sz="1400" i="1"/>
+                                <a:rPr lang="en-US" altLang="ko-KR" sz="1400" i="1">
+                                  <a:latin typeface="Cambria Math"/>
+                                </a:rPr>
                                 <m:t>0</m:t>
                               </m:r>
                             </m:sup>
@@ -26795,30 +27250,40 @@
                         </m:num>
                         <m:den>
                           <m:r>
-                            <a:rPr lang="en-US" altLang="ko-KR" sz="1400"/>
-                            <m:t>∂</m:t>
+                            <a:rPr lang="en-US" altLang="ko-KR" sz="1400">
+                              <a:latin typeface="Cambria Math"/>
+                            </a:rPr>
+                            <m:t>𝜕</m:t>
                           </m:r>
                           <m:sSubSup>
                             <m:sSubSupPr>
                               <m:ctrlPr>
-                                <a:rPr lang="ko-KR" altLang="ko-KR" sz="1400" i="1"/>
+                                <a:rPr lang="ko-KR" altLang="ko-KR" sz="1400" i="1">
+                                  <a:latin typeface="Cambria Math"/>
+                                </a:rPr>
                               </m:ctrlPr>
                             </m:sSubSupPr>
                             <m:e>
                               <m:r>
-                                <a:rPr lang="en-US" altLang="ko-KR" sz="1400" i="1"/>
+                                <a:rPr lang="en-US" altLang="ko-KR" sz="1400" i="1">
+                                  <a:latin typeface="Cambria Math"/>
+                                </a:rPr>
                                 <m:t>𝑊</m:t>
                               </m:r>
                             </m:e>
                             <m:sub>
                               <m:r>
-                                <a:rPr lang="en-US" altLang="ko-KR" sz="1400" i="1"/>
+                                <a:rPr lang="en-US" altLang="ko-KR" sz="1400" i="1">
+                                  <a:latin typeface="Cambria Math"/>
+                                </a:rPr>
                                 <m:t>𝑖𝑗</m:t>
                               </m:r>
                             </m:sub>
                             <m:sup>
                               <m:r>
-                                <a:rPr lang="en-US" altLang="ko-KR" sz="1400" i="1"/>
+                                <a:rPr lang="en-US" altLang="ko-KR" sz="1400" i="1">
+                                  <a:latin typeface="Cambria Math"/>
+                                </a:rPr>
                                 <m:t>0</m:t>
                               </m:r>
                             </m:sup>
@@ -26833,7 +27298,7 @@
             </p:txBody>
           </p:sp>
         </mc:Choice>
-        <mc:Fallback>
+        <mc:Fallback xmlns="">
           <p:sp>
             <p:nvSpPr>
               <p:cNvPr id="2" name="직사각형 1"/>
